--- a/dbroute.pptx
+++ b/dbroute.pptx
@@ -5,7 +5,7 @@
     <p:sldMasterId id="2147483648" r:id="rId1"/>
   </p:sldMasterIdLst>
   <p:notesMasterIdLst>
-    <p:notesMasterId r:id="rId15"/>
+    <p:notesMasterId r:id="rId22"/>
   </p:notesMasterIdLst>
   <p:sldIdLst>
     <p:sldId id="256" r:id="rId2"/>
@@ -19,8 +19,15 @@
     <p:sldId id="349" r:id="rId10"/>
     <p:sldId id="351" r:id="rId11"/>
     <p:sldId id="350" r:id="rId12"/>
-    <p:sldId id="300" r:id="rId13"/>
-    <p:sldId id="284" r:id="rId14"/>
+    <p:sldId id="355" r:id="rId13"/>
+    <p:sldId id="356" r:id="rId14"/>
+    <p:sldId id="357" r:id="rId15"/>
+    <p:sldId id="358" r:id="rId16"/>
+    <p:sldId id="359" r:id="rId17"/>
+    <p:sldId id="353" r:id="rId18"/>
+    <p:sldId id="354" r:id="rId19"/>
+    <p:sldId id="300" r:id="rId20"/>
+    <p:sldId id="284" r:id="rId21"/>
   </p:sldIdLst>
   <p:sldSz cx="9144000" cy="6858000" type="screen4x3"/>
   <p:notesSz cx="6858000" cy="9144000"/>
@@ -205,7 +212,7 @@
             <a:fld id="{1C322183-02A2-4B29-8FC7-57DEF057D6A5}" type="datetimeFigureOut">
               <a:rPr lang="zh-CN" altLang="en-US" smtClean="0"/>
               <a:pPr/>
-              <a:t>2014/8/25</a:t>
+              <a:t>2014/8/26</a:t>
             </a:fld>
             <a:endParaRPr lang="zh-CN" altLang="en-US"/>
           </a:p>
@@ -936,7 +943,7 @@
             <a:fld id="{216C5678-EE20-4FA5-88E2-6E0BD67A2E26}" type="datetime1">
               <a:rPr lang="en-US" smtClean="0"/>
               <a:pPr/>
-              <a:t>8/25/2014</a:t>
+              <a:t>8/26/2014</a:t>
             </a:fld>
             <a:endParaRPr lang="en-US" dirty="0"/>
           </a:p>
@@ -1107,7 +1114,7 @@
             <a:fld id="{EA051B39-B140-43FE-96DB-472A2B59CE7C}" type="datetime1">
               <a:rPr lang="en-US" smtClean="0"/>
               <a:pPr/>
-              <a:t>8/25/2014</a:t>
+              <a:t>8/26/2014</a:t>
             </a:fld>
             <a:endParaRPr lang="en-US"/>
           </a:p>
@@ -1288,7 +1295,7 @@
             <a:fld id="{DA600BB2-27C5-458B-ABCE-839C88CF47CE}" type="datetime1">
               <a:rPr lang="en-US" smtClean="0"/>
               <a:pPr/>
-              <a:t>8/25/2014</a:t>
+              <a:t>8/26/2014</a:t>
             </a:fld>
             <a:endParaRPr lang="en-US"/>
           </a:p>
@@ -1477,7 +1484,7 @@
             <a:fld id="{B11D738E-8962-435F-8C43-147B8DD7E819}" type="datetime1">
               <a:rPr lang="en-US" smtClean="0"/>
               <a:pPr/>
-              <a:t>8/25/2014</a:t>
+              <a:t>8/26/2014</a:t>
             </a:fld>
             <a:endParaRPr lang="en-US"/>
           </a:p>
@@ -1745,7 +1752,7 @@
             <a:fld id="{09CAEA93-55E7-4DA9-90C2-089A26EEFEC4}" type="datetime1">
               <a:rPr lang="en-US" smtClean="0"/>
               <a:pPr/>
-              <a:t>8/25/2014</a:t>
+              <a:t>8/26/2014</a:t>
             </a:fld>
             <a:endParaRPr lang="en-US"/>
           </a:p>
@@ -2099,7 +2106,7 @@
             <a:fld id="{E34CF3C7-6809-4F39-BD67-A75817BDDE0A}" type="datetime1">
               <a:rPr lang="en-US" smtClean="0"/>
               <a:pPr/>
-              <a:t>8/25/2014</a:t>
+              <a:t>8/26/2014</a:t>
             </a:fld>
             <a:endParaRPr lang="en-US"/>
           </a:p>
@@ -2413,7 +2420,7 @@
             <a:fld id="{F7EAEB24-CE78-465C-A726-91D0868FA48F}" type="datetime1">
               <a:rPr lang="en-US" smtClean="0"/>
               <a:pPr/>
-              <a:t>8/25/2014</a:t>
+              <a:t>8/26/2014</a:t>
             </a:fld>
             <a:endParaRPr lang="en-US"/>
           </a:p>
@@ -2646,7 +2653,7 @@
             <a:fld id="{40BAADF0-1749-4E8B-9691-B44A5F8C0895}" type="datetime1">
               <a:rPr lang="en-US" smtClean="0"/>
               <a:pPr/>
-              <a:t>8/25/2014</a:t>
+              <a:t>8/26/2014</a:t>
             </a:fld>
             <a:endParaRPr lang="en-US"/>
           </a:p>
@@ -2742,7 +2749,7 @@
             <a:fld id="{A8AF628A-A867-4937-BBE5-207DB6F9C51A}" type="datetime1">
               <a:rPr lang="en-US" smtClean="0"/>
               <a:pPr/>
-              <a:t>8/25/2014</a:t>
+              <a:t>8/26/2014</a:t>
             </a:fld>
             <a:endParaRPr lang="en-US"/>
           </a:p>
@@ -3036,7 +3043,7 @@
             <a:fld id="{118BBB94-68E6-4675-A946-F1C5994EDBD7}" type="datetime1">
               <a:rPr lang="en-US" smtClean="0"/>
               <a:pPr/>
-              <a:t>8/25/2014</a:t>
+              <a:t>8/26/2014</a:t>
             </a:fld>
             <a:endParaRPr lang="en-US"/>
           </a:p>
@@ -3311,7 +3318,7 @@
             <a:fld id="{DC3B8377-21E3-4835-B75D-4E2847E2750F}" type="datetime1">
               <a:rPr lang="en-US" smtClean="0"/>
               <a:pPr/>
-              <a:t>8/25/2014</a:t>
+              <a:t>8/26/2014</a:t>
             </a:fld>
             <a:endParaRPr lang="en-US"/>
           </a:p>
@@ -3527,7 +3534,7 @@
             <a:fld id="{B0C4986D-6BE9-4264-908F-02DB36FD8D6C}" type="datetime1">
               <a:rPr lang="en-US" smtClean="0"/>
               <a:pPr/>
-              <a:t>8/25/2014</a:t>
+              <a:t>8/26/2014</a:t>
             </a:fld>
             <a:endParaRPr lang="en-US" dirty="0"/>
           </a:p>
@@ -4117,7 +4124,7 @@
             <a:fld id="{216C5678-EE20-4FA5-88E2-6E0BD67A2E26}" type="datetime1">
               <a:rPr lang="en-US" smtClean="0"/>
               <a:pPr/>
-              <a:t>8/25/2014</a:t>
+              <a:t>8/26/2014</a:t>
             </a:fld>
             <a:endParaRPr lang="en-US" dirty="0"/>
           </a:p>
@@ -4467,7 +4474,7 @@
                 </a:solidFill>
               </a:rPr>
               <a:pPr/>
-              <a:t>8/25/2014</a:t>
+              <a:t>8/26/2014</a:t>
             </a:fld>
             <a:endParaRPr lang="en-US">
               <a:solidFill>
@@ -4935,7 +4942,7 @@
                 </a:solidFill>
               </a:rPr>
               <a:pPr/>
-              <a:t>8/25/2014</a:t>
+              <a:t>8/26/2014</a:t>
             </a:fld>
             <a:endParaRPr lang="en-US">
               <a:solidFill>
@@ -5939,6 +5946,163 @@
       </p:grpSpPr>
       <p:sp>
         <p:nvSpPr>
+          <p:cNvPr id="3" name="内容占位符 2"/>
+          <p:cNvSpPr>
+            <a:spLocks noGrp="1"/>
+          </p:cNvSpPr>
+          <p:nvPr>
+            <p:ph idx="1"/>
+          </p:nvPr>
+        </p:nvSpPr>
+        <p:spPr>
+          <a:xfrm>
+            <a:off x="323528" y="980728"/>
+            <a:ext cx="8280920" cy="5616624"/>
+          </a:xfrm>
+        </p:spPr>
+        <p:txBody>
+          <a:bodyPr>
+            <a:normAutofit/>
+          </a:bodyPr>
+          <a:lstStyle/>
+          <a:p>
+            <a:r>
+              <a:rPr lang="zh-CN" altLang="en-US" dirty="0" smtClean="0"/>
+              <a:t>单例模式</a:t>
+            </a:r>
+            <a:endParaRPr lang="en-US" altLang="zh-CN" dirty="0" smtClean="0"/>
+          </a:p>
+          <a:p>
+            <a:r>
+              <a:rPr lang="zh-CN" altLang="en-US" dirty="0" smtClean="0"/>
+              <a:t>类的静态变量数组保存事务中所有操作的数据库名（只认数据库名不认</a:t>
+            </a:r>
+            <a:r>
+              <a:rPr lang="en-US" altLang="zh-CN" dirty="0" err="1" smtClean="0"/>
+              <a:t>ip</a:t>
+            </a:r>
+            <a:r>
+              <a:rPr lang="en-US" altLang="zh-CN" dirty="0" smtClean="0"/>
+              <a:t>,</a:t>
+            </a:r>
+            <a:r>
+              <a:rPr lang="zh-CN" altLang="en-US" dirty="0" smtClean="0"/>
+              <a:t>主从</a:t>
+            </a:r>
+            <a:r>
+              <a:rPr lang="en-US" altLang="zh-CN" dirty="0" err="1" smtClean="0"/>
+              <a:t>ip</a:t>
+            </a:r>
+            <a:r>
+              <a:rPr lang="zh-CN" altLang="en-US" dirty="0" smtClean="0"/>
+              <a:t>不一样）</a:t>
+            </a:r>
+            <a:endParaRPr lang="en-US" altLang="zh-CN" dirty="0" smtClean="0"/>
+          </a:p>
+          <a:p>
+            <a:r>
+              <a:rPr lang="zh-CN" altLang="en-US" dirty="0" smtClean="0"/>
+              <a:t>事务开启时记录所处事务的数据库名</a:t>
+            </a:r>
+            <a:endParaRPr lang="en-US" altLang="zh-CN" dirty="0" smtClean="0"/>
+          </a:p>
+          <a:p>
+            <a:r>
+              <a:rPr lang="zh-CN" altLang="en-US" dirty="0" smtClean="0"/>
+              <a:t>事务中查询</a:t>
+            </a:r>
+            <a:r>
+              <a:rPr lang="en-US" altLang="zh-CN" dirty="0" smtClean="0"/>
+              <a:t>(</a:t>
+            </a:r>
+            <a:r>
+              <a:rPr lang="zh-CN" altLang="en-US" dirty="0" smtClean="0"/>
+              <a:t>包括事务中读使用从库</a:t>
+            </a:r>
+            <a:r>
+              <a:rPr lang="en-US" altLang="zh-CN" dirty="0" smtClean="0"/>
+              <a:t>)</a:t>
+            </a:r>
+            <a:r>
+              <a:rPr lang="zh-CN" altLang="en-US" dirty="0" smtClean="0"/>
+              <a:t>、更新、插入数据库的操作，每步都会记录所操作的数据库名</a:t>
+            </a:r>
+            <a:endParaRPr lang="en-US" altLang="zh-CN" dirty="0" smtClean="0"/>
+          </a:p>
+          <a:p>
+            <a:r>
+              <a:rPr lang="zh-CN" altLang="en-US" dirty="0" smtClean="0"/>
+              <a:t>事务提交时判断是否有多个数据库名，有将抛出异常</a:t>
+            </a:r>
+            <a:endParaRPr lang="en-US" altLang="zh-CN" dirty="0" smtClean="0"/>
+          </a:p>
+          <a:p>
+            <a:r>
+              <a:rPr lang="zh-CN" altLang="en-US" dirty="0" smtClean="0"/>
+              <a:t>事务回滚交由客记端</a:t>
+            </a:r>
+            <a:r>
+              <a:rPr lang="en-US" altLang="zh-CN" dirty="0" smtClean="0"/>
+              <a:t>(</a:t>
+            </a:r>
+            <a:r>
+              <a:rPr lang="zh-CN" altLang="en-US" dirty="0" smtClean="0"/>
+              <a:t>调用端</a:t>
+            </a:r>
+            <a:r>
+              <a:rPr lang="en-US" altLang="zh-CN" dirty="0" smtClean="0"/>
+              <a:t>)</a:t>
+            </a:r>
+            <a:r>
+              <a:rPr lang="zh-CN" altLang="en-US" dirty="0" smtClean="0"/>
+              <a:t>处理</a:t>
+            </a:r>
+            <a:endParaRPr lang="en-US" altLang="zh-CN" dirty="0" smtClean="0"/>
+          </a:p>
+          <a:p>
+            <a:r>
+              <a:rPr lang="zh-CN" altLang="en-US" dirty="0" smtClean="0"/>
+              <a:t>事务中的读使用从库的查询时不要使用</a:t>
+            </a:r>
+            <a:r>
+              <a:rPr lang="en-US" altLang="zh-CN" dirty="0" smtClean="0"/>
+              <a:t>select …for update</a:t>
+            </a:r>
+          </a:p>
+          <a:p>
+            <a:r>
+              <a:rPr lang="zh-CN" altLang="en-US" dirty="0" smtClean="0"/>
+              <a:t>如有序列操作咋办</a:t>
+            </a:r>
+            <a:r>
+              <a:rPr lang="en-US" altLang="zh-CN" dirty="0"/>
+              <a:t> </a:t>
+            </a:r>
+            <a:r>
+              <a:rPr lang="zh-CN" altLang="en-US" dirty="0" smtClean="0"/>
+              <a:t>？</a:t>
+            </a:r>
+            <a:r>
+              <a:rPr lang="zh-CN" altLang="en-US" dirty="0" smtClean="0">
+                <a:solidFill>
+                  <a:srgbClr val="FF0000"/>
+                </a:solidFill>
+              </a:rPr>
+              <a:t>不包括序列操作的库</a:t>
+            </a:r>
+            <a:endParaRPr lang="en-US" altLang="zh-CN" dirty="0" smtClean="0">
+              <a:solidFill>
+                <a:srgbClr val="FF0000"/>
+              </a:solidFill>
+            </a:endParaRPr>
+          </a:p>
+          <a:p>
+            <a:endParaRPr lang="en-US" altLang="zh-CN" dirty="0" smtClean="0"/>
+          </a:p>
+        </p:txBody>
+      </p:sp>
+      <p:sp>
+        <p:nvSpPr>
           <p:cNvPr id="4" name="日期占位符 3"/>
           <p:cNvSpPr>
             <a:spLocks noGrp="1"/>
@@ -5953,11 +6117,25 @@
           <a:lstStyle/>
           <a:p>
             <a:fld id="{B11D738E-8962-435F-8C43-147B8DD7E819}" type="datetime1">
-              <a:rPr lang="en-US" smtClean="0"/>
+              <a:rPr lang="en-US" smtClean="0">
+                <a:solidFill>
+                  <a:prstClr val="black">
+                    <a:lumMod val="65000"/>
+                    <a:lumOff val="35000"/>
+                  </a:prstClr>
+                </a:solidFill>
+              </a:rPr>
               <a:pPr/>
-              <a:t>8/25/2014</a:t>
+              <a:t>8/26/2014</a:t>
             </a:fld>
-            <a:endParaRPr lang="en-US"/>
+            <a:endParaRPr lang="en-US">
+              <a:solidFill>
+                <a:prstClr val="black">
+                  <a:lumMod val="65000"/>
+                  <a:lumOff val="35000"/>
+                </a:prstClr>
+              </a:solidFill>
+            </a:endParaRPr>
           </a:p>
         </p:txBody>
       </p:sp>
@@ -5977,11 +6155,25 @@
           <a:lstStyle/>
           <a:p>
             <a:fld id="{BA9B540C-44DA-4F69-89C9-7C84606640D3}" type="slidenum">
-              <a:rPr lang="en-US" smtClean="0"/>
+              <a:rPr lang="en-US" smtClean="0">
+                <a:solidFill>
+                  <a:prstClr val="black">
+                    <a:lumMod val="65000"/>
+                    <a:lumOff val="35000"/>
+                  </a:prstClr>
+                </a:solidFill>
+              </a:rPr>
               <a:pPr/>
               <a:t>12</a:t>
             </a:fld>
-            <a:endParaRPr lang="en-US"/>
+            <a:endParaRPr lang="en-US">
+              <a:solidFill>
+                <a:prstClr val="black">
+                  <a:lumMod val="65000"/>
+                  <a:lumOff val="35000"/>
+                </a:prstClr>
+              </a:solidFill>
+            </a:endParaRPr>
           </a:p>
         </p:txBody>
       </p:sp>
@@ -5995,8 +6187,8 @@
         </p:nvSpPr>
         <p:spPr>
           <a:xfrm>
-            <a:off x="251520" y="2348880"/>
-            <a:ext cx="8229600" cy="1024136"/>
+            <a:off x="107504" y="44624"/>
+            <a:ext cx="8640960" cy="764704"/>
           </a:xfrm>
           <a:prstGeom prst="rect">
             <a:avLst/>
@@ -6033,18 +6225,27 @@
             </a:lvl1pPr>
           </a:lstStyle>
           <a:p>
-            <a:r>
-              <a:rPr lang="en-US" altLang="zh-CN" dirty="0" smtClean="0"/>
-              <a:t>Q &amp; A</a:t>
-            </a:r>
-            <a:endParaRPr lang="zh-CN" altLang="en-US" dirty="0"/>
+            <a:pPr algn="l"/>
+            <a:r>
+              <a:rPr lang="zh-CN" altLang="en-US" sz="3200" b="1" dirty="0" smtClean="0">
+                <a:solidFill>
+                  <a:srgbClr val="2F5897"/>
+                </a:solidFill>
+              </a:rPr>
+              <a:t>一个事务中超过一个数据源抛出异常实现原理</a:t>
+            </a:r>
+            <a:endParaRPr lang="zh-CN" altLang="en-US" sz="3200" b="1" dirty="0">
+              <a:solidFill>
+                <a:srgbClr val="2F5897"/>
+              </a:solidFill>
+            </a:endParaRPr>
           </a:p>
         </p:txBody>
       </p:sp>
     </p:spTree>
     <p:extLst>
       <p:ext uri="{BB962C8B-B14F-4D97-AF65-F5344CB8AC3E}">
-        <p14:creationId xmlns:p14="http://schemas.microsoft.com/office/powerpoint/2010/main" val="2993230041"/>
+        <p14:creationId xmlns:p14="http://schemas.microsoft.com/office/powerpoint/2010/main" val="3577939053"/>
       </p:ext>
     </p:extLst>
   </p:cSld>
@@ -6080,6 +6281,67 @@
       </p:grpSpPr>
       <p:sp>
         <p:nvSpPr>
+          <p:cNvPr id="3" name="内容占位符 2"/>
+          <p:cNvSpPr>
+            <a:spLocks noGrp="1"/>
+          </p:cNvSpPr>
+          <p:nvPr>
+            <p:ph idx="1"/>
+          </p:nvPr>
+        </p:nvSpPr>
+        <p:spPr>
+          <a:xfrm>
+            <a:off x="323528" y="980728"/>
+            <a:ext cx="8280920" cy="5616624"/>
+          </a:xfrm>
+        </p:spPr>
+        <p:txBody>
+          <a:bodyPr>
+            <a:normAutofit/>
+          </a:bodyPr>
+          <a:lstStyle/>
+          <a:p>
+            <a:r>
+              <a:rPr lang="zh-CN" altLang="en-US" dirty="0" smtClean="0"/>
+              <a:t>策略模式</a:t>
+            </a:r>
+            <a:endParaRPr lang="en-US" altLang="zh-CN" dirty="0" smtClean="0"/>
+          </a:p>
+          <a:p>
+            <a:r>
+              <a:rPr lang="zh-CN" altLang="en-US" dirty="0" smtClean="0"/>
+              <a:t>统一数据操作接口</a:t>
+            </a:r>
+            <a:endParaRPr lang="en-US" altLang="zh-CN" dirty="0"/>
+          </a:p>
+          <a:p>
+            <a:r>
+              <a:rPr lang="zh-CN" altLang="en-US" dirty="0" smtClean="0"/>
+              <a:t>两个操作类都实现公共接口</a:t>
+            </a:r>
+            <a:endParaRPr lang="en-US" altLang="zh-CN" dirty="0" smtClean="0"/>
+          </a:p>
+          <a:p>
+            <a:r>
+              <a:rPr lang="zh-CN" altLang="en-US" dirty="0" smtClean="0"/>
+              <a:t>相同方法相同返回结果</a:t>
+            </a:r>
+            <a:endParaRPr lang="en-US" altLang="zh-CN" dirty="0" smtClean="0"/>
+          </a:p>
+          <a:p>
+            <a:r>
+              <a:rPr lang="zh-CN" altLang="en-US" dirty="0" smtClean="0"/>
+              <a:t>定义公共常量切换方式</a:t>
+            </a:r>
+            <a:endParaRPr lang="en-US" altLang="zh-CN" dirty="0" smtClean="0"/>
+          </a:p>
+          <a:p>
+            <a:endParaRPr lang="en-US" altLang="zh-CN" dirty="0" smtClean="0"/>
+          </a:p>
+        </p:txBody>
+      </p:sp>
+      <p:sp>
+        <p:nvSpPr>
           <p:cNvPr id="4" name="日期占位符 3"/>
           <p:cNvSpPr>
             <a:spLocks noGrp="1"/>
@@ -6094,11 +6356,25 @@
           <a:lstStyle/>
           <a:p>
             <a:fld id="{B11D738E-8962-435F-8C43-147B8DD7E819}" type="datetime1">
-              <a:rPr lang="en-US" smtClean="0"/>
+              <a:rPr lang="en-US" smtClean="0">
+                <a:solidFill>
+                  <a:prstClr val="black">
+                    <a:lumMod val="65000"/>
+                    <a:lumOff val="35000"/>
+                  </a:prstClr>
+                </a:solidFill>
+              </a:rPr>
               <a:pPr/>
-              <a:t>8/25/2014</a:t>
+              <a:t>8/26/2014</a:t>
             </a:fld>
-            <a:endParaRPr lang="en-US"/>
+            <a:endParaRPr lang="en-US">
+              <a:solidFill>
+                <a:prstClr val="black">
+                  <a:lumMod val="65000"/>
+                  <a:lumOff val="35000"/>
+                </a:prstClr>
+              </a:solidFill>
+            </a:endParaRPr>
           </a:p>
         </p:txBody>
       </p:sp>
@@ -6118,17 +6394,31 @@
           <a:lstStyle/>
           <a:p>
             <a:fld id="{BA9B540C-44DA-4F69-89C9-7C84606640D3}" type="slidenum">
-              <a:rPr lang="en-US" smtClean="0"/>
+              <a:rPr lang="en-US" smtClean="0">
+                <a:solidFill>
+                  <a:prstClr val="black">
+                    <a:lumMod val="65000"/>
+                    <a:lumOff val="35000"/>
+                  </a:prstClr>
+                </a:solidFill>
+              </a:rPr>
               <a:pPr/>
               <a:t>13</a:t>
             </a:fld>
-            <a:endParaRPr lang="en-US"/>
-          </a:p>
-        </p:txBody>
-      </p:sp>
-      <p:sp>
-        <p:nvSpPr>
-          <p:cNvPr id="10" name="标题 1"/>
+            <a:endParaRPr lang="en-US">
+              <a:solidFill>
+                <a:prstClr val="black">
+                  <a:lumMod val="65000"/>
+                  <a:lumOff val="35000"/>
+                </a:prstClr>
+              </a:solidFill>
+            </a:endParaRPr>
+          </a:p>
+        </p:txBody>
+      </p:sp>
+      <p:sp>
+        <p:nvSpPr>
+          <p:cNvPr id="7" name="标题 1"/>
           <p:cNvSpPr txBox="1">
             <a:spLocks/>
           </p:cNvSpPr>
@@ -6136,8 +6426,8 @@
         </p:nvSpPr>
         <p:spPr>
           <a:xfrm>
-            <a:off x="251520" y="2348880"/>
-            <a:ext cx="8229600" cy="1024136"/>
+            <a:off x="107504" y="44624"/>
+            <a:ext cx="8640960" cy="764704"/>
           </a:xfrm>
           <a:prstGeom prst="rect">
             <a:avLst/>
@@ -6174,18 +6464,1835 @@
             </a:lvl1pPr>
           </a:lstStyle>
           <a:p>
-            <a:r>
-              <a:rPr lang="en-US" altLang="zh-CN" dirty="0" smtClean="0"/>
-              <a:t>THANKS</a:t>
-            </a:r>
-            <a:endParaRPr lang="zh-CN" altLang="en-US" dirty="0"/>
+            <a:pPr algn="l"/>
+            <a:r>
+              <a:rPr lang="en-US" altLang="zh-CN" sz="3200" b="1" dirty="0" smtClean="0">
+                <a:solidFill>
+                  <a:srgbClr val="2F5897"/>
+                </a:solidFill>
+              </a:rPr>
+              <a:t>PDO</a:t>
+            </a:r>
+            <a:r>
+              <a:rPr lang="zh-CN" altLang="en-US" sz="3200" b="1" dirty="0" smtClean="0">
+                <a:solidFill>
+                  <a:srgbClr val="2F5897"/>
+                </a:solidFill>
+              </a:rPr>
+              <a:t>、</a:t>
+            </a:r>
+            <a:r>
+              <a:rPr lang="en-US" altLang="zh-CN" sz="3200" b="1" dirty="0" smtClean="0">
+                <a:solidFill>
+                  <a:srgbClr val="2F5897"/>
+                </a:solidFill>
+              </a:rPr>
+              <a:t>MYSQLI</a:t>
+            </a:r>
+            <a:r>
+              <a:rPr lang="zh-CN" altLang="en-US" sz="3200" b="1" dirty="0" smtClean="0">
+                <a:solidFill>
+                  <a:srgbClr val="2F5897"/>
+                </a:solidFill>
+              </a:rPr>
+              <a:t>操作方式零切换原理</a:t>
+            </a:r>
+            <a:endParaRPr lang="zh-CN" altLang="en-US" sz="3200" b="1" dirty="0">
+              <a:solidFill>
+                <a:srgbClr val="2F5897"/>
+              </a:solidFill>
+            </a:endParaRPr>
           </a:p>
         </p:txBody>
       </p:sp>
     </p:spTree>
     <p:extLst>
       <p:ext uri="{BB962C8B-B14F-4D97-AF65-F5344CB8AC3E}">
-        <p14:creationId xmlns:p14="http://schemas.microsoft.com/office/powerpoint/2010/main" val="3045525435"/>
+        <p14:creationId xmlns:p14="http://schemas.microsoft.com/office/powerpoint/2010/main" val="2953659702"/>
+      </p:ext>
+    </p:extLst>
+  </p:cSld>
+  <p:clrMapOvr>
+    <a:masterClrMapping/>
+  </p:clrMapOvr>
+  <p:timing>
+    <p:tnLst>
+      <p:par>
+        <p:cTn id="1" dur="indefinite" restart="never" nodeType="tmRoot"/>
+      </p:par>
+    </p:tnLst>
+  </p:timing>
+</p:sld>
+</file>
+
+<file path=ppt/slides/slide14.xml><?xml version="1.0" encoding="utf-8"?>
+<p:sld xmlns:a="http://schemas.openxmlformats.org/drawingml/2006/main" xmlns:r="http://schemas.openxmlformats.org/officeDocument/2006/relationships" xmlns:p="http://schemas.openxmlformats.org/presentationml/2006/main">
+  <p:cSld>
+    <p:spTree>
+      <p:nvGrpSpPr>
+        <p:cNvPr id="1" name=""/>
+        <p:cNvGrpSpPr/>
+        <p:nvPr/>
+      </p:nvGrpSpPr>
+      <p:grpSpPr>
+        <a:xfrm>
+          <a:off x="0" y="0"/>
+          <a:ext cx="0" cy="0"/>
+          <a:chOff x="0" y="0"/>
+          <a:chExt cx="0" cy="0"/>
+        </a:xfrm>
+      </p:grpSpPr>
+      <p:sp>
+        <p:nvSpPr>
+          <p:cNvPr id="3" name="内容占位符 2"/>
+          <p:cNvSpPr>
+            <a:spLocks noGrp="1"/>
+          </p:cNvSpPr>
+          <p:nvPr>
+            <p:ph idx="1"/>
+          </p:nvPr>
+        </p:nvSpPr>
+        <p:spPr>
+          <a:xfrm>
+            <a:off x="323528" y="980728"/>
+            <a:ext cx="8280920" cy="5616624"/>
+          </a:xfrm>
+        </p:spPr>
+        <p:txBody>
+          <a:bodyPr>
+            <a:normAutofit/>
+          </a:bodyPr>
+          <a:lstStyle/>
+          <a:p>
+            <a:r>
+              <a:rPr lang="zh-CN" altLang="en-US" dirty="0" smtClean="0"/>
+              <a:t>单例模式</a:t>
+            </a:r>
+            <a:endParaRPr lang="en-US" altLang="zh-CN" dirty="0" smtClean="0"/>
+          </a:p>
+          <a:p>
+            <a:r>
+              <a:rPr lang="zh-CN" altLang="en-US" dirty="0" smtClean="0"/>
+              <a:t>根据数据库名得到此</a:t>
+            </a:r>
+            <a:r>
+              <a:rPr lang="en-US" altLang="zh-CN" dirty="0" err="1" smtClean="0"/>
+              <a:t>db</a:t>
+            </a:r>
+            <a:r>
+              <a:rPr lang="zh-CN" altLang="en-US" dirty="0" smtClean="0"/>
+              <a:t>的连接</a:t>
+            </a:r>
+            <a:endParaRPr lang="en-US" altLang="zh-CN" dirty="0" smtClean="0"/>
+          </a:p>
+          <a:p>
+            <a:r>
+              <a:rPr lang="zh-CN" altLang="en-US" dirty="0" smtClean="0"/>
+              <a:t>所有数据库连接都为短连接</a:t>
+            </a:r>
+            <a:endParaRPr lang="en-US" altLang="zh-CN" dirty="0" smtClean="0"/>
+          </a:p>
+        </p:txBody>
+      </p:sp>
+      <p:sp>
+        <p:nvSpPr>
+          <p:cNvPr id="4" name="日期占位符 3"/>
+          <p:cNvSpPr>
+            <a:spLocks noGrp="1"/>
+          </p:cNvSpPr>
+          <p:nvPr>
+            <p:ph type="dt" sz="half" idx="10"/>
+          </p:nvPr>
+        </p:nvSpPr>
+        <p:spPr/>
+        <p:txBody>
+          <a:bodyPr/>
+          <a:lstStyle/>
+          <a:p>
+            <a:fld id="{B11D738E-8962-435F-8C43-147B8DD7E819}" type="datetime1">
+              <a:rPr lang="en-US" smtClean="0">
+                <a:solidFill>
+                  <a:prstClr val="black">
+                    <a:lumMod val="65000"/>
+                    <a:lumOff val="35000"/>
+                  </a:prstClr>
+                </a:solidFill>
+              </a:rPr>
+              <a:pPr/>
+              <a:t>8/26/2014</a:t>
+            </a:fld>
+            <a:endParaRPr lang="en-US">
+              <a:solidFill>
+                <a:prstClr val="black">
+                  <a:lumMod val="65000"/>
+                  <a:lumOff val="35000"/>
+                </a:prstClr>
+              </a:solidFill>
+            </a:endParaRPr>
+          </a:p>
+        </p:txBody>
+      </p:sp>
+      <p:sp>
+        <p:nvSpPr>
+          <p:cNvPr id="6" name="灯片编号占位符 5"/>
+          <p:cNvSpPr>
+            <a:spLocks noGrp="1"/>
+          </p:cNvSpPr>
+          <p:nvPr>
+            <p:ph type="sldNum" sz="quarter" idx="12"/>
+          </p:nvPr>
+        </p:nvSpPr>
+        <p:spPr/>
+        <p:txBody>
+          <a:bodyPr/>
+          <a:lstStyle/>
+          <a:p>
+            <a:fld id="{BA9B540C-44DA-4F69-89C9-7C84606640D3}" type="slidenum">
+              <a:rPr lang="en-US" smtClean="0">
+                <a:solidFill>
+                  <a:prstClr val="black">
+                    <a:lumMod val="65000"/>
+                    <a:lumOff val="35000"/>
+                  </a:prstClr>
+                </a:solidFill>
+              </a:rPr>
+              <a:pPr/>
+              <a:t>14</a:t>
+            </a:fld>
+            <a:endParaRPr lang="en-US">
+              <a:solidFill>
+                <a:prstClr val="black">
+                  <a:lumMod val="65000"/>
+                  <a:lumOff val="35000"/>
+                </a:prstClr>
+              </a:solidFill>
+            </a:endParaRPr>
+          </a:p>
+        </p:txBody>
+      </p:sp>
+      <p:sp>
+        <p:nvSpPr>
+          <p:cNvPr id="7" name="标题 1"/>
+          <p:cNvSpPr txBox="1">
+            <a:spLocks/>
+          </p:cNvSpPr>
+          <p:nvPr/>
+        </p:nvSpPr>
+        <p:spPr>
+          <a:xfrm>
+            <a:off x="-180528" y="44624"/>
+            <a:ext cx="9289032" cy="764704"/>
+          </a:xfrm>
+          <a:prstGeom prst="rect">
+            <a:avLst/>
+          </a:prstGeom>
+        </p:spPr>
+        <p:txBody>
+          <a:bodyPr vert="horz" lIns="91440" tIns="45720" rIns="91440" bIns="45720" rtlCol="0" anchor="b">
+            <a:noAutofit/>
+          </a:bodyPr>
+          <a:lstStyle>
+            <a:lvl1pPr algn="ctr" defTabSz="914400" rtl="0" eaLnBrk="1" latinLnBrk="0" hangingPunct="1">
+              <a:lnSpc>
+                <a:spcPts val="5800"/>
+              </a:lnSpc>
+              <a:spcBef>
+                <a:spcPct val="0"/>
+              </a:spcBef>
+              <a:buNone/>
+              <a:defRPr sz="5400" kern="1200">
+                <a:solidFill>
+                  <a:schemeClr val="tx2"/>
+                </a:solidFill>
+                <a:effectLst>
+                  <a:outerShdw blurRad="63500" dist="38100" dir="5400000" algn="t" rotWithShape="0">
+                    <a:prstClr val="black">
+                      <a:alpha val="25000"/>
+                    </a:prstClr>
+                  </a:outerShdw>
+                </a:effectLst>
+                <a:latin typeface="+mn-lt"/>
+                <a:ea typeface="+mj-ea"/>
+                <a:cs typeface="+mj-cs"/>
+              </a:defRPr>
+            </a:lvl1pPr>
+          </a:lstStyle>
+          <a:p>
+            <a:r>
+              <a:rPr lang="zh-CN" altLang="en-US" sz="3200" b="1" dirty="0" smtClean="0"/>
+              <a:t>单个请求</a:t>
+            </a:r>
+            <a:r>
+              <a:rPr lang="en-US" altLang="zh-CN" sz="3200" b="1" dirty="0" smtClean="0"/>
+              <a:t>,</a:t>
+            </a:r>
+            <a:r>
+              <a:rPr lang="zh-CN" altLang="en-US" sz="3200" b="1" dirty="0" smtClean="0"/>
+              <a:t>数据库</a:t>
+            </a:r>
+            <a:r>
+              <a:rPr lang="zh-CN" altLang="en-US" sz="3200" b="1" dirty="0"/>
+              <a:t>名相同</a:t>
+            </a:r>
+            <a:r>
+              <a:rPr lang="en-US" altLang="zh-CN" sz="3200" b="1" dirty="0" smtClean="0"/>
+              <a:t>,</a:t>
+            </a:r>
+            <a:r>
+              <a:rPr lang="zh-CN" altLang="en-US" sz="3200" b="1" dirty="0" smtClean="0"/>
+              <a:t>共用</a:t>
+            </a:r>
+            <a:r>
+              <a:rPr lang="zh-CN" altLang="en-US" sz="3200" b="1" dirty="0"/>
+              <a:t>同一</a:t>
+            </a:r>
+            <a:r>
+              <a:rPr lang="zh-CN" altLang="en-US" sz="3200" b="1" dirty="0" smtClean="0"/>
+              <a:t>个</a:t>
+            </a:r>
+            <a:r>
+              <a:rPr lang="en-US" altLang="zh-CN" sz="3200" b="1" dirty="0" smtClean="0"/>
+              <a:t>DB</a:t>
+            </a:r>
+            <a:r>
+              <a:rPr lang="zh-CN" altLang="en-US" sz="3200" b="1" dirty="0" smtClean="0"/>
+              <a:t>连接原理</a:t>
+            </a:r>
+            <a:endParaRPr lang="en-US" altLang="zh-CN" sz="3200" b="1" dirty="0"/>
+          </a:p>
+        </p:txBody>
+      </p:sp>
+    </p:spTree>
+    <p:extLst>
+      <p:ext uri="{BB962C8B-B14F-4D97-AF65-F5344CB8AC3E}">
+        <p14:creationId xmlns:p14="http://schemas.microsoft.com/office/powerpoint/2010/main" val="2636048072"/>
+      </p:ext>
+    </p:extLst>
+  </p:cSld>
+  <p:clrMapOvr>
+    <a:masterClrMapping/>
+  </p:clrMapOvr>
+  <p:timing>
+    <p:tnLst>
+      <p:par>
+        <p:cTn id="1" dur="indefinite" restart="never" nodeType="tmRoot"/>
+      </p:par>
+    </p:tnLst>
+  </p:timing>
+</p:sld>
+</file>
+
+<file path=ppt/slides/slide15.xml><?xml version="1.0" encoding="utf-8"?>
+<p:sld xmlns:a="http://schemas.openxmlformats.org/drawingml/2006/main" xmlns:r="http://schemas.openxmlformats.org/officeDocument/2006/relationships" xmlns:p="http://schemas.openxmlformats.org/presentationml/2006/main">
+  <p:cSld>
+    <p:spTree>
+      <p:nvGrpSpPr>
+        <p:cNvPr id="1" name=""/>
+        <p:cNvGrpSpPr/>
+        <p:nvPr/>
+      </p:nvGrpSpPr>
+      <p:grpSpPr>
+        <a:xfrm>
+          <a:off x="0" y="0"/>
+          <a:ext cx="0" cy="0"/>
+          <a:chOff x="0" y="0"/>
+          <a:chExt cx="0" cy="0"/>
+        </a:xfrm>
+      </p:grpSpPr>
+      <p:sp>
+        <p:nvSpPr>
+          <p:cNvPr id="3" name="内容占位符 2"/>
+          <p:cNvSpPr>
+            <a:spLocks noGrp="1"/>
+          </p:cNvSpPr>
+          <p:nvPr>
+            <p:ph idx="1"/>
+          </p:nvPr>
+        </p:nvSpPr>
+        <p:spPr>
+          <a:xfrm>
+            <a:off x="323528" y="980728"/>
+            <a:ext cx="8280920" cy="5616624"/>
+          </a:xfrm>
+        </p:spPr>
+        <p:txBody>
+          <a:bodyPr>
+            <a:normAutofit/>
+          </a:bodyPr>
+          <a:lstStyle/>
+          <a:p>
+            <a:r>
+              <a:rPr lang="en-US" altLang="zh-CN" dirty="0" smtClean="0"/>
+              <a:t>Mod hash</a:t>
+            </a:r>
+            <a:r>
+              <a:rPr lang="zh-CN" altLang="en-US" dirty="0" smtClean="0"/>
+              <a:t>：</a:t>
+            </a:r>
+            <a:r>
+              <a:rPr lang="en-US" altLang="zh-CN" dirty="0" smtClean="0"/>
+              <a:t>n =&gt;2n</a:t>
+            </a:r>
+            <a:r>
+              <a:rPr lang="zh-CN" altLang="en-US" dirty="0" smtClean="0"/>
+              <a:t>，至少迁移一半数据</a:t>
+            </a:r>
+            <a:endParaRPr lang="en-US" altLang="zh-CN" dirty="0" smtClean="0"/>
+          </a:p>
+          <a:p>
+            <a:r>
+              <a:rPr lang="zh-CN" altLang="en-US" dirty="0" smtClean="0"/>
+              <a:t>分段</a:t>
+            </a:r>
+            <a:r>
+              <a:rPr lang="en-US" altLang="zh-CN" dirty="0" smtClean="0"/>
+              <a:t>hash</a:t>
+            </a:r>
+            <a:r>
+              <a:rPr lang="zh-CN" altLang="en-US" dirty="0" smtClean="0"/>
+              <a:t>：可将一个段中分到两个段中，迁移一半数据</a:t>
+            </a:r>
+            <a:endParaRPr lang="en-US" altLang="zh-CN" dirty="0" smtClean="0"/>
+          </a:p>
+          <a:p>
+            <a:r>
+              <a:rPr lang="zh-CN" altLang="en-US" dirty="0" smtClean="0"/>
+              <a:t>虚拟</a:t>
+            </a:r>
+            <a:r>
+              <a:rPr lang="en-US" altLang="zh-CN" dirty="0" smtClean="0"/>
+              <a:t>hash:</a:t>
+            </a:r>
+            <a:r>
+              <a:rPr lang="en-US" altLang="zh-CN" dirty="0"/>
+              <a:t> n =&gt;</a:t>
+            </a:r>
+            <a:r>
+              <a:rPr lang="en-US" altLang="zh-CN" dirty="0" smtClean="0"/>
+              <a:t>2n</a:t>
+            </a:r>
+            <a:r>
+              <a:rPr lang="zh-CN" altLang="en-US" dirty="0" smtClean="0"/>
+              <a:t>迁移一半数据</a:t>
+            </a:r>
+            <a:r>
+              <a:rPr lang="en-US" altLang="zh-CN" dirty="0" smtClean="0"/>
+              <a:t>,</a:t>
+            </a:r>
+            <a:r>
+              <a:rPr lang="zh-CN" altLang="en-US" dirty="0" smtClean="0"/>
+              <a:t>迁移复杂</a:t>
+            </a:r>
+            <a:endParaRPr lang="en-US" altLang="zh-CN" dirty="0" smtClean="0"/>
+          </a:p>
+          <a:p>
+            <a:r>
+              <a:rPr lang="zh-CN" altLang="en-US" dirty="0" smtClean="0"/>
+              <a:t>数据迁移难以统一，各业务线自己实现</a:t>
+            </a:r>
+            <a:endParaRPr lang="en-US" altLang="zh-CN" dirty="0" smtClean="0"/>
+          </a:p>
+          <a:p>
+            <a:r>
+              <a:rPr lang="zh-CN" altLang="en-US" dirty="0" smtClean="0"/>
+              <a:t>一般使用</a:t>
+            </a:r>
+            <a:r>
+              <a:rPr lang="en-US" altLang="zh-CN" dirty="0" smtClean="0"/>
+              <a:t>mod hash</a:t>
+            </a:r>
+          </a:p>
+          <a:p>
+            <a:r>
+              <a:rPr lang="zh-CN" altLang="en-US" dirty="0" smtClean="0"/>
+              <a:t>有没有不迁移数据的扩容方法？</a:t>
+            </a:r>
+            <a:r>
+              <a:rPr lang="zh-CN" altLang="en-US" dirty="0">
+                <a:solidFill>
+                  <a:srgbClr val="FF0000"/>
+                </a:solidFill>
+              </a:rPr>
+              <a:t>有</a:t>
+            </a:r>
+            <a:r>
+              <a:rPr lang="en-US" altLang="zh-CN" dirty="0">
+                <a:solidFill>
+                  <a:srgbClr val="FF0000"/>
+                </a:solidFill>
+              </a:rPr>
+              <a:t>,</a:t>
+            </a:r>
+            <a:r>
+              <a:rPr lang="zh-CN" altLang="en-US" dirty="0">
+                <a:solidFill>
+                  <a:srgbClr val="FF0000"/>
+                </a:solidFill>
+              </a:rPr>
+              <a:t>暂时未实现</a:t>
+            </a:r>
+            <a:endParaRPr lang="en-US" altLang="zh-CN" dirty="0">
+              <a:solidFill>
+                <a:srgbClr val="FF0000"/>
+              </a:solidFill>
+            </a:endParaRPr>
+          </a:p>
+          <a:p>
+            <a:r>
+              <a:rPr lang="zh-CN" altLang="en-US" dirty="0" smtClean="0"/>
+              <a:t>把库当成表用即一库一表，对于自增序列、时间段分表的可实现</a:t>
+            </a:r>
+            <a:endParaRPr lang="en-US" altLang="zh-CN" dirty="0"/>
+          </a:p>
+          <a:p>
+            <a:r>
+              <a:rPr lang="zh-CN" altLang="en-US" dirty="0" smtClean="0"/>
+              <a:t>实现方式（序列值在</a:t>
+            </a:r>
+            <a:r>
+              <a:rPr lang="en-US" altLang="zh-CN" dirty="0" smtClean="0"/>
+              <a:t>[0,500W]</a:t>
+            </a:r>
+            <a:r>
+              <a:rPr lang="zh-CN" altLang="en-US" dirty="0"/>
+              <a:t>在</a:t>
+            </a:r>
+            <a:r>
+              <a:rPr lang="en-US" altLang="zh-CN" dirty="0" smtClean="0"/>
+              <a:t>a</a:t>
+            </a:r>
+            <a:r>
+              <a:rPr lang="zh-CN" altLang="en-US" dirty="0" smtClean="0"/>
+              <a:t>库中</a:t>
+            </a:r>
+            <a:r>
+              <a:rPr lang="en-US" altLang="zh-CN" dirty="0" smtClean="0"/>
+              <a:t>,[500w,1000w]</a:t>
+            </a:r>
+            <a:r>
+              <a:rPr lang="zh-CN" altLang="en-US" dirty="0" smtClean="0"/>
+              <a:t>在</a:t>
+            </a:r>
+            <a:r>
+              <a:rPr lang="en-US" altLang="zh-CN" dirty="0" smtClean="0"/>
+              <a:t>b</a:t>
+            </a:r>
+            <a:r>
+              <a:rPr lang="zh-CN" altLang="en-US" dirty="0" smtClean="0"/>
+              <a:t>库中</a:t>
+            </a:r>
+            <a:r>
+              <a:rPr lang="en-US" altLang="zh-CN" dirty="0" smtClean="0"/>
+              <a:t>……</a:t>
+            </a:r>
+            <a:r>
+              <a:rPr lang="zh-CN" altLang="en-US" dirty="0" smtClean="0"/>
+              <a:t>）</a:t>
+            </a:r>
+            <a:endParaRPr lang="en-US" altLang="zh-CN" dirty="0" smtClean="0"/>
+          </a:p>
+          <a:p>
+            <a:r>
+              <a:rPr lang="en-US" altLang="zh-CN" dirty="0" smtClean="0"/>
+              <a:t>DBROUTE</a:t>
+            </a:r>
+            <a:r>
+              <a:rPr lang="zh-CN" altLang="en-US" dirty="0" smtClean="0"/>
+              <a:t>中暂时未实现一库一表功能</a:t>
+            </a:r>
+            <a:endParaRPr lang="en-US" altLang="zh-CN" dirty="0" smtClean="0"/>
+          </a:p>
+          <a:p>
+            <a:endParaRPr lang="en-US" altLang="zh-CN" dirty="0" smtClean="0"/>
+          </a:p>
+          <a:p>
+            <a:endParaRPr lang="en-US" altLang="zh-CN" dirty="0" smtClean="0">
+              <a:solidFill>
+                <a:srgbClr val="FF0000"/>
+              </a:solidFill>
+            </a:endParaRPr>
+          </a:p>
+          <a:p>
+            <a:pPr marL="0" indent="0">
+              <a:buNone/>
+            </a:pPr>
+            <a:endParaRPr lang="en-US" altLang="zh-CN" dirty="0" smtClean="0">
+              <a:solidFill>
+                <a:srgbClr val="FF0000"/>
+              </a:solidFill>
+            </a:endParaRPr>
+          </a:p>
+          <a:p>
+            <a:endParaRPr lang="en-US" altLang="zh-CN" dirty="0" smtClean="0"/>
+          </a:p>
+        </p:txBody>
+      </p:sp>
+      <p:sp>
+        <p:nvSpPr>
+          <p:cNvPr id="4" name="日期占位符 3"/>
+          <p:cNvSpPr>
+            <a:spLocks noGrp="1"/>
+          </p:cNvSpPr>
+          <p:nvPr>
+            <p:ph type="dt" sz="half" idx="10"/>
+          </p:nvPr>
+        </p:nvSpPr>
+        <p:spPr/>
+        <p:txBody>
+          <a:bodyPr/>
+          <a:lstStyle/>
+          <a:p>
+            <a:fld id="{B11D738E-8962-435F-8C43-147B8DD7E819}" type="datetime1">
+              <a:rPr lang="en-US" smtClean="0">
+                <a:solidFill>
+                  <a:prstClr val="black">
+                    <a:lumMod val="65000"/>
+                    <a:lumOff val="35000"/>
+                  </a:prstClr>
+                </a:solidFill>
+              </a:rPr>
+              <a:pPr/>
+              <a:t>8/26/2014</a:t>
+            </a:fld>
+            <a:endParaRPr lang="en-US">
+              <a:solidFill>
+                <a:prstClr val="black">
+                  <a:lumMod val="65000"/>
+                  <a:lumOff val="35000"/>
+                </a:prstClr>
+              </a:solidFill>
+            </a:endParaRPr>
+          </a:p>
+        </p:txBody>
+      </p:sp>
+      <p:sp>
+        <p:nvSpPr>
+          <p:cNvPr id="6" name="灯片编号占位符 5"/>
+          <p:cNvSpPr>
+            <a:spLocks noGrp="1"/>
+          </p:cNvSpPr>
+          <p:nvPr>
+            <p:ph type="sldNum" sz="quarter" idx="12"/>
+          </p:nvPr>
+        </p:nvSpPr>
+        <p:spPr/>
+        <p:txBody>
+          <a:bodyPr/>
+          <a:lstStyle/>
+          <a:p>
+            <a:fld id="{BA9B540C-44DA-4F69-89C9-7C84606640D3}" type="slidenum">
+              <a:rPr lang="en-US" smtClean="0">
+                <a:solidFill>
+                  <a:prstClr val="black">
+                    <a:lumMod val="65000"/>
+                    <a:lumOff val="35000"/>
+                  </a:prstClr>
+                </a:solidFill>
+              </a:rPr>
+              <a:pPr/>
+              <a:t>15</a:t>
+            </a:fld>
+            <a:endParaRPr lang="en-US">
+              <a:solidFill>
+                <a:prstClr val="black">
+                  <a:lumMod val="65000"/>
+                  <a:lumOff val="35000"/>
+                </a:prstClr>
+              </a:solidFill>
+            </a:endParaRPr>
+          </a:p>
+        </p:txBody>
+      </p:sp>
+      <p:sp>
+        <p:nvSpPr>
+          <p:cNvPr id="7" name="标题 1"/>
+          <p:cNvSpPr txBox="1">
+            <a:spLocks/>
+          </p:cNvSpPr>
+          <p:nvPr/>
+        </p:nvSpPr>
+        <p:spPr>
+          <a:xfrm>
+            <a:off x="251520" y="44624"/>
+            <a:ext cx="7128792" cy="764704"/>
+          </a:xfrm>
+          <a:prstGeom prst="rect">
+            <a:avLst/>
+          </a:prstGeom>
+        </p:spPr>
+        <p:txBody>
+          <a:bodyPr vert="horz" lIns="91440" tIns="45720" rIns="91440" bIns="45720" rtlCol="0" anchor="b">
+            <a:noAutofit/>
+          </a:bodyPr>
+          <a:lstStyle>
+            <a:lvl1pPr algn="ctr" defTabSz="914400" rtl="0" eaLnBrk="1" latinLnBrk="0" hangingPunct="1">
+              <a:lnSpc>
+                <a:spcPts val="5800"/>
+              </a:lnSpc>
+              <a:spcBef>
+                <a:spcPct val="0"/>
+              </a:spcBef>
+              <a:buNone/>
+              <a:defRPr sz="5400" kern="1200">
+                <a:solidFill>
+                  <a:schemeClr val="tx2"/>
+                </a:solidFill>
+                <a:effectLst>
+                  <a:outerShdw blurRad="63500" dist="38100" dir="5400000" algn="t" rotWithShape="0">
+                    <a:prstClr val="black">
+                      <a:alpha val="25000"/>
+                    </a:prstClr>
+                  </a:outerShdw>
+                </a:effectLst>
+                <a:latin typeface="+mn-lt"/>
+                <a:ea typeface="+mj-ea"/>
+                <a:cs typeface="+mj-cs"/>
+              </a:defRPr>
+            </a:lvl1pPr>
+          </a:lstStyle>
+          <a:p>
+            <a:pPr algn="l"/>
+            <a:r>
+              <a:rPr lang="zh-CN" altLang="en-US" sz="3200" b="1" dirty="0" smtClean="0"/>
+              <a:t>如何扩容</a:t>
+            </a:r>
+            <a:endParaRPr lang="en-US" altLang="zh-CN" sz="3200" b="1" dirty="0"/>
+          </a:p>
+        </p:txBody>
+      </p:sp>
+    </p:spTree>
+    <p:extLst>
+      <p:ext uri="{BB962C8B-B14F-4D97-AF65-F5344CB8AC3E}">
+        <p14:creationId xmlns:p14="http://schemas.microsoft.com/office/powerpoint/2010/main" val="505866645"/>
+      </p:ext>
+    </p:extLst>
+  </p:cSld>
+  <p:clrMapOvr>
+    <a:masterClrMapping/>
+  </p:clrMapOvr>
+  <p:timing>
+    <p:tnLst>
+      <p:par>
+        <p:cTn id="1" dur="indefinite" restart="never" nodeType="tmRoot"/>
+      </p:par>
+    </p:tnLst>
+  </p:timing>
+</p:sld>
+</file>
+
+<file path=ppt/slides/slide16.xml><?xml version="1.0" encoding="utf-8"?>
+<p:sld xmlns:a="http://schemas.openxmlformats.org/drawingml/2006/main" xmlns:r="http://schemas.openxmlformats.org/officeDocument/2006/relationships" xmlns:p="http://schemas.openxmlformats.org/presentationml/2006/main">
+  <p:cSld>
+    <p:spTree>
+      <p:nvGrpSpPr>
+        <p:cNvPr id="1" name=""/>
+        <p:cNvGrpSpPr/>
+        <p:nvPr/>
+      </p:nvGrpSpPr>
+      <p:grpSpPr>
+        <a:xfrm>
+          <a:off x="0" y="0"/>
+          <a:ext cx="0" cy="0"/>
+          <a:chOff x="0" y="0"/>
+          <a:chExt cx="0" cy="0"/>
+        </a:xfrm>
+      </p:grpSpPr>
+      <p:sp>
+        <p:nvSpPr>
+          <p:cNvPr id="3" name="内容占位符 2"/>
+          <p:cNvSpPr>
+            <a:spLocks noGrp="1"/>
+          </p:cNvSpPr>
+          <p:nvPr>
+            <p:ph idx="1"/>
+          </p:nvPr>
+        </p:nvSpPr>
+        <p:spPr>
+          <a:xfrm>
+            <a:off x="323528" y="980728"/>
+            <a:ext cx="8280920" cy="5616624"/>
+          </a:xfrm>
+        </p:spPr>
+        <p:txBody>
+          <a:bodyPr>
+            <a:normAutofit/>
+          </a:bodyPr>
+          <a:lstStyle/>
+          <a:p>
+            <a:r>
+              <a:rPr lang="zh-CN" altLang="en-US" dirty="0" smtClean="0"/>
+              <a:t>实现一库一表功能，对于自增序列、时间段分表实现方式（序列值在</a:t>
+            </a:r>
+            <a:r>
+              <a:rPr lang="en-US" altLang="zh-CN" dirty="0" smtClean="0"/>
+              <a:t>[0,500W]</a:t>
+            </a:r>
+            <a:r>
+              <a:rPr lang="zh-CN" altLang="en-US" dirty="0"/>
+              <a:t>在</a:t>
+            </a:r>
+            <a:r>
+              <a:rPr lang="en-US" altLang="zh-CN" dirty="0" smtClean="0"/>
+              <a:t>a</a:t>
+            </a:r>
+            <a:r>
+              <a:rPr lang="zh-CN" altLang="en-US" dirty="0" smtClean="0"/>
+              <a:t>库中</a:t>
+            </a:r>
+            <a:r>
+              <a:rPr lang="en-US" altLang="zh-CN" dirty="0" smtClean="0"/>
+              <a:t>,[500w,1000w]</a:t>
+            </a:r>
+            <a:r>
+              <a:rPr lang="zh-CN" altLang="en-US" dirty="0" smtClean="0"/>
+              <a:t>在</a:t>
+            </a:r>
+            <a:r>
+              <a:rPr lang="en-US" altLang="zh-CN" dirty="0" smtClean="0"/>
+              <a:t>b</a:t>
+            </a:r>
+            <a:r>
+              <a:rPr lang="zh-CN" altLang="en-US" dirty="0" smtClean="0"/>
+              <a:t>库中</a:t>
+            </a:r>
+            <a:r>
+              <a:rPr lang="en-US" altLang="zh-CN" dirty="0" smtClean="0"/>
+              <a:t>……</a:t>
+            </a:r>
+            <a:r>
+              <a:rPr lang="zh-CN" altLang="en-US" dirty="0" smtClean="0"/>
+              <a:t>）</a:t>
+            </a:r>
+            <a:endParaRPr lang="en-US" altLang="zh-CN" dirty="0" smtClean="0"/>
+          </a:p>
+          <a:p>
+            <a:r>
+              <a:rPr lang="zh-CN" altLang="en-US" dirty="0" smtClean="0"/>
+              <a:t>采用</a:t>
+            </a:r>
+            <a:r>
+              <a:rPr lang="en-US" altLang="zh-CN" dirty="0" err="1" smtClean="0"/>
+              <a:t>zk</a:t>
+            </a:r>
+            <a:r>
+              <a:rPr lang="zh-CN" altLang="en-US" dirty="0" smtClean="0"/>
+              <a:t>监控各数据库节点</a:t>
+            </a:r>
+            <a:endParaRPr lang="en-US" altLang="zh-CN" dirty="0" smtClean="0"/>
+          </a:p>
+          <a:p>
+            <a:endParaRPr lang="en-US" altLang="zh-CN" dirty="0" smtClean="0"/>
+          </a:p>
+          <a:p>
+            <a:endParaRPr lang="en-US" altLang="zh-CN" dirty="0" smtClean="0">
+              <a:solidFill>
+                <a:srgbClr val="FF0000"/>
+              </a:solidFill>
+            </a:endParaRPr>
+          </a:p>
+          <a:p>
+            <a:pPr marL="0" indent="0">
+              <a:buNone/>
+            </a:pPr>
+            <a:endParaRPr lang="en-US" altLang="zh-CN" dirty="0" smtClean="0">
+              <a:solidFill>
+                <a:srgbClr val="FF0000"/>
+              </a:solidFill>
+            </a:endParaRPr>
+          </a:p>
+          <a:p>
+            <a:endParaRPr lang="en-US" altLang="zh-CN" dirty="0" smtClean="0"/>
+          </a:p>
+        </p:txBody>
+      </p:sp>
+      <p:sp>
+        <p:nvSpPr>
+          <p:cNvPr id="4" name="日期占位符 3"/>
+          <p:cNvSpPr>
+            <a:spLocks noGrp="1"/>
+          </p:cNvSpPr>
+          <p:nvPr>
+            <p:ph type="dt" sz="half" idx="10"/>
+          </p:nvPr>
+        </p:nvSpPr>
+        <p:spPr/>
+        <p:txBody>
+          <a:bodyPr/>
+          <a:lstStyle/>
+          <a:p>
+            <a:fld id="{B11D738E-8962-435F-8C43-147B8DD7E819}" type="datetime1">
+              <a:rPr lang="en-US" smtClean="0">
+                <a:solidFill>
+                  <a:prstClr val="black">
+                    <a:lumMod val="65000"/>
+                    <a:lumOff val="35000"/>
+                  </a:prstClr>
+                </a:solidFill>
+              </a:rPr>
+              <a:pPr/>
+              <a:t>8/26/2014</a:t>
+            </a:fld>
+            <a:endParaRPr lang="en-US">
+              <a:solidFill>
+                <a:prstClr val="black">
+                  <a:lumMod val="65000"/>
+                  <a:lumOff val="35000"/>
+                </a:prstClr>
+              </a:solidFill>
+            </a:endParaRPr>
+          </a:p>
+        </p:txBody>
+      </p:sp>
+      <p:sp>
+        <p:nvSpPr>
+          <p:cNvPr id="6" name="灯片编号占位符 5"/>
+          <p:cNvSpPr>
+            <a:spLocks noGrp="1"/>
+          </p:cNvSpPr>
+          <p:nvPr>
+            <p:ph type="sldNum" sz="quarter" idx="12"/>
+          </p:nvPr>
+        </p:nvSpPr>
+        <p:spPr/>
+        <p:txBody>
+          <a:bodyPr/>
+          <a:lstStyle/>
+          <a:p>
+            <a:fld id="{BA9B540C-44DA-4F69-89C9-7C84606640D3}" type="slidenum">
+              <a:rPr lang="en-US" smtClean="0">
+                <a:solidFill>
+                  <a:prstClr val="black">
+                    <a:lumMod val="65000"/>
+                    <a:lumOff val="35000"/>
+                  </a:prstClr>
+                </a:solidFill>
+              </a:rPr>
+              <a:pPr/>
+              <a:t>16</a:t>
+            </a:fld>
+            <a:endParaRPr lang="en-US">
+              <a:solidFill>
+                <a:prstClr val="black">
+                  <a:lumMod val="65000"/>
+                  <a:lumOff val="35000"/>
+                </a:prstClr>
+              </a:solidFill>
+            </a:endParaRPr>
+          </a:p>
+        </p:txBody>
+      </p:sp>
+      <p:sp>
+        <p:nvSpPr>
+          <p:cNvPr id="7" name="标题 1"/>
+          <p:cNvSpPr txBox="1">
+            <a:spLocks/>
+          </p:cNvSpPr>
+          <p:nvPr/>
+        </p:nvSpPr>
+        <p:spPr>
+          <a:xfrm>
+            <a:off x="251520" y="44624"/>
+            <a:ext cx="7128792" cy="764704"/>
+          </a:xfrm>
+          <a:prstGeom prst="rect">
+            <a:avLst/>
+          </a:prstGeom>
+        </p:spPr>
+        <p:txBody>
+          <a:bodyPr vert="horz" lIns="91440" tIns="45720" rIns="91440" bIns="45720" rtlCol="0" anchor="b">
+            <a:noAutofit/>
+          </a:bodyPr>
+          <a:lstStyle>
+            <a:lvl1pPr algn="ctr" defTabSz="914400" rtl="0" eaLnBrk="1" latinLnBrk="0" hangingPunct="1">
+              <a:lnSpc>
+                <a:spcPts val="5800"/>
+              </a:lnSpc>
+              <a:spcBef>
+                <a:spcPct val="0"/>
+              </a:spcBef>
+              <a:buNone/>
+              <a:defRPr sz="5400" kern="1200">
+                <a:solidFill>
+                  <a:schemeClr val="tx2"/>
+                </a:solidFill>
+                <a:effectLst>
+                  <a:outerShdw blurRad="63500" dist="38100" dir="5400000" algn="t" rotWithShape="0">
+                    <a:prstClr val="black">
+                      <a:alpha val="25000"/>
+                    </a:prstClr>
+                  </a:outerShdw>
+                </a:effectLst>
+                <a:latin typeface="+mn-lt"/>
+                <a:ea typeface="+mj-ea"/>
+                <a:cs typeface="+mj-cs"/>
+              </a:defRPr>
+            </a:lvl1pPr>
+          </a:lstStyle>
+          <a:p>
+            <a:pPr algn="l"/>
+            <a:r>
+              <a:rPr lang="en-US" altLang="zh-CN" sz="3200" b="1" dirty="0" smtClean="0"/>
+              <a:t>DBROUTE </a:t>
+            </a:r>
+            <a:r>
+              <a:rPr lang="zh-CN" altLang="en-US" sz="3200" b="1" dirty="0" smtClean="0"/>
+              <a:t>未来</a:t>
+            </a:r>
+            <a:endParaRPr lang="en-US" altLang="zh-CN" sz="3200" b="1" dirty="0"/>
+          </a:p>
+        </p:txBody>
+      </p:sp>
+    </p:spTree>
+    <p:extLst>
+      <p:ext uri="{BB962C8B-B14F-4D97-AF65-F5344CB8AC3E}">
+        <p14:creationId xmlns:p14="http://schemas.microsoft.com/office/powerpoint/2010/main" val="1958214690"/>
+      </p:ext>
+    </p:extLst>
+  </p:cSld>
+  <p:clrMapOvr>
+    <a:masterClrMapping/>
+  </p:clrMapOvr>
+  <p:timing>
+    <p:tnLst>
+      <p:par>
+        <p:cTn id="1" dur="indefinite" restart="never" nodeType="tmRoot"/>
+      </p:par>
+    </p:tnLst>
+  </p:timing>
+</p:sld>
+</file>
+
+<file path=ppt/slides/slide17.xml><?xml version="1.0" encoding="utf-8"?>
+<p:sld xmlns:a="http://schemas.openxmlformats.org/drawingml/2006/main" xmlns:r="http://schemas.openxmlformats.org/officeDocument/2006/relationships" xmlns:p="http://schemas.openxmlformats.org/presentationml/2006/main">
+  <p:cSld>
+    <p:spTree>
+      <p:nvGrpSpPr>
+        <p:cNvPr id="1" name=""/>
+        <p:cNvGrpSpPr/>
+        <p:nvPr/>
+      </p:nvGrpSpPr>
+      <p:grpSpPr>
+        <a:xfrm>
+          <a:off x="0" y="0"/>
+          <a:ext cx="0" cy="0"/>
+          <a:chOff x="0" y="0"/>
+          <a:chExt cx="0" cy="0"/>
+        </a:xfrm>
+      </p:grpSpPr>
+      <p:sp>
+        <p:nvSpPr>
+          <p:cNvPr id="3" name="内容占位符 2"/>
+          <p:cNvSpPr>
+            <a:spLocks noGrp="1"/>
+          </p:cNvSpPr>
+          <p:nvPr>
+            <p:ph idx="1"/>
+          </p:nvPr>
+        </p:nvSpPr>
+        <p:spPr>
+          <a:xfrm>
+            <a:off x="323528" y="836712"/>
+            <a:ext cx="8280920" cy="5256584"/>
+          </a:xfrm>
+        </p:spPr>
+        <p:txBody>
+          <a:bodyPr>
+            <a:normAutofit/>
+          </a:bodyPr>
+          <a:lstStyle/>
+          <a:p>
+            <a:r>
+              <a:rPr lang="en-US" altLang="zh-CN" dirty="0" smtClean="0"/>
+              <a:t>PHP</a:t>
+            </a:r>
+            <a:r>
+              <a:rPr lang="zh-CN" altLang="en-US" dirty="0" smtClean="0"/>
+              <a:t>变量未定义可以使用，见意先定义变量再使用</a:t>
+            </a:r>
+            <a:endParaRPr lang="en-US" altLang="zh-CN" dirty="0" smtClean="0"/>
+          </a:p>
+          <a:p>
+            <a:r>
+              <a:rPr lang="zh-CN" altLang="en-US" dirty="0" smtClean="0"/>
+              <a:t>定义好静态常量，常量可定义在各自</a:t>
+            </a:r>
+            <a:r>
+              <a:rPr lang="en-US" altLang="zh-CN" dirty="0" smtClean="0"/>
+              <a:t>model</a:t>
+            </a:r>
+            <a:r>
+              <a:rPr lang="zh-CN" altLang="en-US" dirty="0" smtClean="0"/>
+              <a:t>中</a:t>
+            </a:r>
+            <a:endParaRPr lang="en-US" altLang="zh-CN" dirty="0" smtClean="0"/>
+          </a:p>
+          <a:p>
+            <a:r>
+              <a:rPr lang="zh-CN" altLang="en-US" dirty="0" smtClean="0"/>
+              <a:t>每个表一个</a:t>
+            </a:r>
+            <a:r>
+              <a:rPr lang="en-US" altLang="zh-CN" dirty="0" smtClean="0"/>
+              <a:t>model</a:t>
+            </a:r>
+          </a:p>
+          <a:p>
+            <a:r>
+              <a:rPr lang="zh-CN" altLang="en-US" dirty="0" smtClean="0"/>
+              <a:t>方法的公开范围要适当，</a:t>
+            </a:r>
+            <a:r>
+              <a:rPr lang="en-US" altLang="zh-CN" dirty="0" smtClean="0"/>
+              <a:t>public private protected</a:t>
+            </a:r>
+          </a:p>
+          <a:p>
+            <a:r>
+              <a:rPr lang="zh-CN" altLang="en-US" dirty="0" smtClean="0"/>
+              <a:t>尽量不要连表查询，一般连接表超过三个将会有性能问题</a:t>
+            </a:r>
+            <a:endParaRPr lang="en-US" altLang="zh-CN" dirty="0" smtClean="0"/>
+          </a:p>
+          <a:p>
+            <a:r>
+              <a:rPr lang="zh-CN" altLang="en-US" dirty="0" smtClean="0"/>
+              <a:t>适当的面向对象，不要使用</a:t>
+            </a:r>
+            <a:r>
+              <a:rPr lang="en-US" altLang="zh-CN" dirty="0" smtClean="0"/>
+              <a:t>ORM</a:t>
+            </a:r>
+            <a:r>
+              <a:rPr lang="zh-CN" altLang="en-US" dirty="0" smtClean="0"/>
+              <a:t>映射工具（影响</a:t>
+            </a:r>
+            <a:r>
+              <a:rPr lang="en-US" altLang="zh-CN" dirty="0" smtClean="0"/>
+              <a:t>dba</a:t>
+            </a:r>
+            <a:r>
+              <a:rPr lang="zh-CN" altLang="en-US" dirty="0" smtClean="0"/>
+              <a:t>的</a:t>
+            </a:r>
+            <a:r>
+              <a:rPr lang="en-US" altLang="zh-CN" dirty="0" err="1" smtClean="0"/>
+              <a:t>sql</a:t>
+            </a:r>
+            <a:r>
+              <a:rPr lang="zh-CN" altLang="en-US" dirty="0" smtClean="0"/>
+              <a:t>调优）</a:t>
+            </a:r>
+            <a:r>
+              <a:rPr lang="en-US" altLang="zh-CN" dirty="0" smtClean="0"/>
+              <a:t>,</a:t>
+            </a:r>
+            <a:r>
+              <a:rPr lang="zh-CN" altLang="en-US" dirty="0" smtClean="0"/>
+              <a:t>他会直接影响</a:t>
+            </a:r>
+            <a:r>
+              <a:rPr lang="en-US" altLang="zh-CN" dirty="0" smtClean="0"/>
+              <a:t>PHP</a:t>
+            </a:r>
+            <a:r>
+              <a:rPr lang="zh-CN" altLang="en-US" dirty="0" smtClean="0"/>
+              <a:t>的性能</a:t>
+            </a:r>
+            <a:endParaRPr lang="en-US" altLang="zh-CN" dirty="0"/>
+          </a:p>
+          <a:p>
+            <a:r>
+              <a:rPr lang="zh-CN" altLang="en-US" dirty="0" smtClean="0"/>
+              <a:t>注释并不是越多越好</a:t>
+            </a:r>
+            <a:r>
+              <a:rPr lang="en-US" altLang="zh-CN" dirty="0" smtClean="0"/>
+              <a:t>,</a:t>
+            </a:r>
+            <a:r>
+              <a:rPr lang="zh-CN" altLang="en-US" dirty="0" smtClean="0"/>
+              <a:t>适当的注释</a:t>
+            </a:r>
+            <a:r>
+              <a:rPr lang="en-US" altLang="zh-CN" dirty="0" smtClean="0"/>
+              <a:t>,</a:t>
+            </a:r>
+            <a:r>
+              <a:rPr lang="zh-CN" altLang="en-US" dirty="0" smtClean="0"/>
+              <a:t>大部分程序员改代码时并不会修改注释</a:t>
+            </a:r>
+            <a:endParaRPr lang="en-US" altLang="zh-CN" dirty="0" smtClean="0"/>
+          </a:p>
+          <a:p>
+            <a:r>
+              <a:rPr lang="zh-CN" altLang="en-US" dirty="0" smtClean="0"/>
+              <a:t>错误的注释不如没有注释，代码是唯一的文档</a:t>
+            </a:r>
+            <a:endParaRPr lang="en-US" altLang="zh-CN" dirty="0" smtClean="0"/>
+          </a:p>
+          <a:p>
+            <a:r>
+              <a:rPr lang="zh-CN" altLang="en-US" dirty="0" smtClean="0"/>
+              <a:t>底层操作数据库的类一定要写成封装类，最好能</a:t>
+            </a:r>
+            <a:r>
+              <a:rPr lang="en-US" altLang="zh-CN" dirty="0" err="1" smtClean="0"/>
+              <a:t>mysql,mysqli,pdo</a:t>
+            </a:r>
+            <a:r>
+              <a:rPr lang="zh-CN" altLang="en-US" dirty="0" smtClean="0"/>
+              <a:t>零切换成本</a:t>
+            </a:r>
+            <a:endParaRPr lang="en-US" altLang="zh-CN" dirty="0" smtClean="0"/>
+          </a:p>
+        </p:txBody>
+      </p:sp>
+      <p:sp>
+        <p:nvSpPr>
+          <p:cNvPr id="4" name="日期占位符 3"/>
+          <p:cNvSpPr>
+            <a:spLocks noGrp="1"/>
+          </p:cNvSpPr>
+          <p:nvPr>
+            <p:ph type="dt" sz="half" idx="10"/>
+          </p:nvPr>
+        </p:nvSpPr>
+        <p:spPr/>
+        <p:txBody>
+          <a:bodyPr/>
+          <a:lstStyle/>
+          <a:p>
+            <a:fld id="{B11D738E-8962-435F-8C43-147B8DD7E819}" type="datetime1">
+              <a:rPr lang="en-US" smtClean="0">
+                <a:solidFill>
+                  <a:prstClr val="black">
+                    <a:lumMod val="65000"/>
+                    <a:lumOff val="35000"/>
+                  </a:prstClr>
+                </a:solidFill>
+              </a:rPr>
+              <a:pPr/>
+              <a:t>8/26/2014</a:t>
+            </a:fld>
+            <a:endParaRPr lang="en-US">
+              <a:solidFill>
+                <a:prstClr val="black">
+                  <a:lumMod val="65000"/>
+                  <a:lumOff val="35000"/>
+                </a:prstClr>
+              </a:solidFill>
+            </a:endParaRPr>
+          </a:p>
+        </p:txBody>
+      </p:sp>
+      <p:sp>
+        <p:nvSpPr>
+          <p:cNvPr id="6" name="灯片编号占位符 5"/>
+          <p:cNvSpPr>
+            <a:spLocks noGrp="1"/>
+          </p:cNvSpPr>
+          <p:nvPr>
+            <p:ph type="sldNum" sz="quarter" idx="12"/>
+          </p:nvPr>
+        </p:nvSpPr>
+        <p:spPr/>
+        <p:txBody>
+          <a:bodyPr/>
+          <a:lstStyle/>
+          <a:p>
+            <a:fld id="{BA9B540C-44DA-4F69-89C9-7C84606640D3}" type="slidenum">
+              <a:rPr lang="en-US" smtClean="0">
+                <a:solidFill>
+                  <a:prstClr val="black">
+                    <a:lumMod val="65000"/>
+                    <a:lumOff val="35000"/>
+                  </a:prstClr>
+                </a:solidFill>
+              </a:rPr>
+              <a:pPr/>
+              <a:t>17</a:t>
+            </a:fld>
+            <a:endParaRPr lang="en-US">
+              <a:solidFill>
+                <a:prstClr val="black">
+                  <a:lumMod val="65000"/>
+                  <a:lumOff val="35000"/>
+                </a:prstClr>
+              </a:solidFill>
+            </a:endParaRPr>
+          </a:p>
+        </p:txBody>
+      </p:sp>
+      <p:sp>
+        <p:nvSpPr>
+          <p:cNvPr id="7" name="标题 1"/>
+          <p:cNvSpPr txBox="1">
+            <a:spLocks/>
+          </p:cNvSpPr>
+          <p:nvPr/>
+        </p:nvSpPr>
+        <p:spPr>
+          <a:xfrm>
+            <a:off x="107504" y="116632"/>
+            <a:ext cx="6840760" cy="764704"/>
+          </a:xfrm>
+          <a:prstGeom prst="rect">
+            <a:avLst/>
+          </a:prstGeom>
+        </p:spPr>
+        <p:txBody>
+          <a:bodyPr vert="horz" lIns="91440" tIns="45720" rIns="91440" bIns="45720" rtlCol="0" anchor="b">
+            <a:noAutofit/>
+          </a:bodyPr>
+          <a:lstStyle>
+            <a:lvl1pPr algn="ctr" defTabSz="914400" rtl="0" eaLnBrk="1" latinLnBrk="0" hangingPunct="1">
+              <a:lnSpc>
+                <a:spcPts val="5800"/>
+              </a:lnSpc>
+              <a:spcBef>
+                <a:spcPct val="0"/>
+              </a:spcBef>
+              <a:buNone/>
+              <a:defRPr sz="5400" kern="1200">
+                <a:solidFill>
+                  <a:schemeClr val="tx2"/>
+                </a:solidFill>
+                <a:effectLst>
+                  <a:outerShdw blurRad="63500" dist="38100" dir="5400000" algn="t" rotWithShape="0">
+                    <a:prstClr val="black">
+                      <a:alpha val="25000"/>
+                    </a:prstClr>
+                  </a:outerShdw>
+                </a:effectLst>
+                <a:latin typeface="+mn-lt"/>
+                <a:ea typeface="+mj-ea"/>
+                <a:cs typeface="+mj-cs"/>
+              </a:defRPr>
+            </a:lvl1pPr>
+          </a:lstStyle>
+          <a:p>
+            <a:pPr algn="l"/>
+            <a:r>
+              <a:rPr lang="en-US" altLang="zh-CN" sz="3200" b="1" dirty="0" smtClean="0">
+                <a:solidFill>
+                  <a:srgbClr val="2F5897"/>
+                </a:solidFill>
+              </a:rPr>
+              <a:t>PHP</a:t>
+            </a:r>
+            <a:r>
+              <a:rPr lang="zh-CN" altLang="en-US" sz="3200" b="1" dirty="0" smtClean="0">
+                <a:solidFill>
+                  <a:srgbClr val="2F5897"/>
+                </a:solidFill>
+              </a:rPr>
+              <a:t>代码规范</a:t>
+            </a:r>
+            <a:endParaRPr lang="zh-CN" altLang="en-US" sz="3200" b="1" dirty="0">
+              <a:solidFill>
+                <a:srgbClr val="2F5897"/>
+              </a:solidFill>
+            </a:endParaRPr>
+          </a:p>
+        </p:txBody>
+      </p:sp>
+    </p:spTree>
+    <p:extLst>
+      <p:ext uri="{BB962C8B-B14F-4D97-AF65-F5344CB8AC3E}">
+        <p14:creationId xmlns:p14="http://schemas.microsoft.com/office/powerpoint/2010/main" val="133945072"/>
+      </p:ext>
+    </p:extLst>
+  </p:cSld>
+  <p:clrMapOvr>
+    <a:masterClrMapping/>
+  </p:clrMapOvr>
+  <p:timing>
+    <p:tnLst>
+      <p:par>
+        <p:cTn id="1" dur="indefinite" restart="never" nodeType="tmRoot"/>
+      </p:par>
+    </p:tnLst>
+  </p:timing>
+</p:sld>
+</file>
+
+<file path=ppt/slides/slide18.xml><?xml version="1.0" encoding="utf-8"?>
+<p:sld xmlns:a="http://schemas.openxmlformats.org/drawingml/2006/main" xmlns:r="http://schemas.openxmlformats.org/officeDocument/2006/relationships" xmlns:p="http://schemas.openxmlformats.org/presentationml/2006/main">
+  <p:cSld>
+    <p:spTree>
+      <p:nvGrpSpPr>
+        <p:cNvPr id="1" name=""/>
+        <p:cNvGrpSpPr/>
+        <p:nvPr/>
+      </p:nvGrpSpPr>
+      <p:grpSpPr>
+        <a:xfrm>
+          <a:off x="0" y="0"/>
+          <a:ext cx="0" cy="0"/>
+          <a:chOff x="0" y="0"/>
+          <a:chExt cx="0" cy="0"/>
+        </a:xfrm>
+      </p:grpSpPr>
+      <p:sp>
+        <p:nvSpPr>
+          <p:cNvPr id="3" name="内容占位符 2"/>
+          <p:cNvSpPr>
+            <a:spLocks noGrp="1"/>
+          </p:cNvSpPr>
+          <p:nvPr>
+            <p:ph idx="1"/>
+          </p:nvPr>
+        </p:nvSpPr>
+        <p:spPr>
+          <a:xfrm>
+            <a:off x="323528" y="836712"/>
+            <a:ext cx="8280920" cy="5256584"/>
+          </a:xfrm>
+        </p:spPr>
+        <p:txBody>
+          <a:bodyPr>
+            <a:normAutofit lnSpcReduction="10000"/>
+          </a:bodyPr>
+          <a:lstStyle/>
+          <a:p>
+            <a:r>
+              <a:rPr lang="zh-CN" altLang="en-US" dirty="0" smtClean="0"/>
+              <a:t>全局常量</a:t>
+            </a:r>
+            <a:r>
+              <a:rPr lang="en-US" altLang="zh-CN" dirty="0" smtClean="0"/>
+              <a:t>,</a:t>
+            </a:r>
+            <a:r>
+              <a:rPr lang="en-US" altLang="zh-CN" dirty="0"/>
+              <a:t> </a:t>
+            </a:r>
+            <a:r>
+              <a:rPr lang="en-US" altLang="zh-CN" dirty="0"/>
+              <a:t>define</a:t>
+            </a:r>
+            <a:r>
+              <a:rPr lang="en-US" altLang="zh-CN" dirty="0" smtClean="0"/>
+              <a:t>(“MYSQL_EXTEND”, ‘</a:t>
+            </a:r>
+            <a:r>
+              <a:rPr lang="en-US" altLang="zh-CN" dirty="0" err="1" smtClean="0"/>
+              <a:t>mysqli</a:t>
+            </a:r>
+            <a:r>
+              <a:rPr lang="en-US" altLang="zh-CN" dirty="0" smtClean="0"/>
+              <a:t>’);</a:t>
+            </a:r>
+            <a:r>
+              <a:rPr lang="zh-CN" altLang="en-US" dirty="0" smtClean="0"/>
+              <a:t>大写字母加下划线</a:t>
+            </a:r>
+            <a:endParaRPr lang="en-US" altLang="zh-CN" dirty="0" smtClean="0"/>
+          </a:p>
+          <a:p>
+            <a:r>
+              <a:rPr lang="zh-CN" altLang="en-US" dirty="0"/>
+              <a:t>类中常量定义：</a:t>
+            </a:r>
+            <a:r>
+              <a:rPr lang="en-US" altLang="zh-CN" dirty="0" err="1"/>
+              <a:t>const</a:t>
+            </a:r>
+            <a:r>
+              <a:rPr lang="en-US" altLang="zh-CN" dirty="0"/>
+              <a:t> IS_DELETED=1;</a:t>
+            </a:r>
+            <a:r>
+              <a:rPr lang="zh-CN" altLang="en-US" dirty="0"/>
+              <a:t>大写字母加下划线</a:t>
+            </a:r>
+            <a:endParaRPr lang="en-US" altLang="zh-CN" dirty="0"/>
+          </a:p>
+          <a:p>
+            <a:r>
+              <a:rPr lang="zh-CN" altLang="en-US" dirty="0" smtClean="0"/>
+              <a:t>定义字符串尽量用单引号，如果字符串中没有变量的话</a:t>
+            </a:r>
+            <a:endParaRPr lang="en-US" altLang="zh-CN" dirty="0" smtClean="0"/>
+          </a:p>
+          <a:p>
+            <a:r>
+              <a:rPr lang="zh-CN" altLang="en-US" dirty="0" smtClean="0"/>
+              <a:t>函数名、局部变量、方法参数开头字母小写</a:t>
+            </a:r>
+            <a:r>
+              <a:rPr lang="en-US" altLang="zh-CN" dirty="0" smtClean="0"/>
+              <a:t>,</a:t>
+            </a:r>
+            <a:r>
+              <a:rPr lang="zh-CN" altLang="en-US" dirty="0" smtClean="0"/>
+              <a:t>可使用下划线为词的分界</a:t>
+            </a:r>
+            <a:r>
+              <a:rPr lang="en-US" altLang="zh-CN" dirty="0" smtClean="0"/>
+              <a:t>,</a:t>
+            </a:r>
+            <a:r>
+              <a:rPr lang="zh-CN" altLang="en-US" dirty="0"/>
+              <a:t>也可使用骆驼命名法</a:t>
+            </a:r>
+            <a:endParaRPr lang="en-US" altLang="zh-CN" dirty="0" smtClean="0"/>
+          </a:p>
+          <a:p>
+            <a:r>
+              <a:rPr lang="zh-CN" altLang="en-US" dirty="0" smtClean="0"/>
+              <a:t>类中方法可使用</a:t>
+            </a:r>
+            <a:r>
+              <a:rPr lang="zh-CN" altLang="en-US" dirty="0"/>
+              <a:t>骆驼命名法</a:t>
+            </a:r>
+            <a:r>
+              <a:rPr lang="zh-CN" altLang="en-US" dirty="0" smtClean="0"/>
+              <a:t>命名</a:t>
+            </a:r>
+            <a:endParaRPr lang="en-US" altLang="zh-CN" dirty="0" smtClean="0"/>
+          </a:p>
+          <a:p>
+            <a:r>
+              <a:rPr lang="zh-CN" altLang="en-US" dirty="0" smtClean="0"/>
+              <a:t>尽量少用引用</a:t>
+            </a:r>
+            <a:r>
+              <a:rPr lang="en-US" altLang="zh-CN" dirty="0" smtClean="0"/>
+              <a:t>,</a:t>
+            </a:r>
+            <a:r>
+              <a:rPr lang="en-US" altLang="zh-CN" dirty="0" err="1" smtClean="0"/>
+              <a:t>php</a:t>
+            </a:r>
+            <a:r>
+              <a:rPr lang="zh-CN" altLang="en-US" dirty="0" smtClean="0"/>
+              <a:t>中引用效率较低</a:t>
+            </a:r>
+            <a:endParaRPr lang="en-US" altLang="zh-CN" dirty="0" smtClean="0"/>
+          </a:p>
+          <a:p>
+            <a:r>
+              <a:rPr lang="zh-CN" altLang="en-US" dirty="0" smtClean="0"/>
+              <a:t>构造函数中不要抛出异常</a:t>
+            </a:r>
+            <a:endParaRPr lang="en-US" altLang="zh-CN" dirty="0" smtClean="0"/>
+          </a:p>
+          <a:p>
+            <a:r>
+              <a:rPr lang="zh-CN" altLang="en-US" dirty="0" smtClean="0"/>
+              <a:t>一段逻辑代码超过三个以上的地方调用，可以抽取出一个方法</a:t>
+            </a:r>
+            <a:endParaRPr lang="en-US" altLang="zh-CN" dirty="0" smtClean="0"/>
+          </a:p>
+          <a:p>
+            <a:r>
+              <a:rPr lang="zh-CN" altLang="en-US" dirty="0" smtClean="0"/>
+              <a:t>类注释写在类上面，方法注释写在方法上，代码段中的注释不要写在代码中，可写在大括号后面或</a:t>
+            </a:r>
+            <a:r>
+              <a:rPr lang="zh-CN" altLang="en-US" dirty="0" smtClean="0"/>
+              <a:t>某行代码后面</a:t>
+            </a:r>
+            <a:endParaRPr lang="en-US" altLang="zh-CN" dirty="0" smtClean="0"/>
+          </a:p>
+        </p:txBody>
+      </p:sp>
+      <p:sp>
+        <p:nvSpPr>
+          <p:cNvPr id="4" name="日期占位符 3"/>
+          <p:cNvSpPr>
+            <a:spLocks noGrp="1"/>
+          </p:cNvSpPr>
+          <p:nvPr>
+            <p:ph type="dt" sz="half" idx="10"/>
+          </p:nvPr>
+        </p:nvSpPr>
+        <p:spPr/>
+        <p:txBody>
+          <a:bodyPr/>
+          <a:lstStyle/>
+          <a:p>
+            <a:fld id="{B11D738E-8962-435F-8C43-147B8DD7E819}" type="datetime1">
+              <a:rPr lang="en-US" smtClean="0">
+                <a:solidFill>
+                  <a:prstClr val="black">
+                    <a:lumMod val="65000"/>
+                    <a:lumOff val="35000"/>
+                  </a:prstClr>
+                </a:solidFill>
+              </a:rPr>
+              <a:pPr/>
+              <a:t>8/26/2014</a:t>
+            </a:fld>
+            <a:endParaRPr lang="en-US">
+              <a:solidFill>
+                <a:prstClr val="black">
+                  <a:lumMod val="65000"/>
+                  <a:lumOff val="35000"/>
+                </a:prstClr>
+              </a:solidFill>
+            </a:endParaRPr>
+          </a:p>
+        </p:txBody>
+      </p:sp>
+      <p:sp>
+        <p:nvSpPr>
+          <p:cNvPr id="6" name="灯片编号占位符 5"/>
+          <p:cNvSpPr>
+            <a:spLocks noGrp="1"/>
+          </p:cNvSpPr>
+          <p:nvPr>
+            <p:ph type="sldNum" sz="quarter" idx="12"/>
+          </p:nvPr>
+        </p:nvSpPr>
+        <p:spPr/>
+        <p:txBody>
+          <a:bodyPr/>
+          <a:lstStyle/>
+          <a:p>
+            <a:fld id="{BA9B540C-44DA-4F69-89C9-7C84606640D3}" type="slidenum">
+              <a:rPr lang="en-US" smtClean="0">
+                <a:solidFill>
+                  <a:prstClr val="black">
+                    <a:lumMod val="65000"/>
+                    <a:lumOff val="35000"/>
+                  </a:prstClr>
+                </a:solidFill>
+              </a:rPr>
+              <a:pPr/>
+              <a:t>18</a:t>
+            </a:fld>
+            <a:endParaRPr lang="en-US">
+              <a:solidFill>
+                <a:prstClr val="black">
+                  <a:lumMod val="65000"/>
+                  <a:lumOff val="35000"/>
+                </a:prstClr>
+              </a:solidFill>
+            </a:endParaRPr>
+          </a:p>
+        </p:txBody>
+      </p:sp>
+      <p:sp>
+        <p:nvSpPr>
+          <p:cNvPr id="7" name="标题 1"/>
+          <p:cNvSpPr txBox="1">
+            <a:spLocks/>
+          </p:cNvSpPr>
+          <p:nvPr/>
+        </p:nvSpPr>
+        <p:spPr>
+          <a:xfrm>
+            <a:off x="107504" y="116632"/>
+            <a:ext cx="6840760" cy="764704"/>
+          </a:xfrm>
+          <a:prstGeom prst="rect">
+            <a:avLst/>
+          </a:prstGeom>
+        </p:spPr>
+        <p:txBody>
+          <a:bodyPr vert="horz" lIns="91440" tIns="45720" rIns="91440" bIns="45720" rtlCol="0" anchor="b">
+            <a:noAutofit/>
+          </a:bodyPr>
+          <a:lstStyle>
+            <a:lvl1pPr algn="ctr" defTabSz="914400" rtl="0" eaLnBrk="1" latinLnBrk="0" hangingPunct="1">
+              <a:lnSpc>
+                <a:spcPts val="5800"/>
+              </a:lnSpc>
+              <a:spcBef>
+                <a:spcPct val="0"/>
+              </a:spcBef>
+              <a:buNone/>
+              <a:defRPr sz="5400" kern="1200">
+                <a:solidFill>
+                  <a:schemeClr val="tx2"/>
+                </a:solidFill>
+                <a:effectLst>
+                  <a:outerShdw blurRad="63500" dist="38100" dir="5400000" algn="t" rotWithShape="0">
+                    <a:prstClr val="black">
+                      <a:alpha val="25000"/>
+                    </a:prstClr>
+                  </a:outerShdw>
+                </a:effectLst>
+                <a:latin typeface="+mn-lt"/>
+                <a:ea typeface="+mj-ea"/>
+                <a:cs typeface="+mj-cs"/>
+              </a:defRPr>
+            </a:lvl1pPr>
+          </a:lstStyle>
+          <a:p>
+            <a:pPr algn="l"/>
+            <a:r>
+              <a:rPr lang="en-US" altLang="zh-CN" sz="3200" b="1" dirty="0" smtClean="0">
+                <a:solidFill>
+                  <a:srgbClr val="2F5897"/>
+                </a:solidFill>
+              </a:rPr>
+              <a:t>PHP</a:t>
+            </a:r>
+            <a:r>
+              <a:rPr lang="zh-CN" altLang="en-US" sz="3200" b="1" dirty="0" smtClean="0">
+                <a:solidFill>
+                  <a:srgbClr val="2F5897"/>
+                </a:solidFill>
+              </a:rPr>
+              <a:t>代码规范</a:t>
+            </a:r>
+            <a:endParaRPr lang="zh-CN" altLang="en-US" sz="3200" b="1" dirty="0">
+              <a:solidFill>
+                <a:srgbClr val="2F5897"/>
+              </a:solidFill>
+            </a:endParaRPr>
+          </a:p>
+        </p:txBody>
+      </p:sp>
+    </p:spTree>
+    <p:extLst>
+      <p:ext uri="{BB962C8B-B14F-4D97-AF65-F5344CB8AC3E}">
+        <p14:creationId xmlns:p14="http://schemas.microsoft.com/office/powerpoint/2010/main" val="3883059547"/>
+      </p:ext>
+    </p:extLst>
+  </p:cSld>
+  <p:clrMapOvr>
+    <a:masterClrMapping/>
+  </p:clrMapOvr>
+  <p:timing>
+    <p:tnLst>
+      <p:par>
+        <p:cTn id="1" dur="indefinite" restart="never" nodeType="tmRoot"/>
+      </p:par>
+    </p:tnLst>
+  </p:timing>
+</p:sld>
+</file>
+
+<file path=ppt/slides/slide19.xml><?xml version="1.0" encoding="utf-8"?>
+<p:sld xmlns:a="http://schemas.openxmlformats.org/drawingml/2006/main" xmlns:r="http://schemas.openxmlformats.org/officeDocument/2006/relationships" xmlns:p="http://schemas.openxmlformats.org/presentationml/2006/main">
+  <p:cSld>
+    <p:spTree>
+      <p:nvGrpSpPr>
+        <p:cNvPr id="1" name=""/>
+        <p:cNvGrpSpPr/>
+        <p:nvPr/>
+      </p:nvGrpSpPr>
+      <p:grpSpPr>
+        <a:xfrm>
+          <a:off x="0" y="0"/>
+          <a:ext cx="0" cy="0"/>
+          <a:chOff x="0" y="0"/>
+          <a:chExt cx="0" cy="0"/>
+        </a:xfrm>
+      </p:grpSpPr>
+      <p:sp>
+        <p:nvSpPr>
+          <p:cNvPr id="4" name="日期占位符 3"/>
+          <p:cNvSpPr>
+            <a:spLocks noGrp="1"/>
+          </p:cNvSpPr>
+          <p:nvPr>
+            <p:ph type="dt" sz="half" idx="10"/>
+          </p:nvPr>
+        </p:nvSpPr>
+        <p:spPr/>
+        <p:txBody>
+          <a:bodyPr/>
+          <a:lstStyle/>
+          <a:p>
+            <a:fld id="{B11D738E-8962-435F-8C43-147B8DD7E819}" type="datetime1">
+              <a:rPr lang="en-US" smtClean="0"/>
+              <a:pPr/>
+              <a:t>8/26/2014</a:t>
+            </a:fld>
+            <a:endParaRPr lang="en-US"/>
+          </a:p>
+        </p:txBody>
+      </p:sp>
+      <p:sp>
+        <p:nvSpPr>
+          <p:cNvPr id="6" name="灯片编号占位符 5"/>
+          <p:cNvSpPr>
+            <a:spLocks noGrp="1"/>
+          </p:cNvSpPr>
+          <p:nvPr>
+            <p:ph type="sldNum" sz="quarter" idx="12"/>
+          </p:nvPr>
+        </p:nvSpPr>
+        <p:spPr/>
+        <p:txBody>
+          <a:bodyPr/>
+          <a:lstStyle/>
+          <a:p>
+            <a:fld id="{BA9B540C-44DA-4F69-89C9-7C84606640D3}" type="slidenum">
+              <a:rPr lang="en-US" smtClean="0"/>
+              <a:pPr/>
+              <a:t>19</a:t>
+            </a:fld>
+            <a:endParaRPr lang="en-US"/>
+          </a:p>
+        </p:txBody>
+      </p:sp>
+      <p:sp>
+        <p:nvSpPr>
+          <p:cNvPr id="7" name="标题 1"/>
+          <p:cNvSpPr txBox="1">
+            <a:spLocks/>
+          </p:cNvSpPr>
+          <p:nvPr/>
+        </p:nvSpPr>
+        <p:spPr>
+          <a:xfrm>
+            <a:off x="251520" y="2348880"/>
+            <a:ext cx="8229600" cy="1024136"/>
+          </a:xfrm>
+          <a:prstGeom prst="rect">
+            <a:avLst/>
+          </a:prstGeom>
+        </p:spPr>
+        <p:txBody>
+          <a:bodyPr vert="horz" lIns="91440" tIns="45720" rIns="91440" bIns="45720" rtlCol="0" anchor="b">
+            <a:noAutofit/>
+          </a:bodyPr>
+          <a:lstStyle>
+            <a:lvl1pPr algn="ctr" defTabSz="914400" rtl="0" eaLnBrk="1" latinLnBrk="0" hangingPunct="1">
+              <a:lnSpc>
+                <a:spcPts val="5800"/>
+              </a:lnSpc>
+              <a:spcBef>
+                <a:spcPct val="0"/>
+              </a:spcBef>
+              <a:buNone/>
+              <a:defRPr sz="5400" kern="1200">
+                <a:solidFill>
+                  <a:schemeClr val="tx2"/>
+                </a:solidFill>
+                <a:effectLst>
+                  <a:outerShdw blurRad="63500" dist="38100" dir="5400000" algn="t" rotWithShape="0">
+                    <a:prstClr val="black">
+                      <a:alpha val="25000"/>
+                    </a:prstClr>
+                  </a:outerShdw>
+                </a:effectLst>
+                <a:latin typeface="+mn-lt"/>
+                <a:ea typeface="+mj-ea"/>
+                <a:cs typeface="+mj-cs"/>
+              </a:defRPr>
+            </a:lvl1pPr>
+          </a:lstStyle>
+          <a:p>
+            <a:r>
+              <a:rPr lang="en-US" altLang="zh-CN" dirty="0" smtClean="0"/>
+              <a:t>Q &amp; A</a:t>
+            </a:r>
+            <a:endParaRPr lang="zh-CN" altLang="en-US" dirty="0"/>
+          </a:p>
+        </p:txBody>
+      </p:sp>
+    </p:spTree>
+    <p:extLst>
+      <p:ext uri="{BB962C8B-B14F-4D97-AF65-F5344CB8AC3E}">
+        <p14:creationId xmlns:p14="http://schemas.microsoft.com/office/powerpoint/2010/main" val="2993230041"/>
       </p:ext>
     </p:extLst>
   </p:cSld>
@@ -6260,15 +8367,7 @@
           <a:p>
             <a:r>
               <a:rPr lang="zh-CN" altLang="en-US" dirty="0" smtClean="0"/>
-              <a:t>数据分布单库多</a:t>
-            </a:r>
-            <a:r>
-              <a:rPr lang="zh-CN" altLang="en-US" dirty="0" smtClean="0"/>
-              <a:t>表</a:t>
-            </a:r>
-            <a:r>
-              <a:rPr lang="zh-CN" altLang="en-US" dirty="0" smtClean="0"/>
-              <a:t>、</a:t>
+              <a:t>数据分布单库多表、</a:t>
             </a:r>
             <a:r>
               <a:rPr lang="zh-CN" altLang="en-US" dirty="0"/>
@@ -6317,16 +8416,11 @@
               <a:rPr lang="en-US" altLang="zh-CN" dirty="0" smtClean="0"/>
               <a:t>)</a:t>
             </a:r>
-            <a:endParaRPr lang="en-US" altLang="zh-CN" dirty="0" smtClean="0"/>
-          </a:p>
-          <a:p>
-            <a:r>
-              <a:rPr lang="zh-CN" altLang="en-US" dirty="0" smtClean="0"/>
-              <a:t>单库事务</a:t>
-            </a:r>
-            <a:r>
-              <a:rPr lang="zh-CN" altLang="en-US" dirty="0" smtClean="0"/>
-              <a:t>支持</a:t>
+          </a:p>
+          <a:p>
+            <a:r>
+              <a:rPr lang="zh-CN" altLang="en-US" dirty="0" smtClean="0"/>
+              <a:t>单库事务支持</a:t>
             </a:r>
             <a:r>
               <a:rPr lang="en-US" altLang="zh-CN" dirty="0" smtClean="0"/>
@@ -6340,7 +8434,6 @@
               <a:rPr lang="en-US" altLang="zh-CN" dirty="0" smtClean="0"/>
               <a:t>)</a:t>
             </a:r>
-            <a:endParaRPr lang="en-US" altLang="zh-CN" dirty="0" smtClean="0"/>
           </a:p>
           <a:p>
             <a:r>
@@ -6466,7 +8559,7 @@
             <a:fld id="{B11D738E-8962-435F-8C43-147B8DD7E819}" type="datetime1">
               <a:rPr lang="en-US" smtClean="0"/>
               <a:pPr/>
-              <a:t>8/25/2014</a:t>
+              <a:t>8/26/2014</a:t>
             </a:fld>
             <a:endParaRPr lang="en-US" dirty="0"/>
           </a:p>
@@ -6546,12 +8639,8 @@
           <a:p>
             <a:pPr algn="l"/>
             <a:r>
-              <a:rPr lang="zh-CN" altLang="en-US" sz="3200" b="1" dirty="0"/>
-              <a:t>大</a:t>
-            </a:r>
-            <a:r>
               <a:rPr lang="zh-CN" altLang="en-US" sz="3200" b="1" dirty="0" smtClean="0"/>
-              <a:t>纲</a:t>
+              <a:t>功能介绍</a:t>
             </a:r>
             <a:endParaRPr lang="zh-CN" altLang="en-US" sz="3200" b="1" dirty="0"/>
           </a:p>
@@ -6561,6 +8650,147 @@
     <p:extLst>
       <p:ext uri="{BB962C8B-B14F-4D97-AF65-F5344CB8AC3E}">
         <p14:creationId xmlns:p14="http://schemas.microsoft.com/office/powerpoint/2010/main" val="1412449207"/>
+      </p:ext>
+    </p:extLst>
+  </p:cSld>
+  <p:clrMapOvr>
+    <a:masterClrMapping/>
+  </p:clrMapOvr>
+  <p:timing>
+    <p:tnLst>
+      <p:par>
+        <p:cTn id="1" dur="indefinite" restart="never" nodeType="tmRoot"/>
+      </p:par>
+    </p:tnLst>
+  </p:timing>
+</p:sld>
+</file>
+
+<file path=ppt/slides/slide20.xml><?xml version="1.0" encoding="utf-8"?>
+<p:sld xmlns:a="http://schemas.openxmlformats.org/drawingml/2006/main" xmlns:r="http://schemas.openxmlformats.org/officeDocument/2006/relationships" xmlns:p="http://schemas.openxmlformats.org/presentationml/2006/main">
+  <p:cSld>
+    <p:spTree>
+      <p:nvGrpSpPr>
+        <p:cNvPr id="1" name=""/>
+        <p:cNvGrpSpPr/>
+        <p:nvPr/>
+      </p:nvGrpSpPr>
+      <p:grpSpPr>
+        <a:xfrm>
+          <a:off x="0" y="0"/>
+          <a:ext cx="0" cy="0"/>
+          <a:chOff x="0" y="0"/>
+          <a:chExt cx="0" cy="0"/>
+        </a:xfrm>
+      </p:grpSpPr>
+      <p:sp>
+        <p:nvSpPr>
+          <p:cNvPr id="4" name="日期占位符 3"/>
+          <p:cNvSpPr>
+            <a:spLocks noGrp="1"/>
+          </p:cNvSpPr>
+          <p:nvPr>
+            <p:ph type="dt" sz="half" idx="10"/>
+          </p:nvPr>
+        </p:nvSpPr>
+        <p:spPr/>
+        <p:txBody>
+          <a:bodyPr/>
+          <a:lstStyle/>
+          <a:p>
+            <a:fld id="{B11D738E-8962-435F-8C43-147B8DD7E819}" type="datetime1">
+              <a:rPr lang="en-US" smtClean="0"/>
+              <a:pPr/>
+              <a:t>8/26/2014</a:t>
+            </a:fld>
+            <a:endParaRPr lang="en-US"/>
+          </a:p>
+        </p:txBody>
+      </p:sp>
+      <p:sp>
+        <p:nvSpPr>
+          <p:cNvPr id="6" name="灯片编号占位符 5"/>
+          <p:cNvSpPr>
+            <a:spLocks noGrp="1"/>
+          </p:cNvSpPr>
+          <p:nvPr>
+            <p:ph type="sldNum" sz="quarter" idx="12"/>
+          </p:nvPr>
+        </p:nvSpPr>
+        <p:spPr/>
+        <p:txBody>
+          <a:bodyPr/>
+          <a:lstStyle/>
+          <a:p>
+            <a:fld id="{BA9B540C-44DA-4F69-89C9-7C84606640D3}" type="slidenum">
+              <a:rPr lang="en-US" smtClean="0"/>
+              <a:pPr/>
+              <a:t>20</a:t>
+            </a:fld>
+            <a:endParaRPr lang="en-US"/>
+          </a:p>
+        </p:txBody>
+      </p:sp>
+      <p:sp>
+        <p:nvSpPr>
+          <p:cNvPr id="10" name="标题 1"/>
+          <p:cNvSpPr txBox="1">
+            <a:spLocks/>
+          </p:cNvSpPr>
+          <p:nvPr/>
+        </p:nvSpPr>
+        <p:spPr>
+          <a:xfrm>
+            <a:off x="251520" y="2348880"/>
+            <a:ext cx="8229600" cy="1024136"/>
+          </a:xfrm>
+          <a:prstGeom prst="rect">
+            <a:avLst/>
+          </a:prstGeom>
+        </p:spPr>
+        <p:txBody>
+          <a:bodyPr vert="horz" lIns="91440" tIns="45720" rIns="91440" bIns="45720" rtlCol="0" anchor="b">
+            <a:noAutofit/>
+          </a:bodyPr>
+          <a:lstStyle>
+            <a:lvl1pPr algn="ctr" defTabSz="914400" rtl="0" eaLnBrk="1" latinLnBrk="0" hangingPunct="1">
+              <a:lnSpc>
+                <a:spcPts val="5800"/>
+              </a:lnSpc>
+              <a:spcBef>
+                <a:spcPct val="0"/>
+              </a:spcBef>
+              <a:buNone/>
+              <a:defRPr sz="5400" kern="1200">
+                <a:solidFill>
+                  <a:schemeClr val="tx2"/>
+                </a:solidFill>
+                <a:effectLst>
+                  <a:outerShdw blurRad="63500" dist="38100" dir="5400000" algn="t" rotWithShape="0">
+                    <a:prstClr val="black">
+                      <a:alpha val="25000"/>
+                    </a:prstClr>
+                  </a:outerShdw>
+                </a:effectLst>
+                <a:latin typeface="+mn-lt"/>
+                <a:ea typeface="+mj-ea"/>
+                <a:cs typeface="+mj-cs"/>
+              </a:defRPr>
+            </a:lvl1pPr>
+          </a:lstStyle>
+          <a:p>
+            <a:r>
+              <a:rPr lang="en-US" altLang="zh-CN" dirty="0" smtClean="0"/>
+              <a:t>THANKS</a:t>
+            </a:r>
+            <a:endParaRPr lang="zh-CN" altLang="en-US" dirty="0"/>
+          </a:p>
+        </p:txBody>
+      </p:sp>
+    </p:spTree>
+    <p:extLst>
+      <p:ext uri="{BB962C8B-B14F-4D97-AF65-F5344CB8AC3E}">
+        <p14:creationId xmlns:p14="http://schemas.microsoft.com/office/powerpoint/2010/main" val="3045525435"/>
       </p:ext>
     </p:extLst>
   </p:cSld>
@@ -6769,12 +8999,12 @@
               <a:t>遍历所有库表</a:t>
             </a:r>
             <a:r>
-              <a:rPr lang="en-US" altLang="zh-CN" dirty="0"/>
+              <a:rPr lang="en-US" altLang="zh-CN" dirty="0" smtClean="0"/>
               <a:t>(</a:t>
             </a:r>
             <a:r>
               <a:rPr lang="zh-CN" altLang="en-US" dirty="0"/>
-              <a:t>分表的逻辑表</a:t>
+              <a:t>支持逻辑表</a:t>
             </a:r>
             <a:r>
               <a:rPr lang="en-US" altLang="zh-CN" dirty="0"/>
@@ -6782,7 +9012,15 @@
             </a:r>
             <a:r>
               <a:rPr lang="zh-CN" altLang="en-US" dirty="0"/>
-              <a:t>不包含按日期分表</a:t>
+              <a:t>不</a:t>
+            </a:r>
+            <a:r>
+              <a:rPr lang="zh-CN" altLang="en-US" dirty="0" smtClean="0"/>
+              <a:t>包含日期</a:t>
+            </a:r>
+            <a:r>
+              <a:rPr lang="zh-CN" altLang="en-US" dirty="0"/>
+              <a:t>分表</a:t>
             </a:r>
             <a:r>
               <a:rPr lang="en-US" altLang="zh-CN" dirty="0"/>
@@ -6894,7 +9132,7 @@
                 </a:solidFill>
               </a:rPr>
               <a:pPr/>
-              <a:t>8/25/2014</a:t>
+              <a:t>8/26/2014</a:t>
             </a:fld>
             <a:endParaRPr lang="en-US" dirty="0">
               <a:solidFill>
@@ -7065,7 +9303,7 @@
             <a:fld id="{B11D738E-8962-435F-8C43-147B8DD7E819}" type="datetime1">
               <a:rPr lang="en-US" smtClean="0"/>
               <a:pPr/>
-              <a:t>8/25/2014</a:t>
+              <a:t>8/26/2014</a:t>
             </a:fld>
             <a:endParaRPr lang="en-US" dirty="0"/>
           </a:p>
@@ -7211,7 +9449,34 @@
           <a:p>
             <a:r>
               <a:rPr lang="zh-CN" altLang="en-US" dirty="0" smtClean="0"/>
-              <a:t>读写分离</a:t>
+              <a:t>读写</a:t>
+            </a:r>
+            <a:r>
+              <a:rPr lang="zh-CN" altLang="en-US" dirty="0" smtClean="0"/>
+              <a:t>分离</a:t>
+            </a:r>
+            <a:endParaRPr lang="en-US" altLang="zh-CN" dirty="0" smtClean="0"/>
+          </a:p>
+          <a:p>
+            <a:r>
+              <a:rPr lang="zh-CN" altLang="en-US" dirty="0" smtClean="0"/>
+              <a:t>操作方式</a:t>
+            </a:r>
+            <a:r>
+              <a:rPr lang="en-US" altLang="zh-CN" dirty="0" smtClean="0"/>
+              <a:t>PDO</a:t>
+            </a:r>
+            <a:r>
+              <a:rPr lang="zh-CN" altLang="en-US" dirty="0" smtClean="0"/>
+              <a:t>、</a:t>
+            </a:r>
+            <a:r>
+              <a:rPr lang="en-US" altLang="zh-CN" dirty="0" err="1" smtClean="0"/>
+              <a:t>mysqli</a:t>
+            </a:r>
+            <a:r>
+              <a:rPr lang="zh-CN" altLang="en-US" dirty="0" smtClean="0"/>
+              <a:t>零切换</a:t>
             </a:r>
             <a:endParaRPr lang="en-US" altLang="zh-CN" dirty="0" smtClean="0"/>
           </a:p>
@@ -7284,7 +9549,7 @@
             <a:fld id="{B11D738E-8962-435F-8C43-147B8DD7E819}" type="datetime1">
               <a:rPr lang="en-US" smtClean="0"/>
               <a:pPr/>
-              <a:t>8/25/2014</a:t>
+              <a:t>8/26/2014</a:t>
             </a:fld>
             <a:endParaRPr lang="en-US"/>
           </a:p>
@@ -7581,7 +9846,7 @@
             <a:fld id="{B11D738E-8962-435F-8C43-147B8DD7E819}" type="datetime1">
               <a:rPr lang="en-US" smtClean="0"/>
               <a:pPr/>
-              <a:t>8/25/2014</a:t>
+              <a:t>8/26/2014</a:t>
             </a:fld>
             <a:endParaRPr lang="en-US"/>
           </a:p>
@@ -7777,7 +10042,7 @@
                 </a:solidFill>
               </a:rPr>
               <a:pPr/>
-              <a:t>8/25/2014</a:t>
+              <a:t>8/26/2014</a:t>
             </a:fld>
             <a:endParaRPr lang="en-US" dirty="0">
               <a:solidFill>
@@ -8132,7 +10397,15 @@
             </a:r>
             <a:r>
               <a:rPr lang="zh-CN" altLang="en-US" dirty="0" smtClean="0"/>
-              <a:t>采用取余的方式实现库表分离</a:t>
+              <a:t>采用取模、区间</a:t>
+            </a:r>
+            <a:r>
+              <a:rPr lang="en-US" altLang="zh-CN" dirty="0" smtClean="0"/>
+              <a:t>hash</a:t>
+            </a:r>
+            <a:r>
+              <a:rPr lang="zh-CN" altLang="en-US" dirty="0" smtClean="0"/>
+              <a:t>、虚拟节点的方式实现库表分离</a:t>
             </a:r>
             <a:endParaRPr lang="en-US" altLang="zh-CN" dirty="0"/>
           </a:p>
@@ -8179,7 +10452,7 @@
                 </a:solidFill>
               </a:rPr>
               <a:pPr/>
-              <a:t>8/25/2014</a:t>
+              <a:t>8/26/2014</a:t>
             </a:fld>
             <a:endParaRPr lang="en-US">
               <a:solidFill>
@@ -8577,7 +10850,7 @@
                 </a:solidFill>
               </a:rPr>
               <a:pPr/>
-              <a:t>8/25/2014</a:t>
+              <a:t>8/26/2014</a:t>
             </a:fld>
             <a:endParaRPr lang="en-US">
               <a:solidFill>

--- a/dbroute.pptx
+++ b/dbroute.pptx
@@ -4372,7 +4372,27 @@
           <a:p>
             <a:r>
               <a:rPr lang="zh-CN" altLang="en-US" dirty="0" smtClean="0"/>
-              <a:t>分别根据总表数来重新排列，将相同余数值放在同一个数组中</a:t>
+              <a:t>分别根据总表数来重新排列，</a:t>
+            </a:r>
+            <a:r>
+              <a:rPr lang="zh-CN" altLang="en-US" dirty="0" smtClean="0"/>
+              <a:t>将</a:t>
+            </a:r>
+            <a:r>
+              <a:rPr lang="zh-CN" altLang="en-US" dirty="0" smtClean="0"/>
+              <a:t>每个库中</a:t>
+            </a:r>
+            <a:r>
+              <a:rPr lang="zh-CN" altLang="en-US" dirty="0" smtClean="0"/>
+              <a:t>相同</a:t>
+            </a:r>
+            <a:r>
+              <a:rPr lang="zh-CN" altLang="en-US" dirty="0" smtClean="0"/>
+              <a:t>余数值放在同一个数组</a:t>
+            </a:r>
+            <a:r>
+              <a:rPr lang="zh-CN" altLang="en-US" dirty="0" smtClean="0"/>
+              <a:t>中</a:t>
             </a:r>
             <a:endParaRPr lang="en-US" altLang="zh-CN" dirty="0" smtClean="0"/>
           </a:p>
@@ -4425,7 +4445,11 @@
           <a:p>
             <a:r>
               <a:rPr lang="zh-CN" altLang="en-US" dirty="0" smtClean="0"/>
-              <a:t>将以上三次查询的结果合并</a:t>
+              <a:t>将以上三次查询的结果</a:t>
+            </a:r>
+            <a:r>
+              <a:rPr lang="zh-CN" altLang="en-US" dirty="0" smtClean="0"/>
+              <a:t>合并</a:t>
             </a:r>
             <a:endParaRPr lang="en-US" altLang="zh-CN" dirty="0" smtClean="0"/>
           </a:p>
@@ -4440,7 +4464,11 @@
             </a:r>
             <a:r>
               <a:rPr lang="zh-CN" altLang="en-US" dirty="0" smtClean="0"/>
-              <a:t>条，具体条数可传参</a:t>
+              <a:t>条，具体条数可传</a:t>
+            </a:r>
+            <a:r>
+              <a:rPr lang="zh-CN" altLang="en-US" dirty="0" smtClean="0"/>
+              <a:t>参</a:t>
             </a:r>
             <a:endParaRPr lang="en-US" altLang="zh-CN" dirty="0" smtClean="0"/>
           </a:p>
@@ -4911,7 +4939,11 @@
             </a:r>
             <a:r>
               <a:rPr lang="zh-CN" altLang="en-US" dirty="0" smtClean="0"/>
-              <a:t>的数组值</a:t>
+              <a:t>的数组</a:t>
+            </a:r>
+            <a:r>
+              <a:rPr lang="zh-CN" altLang="en-US" dirty="0" smtClean="0"/>
+              <a:t>值</a:t>
             </a:r>
             <a:endParaRPr lang="en-US" altLang="zh-CN" dirty="0" smtClean="0"/>
           </a:p>
@@ -5415,7 +5447,7 @@
               <a:t>的值配置为</a:t>
             </a:r>
             <a:r>
-              <a:rPr lang="en-US" altLang="zh-CN" dirty="0" err="1"/>
+              <a:rPr lang="en-US" altLang="zh-CN" dirty="0" err="1" smtClean="0"/>
               <a:t>mysql_pdo</a:t>
             </a:r>
             <a:endParaRPr lang="en-US" altLang="zh-CN" dirty="0" smtClean="0"/>
@@ -5968,7 +6000,11 @@
           <a:p>
             <a:r>
               <a:rPr lang="zh-CN" altLang="en-US" dirty="0" smtClean="0"/>
-              <a:t>单例模式</a:t>
+              <a:t>单例</a:t>
+            </a:r>
+            <a:r>
+              <a:rPr lang="zh-CN" altLang="en-US" dirty="0" smtClean="0"/>
+              <a:t>模式</a:t>
             </a:r>
             <a:endParaRPr lang="en-US" altLang="zh-CN" dirty="0" smtClean="0"/>
           </a:p>
@@ -5995,14 +6031,22 @@
             </a:r>
             <a:r>
               <a:rPr lang="zh-CN" altLang="en-US" dirty="0" smtClean="0"/>
-              <a:t>不一样）</a:t>
+              <a:t>不一样</a:t>
+            </a:r>
+            <a:r>
+              <a:rPr lang="zh-CN" altLang="en-US" dirty="0" smtClean="0"/>
+              <a:t>）</a:t>
             </a:r>
             <a:endParaRPr lang="en-US" altLang="zh-CN" dirty="0" smtClean="0"/>
           </a:p>
           <a:p>
             <a:r>
               <a:rPr lang="zh-CN" altLang="en-US" dirty="0" smtClean="0"/>
-              <a:t>事务开启时记录所处事务的数据库名</a:t>
+              <a:t>事务开启时记录所处事务的数据库</a:t>
+            </a:r>
+            <a:r>
+              <a:rPr lang="zh-CN" altLang="en-US" dirty="0" smtClean="0"/>
+              <a:t>名</a:t>
             </a:r>
             <a:endParaRPr lang="en-US" altLang="zh-CN" dirty="0" smtClean="0"/>
           </a:p>
@@ -6025,7 +6069,11 @@
             </a:r>
             <a:r>
               <a:rPr lang="zh-CN" altLang="en-US" dirty="0" smtClean="0"/>
-              <a:t>、更新、插入数据库的操作，每步都会记录所操作的数据库名</a:t>
+              <a:t>、更新、插入数据库的操作，每步都会记录所操作的数据库</a:t>
+            </a:r>
+            <a:r>
+              <a:rPr lang="zh-CN" altLang="en-US" dirty="0" smtClean="0"/>
+              <a:t>名</a:t>
             </a:r>
             <a:endParaRPr lang="en-US" altLang="zh-CN" dirty="0" smtClean="0"/>
           </a:p>
@@ -6066,8 +6114,13 @@
             </a:r>
             <a:r>
               <a:rPr lang="en-US" altLang="zh-CN" dirty="0" smtClean="0"/>
-              <a:t>select …for update</a:t>
-            </a:r>
+              <a:t>select …for </a:t>
+            </a:r>
+            <a:r>
+              <a:rPr lang="en-US" altLang="zh-CN" dirty="0" smtClean="0"/>
+              <a:t>update</a:t>
+            </a:r>
+            <a:endParaRPr lang="en-US" altLang="zh-CN" dirty="0" smtClean="0"/>
           </a:p>
           <a:p>
             <a:r>
@@ -6088,7 +6141,15 @@
                   <a:srgbClr val="FF0000"/>
                 </a:solidFill>
               </a:rPr>
-              <a:t>不包括序列操作的库</a:t>
+              <a:t>不包括序列操作的</a:t>
+            </a:r>
+            <a:r>
+              <a:rPr lang="zh-CN" altLang="en-US" dirty="0" smtClean="0">
+                <a:solidFill>
+                  <a:srgbClr val="FF0000"/>
+                </a:solidFill>
+              </a:rPr>
+              <a:t>库</a:t>
             </a:r>
             <a:endParaRPr lang="en-US" altLang="zh-CN" dirty="0" smtClean="0">
               <a:solidFill>
@@ -6303,35 +6364,55 @@
           <a:p>
             <a:r>
               <a:rPr lang="zh-CN" altLang="en-US" dirty="0" smtClean="0"/>
-              <a:t>策略模式</a:t>
+              <a:t>策略</a:t>
+            </a:r>
+            <a:r>
+              <a:rPr lang="zh-CN" altLang="en-US" dirty="0" smtClean="0"/>
+              <a:t>模式</a:t>
             </a:r>
             <a:endParaRPr lang="en-US" altLang="zh-CN" dirty="0" smtClean="0"/>
           </a:p>
           <a:p>
             <a:r>
               <a:rPr lang="zh-CN" altLang="en-US" dirty="0" smtClean="0"/>
-              <a:t>统一数据操作接口</a:t>
+              <a:t>统一数据操作</a:t>
+            </a:r>
+            <a:r>
+              <a:rPr lang="zh-CN" altLang="en-US" dirty="0" smtClean="0"/>
+              <a:t>接口</a:t>
             </a:r>
             <a:endParaRPr lang="en-US" altLang="zh-CN" dirty="0"/>
           </a:p>
           <a:p>
             <a:r>
               <a:rPr lang="zh-CN" altLang="en-US" dirty="0" smtClean="0"/>
-              <a:t>两个操作类都实现公共接口</a:t>
+              <a:t>两个操作类都实现公共</a:t>
+            </a:r>
+            <a:r>
+              <a:rPr lang="zh-CN" altLang="en-US" dirty="0" smtClean="0"/>
+              <a:t>接口</a:t>
             </a:r>
             <a:endParaRPr lang="en-US" altLang="zh-CN" dirty="0" smtClean="0"/>
           </a:p>
           <a:p>
             <a:r>
               <a:rPr lang="zh-CN" altLang="en-US" dirty="0" smtClean="0"/>
-              <a:t>相同方法相同返回结果</a:t>
+              <a:t>相同方法相同返回</a:t>
+            </a:r>
+            <a:r>
+              <a:rPr lang="zh-CN" altLang="en-US" dirty="0" smtClean="0"/>
+              <a:t>结果</a:t>
             </a:r>
             <a:endParaRPr lang="en-US" altLang="zh-CN" dirty="0" smtClean="0"/>
           </a:p>
           <a:p>
             <a:r>
               <a:rPr lang="zh-CN" altLang="en-US" dirty="0" smtClean="0"/>
-              <a:t>定义公共常量切换方式</a:t>
+              <a:t>定义公共常量切换</a:t>
+            </a:r>
+            <a:r>
+              <a:rPr lang="zh-CN" altLang="en-US" dirty="0" smtClean="0"/>
+              <a:t>方式</a:t>
             </a:r>
             <a:endParaRPr lang="en-US" altLang="zh-CN" dirty="0" smtClean="0"/>
           </a:p>
@@ -6555,7 +6636,7 @@
         <p:spPr>
           <a:xfrm>
             <a:off x="323528" y="980728"/>
-            <a:ext cx="8280920" cy="5616624"/>
+            <a:ext cx="8280920" cy="1728192"/>
           </a:xfrm>
         </p:spPr>
         <p:txBody>
@@ -6566,7 +6647,11 @@
           <a:p>
             <a:r>
               <a:rPr lang="zh-CN" altLang="en-US" dirty="0" smtClean="0"/>
-              <a:t>单例模式</a:t>
+              <a:t>单例</a:t>
+            </a:r>
+            <a:r>
+              <a:rPr lang="zh-CN" altLang="en-US" dirty="0" smtClean="0"/>
+              <a:t>模式</a:t>
             </a:r>
             <a:endParaRPr lang="en-US" altLang="zh-CN" dirty="0" smtClean="0"/>
           </a:p>
@@ -6581,14 +6666,22 @@
             </a:r>
             <a:r>
               <a:rPr lang="zh-CN" altLang="en-US" dirty="0" smtClean="0"/>
-              <a:t>的连接</a:t>
+              <a:t>的</a:t>
+            </a:r>
+            <a:r>
+              <a:rPr lang="zh-CN" altLang="en-US" dirty="0" smtClean="0"/>
+              <a:t>连接</a:t>
             </a:r>
             <a:endParaRPr lang="en-US" altLang="zh-CN" dirty="0" smtClean="0"/>
           </a:p>
           <a:p>
             <a:r>
               <a:rPr lang="zh-CN" altLang="en-US" dirty="0" smtClean="0"/>
-              <a:t>所有数据库连接都为短连接</a:t>
+              <a:t>所有数据库连接都为短</a:t>
+            </a:r>
+            <a:r>
+              <a:rPr lang="zh-CN" altLang="en-US" dirty="0" smtClean="0"/>
+              <a:t>连接</a:t>
             </a:r>
             <a:endParaRPr lang="en-US" altLang="zh-CN" dirty="0" smtClean="0"/>
           </a:p>
@@ -6759,6 +6852,293 @@
               <a:t>连接原理</a:t>
             </a:r>
             <a:endParaRPr lang="en-US" altLang="zh-CN" sz="3200" b="1" dirty="0"/>
+          </a:p>
+        </p:txBody>
+      </p:sp>
+      <p:sp>
+        <p:nvSpPr>
+          <p:cNvPr id="8" name="标题 1"/>
+          <p:cNvSpPr txBox="1">
+            <a:spLocks/>
+          </p:cNvSpPr>
+          <p:nvPr/>
+        </p:nvSpPr>
+        <p:spPr>
+          <a:xfrm>
+            <a:off x="107504" y="2376264"/>
+            <a:ext cx="9289032" cy="764704"/>
+          </a:xfrm>
+          <a:prstGeom prst="rect">
+            <a:avLst/>
+          </a:prstGeom>
+        </p:spPr>
+        <p:txBody>
+          <a:bodyPr vert="horz" lIns="91440" tIns="45720" rIns="91440" bIns="45720" rtlCol="0" anchor="b">
+            <a:noAutofit/>
+          </a:bodyPr>
+          <a:lstStyle>
+            <a:lvl1pPr algn="ctr" defTabSz="914400" rtl="0" eaLnBrk="1" latinLnBrk="0" hangingPunct="1">
+              <a:lnSpc>
+                <a:spcPts val="5800"/>
+              </a:lnSpc>
+              <a:spcBef>
+                <a:spcPct val="0"/>
+              </a:spcBef>
+              <a:buNone/>
+              <a:defRPr sz="5400" kern="1200">
+                <a:solidFill>
+                  <a:schemeClr val="tx2"/>
+                </a:solidFill>
+                <a:effectLst>
+                  <a:outerShdw blurRad="63500" dist="38100" dir="5400000" algn="t" rotWithShape="0">
+                    <a:prstClr val="black">
+                      <a:alpha val="25000"/>
+                    </a:prstClr>
+                  </a:outerShdw>
+                </a:effectLst>
+                <a:latin typeface="+mn-lt"/>
+                <a:ea typeface="+mj-ea"/>
+                <a:cs typeface="+mj-cs"/>
+              </a:defRPr>
+            </a:lvl1pPr>
+          </a:lstStyle>
+          <a:p>
+            <a:pPr algn="l"/>
+            <a:r>
+              <a:rPr lang="zh-CN" altLang="en-US" sz="3200" b="1" dirty="0" smtClean="0"/>
+              <a:t>读写分离</a:t>
+            </a:r>
+            <a:endParaRPr lang="en-US" altLang="zh-CN" sz="3200" b="1" dirty="0"/>
+          </a:p>
+        </p:txBody>
+      </p:sp>
+      <p:sp>
+        <p:nvSpPr>
+          <p:cNvPr id="9" name="内容占位符 2"/>
+          <p:cNvSpPr txBox="1">
+            <a:spLocks/>
+          </p:cNvSpPr>
+          <p:nvPr/>
+        </p:nvSpPr>
+        <p:spPr>
+          <a:xfrm>
+            <a:off x="475928" y="3284984"/>
+            <a:ext cx="8280920" cy="1728192"/>
+          </a:xfrm>
+          <a:prstGeom prst="rect">
+            <a:avLst/>
+          </a:prstGeom>
+        </p:spPr>
+        <p:txBody>
+          <a:bodyPr vert="horz" lIns="91440" tIns="45720" rIns="91440" bIns="45720" rtlCol="0">
+            <a:normAutofit/>
+          </a:bodyPr>
+          <a:lstStyle>
+            <a:lvl1pPr marL="342900" indent="-342900" algn="l" defTabSz="914400" rtl="0" eaLnBrk="1" latinLnBrk="0" hangingPunct="1">
+              <a:spcBef>
+                <a:spcPct val="20000"/>
+              </a:spcBef>
+              <a:buFont typeface="Arial" pitchFamily="34" charset="0"/>
+              <a:buChar char="•"/>
+              <a:defRPr sz="2400" kern="1200">
+                <a:solidFill>
+                  <a:schemeClr val="tx1">
+                    <a:lumMod val="50000"/>
+                    <a:lumOff val="50000"/>
+                  </a:schemeClr>
+                </a:solidFill>
+                <a:latin typeface="+mj-lt"/>
+                <a:ea typeface="+mn-ea"/>
+                <a:cs typeface="+mn-cs"/>
+              </a:defRPr>
+            </a:lvl1pPr>
+            <a:lvl2pPr marL="742950" indent="-285750" algn="l" defTabSz="914400" rtl="0" eaLnBrk="1" latinLnBrk="0" hangingPunct="1">
+              <a:spcBef>
+                <a:spcPct val="20000"/>
+              </a:spcBef>
+              <a:buFont typeface="Courier New" pitchFamily="49" charset="0"/>
+              <a:buChar char="o"/>
+              <a:defRPr sz="1600" kern="1200">
+                <a:solidFill>
+                  <a:schemeClr val="tx1">
+                    <a:lumMod val="50000"/>
+                    <a:lumOff val="50000"/>
+                  </a:schemeClr>
+                </a:solidFill>
+                <a:latin typeface="+mj-lt"/>
+                <a:ea typeface="+mn-ea"/>
+                <a:cs typeface="+mn-cs"/>
+              </a:defRPr>
+            </a:lvl2pPr>
+            <a:lvl3pPr marL="1143000" indent="-228600" algn="l" defTabSz="914400" rtl="0" eaLnBrk="1" latinLnBrk="0" hangingPunct="1">
+              <a:spcBef>
+                <a:spcPct val="20000"/>
+              </a:spcBef>
+              <a:buFont typeface="Arial" pitchFamily="34" charset="0"/>
+              <a:buChar char="•"/>
+              <a:defRPr sz="1600" kern="1200">
+                <a:solidFill>
+                  <a:schemeClr val="tx1">
+                    <a:lumMod val="50000"/>
+                    <a:lumOff val="50000"/>
+                  </a:schemeClr>
+                </a:solidFill>
+                <a:latin typeface="+mj-lt"/>
+                <a:ea typeface="+mn-ea"/>
+                <a:cs typeface="+mn-cs"/>
+              </a:defRPr>
+            </a:lvl3pPr>
+            <a:lvl4pPr marL="1600200" indent="-228600" algn="l" defTabSz="914400" rtl="0" eaLnBrk="1" latinLnBrk="0" hangingPunct="1">
+              <a:spcBef>
+                <a:spcPct val="20000"/>
+              </a:spcBef>
+              <a:buFont typeface="Courier New" pitchFamily="49" charset="0"/>
+              <a:buChar char="o"/>
+              <a:defRPr sz="1600" kern="1200">
+                <a:solidFill>
+                  <a:schemeClr val="tx1">
+                    <a:lumMod val="50000"/>
+                    <a:lumOff val="50000"/>
+                  </a:schemeClr>
+                </a:solidFill>
+                <a:latin typeface="+mj-lt"/>
+                <a:ea typeface="+mn-ea"/>
+                <a:cs typeface="+mn-cs"/>
+              </a:defRPr>
+            </a:lvl4pPr>
+            <a:lvl5pPr marL="2057400" indent="-228600" algn="l" defTabSz="914400" rtl="0" eaLnBrk="1" latinLnBrk="0" hangingPunct="1">
+              <a:spcBef>
+                <a:spcPct val="20000"/>
+              </a:spcBef>
+              <a:buFont typeface="Arial" pitchFamily="34" charset="0"/>
+              <a:buChar char="•"/>
+              <a:defRPr sz="1600" kern="1200">
+                <a:solidFill>
+                  <a:schemeClr val="tx1">
+                    <a:lumMod val="50000"/>
+                    <a:lumOff val="50000"/>
+                  </a:schemeClr>
+                </a:solidFill>
+                <a:latin typeface="+mj-lt"/>
+                <a:ea typeface="+mn-ea"/>
+                <a:cs typeface="+mn-cs"/>
+              </a:defRPr>
+            </a:lvl5pPr>
+            <a:lvl6pPr marL="2514600" indent="-228600" algn="l" defTabSz="914400" rtl="0" eaLnBrk="1" latinLnBrk="0" hangingPunct="1">
+              <a:spcBef>
+                <a:spcPct val="20000"/>
+              </a:spcBef>
+              <a:buFont typeface="Courier New" pitchFamily="49" charset="0"/>
+              <a:buChar char="o"/>
+              <a:defRPr sz="1600" kern="1200">
+                <a:solidFill>
+                  <a:schemeClr val="tx1">
+                    <a:lumMod val="50000"/>
+                    <a:lumOff val="50000"/>
+                  </a:schemeClr>
+                </a:solidFill>
+                <a:latin typeface="+mj-lt"/>
+                <a:ea typeface="+mn-ea"/>
+                <a:cs typeface="+mn-cs"/>
+              </a:defRPr>
+            </a:lvl6pPr>
+            <a:lvl7pPr marL="2971800" indent="-228600" algn="l" defTabSz="914400" rtl="0" eaLnBrk="1" latinLnBrk="0" hangingPunct="1">
+              <a:spcBef>
+                <a:spcPct val="20000"/>
+              </a:spcBef>
+              <a:buFont typeface="Arial" pitchFamily="34" charset="0"/>
+              <a:buChar char="•"/>
+              <a:defRPr sz="1600" kern="1200">
+                <a:solidFill>
+                  <a:schemeClr val="tx1">
+                    <a:lumMod val="50000"/>
+                    <a:lumOff val="50000"/>
+                  </a:schemeClr>
+                </a:solidFill>
+                <a:latin typeface="+mj-lt"/>
+                <a:ea typeface="+mn-ea"/>
+                <a:cs typeface="+mn-cs"/>
+              </a:defRPr>
+            </a:lvl7pPr>
+            <a:lvl8pPr marL="3429000" indent="-228600" algn="l" defTabSz="914400" rtl="0" eaLnBrk="1" latinLnBrk="0" hangingPunct="1">
+              <a:spcBef>
+                <a:spcPct val="20000"/>
+              </a:spcBef>
+              <a:buFont typeface="Courier New" pitchFamily="49" charset="0"/>
+              <a:buChar char="o"/>
+              <a:defRPr sz="1600" kern="1200">
+                <a:solidFill>
+                  <a:schemeClr val="tx1">
+                    <a:lumMod val="50000"/>
+                    <a:lumOff val="50000"/>
+                  </a:schemeClr>
+                </a:solidFill>
+                <a:latin typeface="+mj-lt"/>
+                <a:ea typeface="+mn-ea"/>
+                <a:cs typeface="+mn-cs"/>
+              </a:defRPr>
+            </a:lvl8pPr>
+            <a:lvl9pPr marL="3886200" indent="-228600" algn="l" defTabSz="914400" rtl="0" eaLnBrk="1" latinLnBrk="0" hangingPunct="1">
+              <a:spcBef>
+                <a:spcPct val="20000"/>
+              </a:spcBef>
+              <a:buFont typeface="Arial" pitchFamily="34" charset="0"/>
+              <a:buChar char="•"/>
+              <a:defRPr sz="1600" kern="1200">
+                <a:solidFill>
+                  <a:schemeClr val="tx1">
+                    <a:lumMod val="50000"/>
+                    <a:lumOff val="50000"/>
+                  </a:schemeClr>
+                </a:solidFill>
+                <a:latin typeface="+mj-lt"/>
+                <a:ea typeface="+mn-ea"/>
+                <a:cs typeface="+mn-cs"/>
+              </a:defRPr>
+            </a:lvl9pPr>
+          </a:lstStyle>
+          <a:p>
+            <a:r>
+              <a:rPr lang="zh-CN" altLang="en-US" dirty="0" smtClean="0"/>
+              <a:t>每个</a:t>
+            </a:r>
+            <a:r>
+              <a:rPr lang="en-US" altLang="zh-CN" dirty="0" err="1" smtClean="0"/>
+              <a:t>db_name</a:t>
+            </a:r>
+            <a:r>
+              <a:rPr lang="zh-CN" altLang="en-US" dirty="0" smtClean="0"/>
+              <a:t>只有一个写库</a:t>
+            </a:r>
+            <a:endParaRPr lang="en-US" altLang="zh-CN" dirty="0" smtClean="0"/>
+          </a:p>
+          <a:p>
+            <a:r>
+              <a:rPr lang="zh-CN" altLang="en-US" dirty="0" smtClean="0"/>
+              <a:t>读库可有多个</a:t>
+            </a:r>
+            <a:r>
+              <a:rPr lang="en-US" altLang="zh-CN" dirty="0" smtClean="0"/>
+              <a:t>,</a:t>
+            </a:r>
+            <a:r>
+              <a:rPr lang="zh-CN" altLang="en-US" dirty="0" smtClean="0"/>
+              <a:t>用逗号分隔</a:t>
+            </a:r>
+            <a:endParaRPr lang="en-US" altLang="zh-CN" dirty="0" smtClean="0"/>
+          </a:p>
+          <a:p>
+            <a:r>
+              <a:rPr lang="zh-CN" altLang="en-US" dirty="0" smtClean="0"/>
+              <a:t>读库采用随机算法</a:t>
+            </a:r>
+            <a:endParaRPr lang="en-US" altLang="zh-CN" dirty="0" smtClean="0"/>
+          </a:p>
+          <a:p>
+            <a:pPr marL="0" indent="0">
+              <a:buNone/>
+            </a:pPr>
+            <a:endParaRPr lang="en-US" altLang="zh-CN" dirty="0" smtClean="0"/>
           </a:p>
         </p:txBody>
       </p:sp>
@@ -6835,7 +7215,11 @@
             </a:r>
             <a:r>
               <a:rPr lang="zh-CN" altLang="en-US" dirty="0" smtClean="0"/>
-              <a:t>，至少迁移一半数据</a:t>
+              <a:t>，至少迁移一半</a:t>
+            </a:r>
+            <a:r>
+              <a:rPr lang="zh-CN" altLang="en-US" dirty="0" smtClean="0"/>
+              <a:t>数据</a:t>
             </a:r>
             <a:endParaRPr lang="en-US" altLang="zh-CN" dirty="0" smtClean="0"/>
           </a:p>
@@ -6881,14 +7265,22 @@
             </a:r>
             <a:r>
               <a:rPr lang="zh-CN" altLang="en-US" dirty="0" smtClean="0"/>
-              <a:t>迁移复杂</a:t>
+              <a:t>迁移</a:t>
+            </a:r>
+            <a:r>
+              <a:rPr lang="zh-CN" altLang="en-US" dirty="0" smtClean="0"/>
+              <a:t>复杂</a:t>
             </a:r>
             <a:endParaRPr lang="en-US" altLang="zh-CN" dirty="0" smtClean="0"/>
           </a:p>
           <a:p>
             <a:r>
               <a:rPr lang="zh-CN" altLang="en-US" dirty="0" smtClean="0"/>
-              <a:t>数据迁移难以统一，各业务线自己实现</a:t>
+              <a:t>数据迁移难以统一，各业务线自己</a:t>
+            </a:r>
+            <a:r>
+              <a:rPr lang="zh-CN" altLang="en-US" dirty="0" smtClean="0"/>
+              <a:t>实现</a:t>
             </a:r>
             <a:endParaRPr lang="en-US" altLang="zh-CN" dirty="0" smtClean="0"/>
           </a:p>
@@ -6899,8 +7291,13 @@
             </a:r>
             <a:r>
               <a:rPr lang="en-US" altLang="zh-CN" dirty="0" smtClean="0"/>
-              <a:t>mod hash</a:t>
-            </a:r>
+              <a:t>mod </a:t>
+            </a:r>
+            <a:r>
+              <a:rPr lang="en-US" altLang="zh-CN" dirty="0" smtClean="0"/>
+              <a:t>hash</a:t>
+            </a:r>
+            <a:endParaRPr lang="en-US" altLang="zh-CN" dirty="0" smtClean="0"/>
           </a:p>
           <a:p>
             <a:r>
@@ -6929,7 +7326,15 @@
                   <a:srgbClr val="FF0000"/>
                 </a:solidFill>
               </a:rPr>
-              <a:t>暂时未实现</a:t>
+              <a:t>暂时未</a:t>
+            </a:r>
+            <a:r>
+              <a:rPr lang="zh-CN" altLang="en-US" dirty="0" smtClean="0">
+                <a:solidFill>
+                  <a:srgbClr val="FF0000"/>
+                </a:solidFill>
+              </a:rPr>
+              <a:t>实现</a:t>
             </a:r>
             <a:endParaRPr lang="en-US" altLang="zh-CN" dirty="0">
               <a:solidFill>
@@ -6940,7 +7345,11 @@
           <a:p>
             <a:r>
               <a:rPr lang="zh-CN" altLang="en-US" dirty="0" smtClean="0"/>
-              <a:t>把库当成表用即一库一表，对于自增序列、时间段分表的可实现</a:t>
+              <a:t>把库当成表用即一库一表，对于自增序列、时间段分表的可</a:t>
+            </a:r>
+            <a:r>
+              <a:rPr lang="zh-CN" altLang="en-US" dirty="0" smtClean="0"/>
+              <a:t>实现</a:t>
             </a:r>
             <a:endParaRPr lang="en-US" altLang="zh-CN" dirty="0"/>
           </a:p>
@@ -6998,7 +7407,11 @@
             </a:r>
             <a:r>
               <a:rPr lang="zh-CN" altLang="en-US" dirty="0" smtClean="0"/>
-              <a:t>中暂时未实现一库一表功能</a:t>
+              <a:t>中暂时未实现一库一表功</a:t>
+            </a:r>
+            <a:r>
+              <a:rPr lang="zh-CN" altLang="en-US" dirty="0" smtClean="0"/>
+              <a:t>能</a:t>
             </a:r>
             <a:endParaRPr lang="en-US" altLang="zh-CN" dirty="0" smtClean="0"/>
           </a:p>
@@ -7210,7 +7623,7 @@
         <p:spPr>
           <a:xfrm>
             <a:off x="323528" y="980728"/>
-            <a:ext cx="8280920" cy="5616624"/>
+            <a:ext cx="8568952" cy="5616624"/>
           </a:xfrm>
         </p:spPr>
         <p:txBody>
@@ -7276,7 +7689,18 @@
             </a:r>
             <a:r>
               <a:rPr lang="zh-CN" altLang="en-US" dirty="0" smtClean="0"/>
-              <a:t>监控各数据库节点</a:t>
+              <a:t>监控各数据库</a:t>
+            </a:r>
+            <a:r>
+              <a:rPr lang="zh-CN" altLang="en-US" dirty="0" smtClean="0"/>
+              <a:t>节点</a:t>
+            </a:r>
+            <a:endParaRPr lang="en-US" altLang="zh-CN" dirty="0" smtClean="0"/>
+          </a:p>
+          <a:p>
+            <a:r>
+              <a:rPr lang="zh-CN" altLang="en-US" dirty="0" smtClean="0"/>
+              <a:t>读库增加轮循算法</a:t>
             </a:r>
             <a:endParaRPr lang="en-US" altLang="zh-CN" dirty="0" smtClean="0"/>
           </a:p>
@@ -7507,7 +7931,11 @@
             </a:r>
             <a:r>
               <a:rPr lang="zh-CN" altLang="en-US" dirty="0" smtClean="0"/>
-              <a:t>变量未定义可以使用，见意先定义变量再使用</a:t>
+              <a:t>变量未定义可以使用，见意先定义变量再</a:t>
+            </a:r>
+            <a:r>
+              <a:rPr lang="zh-CN" altLang="en-US" dirty="0" smtClean="0"/>
+              <a:t>使用</a:t>
             </a:r>
             <a:endParaRPr lang="en-US" altLang="zh-CN" dirty="0" smtClean="0"/>
           </a:p>
@@ -7535,6 +7963,7 @@
               <a:rPr lang="en-US" altLang="zh-CN" dirty="0" smtClean="0"/>
               <a:t>model</a:t>
             </a:r>
+            <a:endParaRPr lang="en-US" altLang="zh-CN" dirty="0" smtClean="0"/>
           </a:p>
           <a:p>
             <a:r>
@@ -7543,13 +7972,22 @@
             </a:r>
             <a:r>
               <a:rPr lang="en-US" altLang="zh-CN" dirty="0" smtClean="0"/>
-              <a:t>public private protected</a:t>
-            </a:r>
-          </a:p>
-          <a:p>
-            <a:r>
-              <a:rPr lang="zh-CN" altLang="en-US" dirty="0" smtClean="0"/>
-              <a:t>尽量不要连表查询，一般连接表超过三个将会有性能问题</a:t>
+              <a:t>public private </a:t>
+            </a:r>
+            <a:r>
+              <a:rPr lang="en-US" altLang="zh-CN" dirty="0" smtClean="0"/>
+              <a:t>protected</a:t>
+            </a:r>
+            <a:endParaRPr lang="en-US" altLang="zh-CN" dirty="0" smtClean="0"/>
+          </a:p>
+          <a:p>
+            <a:r>
+              <a:rPr lang="zh-CN" altLang="en-US" dirty="0" smtClean="0"/>
+              <a:t>尽量不要连表查询，一般连接表超过三个将会有性能</a:t>
+            </a:r>
+            <a:r>
+              <a:rPr lang="zh-CN" altLang="en-US" dirty="0" smtClean="0"/>
+              <a:t>问题</a:t>
             </a:r>
             <a:endParaRPr lang="en-US" altLang="zh-CN" dirty="0" smtClean="0"/>
           </a:p>
@@ -7596,7 +8034,11 @@
             </a:r>
             <a:r>
               <a:rPr lang="zh-CN" altLang="en-US" dirty="0" smtClean="0"/>
-              <a:t>的性能</a:t>
+              <a:t>的</a:t>
+            </a:r>
+            <a:r>
+              <a:rPr lang="zh-CN" altLang="en-US" dirty="0" smtClean="0"/>
+              <a:t>性能</a:t>
             </a:r>
             <a:endParaRPr lang="en-US" altLang="zh-CN" dirty="0"/>
           </a:p>
@@ -7619,14 +8061,22 @@
             </a:r>
             <a:r>
               <a:rPr lang="zh-CN" altLang="en-US" dirty="0" smtClean="0"/>
-              <a:t>大部分程序员改代码时并不会修改注释</a:t>
+              <a:t>大部分程序员改代码时并不会修改</a:t>
+            </a:r>
+            <a:r>
+              <a:rPr lang="zh-CN" altLang="en-US" dirty="0" smtClean="0"/>
+              <a:t>注释</a:t>
             </a:r>
             <a:endParaRPr lang="en-US" altLang="zh-CN" dirty="0" smtClean="0"/>
           </a:p>
           <a:p>
             <a:r>
               <a:rPr lang="zh-CN" altLang="en-US" dirty="0" smtClean="0"/>
-              <a:t>错误的注释不如没有注释，代码是唯一的文档</a:t>
+              <a:t>错误的注释不如没有注释，代码是唯一的</a:t>
+            </a:r>
+            <a:r>
+              <a:rPr lang="zh-CN" altLang="en-US" dirty="0" smtClean="0"/>
+              <a:t>文档</a:t>
             </a:r>
             <a:endParaRPr lang="en-US" altLang="zh-CN" dirty="0" smtClean="0"/>
           </a:p>
@@ -7641,7 +8091,11 @@
             </a:r>
             <a:r>
               <a:rPr lang="zh-CN" altLang="en-US" dirty="0" smtClean="0"/>
-              <a:t>零切换成本</a:t>
+              <a:t>零切换</a:t>
+            </a:r>
+            <a:r>
+              <a:rPr lang="zh-CN" altLang="en-US" dirty="0" smtClean="0"/>
+              <a:t>成本</a:t>
             </a:r>
             <a:endParaRPr lang="en-US" altLang="zh-CN" dirty="0" smtClean="0"/>
           </a:p>
@@ -7865,11 +8319,7 @@
             </a:r>
             <a:r>
               <a:rPr lang="en-US" altLang="zh-CN" dirty="0"/>
-              <a:t> </a:t>
-            </a:r>
-            <a:r>
-              <a:rPr lang="en-US" altLang="zh-CN" dirty="0"/>
-              <a:t>define</a:t>
+              <a:t> define</a:t>
             </a:r>
             <a:r>
               <a:rPr lang="en-US" altLang="zh-CN" dirty="0" smtClean="0"/>
@@ -7885,7 +8335,11 @@
             </a:r>
             <a:r>
               <a:rPr lang="zh-CN" altLang="en-US" dirty="0" smtClean="0"/>
-              <a:t>大写字母加下划线</a:t>
+              <a:t>大写字母加</a:t>
+            </a:r>
+            <a:r>
+              <a:rPr lang="zh-CN" altLang="en-US" dirty="0" smtClean="0"/>
+              <a:t>下划线</a:t>
             </a:r>
             <a:endParaRPr lang="en-US" altLang="zh-CN" dirty="0" smtClean="0"/>
           </a:p>
@@ -7904,14 +8358,22 @@
             </a:r>
             <a:r>
               <a:rPr lang="zh-CN" altLang="en-US" dirty="0"/>
-              <a:t>大写字母加下划线</a:t>
+              <a:t>大写字母加</a:t>
+            </a:r>
+            <a:r>
+              <a:rPr lang="zh-CN" altLang="en-US" dirty="0" smtClean="0"/>
+              <a:t>下划线</a:t>
             </a:r>
             <a:endParaRPr lang="en-US" altLang="zh-CN" dirty="0"/>
           </a:p>
           <a:p>
             <a:r>
               <a:rPr lang="zh-CN" altLang="en-US" dirty="0" smtClean="0"/>
-              <a:t>定义字符串尽量用单引号，如果字符串中没有变量的话</a:t>
+              <a:t>定义字符串尽量用单引号，如果字符串中没有变量</a:t>
+            </a:r>
+            <a:r>
+              <a:rPr lang="zh-CN" altLang="en-US" dirty="0" smtClean="0"/>
+              <a:t>的话</a:t>
             </a:r>
             <a:endParaRPr lang="en-US" altLang="zh-CN" dirty="0" smtClean="0"/>
           </a:p>
@@ -7934,7 +8396,11 @@
             </a:r>
             <a:r>
               <a:rPr lang="zh-CN" altLang="en-US" dirty="0"/>
-              <a:t>也可使用骆驼命名法</a:t>
+              <a:t>也可使用骆驼</a:t>
+            </a:r>
+            <a:r>
+              <a:rPr lang="zh-CN" altLang="en-US" dirty="0" smtClean="0"/>
+              <a:t>命名法</a:t>
             </a:r>
             <a:endParaRPr lang="en-US" altLang="zh-CN" dirty="0" smtClean="0"/>
           </a:p>
@@ -7968,32 +8434,44 @@
             </a:r>
             <a:r>
               <a:rPr lang="zh-CN" altLang="en-US" dirty="0" smtClean="0"/>
-              <a:t>中引用效率较低</a:t>
+              <a:t>中引用效率</a:t>
+            </a:r>
+            <a:r>
+              <a:rPr lang="zh-CN" altLang="en-US" dirty="0" smtClean="0"/>
+              <a:t>较低</a:t>
             </a:r>
             <a:endParaRPr lang="en-US" altLang="zh-CN" dirty="0" smtClean="0"/>
           </a:p>
           <a:p>
             <a:r>
               <a:rPr lang="zh-CN" altLang="en-US" dirty="0" smtClean="0"/>
-              <a:t>构造函数中不要抛出异常</a:t>
+              <a:t>构造函数中不要抛出</a:t>
+            </a:r>
+            <a:r>
+              <a:rPr lang="zh-CN" altLang="en-US" dirty="0" smtClean="0"/>
+              <a:t>异常</a:t>
             </a:r>
             <a:endParaRPr lang="en-US" altLang="zh-CN" dirty="0" smtClean="0"/>
           </a:p>
           <a:p>
             <a:r>
               <a:rPr lang="zh-CN" altLang="en-US" dirty="0" smtClean="0"/>
-              <a:t>一段逻辑代码超过三个以上的地方调用，可以抽取出一个方法</a:t>
+              <a:t>一段逻辑代码超过三个以上的地方调用，可以抽取出一个</a:t>
+            </a:r>
+            <a:r>
+              <a:rPr lang="zh-CN" altLang="en-US" dirty="0" smtClean="0"/>
+              <a:t>方法</a:t>
             </a:r>
             <a:endParaRPr lang="en-US" altLang="zh-CN" dirty="0" smtClean="0"/>
           </a:p>
           <a:p>
             <a:r>
               <a:rPr lang="zh-CN" altLang="en-US" dirty="0" smtClean="0"/>
-              <a:t>类注释写在类上面，方法注释写在方法上，代码段中的注释不要写在代码中，可写在大括号后面或</a:t>
-            </a:r>
-            <a:r>
-              <a:rPr lang="zh-CN" altLang="en-US" dirty="0" smtClean="0"/>
-              <a:t>某行代码后面</a:t>
+              <a:t>类注释写在类上面，方法注释写在方法上，代码段中的注释不要写在代码中，可写在大括号后面或某行代码</a:t>
+            </a:r>
+            <a:r>
+              <a:rPr lang="zh-CN" altLang="en-US" dirty="0" smtClean="0"/>
+              <a:t>后面</a:t>
             </a:r>
             <a:endParaRPr lang="en-US" altLang="zh-CN" dirty="0" smtClean="0"/>
           </a:p>
@@ -8371,7 +8849,11 @@
             </a:r>
             <a:r>
               <a:rPr lang="zh-CN" altLang="en-US" dirty="0"/>
-              <a:t>多库多表</a:t>
+              <a:t>多库多</a:t>
+            </a:r>
+            <a:r>
+              <a:rPr lang="zh-CN" altLang="en-US" dirty="0" smtClean="0"/>
+              <a:t>表</a:t>
             </a:r>
             <a:endParaRPr lang="en-US" altLang="zh-CN" dirty="0" smtClean="0"/>
           </a:p>
@@ -8416,6 +8898,7 @@
               <a:rPr lang="en-US" altLang="zh-CN" dirty="0" smtClean="0"/>
               <a:t>)</a:t>
             </a:r>
+            <a:endParaRPr lang="en-US" altLang="zh-CN" dirty="0" smtClean="0"/>
           </a:p>
           <a:p>
             <a:r>
@@ -8434,6 +8917,7 @@
               <a:rPr lang="en-US" altLang="zh-CN" dirty="0" smtClean="0"/>
               <a:t>)</a:t>
             </a:r>
+            <a:endParaRPr lang="en-US" altLang="zh-CN" dirty="0" smtClean="0"/>
           </a:p>
           <a:p>
             <a:r>
@@ -8474,7 +8958,11 @@
             </a:r>
             <a:r>
               <a:rPr lang="zh-CN" altLang="en-US" dirty="0" smtClean="0"/>
-              <a:t>零切换成本</a:t>
+              <a:t>零切换</a:t>
+            </a:r>
+            <a:r>
+              <a:rPr lang="zh-CN" altLang="en-US" dirty="0" smtClean="0"/>
+              <a:t>成本</a:t>
             </a:r>
             <a:endParaRPr lang="en-US" altLang="zh-CN" dirty="0" smtClean="0"/>
           </a:p>
@@ -8508,7 +8996,11 @@
           <a:p>
             <a:r>
               <a:rPr lang="zh-CN" altLang="en-US" dirty="0" smtClean="0"/>
-              <a:t>唯一数字型主键生成策略</a:t>
+              <a:t>唯一数字型主键生成</a:t>
+            </a:r>
+            <a:r>
+              <a:rPr lang="zh-CN" altLang="en-US" dirty="0" smtClean="0"/>
+              <a:t>策略</a:t>
             </a:r>
             <a:endParaRPr lang="en-US" altLang="zh-CN" dirty="0" smtClean="0"/>
           </a:p>
@@ -8531,11 +9023,11 @@
             </a:r>
             <a:r>
               <a:rPr lang="zh-CN" altLang="en-US" dirty="0"/>
-              <a:t>用逗号分隔</a:t>
-            </a:r>
-            <a:r>
-              <a:rPr lang="en-US" altLang="zh-CN" dirty="0" smtClean="0"/>
-              <a:t>.</a:t>
+              <a:t>用逗号</a:t>
+            </a:r>
+            <a:r>
+              <a:rPr lang="zh-CN" altLang="en-US" dirty="0" smtClean="0"/>
+              <a:t>分隔</a:t>
             </a:r>
             <a:endParaRPr lang="en-US" altLang="zh-CN" dirty="0"/>
           </a:p>
@@ -8860,12 +9352,13 @@
             </a:r>
             <a:r>
               <a:rPr lang="zh-CN" altLang="en-US" dirty="0"/>
-              <a:t>但不见意使用</a:t>
-            </a:r>
-            <a:r>
-              <a:rPr lang="en-US" altLang="zh-CN" dirty="0" smtClean="0"/>
-              <a:t>.</a:t>
-            </a:r>
+              <a:t>但不见意</a:t>
+            </a:r>
+            <a:r>
+              <a:rPr lang="zh-CN" altLang="en-US" dirty="0" smtClean="0"/>
+              <a:t>使用</a:t>
+            </a:r>
+            <a:endParaRPr lang="en-US" altLang="zh-CN" dirty="0" smtClean="0"/>
           </a:p>
           <a:p>
             <a:r>
@@ -8898,12 +9391,13 @@
             </a:r>
             <a:r>
               <a:rPr lang="zh-CN" altLang="en-US" dirty="0"/>
-              <a:t>事务结束之后的查询依然走从库查询</a:t>
-            </a:r>
-            <a:r>
-              <a:rPr lang="en-US" altLang="zh-CN" dirty="0" smtClean="0"/>
-              <a:t>.</a:t>
-            </a:r>
+              <a:t>事务结束之后的查询依然走从库</a:t>
+            </a:r>
+            <a:r>
+              <a:rPr lang="zh-CN" altLang="en-US" dirty="0" smtClean="0"/>
+              <a:t>查询</a:t>
+            </a:r>
+            <a:endParaRPr lang="en-US" altLang="zh-CN" dirty="0" smtClean="0"/>
           </a:p>
           <a:p>
             <a:r>
@@ -8932,12 +9426,13 @@
             </a:r>
             <a:r>
               <a:rPr lang="zh-CN" altLang="en-US" dirty="0"/>
-              <a:t>不论是分表的还是未分表的</a:t>
-            </a:r>
-            <a:r>
-              <a:rPr lang="en-US" altLang="zh-CN" dirty="0" smtClean="0"/>
-              <a:t>.</a:t>
-            </a:r>
+              <a:t>不论是分表的还是未分表</a:t>
+            </a:r>
+            <a:r>
+              <a:rPr lang="zh-CN" altLang="en-US" dirty="0" smtClean="0"/>
+              <a:t>的</a:t>
+            </a:r>
+            <a:endParaRPr lang="en-US" altLang="zh-CN" dirty="0" smtClean="0"/>
           </a:p>
           <a:p>
             <a:r>
@@ -8986,8 +9481,9 @@
             </a:r>
             <a:r>
               <a:rPr lang="en-US" altLang="zh-CN" dirty="0" smtClean="0"/>
-              <a:t>).</a:t>
-            </a:r>
+              <a:t>)</a:t>
+            </a:r>
+            <a:endParaRPr lang="en-US" altLang="zh-CN" dirty="0" smtClean="0"/>
           </a:p>
           <a:p>
             <a:r>
@@ -9060,12 +9556,13 @@
             </a:r>
             <a:r>
               <a:rPr lang="zh-CN" altLang="en-US" dirty="0"/>
-              <a:t>默认只取前二十条记录</a:t>
-            </a:r>
-            <a:r>
-              <a:rPr lang="en-US" altLang="zh-CN" dirty="0" smtClean="0"/>
-              <a:t>.</a:t>
-            </a:r>
+              <a:t>默认只取前二十条</a:t>
+            </a:r>
+            <a:r>
+              <a:rPr lang="zh-CN" altLang="en-US" dirty="0" smtClean="0"/>
+              <a:t>记录</a:t>
+            </a:r>
+            <a:endParaRPr lang="en-US" altLang="zh-CN" dirty="0" smtClean="0"/>
           </a:p>
           <a:p>
             <a:r>
@@ -9074,29 +9571,11 @@
             </a:r>
             <a:r>
               <a:rPr lang="zh-CN" altLang="en-US" dirty="0"/>
-              <a:t>语句对开发者透明</a:t>
-            </a:r>
-            <a:r>
-              <a:rPr lang="en-US" altLang="zh-CN" dirty="0" smtClean="0"/>
-              <a:t>.</a:t>
-            </a:r>
-          </a:p>
-          <a:p>
-            <a:r>
-              <a:rPr lang="zh-CN" altLang="en-US" dirty="0" smtClean="0"/>
-              <a:t>未来</a:t>
-            </a:r>
-            <a:r>
-              <a:rPr lang="zh-CN" altLang="en-US" dirty="0"/>
-              <a:t>考虑使用</a:t>
-            </a:r>
-            <a:r>
-              <a:rPr lang="en-US" altLang="zh-CN" dirty="0"/>
-              <a:t>zookeeper</a:t>
-            </a:r>
-            <a:r>
-              <a:rPr lang="zh-CN" altLang="en-US" dirty="0"/>
-              <a:t>实现心跳监测</a:t>
+              <a:t>语句对开发者</a:t>
+            </a:r>
+            <a:r>
+              <a:rPr lang="zh-CN" altLang="en-US" dirty="0" smtClean="0"/>
+              <a:t>透明</a:t>
             </a:r>
             <a:endParaRPr lang="en-US" altLang="zh-CN" dirty="0" smtClean="0"/>
           </a:p>
@@ -9420,14 +9899,26 @@
             </a:r>
             <a:r>
               <a:rPr lang="zh-CN" altLang="en-US" dirty="0" smtClean="0"/>
-              <a:t>单表支持数据量有限，单表一般百万级别</a:t>
+              <a:t>单表支持数据量有限，单表一般百万</a:t>
+            </a:r>
+            <a:r>
+              <a:rPr lang="zh-CN" altLang="en-US" dirty="0" smtClean="0"/>
+              <a:t>级别</a:t>
+            </a:r>
+            <a:r>
+              <a:rPr lang="en-US" altLang="zh-CN" dirty="0" smtClean="0"/>
+              <a:t>.</a:t>
             </a:r>
             <a:endParaRPr lang="en-US" altLang="zh-CN" dirty="0" smtClean="0"/>
           </a:p>
           <a:p>
             <a:r>
               <a:rPr lang="zh-CN" altLang="en-US" dirty="0" smtClean="0"/>
-              <a:t>系统业务需要</a:t>
+              <a:t>系统业务</a:t>
+            </a:r>
+            <a:r>
+              <a:rPr lang="zh-CN" altLang="en-US" dirty="0" smtClean="0"/>
+              <a:t>需要</a:t>
             </a:r>
             <a:endParaRPr lang="en-US" altLang="zh-CN" dirty="0" smtClean="0"/>
           </a:p>
@@ -9442,7 +9933,11 @@
             </a:r>
             <a:r>
               <a:rPr lang="zh-CN" altLang="en-US" dirty="0" smtClean="0"/>
-              <a:t>书写透明</a:t>
+              <a:t>书写</a:t>
+            </a:r>
+            <a:r>
+              <a:rPr lang="zh-CN" altLang="en-US" dirty="0" smtClean="0"/>
+              <a:t>透明</a:t>
             </a:r>
             <a:endParaRPr lang="en-US" altLang="zh-CN" dirty="0" smtClean="0"/>
           </a:p>
@@ -9476,7 +9971,11 @@
             </a:r>
             <a:r>
               <a:rPr lang="zh-CN" altLang="en-US" dirty="0" smtClean="0"/>
-              <a:t>零切换</a:t>
+              <a:t>零</a:t>
+            </a:r>
+            <a:r>
+              <a:rPr lang="zh-CN" altLang="en-US" dirty="0" smtClean="0"/>
+              <a:t>切换</a:t>
             </a:r>
             <a:endParaRPr lang="en-US" altLang="zh-CN" dirty="0" smtClean="0"/>
           </a:p>
@@ -9959,7 +10458,11 @@
           <a:p>
             <a:r>
               <a:rPr lang="zh-CN" altLang="en-US" dirty="0" smtClean="0"/>
-              <a:t>同一业务数据存放至单库多表</a:t>
+              <a:t>同一业务数据存放至单库多</a:t>
+            </a:r>
+            <a:r>
+              <a:rPr lang="zh-CN" altLang="en-US" dirty="0" smtClean="0"/>
+              <a:t>表</a:t>
             </a:r>
             <a:endParaRPr lang="en-US" altLang="zh-CN" dirty="0" smtClean="0"/>
           </a:p>
@@ -9974,7 +10477,11 @@
             </a:r>
             <a:r>
               <a:rPr lang="zh-CN" altLang="en-US" dirty="0" smtClean="0"/>
-              <a:t>至多库多表</a:t>
+              <a:t>至多库多</a:t>
+            </a:r>
+            <a:r>
+              <a:rPr lang="zh-CN" altLang="en-US" dirty="0" smtClean="0"/>
+              <a:t>表</a:t>
             </a:r>
             <a:endParaRPr lang="zh-CN" altLang="en-US" dirty="0"/>
           </a:p>
@@ -10188,14 +10695,22 @@
             </a:r>
             <a:r>
               <a:rPr lang="zh-CN" altLang="en-US" dirty="0" smtClean="0"/>
-              <a:t>，更新时间）</a:t>
+              <a:t>，更新</a:t>
+            </a:r>
+            <a:r>
+              <a:rPr lang="zh-CN" altLang="en-US" dirty="0" smtClean="0"/>
+              <a:t>时间）</a:t>
             </a:r>
             <a:endParaRPr lang="en-US" altLang="zh-CN" dirty="0" smtClean="0"/>
           </a:p>
           <a:p>
             <a:r>
               <a:rPr lang="zh-CN" altLang="en-US" dirty="0" smtClean="0"/>
-              <a:t>取插入主键时，先从缓存中读取主健值，如缓存中有值，取出再将剩余值放回缓存</a:t>
+              <a:t>取插入主键时，先从缓存中读取主健值，如缓存中有值，取出再将剩余值放回</a:t>
+            </a:r>
+            <a:r>
+              <a:rPr lang="zh-CN" altLang="en-US" dirty="0" smtClean="0"/>
+              <a:t>缓存</a:t>
             </a:r>
             <a:endParaRPr lang="en-US" altLang="zh-CN" dirty="0" smtClean="0"/>
           </a:p>
@@ -10237,13 +10752,22 @@
             </a:r>
             <a:r>
               <a:rPr lang="en-US" altLang="zh-CN" dirty="0" smtClean="0"/>
-              <a:t>for update</a:t>
-            </a:r>
-          </a:p>
-          <a:p>
-            <a:r>
-              <a:rPr lang="zh-CN" altLang="en-US" dirty="0" smtClean="0"/>
-              <a:t>读缓存数据时，加排他锁，文件锁实现</a:t>
+              <a:t>for </a:t>
+            </a:r>
+            <a:r>
+              <a:rPr lang="en-US" altLang="zh-CN" dirty="0" smtClean="0"/>
+              <a:t>update</a:t>
+            </a:r>
+            <a:endParaRPr lang="en-US" altLang="zh-CN" dirty="0" smtClean="0"/>
+          </a:p>
+          <a:p>
+            <a:r>
+              <a:rPr lang="zh-CN" altLang="en-US" dirty="0" smtClean="0"/>
+              <a:t>读缓存数据时，加排他锁，文件锁</a:t>
+            </a:r>
+            <a:r>
+              <a:rPr lang="zh-CN" altLang="en-US" dirty="0" smtClean="0"/>
+              <a:t>实现</a:t>
             </a:r>
             <a:endParaRPr lang="zh-CN" altLang="en-US" dirty="0"/>
           </a:p>
@@ -10317,7 +10841,11 @@
           <a:p>
             <a:r>
               <a:rPr lang="zh-CN" altLang="en-US" dirty="0" smtClean="0"/>
-              <a:t>根据逻辑列的值来确定物理表存在哪个库中及表名</a:t>
+              <a:t>根据逻辑列的值来确定物理表存在哪个库中及表</a:t>
+            </a:r>
+            <a:r>
+              <a:rPr lang="zh-CN" altLang="en-US" dirty="0" smtClean="0"/>
+              <a:t>名</a:t>
             </a:r>
             <a:endParaRPr lang="en-US" altLang="zh-CN" dirty="0" smtClean="0"/>
           </a:p>
@@ -10351,7 +10879,11 @@
             </a:r>
             <a:r>
               <a:rPr lang="en-US" altLang="zh-CN" dirty="0" smtClean="0"/>
-              <a:t>  from  user where </a:t>
+              <a:t>  from  user </a:t>
+            </a:r>
+            <a:r>
+              <a:rPr lang="en-US" altLang="zh-CN" dirty="0" smtClean="0"/>
+              <a:t>where </a:t>
             </a:r>
             <a:r>
               <a:rPr lang="en-US" altLang="zh-CN" dirty="0" err="1" smtClean="0"/>
@@ -10385,6 +10917,7 @@
               <a:rPr lang="en-US" altLang="zh-CN" dirty="0" smtClean="0"/>
               <a:t>)</a:t>
             </a:r>
+            <a:endParaRPr lang="en-US" altLang="zh-CN" dirty="0" smtClean="0"/>
           </a:p>
           <a:p>
             <a:r>
@@ -10405,7 +10938,11 @@
             </a:r>
             <a:r>
               <a:rPr lang="zh-CN" altLang="en-US" dirty="0" smtClean="0"/>
-              <a:t>、虚拟节点的方式实现库表分离</a:t>
+              <a:t>、虚拟节点的方式实现库表</a:t>
+            </a:r>
+            <a:r>
+              <a:rPr lang="zh-CN" altLang="en-US" dirty="0" smtClean="0"/>
+              <a:t>分离</a:t>
             </a:r>
             <a:endParaRPr lang="en-US" altLang="zh-CN" dirty="0"/>
           </a:p>
@@ -10695,11 +11232,11 @@
               <a:t> </a:t>
             </a:r>
             <a:r>
-              <a:rPr lang="en-US" altLang="zh-CN" dirty="0" err="1"/>
+              <a:rPr lang="en-US" altLang="zh-CN" dirty="0" err="1" smtClean="0"/>
               <a:t>getColumn</a:t>
             </a:r>
             <a:r>
-              <a:rPr lang="en-US" altLang="zh-CN" dirty="0"/>
+              <a:rPr lang="en-US" altLang="zh-CN" dirty="0" smtClean="0"/>
               <a:t> </a:t>
             </a:r>
             <a:r>
@@ -10819,7 +11356,11 @@
             </a:r>
             <a:r>
               <a:rPr lang="zh-CN" altLang="zh-CN" dirty="0"/>
-              <a:t>方法，回滚事务</a:t>
+              <a:t>方法，回滚</a:t>
+            </a:r>
+            <a:r>
+              <a:rPr lang="zh-CN" altLang="zh-CN" dirty="0" smtClean="0"/>
+              <a:t>事务</a:t>
             </a:r>
             <a:endParaRPr lang="en-US" altLang="zh-CN" dirty="0" smtClean="0"/>
           </a:p>

--- a/dbroute.pptx
+++ b/dbroute.pptx
@@ -5,7 +5,7 @@
     <p:sldMasterId id="2147483648" r:id="rId1"/>
   </p:sldMasterIdLst>
   <p:notesMasterIdLst>
-    <p:notesMasterId r:id="rId22"/>
+    <p:notesMasterId r:id="rId26"/>
   </p:notesMasterIdLst>
   <p:sldIdLst>
     <p:sldId id="256" r:id="rId2"/>
@@ -26,8 +26,12 @@
     <p:sldId id="359" r:id="rId17"/>
     <p:sldId id="353" r:id="rId18"/>
     <p:sldId id="354" r:id="rId19"/>
-    <p:sldId id="300" r:id="rId20"/>
-    <p:sldId id="284" r:id="rId21"/>
+    <p:sldId id="360" r:id="rId20"/>
+    <p:sldId id="300" r:id="rId21"/>
+    <p:sldId id="363" r:id="rId22"/>
+    <p:sldId id="361" r:id="rId23"/>
+    <p:sldId id="362" r:id="rId24"/>
+    <p:sldId id="284" r:id="rId25"/>
   </p:sldIdLst>
   <p:sldSz cx="9144000" cy="6858000" type="screen4x3"/>
   <p:notesSz cx="6858000" cy="9144000"/>
@@ -6923,7 +6927,7 @@
         <p:spPr>
           <a:xfrm>
             <a:off x="475928" y="3284984"/>
-            <a:ext cx="8280920" cy="1728192"/>
+            <a:ext cx="8280920" cy="2448272"/>
           </a:xfrm>
           <a:prstGeom prst="rect">
             <a:avLst/>
@@ -7130,8 +7134,36 @@
           <a:p>
             <a:r>
               <a:rPr lang="zh-CN" altLang="en-US" dirty="0" smtClean="0"/>
-              <a:t>读库采用随机算法</a:t>
-            </a:r>
+              <a:t>读算法支持</a:t>
+            </a:r>
+            <a:r>
+              <a:rPr lang="en-US" altLang="zh-CN" dirty="0" smtClean="0"/>
+              <a:t>(</a:t>
+            </a:r>
+            <a:r>
+              <a:rPr lang="zh-CN" altLang="en-US" dirty="0" smtClean="0"/>
+              <a:t>随机、轮询</a:t>
+            </a:r>
+            <a:r>
+              <a:rPr lang="en-US" altLang="zh-CN" dirty="0" smtClean="0"/>
+              <a:t>)</a:t>
+            </a:r>
+          </a:p>
+          <a:p>
+            <a:r>
+              <a:rPr lang="zh-CN" altLang="en-US" dirty="0" smtClean="0"/>
+              <a:t>读默认采用随机算法</a:t>
+            </a:r>
+            <a:endParaRPr lang="en-US" altLang="zh-CN" dirty="0" smtClean="0"/>
+          </a:p>
+          <a:p>
+            <a:r>
+              <a:rPr lang="zh-CN" altLang="en-US" dirty="0" smtClean="0"/>
+              <a:t>未来读库支持权重</a:t>
+            </a:r>
+            <a:endParaRPr lang="en-US" altLang="zh-CN" dirty="0" smtClean="0"/>
+          </a:p>
+          <a:p>
             <a:endParaRPr lang="en-US" altLang="zh-CN" dirty="0" smtClean="0"/>
           </a:p>
           <a:p>
@@ -7305,38 +7337,14 @@
               <a:t>有没有不迁移数据的扩容方法？</a:t>
             </a:r>
             <a:r>
-              <a:rPr lang="zh-CN" altLang="en-US" dirty="0">
+              <a:rPr lang="zh-CN" altLang="en-US" dirty="0" smtClean="0">
                 <a:solidFill>
                   <a:srgbClr val="FF0000"/>
                 </a:solidFill>
               </a:rPr>
               <a:t>有</a:t>
             </a:r>
-            <a:r>
-              <a:rPr lang="en-US" altLang="zh-CN" dirty="0">
-                <a:solidFill>
-                  <a:srgbClr val="FF0000"/>
-                </a:solidFill>
-              </a:rPr>
-              <a:t>,</a:t>
-            </a:r>
-            <a:r>
-              <a:rPr lang="zh-CN" altLang="en-US" dirty="0">
-                <a:solidFill>
-                  <a:srgbClr val="FF0000"/>
-                </a:solidFill>
-              </a:rPr>
-              <a:t>暂时未</a:t>
-            </a:r>
-            <a:r>
-              <a:rPr lang="zh-CN" altLang="en-US" dirty="0" smtClean="0">
-                <a:solidFill>
-                  <a:srgbClr val="FF0000"/>
-                </a:solidFill>
-              </a:rPr>
-              <a:t>实现</a:t>
-            </a:r>
-            <a:endParaRPr lang="en-US" altLang="zh-CN" dirty="0">
+            <a:endParaRPr lang="en-US" altLang="zh-CN" dirty="0" smtClean="0">
               <a:solidFill>
                 <a:srgbClr val="FF0000"/>
               </a:solidFill>
@@ -7345,18 +7353,26 @@
           <a:p>
             <a:r>
               <a:rPr lang="zh-CN" altLang="en-US" dirty="0" smtClean="0"/>
-              <a:t>把库当成表用即一库一表，对于自增序列、时间段分表的可</a:t>
-            </a:r>
+              <a:t>把库当成表用即一库一表，对于自增序列、时间段分表的可实现</a:t>
+            </a:r>
+            <a:endParaRPr lang="en-US" altLang="zh-CN" dirty="0" smtClean="0"/>
+          </a:p>
+          <a:p>
             <a:r>
               <a:rPr lang="zh-CN" altLang="en-US" dirty="0" smtClean="0"/>
               <a:t>实现</a:t>
             </a:r>
-            <a:endParaRPr lang="en-US" altLang="zh-CN" dirty="0"/>
-          </a:p>
-          <a:p>
-            <a:r>
-              <a:rPr lang="zh-CN" altLang="en-US" dirty="0" smtClean="0"/>
-              <a:t>实现方式（序列值在</a:t>
+            <a:r>
+              <a:rPr lang="zh-CN" altLang="en-US" dirty="0" smtClean="0"/>
+              <a:t>方式</a:t>
+            </a:r>
+            <a:r>
+              <a:rPr lang="zh-CN" altLang="en-US" dirty="0" smtClean="0"/>
+              <a:t>（逻辑列</a:t>
+            </a:r>
+            <a:r>
+              <a:rPr lang="zh-CN" altLang="en-US" dirty="0" smtClean="0"/>
+              <a:t>值在</a:t>
             </a:r>
             <a:r>
               <a:rPr lang="en-US" altLang="zh-CN" dirty="0" smtClean="0"/>
@@ -7407,10 +7423,18 @@
             </a:r>
             <a:r>
               <a:rPr lang="zh-CN" altLang="en-US" dirty="0" smtClean="0"/>
-              <a:t>中暂时未实现一库一表功</a:t>
-            </a:r>
-            <a:r>
-              <a:rPr lang="zh-CN" altLang="en-US" dirty="0" smtClean="0"/>
+              <a:t>中已实现</a:t>
+            </a:r>
+            <a:r>
+              <a:rPr lang="zh-CN" altLang="en-US" dirty="0" smtClean="0"/>
+              <a:t>一库一</a:t>
+            </a:r>
+            <a:r>
+              <a:rPr lang="zh-CN" altLang="en-US" dirty="0" smtClean="0"/>
+              <a:t>表功</a:t>
+            </a:r>
+            <a:r>
+              <a:rPr lang="zh-CN" altLang="en-US" dirty="0"/>
               <a:t>能</a:t>
             </a:r>
             <a:endParaRPr lang="en-US" altLang="zh-CN" dirty="0" smtClean="0"/>
@@ -7634,53 +7658,6 @@
           <a:p>
             <a:r>
               <a:rPr lang="zh-CN" altLang="en-US" dirty="0" smtClean="0"/>
-              <a:t>实现一库一表功能，对于自增序列、时间段分表实现方式（序列值在</a:t>
-            </a:r>
-            <a:r>
-              <a:rPr lang="en-US" altLang="zh-CN" dirty="0" smtClean="0"/>
-              <a:t>[0,500W]</a:t>
-            </a:r>
-            <a:r>
-              <a:rPr lang="zh-CN" altLang="en-US" dirty="0"/>
-              <a:t>在</a:t>
-            </a:r>
-            <a:r>
-              <a:rPr lang="en-US" altLang="zh-CN" dirty="0" smtClean="0"/>
-              <a:t>a</a:t>
-            </a:r>
-            <a:r>
-              <a:rPr lang="zh-CN" altLang="en-US" dirty="0" smtClean="0"/>
-              <a:t>库中</a:t>
-            </a:r>
-            <a:r>
-              <a:rPr lang="en-US" altLang="zh-CN" dirty="0" smtClean="0"/>
-              <a:t>,[500w,1000w]</a:t>
-            </a:r>
-            <a:r>
-              <a:rPr lang="zh-CN" altLang="en-US" dirty="0" smtClean="0"/>
-              <a:t>在</a:t>
-            </a:r>
-            <a:r>
-              <a:rPr lang="en-US" altLang="zh-CN" dirty="0" smtClean="0"/>
-              <a:t>b</a:t>
-            </a:r>
-            <a:r>
-              <a:rPr lang="zh-CN" altLang="en-US" dirty="0" smtClean="0"/>
-              <a:t>库中</a:t>
-            </a:r>
-            <a:r>
-              <a:rPr lang="en-US" altLang="zh-CN" dirty="0" smtClean="0"/>
-              <a:t>……</a:t>
-            </a:r>
-            <a:r>
-              <a:rPr lang="zh-CN" altLang="en-US" dirty="0" smtClean="0"/>
-              <a:t>）</a:t>
-            </a:r>
-            <a:endParaRPr lang="en-US" altLang="zh-CN" dirty="0" smtClean="0"/>
-          </a:p>
-          <a:p>
-            <a:r>
-              <a:rPr lang="zh-CN" altLang="en-US" dirty="0" smtClean="0"/>
               <a:t>采用</a:t>
             </a:r>
             <a:r>
@@ -7695,16 +7672,6 @@
               <a:rPr lang="zh-CN" altLang="en-US" dirty="0" smtClean="0"/>
               <a:t>节点</a:t>
             </a:r>
-            <a:endParaRPr lang="en-US" altLang="zh-CN" dirty="0" smtClean="0"/>
-          </a:p>
-          <a:p>
-            <a:r>
-              <a:rPr lang="zh-CN" altLang="en-US" dirty="0" smtClean="0"/>
-              <a:t>读库增加轮循算法</a:t>
-            </a:r>
-            <a:endParaRPr lang="en-US" altLang="zh-CN" dirty="0" smtClean="0"/>
-          </a:p>
-          <a:p>
             <a:endParaRPr lang="en-US" altLang="zh-CN" dirty="0" smtClean="0"/>
           </a:p>
           <a:p>
@@ -7921,7 +7888,7 @@
         </p:spPr>
         <p:txBody>
           <a:bodyPr>
-            <a:normAutofit/>
+            <a:normAutofit lnSpcReduction="10000"/>
           </a:bodyPr>
           <a:lstStyle/>
           <a:p>
@@ -7942,7 +7909,15 @@
           <a:p>
             <a:r>
               <a:rPr lang="zh-CN" altLang="en-US" dirty="0" smtClean="0"/>
-              <a:t>定义好静态常量，常量可定义在各自</a:t>
+              <a:t>定义</a:t>
+            </a:r>
+            <a:r>
+              <a:rPr lang="zh-CN" altLang="en-US" dirty="0" smtClean="0"/>
+              <a:t>好类常量</a:t>
+            </a:r>
+            <a:r>
+              <a:rPr lang="zh-CN" altLang="en-US" dirty="0" smtClean="0"/>
+              <a:t>，常量可定义在各自</a:t>
             </a:r>
             <a:r>
               <a:rPr lang="en-US" altLang="zh-CN" dirty="0" smtClean="0"/>
@@ -7988,6 +7963,13 @@
             <a:r>
               <a:rPr lang="zh-CN" altLang="en-US" dirty="0" smtClean="0"/>
               <a:t>问题</a:t>
+            </a:r>
+            <a:endParaRPr lang="en-US" altLang="zh-CN" dirty="0" smtClean="0"/>
+          </a:p>
+          <a:p>
+            <a:r>
+              <a:rPr lang="zh-CN" altLang="en-US" dirty="0" smtClean="0"/>
+              <a:t>连表将给未来系统拆库拆表带来麻烦</a:t>
             </a:r>
             <a:endParaRPr lang="en-US" altLang="zh-CN" dirty="0" smtClean="0"/>
           </a:p>
@@ -8665,6 +8647,169 @@
       </p:grpSpPr>
       <p:sp>
         <p:nvSpPr>
+          <p:cNvPr id="3" name="内容占位符 2"/>
+          <p:cNvSpPr>
+            <a:spLocks noGrp="1"/>
+          </p:cNvSpPr>
+          <p:nvPr>
+            <p:ph idx="1"/>
+          </p:nvPr>
+        </p:nvSpPr>
+        <p:spPr>
+          <a:xfrm>
+            <a:off x="323528" y="836712"/>
+            <a:ext cx="8280920" cy="5256584"/>
+          </a:xfrm>
+        </p:spPr>
+        <p:txBody>
+          <a:bodyPr>
+            <a:normAutofit/>
+          </a:bodyPr>
+          <a:lstStyle/>
+          <a:p>
+            <a:r>
+              <a:rPr lang="zh-CN" altLang="en-US" dirty="0" smtClean="0"/>
+              <a:t>增加业务层</a:t>
+            </a:r>
+            <a:r>
+              <a:rPr lang="en-US" altLang="zh-CN" dirty="0" smtClean="0"/>
+              <a:t>AO</a:t>
+            </a:r>
+          </a:p>
+          <a:p>
+            <a:r>
+              <a:rPr lang="en-US" altLang="zh-CN" dirty="0" smtClean="0"/>
+              <a:t>Controller</a:t>
+            </a:r>
+            <a:r>
+              <a:rPr lang="zh-CN" altLang="en-US" dirty="0" smtClean="0"/>
+              <a:t>调用</a:t>
+            </a:r>
+            <a:r>
+              <a:rPr lang="en-US" altLang="zh-CN" dirty="0" smtClean="0"/>
+              <a:t>AO</a:t>
+            </a:r>
+            <a:endParaRPr lang="en-US" altLang="zh-CN" dirty="0" smtClean="0"/>
+          </a:p>
+          <a:p>
+            <a:r>
+              <a:rPr lang="en-US" altLang="zh-CN" dirty="0" smtClean="0"/>
+              <a:t>AO</a:t>
+            </a:r>
+            <a:r>
+              <a:rPr lang="zh-CN" altLang="en-US" dirty="0" smtClean="0"/>
+              <a:t>调用</a:t>
+            </a:r>
+            <a:r>
+              <a:rPr lang="en-US" altLang="zh-CN" dirty="0" smtClean="0"/>
+              <a:t>model</a:t>
+            </a:r>
+            <a:r>
+              <a:rPr lang="zh-CN" altLang="en-US" dirty="0" smtClean="0"/>
+              <a:t>层</a:t>
+            </a:r>
+            <a:endParaRPr lang="en-US" altLang="zh-CN" dirty="0" smtClean="0"/>
+          </a:p>
+          <a:p>
+            <a:r>
+              <a:rPr lang="zh-CN" altLang="en-US" dirty="0" smtClean="0"/>
+              <a:t>各</a:t>
+            </a:r>
+            <a:r>
+              <a:rPr lang="en-US" altLang="zh-CN" dirty="0" smtClean="0"/>
+              <a:t>model</a:t>
+            </a:r>
+            <a:r>
+              <a:rPr lang="zh-CN" altLang="en-US" dirty="0" smtClean="0"/>
+              <a:t>层不能互相调用</a:t>
+            </a:r>
+            <a:endParaRPr lang="en-US" altLang="zh-CN" dirty="0" smtClean="0"/>
+          </a:p>
+          <a:p>
+            <a:r>
+              <a:rPr lang="zh-CN" altLang="en-US" dirty="0" smtClean="0"/>
+              <a:t>各</a:t>
+            </a:r>
+            <a:r>
+              <a:rPr lang="en-US" altLang="zh-CN" dirty="0" smtClean="0"/>
+              <a:t>AO</a:t>
+            </a:r>
+            <a:r>
+              <a:rPr lang="zh-CN" altLang="en-US" dirty="0" smtClean="0"/>
+              <a:t>层尽量不要互相调用</a:t>
+            </a:r>
+            <a:endParaRPr lang="en-US" altLang="zh-CN" dirty="0" smtClean="0"/>
+          </a:p>
+          <a:p>
+            <a:r>
+              <a:rPr lang="zh-CN" altLang="en-US" dirty="0" smtClean="0"/>
+              <a:t>一个</a:t>
+            </a:r>
+            <a:r>
+              <a:rPr lang="en-US" altLang="zh-CN" dirty="0" smtClean="0"/>
+              <a:t>AO</a:t>
+            </a:r>
+            <a:r>
+              <a:rPr lang="zh-CN" altLang="en-US" dirty="0" smtClean="0"/>
+              <a:t>中有多个</a:t>
+            </a:r>
+            <a:r>
+              <a:rPr lang="en-US" altLang="zh-CN" dirty="0" smtClean="0"/>
+              <a:t>model</a:t>
+            </a:r>
+          </a:p>
+          <a:p>
+            <a:r>
+              <a:rPr lang="zh-CN" altLang="en-US" dirty="0" smtClean="0"/>
+              <a:t>一个</a:t>
+            </a:r>
+            <a:r>
+              <a:rPr lang="en-US" altLang="zh-CN" dirty="0" smtClean="0"/>
+              <a:t>controller</a:t>
+            </a:r>
+            <a:r>
+              <a:rPr lang="zh-CN" altLang="en-US" dirty="0" smtClean="0"/>
+              <a:t>中可有多个</a:t>
+            </a:r>
+            <a:r>
+              <a:rPr lang="en-US" altLang="zh-CN" dirty="0" smtClean="0"/>
+              <a:t>AO</a:t>
+            </a:r>
+          </a:p>
+          <a:p>
+            <a:r>
+              <a:rPr lang="zh-CN" altLang="en-US" dirty="0" smtClean="0"/>
+              <a:t>事务大部分放在</a:t>
+            </a:r>
+            <a:r>
+              <a:rPr lang="en-US" altLang="zh-CN" dirty="0" smtClean="0"/>
+              <a:t>AO</a:t>
+            </a:r>
+            <a:r>
+              <a:rPr lang="zh-CN" altLang="en-US" dirty="0" smtClean="0"/>
+              <a:t>层</a:t>
+            </a:r>
+            <a:endParaRPr lang="en-US" altLang="zh-CN" dirty="0" smtClean="0"/>
+          </a:p>
+          <a:p>
+            <a:r>
+              <a:rPr lang="zh-CN" altLang="en-US" dirty="0" smtClean="0"/>
+              <a:t>少部分事务可放在</a:t>
+            </a:r>
+            <a:r>
+              <a:rPr lang="en-US" altLang="zh-CN" dirty="0" smtClean="0"/>
+              <a:t>model</a:t>
+            </a:r>
+            <a:r>
+              <a:rPr lang="zh-CN" altLang="en-US" dirty="0" smtClean="0"/>
+              <a:t>层</a:t>
+            </a:r>
+            <a:endParaRPr lang="en-US" altLang="zh-CN" dirty="0" smtClean="0"/>
+          </a:p>
+        </p:txBody>
+      </p:sp>
+      <p:sp>
+        <p:nvSpPr>
           <p:cNvPr id="4" name="日期占位符 3"/>
           <p:cNvSpPr>
             <a:spLocks noGrp="1"/>
@@ -8679,11 +8824,25 @@
           <a:lstStyle/>
           <a:p>
             <a:fld id="{B11D738E-8962-435F-8C43-147B8DD7E819}" type="datetime1">
-              <a:rPr lang="en-US" smtClean="0"/>
+              <a:rPr lang="en-US" smtClean="0">
+                <a:solidFill>
+                  <a:prstClr val="black">
+                    <a:lumMod val="65000"/>
+                    <a:lumOff val="35000"/>
+                  </a:prstClr>
+                </a:solidFill>
+              </a:rPr>
               <a:pPr/>
               <a:t>8/26/2014</a:t>
             </a:fld>
-            <a:endParaRPr lang="en-US"/>
+            <a:endParaRPr lang="en-US">
+              <a:solidFill>
+                <a:prstClr val="black">
+                  <a:lumMod val="65000"/>
+                  <a:lumOff val="35000"/>
+                </a:prstClr>
+              </a:solidFill>
+            </a:endParaRPr>
           </a:p>
         </p:txBody>
       </p:sp>
@@ -8703,11 +8862,25 @@
           <a:lstStyle/>
           <a:p>
             <a:fld id="{BA9B540C-44DA-4F69-89C9-7C84606640D3}" type="slidenum">
-              <a:rPr lang="en-US" smtClean="0"/>
+              <a:rPr lang="en-US" smtClean="0">
+                <a:solidFill>
+                  <a:prstClr val="black">
+                    <a:lumMod val="65000"/>
+                    <a:lumOff val="35000"/>
+                  </a:prstClr>
+                </a:solidFill>
+              </a:rPr>
               <a:pPr/>
               <a:t>19</a:t>
             </a:fld>
-            <a:endParaRPr lang="en-US"/>
+            <a:endParaRPr lang="en-US">
+              <a:solidFill>
+                <a:prstClr val="black">
+                  <a:lumMod val="65000"/>
+                  <a:lumOff val="35000"/>
+                </a:prstClr>
+              </a:solidFill>
+            </a:endParaRPr>
           </a:p>
         </p:txBody>
       </p:sp>
@@ -8721,8 +8894,8 @@
         </p:nvSpPr>
         <p:spPr>
           <a:xfrm>
-            <a:off x="251520" y="2348880"/>
-            <a:ext cx="8229600" cy="1024136"/>
+            <a:off x="107504" y="116632"/>
+            <a:ext cx="6840760" cy="764704"/>
           </a:xfrm>
           <a:prstGeom prst="rect">
             <a:avLst/>
@@ -8759,18 +8932,35 @@
             </a:lvl1pPr>
           </a:lstStyle>
           <a:p>
-            <a:r>
-              <a:rPr lang="en-US" altLang="zh-CN" dirty="0" smtClean="0"/>
-              <a:t>Q &amp; A</a:t>
-            </a:r>
-            <a:endParaRPr lang="zh-CN" altLang="en-US" dirty="0"/>
+            <a:pPr algn="l"/>
+            <a:r>
+              <a:rPr lang="en-US" altLang="zh-CN" sz="3200" b="1" dirty="0" smtClean="0">
+                <a:solidFill>
+                  <a:srgbClr val="2F5897"/>
+                </a:solidFill>
+              </a:rPr>
+              <a:t>PHP</a:t>
+            </a:r>
+            <a:r>
+              <a:rPr lang="zh-CN" altLang="en-US" sz="3200" b="1" dirty="0" smtClean="0">
+                <a:solidFill>
+                  <a:srgbClr val="2F5897"/>
+                </a:solidFill>
+              </a:rPr>
+              <a:t>代码规范</a:t>
+            </a:r>
+            <a:endParaRPr lang="zh-CN" altLang="en-US" sz="3200" b="1" dirty="0">
+              <a:solidFill>
+                <a:srgbClr val="2F5897"/>
+              </a:solidFill>
+            </a:endParaRPr>
           </a:p>
         </p:txBody>
       </p:sp>
     </p:spTree>
     <p:extLst>
       <p:ext uri="{BB962C8B-B14F-4D97-AF65-F5344CB8AC3E}">
-        <p14:creationId xmlns:p14="http://schemas.microsoft.com/office/powerpoint/2010/main" val="2993230041"/>
+        <p14:creationId xmlns:p14="http://schemas.microsoft.com/office/powerpoint/2010/main" val="3212400982"/>
       </p:ext>
     </p:extLst>
   </p:cSld>
@@ -8854,6 +9044,30 @@
             <a:r>
               <a:rPr lang="zh-CN" altLang="en-US" dirty="0" smtClean="0"/>
               <a:t>表</a:t>
+            </a:r>
+            <a:r>
+              <a:rPr lang="zh-CN" altLang="en-US" dirty="0" smtClean="0"/>
+              <a:t>、</a:t>
+            </a:r>
+            <a:r>
+              <a:rPr lang="zh-CN" altLang="en-US" dirty="0"/>
+              <a:t>多</a:t>
+            </a:r>
+            <a:r>
+              <a:rPr lang="zh-CN" altLang="en-US" dirty="0" smtClean="0"/>
+              <a:t>库单表</a:t>
+            </a:r>
+            <a:r>
+              <a:rPr lang="en-US" altLang="zh-CN" dirty="0" smtClean="0"/>
+              <a:t>(</a:t>
+            </a:r>
+            <a:r>
+              <a:rPr lang="zh-CN" altLang="en-US" dirty="0" smtClean="0"/>
+              <a:t>每库一个表</a:t>
+            </a:r>
+            <a:r>
+              <a:rPr lang="en-US" altLang="zh-CN" dirty="0" smtClean="0"/>
+              <a:t>)</a:t>
             </a:r>
             <a:endParaRPr lang="en-US" altLang="zh-CN" dirty="0" smtClean="0"/>
           </a:p>
@@ -9193,7 +9407,7 @@
             <a:fld id="{B11D738E-8962-435F-8C43-147B8DD7E819}" type="datetime1">
               <a:rPr lang="en-US" smtClean="0"/>
               <a:pPr/>
-              <a:t>8/26/2014</a:t>
+              <a:t>7/18/2014</a:t>
             </a:fld>
             <a:endParaRPr lang="en-US"/>
           </a:p>
@@ -9218,6 +9432,1724 @@
               <a:rPr lang="en-US" smtClean="0"/>
               <a:pPr/>
               <a:t>20</a:t>
+            </a:fld>
+            <a:endParaRPr lang="en-US"/>
+          </a:p>
+        </p:txBody>
+      </p:sp>
+      <p:sp>
+        <p:nvSpPr>
+          <p:cNvPr id="7" name="标题 1"/>
+          <p:cNvSpPr txBox="1">
+            <a:spLocks/>
+          </p:cNvSpPr>
+          <p:nvPr/>
+        </p:nvSpPr>
+        <p:spPr>
+          <a:xfrm>
+            <a:off x="251520" y="2348880"/>
+            <a:ext cx="8229600" cy="1024136"/>
+          </a:xfrm>
+          <a:prstGeom prst="rect">
+            <a:avLst/>
+          </a:prstGeom>
+        </p:spPr>
+        <p:txBody>
+          <a:bodyPr vert="horz" lIns="91440" tIns="45720" rIns="91440" bIns="45720" rtlCol="0" anchor="b">
+            <a:noAutofit/>
+          </a:bodyPr>
+          <a:lstStyle>
+            <a:lvl1pPr algn="ctr" defTabSz="914400" rtl="0" eaLnBrk="1" latinLnBrk="0" hangingPunct="1">
+              <a:lnSpc>
+                <a:spcPts val="5800"/>
+              </a:lnSpc>
+              <a:spcBef>
+                <a:spcPct val="0"/>
+              </a:spcBef>
+              <a:buNone/>
+              <a:defRPr sz="5400" kern="1200">
+                <a:solidFill>
+                  <a:schemeClr val="tx2"/>
+                </a:solidFill>
+                <a:effectLst>
+                  <a:outerShdw blurRad="63500" dist="38100" dir="5400000" algn="t" rotWithShape="0">
+                    <a:prstClr val="black">
+                      <a:alpha val="25000"/>
+                    </a:prstClr>
+                  </a:outerShdw>
+                </a:effectLst>
+                <a:latin typeface="+mn-lt"/>
+                <a:ea typeface="+mj-ea"/>
+                <a:cs typeface="+mj-cs"/>
+              </a:defRPr>
+            </a:lvl1pPr>
+          </a:lstStyle>
+          <a:p>
+            <a:endParaRPr lang="zh-CN" altLang="en-US" dirty="0"/>
+          </a:p>
+        </p:txBody>
+      </p:sp>
+      <p:pic>
+        <p:nvPicPr>
+          <p:cNvPr id="1027" name="Picture 3"/>
+          <p:cNvPicPr>
+            <a:picLocks noChangeAspect="1" noChangeArrowheads="1"/>
+          </p:cNvPicPr>
+          <p:nvPr/>
+        </p:nvPicPr>
+        <p:blipFill>
+          <a:blip r:embed="rId2">
+            <a:extLst>
+              <a:ext uri="{28A0092B-C50C-407E-A947-70E740481C1C}">
+                <a14:useLocalDpi xmlns:a14="http://schemas.microsoft.com/office/drawing/2010/main" val="0"/>
+              </a:ext>
+            </a:extLst>
+          </a:blip>
+          <a:srcRect/>
+          <a:stretch>
+            <a:fillRect/>
+          </a:stretch>
+        </p:blipFill>
+        <p:spPr bwMode="auto">
+          <a:xfrm>
+            <a:off x="-108520" y="0"/>
+            <a:ext cx="9252520" cy="7025852"/>
+          </a:xfrm>
+          <a:prstGeom prst="rect">
+            <a:avLst/>
+          </a:prstGeom>
+          <a:noFill/>
+          <a:ln>
+            <a:noFill/>
+          </a:ln>
+          <a:extLst>
+            <a:ext uri="{909E8E84-426E-40DD-AFC4-6F175D3DCCD1}">
+              <a14:hiddenFill xmlns:a14="http://schemas.microsoft.com/office/drawing/2010/main">
+                <a:solidFill>
+                  <a:schemeClr val="accent1"/>
+                </a:solidFill>
+              </a14:hiddenFill>
+            </a:ext>
+            <a:ext uri="{91240B29-F687-4F45-9708-019B960494DF}">
+              <a14:hiddenLine xmlns:a14="http://schemas.microsoft.com/office/drawing/2010/main" w="9525">
+                <a:solidFill>
+                  <a:schemeClr val="tx1"/>
+                </a:solidFill>
+                <a:miter lim="800000"/>
+                <a:headEnd/>
+                <a:tailEnd/>
+              </a14:hiddenLine>
+            </a:ext>
+          </a:extLst>
+        </p:spPr>
+      </p:pic>
+    </p:spTree>
+    <p:extLst>
+      <p:ext uri="{BB962C8B-B14F-4D97-AF65-F5344CB8AC3E}">
+        <p14:creationId xmlns:p14="http://schemas.microsoft.com/office/powerpoint/2010/main" val="2993230041"/>
+      </p:ext>
+    </p:extLst>
+  </p:cSld>
+  <p:clrMapOvr>
+    <a:masterClrMapping/>
+  </p:clrMapOvr>
+  <p:timing>
+    <p:tnLst>
+      <p:par>
+        <p:cTn id="1" dur="indefinite" restart="never" nodeType="tmRoot"/>
+      </p:par>
+    </p:tnLst>
+  </p:timing>
+</p:sld>
+</file>
+
+<file path=ppt/slides/slide21.xml><?xml version="1.0" encoding="utf-8"?>
+<p:sld xmlns:a="http://schemas.openxmlformats.org/drawingml/2006/main" xmlns:r="http://schemas.openxmlformats.org/officeDocument/2006/relationships" xmlns:p="http://schemas.openxmlformats.org/presentationml/2006/main">
+  <p:cSld>
+    <p:spTree>
+      <p:nvGrpSpPr>
+        <p:cNvPr id="1" name=""/>
+        <p:cNvGrpSpPr/>
+        <p:nvPr/>
+      </p:nvGrpSpPr>
+      <p:grpSpPr>
+        <a:xfrm>
+          <a:off x="0" y="0"/>
+          <a:ext cx="0" cy="0"/>
+          <a:chOff x="0" y="0"/>
+          <a:chExt cx="0" cy="0"/>
+        </a:xfrm>
+      </p:grpSpPr>
+      <p:sp>
+        <p:nvSpPr>
+          <p:cNvPr id="3" name="内容占位符 2"/>
+          <p:cNvSpPr>
+            <a:spLocks noGrp="1"/>
+          </p:cNvSpPr>
+          <p:nvPr>
+            <p:ph idx="1"/>
+          </p:nvPr>
+        </p:nvSpPr>
+        <p:spPr>
+          <a:xfrm>
+            <a:off x="323528" y="764704"/>
+            <a:ext cx="8280920" cy="576064"/>
+          </a:xfrm>
+        </p:spPr>
+        <p:txBody>
+          <a:bodyPr>
+            <a:normAutofit/>
+          </a:bodyPr>
+          <a:lstStyle/>
+          <a:p>
+            <a:r>
+              <a:rPr lang="zh-CN" altLang="en-US" dirty="0" smtClean="0"/>
+              <a:t>见意看下 </a:t>
+            </a:r>
+            <a:r>
+              <a:rPr lang="en-US" altLang="zh-CN" dirty="0" smtClean="0"/>
+              <a:t>martin fowler</a:t>
+            </a:r>
+            <a:r>
+              <a:rPr lang="zh-CN" altLang="en-US" dirty="0" smtClean="0"/>
+              <a:t>的重构 改善即有代码的设计</a:t>
+            </a:r>
+            <a:endParaRPr lang="en-US" altLang="zh-CN" dirty="0" smtClean="0"/>
+          </a:p>
+        </p:txBody>
+      </p:sp>
+      <p:sp>
+        <p:nvSpPr>
+          <p:cNvPr id="4" name="日期占位符 3"/>
+          <p:cNvSpPr>
+            <a:spLocks noGrp="1"/>
+          </p:cNvSpPr>
+          <p:nvPr>
+            <p:ph type="dt" sz="half" idx="10"/>
+          </p:nvPr>
+        </p:nvSpPr>
+        <p:spPr/>
+        <p:txBody>
+          <a:bodyPr/>
+          <a:lstStyle/>
+          <a:p>
+            <a:fld id="{B11D738E-8962-435F-8C43-147B8DD7E819}" type="datetime1">
+              <a:rPr lang="en-US" smtClean="0">
+                <a:solidFill>
+                  <a:prstClr val="black">
+                    <a:lumMod val="65000"/>
+                    <a:lumOff val="35000"/>
+                  </a:prstClr>
+                </a:solidFill>
+              </a:rPr>
+              <a:pPr/>
+              <a:t>7/18/2014</a:t>
+            </a:fld>
+            <a:endParaRPr lang="en-US">
+              <a:solidFill>
+                <a:prstClr val="black">
+                  <a:lumMod val="65000"/>
+                  <a:lumOff val="35000"/>
+                </a:prstClr>
+              </a:solidFill>
+            </a:endParaRPr>
+          </a:p>
+        </p:txBody>
+      </p:sp>
+      <p:sp>
+        <p:nvSpPr>
+          <p:cNvPr id="6" name="灯片编号占位符 5"/>
+          <p:cNvSpPr>
+            <a:spLocks noGrp="1"/>
+          </p:cNvSpPr>
+          <p:nvPr>
+            <p:ph type="sldNum" sz="quarter" idx="12"/>
+          </p:nvPr>
+        </p:nvSpPr>
+        <p:spPr/>
+        <p:txBody>
+          <a:bodyPr/>
+          <a:lstStyle/>
+          <a:p>
+            <a:fld id="{BA9B540C-44DA-4F69-89C9-7C84606640D3}" type="slidenum">
+              <a:rPr lang="en-US" smtClean="0">
+                <a:solidFill>
+                  <a:prstClr val="black">
+                    <a:lumMod val="65000"/>
+                    <a:lumOff val="35000"/>
+                  </a:prstClr>
+                </a:solidFill>
+              </a:rPr>
+              <a:pPr/>
+              <a:t>21</a:t>
+            </a:fld>
+            <a:endParaRPr lang="en-US">
+              <a:solidFill>
+                <a:prstClr val="black">
+                  <a:lumMod val="65000"/>
+                  <a:lumOff val="35000"/>
+                </a:prstClr>
+              </a:solidFill>
+            </a:endParaRPr>
+          </a:p>
+        </p:txBody>
+      </p:sp>
+      <p:sp>
+        <p:nvSpPr>
+          <p:cNvPr id="7" name="标题 1"/>
+          <p:cNvSpPr txBox="1">
+            <a:spLocks/>
+          </p:cNvSpPr>
+          <p:nvPr/>
+        </p:nvSpPr>
+        <p:spPr>
+          <a:xfrm>
+            <a:off x="107504" y="-27384"/>
+            <a:ext cx="6840760" cy="764704"/>
+          </a:xfrm>
+          <a:prstGeom prst="rect">
+            <a:avLst/>
+          </a:prstGeom>
+        </p:spPr>
+        <p:txBody>
+          <a:bodyPr vert="horz" lIns="91440" tIns="45720" rIns="91440" bIns="45720" rtlCol="0" anchor="b">
+            <a:noAutofit/>
+          </a:bodyPr>
+          <a:lstStyle>
+            <a:lvl1pPr algn="ctr" defTabSz="914400" rtl="0" eaLnBrk="1" latinLnBrk="0" hangingPunct="1">
+              <a:lnSpc>
+                <a:spcPts val="5800"/>
+              </a:lnSpc>
+              <a:spcBef>
+                <a:spcPct val="0"/>
+              </a:spcBef>
+              <a:buNone/>
+              <a:defRPr sz="5400" kern="1200">
+                <a:solidFill>
+                  <a:schemeClr val="tx2"/>
+                </a:solidFill>
+                <a:effectLst>
+                  <a:outerShdw blurRad="63500" dist="38100" dir="5400000" algn="t" rotWithShape="0">
+                    <a:prstClr val="black">
+                      <a:alpha val="25000"/>
+                    </a:prstClr>
+                  </a:outerShdw>
+                </a:effectLst>
+                <a:latin typeface="+mn-lt"/>
+                <a:ea typeface="+mj-ea"/>
+                <a:cs typeface="+mj-cs"/>
+              </a:defRPr>
+            </a:lvl1pPr>
+          </a:lstStyle>
+          <a:p>
+            <a:pPr algn="l"/>
+            <a:r>
+              <a:rPr lang="en-US" altLang="zh-CN" sz="3200" b="1" dirty="0" smtClean="0">
+                <a:solidFill>
+                  <a:srgbClr val="2F5897"/>
+                </a:solidFill>
+              </a:rPr>
+              <a:t>JAVA</a:t>
+            </a:r>
+            <a:r>
+              <a:rPr lang="zh-CN" altLang="en-US" sz="3200" b="1" dirty="0" smtClean="0">
+                <a:solidFill>
+                  <a:srgbClr val="2F5897"/>
+                </a:solidFill>
+              </a:rPr>
+              <a:t>代码</a:t>
+            </a:r>
+            <a:r>
+              <a:rPr lang="zh-CN" altLang="en-US" sz="3200" b="1" dirty="0" smtClean="0">
+                <a:solidFill>
+                  <a:srgbClr val="2F5897"/>
+                </a:solidFill>
+              </a:rPr>
+              <a:t>规范</a:t>
+            </a:r>
+            <a:endParaRPr lang="zh-CN" altLang="en-US" sz="3200" b="1" dirty="0">
+              <a:solidFill>
+                <a:srgbClr val="2F5897"/>
+              </a:solidFill>
+            </a:endParaRPr>
+          </a:p>
+        </p:txBody>
+      </p:sp>
+      <p:sp>
+        <p:nvSpPr>
+          <p:cNvPr id="8" name="标题 1"/>
+          <p:cNvSpPr txBox="1">
+            <a:spLocks/>
+          </p:cNvSpPr>
+          <p:nvPr/>
+        </p:nvSpPr>
+        <p:spPr>
+          <a:xfrm>
+            <a:off x="35496" y="1224136"/>
+            <a:ext cx="6840760" cy="764704"/>
+          </a:xfrm>
+          <a:prstGeom prst="rect">
+            <a:avLst/>
+          </a:prstGeom>
+        </p:spPr>
+        <p:txBody>
+          <a:bodyPr vert="horz" lIns="91440" tIns="45720" rIns="91440" bIns="45720" rtlCol="0" anchor="b">
+            <a:noAutofit/>
+          </a:bodyPr>
+          <a:lstStyle>
+            <a:lvl1pPr algn="ctr" defTabSz="914400" rtl="0" eaLnBrk="1" latinLnBrk="0" hangingPunct="1">
+              <a:lnSpc>
+                <a:spcPts val="5800"/>
+              </a:lnSpc>
+              <a:spcBef>
+                <a:spcPct val="0"/>
+              </a:spcBef>
+              <a:buNone/>
+              <a:defRPr sz="5400" kern="1200">
+                <a:solidFill>
+                  <a:schemeClr val="tx2"/>
+                </a:solidFill>
+                <a:effectLst>
+                  <a:outerShdw blurRad="63500" dist="38100" dir="5400000" algn="t" rotWithShape="0">
+                    <a:prstClr val="black">
+                      <a:alpha val="25000"/>
+                    </a:prstClr>
+                  </a:outerShdw>
+                </a:effectLst>
+                <a:latin typeface="+mn-lt"/>
+                <a:ea typeface="+mj-ea"/>
+                <a:cs typeface="+mj-cs"/>
+              </a:defRPr>
+            </a:lvl1pPr>
+          </a:lstStyle>
+          <a:p>
+            <a:pPr algn="l"/>
+            <a:r>
+              <a:rPr lang="zh-CN" altLang="en-US" sz="3200" b="1" dirty="0" smtClean="0">
+                <a:solidFill>
+                  <a:srgbClr val="2F5897"/>
+                </a:solidFill>
+              </a:rPr>
+              <a:t>推荐书籍</a:t>
+            </a:r>
+            <a:endParaRPr lang="zh-CN" altLang="en-US" sz="3200" b="1" dirty="0">
+              <a:solidFill>
+                <a:srgbClr val="2F5897"/>
+              </a:solidFill>
+            </a:endParaRPr>
+          </a:p>
+        </p:txBody>
+      </p:sp>
+      <p:sp>
+        <p:nvSpPr>
+          <p:cNvPr id="9" name="内容占位符 2"/>
+          <p:cNvSpPr txBox="1">
+            <a:spLocks/>
+          </p:cNvSpPr>
+          <p:nvPr/>
+        </p:nvSpPr>
+        <p:spPr>
+          <a:xfrm>
+            <a:off x="251520" y="2060848"/>
+            <a:ext cx="8280920" cy="4320480"/>
+          </a:xfrm>
+          <a:prstGeom prst="rect">
+            <a:avLst/>
+          </a:prstGeom>
+        </p:spPr>
+        <p:txBody>
+          <a:bodyPr vert="horz" lIns="91440" tIns="45720" rIns="91440" bIns="45720" rtlCol="0">
+            <a:normAutofit/>
+          </a:bodyPr>
+          <a:lstStyle>
+            <a:lvl1pPr marL="342900" indent="-342900" algn="l" defTabSz="914400" rtl="0" eaLnBrk="1" latinLnBrk="0" hangingPunct="1">
+              <a:spcBef>
+                <a:spcPct val="20000"/>
+              </a:spcBef>
+              <a:buFont typeface="Arial" pitchFamily="34" charset="0"/>
+              <a:buChar char="•"/>
+              <a:defRPr sz="2400" kern="1200">
+                <a:solidFill>
+                  <a:schemeClr val="tx1">
+                    <a:lumMod val="50000"/>
+                    <a:lumOff val="50000"/>
+                  </a:schemeClr>
+                </a:solidFill>
+                <a:latin typeface="+mj-lt"/>
+                <a:ea typeface="+mn-ea"/>
+                <a:cs typeface="+mn-cs"/>
+              </a:defRPr>
+            </a:lvl1pPr>
+            <a:lvl2pPr marL="742950" indent="-285750" algn="l" defTabSz="914400" rtl="0" eaLnBrk="1" latinLnBrk="0" hangingPunct="1">
+              <a:spcBef>
+                <a:spcPct val="20000"/>
+              </a:spcBef>
+              <a:buFont typeface="Courier New" pitchFamily="49" charset="0"/>
+              <a:buChar char="o"/>
+              <a:defRPr sz="1600" kern="1200">
+                <a:solidFill>
+                  <a:schemeClr val="tx1">
+                    <a:lumMod val="50000"/>
+                    <a:lumOff val="50000"/>
+                  </a:schemeClr>
+                </a:solidFill>
+                <a:latin typeface="+mj-lt"/>
+                <a:ea typeface="+mn-ea"/>
+                <a:cs typeface="+mn-cs"/>
+              </a:defRPr>
+            </a:lvl2pPr>
+            <a:lvl3pPr marL="1143000" indent="-228600" algn="l" defTabSz="914400" rtl="0" eaLnBrk="1" latinLnBrk="0" hangingPunct="1">
+              <a:spcBef>
+                <a:spcPct val="20000"/>
+              </a:spcBef>
+              <a:buFont typeface="Arial" pitchFamily="34" charset="0"/>
+              <a:buChar char="•"/>
+              <a:defRPr sz="1600" kern="1200">
+                <a:solidFill>
+                  <a:schemeClr val="tx1">
+                    <a:lumMod val="50000"/>
+                    <a:lumOff val="50000"/>
+                  </a:schemeClr>
+                </a:solidFill>
+                <a:latin typeface="+mj-lt"/>
+                <a:ea typeface="+mn-ea"/>
+                <a:cs typeface="+mn-cs"/>
+              </a:defRPr>
+            </a:lvl3pPr>
+            <a:lvl4pPr marL="1600200" indent="-228600" algn="l" defTabSz="914400" rtl="0" eaLnBrk="1" latinLnBrk="0" hangingPunct="1">
+              <a:spcBef>
+                <a:spcPct val="20000"/>
+              </a:spcBef>
+              <a:buFont typeface="Courier New" pitchFamily="49" charset="0"/>
+              <a:buChar char="o"/>
+              <a:defRPr sz="1600" kern="1200">
+                <a:solidFill>
+                  <a:schemeClr val="tx1">
+                    <a:lumMod val="50000"/>
+                    <a:lumOff val="50000"/>
+                  </a:schemeClr>
+                </a:solidFill>
+                <a:latin typeface="+mj-lt"/>
+                <a:ea typeface="+mn-ea"/>
+                <a:cs typeface="+mn-cs"/>
+              </a:defRPr>
+            </a:lvl4pPr>
+            <a:lvl5pPr marL="2057400" indent="-228600" algn="l" defTabSz="914400" rtl="0" eaLnBrk="1" latinLnBrk="0" hangingPunct="1">
+              <a:spcBef>
+                <a:spcPct val="20000"/>
+              </a:spcBef>
+              <a:buFont typeface="Arial" pitchFamily="34" charset="0"/>
+              <a:buChar char="•"/>
+              <a:defRPr sz="1600" kern="1200">
+                <a:solidFill>
+                  <a:schemeClr val="tx1">
+                    <a:lumMod val="50000"/>
+                    <a:lumOff val="50000"/>
+                  </a:schemeClr>
+                </a:solidFill>
+                <a:latin typeface="+mj-lt"/>
+                <a:ea typeface="+mn-ea"/>
+                <a:cs typeface="+mn-cs"/>
+              </a:defRPr>
+            </a:lvl5pPr>
+            <a:lvl6pPr marL="2514600" indent="-228600" algn="l" defTabSz="914400" rtl="0" eaLnBrk="1" latinLnBrk="0" hangingPunct="1">
+              <a:spcBef>
+                <a:spcPct val="20000"/>
+              </a:spcBef>
+              <a:buFont typeface="Courier New" pitchFamily="49" charset="0"/>
+              <a:buChar char="o"/>
+              <a:defRPr sz="1600" kern="1200">
+                <a:solidFill>
+                  <a:schemeClr val="tx1">
+                    <a:lumMod val="50000"/>
+                    <a:lumOff val="50000"/>
+                  </a:schemeClr>
+                </a:solidFill>
+                <a:latin typeface="+mj-lt"/>
+                <a:ea typeface="+mn-ea"/>
+                <a:cs typeface="+mn-cs"/>
+              </a:defRPr>
+            </a:lvl6pPr>
+            <a:lvl7pPr marL="2971800" indent="-228600" algn="l" defTabSz="914400" rtl="0" eaLnBrk="1" latinLnBrk="0" hangingPunct="1">
+              <a:spcBef>
+                <a:spcPct val="20000"/>
+              </a:spcBef>
+              <a:buFont typeface="Arial" pitchFamily="34" charset="0"/>
+              <a:buChar char="•"/>
+              <a:defRPr sz="1600" kern="1200">
+                <a:solidFill>
+                  <a:schemeClr val="tx1">
+                    <a:lumMod val="50000"/>
+                    <a:lumOff val="50000"/>
+                  </a:schemeClr>
+                </a:solidFill>
+                <a:latin typeface="+mj-lt"/>
+                <a:ea typeface="+mn-ea"/>
+                <a:cs typeface="+mn-cs"/>
+              </a:defRPr>
+            </a:lvl7pPr>
+            <a:lvl8pPr marL="3429000" indent="-228600" algn="l" defTabSz="914400" rtl="0" eaLnBrk="1" latinLnBrk="0" hangingPunct="1">
+              <a:spcBef>
+                <a:spcPct val="20000"/>
+              </a:spcBef>
+              <a:buFont typeface="Courier New" pitchFamily="49" charset="0"/>
+              <a:buChar char="o"/>
+              <a:defRPr sz="1600" kern="1200">
+                <a:solidFill>
+                  <a:schemeClr val="tx1">
+                    <a:lumMod val="50000"/>
+                    <a:lumOff val="50000"/>
+                  </a:schemeClr>
+                </a:solidFill>
+                <a:latin typeface="+mj-lt"/>
+                <a:ea typeface="+mn-ea"/>
+                <a:cs typeface="+mn-cs"/>
+              </a:defRPr>
+            </a:lvl8pPr>
+            <a:lvl9pPr marL="3886200" indent="-228600" algn="l" defTabSz="914400" rtl="0" eaLnBrk="1" latinLnBrk="0" hangingPunct="1">
+              <a:spcBef>
+                <a:spcPct val="20000"/>
+              </a:spcBef>
+              <a:buFont typeface="Arial" pitchFamily="34" charset="0"/>
+              <a:buChar char="•"/>
+              <a:defRPr sz="1600" kern="1200">
+                <a:solidFill>
+                  <a:schemeClr val="tx1">
+                    <a:lumMod val="50000"/>
+                    <a:lumOff val="50000"/>
+                  </a:schemeClr>
+                </a:solidFill>
+                <a:latin typeface="+mj-lt"/>
+                <a:ea typeface="+mn-ea"/>
+                <a:cs typeface="+mn-cs"/>
+              </a:defRPr>
+            </a:lvl9pPr>
+          </a:lstStyle>
+          <a:p>
+            <a:endParaRPr lang="en-US" altLang="zh-CN" dirty="0" smtClean="0"/>
+          </a:p>
+        </p:txBody>
+      </p:sp>
+      <p:sp>
+        <p:nvSpPr>
+          <p:cNvPr id="10" name="内容占位符 2"/>
+          <p:cNvSpPr txBox="1">
+            <a:spLocks/>
+          </p:cNvSpPr>
+          <p:nvPr/>
+        </p:nvSpPr>
+        <p:spPr>
+          <a:xfrm>
+            <a:off x="323528" y="1844824"/>
+            <a:ext cx="8280920" cy="4752528"/>
+          </a:xfrm>
+          <a:prstGeom prst="rect">
+            <a:avLst/>
+          </a:prstGeom>
+        </p:spPr>
+        <p:txBody>
+          <a:bodyPr vert="horz" lIns="91440" tIns="45720" rIns="91440" bIns="45720" rtlCol="0">
+            <a:normAutofit fontScale="92500" lnSpcReduction="20000"/>
+          </a:bodyPr>
+          <a:lstStyle>
+            <a:lvl1pPr marL="342900" indent="-342900" algn="l" defTabSz="914400" rtl="0" eaLnBrk="1" latinLnBrk="0" hangingPunct="1">
+              <a:spcBef>
+                <a:spcPct val="20000"/>
+              </a:spcBef>
+              <a:buFont typeface="Arial" pitchFamily="34" charset="0"/>
+              <a:buChar char="•"/>
+              <a:defRPr sz="2400" kern="1200">
+                <a:solidFill>
+                  <a:schemeClr val="tx1">
+                    <a:lumMod val="50000"/>
+                    <a:lumOff val="50000"/>
+                  </a:schemeClr>
+                </a:solidFill>
+                <a:latin typeface="+mj-lt"/>
+                <a:ea typeface="+mn-ea"/>
+                <a:cs typeface="+mn-cs"/>
+              </a:defRPr>
+            </a:lvl1pPr>
+            <a:lvl2pPr marL="742950" indent="-285750" algn="l" defTabSz="914400" rtl="0" eaLnBrk="1" latinLnBrk="0" hangingPunct="1">
+              <a:spcBef>
+                <a:spcPct val="20000"/>
+              </a:spcBef>
+              <a:buFont typeface="Courier New" pitchFamily="49" charset="0"/>
+              <a:buChar char="o"/>
+              <a:defRPr sz="1600" kern="1200">
+                <a:solidFill>
+                  <a:schemeClr val="tx1">
+                    <a:lumMod val="50000"/>
+                    <a:lumOff val="50000"/>
+                  </a:schemeClr>
+                </a:solidFill>
+                <a:latin typeface="+mj-lt"/>
+                <a:ea typeface="+mn-ea"/>
+                <a:cs typeface="+mn-cs"/>
+              </a:defRPr>
+            </a:lvl2pPr>
+            <a:lvl3pPr marL="1143000" indent="-228600" algn="l" defTabSz="914400" rtl="0" eaLnBrk="1" latinLnBrk="0" hangingPunct="1">
+              <a:spcBef>
+                <a:spcPct val="20000"/>
+              </a:spcBef>
+              <a:buFont typeface="Arial" pitchFamily="34" charset="0"/>
+              <a:buChar char="•"/>
+              <a:defRPr sz="1600" kern="1200">
+                <a:solidFill>
+                  <a:schemeClr val="tx1">
+                    <a:lumMod val="50000"/>
+                    <a:lumOff val="50000"/>
+                  </a:schemeClr>
+                </a:solidFill>
+                <a:latin typeface="+mj-lt"/>
+                <a:ea typeface="+mn-ea"/>
+                <a:cs typeface="+mn-cs"/>
+              </a:defRPr>
+            </a:lvl3pPr>
+            <a:lvl4pPr marL="1600200" indent="-228600" algn="l" defTabSz="914400" rtl="0" eaLnBrk="1" latinLnBrk="0" hangingPunct="1">
+              <a:spcBef>
+                <a:spcPct val="20000"/>
+              </a:spcBef>
+              <a:buFont typeface="Courier New" pitchFamily="49" charset="0"/>
+              <a:buChar char="o"/>
+              <a:defRPr sz="1600" kern="1200">
+                <a:solidFill>
+                  <a:schemeClr val="tx1">
+                    <a:lumMod val="50000"/>
+                    <a:lumOff val="50000"/>
+                  </a:schemeClr>
+                </a:solidFill>
+                <a:latin typeface="+mj-lt"/>
+                <a:ea typeface="+mn-ea"/>
+                <a:cs typeface="+mn-cs"/>
+              </a:defRPr>
+            </a:lvl4pPr>
+            <a:lvl5pPr marL="2057400" indent="-228600" algn="l" defTabSz="914400" rtl="0" eaLnBrk="1" latinLnBrk="0" hangingPunct="1">
+              <a:spcBef>
+                <a:spcPct val="20000"/>
+              </a:spcBef>
+              <a:buFont typeface="Arial" pitchFamily="34" charset="0"/>
+              <a:buChar char="•"/>
+              <a:defRPr sz="1600" kern="1200">
+                <a:solidFill>
+                  <a:schemeClr val="tx1">
+                    <a:lumMod val="50000"/>
+                    <a:lumOff val="50000"/>
+                  </a:schemeClr>
+                </a:solidFill>
+                <a:latin typeface="+mj-lt"/>
+                <a:ea typeface="+mn-ea"/>
+                <a:cs typeface="+mn-cs"/>
+              </a:defRPr>
+            </a:lvl5pPr>
+            <a:lvl6pPr marL="2514600" indent="-228600" algn="l" defTabSz="914400" rtl="0" eaLnBrk="1" latinLnBrk="0" hangingPunct="1">
+              <a:spcBef>
+                <a:spcPct val="20000"/>
+              </a:spcBef>
+              <a:buFont typeface="Courier New" pitchFamily="49" charset="0"/>
+              <a:buChar char="o"/>
+              <a:defRPr sz="1600" kern="1200">
+                <a:solidFill>
+                  <a:schemeClr val="tx1">
+                    <a:lumMod val="50000"/>
+                    <a:lumOff val="50000"/>
+                  </a:schemeClr>
+                </a:solidFill>
+                <a:latin typeface="+mj-lt"/>
+                <a:ea typeface="+mn-ea"/>
+                <a:cs typeface="+mn-cs"/>
+              </a:defRPr>
+            </a:lvl6pPr>
+            <a:lvl7pPr marL="2971800" indent="-228600" algn="l" defTabSz="914400" rtl="0" eaLnBrk="1" latinLnBrk="0" hangingPunct="1">
+              <a:spcBef>
+                <a:spcPct val="20000"/>
+              </a:spcBef>
+              <a:buFont typeface="Arial" pitchFamily="34" charset="0"/>
+              <a:buChar char="•"/>
+              <a:defRPr sz="1600" kern="1200">
+                <a:solidFill>
+                  <a:schemeClr val="tx1">
+                    <a:lumMod val="50000"/>
+                    <a:lumOff val="50000"/>
+                  </a:schemeClr>
+                </a:solidFill>
+                <a:latin typeface="+mj-lt"/>
+                <a:ea typeface="+mn-ea"/>
+                <a:cs typeface="+mn-cs"/>
+              </a:defRPr>
+            </a:lvl7pPr>
+            <a:lvl8pPr marL="3429000" indent="-228600" algn="l" defTabSz="914400" rtl="0" eaLnBrk="1" latinLnBrk="0" hangingPunct="1">
+              <a:spcBef>
+                <a:spcPct val="20000"/>
+              </a:spcBef>
+              <a:buFont typeface="Courier New" pitchFamily="49" charset="0"/>
+              <a:buChar char="o"/>
+              <a:defRPr sz="1600" kern="1200">
+                <a:solidFill>
+                  <a:schemeClr val="tx1">
+                    <a:lumMod val="50000"/>
+                    <a:lumOff val="50000"/>
+                  </a:schemeClr>
+                </a:solidFill>
+                <a:latin typeface="+mj-lt"/>
+                <a:ea typeface="+mn-ea"/>
+                <a:cs typeface="+mn-cs"/>
+              </a:defRPr>
+            </a:lvl8pPr>
+            <a:lvl9pPr marL="3886200" indent="-228600" algn="l" defTabSz="914400" rtl="0" eaLnBrk="1" latinLnBrk="0" hangingPunct="1">
+              <a:spcBef>
+                <a:spcPct val="20000"/>
+              </a:spcBef>
+              <a:buFont typeface="Arial" pitchFamily="34" charset="0"/>
+              <a:buChar char="•"/>
+              <a:defRPr sz="1600" kern="1200">
+                <a:solidFill>
+                  <a:schemeClr val="tx1">
+                    <a:lumMod val="50000"/>
+                    <a:lumOff val="50000"/>
+                  </a:schemeClr>
+                </a:solidFill>
+                <a:latin typeface="+mj-lt"/>
+                <a:ea typeface="+mn-ea"/>
+                <a:cs typeface="+mn-cs"/>
+              </a:defRPr>
+            </a:lvl9pPr>
+          </a:lstStyle>
+          <a:p>
+            <a:r>
+              <a:rPr lang="en-US" altLang="zh-CN" dirty="0" err="1"/>
+              <a:t>php</a:t>
+            </a:r>
+            <a:r>
+              <a:rPr lang="zh-CN" altLang="en-US" dirty="0"/>
+              <a:t>和</a:t>
+            </a:r>
+            <a:r>
+              <a:rPr lang="en-US" altLang="zh-CN" dirty="0" err="1"/>
+              <a:t>mysql</a:t>
+            </a:r>
+            <a:r>
+              <a:rPr lang="en-US" altLang="zh-CN" dirty="0"/>
+              <a:t> web</a:t>
+            </a:r>
+            <a:r>
+              <a:rPr lang="zh-CN" altLang="en-US" dirty="0"/>
+              <a:t>开发</a:t>
+            </a:r>
+            <a:r>
+              <a:rPr lang="en-US" altLang="zh-CN" dirty="0"/>
+              <a:t>(</a:t>
+            </a:r>
+            <a:r>
+              <a:rPr lang="zh-CN" altLang="en-US" dirty="0"/>
+              <a:t>原书第</a:t>
+            </a:r>
+            <a:r>
+              <a:rPr lang="en-US" altLang="zh-CN" dirty="0"/>
+              <a:t>4</a:t>
+            </a:r>
+            <a:r>
+              <a:rPr lang="zh-CN" altLang="en-US" dirty="0"/>
+              <a:t>版</a:t>
+            </a:r>
+            <a:r>
+              <a:rPr lang="en-US" altLang="zh-CN" dirty="0"/>
+              <a:t>)</a:t>
+            </a:r>
+          </a:p>
+          <a:p>
+            <a:r>
+              <a:rPr lang="en-US" altLang="zh-CN" dirty="0"/>
+              <a:t>Agile </a:t>
+            </a:r>
+            <a:r>
+              <a:rPr lang="en-US" altLang="zh-CN" dirty="0" smtClean="0"/>
+              <a:t>Java</a:t>
+            </a:r>
+            <a:endParaRPr lang="en-US" altLang="zh-CN" dirty="0"/>
+          </a:p>
+          <a:p>
+            <a:r>
+              <a:rPr lang="en-US" altLang="zh-CN" dirty="0"/>
+              <a:t>Effective Java</a:t>
+            </a:r>
+            <a:r>
+              <a:rPr lang="zh-CN" altLang="en-US" dirty="0"/>
+              <a:t>中文版</a:t>
+            </a:r>
+            <a:r>
+              <a:rPr lang="en-US" altLang="zh-CN" dirty="0"/>
+              <a:t>(</a:t>
+            </a:r>
+            <a:r>
+              <a:rPr lang="zh-CN" altLang="en-US" dirty="0"/>
+              <a:t>第</a:t>
+            </a:r>
+            <a:r>
+              <a:rPr lang="en-US" altLang="zh-CN" dirty="0"/>
+              <a:t>2</a:t>
+            </a:r>
+            <a:r>
+              <a:rPr lang="zh-CN" altLang="en-US" dirty="0"/>
+              <a:t>版</a:t>
+            </a:r>
+            <a:r>
+              <a:rPr lang="en-US" altLang="zh-CN" dirty="0"/>
+              <a:t>) </a:t>
+            </a:r>
+            <a:endParaRPr lang="en-US" altLang="zh-CN" dirty="0" smtClean="0"/>
+          </a:p>
+          <a:p>
+            <a:r>
+              <a:rPr lang="en-US" altLang="zh-CN" dirty="0" smtClean="0"/>
+              <a:t>Head First Java</a:t>
+            </a:r>
+          </a:p>
+          <a:p>
+            <a:r>
+              <a:rPr lang="en-US" altLang="zh-CN" dirty="0"/>
+              <a:t>JAVA</a:t>
+            </a:r>
+            <a:r>
+              <a:rPr lang="zh-CN" altLang="en-US" dirty="0"/>
+              <a:t>核心技术卷</a:t>
+            </a:r>
+            <a:r>
+              <a:rPr lang="en-US" altLang="zh-CN" dirty="0"/>
+              <a:t>I</a:t>
+            </a:r>
+            <a:r>
+              <a:rPr lang="zh-CN" altLang="en-US" dirty="0"/>
+              <a:t>、</a:t>
+            </a:r>
+            <a:r>
+              <a:rPr lang="en-US" altLang="zh-CN" dirty="0"/>
+              <a:t>II</a:t>
+            </a:r>
+          </a:p>
+          <a:p>
+            <a:r>
+              <a:rPr lang="en-US" altLang="zh-CN" dirty="0" smtClean="0"/>
+              <a:t>Think in java</a:t>
+            </a:r>
+            <a:endParaRPr lang="en-US" altLang="zh-CN" dirty="0"/>
+          </a:p>
+          <a:p>
+            <a:r>
+              <a:rPr lang="en-US" altLang="zh-CN" dirty="0" smtClean="0"/>
+              <a:t>Head </a:t>
+            </a:r>
+            <a:r>
+              <a:rPr lang="en-US" altLang="zh-CN" dirty="0"/>
+              <a:t>First </a:t>
+            </a:r>
+            <a:r>
+              <a:rPr lang="zh-CN" altLang="en-US" dirty="0"/>
+              <a:t>设计模式（中文版</a:t>
+            </a:r>
+            <a:r>
+              <a:rPr lang="en-US" altLang="zh-CN" dirty="0"/>
+              <a:t>) </a:t>
+            </a:r>
+          </a:p>
+          <a:p>
+            <a:r>
+              <a:rPr lang="zh-CN" altLang="en-US" dirty="0" smtClean="0"/>
+              <a:t>实现</a:t>
+            </a:r>
+            <a:r>
+              <a:rPr lang="zh-CN" altLang="en-US" dirty="0"/>
+              <a:t>领域驱动设计</a:t>
+            </a:r>
+          </a:p>
+          <a:p>
+            <a:r>
+              <a:rPr lang="zh-CN" altLang="en-US" dirty="0"/>
+              <a:t>领域驱动设计：软件核心复杂性应对之道</a:t>
+            </a:r>
+          </a:p>
+          <a:p>
+            <a:r>
+              <a:rPr lang="zh-CN" altLang="en-US" dirty="0"/>
+              <a:t>测试驱动开发</a:t>
+            </a:r>
+          </a:p>
+          <a:p>
+            <a:r>
+              <a:rPr lang="zh-CN" altLang="en-US" dirty="0" smtClean="0"/>
+              <a:t>解析</a:t>
+            </a:r>
+            <a:r>
+              <a:rPr lang="zh-CN" altLang="en-US" dirty="0"/>
+              <a:t>极限编程 拥抱</a:t>
+            </a:r>
+            <a:r>
+              <a:rPr lang="zh-CN" altLang="en-US" dirty="0" smtClean="0"/>
+              <a:t>变化</a:t>
+            </a:r>
+            <a:endParaRPr lang="en-US" altLang="zh-CN" dirty="0" smtClean="0"/>
+          </a:p>
+          <a:p>
+            <a:r>
+              <a:rPr lang="zh-CN" altLang="en-US" dirty="0"/>
+              <a:t>重构：改善既有代码的设计</a:t>
+            </a:r>
+            <a:r>
+              <a:rPr lang="en-US" altLang="zh-CN" dirty="0"/>
+              <a:t>(</a:t>
+            </a:r>
+            <a:r>
+              <a:rPr lang="zh-CN" altLang="en-US" dirty="0"/>
+              <a:t>软件开发的不朽经典</a:t>
+            </a:r>
+            <a:r>
+              <a:rPr lang="en-US" altLang="zh-CN" dirty="0"/>
+              <a:t>)</a:t>
+            </a:r>
+          </a:p>
+          <a:p>
+            <a:r>
+              <a:rPr lang="zh-CN" altLang="en-US" dirty="0"/>
+              <a:t>企业应用架构模式</a:t>
+            </a:r>
+          </a:p>
+          <a:p>
+            <a:r>
+              <a:rPr lang="zh-CN" altLang="en-US" dirty="0"/>
+              <a:t>敏捷软件开发原则、模式与实践</a:t>
+            </a:r>
+            <a:endParaRPr lang="en-US" altLang="zh-CN" dirty="0"/>
+          </a:p>
+          <a:p>
+            <a:endParaRPr lang="zh-CN" altLang="en-US" dirty="0"/>
+          </a:p>
+        </p:txBody>
+      </p:sp>
+    </p:spTree>
+    <p:extLst>
+      <p:ext uri="{BB962C8B-B14F-4D97-AF65-F5344CB8AC3E}">
+        <p14:creationId xmlns:p14="http://schemas.microsoft.com/office/powerpoint/2010/main" val="1525641461"/>
+      </p:ext>
+    </p:extLst>
+  </p:cSld>
+  <p:clrMapOvr>
+    <a:masterClrMapping/>
+  </p:clrMapOvr>
+  <p:timing>
+    <p:tnLst>
+      <p:par>
+        <p:cTn id="1" dur="indefinite" restart="never" nodeType="tmRoot"/>
+      </p:par>
+    </p:tnLst>
+  </p:timing>
+</p:sld>
+</file>
+
+<file path=ppt/slides/slide22.xml><?xml version="1.0" encoding="utf-8"?>
+<p:sld xmlns:a="http://schemas.openxmlformats.org/drawingml/2006/main" xmlns:r="http://schemas.openxmlformats.org/officeDocument/2006/relationships" xmlns:p="http://schemas.openxmlformats.org/presentationml/2006/main">
+  <p:cSld>
+    <p:spTree>
+      <p:nvGrpSpPr>
+        <p:cNvPr id="1" name=""/>
+        <p:cNvGrpSpPr/>
+        <p:nvPr/>
+      </p:nvGrpSpPr>
+      <p:grpSpPr>
+        <a:xfrm>
+          <a:off x="0" y="0"/>
+          <a:ext cx="0" cy="0"/>
+          <a:chOff x="0" y="0"/>
+          <a:chExt cx="0" cy="0"/>
+        </a:xfrm>
+      </p:grpSpPr>
+      <p:sp>
+        <p:nvSpPr>
+          <p:cNvPr id="4" name="日期占位符 3"/>
+          <p:cNvSpPr>
+            <a:spLocks noGrp="1"/>
+          </p:cNvSpPr>
+          <p:nvPr>
+            <p:ph type="dt" sz="half" idx="10"/>
+          </p:nvPr>
+        </p:nvSpPr>
+        <p:spPr/>
+        <p:txBody>
+          <a:bodyPr/>
+          <a:lstStyle/>
+          <a:p>
+            <a:fld id="{B11D738E-8962-435F-8C43-147B8DD7E819}" type="datetime1">
+              <a:rPr lang="en-US" smtClean="0"/>
+              <a:pPr/>
+              <a:t>7/18/2014</a:t>
+            </a:fld>
+            <a:endParaRPr lang="en-US"/>
+          </a:p>
+        </p:txBody>
+      </p:sp>
+      <p:sp>
+        <p:nvSpPr>
+          <p:cNvPr id="6" name="灯片编号占位符 5"/>
+          <p:cNvSpPr>
+            <a:spLocks noGrp="1"/>
+          </p:cNvSpPr>
+          <p:nvPr>
+            <p:ph type="sldNum" sz="quarter" idx="12"/>
+          </p:nvPr>
+        </p:nvSpPr>
+        <p:spPr/>
+        <p:txBody>
+          <a:bodyPr/>
+          <a:lstStyle/>
+          <a:p>
+            <a:fld id="{BA9B540C-44DA-4F69-89C9-7C84606640D3}" type="slidenum">
+              <a:rPr lang="en-US" smtClean="0"/>
+              <a:pPr/>
+              <a:t>22</a:t>
+            </a:fld>
+            <a:endParaRPr lang="en-US"/>
+          </a:p>
+        </p:txBody>
+      </p:sp>
+      <p:sp>
+        <p:nvSpPr>
+          <p:cNvPr id="7" name="标题 1"/>
+          <p:cNvSpPr txBox="1">
+            <a:spLocks/>
+          </p:cNvSpPr>
+          <p:nvPr/>
+        </p:nvSpPr>
+        <p:spPr>
+          <a:xfrm>
+            <a:off x="158824" y="-243408"/>
+            <a:ext cx="8229600" cy="1024136"/>
+          </a:xfrm>
+          <a:prstGeom prst="rect">
+            <a:avLst/>
+          </a:prstGeom>
+        </p:spPr>
+        <p:txBody>
+          <a:bodyPr vert="horz" lIns="91440" tIns="45720" rIns="91440" bIns="45720" rtlCol="0" anchor="b">
+            <a:noAutofit/>
+          </a:bodyPr>
+          <a:lstStyle>
+            <a:lvl1pPr algn="ctr" defTabSz="914400" rtl="0" eaLnBrk="1" latinLnBrk="0" hangingPunct="1">
+              <a:lnSpc>
+                <a:spcPts val="5800"/>
+              </a:lnSpc>
+              <a:spcBef>
+                <a:spcPct val="0"/>
+              </a:spcBef>
+              <a:buNone/>
+              <a:defRPr sz="5400" kern="1200">
+                <a:solidFill>
+                  <a:schemeClr val="tx2"/>
+                </a:solidFill>
+                <a:effectLst>
+                  <a:outerShdw blurRad="63500" dist="38100" dir="5400000" algn="t" rotWithShape="0">
+                    <a:prstClr val="black">
+                      <a:alpha val="25000"/>
+                    </a:prstClr>
+                  </a:outerShdw>
+                </a:effectLst>
+                <a:latin typeface="+mn-lt"/>
+                <a:ea typeface="+mj-ea"/>
+                <a:cs typeface="+mj-cs"/>
+              </a:defRPr>
+            </a:lvl1pPr>
+          </a:lstStyle>
+          <a:p>
+            <a:pPr algn="l"/>
+            <a:r>
+              <a:rPr lang="zh-CN" altLang="en-US" sz="3200" b="1" dirty="0" smtClean="0"/>
+              <a:t>大型网站所需杂谈</a:t>
+            </a:r>
+            <a:endParaRPr lang="zh-CN" altLang="en-US" sz="3200" b="1" dirty="0"/>
+          </a:p>
+        </p:txBody>
+      </p:sp>
+      <p:sp>
+        <p:nvSpPr>
+          <p:cNvPr id="5" name="内容占位符 2"/>
+          <p:cNvSpPr>
+            <a:spLocks noGrp="1"/>
+          </p:cNvSpPr>
+          <p:nvPr>
+            <p:ph idx="1"/>
+          </p:nvPr>
+        </p:nvSpPr>
+        <p:spPr>
+          <a:xfrm>
+            <a:off x="467544" y="908720"/>
+            <a:ext cx="8280920" cy="5256584"/>
+          </a:xfrm>
+        </p:spPr>
+        <p:txBody>
+          <a:bodyPr>
+            <a:normAutofit fontScale="92500"/>
+          </a:bodyPr>
+          <a:lstStyle/>
+          <a:p>
+            <a:r>
+              <a:rPr lang="zh-CN" altLang="en-US" dirty="0" smtClean="0"/>
+              <a:t>分布式文件系统</a:t>
+            </a:r>
+            <a:r>
+              <a:rPr lang="en-US" altLang="zh-CN" dirty="0" smtClean="0"/>
+              <a:t>(HDFS</a:t>
+            </a:r>
+            <a:r>
+              <a:rPr lang="zh-CN" altLang="en-US" dirty="0" smtClean="0"/>
+              <a:t>、</a:t>
+            </a:r>
+            <a:r>
+              <a:rPr lang="en-US" altLang="zh-CN" dirty="0" smtClean="0"/>
+              <a:t>GFS</a:t>
+            </a:r>
+            <a:r>
+              <a:rPr lang="zh-CN" altLang="en-US" dirty="0" smtClean="0"/>
+              <a:t>、</a:t>
+            </a:r>
+            <a:r>
+              <a:rPr lang="en-US" altLang="zh-CN" dirty="0" smtClean="0"/>
+              <a:t>TFS</a:t>
+            </a:r>
+            <a:r>
+              <a:rPr lang="zh-CN" altLang="en-US" dirty="0" smtClean="0"/>
+              <a:t>等</a:t>
+            </a:r>
+            <a:r>
+              <a:rPr lang="en-US" altLang="zh-CN" dirty="0" smtClean="0"/>
+              <a:t>)</a:t>
+            </a:r>
+          </a:p>
+          <a:p>
+            <a:r>
+              <a:rPr lang="zh-CN" altLang="en-US" dirty="0" smtClean="0"/>
+              <a:t>分布式缓存</a:t>
+            </a:r>
+            <a:r>
+              <a:rPr lang="en-US" altLang="zh-CN" dirty="0" smtClean="0"/>
+              <a:t>(</a:t>
+            </a:r>
+            <a:r>
+              <a:rPr lang="en-US" altLang="zh-CN" dirty="0" err="1" smtClean="0"/>
+              <a:t>memcache</a:t>
+            </a:r>
+            <a:r>
+              <a:rPr lang="zh-CN" altLang="en-US" dirty="0" smtClean="0"/>
+              <a:t>、</a:t>
+            </a:r>
+            <a:r>
+              <a:rPr lang="en-US" altLang="zh-CN" dirty="0" err="1" smtClean="0"/>
+              <a:t>redis</a:t>
+            </a:r>
+            <a:r>
+              <a:rPr lang="zh-CN" altLang="en-US" dirty="0" smtClean="0"/>
+              <a:t>、</a:t>
+            </a:r>
+            <a:r>
+              <a:rPr lang="en-US" altLang="zh-CN" dirty="0" err="1" smtClean="0"/>
+              <a:t>oscache</a:t>
+            </a:r>
+            <a:r>
+              <a:rPr lang="zh-CN" altLang="en-US" dirty="0" smtClean="0"/>
+              <a:t>、</a:t>
+            </a:r>
+            <a:r>
+              <a:rPr lang="en-US" altLang="zh-CN" dirty="0" err="1" smtClean="0"/>
+              <a:t>ehcache</a:t>
+            </a:r>
+            <a:r>
+              <a:rPr lang="zh-CN" altLang="en-US" dirty="0" smtClean="0"/>
+              <a:t>等</a:t>
+            </a:r>
+            <a:r>
+              <a:rPr lang="en-US" altLang="zh-CN" dirty="0" smtClean="0"/>
+              <a:t>)</a:t>
+            </a:r>
+          </a:p>
+          <a:p>
+            <a:r>
+              <a:rPr lang="zh-CN" altLang="en-US" dirty="0" smtClean="0"/>
+              <a:t>分布式数据库（伪）</a:t>
+            </a:r>
+            <a:r>
+              <a:rPr lang="en-US" altLang="zh-CN" dirty="0" smtClean="0"/>
+              <a:t>(</a:t>
+            </a:r>
+            <a:r>
+              <a:rPr lang="en-US" altLang="zh-CN" dirty="0" err="1" smtClean="0"/>
+              <a:t>hbase</a:t>
+            </a:r>
+            <a:r>
+              <a:rPr lang="zh-CN" altLang="en-US" dirty="0" smtClean="0"/>
+              <a:t>、</a:t>
+            </a:r>
+            <a:r>
+              <a:rPr lang="en-US" altLang="zh-CN" dirty="0" err="1" smtClean="0"/>
+              <a:t>mongodb</a:t>
+            </a:r>
+            <a:r>
+              <a:rPr lang="zh-CN" altLang="en-US" dirty="0"/>
+              <a:t>、</a:t>
+            </a:r>
+            <a:r>
+              <a:rPr lang="en-US" altLang="zh-CN" dirty="0" err="1" smtClean="0"/>
+              <a:t>redis</a:t>
+            </a:r>
+            <a:r>
+              <a:rPr lang="zh-CN" altLang="en-US" dirty="0" smtClean="0"/>
+              <a:t>等</a:t>
+            </a:r>
+            <a:r>
+              <a:rPr lang="en-US" altLang="zh-CN" dirty="0" smtClean="0"/>
+              <a:t>)</a:t>
+            </a:r>
+          </a:p>
+          <a:p>
+            <a:r>
+              <a:rPr lang="zh-CN" altLang="en-US" dirty="0"/>
+              <a:t>利用好本地</a:t>
+            </a:r>
+            <a:r>
+              <a:rPr lang="zh-CN" altLang="en-US" dirty="0" smtClean="0"/>
+              <a:t>缓存</a:t>
+            </a:r>
+            <a:endParaRPr lang="en-US" altLang="zh-CN" dirty="0" smtClean="0"/>
+          </a:p>
+          <a:p>
+            <a:r>
+              <a:rPr lang="en-US" altLang="zh-CN" dirty="0" smtClean="0"/>
+              <a:t>Web</a:t>
+            </a:r>
+            <a:r>
+              <a:rPr lang="zh-CN" altLang="en-US" dirty="0" smtClean="0"/>
+              <a:t>页面缓存</a:t>
+            </a:r>
+            <a:endParaRPr lang="en-US" altLang="zh-CN" dirty="0" smtClean="0"/>
+          </a:p>
+          <a:p>
+            <a:r>
+              <a:rPr lang="zh-CN" altLang="en-US" dirty="0" smtClean="0"/>
+              <a:t>良好的</a:t>
+            </a:r>
+            <a:r>
+              <a:rPr lang="en-US" altLang="zh-CN" dirty="0" smtClean="0"/>
+              <a:t>RPC</a:t>
+            </a:r>
+            <a:r>
+              <a:rPr lang="zh-CN" altLang="en-US" dirty="0" smtClean="0"/>
+              <a:t>框架（</a:t>
+            </a:r>
+            <a:r>
+              <a:rPr lang="en-US" altLang="zh-CN" dirty="0" smtClean="0"/>
+              <a:t>hessian</a:t>
+            </a:r>
+            <a:r>
+              <a:rPr lang="zh-CN" altLang="en-US" dirty="0" smtClean="0"/>
+              <a:t>、</a:t>
+            </a:r>
+            <a:r>
+              <a:rPr lang="en-US" altLang="zh-CN" dirty="0" err="1" smtClean="0"/>
+              <a:t>WebService</a:t>
+            </a:r>
+            <a:r>
+              <a:rPr lang="zh-CN" altLang="en-US" dirty="0" smtClean="0"/>
+              <a:t>、</a:t>
+            </a:r>
+            <a:r>
+              <a:rPr lang="en-US" altLang="zh-CN" dirty="0" err="1" smtClean="0"/>
+              <a:t>rmi</a:t>
+            </a:r>
+            <a:r>
+              <a:rPr lang="zh-CN" altLang="en-US" dirty="0" smtClean="0"/>
+              <a:t>、</a:t>
+            </a:r>
+            <a:r>
+              <a:rPr lang="en-US" altLang="zh-CN" dirty="0" smtClean="0"/>
+              <a:t>thrift</a:t>
+            </a:r>
+            <a:r>
+              <a:rPr lang="zh-CN" altLang="en-US" dirty="0" smtClean="0"/>
+              <a:t>、</a:t>
+            </a:r>
+            <a:r>
+              <a:rPr lang="en-US" altLang="zh-CN" dirty="0" smtClean="0"/>
+              <a:t>Protocol Buffers</a:t>
+            </a:r>
+            <a:r>
+              <a:rPr lang="zh-CN" altLang="en-US" dirty="0" smtClean="0"/>
+              <a:t>）</a:t>
+            </a:r>
+            <a:endParaRPr lang="en-US" altLang="zh-CN" dirty="0" smtClean="0"/>
+          </a:p>
+          <a:p>
+            <a:r>
+              <a:rPr lang="zh-CN" altLang="en-US" dirty="0" smtClean="0"/>
+              <a:t>异步调用</a:t>
+            </a:r>
+            <a:r>
+              <a:rPr lang="en-US" altLang="zh-CN" dirty="0" smtClean="0"/>
+              <a:t>(</a:t>
+            </a:r>
+            <a:r>
+              <a:rPr lang="en-US" altLang="zh-CN" dirty="0" err="1" smtClean="0"/>
+              <a:t>ajax</a:t>
+            </a:r>
+            <a:r>
+              <a:rPr lang="zh-CN" altLang="en-US" dirty="0" smtClean="0"/>
+              <a:t>、</a:t>
+            </a:r>
+            <a:r>
+              <a:rPr lang="en-US" altLang="zh-CN" dirty="0" err="1" smtClean="0"/>
+              <a:t>nio</a:t>
+            </a:r>
+            <a:r>
+              <a:rPr lang="zh-CN" altLang="en-US" dirty="0" smtClean="0"/>
+              <a:t>、</a:t>
+            </a:r>
+            <a:r>
+              <a:rPr lang="en-US" altLang="zh-CN" dirty="0" err="1" smtClean="0"/>
+              <a:t>nodejs</a:t>
+            </a:r>
+            <a:r>
+              <a:rPr lang="en-US" altLang="zh-CN" dirty="0" smtClean="0"/>
+              <a:t>)</a:t>
+            </a:r>
+          </a:p>
+          <a:p>
+            <a:r>
+              <a:rPr lang="zh-CN" altLang="en-US" dirty="0" smtClean="0"/>
+              <a:t>消息系统</a:t>
+            </a:r>
+            <a:r>
+              <a:rPr lang="en-US" altLang="zh-CN" dirty="0" smtClean="0"/>
+              <a:t>(</a:t>
+            </a:r>
+            <a:r>
+              <a:rPr lang="en-US" altLang="zh-CN" dirty="0" err="1" smtClean="0"/>
+              <a:t>activemq</a:t>
+            </a:r>
+            <a:r>
+              <a:rPr lang="zh-CN" altLang="en-US" dirty="0" smtClean="0"/>
+              <a:t>、</a:t>
+            </a:r>
+            <a:r>
+              <a:rPr lang="en-US" altLang="zh-CN" dirty="0" err="1" smtClean="0"/>
+              <a:t>rabbitmq</a:t>
+            </a:r>
+            <a:r>
+              <a:rPr lang="en-US" altLang="zh-CN" dirty="0" smtClean="0"/>
+              <a:t>)</a:t>
+            </a:r>
+          </a:p>
+          <a:p>
+            <a:r>
+              <a:rPr lang="zh-CN" altLang="en-US" dirty="0" smtClean="0"/>
+              <a:t>良好的监控系统</a:t>
+            </a:r>
+            <a:endParaRPr lang="en-US" altLang="zh-CN" dirty="0" smtClean="0"/>
+          </a:p>
+          <a:p>
+            <a:r>
+              <a:rPr lang="zh-CN" altLang="en-US" dirty="0" smtClean="0"/>
+              <a:t>优秀的运维支持</a:t>
+            </a:r>
+            <a:endParaRPr lang="en-US" altLang="zh-CN" dirty="0" smtClean="0"/>
+          </a:p>
+          <a:p>
+            <a:r>
+              <a:rPr lang="zh-CN" altLang="en-US" dirty="0" smtClean="0"/>
+              <a:t>语言</a:t>
+            </a:r>
+            <a:r>
+              <a:rPr lang="en-US" altLang="zh-CN" dirty="0" smtClean="0"/>
+              <a:t>(</a:t>
+            </a:r>
+            <a:r>
+              <a:rPr lang="en-US" altLang="zh-CN" dirty="0" err="1" smtClean="0"/>
+              <a:t>php</a:t>
+            </a:r>
+            <a:r>
+              <a:rPr lang="zh-CN" altLang="en-US" dirty="0" smtClean="0"/>
+              <a:t>、</a:t>
+            </a:r>
+            <a:r>
+              <a:rPr lang="en-US" altLang="zh-CN" dirty="0" smtClean="0"/>
+              <a:t>java</a:t>
+            </a:r>
+            <a:r>
+              <a:rPr lang="zh-CN" altLang="en-US" dirty="0" smtClean="0"/>
+              <a:t>、</a:t>
+            </a:r>
+            <a:r>
+              <a:rPr lang="en-US" altLang="zh-CN" dirty="0" err="1" smtClean="0"/>
+              <a:t>.net</a:t>
+            </a:r>
+            <a:r>
+              <a:rPr lang="zh-CN" altLang="en-US" dirty="0" smtClean="0"/>
+              <a:t>、</a:t>
+            </a:r>
+            <a:r>
+              <a:rPr lang="en-US" altLang="zh-CN" dirty="0" smtClean="0"/>
+              <a:t>groovy</a:t>
+            </a:r>
+            <a:r>
+              <a:rPr lang="zh-CN" altLang="en-US" dirty="0" smtClean="0"/>
+              <a:t>、</a:t>
+            </a:r>
+            <a:r>
+              <a:rPr lang="en-US" altLang="zh-CN" dirty="0" smtClean="0"/>
+              <a:t>ruby</a:t>
+            </a:r>
+            <a:r>
+              <a:rPr lang="zh-CN" altLang="en-US" dirty="0" smtClean="0"/>
+              <a:t>等</a:t>
+            </a:r>
+            <a:r>
+              <a:rPr lang="en-US" altLang="zh-CN" dirty="0" smtClean="0"/>
+              <a:t>)</a:t>
+            </a:r>
+            <a:r>
+              <a:rPr lang="zh-CN" altLang="en-US" dirty="0" smtClean="0"/>
+              <a:t>只是工具</a:t>
+            </a:r>
+            <a:r>
+              <a:rPr lang="en-US" altLang="zh-CN" dirty="0" smtClean="0"/>
+              <a:t>,</a:t>
+            </a:r>
+            <a:r>
+              <a:rPr lang="zh-CN" altLang="en-US" dirty="0" smtClean="0"/>
+              <a:t>每种语言都有适用场景</a:t>
+            </a:r>
+            <a:endParaRPr lang="en-US" altLang="zh-CN" dirty="0" smtClean="0"/>
+          </a:p>
+          <a:p>
+            <a:endParaRPr lang="en-US" altLang="zh-CN" dirty="0" smtClean="0"/>
+          </a:p>
+        </p:txBody>
+      </p:sp>
+    </p:spTree>
+    <p:extLst>
+      <p:ext uri="{BB962C8B-B14F-4D97-AF65-F5344CB8AC3E}">
+        <p14:creationId xmlns:p14="http://schemas.microsoft.com/office/powerpoint/2010/main" val="3216380885"/>
+      </p:ext>
+    </p:extLst>
+  </p:cSld>
+  <p:clrMapOvr>
+    <a:masterClrMapping/>
+  </p:clrMapOvr>
+  <p:timing>
+    <p:tnLst>
+      <p:par>
+        <p:cTn id="1" dur="indefinite" restart="never" nodeType="tmRoot"/>
+      </p:par>
+    </p:tnLst>
+  </p:timing>
+</p:sld>
+</file>
+
+<file path=ppt/slides/slide23.xml><?xml version="1.0" encoding="utf-8"?>
+<p:sld xmlns:a="http://schemas.openxmlformats.org/drawingml/2006/main" xmlns:r="http://schemas.openxmlformats.org/officeDocument/2006/relationships" xmlns:p="http://schemas.openxmlformats.org/presentationml/2006/main">
+  <p:cSld>
+    <p:spTree>
+      <p:nvGrpSpPr>
+        <p:cNvPr id="1" name=""/>
+        <p:cNvGrpSpPr/>
+        <p:nvPr/>
+      </p:nvGrpSpPr>
+      <p:grpSpPr>
+        <a:xfrm>
+          <a:off x="0" y="0"/>
+          <a:ext cx="0" cy="0"/>
+          <a:chOff x="0" y="0"/>
+          <a:chExt cx="0" cy="0"/>
+        </a:xfrm>
+      </p:grpSpPr>
+      <p:sp>
+        <p:nvSpPr>
+          <p:cNvPr id="4" name="日期占位符 3"/>
+          <p:cNvSpPr>
+            <a:spLocks noGrp="1"/>
+          </p:cNvSpPr>
+          <p:nvPr>
+            <p:ph type="dt" sz="half" idx="10"/>
+          </p:nvPr>
+        </p:nvSpPr>
+        <p:spPr/>
+        <p:txBody>
+          <a:bodyPr/>
+          <a:lstStyle/>
+          <a:p>
+            <a:fld id="{B11D738E-8962-435F-8C43-147B8DD7E819}" type="datetime1">
+              <a:rPr lang="en-US" smtClean="0"/>
+              <a:pPr/>
+              <a:t>7/18/2014</a:t>
+            </a:fld>
+            <a:endParaRPr lang="en-US"/>
+          </a:p>
+        </p:txBody>
+      </p:sp>
+      <p:sp>
+        <p:nvSpPr>
+          <p:cNvPr id="6" name="灯片编号占位符 5"/>
+          <p:cNvSpPr>
+            <a:spLocks noGrp="1"/>
+          </p:cNvSpPr>
+          <p:nvPr>
+            <p:ph type="sldNum" sz="quarter" idx="12"/>
+          </p:nvPr>
+        </p:nvSpPr>
+        <p:spPr/>
+        <p:txBody>
+          <a:bodyPr/>
+          <a:lstStyle/>
+          <a:p>
+            <a:fld id="{BA9B540C-44DA-4F69-89C9-7C84606640D3}" type="slidenum">
+              <a:rPr lang="en-US" smtClean="0"/>
+              <a:pPr/>
+              <a:t>23</a:t>
+            </a:fld>
+            <a:endParaRPr lang="en-US"/>
+          </a:p>
+        </p:txBody>
+      </p:sp>
+      <p:sp>
+        <p:nvSpPr>
+          <p:cNvPr id="7" name="标题 1"/>
+          <p:cNvSpPr txBox="1">
+            <a:spLocks/>
+          </p:cNvSpPr>
+          <p:nvPr/>
+        </p:nvSpPr>
+        <p:spPr>
+          <a:xfrm>
+            <a:off x="251520" y="2348880"/>
+            <a:ext cx="8229600" cy="1024136"/>
+          </a:xfrm>
+          <a:prstGeom prst="rect">
+            <a:avLst/>
+          </a:prstGeom>
+        </p:spPr>
+        <p:txBody>
+          <a:bodyPr vert="horz" lIns="91440" tIns="45720" rIns="91440" bIns="45720" rtlCol="0" anchor="b">
+            <a:noAutofit/>
+          </a:bodyPr>
+          <a:lstStyle>
+            <a:lvl1pPr algn="ctr" defTabSz="914400" rtl="0" eaLnBrk="1" latinLnBrk="0" hangingPunct="1">
+              <a:lnSpc>
+                <a:spcPts val="5800"/>
+              </a:lnSpc>
+              <a:spcBef>
+                <a:spcPct val="0"/>
+              </a:spcBef>
+              <a:buNone/>
+              <a:defRPr sz="5400" kern="1200">
+                <a:solidFill>
+                  <a:schemeClr val="tx2"/>
+                </a:solidFill>
+                <a:effectLst>
+                  <a:outerShdw blurRad="63500" dist="38100" dir="5400000" algn="t" rotWithShape="0">
+                    <a:prstClr val="black">
+                      <a:alpha val="25000"/>
+                    </a:prstClr>
+                  </a:outerShdw>
+                </a:effectLst>
+                <a:latin typeface="+mn-lt"/>
+                <a:ea typeface="+mj-ea"/>
+                <a:cs typeface="+mj-cs"/>
+              </a:defRPr>
+            </a:lvl1pPr>
+          </a:lstStyle>
+          <a:p>
+            <a:r>
+              <a:rPr lang="en-US" altLang="zh-CN" dirty="0" smtClean="0"/>
+              <a:t>Q &amp; A</a:t>
+            </a:r>
+            <a:endParaRPr lang="zh-CN" altLang="en-US" dirty="0"/>
+          </a:p>
+        </p:txBody>
+      </p:sp>
+    </p:spTree>
+    <p:extLst>
+      <p:ext uri="{BB962C8B-B14F-4D97-AF65-F5344CB8AC3E}">
+        <p14:creationId xmlns:p14="http://schemas.microsoft.com/office/powerpoint/2010/main" val="609639103"/>
+      </p:ext>
+    </p:extLst>
+  </p:cSld>
+  <p:clrMapOvr>
+    <a:masterClrMapping/>
+  </p:clrMapOvr>
+  <p:timing>
+    <p:tnLst>
+      <p:par>
+        <p:cTn id="1" dur="indefinite" restart="never" nodeType="tmRoot"/>
+      </p:par>
+    </p:tnLst>
+  </p:timing>
+</p:sld>
+</file>
+
+<file path=ppt/slides/slide24.xml><?xml version="1.0" encoding="utf-8"?>
+<p:sld xmlns:a="http://schemas.openxmlformats.org/drawingml/2006/main" xmlns:r="http://schemas.openxmlformats.org/officeDocument/2006/relationships" xmlns:p="http://schemas.openxmlformats.org/presentationml/2006/main">
+  <p:cSld>
+    <p:spTree>
+      <p:nvGrpSpPr>
+        <p:cNvPr id="1" name=""/>
+        <p:cNvGrpSpPr/>
+        <p:nvPr/>
+      </p:nvGrpSpPr>
+      <p:grpSpPr>
+        <a:xfrm>
+          <a:off x="0" y="0"/>
+          <a:ext cx="0" cy="0"/>
+          <a:chOff x="0" y="0"/>
+          <a:chExt cx="0" cy="0"/>
+        </a:xfrm>
+      </p:grpSpPr>
+      <p:sp>
+        <p:nvSpPr>
+          <p:cNvPr id="4" name="日期占位符 3"/>
+          <p:cNvSpPr>
+            <a:spLocks noGrp="1"/>
+          </p:cNvSpPr>
+          <p:nvPr>
+            <p:ph type="dt" sz="half" idx="10"/>
+          </p:nvPr>
+        </p:nvSpPr>
+        <p:spPr/>
+        <p:txBody>
+          <a:bodyPr/>
+          <a:lstStyle/>
+          <a:p>
+            <a:fld id="{B11D738E-8962-435F-8C43-147B8DD7E819}" type="datetime1">
+              <a:rPr lang="en-US" smtClean="0"/>
+              <a:pPr/>
+              <a:t>8/26/2014</a:t>
+            </a:fld>
+            <a:endParaRPr lang="en-US"/>
+          </a:p>
+        </p:txBody>
+      </p:sp>
+      <p:sp>
+        <p:nvSpPr>
+          <p:cNvPr id="6" name="灯片编号占位符 5"/>
+          <p:cNvSpPr>
+            <a:spLocks noGrp="1"/>
+          </p:cNvSpPr>
+          <p:nvPr>
+            <p:ph type="sldNum" sz="quarter" idx="12"/>
+          </p:nvPr>
+        </p:nvSpPr>
+        <p:spPr/>
+        <p:txBody>
+          <a:bodyPr/>
+          <a:lstStyle/>
+          <a:p>
+            <a:fld id="{BA9B540C-44DA-4F69-89C9-7C84606640D3}" type="slidenum">
+              <a:rPr lang="en-US" smtClean="0"/>
+              <a:pPr/>
+              <a:t>24</a:t>
             </a:fld>
             <a:endParaRPr lang="en-US"/>
           </a:p>
@@ -11286,6 +13218,14 @@
               <a:rPr lang="zh-CN" altLang="zh-CN" dirty="0" smtClean="0"/>
               <a:t>操作</a:t>
             </a:r>
+            <a:r>
+              <a:rPr lang="en-US" altLang="zh-CN" dirty="0" smtClean="0"/>
+              <a:t>,</a:t>
+            </a:r>
+            <a:r>
+              <a:rPr lang="zh-CN" altLang="en-US" dirty="0" smtClean="0"/>
+              <a:t>不支持日期分表</a:t>
+            </a:r>
             <a:endParaRPr lang="en-US" altLang="zh-CN" dirty="0" smtClean="0"/>
           </a:p>
           <a:p>
@@ -11317,11 +13257,19 @@
               <a:rPr lang="zh-CN" altLang="zh-CN" dirty="0" smtClean="0"/>
               <a:t>使用</a:t>
             </a:r>
-            <a:endParaRPr lang="en-US" altLang="zh-CN" dirty="0" smtClean="0"/>
-          </a:p>
-          <a:p>
-            <a:r>
-              <a:rPr lang="en-US" altLang="zh-CN" dirty="0"/>
+            <a:r>
+              <a:rPr lang="en-US" altLang="zh-CN" dirty="0" smtClean="0"/>
+              <a:t>,</a:t>
+            </a:r>
+            <a:r>
+              <a:rPr lang="zh-CN" altLang="en-US" dirty="0"/>
+              <a:t>不支持日期分表</a:t>
+            </a:r>
+            <a:endParaRPr lang="en-US" altLang="zh-CN" dirty="0"/>
+          </a:p>
+          <a:p>
+            <a:r>
+              <a:rPr lang="en-US" altLang="zh-CN" dirty="0" smtClean="0"/>
               <a:t>begin</a:t>
             </a:r>
             <a:r>

--- a/dbroute.pptx
+++ b/dbroute.pptx
@@ -216,7 +216,7 @@
             <a:fld id="{1C322183-02A2-4B29-8FC7-57DEF057D6A5}" type="datetimeFigureOut">
               <a:rPr lang="zh-CN" altLang="en-US" smtClean="0"/>
               <a:pPr/>
-              <a:t>2014/8/26</a:t>
+              <a:t>2014/7/18</a:t>
             </a:fld>
             <a:endParaRPr lang="zh-CN" altLang="en-US"/>
           </a:p>
@@ -947,7 +947,7 @@
             <a:fld id="{216C5678-EE20-4FA5-88E2-6E0BD67A2E26}" type="datetime1">
               <a:rPr lang="en-US" smtClean="0"/>
               <a:pPr/>
-              <a:t>8/26/2014</a:t>
+              <a:t>7/18/2014</a:t>
             </a:fld>
             <a:endParaRPr lang="en-US" dirty="0"/>
           </a:p>
@@ -1118,7 +1118,7 @@
             <a:fld id="{EA051B39-B140-43FE-96DB-472A2B59CE7C}" type="datetime1">
               <a:rPr lang="en-US" smtClean="0"/>
               <a:pPr/>
-              <a:t>8/26/2014</a:t>
+              <a:t>7/18/2014</a:t>
             </a:fld>
             <a:endParaRPr lang="en-US"/>
           </a:p>
@@ -1299,7 +1299,7 @@
             <a:fld id="{DA600BB2-27C5-458B-ABCE-839C88CF47CE}" type="datetime1">
               <a:rPr lang="en-US" smtClean="0"/>
               <a:pPr/>
-              <a:t>8/26/2014</a:t>
+              <a:t>7/18/2014</a:t>
             </a:fld>
             <a:endParaRPr lang="en-US"/>
           </a:p>
@@ -1488,7 +1488,7 @@
             <a:fld id="{B11D738E-8962-435F-8C43-147B8DD7E819}" type="datetime1">
               <a:rPr lang="en-US" smtClean="0"/>
               <a:pPr/>
-              <a:t>8/26/2014</a:t>
+              <a:t>7/18/2014</a:t>
             </a:fld>
             <a:endParaRPr lang="en-US"/>
           </a:p>
@@ -1756,7 +1756,7 @@
             <a:fld id="{09CAEA93-55E7-4DA9-90C2-089A26EEFEC4}" type="datetime1">
               <a:rPr lang="en-US" smtClean="0"/>
               <a:pPr/>
-              <a:t>8/26/2014</a:t>
+              <a:t>7/18/2014</a:t>
             </a:fld>
             <a:endParaRPr lang="en-US"/>
           </a:p>
@@ -2110,7 +2110,7 @@
             <a:fld id="{E34CF3C7-6809-4F39-BD67-A75817BDDE0A}" type="datetime1">
               <a:rPr lang="en-US" smtClean="0"/>
               <a:pPr/>
-              <a:t>8/26/2014</a:t>
+              <a:t>7/18/2014</a:t>
             </a:fld>
             <a:endParaRPr lang="en-US"/>
           </a:p>
@@ -2424,7 +2424,7 @@
             <a:fld id="{F7EAEB24-CE78-465C-A726-91D0868FA48F}" type="datetime1">
               <a:rPr lang="en-US" smtClean="0"/>
               <a:pPr/>
-              <a:t>8/26/2014</a:t>
+              <a:t>7/18/2014</a:t>
             </a:fld>
             <a:endParaRPr lang="en-US"/>
           </a:p>
@@ -2657,7 +2657,7 @@
             <a:fld id="{40BAADF0-1749-4E8B-9691-B44A5F8C0895}" type="datetime1">
               <a:rPr lang="en-US" smtClean="0"/>
               <a:pPr/>
-              <a:t>8/26/2014</a:t>
+              <a:t>7/18/2014</a:t>
             </a:fld>
             <a:endParaRPr lang="en-US"/>
           </a:p>
@@ -2753,7 +2753,7 @@
             <a:fld id="{A8AF628A-A867-4937-BBE5-207DB6F9C51A}" type="datetime1">
               <a:rPr lang="en-US" smtClean="0"/>
               <a:pPr/>
-              <a:t>8/26/2014</a:t>
+              <a:t>7/18/2014</a:t>
             </a:fld>
             <a:endParaRPr lang="en-US"/>
           </a:p>
@@ -3047,7 +3047,7 @@
             <a:fld id="{118BBB94-68E6-4675-A946-F1C5994EDBD7}" type="datetime1">
               <a:rPr lang="en-US" smtClean="0"/>
               <a:pPr/>
-              <a:t>8/26/2014</a:t>
+              <a:t>7/18/2014</a:t>
             </a:fld>
             <a:endParaRPr lang="en-US"/>
           </a:p>
@@ -3322,7 +3322,7 @@
             <a:fld id="{DC3B8377-21E3-4835-B75D-4E2847E2750F}" type="datetime1">
               <a:rPr lang="en-US" smtClean="0"/>
               <a:pPr/>
-              <a:t>8/26/2014</a:t>
+              <a:t>7/18/2014</a:t>
             </a:fld>
             <a:endParaRPr lang="en-US"/>
           </a:p>
@@ -3538,7 +3538,7 @@
             <a:fld id="{B0C4986D-6BE9-4264-908F-02DB36FD8D6C}" type="datetime1">
               <a:rPr lang="en-US" smtClean="0"/>
               <a:pPr/>
-              <a:t>8/26/2014</a:t>
+              <a:t>7/18/2014</a:t>
             </a:fld>
             <a:endParaRPr lang="en-US" dirty="0"/>
           </a:p>
@@ -4128,7 +4128,7 @@
             <a:fld id="{216C5678-EE20-4FA5-88E2-6E0BD67A2E26}" type="datetime1">
               <a:rPr lang="en-US" smtClean="0"/>
               <a:pPr/>
-              <a:t>8/26/2014</a:t>
+              <a:t>7/18/2014</a:t>
             </a:fld>
             <a:endParaRPr lang="en-US" dirty="0"/>
           </a:p>
@@ -4376,27 +4376,7 @@
           <a:p>
             <a:r>
               <a:rPr lang="zh-CN" altLang="en-US" dirty="0" smtClean="0"/>
-              <a:t>分别根据总表数来重新排列，</a:t>
-            </a:r>
-            <a:r>
-              <a:rPr lang="zh-CN" altLang="en-US" dirty="0" smtClean="0"/>
-              <a:t>将</a:t>
-            </a:r>
-            <a:r>
-              <a:rPr lang="zh-CN" altLang="en-US" dirty="0" smtClean="0"/>
-              <a:t>每个库中</a:t>
-            </a:r>
-            <a:r>
-              <a:rPr lang="zh-CN" altLang="en-US" dirty="0" smtClean="0"/>
-              <a:t>相同</a:t>
-            </a:r>
-            <a:r>
-              <a:rPr lang="zh-CN" altLang="en-US" dirty="0" smtClean="0"/>
-              <a:t>余数值放在同一个数组</a:t>
-            </a:r>
-            <a:r>
-              <a:rPr lang="zh-CN" altLang="en-US" dirty="0" smtClean="0"/>
-              <a:t>中</a:t>
+              <a:t>分别根据总表数来重新排列，将每个库中相同余数值放在同一个数组中</a:t>
             </a:r>
             <a:endParaRPr lang="en-US" altLang="zh-CN" dirty="0" smtClean="0"/>
           </a:p>
@@ -4449,11 +4429,7 @@
           <a:p>
             <a:r>
               <a:rPr lang="zh-CN" altLang="en-US" dirty="0" smtClean="0"/>
-              <a:t>将以上三次查询的结果</a:t>
-            </a:r>
-            <a:r>
-              <a:rPr lang="zh-CN" altLang="en-US" dirty="0" smtClean="0"/>
-              <a:t>合并</a:t>
+              <a:t>将以上三次查询的结果合并</a:t>
             </a:r>
             <a:endParaRPr lang="en-US" altLang="zh-CN" dirty="0" smtClean="0"/>
           </a:p>
@@ -4468,11 +4444,7 @@
             </a:r>
             <a:r>
               <a:rPr lang="zh-CN" altLang="en-US" dirty="0" smtClean="0"/>
-              <a:t>条，具体条数可传</a:t>
-            </a:r>
-            <a:r>
-              <a:rPr lang="zh-CN" altLang="en-US" dirty="0" smtClean="0"/>
-              <a:t>参</a:t>
+              <a:t>条，具体条数可传参</a:t>
             </a:r>
             <a:endParaRPr lang="en-US" altLang="zh-CN" dirty="0" smtClean="0"/>
           </a:p>
@@ -4506,7 +4478,7 @@
                 </a:solidFill>
               </a:rPr>
               <a:pPr/>
-              <a:t>8/26/2014</a:t>
+              <a:t>7/18/2014</a:t>
             </a:fld>
             <a:endParaRPr lang="en-US">
               <a:solidFill>
@@ -4943,11 +4915,7 @@
             </a:r>
             <a:r>
               <a:rPr lang="zh-CN" altLang="en-US" dirty="0" smtClean="0"/>
-              <a:t>的数组</a:t>
-            </a:r>
-            <a:r>
-              <a:rPr lang="zh-CN" altLang="en-US" dirty="0" smtClean="0"/>
-              <a:t>值</a:t>
+              <a:t>的数组值</a:t>
             </a:r>
             <a:endParaRPr lang="en-US" altLang="zh-CN" dirty="0" smtClean="0"/>
           </a:p>
@@ -4978,7 +4946,7 @@
                 </a:solidFill>
               </a:rPr>
               <a:pPr/>
-              <a:t>8/26/2014</a:t>
+              <a:t>7/18/2014</a:t>
             </a:fld>
             <a:endParaRPr lang="en-US">
               <a:solidFill>
@@ -5993,7 +5961,7 @@
         <p:spPr>
           <a:xfrm>
             <a:off x="323528" y="980728"/>
-            <a:ext cx="8280920" cy="5616624"/>
+            <a:ext cx="8208912" cy="4752528"/>
           </a:xfrm>
         </p:spPr>
         <p:txBody>
@@ -6004,11 +5972,7 @@
           <a:p>
             <a:r>
               <a:rPr lang="zh-CN" altLang="en-US" dirty="0" smtClean="0"/>
-              <a:t>单例</a:t>
-            </a:r>
-            <a:r>
-              <a:rPr lang="zh-CN" altLang="en-US" dirty="0" smtClean="0"/>
-              <a:t>模式</a:t>
+              <a:t>单例模式</a:t>
             </a:r>
             <a:endParaRPr lang="en-US" altLang="zh-CN" dirty="0" smtClean="0"/>
           </a:p>
@@ -6035,22 +5999,14 @@
             </a:r>
             <a:r>
               <a:rPr lang="zh-CN" altLang="en-US" dirty="0" smtClean="0"/>
-              <a:t>不一样</a:t>
-            </a:r>
-            <a:r>
-              <a:rPr lang="zh-CN" altLang="en-US" dirty="0" smtClean="0"/>
-              <a:t>）</a:t>
+              <a:t>不一样）</a:t>
             </a:r>
             <a:endParaRPr lang="en-US" altLang="zh-CN" dirty="0" smtClean="0"/>
           </a:p>
           <a:p>
             <a:r>
               <a:rPr lang="zh-CN" altLang="en-US" dirty="0" smtClean="0"/>
-              <a:t>事务开启时记录所处事务的数据库</a:t>
-            </a:r>
-            <a:r>
-              <a:rPr lang="zh-CN" altLang="en-US" dirty="0" smtClean="0"/>
-              <a:t>名</a:t>
+              <a:t>事务开启时记录所处事务的数据库名</a:t>
             </a:r>
             <a:endParaRPr lang="en-US" altLang="zh-CN" dirty="0" smtClean="0"/>
           </a:p>
@@ -6073,11 +6029,7 @@
             </a:r>
             <a:r>
               <a:rPr lang="zh-CN" altLang="en-US" dirty="0" smtClean="0"/>
-              <a:t>、更新、插入数据库的操作，每步都会记录所操作的数据库</a:t>
-            </a:r>
-            <a:r>
-              <a:rPr lang="zh-CN" altLang="en-US" dirty="0" smtClean="0"/>
-              <a:t>名</a:t>
+              <a:t>、更新、插入数据库的操作，每步都会记录所操作的数据库名</a:t>
             </a:r>
             <a:endParaRPr lang="en-US" altLang="zh-CN" dirty="0" smtClean="0"/>
           </a:p>
@@ -6118,13 +6070,8 @@
             </a:r>
             <a:r>
               <a:rPr lang="en-US" altLang="zh-CN" dirty="0" smtClean="0"/>
-              <a:t>select …for </a:t>
-            </a:r>
-            <a:r>
-              <a:rPr lang="en-US" altLang="zh-CN" dirty="0" smtClean="0"/>
-              <a:t>update</a:t>
-            </a:r>
-            <a:endParaRPr lang="en-US" altLang="zh-CN" dirty="0" smtClean="0"/>
+              <a:t>select …for update</a:t>
+            </a:r>
           </a:p>
           <a:p>
             <a:r>
@@ -6139,29 +6086,6 @@
               <a:rPr lang="zh-CN" altLang="en-US" dirty="0" smtClean="0"/>
               <a:t>？</a:t>
             </a:r>
-            <a:r>
-              <a:rPr lang="zh-CN" altLang="en-US" dirty="0" smtClean="0">
-                <a:solidFill>
-                  <a:srgbClr val="FF0000"/>
-                </a:solidFill>
-              </a:rPr>
-              <a:t>不包括序列操作的</a:t>
-            </a:r>
-            <a:r>
-              <a:rPr lang="zh-CN" altLang="en-US" dirty="0" smtClean="0">
-                <a:solidFill>
-                  <a:srgbClr val="FF0000"/>
-                </a:solidFill>
-              </a:rPr>
-              <a:t>库</a:t>
-            </a:r>
-            <a:endParaRPr lang="en-US" altLang="zh-CN" dirty="0" smtClean="0">
-              <a:solidFill>
-                <a:srgbClr val="FF0000"/>
-              </a:solidFill>
-            </a:endParaRPr>
-          </a:p>
-          <a:p>
             <a:endParaRPr lang="en-US" altLang="zh-CN" dirty="0" smtClean="0"/>
           </a:p>
         </p:txBody>
@@ -6191,7 +6115,7 @@
                 </a:solidFill>
               </a:rPr>
               <a:pPr/>
-              <a:t>8/26/2014</a:t>
+              <a:t>7/18/2014</a:t>
             </a:fld>
             <a:endParaRPr lang="en-US">
               <a:solidFill>
@@ -6307,6 +6231,44 @@
           </a:p>
         </p:txBody>
       </p:sp>
+      <p:sp>
+        <p:nvSpPr>
+          <p:cNvPr id="2" name="TextBox 1"/>
+          <p:cNvSpPr txBox="1"/>
+          <p:nvPr/>
+        </p:nvSpPr>
+        <p:spPr>
+          <a:xfrm>
+            <a:off x="3635896" y="5219908"/>
+            <a:ext cx="3384376" cy="369332"/>
+          </a:xfrm>
+          <a:prstGeom prst="rect">
+            <a:avLst/>
+          </a:prstGeom>
+          <a:noFill/>
+        </p:spPr>
+        <p:txBody>
+          <a:bodyPr wrap="square" rtlCol="0">
+            <a:spAutoFit/>
+          </a:bodyPr>
+          <a:lstStyle/>
+          <a:p>
+            <a:r>
+              <a:rPr lang="zh-CN" altLang="en-US" dirty="0">
+                <a:solidFill>
+                  <a:srgbClr val="FF0000"/>
+                </a:solidFill>
+              </a:rPr>
+              <a:t>不包括序列操作的库</a:t>
+            </a:r>
+            <a:endParaRPr lang="en-US" altLang="zh-CN" dirty="0">
+              <a:solidFill>
+                <a:srgbClr val="FF0000"/>
+              </a:solidFill>
+            </a:endParaRPr>
+          </a:p>
+        </p:txBody>
+      </p:sp>
     </p:spTree>
     <p:extLst>
       <p:ext uri="{BB962C8B-B14F-4D97-AF65-F5344CB8AC3E}">
@@ -6320,9 +6282,844 @@
   <p:timing>
     <p:tnLst>
       <p:par>
-        <p:cTn id="1" dur="indefinite" restart="never" nodeType="tmRoot"/>
+        <p:cTn id="1" dur="indefinite" restart="never" nodeType="tmRoot">
+          <p:childTnLst>
+            <p:seq concurrent="1" nextAc="seek">
+              <p:cTn id="2" dur="indefinite" nodeType="mainSeq">
+                <p:childTnLst>
+                  <p:par>
+                    <p:cTn id="3" fill="hold">
+                      <p:stCondLst>
+                        <p:cond delay="indefinite"/>
+                      </p:stCondLst>
+                      <p:childTnLst>
+                        <p:par>
+                          <p:cTn id="4" fill="hold">
+                            <p:stCondLst>
+                              <p:cond delay="0"/>
+                            </p:stCondLst>
+                            <p:childTnLst>
+                              <p:par>
+                                <p:cTn id="5" presetID="1" presetClass="entr" presetSubtype="0" fill="hold" nodeType="clickEffect">
+                                  <p:stCondLst>
+                                    <p:cond delay="0"/>
+                                  </p:stCondLst>
+                                  <p:childTnLst>
+                                    <p:set>
+                                      <p:cBhvr>
+                                        <p:cTn id="6" dur="1" fill="hold">
+                                          <p:stCondLst>
+                                            <p:cond delay="0"/>
+                                          </p:stCondLst>
+                                        </p:cTn>
+                                        <p:tgtEl>
+                                          <p:spTgt spid="3">
+                                            <p:txEl>
+                                              <p:pRg st="0" end="0"/>
+                                            </p:txEl>
+                                          </p:spTgt>
+                                        </p:tgtEl>
+                                        <p:attrNameLst>
+                                          <p:attrName>style.visibility</p:attrName>
+                                        </p:attrNameLst>
+                                      </p:cBhvr>
+                                      <p:to>
+                                        <p:strVal val="visible"/>
+                                      </p:to>
+                                    </p:set>
+                                  </p:childTnLst>
+                                </p:cTn>
+                              </p:par>
+                            </p:childTnLst>
+                          </p:cTn>
+                        </p:par>
+                      </p:childTnLst>
+                    </p:cTn>
+                  </p:par>
+                  <p:par>
+                    <p:cTn id="7" fill="hold">
+                      <p:stCondLst>
+                        <p:cond delay="indefinite"/>
+                      </p:stCondLst>
+                      <p:childTnLst>
+                        <p:par>
+                          <p:cTn id="8" fill="hold">
+                            <p:stCondLst>
+                              <p:cond delay="0"/>
+                            </p:stCondLst>
+                            <p:childTnLst>
+                              <p:par>
+                                <p:cTn id="9" presetID="10" presetClass="entr" presetSubtype="0" fill="hold" nodeType="clickEffect">
+                                  <p:stCondLst>
+                                    <p:cond delay="0"/>
+                                  </p:stCondLst>
+                                  <p:childTnLst>
+                                    <p:set>
+                                      <p:cBhvr>
+                                        <p:cTn id="10" dur="1" fill="hold">
+                                          <p:stCondLst>
+                                            <p:cond delay="0"/>
+                                          </p:stCondLst>
+                                        </p:cTn>
+                                        <p:tgtEl>
+                                          <p:spTgt spid="3">
+                                            <p:txEl>
+                                              <p:pRg st="1" end="1"/>
+                                            </p:txEl>
+                                          </p:spTgt>
+                                        </p:tgtEl>
+                                        <p:attrNameLst>
+                                          <p:attrName>style.visibility</p:attrName>
+                                        </p:attrNameLst>
+                                      </p:cBhvr>
+                                      <p:to>
+                                        <p:strVal val="visible"/>
+                                      </p:to>
+                                    </p:set>
+                                    <p:animEffect transition="in" filter="fade">
+                                      <p:cBhvr>
+                                        <p:cTn id="11" dur="500"/>
+                                        <p:tgtEl>
+                                          <p:spTgt spid="3">
+                                            <p:txEl>
+                                              <p:pRg st="1" end="1"/>
+                                            </p:txEl>
+                                          </p:spTgt>
+                                        </p:tgtEl>
+                                      </p:cBhvr>
+                                    </p:animEffect>
+                                  </p:childTnLst>
+                                </p:cTn>
+                              </p:par>
+                            </p:childTnLst>
+                          </p:cTn>
+                        </p:par>
+                      </p:childTnLst>
+                    </p:cTn>
+                  </p:par>
+                  <p:par>
+                    <p:cTn id="12" fill="hold">
+                      <p:stCondLst>
+                        <p:cond delay="indefinite"/>
+                      </p:stCondLst>
+                      <p:childTnLst>
+                        <p:par>
+                          <p:cTn id="13" fill="hold">
+                            <p:stCondLst>
+                              <p:cond delay="0"/>
+                            </p:stCondLst>
+                            <p:childTnLst>
+                              <p:par>
+                                <p:cTn id="14" presetID="2" presetClass="entr" presetSubtype="4" fill="hold" nodeType="clickEffect">
+                                  <p:stCondLst>
+                                    <p:cond delay="0"/>
+                                  </p:stCondLst>
+                                  <p:childTnLst>
+                                    <p:set>
+                                      <p:cBhvr>
+                                        <p:cTn id="15" dur="1" fill="hold">
+                                          <p:stCondLst>
+                                            <p:cond delay="0"/>
+                                          </p:stCondLst>
+                                        </p:cTn>
+                                        <p:tgtEl>
+                                          <p:spTgt spid="3">
+                                            <p:txEl>
+                                              <p:pRg st="2" end="2"/>
+                                            </p:txEl>
+                                          </p:spTgt>
+                                        </p:tgtEl>
+                                        <p:attrNameLst>
+                                          <p:attrName>style.visibility</p:attrName>
+                                        </p:attrNameLst>
+                                      </p:cBhvr>
+                                      <p:to>
+                                        <p:strVal val="visible"/>
+                                      </p:to>
+                                    </p:set>
+                                    <p:anim calcmode="lin" valueType="num">
+                                      <p:cBhvr additive="base">
+                                        <p:cTn id="16" dur="500" fill="hold"/>
+                                        <p:tgtEl>
+                                          <p:spTgt spid="3">
+                                            <p:txEl>
+                                              <p:pRg st="2" end="2"/>
+                                            </p:txEl>
+                                          </p:spTgt>
+                                        </p:tgtEl>
+                                        <p:attrNameLst>
+                                          <p:attrName>ppt_x</p:attrName>
+                                        </p:attrNameLst>
+                                      </p:cBhvr>
+                                      <p:tavLst>
+                                        <p:tav tm="0">
+                                          <p:val>
+                                            <p:strVal val="#ppt_x"/>
+                                          </p:val>
+                                        </p:tav>
+                                        <p:tav tm="100000">
+                                          <p:val>
+                                            <p:strVal val="#ppt_x"/>
+                                          </p:val>
+                                        </p:tav>
+                                      </p:tavLst>
+                                    </p:anim>
+                                    <p:anim calcmode="lin" valueType="num">
+                                      <p:cBhvr additive="base">
+                                        <p:cTn id="17" dur="500" fill="hold"/>
+                                        <p:tgtEl>
+                                          <p:spTgt spid="3">
+                                            <p:txEl>
+                                              <p:pRg st="2" end="2"/>
+                                            </p:txEl>
+                                          </p:spTgt>
+                                        </p:tgtEl>
+                                        <p:attrNameLst>
+                                          <p:attrName>ppt_y</p:attrName>
+                                        </p:attrNameLst>
+                                      </p:cBhvr>
+                                      <p:tavLst>
+                                        <p:tav tm="0">
+                                          <p:val>
+                                            <p:strVal val="1+#ppt_h/2"/>
+                                          </p:val>
+                                        </p:tav>
+                                        <p:tav tm="100000">
+                                          <p:val>
+                                            <p:strVal val="#ppt_y"/>
+                                          </p:val>
+                                        </p:tav>
+                                      </p:tavLst>
+                                    </p:anim>
+                                  </p:childTnLst>
+                                </p:cTn>
+                              </p:par>
+                            </p:childTnLst>
+                          </p:cTn>
+                        </p:par>
+                      </p:childTnLst>
+                    </p:cTn>
+                  </p:par>
+                  <p:par>
+                    <p:cTn id="18" fill="hold">
+                      <p:stCondLst>
+                        <p:cond delay="indefinite"/>
+                      </p:stCondLst>
+                      <p:childTnLst>
+                        <p:par>
+                          <p:cTn id="19" fill="hold">
+                            <p:stCondLst>
+                              <p:cond delay="0"/>
+                            </p:stCondLst>
+                            <p:childTnLst>
+                              <p:par>
+                                <p:cTn id="20" presetID="42" presetClass="entr" presetSubtype="0" fill="hold" nodeType="clickEffect">
+                                  <p:stCondLst>
+                                    <p:cond delay="0"/>
+                                  </p:stCondLst>
+                                  <p:childTnLst>
+                                    <p:set>
+                                      <p:cBhvr>
+                                        <p:cTn id="21" dur="1" fill="hold">
+                                          <p:stCondLst>
+                                            <p:cond delay="0"/>
+                                          </p:stCondLst>
+                                        </p:cTn>
+                                        <p:tgtEl>
+                                          <p:spTgt spid="3">
+                                            <p:txEl>
+                                              <p:pRg st="3" end="3"/>
+                                            </p:txEl>
+                                          </p:spTgt>
+                                        </p:tgtEl>
+                                        <p:attrNameLst>
+                                          <p:attrName>style.visibility</p:attrName>
+                                        </p:attrNameLst>
+                                      </p:cBhvr>
+                                      <p:to>
+                                        <p:strVal val="visible"/>
+                                      </p:to>
+                                    </p:set>
+                                    <p:animEffect transition="in" filter="fade">
+                                      <p:cBhvr>
+                                        <p:cTn id="22" dur="1000"/>
+                                        <p:tgtEl>
+                                          <p:spTgt spid="3">
+                                            <p:txEl>
+                                              <p:pRg st="3" end="3"/>
+                                            </p:txEl>
+                                          </p:spTgt>
+                                        </p:tgtEl>
+                                      </p:cBhvr>
+                                    </p:animEffect>
+                                    <p:anim calcmode="lin" valueType="num">
+                                      <p:cBhvr>
+                                        <p:cTn id="23" dur="1000" fill="hold"/>
+                                        <p:tgtEl>
+                                          <p:spTgt spid="3">
+                                            <p:txEl>
+                                              <p:pRg st="3" end="3"/>
+                                            </p:txEl>
+                                          </p:spTgt>
+                                        </p:tgtEl>
+                                        <p:attrNameLst>
+                                          <p:attrName>ppt_x</p:attrName>
+                                        </p:attrNameLst>
+                                      </p:cBhvr>
+                                      <p:tavLst>
+                                        <p:tav tm="0">
+                                          <p:val>
+                                            <p:strVal val="#ppt_x"/>
+                                          </p:val>
+                                        </p:tav>
+                                        <p:tav tm="100000">
+                                          <p:val>
+                                            <p:strVal val="#ppt_x"/>
+                                          </p:val>
+                                        </p:tav>
+                                      </p:tavLst>
+                                    </p:anim>
+                                    <p:anim calcmode="lin" valueType="num">
+                                      <p:cBhvr>
+                                        <p:cTn id="24" dur="1000" fill="hold"/>
+                                        <p:tgtEl>
+                                          <p:spTgt spid="3">
+                                            <p:txEl>
+                                              <p:pRg st="3" end="3"/>
+                                            </p:txEl>
+                                          </p:spTgt>
+                                        </p:tgtEl>
+                                        <p:attrNameLst>
+                                          <p:attrName>ppt_y</p:attrName>
+                                        </p:attrNameLst>
+                                      </p:cBhvr>
+                                      <p:tavLst>
+                                        <p:tav tm="0">
+                                          <p:val>
+                                            <p:strVal val="#ppt_y+.1"/>
+                                          </p:val>
+                                        </p:tav>
+                                        <p:tav tm="100000">
+                                          <p:val>
+                                            <p:strVal val="#ppt_y"/>
+                                          </p:val>
+                                        </p:tav>
+                                      </p:tavLst>
+                                    </p:anim>
+                                  </p:childTnLst>
+                                </p:cTn>
+                              </p:par>
+                            </p:childTnLst>
+                          </p:cTn>
+                        </p:par>
+                      </p:childTnLst>
+                    </p:cTn>
+                  </p:par>
+                  <p:par>
+                    <p:cTn id="25" fill="hold">
+                      <p:stCondLst>
+                        <p:cond delay="indefinite"/>
+                      </p:stCondLst>
+                      <p:childTnLst>
+                        <p:par>
+                          <p:cTn id="26" fill="hold">
+                            <p:stCondLst>
+                              <p:cond delay="0"/>
+                            </p:stCondLst>
+                            <p:childTnLst>
+                              <p:par>
+                                <p:cTn id="27" presetID="10" presetClass="entr" presetSubtype="0" fill="hold" nodeType="clickEffect">
+                                  <p:stCondLst>
+                                    <p:cond delay="0"/>
+                                  </p:stCondLst>
+                                  <p:childTnLst>
+                                    <p:set>
+                                      <p:cBhvr>
+                                        <p:cTn id="28" dur="1" fill="hold">
+                                          <p:stCondLst>
+                                            <p:cond delay="0"/>
+                                          </p:stCondLst>
+                                        </p:cTn>
+                                        <p:tgtEl>
+                                          <p:spTgt spid="3">
+                                            <p:txEl>
+                                              <p:pRg st="4" end="4"/>
+                                            </p:txEl>
+                                          </p:spTgt>
+                                        </p:tgtEl>
+                                        <p:attrNameLst>
+                                          <p:attrName>style.visibility</p:attrName>
+                                        </p:attrNameLst>
+                                      </p:cBhvr>
+                                      <p:to>
+                                        <p:strVal val="visible"/>
+                                      </p:to>
+                                    </p:set>
+                                    <p:animEffect transition="in" filter="fade">
+                                      <p:cBhvr>
+                                        <p:cTn id="29" dur="500"/>
+                                        <p:tgtEl>
+                                          <p:spTgt spid="3">
+                                            <p:txEl>
+                                              <p:pRg st="4" end="4"/>
+                                            </p:txEl>
+                                          </p:spTgt>
+                                        </p:tgtEl>
+                                      </p:cBhvr>
+                                    </p:animEffect>
+                                  </p:childTnLst>
+                                </p:cTn>
+                              </p:par>
+                            </p:childTnLst>
+                          </p:cTn>
+                        </p:par>
+                      </p:childTnLst>
+                    </p:cTn>
+                  </p:par>
+                  <p:par>
+                    <p:cTn id="30" fill="hold">
+                      <p:stCondLst>
+                        <p:cond delay="indefinite"/>
+                      </p:stCondLst>
+                      <p:childTnLst>
+                        <p:par>
+                          <p:cTn id="31" fill="hold">
+                            <p:stCondLst>
+                              <p:cond delay="0"/>
+                            </p:stCondLst>
+                            <p:childTnLst>
+                              <p:par>
+                                <p:cTn id="32" presetID="2" presetClass="entr" presetSubtype="4" fill="hold" nodeType="clickEffect">
+                                  <p:stCondLst>
+                                    <p:cond delay="0"/>
+                                  </p:stCondLst>
+                                  <p:childTnLst>
+                                    <p:set>
+                                      <p:cBhvr>
+                                        <p:cTn id="33" dur="1" fill="hold">
+                                          <p:stCondLst>
+                                            <p:cond delay="0"/>
+                                          </p:stCondLst>
+                                        </p:cTn>
+                                        <p:tgtEl>
+                                          <p:spTgt spid="3">
+                                            <p:txEl>
+                                              <p:pRg st="5" end="5"/>
+                                            </p:txEl>
+                                          </p:spTgt>
+                                        </p:tgtEl>
+                                        <p:attrNameLst>
+                                          <p:attrName>style.visibility</p:attrName>
+                                        </p:attrNameLst>
+                                      </p:cBhvr>
+                                      <p:to>
+                                        <p:strVal val="visible"/>
+                                      </p:to>
+                                    </p:set>
+                                    <p:anim calcmode="lin" valueType="num">
+                                      <p:cBhvr additive="base">
+                                        <p:cTn id="34" dur="500" fill="hold"/>
+                                        <p:tgtEl>
+                                          <p:spTgt spid="3">
+                                            <p:txEl>
+                                              <p:pRg st="5" end="5"/>
+                                            </p:txEl>
+                                          </p:spTgt>
+                                        </p:tgtEl>
+                                        <p:attrNameLst>
+                                          <p:attrName>ppt_x</p:attrName>
+                                        </p:attrNameLst>
+                                      </p:cBhvr>
+                                      <p:tavLst>
+                                        <p:tav tm="0">
+                                          <p:val>
+                                            <p:strVal val="#ppt_x"/>
+                                          </p:val>
+                                        </p:tav>
+                                        <p:tav tm="100000">
+                                          <p:val>
+                                            <p:strVal val="#ppt_x"/>
+                                          </p:val>
+                                        </p:tav>
+                                      </p:tavLst>
+                                    </p:anim>
+                                    <p:anim calcmode="lin" valueType="num">
+                                      <p:cBhvr additive="base">
+                                        <p:cTn id="35" dur="500" fill="hold"/>
+                                        <p:tgtEl>
+                                          <p:spTgt spid="3">
+                                            <p:txEl>
+                                              <p:pRg st="5" end="5"/>
+                                            </p:txEl>
+                                          </p:spTgt>
+                                        </p:tgtEl>
+                                        <p:attrNameLst>
+                                          <p:attrName>ppt_y</p:attrName>
+                                        </p:attrNameLst>
+                                      </p:cBhvr>
+                                      <p:tavLst>
+                                        <p:tav tm="0">
+                                          <p:val>
+                                            <p:strVal val="1+#ppt_h/2"/>
+                                          </p:val>
+                                        </p:tav>
+                                        <p:tav tm="100000">
+                                          <p:val>
+                                            <p:strVal val="#ppt_y"/>
+                                          </p:val>
+                                        </p:tav>
+                                      </p:tavLst>
+                                    </p:anim>
+                                  </p:childTnLst>
+                                </p:cTn>
+                              </p:par>
+                            </p:childTnLst>
+                          </p:cTn>
+                        </p:par>
+                      </p:childTnLst>
+                    </p:cTn>
+                  </p:par>
+                  <p:par>
+                    <p:cTn id="36" fill="hold">
+                      <p:stCondLst>
+                        <p:cond delay="indefinite"/>
+                      </p:stCondLst>
+                      <p:childTnLst>
+                        <p:par>
+                          <p:cTn id="37" fill="hold">
+                            <p:stCondLst>
+                              <p:cond delay="0"/>
+                            </p:stCondLst>
+                            <p:childTnLst>
+                              <p:par>
+                                <p:cTn id="38" presetID="2" presetClass="entr" presetSubtype="4" fill="hold" nodeType="clickEffect">
+                                  <p:stCondLst>
+                                    <p:cond delay="0"/>
+                                  </p:stCondLst>
+                                  <p:childTnLst>
+                                    <p:set>
+                                      <p:cBhvr>
+                                        <p:cTn id="39" dur="1" fill="hold">
+                                          <p:stCondLst>
+                                            <p:cond delay="0"/>
+                                          </p:stCondLst>
+                                        </p:cTn>
+                                        <p:tgtEl>
+                                          <p:spTgt spid="3">
+                                            <p:txEl>
+                                              <p:pRg st="6" end="6"/>
+                                            </p:txEl>
+                                          </p:spTgt>
+                                        </p:tgtEl>
+                                        <p:attrNameLst>
+                                          <p:attrName>style.visibility</p:attrName>
+                                        </p:attrNameLst>
+                                      </p:cBhvr>
+                                      <p:to>
+                                        <p:strVal val="visible"/>
+                                      </p:to>
+                                    </p:set>
+                                    <p:anim calcmode="lin" valueType="num">
+                                      <p:cBhvr additive="base">
+                                        <p:cTn id="40" dur="500" fill="hold"/>
+                                        <p:tgtEl>
+                                          <p:spTgt spid="3">
+                                            <p:txEl>
+                                              <p:pRg st="6" end="6"/>
+                                            </p:txEl>
+                                          </p:spTgt>
+                                        </p:tgtEl>
+                                        <p:attrNameLst>
+                                          <p:attrName>ppt_x</p:attrName>
+                                        </p:attrNameLst>
+                                      </p:cBhvr>
+                                      <p:tavLst>
+                                        <p:tav tm="0">
+                                          <p:val>
+                                            <p:strVal val="#ppt_x"/>
+                                          </p:val>
+                                        </p:tav>
+                                        <p:tav tm="100000">
+                                          <p:val>
+                                            <p:strVal val="#ppt_x"/>
+                                          </p:val>
+                                        </p:tav>
+                                      </p:tavLst>
+                                    </p:anim>
+                                    <p:anim calcmode="lin" valueType="num">
+                                      <p:cBhvr additive="base">
+                                        <p:cTn id="41" dur="500" fill="hold"/>
+                                        <p:tgtEl>
+                                          <p:spTgt spid="3">
+                                            <p:txEl>
+                                              <p:pRg st="6" end="6"/>
+                                            </p:txEl>
+                                          </p:spTgt>
+                                        </p:tgtEl>
+                                        <p:attrNameLst>
+                                          <p:attrName>ppt_y</p:attrName>
+                                        </p:attrNameLst>
+                                      </p:cBhvr>
+                                      <p:tavLst>
+                                        <p:tav tm="0">
+                                          <p:val>
+                                            <p:strVal val="1+#ppt_h/2"/>
+                                          </p:val>
+                                        </p:tav>
+                                        <p:tav tm="100000">
+                                          <p:val>
+                                            <p:strVal val="#ppt_y"/>
+                                          </p:val>
+                                        </p:tav>
+                                      </p:tavLst>
+                                    </p:anim>
+                                  </p:childTnLst>
+                                </p:cTn>
+                              </p:par>
+                            </p:childTnLst>
+                          </p:cTn>
+                        </p:par>
+                      </p:childTnLst>
+                    </p:cTn>
+                  </p:par>
+                  <p:par>
+                    <p:cTn id="42" fill="hold">
+                      <p:stCondLst>
+                        <p:cond delay="indefinite"/>
+                      </p:stCondLst>
+                      <p:childTnLst>
+                        <p:par>
+                          <p:cTn id="43" fill="hold">
+                            <p:stCondLst>
+                              <p:cond delay="0"/>
+                            </p:stCondLst>
+                            <p:childTnLst>
+                              <p:par>
+                                <p:cTn id="44" presetID="42" presetClass="entr" presetSubtype="0" fill="hold" nodeType="clickEffect">
+                                  <p:stCondLst>
+                                    <p:cond delay="0"/>
+                                  </p:stCondLst>
+                                  <p:childTnLst>
+                                    <p:set>
+                                      <p:cBhvr>
+                                        <p:cTn id="45" dur="1" fill="hold">
+                                          <p:stCondLst>
+                                            <p:cond delay="0"/>
+                                          </p:stCondLst>
+                                        </p:cTn>
+                                        <p:tgtEl>
+                                          <p:spTgt spid="3">
+                                            <p:txEl>
+                                              <p:pRg st="7" end="7"/>
+                                            </p:txEl>
+                                          </p:spTgt>
+                                        </p:tgtEl>
+                                        <p:attrNameLst>
+                                          <p:attrName>style.visibility</p:attrName>
+                                        </p:attrNameLst>
+                                      </p:cBhvr>
+                                      <p:to>
+                                        <p:strVal val="visible"/>
+                                      </p:to>
+                                    </p:set>
+                                    <p:animEffect transition="in" filter="fade">
+                                      <p:cBhvr>
+                                        <p:cTn id="46" dur="1000"/>
+                                        <p:tgtEl>
+                                          <p:spTgt spid="3">
+                                            <p:txEl>
+                                              <p:pRg st="7" end="7"/>
+                                            </p:txEl>
+                                          </p:spTgt>
+                                        </p:tgtEl>
+                                      </p:cBhvr>
+                                    </p:animEffect>
+                                    <p:anim calcmode="lin" valueType="num">
+                                      <p:cBhvr>
+                                        <p:cTn id="47" dur="1000" fill="hold"/>
+                                        <p:tgtEl>
+                                          <p:spTgt spid="3">
+                                            <p:txEl>
+                                              <p:pRg st="7" end="7"/>
+                                            </p:txEl>
+                                          </p:spTgt>
+                                        </p:tgtEl>
+                                        <p:attrNameLst>
+                                          <p:attrName>ppt_x</p:attrName>
+                                        </p:attrNameLst>
+                                      </p:cBhvr>
+                                      <p:tavLst>
+                                        <p:tav tm="0">
+                                          <p:val>
+                                            <p:strVal val="#ppt_x"/>
+                                          </p:val>
+                                        </p:tav>
+                                        <p:tav tm="100000">
+                                          <p:val>
+                                            <p:strVal val="#ppt_x"/>
+                                          </p:val>
+                                        </p:tav>
+                                      </p:tavLst>
+                                    </p:anim>
+                                    <p:anim calcmode="lin" valueType="num">
+                                      <p:cBhvr>
+                                        <p:cTn id="48" dur="1000" fill="hold"/>
+                                        <p:tgtEl>
+                                          <p:spTgt spid="3">
+                                            <p:txEl>
+                                              <p:pRg st="7" end="7"/>
+                                            </p:txEl>
+                                          </p:spTgt>
+                                        </p:tgtEl>
+                                        <p:attrNameLst>
+                                          <p:attrName>ppt_y</p:attrName>
+                                        </p:attrNameLst>
+                                      </p:cBhvr>
+                                      <p:tavLst>
+                                        <p:tav tm="0">
+                                          <p:val>
+                                            <p:strVal val="#ppt_y+.1"/>
+                                          </p:val>
+                                        </p:tav>
+                                        <p:tav tm="100000">
+                                          <p:val>
+                                            <p:strVal val="#ppt_y"/>
+                                          </p:val>
+                                        </p:tav>
+                                      </p:tavLst>
+                                    </p:anim>
+                                  </p:childTnLst>
+                                </p:cTn>
+                              </p:par>
+                            </p:childTnLst>
+                          </p:cTn>
+                        </p:par>
+                      </p:childTnLst>
+                    </p:cTn>
+                  </p:par>
+                  <p:par>
+                    <p:cTn id="49" fill="hold">
+                      <p:stCondLst>
+                        <p:cond delay="indefinite"/>
+                      </p:stCondLst>
+                      <p:childTnLst>
+                        <p:par>
+                          <p:cTn id="50" fill="hold">
+                            <p:stCondLst>
+                              <p:cond delay="0"/>
+                            </p:stCondLst>
+                            <p:childTnLst>
+                              <p:par>
+                                <p:cTn id="51" presetID="42" presetClass="entr" presetSubtype="0" fill="hold" grpId="0" nodeType="clickEffect">
+                                  <p:stCondLst>
+                                    <p:cond delay="0"/>
+                                  </p:stCondLst>
+                                  <p:childTnLst>
+                                    <p:set>
+                                      <p:cBhvr>
+                                        <p:cTn id="52" dur="1" fill="hold">
+                                          <p:stCondLst>
+                                            <p:cond delay="0"/>
+                                          </p:stCondLst>
+                                        </p:cTn>
+                                        <p:tgtEl>
+                                          <p:spTgt spid="2"/>
+                                        </p:tgtEl>
+                                        <p:attrNameLst>
+                                          <p:attrName>style.visibility</p:attrName>
+                                        </p:attrNameLst>
+                                      </p:cBhvr>
+                                      <p:to>
+                                        <p:strVal val="visible"/>
+                                      </p:to>
+                                    </p:set>
+                                    <p:animEffect transition="in" filter="fade">
+                                      <p:cBhvr>
+                                        <p:cTn id="53" dur="1000"/>
+                                        <p:tgtEl>
+                                          <p:spTgt spid="2"/>
+                                        </p:tgtEl>
+                                      </p:cBhvr>
+                                    </p:animEffect>
+                                    <p:anim calcmode="lin" valueType="num">
+                                      <p:cBhvr>
+                                        <p:cTn id="54" dur="1000" fill="hold"/>
+                                        <p:tgtEl>
+                                          <p:spTgt spid="2"/>
+                                        </p:tgtEl>
+                                        <p:attrNameLst>
+                                          <p:attrName>ppt_x</p:attrName>
+                                        </p:attrNameLst>
+                                      </p:cBhvr>
+                                      <p:tavLst>
+                                        <p:tav tm="0">
+                                          <p:val>
+                                            <p:strVal val="#ppt_x"/>
+                                          </p:val>
+                                        </p:tav>
+                                        <p:tav tm="100000">
+                                          <p:val>
+                                            <p:strVal val="#ppt_x"/>
+                                          </p:val>
+                                        </p:tav>
+                                      </p:tavLst>
+                                    </p:anim>
+                                    <p:anim calcmode="lin" valueType="num">
+                                      <p:cBhvr>
+                                        <p:cTn id="55" dur="1000" fill="hold"/>
+                                        <p:tgtEl>
+                                          <p:spTgt spid="2"/>
+                                        </p:tgtEl>
+                                        <p:attrNameLst>
+                                          <p:attrName>ppt_y</p:attrName>
+                                        </p:attrNameLst>
+                                      </p:cBhvr>
+                                      <p:tavLst>
+                                        <p:tav tm="0">
+                                          <p:val>
+                                            <p:strVal val="#ppt_y+.1"/>
+                                          </p:val>
+                                        </p:tav>
+                                        <p:tav tm="100000">
+                                          <p:val>
+                                            <p:strVal val="#ppt_y"/>
+                                          </p:val>
+                                        </p:tav>
+                                      </p:tavLst>
+                                    </p:anim>
+                                  </p:childTnLst>
+                                </p:cTn>
+                              </p:par>
+                            </p:childTnLst>
+                          </p:cTn>
+                        </p:par>
+                      </p:childTnLst>
+                    </p:cTn>
+                  </p:par>
+                </p:childTnLst>
+              </p:cTn>
+              <p:prevCondLst>
+                <p:cond evt="onPrev" delay="0">
+                  <p:tgtEl>
+                    <p:sldTgt/>
+                  </p:tgtEl>
+                </p:cond>
+              </p:prevCondLst>
+              <p:nextCondLst>
+                <p:cond evt="onNext" delay="0">
+                  <p:tgtEl>
+                    <p:sldTgt/>
+                  </p:tgtEl>
+                </p:cond>
+              </p:nextCondLst>
+            </p:seq>
+          </p:childTnLst>
+        </p:cTn>
       </p:par>
     </p:tnLst>
+    <p:bldLst>
+      <p:bldP spid="2" grpId="0"/>
+    </p:bldLst>
   </p:timing>
 </p:sld>
 </file>
@@ -6368,55 +7165,35 @@
           <a:p>
             <a:r>
               <a:rPr lang="zh-CN" altLang="en-US" dirty="0" smtClean="0"/>
-              <a:t>策略</a:t>
-            </a:r>
-            <a:r>
-              <a:rPr lang="zh-CN" altLang="en-US" dirty="0" smtClean="0"/>
-              <a:t>模式</a:t>
+              <a:t>策略模式</a:t>
             </a:r>
             <a:endParaRPr lang="en-US" altLang="zh-CN" dirty="0" smtClean="0"/>
           </a:p>
           <a:p>
             <a:r>
               <a:rPr lang="zh-CN" altLang="en-US" dirty="0" smtClean="0"/>
-              <a:t>统一数据操作</a:t>
-            </a:r>
-            <a:r>
-              <a:rPr lang="zh-CN" altLang="en-US" dirty="0" smtClean="0"/>
-              <a:t>接口</a:t>
+              <a:t>统一数据操作接口</a:t>
             </a:r>
             <a:endParaRPr lang="en-US" altLang="zh-CN" dirty="0"/>
           </a:p>
           <a:p>
             <a:r>
               <a:rPr lang="zh-CN" altLang="en-US" dirty="0" smtClean="0"/>
-              <a:t>两个操作类都实现公共</a:t>
-            </a:r>
-            <a:r>
-              <a:rPr lang="zh-CN" altLang="en-US" dirty="0" smtClean="0"/>
-              <a:t>接口</a:t>
+              <a:t>两个操作类都实现公共接口</a:t>
             </a:r>
             <a:endParaRPr lang="en-US" altLang="zh-CN" dirty="0" smtClean="0"/>
           </a:p>
           <a:p>
             <a:r>
               <a:rPr lang="zh-CN" altLang="en-US" dirty="0" smtClean="0"/>
-              <a:t>相同方法相同返回</a:t>
-            </a:r>
-            <a:r>
-              <a:rPr lang="zh-CN" altLang="en-US" dirty="0" smtClean="0"/>
-              <a:t>结果</a:t>
+              <a:t>相同方法相同返回结果</a:t>
             </a:r>
             <a:endParaRPr lang="en-US" altLang="zh-CN" dirty="0" smtClean="0"/>
           </a:p>
           <a:p>
             <a:r>
               <a:rPr lang="zh-CN" altLang="en-US" dirty="0" smtClean="0"/>
-              <a:t>定义公共常量切换</a:t>
-            </a:r>
-            <a:r>
-              <a:rPr lang="zh-CN" altLang="en-US" dirty="0" smtClean="0"/>
-              <a:t>方式</a:t>
+              <a:t>定义公共常量切换方式</a:t>
             </a:r>
             <a:endParaRPr lang="en-US" altLang="zh-CN" dirty="0" smtClean="0"/>
           </a:p>
@@ -6450,7 +7227,7 @@
                 </a:solidFill>
               </a:rPr>
               <a:pPr/>
-              <a:t>8/26/2014</a:t>
+              <a:t>7/18/2014</a:t>
             </a:fld>
             <a:endParaRPr lang="en-US">
               <a:solidFill>
@@ -6590,6 +7367,60 @@
           </a:p>
         </p:txBody>
       </p:sp>
+      <p:pic>
+        <p:nvPicPr>
+          <p:cNvPr id="1026" name="Picture 2"/>
+          <p:cNvPicPr>
+            <a:picLocks noChangeAspect="1" noChangeArrowheads="1"/>
+          </p:cNvPicPr>
+          <p:nvPr/>
+        </p:nvPicPr>
+        <p:blipFill>
+          <a:blip r:embed="rId2">
+            <a:extLst>
+              <a:ext uri="{28A0092B-C50C-407E-A947-70E740481C1C}">
+                <a14:useLocalDpi xmlns:a14="http://schemas.microsoft.com/office/drawing/2010/main" val="0"/>
+              </a:ext>
+            </a:extLst>
+          </a:blip>
+          <a:srcRect/>
+          <a:stretch>
+            <a:fillRect/>
+          </a:stretch>
+        </p:blipFill>
+        <p:spPr bwMode="auto">
+          <a:xfrm>
+            <a:off x="827584" y="3338126"/>
+            <a:ext cx="4226446" cy="3165936"/>
+          </a:xfrm>
+          <a:prstGeom prst="rect">
+            <a:avLst/>
+          </a:prstGeom>
+          <a:noFill/>
+          <a:ln>
+            <a:noFill/>
+          </a:ln>
+          <a:extLst>
+            <a:ext uri="{909E8E84-426E-40DD-AFC4-6F175D3DCCD1}">
+              <a14:hiddenFill xmlns:a14="http://schemas.microsoft.com/office/drawing/2010/main">
+                <a:solidFill>
+                  <a:schemeClr val="accent1"/>
+                </a:solidFill>
+              </a14:hiddenFill>
+            </a:ext>
+            <a:ext uri="{91240B29-F687-4F45-9708-019B960494DF}">
+              <a14:hiddenLine xmlns:a14="http://schemas.microsoft.com/office/drawing/2010/main" w="9525">
+                <a:solidFill>
+                  <a:schemeClr val="tx1"/>
+                </a:solidFill>
+                <a:miter lim="800000"/>
+                <a:headEnd/>
+                <a:tailEnd/>
+              </a14:hiddenLine>
+            </a:ext>
+          </a:extLst>
+        </p:spPr>
+      </p:pic>
     </p:spTree>
     <p:extLst>
       <p:ext uri="{BB962C8B-B14F-4D97-AF65-F5344CB8AC3E}">
@@ -6651,11 +7482,7 @@
           <a:p>
             <a:r>
               <a:rPr lang="zh-CN" altLang="en-US" dirty="0" smtClean="0"/>
-              <a:t>单例</a:t>
-            </a:r>
-            <a:r>
-              <a:rPr lang="zh-CN" altLang="en-US" dirty="0" smtClean="0"/>
-              <a:t>模式</a:t>
+              <a:t>单例模式</a:t>
             </a:r>
             <a:endParaRPr lang="en-US" altLang="zh-CN" dirty="0" smtClean="0"/>
           </a:p>
@@ -6670,22 +7497,14 @@
             </a:r>
             <a:r>
               <a:rPr lang="zh-CN" altLang="en-US" dirty="0" smtClean="0"/>
-              <a:t>的</a:t>
-            </a:r>
-            <a:r>
-              <a:rPr lang="zh-CN" altLang="en-US" dirty="0" smtClean="0"/>
-              <a:t>连接</a:t>
+              <a:t>的连接</a:t>
             </a:r>
             <a:endParaRPr lang="en-US" altLang="zh-CN" dirty="0" smtClean="0"/>
           </a:p>
           <a:p>
             <a:r>
               <a:rPr lang="zh-CN" altLang="en-US" dirty="0" smtClean="0"/>
-              <a:t>所有数据库连接都为短</a:t>
-            </a:r>
-            <a:r>
-              <a:rPr lang="zh-CN" altLang="en-US" dirty="0" smtClean="0"/>
-              <a:t>连接</a:t>
+              <a:t>所有数据库连接都为短连接</a:t>
             </a:r>
             <a:endParaRPr lang="en-US" altLang="zh-CN" dirty="0" smtClean="0"/>
           </a:p>
@@ -6716,7 +7535,7 @@
                 </a:solidFill>
               </a:rPr>
               <a:pPr/>
-              <a:t>8/26/2014</a:t>
+              <a:t>7/18/2014</a:t>
             </a:fld>
             <a:endParaRPr lang="en-US">
               <a:solidFill>
@@ -7247,11 +8066,7 @@
             </a:r>
             <a:r>
               <a:rPr lang="zh-CN" altLang="en-US" dirty="0" smtClean="0"/>
-              <a:t>，至少迁移一半</a:t>
-            </a:r>
-            <a:r>
-              <a:rPr lang="zh-CN" altLang="en-US" dirty="0" smtClean="0"/>
-              <a:t>数据</a:t>
+              <a:t>，至少迁移一半数据</a:t>
             </a:r>
             <a:endParaRPr lang="en-US" altLang="zh-CN" dirty="0" smtClean="0"/>
           </a:p>
@@ -7297,22 +8112,14 @@
             </a:r>
             <a:r>
               <a:rPr lang="zh-CN" altLang="en-US" dirty="0" smtClean="0"/>
-              <a:t>迁移</a:t>
-            </a:r>
-            <a:r>
-              <a:rPr lang="zh-CN" altLang="en-US" dirty="0" smtClean="0"/>
-              <a:t>复杂</a:t>
+              <a:t>迁移复杂</a:t>
             </a:r>
             <a:endParaRPr lang="en-US" altLang="zh-CN" dirty="0" smtClean="0"/>
           </a:p>
           <a:p>
             <a:r>
               <a:rPr lang="zh-CN" altLang="en-US" dirty="0" smtClean="0"/>
-              <a:t>数据迁移难以统一，各业务线自己</a:t>
-            </a:r>
-            <a:r>
-              <a:rPr lang="zh-CN" altLang="en-US" dirty="0" smtClean="0"/>
-              <a:t>实现</a:t>
+              <a:t>数据迁移难以统一，各业务线自己实现</a:t>
             </a:r>
             <a:endParaRPr lang="en-US" altLang="zh-CN" dirty="0" smtClean="0"/>
           </a:p>
@@ -7323,13 +8130,8 @@
             </a:r>
             <a:r>
               <a:rPr lang="en-US" altLang="zh-CN" dirty="0" smtClean="0"/>
-              <a:t>mod </a:t>
-            </a:r>
-            <a:r>
-              <a:rPr lang="en-US" altLang="zh-CN" dirty="0" smtClean="0"/>
-              <a:t>hash</a:t>
-            </a:r>
-            <a:endParaRPr lang="en-US" altLang="zh-CN" dirty="0" smtClean="0"/>
+              <a:t>mod hash</a:t>
+            </a:r>
           </a:p>
           <a:p>
             <a:r>
@@ -7360,19 +8162,7 @@
           <a:p>
             <a:r>
               <a:rPr lang="zh-CN" altLang="en-US" dirty="0" smtClean="0"/>
-              <a:t>实现</a:t>
-            </a:r>
-            <a:r>
-              <a:rPr lang="zh-CN" altLang="en-US" dirty="0" smtClean="0"/>
-              <a:t>方式</a:t>
-            </a:r>
-            <a:r>
-              <a:rPr lang="zh-CN" altLang="en-US" dirty="0" smtClean="0"/>
-              <a:t>（逻辑列</a:t>
-            </a:r>
-            <a:r>
-              <a:rPr lang="zh-CN" altLang="en-US" dirty="0" smtClean="0"/>
-              <a:t>值在</a:t>
+              <a:t>实现方式（逻辑列值在</a:t>
             </a:r>
             <a:r>
               <a:rPr lang="en-US" altLang="zh-CN" dirty="0" smtClean="0"/>
@@ -7423,15 +8213,7 @@
             </a:r>
             <a:r>
               <a:rPr lang="zh-CN" altLang="en-US" dirty="0" smtClean="0"/>
-              <a:t>中已实现</a:t>
-            </a:r>
-            <a:r>
-              <a:rPr lang="zh-CN" altLang="en-US" dirty="0" smtClean="0"/>
-              <a:t>一库一</a:t>
-            </a:r>
-            <a:r>
-              <a:rPr lang="zh-CN" altLang="en-US" dirty="0" smtClean="0"/>
-              <a:t>表功</a:t>
+              <a:t>中已实现一库一表功</a:t>
             </a:r>
             <a:r>
               <a:rPr lang="zh-CN" altLang="en-US" dirty="0"/>
@@ -7489,7 +8271,7 @@
                 </a:solidFill>
               </a:rPr>
               <a:pPr/>
-              <a:t>8/26/2014</a:t>
+              <a:t>7/18/2014</a:t>
             </a:fld>
             <a:endParaRPr lang="en-US">
               <a:solidFill>
@@ -7610,7 +8392,255 @@
   <p:timing>
     <p:tnLst>
       <p:par>
-        <p:cTn id="1" dur="indefinite" restart="never" nodeType="tmRoot"/>
+        <p:cTn id="1" dur="indefinite" restart="never" nodeType="tmRoot">
+          <p:childTnLst>
+            <p:seq concurrent="1" nextAc="seek">
+              <p:cTn id="2" dur="indefinite" nodeType="mainSeq">
+                <p:childTnLst>
+                  <p:par>
+                    <p:cTn id="3" fill="hold">
+                      <p:stCondLst>
+                        <p:cond delay="indefinite"/>
+                      </p:stCondLst>
+                      <p:childTnLst>
+                        <p:par>
+                          <p:cTn id="4" fill="hold">
+                            <p:stCondLst>
+                              <p:cond delay="0"/>
+                            </p:stCondLst>
+                            <p:childTnLst>
+                              <p:par>
+                                <p:cTn id="5" presetID="2" presetClass="entr" presetSubtype="4" fill="hold" nodeType="clickEffect">
+                                  <p:stCondLst>
+                                    <p:cond delay="0"/>
+                                  </p:stCondLst>
+                                  <p:childTnLst>
+                                    <p:set>
+                                      <p:cBhvr>
+                                        <p:cTn id="6" dur="1" fill="hold">
+                                          <p:stCondLst>
+                                            <p:cond delay="0"/>
+                                          </p:stCondLst>
+                                        </p:cTn>
+                                        <p:tgtEl>
+                                          <p:spTgt spid="3">
+                                            <p:txEl>
+                                              <p:pRg st="6" end="6"/>
+                                            </p:txEl>
+                                          </p:spTgt>
+                                        </p:tgtEl>
+                                        <p:attrNameLst>
+                                          <p:attrName>style.visibility</p:attrName>
+                                        </p:attrNameLst>
+                                      </p:cBhvr>
+                                      <p:to>
+                                        <p:strVal val="visible"/>
+                                      </p:to>
+                                    </p:set>
+                                    <p:anim calcmode="lin" valueType="num">
+                                      <p:cBhvr additive="base">
+                                        <p:cTn id="7" dur="500" fill="hold"/>
+                                        <p:tgtEl>
+                                          <p:spTgt spid="3">
+                                            <p:txEl>
+                                              <p:pRg st="6" end="6"/>
+                                            </p:txEl>
+                                          </p:spTgt>
+                                        </p:tgtEl>
+                                        <p:attrNameLst>
+                                          <p:attrName>ppt_x</p:attrName>
+                                        </p:attrNameLst>
+                                      </p:cBhvr>
+                                      <p:tavLst>
+                                        <p:tav tm="0">
+                                          <p:val>
+                                            <p:strVal val="#ppt_x"/>
+                                          </p:val>
+                                        </p:tav>
+                                        <p:tav tm="100000">
+                                          <p:val>
+                                            <p:strVal val="#ppt_x"/>
+                                          </p:val>
+                                        </p:tav>
+                                      </p:tavLst>
+                                    </p:anim>
+                                    <p:anim calcmode="lin" valueType="num">
+                                      <p:cBhvr additive="base">
+                                        <p:cTn id="8" dur="500" fill="hold"/>
+                                        <p:tgtEl>
+                                          <p:spTgt spid="3">
+                                            <p:txEl>
+                                              <p:pRg st="6" end="6"/>
+                                            </p:txEl>
+                                          </p:spTgt>
+                                        </p:tgtEl>
+                                        <p:attrNameLst>
+                                          <p:attrName>ppt_y</p:attrName>
+                                        </p:attrNameLst>
+                                      </p:cBhvr>
+                                      <p:tavLst>
+                                        <p:tav tm="0">
+                                          <p:val>
+                                            <p:strVal val="1+#ppt_h/2"/>
+                                          </p:val>
+                                        </p:tav>
+                                        <p:tav tm="100000">
+                                          <p:val>
+                                            <p:strVal val="#ppt_y"/>
+                                          </p:val>
+                                        </p:tav>
+                                      </p:tavLst>
+                                    </p:anim>
+                                  </p:childTnLst>
+                                </p:cTn>
+                              </p:par>
+                            </p:childTnLst>
+                          </p:cTn>
+                        </p:par>
+                      </p:childTnLst>
+                    </p:cTn>
+                  </p:par>
+                  <p:par>
+                    <p:cTn id="9" fill="hold">
+                      <p:stCondLst>
+                        <p:cond delay="indefinite"/>
+                      </p:stCondLst>
+                      <p:childTnLst>
+                        <p:par>
+                          <p:cTn id="10" fill="hold">
+                            <p:stCondLst>
+                              <p:cond delay="0"/>
+                            </p:stCondLst>
+                            <p:childTnLst>
+                              <p:par>
+                                <p:cTn id="11" presetID="10" presetClass="entr" presetSubtype="0" fill="hold" nodeType="clickEffect">
+                                  <p:stCondLst>
+                                    <p:cond delay="0"/>
+                                  </p:stCondLst>
+                                  <p:childTnLst>
+                                    <p:set>
+                                      <p:cBhvr>
+                                        <p:cTn id="12" dur="1" fill="hold">
+                                          <p:stCondLst>
+                                            <p:cond delay="0"/>
+                                          </p:stCondLst>
+                                        </p:cTn>
+                                        <p:tgtEl>
+                                          <p:spTgt spid="3">
+                                            <p:txEl>
+                                              <p:pRg st="7" end="7"/>
+                                            </p:txEl>
+                                          </p:spTgt>
+                                        </p:tgtEl>
+                                        <p:attrNameLst>
+                                          <p:attrName>style.visibility</p:attrName>
+                                        </p:attrNameLst>
+                                      </p:cBhvr>
+                                      <p:to>
+                                        <p:strVal val="visible"/>
+                                      </p:to>
+                                    </p:set>
+                                    <p:animEffect transition="in" filter="fade">
+                                      <p:cBhvr>
+                                        <p:cTn id="13" dur="500"/>
+                                        <p:tgtEl>
+                                          <p:spTgt spid="3">
+                                            <p:txEl>
+                                              <p:pRg st="7" end="7"/>
+                                            </p:txEl>
+                                          </p:spTgt>
+                                        </p:tgtEl>
+                                      </p:cBhvr>
+                                    </p:animEffect>
+                                  </p:childTnLst>
+                                </p:cTn>
+                              </p:par>
+                            </p:childTnLst>
+                          </p:cTn>
+                        </p:par>
+                      </p:childTnLst>
+                    </p:cTn>
+                  </p:par>
+                  <p:par>
+                    <p:cTn id="14" fill="hold">
+                      <p:stCondLst>
+                        <p:cond delay="indefinite"/>
+                      </p:stCondLst>
+                      <p:childTnLst>
+                        <p:par>
+                          <p:cTn id="15" fill="hold">
+                            <p:stCondLst>
+                              <p:cond delay="0"/>
+                            </p:stCondLst>
+                            <p:childTnLst>
+                              <p:par>
+                                <p:cTn id="16" presetID="16" presetClass="entr" presetSubtype="21" fill="hold" nodeType="clickEffect">
+                                  <p:stCondLst>
+                                    <p:cond delay="0"/>
+                                  </p:stCondLst>
+                                  <p:childTnLst>
+                                    <p:set>
+                                      <p:cBhvr>
+                                        <p:cTn id="17" dur="1" fill="hold">
+                                          <p:stCondLst>
+                                            <p:cond delay="0"/>
+                                          </p:stCondLst>
+                                        </p:cTn>
+                                        <p:tgtEl>
+                                          <p:spTgt spid="3">
+                                            <p:txEl>
+                                              <p:pRg st="8" end="8"/>
+                                            </p:txEl>
+                                          </p:spTgt>
+                                        </p:tgtEl>
+                                        <p:attrNameLst>
+                                          <p:attrName>style.visibility</p:attrName>
+                                        </p:attrNameLst>
+                                      </p:cBhvr>
+                                      <p:to>
+                                        <p:strVal val="visible"/>
+                                      </p:to>
+                                    </p:set>
+                                    <p:animEffect transition="in" filter="barn(inVertical)">
+                                      <p:cBhvr>
+                                        <p:cTn id="18" dur="500"/>
+                                        <p:tgtEl>
+                                          <p:spTgt spid="3">
+                                            <p:txEl>
+                                              <p:pRg st="8" end="8"/>
+                                            </p:txEl>
+                                          </p:spTgt>
+                                        </p:tgtEl>
+                                      </p:cBhvr>
+                                    </p:animEffect>
+                                  </p:childTnLst>
+                                </p:cTn>
+                              </p:par>
+                            </p:childTnLst>
+                          </p:cTn>
+                        </p:par>
+                      </p:childTnLst>
+                    </p:cTn>
+                  </p:par>
+                </p:childTnLst>
+              </p:cTn>
+              <p:prevCondLst>
+                <p:cond evt="onPrev" delay="0">
+                  <p:tgtEl>
+                    <p:sldTgt/>
+                  </p:tgtEl>
+                </p:cond>
+              </p:prevCondLst>
+              <p:nextCondLst>
+                <p:cond evt="onNext" delay="0">
+                  <p:tgtEl>
+                    <p:sldTgt/>
+                  </p:tgtEl>
+                </p:cond>
+              </p:nextCondLst>
+            </p:seq>
+          </p:childTnLst>
+        </p:cTn>
       </p:par>
     </p:tnLst>
   </p:timing>
@@ -7669,8 +8699,8 @@
               <a:t>监控各数据库</a:t>
             </a:r>
             <a:r>
-              <a:rPr lang="zh-CN" altLang="en-US" dirty="0" smtClean="0"/>
-              <a:t>节点</a:t>
+              <a:rPr lang="zh-CN" altLang="en-US" dirty="0"/>
+              <a:t>节点是否宕机</a:t>
             </a:r>
             <a:endParaRPr lang="en-US" altLang="zh-CN" dirty="0" smtClean="0"/>
           </a:p>
@@ -7721,7 +8751,7 @@
                 </a:solidFill>
               </a:rPr>
               <a:pPr/>
-              <a:t>8/26/2014</a:t>
+              <a:t>7/18/2014</a:t>
             </a:fld>
             <a:endParaRPr lang="en-US">
               <a:solidFill>
@@ -7898,26 +8928,14 @@
             </a:r>
             <a:r>
               <a:rPr lang="zh-CN" altLang="en-US" dirty="0" smtClean="0"/>
-              <a:t>变量未定义可以使用，见意先定义变量再</a:t>
-            </a:r>
-            <a:r>
-              <a:rPr lang="zh-CN" altLang="en-US" dirty="0" smtClean="0"/>
-              <a:t>使用</a:t>
+              <a:t>变量未定义可以使用，见意先定义变量再使用</a:t>
             </a:r>
             <a:endParaRPr lang="en-US" altLang="zh-CN" dirty="0" smtClean="0"/>
           </a:p>
           <a:p>
             <a:r>
               <a:rPr lang="zh-CN" altLang="en-US" dirty="0" smtClean="0"/>
-              <a:t>定义</a:t>
-            </a:r>
-            <a:r>
-              <a:rPr lang="zh-CN" altLang="en-US" dirty="0" smtClean="0"/>
-              <a:t>好类常量</a:t>
-            </a:r>
-            <a:r>
-              <a:rPr lang="zh-CN" altLang="en-US" dirty="0" smtClean="0"/>
-              <a:t>，常量可定义在各自</a:t>
+              <a:t>定义好类常量，常量可定义在各自</a:t>
             </a:r>
             <a:r>
               <a:rPr lang="en-US" altLang="zh-CN" dirty="0" smtClean="0"/>
@@ -7938,7 +8956,6 @@
               <a:rPr lang="en-US" altLang="zh-CN" dirty="0" smtClean="0"/>
               <a:t>model</a:t>
             </a:r>
-            <a:endParaRPr lang="en-US" altLang="zh-CN" dirty="0" smtClean="0"/>
           </a:p>
           <a:p>
             <a:r>
@@ -7947,22 +8964,13 @@
             </a:r>
             <a:r>
               <a:rPr lang="en-US" altLang="zh-CN" dirty="0" smtClean="0"/>
-              <a:t>public private </a:t>
-            </a:r>
-            <a:r>
-              <a:rPr lang="en-US" altLang="zh-CN" dirty="0" smtClean="0"/>
-              <a:t>protected</a:t>
-            </a:r>
-            <a:endParaRPr lang="en-US" altLang="zh-CN" dirty="0" smtClean="0"/>
-          </a:p>
-          <a:p>
-            <a:r>
-              <a:rPr lang="zh-CN" altLang="en-US" dirty="0" smtClean="0"/>
-              <a:t>尽量不要连表查询，一般连接表超过三个将会有性能</a:t>
-            </a:r>
-            <a:r>
-              <a:rPr lang="zh-CN" altLang="en-US" dirty="0" smtClean="0"/>
-              <a:t>问题</a:t>
+              <a:t>public private protected</a:t>
+            </a:r>
+          </a:p>
+          <a:p>
+            <a:r>
+              <a:rPr lang="zh-CN" altLang="en-US" dirty="0" smtClean="0"/>
+              <a:t>尽量不要连表查询，一般连接表超过三个将会有性能问题</a:t>
             </a:r>
             <a:endParaRPr lang="en-US" altLang="zh-CN" dirty="0" smtClean="0"/>
           </a:p>
@@ -8016,11 +9024,7 @@
             </a:r>
             <a:r>
               <a:rPr lang="zh-CN" altLang="en-US" dirty="0" smtClean="0"/>
-              <a:t>的</a:t>
-            </a:r>
-            <a:r>
-              <a:rPr lang="zh-CN" altLang="en-US" dirty="0" smtClean="0"/>
-              <a:t>性能</a:t>
+              <a:t>的性能</a:t>
             </a:r>
             <a:endParaRPr lang="en-US" altLang="zh-CN" dirty="0"/>
           </a:p>
@@ -8043,22 +9047,14 @@
             </a:r>
             <a:r>
               <a:rPr lang="zh-CN" altLang="en-US" dirty="0" smtClean="0"/>
-              <a:t>大部分程序员改代码时并不会修改</a:t>
-            </a:r>
-            <a:r>
-              <a:rPr lang="zh-CN" altLang="en-US" dirty="0" smtClean="0"/>
-              <a:t>注释</a:t>
+              <a:t>大部分程序员改代码时并不会修改注释</a:t>
             </a:r>
             <a:endParaRPr lang="en-US" altLang="zh-CN" dirty="0" smtClean="0"/>
           </a:p>
           <a:p>
             <a:r>
               <a:rPr lang="zh-CN" altLang="en-US" dirty="0" smtClean="0"/>
-              <a:t>错误的注释不如没有注释，代码是唯一的</a:t>
-            </a:r>
-            <a:r>
-              <a:rPr lang="zh-CN" altLang="en-US" dirty="0" smtClean="0"/>
-              <a:t>文档</a:t>
+              <a:t>错误的注释不如没有注释，代码是唯一的文档</a:t>
             </a:r>
             <a:endParaRPr lang="en-US" altLang="zh-CN" dirty="0" smtClean="0"/>
           </a:p>
@@ -8073,11 +9069,7 @@
             </a:r>
             <a:r>
               <a:rPr lang="zh-CN" altLang="en-US" dirty="0" smtClean="0"/>
-              <a:t>零切换</a:t>
-            </a:r>
-            <a:r>
-              <a:rPr lang="zh-CN" altLang="en-US" dirty="0" smtClean="0"/>
-              <a:t>成本</a:t>
+              <a:t>零切换成本</a:t>
             </a:r>
             <a:endParaRPr lang="en-US" altLang="zh-CN" dirty="0" smtClean="0"/>
           </a:p>
@@ -8108,7 +9100,7 @@
                 </a:solidFill>
               </a:rPr>
               <a:pPr/>
-              <a:t>8/26/2014</a:t>
+              <a:t>7/18/2014</a:t>
             </a:fld>
             <a:endParaRPr lang="en-US">
               <a:solidFill>
@@ -8317,11 +9309,7 @@
             </a:r>
             <a:r>
               <a:rPr lang="zh-CN" altLang="en-US" dirty="0" smtClean="0"/>
-              <a:t>大写字母加</a:t>
-            </a:r>
-            <a:r>
-              <a:rPr lang="zh-CN" altLang="en-US" dirty="0" smtClean="0"/>
-              <a:t>下划线</a:t>
+              <a:t>大写字母加下划线</a:t>
             </a:r>
             <a:endParaRPr lang="en-US" altLang="zh-CN" dirty="0" smtClean="0"/>
           </a:p>
@@ -8351,11 +9339,7 @@
           <a:p>
             <a:r>
               <a:rPr lang="zh-CN" altLang="en-US" dirty="0" smtClean="0"/>
-              <a:t>定义字符串尽量用单引号，如果字符串中没有变量</a:t>
-            </a:r>
-            <a:r>
-              <a:rPr lang="zh-CN" altLang="en-US" dirty="0" smtClean="0"/>
-              <a:t>的话</a:t>
+              <a:t>定义字符串尽量用单引号，如果字符串中没有变量的话</a:t>
             </a:r>
             <a:endParaRPr lang="en-US" altLang="zh-CN" dirty="0" smtClean="0"/>
           </a:p>
@@ -8416,44 +9400,28 @@
             </a:r>
             <a:r>
               <a:rPr lang="zh-CN" altLang="en-US" dirty="0" smtClean="0"/>
-              <a:t>中引用效率</a:t>
-            </a:r>
-            <a:r>
-              <a:rPr lang="zh-CN" altLang="en-US" dirty="0" smtClean="0"/>
-              <a:t>较低</a:t>
+              <a:t>中引用效率较低</a:t>
             </a:r>
             <a:endParaRPr lang="en-US" altLang="zh-CN" dirty="0" smtClean="0"/>
           </a:p>
           <a:p>
             <a:r>
               <a:rPr lang="zh-CN" altLang="en-US" dirty="0" smtClean="0"/>
-              <a:t>构造函数中不要抛出</a:t>
-            </a:r>
-            <a:r>
-              <a:rPr lang="zh-CN" altLang="en-US" dirty="0" smtClean="0"/>
-              <a:t>异常</a:t>
+              <a:t>构造函数中不要抛出异常</a:t>
             </a:r>
             <a:endParaRPr lang="en-US" altLang="zh-CN" dirty="0" smtClean="0"/>
           </a:p>
           <a:p>
             <a:r>
               <a:rPr lang="zh-CN" altLang="en-US" dirty="0" smtClean="0"/>
-              <a:t>一段逻辑代码超过三个以上的地方调用，可以抽取出一个</a:t>
-            </a:r>
-            <a:r>
-              <a:rPr lang="zh-CN" altLang="en-US" dirty="0" smtClean="0"/>
-              <a:t>方法</a:t>
+              <a:t>一段逻辑代码超过三个以上的地方调用，可以抽取出一个方法</a:t>
             </a:r>
             <a:endParaRPr lang="en-US" altLang="zh-CN" dirty="0" smtClean="0"/>
           </a:p>
           <a:p>
             <a:r>
               <a:rPr lang="zh-CN" altLang="en-US" dirty="0" smtClean="0"/>
-              <a:t>类注释写在类上面，方法注释写在方法上，代码段中的注释不要写在代码中，可写在大括号后面或某行代码</a:t>
-            </a:r>
-            <a:r>
-              <a:rPr lang="zh-CN" altLang="en-US" dirty="0" smtClean="0"/>
-              <a:t>后面</a:t>
+              <a:t>类注释写在类上面，方法注释写在方法上，代码段中的注释不要写在代码中，可写在大括号后面或某行代码后面</a:t>
             </a:r>
             <a:endParaRPr lang="en-US" altLang="zh-CN" dirty="0" smtClean="0"/>
           </a:p>
@@ -8484,7 +9452,7 @@
                 </a:solidFill>
               </a:rPr>
               <a:pPr/>
-              <a:t>8/26/2014</a:t>
+              <a:t>7/18/2014</a:t>
             </a:fld>
             <a:endParaRPr lang="en-US">
               <a:solidFill>
@@ -8689,7 +9657,6 @@
               <a:rPr lang="en-US" altLang="zh-CN" dirty="0" smtClean="0"/>
               <a:t>AO</a:t>
             </a:r>
-            <a:endParaRPr lang="en-US" altLang="zh-CN" dirty="0" smtClean="0"/>
           </a:p>
           <a:p>
             <a:r>
@@ -8833,7 +9800,7 @@
                 </a:solidFill>
               </a:rPr>
               <a:pPr/>
-              <a:t>8/26/2014</a:t>
+              <a:t>7/18/2014</a:t>
             </a:fld>
             <a:endParaRPr lang="en-US">
               <a:solidFill>
@@ -9043,11 +10010,7 @@
             </a:r>
             <a:r>
               <a:rPr lang="zh-CN" altLang="en-US" dirty="0" smtClean="0"/>
-              <a:t>表</a:t>
-            </a:r>
-            <a:r>
-              <a:rPr lang="zh-CN" altLang="en-US" dirty="0" smtClean="0"/>
-              <a:t>、</a:t>
+              <a:t>表、</a:t>
             </a:r>
             <a:r>
               <a:rPr lang="zh-CN" altLang="en-US" dirty="0"/>
@@ -9069,7 +10032,6 @@
               <a:rPr lang="en-US" altLang="zh-CN" dirty="0" smtClean="0"/>
               <a:t>)</a:t>
             </a:r>
-            <a:endParaRPr lang="en-US" altLang="zh-CN" dirty="0" smtClean="0"/>
           </a:p>
           <a:p>
             <a:r>
@@ -9112,7 +10074,6 @@
               <a:rPr lang="en-US" altLang="zh-CN" dirty="0" smtClean="0"/>
               <a:t>)</a:t>
             </a:r>
-            <a:endParaRPr lang="en-US" altLang="zh-CN" dirty="0" smtClean="0"/>
           </a:p>
           <a:p>
             <a:r>
@@ -9131,7 +10092,6 @@
               <a:rPr lang="en-US" altLang="zh-CN" dirty="0" smtClean="0"/>
               <a:t>)</a:t>
             </a:r>
-            <a:endParaRPr lang="en-US" altLang="zh-CN" dirty="0" smtClean="0"/>
           </a:p>
           <a:p>
             <a:r>
@@ -9172,11 +10132,7 @@
             </a:r>
             <a:r>
               <a:rPr lang="zh-CN" altLang="en-US" dirty="0" smtClean="0"/>
-              <a:t>零切换</a:t>
-            </a:r>
-            <a:r>
-              <a:rPr lang="zh-CN" altLang="en-US" dirty="0" smtClean="0"/>
-              <a:t>成本</a:t>
+              <a:t>零切换成本</a:t>
             </a:r>
             <a:endParaRPr lang="en-US" altLang="zh-CN" dirty="0" smtClean="0"/>
           </a:p>
@@ -9210,11 +10166,7 @@
           <a:p>
             <a:r>
               <a:rPr lang="zh-CN" altLang="en-US" dirty="0" smtClean="0"/>
-              <a:t>唯一数字型主键生成</a:t>
-            </a:r>
-            <a:r>
-              <a:rPr lang="zh-CN" altLang="en-US" dirty="0" smtClean="0"/>
-              <a:t>策略</a:t>
+              <a:t>唯一数字型主键生成策略</a:t>
             </a:r>
             <a:endParaRPr lang="en-US" altLang="zh-CN" dirty="0" smtClean="0"/>
           </a:p>
@@ -9265,7 +10217,7 @@
             <a:fld id="{B11D738E-8962-435F-8C43-147B8DD7E819}" type="datetime1">
               <a:rPr lang="en-US" smtClean="0"/>
               <a:pPr/>
-              <a:t>8/26/2014</a:t>
+              <a:t>7/18/2014</a:t>
             </a:fld>
             <a:endParaRPr lang="en-US" dirty="0"/>
           </a:p>
@@ -9365,7 +10317,656 @@
   <p:timing>
     <p:tnLst>
       <p:par>
-        <p:cTn id="1" dur="indefinite" restart="never" nodeType="tmRoot"/>
+        <p:cTn id="1" dur="indefinite" restart="never" nodeType="tmRoot">
+          <p:childTnLst>
+            <p:seq concurrent="1" nextAc="seek">
+              <p:cTn id="2" dur="indefinite" nodeType="mainSeq">
+                <p:childTnLst>
+                  <p:par>
+                    <p:cTn id="3" fill="hold">
+                      <p:stCondLst>
+                        <p:cond delay="indefinite"/>
+                      </p:stCondLst>
+                      <p:childTnLst>
+                        <p:par>
+                          <p:cTn id="4" fill="hold">
+                            <p:stCondLst>
+                              <p:cond delay="0"/>
+                            </p:stCondLst>
+                            <p:childTnLst>
+                              <p:par>
+                                <p:cTn id="5" presetID="10" presetClass="entr" presetSubtype="0" fill="hold" nodeType="clickEffect">
+                                  <p:stCondLst>
+                                    <p:cond delay="0"/>
+                                  </p:stCondLst>
+                                  <p:childTnLst>
+                                    <p:set>
+                                      <p:cBhvr>
+                                        <p:cTn id="6" dur="1" fill="hold">
+                                          <p:stCondLst>
+                                            <p:cond delay="0"/>
+                                          </p:stCondLst>
+                                        </p:cTn>
+                                        <p:tgtEl>
+                                          <p:spTgt spid="3">
+                                            <p:txEl>
+                                              <p:pRg st="0" end="0"/>
+                                            </p:txEl>
+                                          </p:spTgt>
+                                        </p:tgtEl>
+                                        <p:attrNameLst>
+                                          <p:attrName>style.visibility</p:attrName>
+                                        </p:attrNameLst>
+                                      </p:cBhvr>
+                                      <p:to>
+                                        <p:strVal val="visible"/>
+                                      </p:to>
+                                    </p:set>
+                                    <p:animEffect transition="in" filter="fade">
+                                      <p:cBhvr>
+                                        <p:cTn id="7" dur="500"/>
+                                        <p:tgtEl>
+                                          <p:spTgt spid="3">
+                                            <p:txEl>
+                                              <p:pRg st="0" end="0"/>
+                                            </p:txEl>
+                                          </p:spTgt>
+                                        </p:tgtEl>
+                                      </p:cBhvr>
+                                    </p:animEffect>
+                                  </p:childTnLst>
+                                </p:cTn>
+                              </p:par>
+                            </p:childTnLst>
+                          </p:cTn>
+                        </p:par>
+                      </p:childTnLst>
+                    </p:cTn>
+                  </p:par>
+                  <p:par>
+                    <p:cTn id="8" fill="hold">
+                      <p:stCondLst>
+                        <p:cond delay="indefinite"/>
+                      </p:stCondLst>
+                      <p:childTnLst>
+                        <p:par>
+                          <p:cTn id="9" fill="hold">
+                            <p:stCondLst>
+                              <p:cond delay="0"/>
+                            </p:stCondLst>
+                            <p:childTnLst>
+                              <p:par>
+                                <p:cTn id="10" presetID="2" presetClass="entr" presetSubtype="4" fill="hold" nodeType="clickEffect">
+                                  <p:stCondLst>
+                                    <p:cond delay="0"/>
+                                  </p:stCondLst>
+                                  <p:childTnLst>
+                                    <p:set>
+                                      <p:cBhvr>
+                                        <p:cTn id="11" dur="1" fill="hold">
+                                          <p:stCondLst>
+                                            <p:cond delay="0"/>
+                                          </p:stCondLst>
+                                        </p:cTn>
+                                        <p:tgtEl>
+                                          <p:spTgt spid="3">
+                                            <p:txEl>
+                                              <p:pRg st="1" end="1"/>
+                                            </p:txEl>
+                                          </p:spTgt>
+                                        </p:tgtEl>
+                                        <p:attrNameLst>
+                                          <p:attrName>style.visibility</p:attrName>
+                                        </p:attrNameLst>
+                                      </p:cBhvr>
+                                      <p:to>
+                                        <p:strVal val="visible"/>
+                                      </p:to>
+                                    </p:set>
+                                    <p:anim calcmode="lin" valueType="num">
+                                      <p:cBhvr additive="base">
+                                        <p:cTn id="12" dur="500" fill="hold"/>
+                                        <p:tgtEl>
+                                          <p:spTgt spid="3">
+                                            <p:txEl>
+                                              <p:pRg st="1" end="1"/>
+                                            </p:txEl>
+                                          </p:spTgt>
+                                        </p:tgtEl>
+                                        <p:attrNameLst>
+                                          <p:attrName>ppt_x</p:attrName>
+                                        </p:attrNameLst>
+                                      </p:cBhvr>
+                                      <p:tavLst>
+                                        <p:tav tm="0">
+                                          <p:val>
+                                            <p:strVal val="#ppt_x"/>
+                                          </p:val>
+                                        </p:tav>
+                                        <p:tav tm="100000">
+                                          <p:val>
+                                            <p:strVal val="#ppt_x"/>
+                                          </p:val>
+                                        </p:tav>
+                                      </p:tavLst>
+                                    </p:anim>
+                                    <p:anim calcmode="lin" valueType="num">
+                                      <p:cBhvr additive="base">
+                                        <p:cTn id="13" dur="500" fill="hold"/>
+                                        <p:tgtEl>
+                                          <p:spTgt spid="3">
+                                            <p:txEl>
+                                              <p:pRg st="1" end="1"/>
+                                            </p:txEl>
+                                          </p:spTgt>
+                                        </p:tgtEl>
+                                        <p:attrNameLst>
+                                          <p:attrName>ppt_y</p:attrName>
+                                        </p:attrNameLst>
+                                      </p:cBhvr>
+                                      <p:tavLst>
+                                        <p:tav tm="0">
+                                          <p:val>
+                                            <p:strVal val="1+#ppt_h/2"/>
+                                          </p:val>
+                                        </p:tav>
+                                        <p:tav tm="100000">
+                                          <p:val>
+                                            <p:strVal val="#ppt_y"/>
+                                          </p:val>
+                                        </p:tav>
+                                      </p:tavLst>
+                                    </p:anim>
+                                  </p:childTnLst>
+                                </p:cTn>
+                              </p:par>
+                            </p:childTnLst>
+                          </p:cTn>
+                        </p:par>
+                      </p:childTnLst>
+                    </p:cTn>
+                  </p:par>
+                  <p:par>
+                    <p:cTn id="14" fill="hold">
+                      <p:stCondLst>
+                        <p:cond delay="indefinite"/>
+                      </p:stCondLst>
+                      <p:childTnLst>
+                        <p:par>
+                          <p:cTn id="15" fill="hold">
+                            <p:stCondLst>
+                              <p:cond delay="0"/>
+                            </p:stCondLst>
+                            <p:childTnLst>
+                              <p:par>
+                                <p:cTn id="16" presetID="42" presetClass="entr" presetSubtype="0" fill="hold" nodeType="clickEffect">
+                                  <p:stCondLst>
+                                    <p:cond delay="0"/>
+                                  </p:stCondLst>
+                                  <p:childTnLst>
+                                    <p:set>
+                                      <p:cBhvr>
+                                        <p:cTn id="17" dur="1" fill="hold">
+                                          <p:stCondLst>
+                                            <p:cond delay="0"/>
+                                          </p:stCondLst>
+                                        </p:cTn>
+                                        <p:tgtEl>
+                                          <p:spTgt spid="3">
+                                            <p:txEl>
+                                              <p:pRg st="2" end="2"/>
+                                            </p:txEl>
+                                          </p:spTgt>
+                                        </p:tgtEl>
+                                        <p:attrNameLst>
+                                          <p:attrName>style.visibility</p:attrName>
+                                        </p:attrNameLst>
+                                      </p:cBhvr>
+                                      <p:to>
+                                        <p:strVal val="visible"/>
+                                      </p:to>
+                                    </p:set>
+                                    <p:animEffect transition="in" filter="fade">
+                                      <p:cBhvr>
+                                        <p:cTn id="18" dur="1000"/>
+                                        <p:tgtEl>
+                                          <p:spTgt spid="3">
+                                            <p:txEl>
+                                              <p:pRg st="2" end="2"/>
+                                            </p:txEl>
+                                          </p:spTgt>
+                                        </p:tgtEl>
+                                      </p:cBhvr>
+                                    </p:animEffect>
+                                    <p:anim calcmode="lin" valueType="num">
+                                      <p:cBhvr>
+                                        <p:cTn id="19" dur="1000" fill="hold"/>
+                                        <p:tgtEl>
+                                          <p:spTgt spid="3">
+                                            <p:txEl>
+                                              <p:pRg st="2" end="2"/>
+                                            </p:txEl>
+                                          </p:spTgt>
+                                        </p:tgtEl>
+                                        <p:attrNameLst>
+                                          <p:attrName>ppt_x</p:attrName>
+                                        </p:attrNameLst>
+                                      </p:cBhvr>
+                                      <p:tavLst>
+                                        <p:tav tm="0">
+                                          <p:val>
+                                            <p:strVal val="#ppt_x"/>
+                                          </p:val>
+                                        </p:tav>
+                                        <p:tav tm="100000">
+                                          <p:val>
+                                            <p:strVal val="#ppt_x"/>
+                                          </p:val>
+                                        </p:tav>
+                                      </p:tavLst>
+                                    </p:anim>
+                                    <p:anim calcmode="lin" valueType="num">
+                                      <p:cBhvr>
+                                        <p:cTn id="20" dur="1000" fill="hold"/>
+                                        <p:tgtEl>
+                                          <p:spTgt spid="3">
+                                            <p:txEl>
+                                              <p:pRg st="2" end="2"/>
+                                            </p:txEl>
+                                          </p:spTgt>
+                                        </p:tgtEl>
+                                        <p:attrNameLst>
+                                          <p:attrName>ppt_y</p:attrName>
+                                        </p:attrNameLst>
+                                      </p:cBhvr>
+                                      <p:tavLst>
+                                        <p:tav tm="0">
+                                          <p:val>
+                                            <p:strVal val="#ppt_y+.1"/>
+                                          </p:val>
+                                        </p:tav>
+                                        <p:tav tm="100000">
+                                          <p:val>
+                                            <p:strVal val="#ppt_y"/>
+                                          </p:val>
+                                        </p:tav>
+                                      </p:tavLst>
+                                    </p:anim>
+                                  </p:childTnLst>
+                                </p:cTn>
+                              </p:par>
+                            </p:childTnLst>
+                          </p:cTn>
+                        </p:par>
+                      </p:childTnLst>
+                    </p:cTn>
+                  </p:par>
+                  <p:par>
+                    <p:cTn id="21" fill="hold">
+                      <p:stCondLst>
+                        <p:cond delay="indefinite"/>
+                      </p:stCondLst>
+                      <p:childTnLst>
+                        <p:par>
+                          <p:cTn id="22" fill="hold">
+                            <p:stCondLst>
+                              <p:cond delay="0"/>
+                            </p:stCondLst>
+                            <p:childTnLst>
+                              <p:par>
+                                <p:cTn id="23" presetID="16" presetClass="entr" presetSubtype="21" fill="hold" nodeType="clickEffect">
+                                  <p:stCondLst>
+                                    <p:cond delay="0"/>
+                                  </p:stCondLst>
+                                  <p:childTnLst>
+                                    <p:set>
+                                      <p:cBhvr>
+                                        <p:cTn id="24" dur="1" fill="hold">
+                                          <p:stCondLst>
+                                            <p:cond delay="0"/>
+                                          </p:stCondLst>
+                                        </p:cTn>
+                                        <p:tgtEl>
+                                          <p:spTgt spid="3">
+                                            <p:txEl>
+                                              <p:pRg st="3" end="3"/>
+                                            </p:txEl>
+                                          </p:spTgt>
+                                        </p:tgtEl>
+                                        <p:attrNameLst>
+                                          <p:attrName>style.visibility</p:attrName>
+                                        </p:attrNameLst>
+                                      </p:cBhvr>
+                                      <p:to>
+                                        <p:strVal val="visible"/>
+                                      </p:to>
+                                    </p:set>
+                                    <p:animEffect transition="in" filter="barn(inVertical)">
+                                      <p:cBhvr>
+                                        <p:cTn id="25" dur="500"/>
+                                        <p:tgtEl>
+                                          <p:spTgt spid="3">
+                                            <p:txEl>
+                                              <p:pRg st="3" end="3"/>
+                                            </p:txEl>
+                                          </p:spTgt>
+                                        </p:tgtEl>
+                                      </p:cBhvr>
+                                    </p:animEffect>
+                                  </p:childTnLst>
+                                </p:cTn>
+                              </p:par>
+                            </p:childTnLst>
+                          </p:cTn>
+                        </p:par>
+                      </p:childTnLst>
+                    </p:cTn>
+                  </p:par>
+                  <p:par>
+                    <p:cTn id="26" fill="hold">
+                      <p:stCondLst>
+                        <p:cond delay="indefinite"/>
+                      </p:stCondLst>
+                      <p:childTnLst>
+                        <p:par>
+                          <p:cTn id="27" fill="hold">
+                            <p:stCondLst>
+                              <p:cond delay="0"/>
+                            </p:stCondLst>
+                            <p:childTnLst>
+                              <p:par>
+                                <p:cTn id="28" presetID="22" presetClass="entr" presetSubtype="4" fill="hold" nodeType="clickEffect">
+                                  <p:stCondLst>
+                                    <p:cond delay="0"/>
+                                  </p:stCondLst>
+                                  <p:childTnLst>
+                                    <p:set>
+                                      <p:cBhvr>
+                                        <p:cTn id="29" dur="1" fill="hold">
+                                          <p:stCondLst>
+                                            <p:cond delay="0"/>
+                                          </p:stCondLst>
+                                        </p:cTn>
+                                        <p:tgtEl>
+                                          <p:spTgt spid="3">
+                                            <p:txEl>
+                                              <p:pRg st="4" end="4"/>
+                                            </p:txEl>
+                                          </p:spTgt>
+                                        </p:tgtEl>
+                                        <p:attrNameLst>
+                                          <p:attrName>style.visibility</p:attrName>
+                                        </p:attrNameLst>
+                                      </p:cBhvr>
+                                      <p:to>
+                                        <p:strVal val="visible"/>
+                                      </p:to>
+                                    </p:set>
+                                    <p:animEffect transition="in" filter="wipe(down)">
+                                      <p:cBhvr>
+                                        <p:cTn id="30" dur="500"/>
+                                        <p:tgtEl>
+                                          <p:spTgt spid="3">
+                                            <p:txEl>
+                                              <p:pRg st="4" end="4"/>
+                                            </p:txEl>
+                                          </p:spTgt>
+                                        </p:tgtEl>
+                                      </p:cBhvr>
+                                    </p:animEffect>
+                                  </p:childTnLst>
+                                </p:cTn>
+                              </p:par>
+                            </p:childTnLst>
+                          </p:cTn>
+                        </p:par>
+                      </p:childTnLst>
+                    </p:cTn>
+                  </p:par>
+                  <p:par>
+                    <p:cTn id="31" fill="hold">
+                      <p:stCondLst>
+                        <p:cond delay="indefinite"/>
+                      </p:stCondLst>
+                      <p:childTnLst>
+                        <p:par>
+                          <p:cTn id="32" fill="hold">
+                            <p:stCondLst>
+                              <p:cond delay="0"/>
+                            </p:stCondLst>
+                            <p:childTnLst>
+                              <p:par>
+                                <p:cTn id="33" presetID="2" presetClass="entr" presetSubtype="4" fill="hold" nodeType="clickEffect">
+                                  <p:stCondLst>
+                                    <p:cond delay="0"/>
+                                  </p:stCondLst>
+                                  <p:childTnLst>
+                                    <p:set>
+                                      <p:cBhvr>
+                                        <p:cTn id="34" dur="1" fill="hold">
+                                          <p:stCondLst>
+                                            <p:cond delay="0"/>
+                                          </p:stCondLst>
+                                        </p:cTn>
+                                        <p:tgtEl>
+                                          <p:spTgt spid="3">
+                                            <p:txEl>
+                                              <p:pRg st="5" end="5"/>
+                                            </p:txEl>
+                                          </p:spTgt>
+                                        </p:tgtEl>
+                                        <p:attrNameLst>
+                                          <p:attrName>style.visibility</p:attrName>
+                                        </p:attrNameLst>
+                                      </p:cBhvr>
+                                      <p:to>
+                                        <p:strVal val="visible"/>
+                                      </p:to>
+                                    </p:set>
+                                    <p:anim calcmode="lin" valueType="num">
+                                      <p:cBhvr additive="base">
+                                        <p:cTn id="35" dur="500" fill="hold"/>
+                                        <p:tgtEl>
+                                          <p:spTgt spid="3">
+                                            <p:txEl>
+                                              <p:pRg st="5" end="5"/>
+                                            </p:txEl>
+                                          </p:spTgt>
+                                        </p:tgtEl>
+                                        <p:attrNameLst>
+                                          <p:attrName>ppt_x</p:attrName>
+                                        </p:attrNameLst>
+                                      </p:cBhvr>
+                                      <p:tavLst>
+                                        <p:tav tm="0">
+                                          <p:val>
+                                            <p:strVal val="#ppt_x"/>
+                                          </p:val>
+                                        </p:tav>
+                                        <p:tav tm="100000">
+                                          <p:val>
+                                            <p:strVal val="#ppt_x"/>
+                                          </p:val>
+                                        </p:tav>
+                                      </p:tavLst>
+                                    </p:anim>
+                                    <p:anim calcmode="lin" valueType="num">
+                                      <p:cBhvr additive="base">
+                                        <p:cTn id="36" dur="500" fill="hold"/>
+                                        <p:tgtEl>
+                                          <p:spTgt spid="3">
+                                            <p:txEl>
+                                              <p:pRg st="5" end="5"/>
+                                            </p:txEl>
+                                          </p:spTgt>
+                                        </p:tgtEl>
+                                        <p:attrNameLst>
+                                          <p:attrName>ppt_y</p:attrName>
+                                        </p:attrNameLst>
+                                      </p:cBhvr>
+                                      <p:tavLst>
+                                        <p:tav tm="0">
+                                          <p:val>
+                                            <p:strVal val="1+#ppt_h/2"/>
+                                          </p:val>
+                                        </p:tav>
+                                        <p:tav tm="100000">
+                                          <p:val>
+                                            <p:strVal val="#ppt_y"/>
+                                          </p:val>
+                                        </p:tav>
+                                      </p:tavLst>
+                                    </p:anim>
+                                  </p:childTnLst>
+                                </p:cTn>
+                              </p:par>
+                            </p:childTnLst>
+                          </p:cTn>
+                        </p:par>
+                      </p:childTnLst>
+                    </p:cTn>
+                  </p:par>
+                  <p:par>
+                    <p:cTn id="37" fill="hold">
+                      <p:stCondLst>
+                        <p:cond delay="indefinite"/>
+                      </p:stCondLst>
+                      <p:childTnLst>
+                        <p:par>
+                          <p:cTn id="38" fill="hold">
+                            <p:stCondLst>
+                              <p:cond delay="0"/>
+                            </p:stCondLst>
+                            <p:childTnLst>
+                              <p:par>
+                                <p:cTn id="39" presetID="10" presetClass="entr" presetSubtype="0" fill="hold" nodeType="clickEffect">
+                                  <p:stCondLst>
+                                    <p:cond delay="0"/>
+                                  </p:stCondLst>
+                                  <p:childTnLst>
+                                    <p:set>
+                                      <p:cBhvr>
+                                        <p:cTn id="40" dur="1" fill="hold">
+                                          <p:stCondLst>
+                                            <p:cond delay="0"/>
+                                          </p:stCondLst>
+                                        </p:cTn>
+                                        <p:tgtEl>
+                                          <p:spTgt spid="3">
+                                            <p:txEl>
+                                              <p:pRg st="6" end="6"/>
+                                            </p:txEl>
+                                          </p:spTgt>
+                                        </p:tgtEl>
+                                        <p:attrNameLst>
+                                          <p:attrName>style.visibility</p:attrName>
+                                        </p:attrNameLst>
+                                      </p:cBhvr>
+                                      <p:to>
+                                        <p:strVal val="visible"/>
+                                      </p:to>
+                                    </p:set>
+                                    <p:animEffect transition="in" filter="fade">
+                                      <p:cBhvr>
+                                        <p:cTn id="41" dur="500"/>
+                                        <p:tgtEl>
+                                          <p:spTgt spid="3">
+                                            <p:txEl>
+                                              <p:pRg st="6" end="6"/>
+                                            </p:txEl>
+                                          </p:spTgt>
+                                        </p:tgtEl>
+                                      </p:cBhvr>
+                                    </p:animEffect>
+                                  </p:childTnLst>
+                                </p:cTn>
+                              </p:par>
+                            </p:childTnLst>
+                          </p:cTn>
+                        </p:par>
+                      </p:childTnLst>
+                    </p:cTn>
+                  </p:par>
+                  <p:par>
+                    <p:cTn id="42" fill="hold">
+                      <p:stCondLst>
+                        <p:cond delay="indefinite"/>
+                      </p:stCondLst>
+                      <p:childTnLst>
+                        <p:par>
+                          <p:cTn id="43" fill="hold">
+                            <p:stCondLst>
+                              <p:cond delay="0"/>
+                            </p:stCondLst>
+                            <p:childTnLst>
+                              <p:par>
+                                <p:cTn id="44" presetID="10" presetClass="entr" presetSubtype="0" fill="hold" nodeType="clickEffect">
+                                  <p:stCondLst>
+                                    <p:cond delay="0"/>
+                                  </p:stCondLst>
+                                  <p:childTnLst>
+                                    <p:set>
+                                      <p:cBhvr>
+                                        <p:cTn id="45" dur="1" fill="hold">
+                                          <p:stCondLst>
+                                            <p:cond delay="0"/>
+                                          </p:stCondLst>
+                                        </p:cTn>
+                                        <p:tgtEl>
+                                          <p:spTgt spid="3">
+                                            <p:txEl>
+                                              <p:pRg st="7" end="7"/>
+                                            </p:txEl>
+                                          </p:spTgt>
+                                        </p:tgtEl>
+                                        <p:attrNameLst>
+                                          <p:attrName>style.visibility</p:attrName>
+                                        </p:attrNameLst>
+                                      </p:cBhvr>
+                                      <p:to>
+                                        <p:strVal val="visible"/>
+                                      </p:to>
+                                    </p:set>
+                                    <p:animEffect transition="in" filter="fade">
+                                      <p:cBhvr>
+                                        <p:cTn id="46" dur="500"/>
+                                        <p:tgtEl>
+                                          <p:spTgt spid="3">
+                                            <p:txEl>
+                                              <p:pRg st="7" end="7"/>
+                                            </p:txEl>
+                                          </p:spTgt>
+                                        </p:tgtEl>
+                                      </p:cBhvr>
+                                    </p:animEffect>
+                                  </p:childTnLst>
+                                </p:cTn>
+                              </p:par>
+                            </p:childTnLst>
+                          </p:cTn>
+                        </p:par>
+                      </p:childTnLst>
+                    </p:cTn>
+                  </p:par>
+                </p:childTnLst>
+              </p:cTn>
+              <p:prevCondLst>
+                <p:cond evt="onPrev" delay="0">
+                  <p:tgtEl>
+                    <p:sldTgt/>
+                  </p:tgtEl>
+                </p:cond>
+              </p:prevCondLst>
+              <p:nextCondLst>
+                <p:cond evt="onNext" delay="0">
+                  <p:tgtEl>
+                    <p:sldTgt/>
+                  </p:tgtEl>
+                </p:cond>
+              </p:nextCondLst>
+            </p:seq>
+          </p:childTnLst>
+        </p:cTn>
       </p:par>
     </p:tnLst>
   </p:timing>
@@ -9757,15 +11358,7 @@
                   <a:srgbClr val="2F5897"/>
                 </a:solidFill>
               </a:rPr>
-              <a:t>代码</a:t>
-            </a:r>
-            <a:r>
-              <a:rPr lang="zh-CN" altLang="en-US" sz="3200" b="1" dirty="0" smtClean="0">
-                <a:solidFill>
-                  <a:srgbClr val="2F5897"/>
-                </a:solidFill>
-              </a:rPr>
-              <a:t>规范</a:t>
+              <a:t>代码规范</a:t>
             </a:r>
             <a:endParaRPr lang="zh-CN" altLang="en-US" sz="3200" b="1" dirty="0">
               <a:solidFill>
@@ -11125,7 +12718,7 @@
             <a:fld id="{B11D738E-8962-435F-8C43-147B8DD7E819}" type="datetime1">
               <a:rPr lang="en-US" smtClean="0"/>
               <a:pPr/>
-              <a:t>8/26/2014</a:t>
+              <a:t>7/18/2014</a:t>
             </a:fld>
             <a:endParaRPr lang="en-US"/>
           </a:p>
@@ -11415,7 +13008,6 @@
               <a:rPr lang="en-US" altLang="zh-CN" dirty="0" smtClean="0"/>
               <a:t>)</a:t>
             </a:r>
-            <a:endParaRPr lang="en-US" altLang="zh-CN" dirty="0" smtClean="0"/>
           </a:p>
           <a:p>
             <a:r>
@@ -11543,7 +13135,7 @@
                 </a:solidFill>
               </a:rPr>
               <a:pPr/>
-              <a:t>8/26/2014</a:t>
+              <a:t>7/18/2014</a:t>
             </a:fld>
             <a:endParaRPr lang="en-US" dirty="0">
               <a:solidFill>
@@ -11672,7 +13264,480 @@
   <p:timing>
     <p:tnLst>
       <p:par>
-        <p:cTn id="1" dur="indefinite" restart="never" nodeType="tmRoot"/>
+        <p:cTn id="1" dur="indefinite" restart="never" nodeType="tmRoot">
+          <p:childTnLst>
+            <p:seq concurrent="1" nextAc="seek">
+              <p:cTn id="2" dur="indefinite" nodeType="mainSeq">
+                <p:childTnLst>
+                  <p:par>
+                    <p:cTn id="3" fill="hold">
+                      <p:stCondLst>
+                        <p:cond delay="indefinite"/>
+                      </p:stCondLst>
+                      <p:childTnLst>
+                        <p:par>
+                          <p:cTn id="4" fill="hold">
+                            <p:stCondLst>
+                              <p:cond delay="0"/>
+                            </p:stCondLst>
+                            <p:childTnLst>
+                              <p:par>
+                                <p:cTn id="5" presetID="1" presetClass="entr" presetSubtype="0" fill="hold" nodeType="clickEffect">
+                                  <p:stCondLst>
+                                    <p:cond delay="0"/>
+                                  </p:stCondLst>
+                                  <p:childTnLst>
+                                    <p:set>
+                                      <p:cBhvr>
+                                        <p:cTn id="6" dur="1" fill="hold">
+                                          <p:stCondLst>
+                                            <p:cond delay="0"/>
+                                          </p:stCondLst>
+                                        </p:cTn>
+                                        <p:tgtEl>
+                                          <p:spTgt spid="3">
+                                            <p:txEl>
+                                              <p:pRg st="0" end="0"/>
+                                            </p:txEl>
+                                          </p:spTgt>
+                                        </p:tgtEl>
+                                        <p:attrNameLst>
+                                          <p:attrName>style.visibility</p:attrName>
+                                        </p:attrNameLst>
+                                      </p:cBhvr>
+                                      <p:to>
+                                        <p:strVal val="visible"/>
+                                      </p:to>
+                                    </p:set>
+                                  </p:childTnLst>
+                                </p:cTn>
+                              </p:par>
+                            </p:childTnLst>
+                          </p:cTn>
+                        </p:par>
+                      </p:childTnLst>
+                    </p:cTn>
+                  </p:par>
+                  <p:par>
+                    <p:cTn id="7" fill="hold">
+                      <p:stCondLst>
+                        <p:cond delay="indefinite"/>
+                      </p:stCondLst>
+                      <p:childTnLst>
+                        <p:par>
+                          <p:cTn id="8" fill="hold">
+                            <p:stCondLst>
+                              <p:cond delay="0"/>
+                            </p:stCondLst>
+                            <p:childTnLst>
+                              <p:par>
+                                <p:cTn id="9" presetID="10" presetClass="entr" presetSubtype="0" fill="hold" nodeType="clickEffect">
+                                  <p:stCondLst>
+                                    <p:cond delay="0"/>
+                                  </p:stCondLst>
+                                  <p:childTnLst>
+                                    <p:set>
+                                      <p:cBhvr>
+                                        <p:cTn id="10" dur="1" fill="hold">
+                                          <p:stCondLst>
+                                            <p:cond delay="0"/>
+                                          </p:stCondLst>
+                                        </p:cTn>
+                                        <p:tgtEl>
+                                          <p:spTgt spid="3">
+                                            <p:txEl>
+                                              <p:pRg st="1" end="1"/>
+                                            </p:txEl>
+                                          </p:spTgt>
+                                        </p:tgtEl>
+                                        <p:attrNameLst>
+                                          <p:attrName>style.visibility</p:attrName>
+                                        </p:attrNameLst>
+                                      </p:cBhvr>
+                                      <p:to>
+                                        <p:strVal val="visible"/>
+                                      </p:to>
+                                    </p:set>
+                                    <p:animEffect transition="in" filter="fade">
+                                      <p:cBhvr>
+                                        <p:cTn id="11" dur="500"/>
+                                        <p:tgtEl>
+                                          <p:spTgt spid="3">
+                                            <p:txEl>
+                                              <p:pRg st="1" end="1"/>
+                                            </p:txEl>
+                                          </p:spTgt>
+                                        </p:tgtEl>
+                                      </p:cBhvr>
+                                    </p:animEffect>
+                                  </p:childTnLst>
+                                </p:cTn>
+                              </p:par>
+                            </p:childTnLst>
+                          </p:cTn>
+                        </p:par>
+                      </p:childTnLst>
+                    </p:cTn>
+                  </p:par>
+                  <p:par>
+                    <p:cTn id="12" fill="hold">
+                      <p:stCondLst>
+                        <p:cond delay="indefinite"/>
+                      </p:stCondLst>
+                      <p:childTnLst>
+                        <p:par>
+                          <p:cTn id="13" fill="hold">
+                            <p:stCondLst>
+                              <p:cond delay="0"/>
+                            </p:stCondLst>
+                            <p:childTnLst>
+                              <p:par>
+                                <p:cTn id="14" presetID="2" presetClass="entr" presetSubtype="4" fill="hold" nodeType="clickEffect">
+                                  <p:stCondLst>
+                                    <p:cond delay="0"/>
+                                  </p:stCondLst>
+                                  <p:childTnLst>
+                                    <p:set>
+                                      <p:cBhvr>
+                                        <p:cTn id="15" dur="1" fill="hold">
+                                          <p:stCondLst>
+                                            <p:cond delay="0"/>
+                                          </p:stCondLst>
+                                        </p:cTn>
+                                        <p:tgtEl>
+                                          <p:spTgt spid="3">
+                                            <p:txEl>
+                                              <p:pRg st="2" end="2"/>
+                                            </p:txEl>
+                                          </p:spTgt>
+                                        </p:tgtEl>
+                                        <p:attrNameLst>
+                                          <p:attrName>style.visibility</p:attrName>
+                                        </p:attrNameLst>
+                                      </p:cBhvr>
+                                      <p:to>
+                                        <p:strVal val="visible"/>
+                                      </p:to>
+                                    </p:set>
+                                    <p:anim calcmode="lin" valueType="num">
+                                      <p:cBhvr additive="base">
+                                        <p:cTn id="16" dur="500" fill="hold"/>
+                                        <p:tgtEl>
+                                          <p:spTgt spid="3">
+                                            <p:txEl>
+                                              <p:pRg st="2" end="2"/>
+                                            </p:txEl>
+                                          </p:spTgt>
+                                        </p:tgtEl>
+                                        <p:attrNameLst>
+                                          <p:attrName>ppt_x</p:attrName>
+                                        </p:attrNameLst>
+                                      </p:cBhvr>
+                                      <p:tavLst>
+                                        <p:tav tm="0">
+                                          <p:val>
+                                            <p:strVal val="#ppt_x"/>
+                                          </p:val>
+                                        </p:tav>
+                                        <p:tav tm="100000">
+                                          <p:val>
+                                            <p:strVal val="#ppt_x"/>
+                                          </p:val>
+                                        </p:tav>
+                                      </p:tavLst>
+                                    </p:anim>
+                                    <p:anim calcmode="lin" valueType="num">
+                                      <p:cBhvr additive="base">
+                                        <p:cTn id="17" dur="500" fill="hold"/>
+                                        <p:tgtEl>
+                                          <p:spTgt spid="3">
+                                            <p:txEl>
+                                              <p:pRg st="2" end="2"/>
+                                            </p:txEl>
+                                          </p:spTgt>
+                                        </p:tgtEl>
+                                        <p:attrNameLst>
+                                          <p:attrName>ppt_y</p:attrName>
+                                        </p:attrNameLst>
+                                      </p:cBhvr>
+                                      <p:tavLst>
+                                        <p:tav tm="0">
+                                          <p:val>
+                                            <p:strVal val="1+#ppt_h/2"/>
+                                          </p:val>
+                                        </p:tav>
+                                        <p:tav tm="100000">
+                                          <p:val>
+                                            <p:strVal val="#ppt_y"/>
+                                          </p:val>
+                                        </p:tav>
+                                      </p:tavLst>
+                                    </p:anim>
+                                  </p:childTnLst>
+                                </p:cTn>
+                              </p:par>
+                            </p:childTnLst>
+                          </p:cTn>
+                        </p:par>
+                      </p:childTnLst>
+                    </p:cTn>
+                  </p:par>
+                  <p:par>
+                    <p:cTn id="18" fill="hold">
+                      <p:stCondLst>
+                        <p:cond delay="indefinite"/>
+                      </p:stCondLst>
+                      <p:childTnLst>
+                        <p:par>
+                          <p:cTn id="19" fill="hold">
+                            <p:stCondLst>
+                              <p:cond delay="0"/>
+                            </p:stCondLst>
+                            <p:childTnLst>
+                              <p:par>
+                                <p:cTn id="20" presetID="42" presetClass="entr" presetSubtype="0" fill="hold" nodeType="clickEffect">
+                                  <p:stCondLst>
+                                    <p:cond delay="0"/>
+                                  </p:stCondLst>
+                                  <p:childTnLst>
+                                    <p:set>
+                                      <p:cBhvr>
+                                        <p:cTn id="21" dur="1" fill="hold">
+                                          <p:stCondLst>
+                                            <p:cond delay="0"/>
+                                          </p:stCondLst>
+                                        </p:cTn>
+                                        <p:tgtEl>
+                                          <p:spTgt spid="3">
+                                            <p:txEl>
+                                              <p:pRg st="3" end="3"/>
+                                            </p:txEl>
+                                          </p:spTgt>
+                                        </p:tgtEl>
+                                        <p:attrNameLst>
+                                          <p:attrName>style.visibility</p:attrName>
+                                        </p:attrNameLst>
+                                      </p:cBhvr>
+                                      <p:to>
+                                        <p:strVal val="visible"/>
+                                      </p:to>
+                                    </p:set>
+                                    <p:animEffect transition="in" filter="fade">
+                                      <p:cBhvr>
+                                        <p:cTn id="22" dur="1000"/>
+                                        <p:tgtEl>
+                                          <p:spTgt spid="3">
+                                            <p:txEl>
+                                              <p:pRg st="3" end="3"/>
+                                            </p:txEl>
+                                          </p:spTgt>
+                                        </p:tgtEl>
+                                      </p:cBhvr>
+                                    </p:animEffect>
+                                    <p:anim calcmode="lin" valueType="num">
+                                      <p:cBhvr>
+                                        <p:cTn id="23" dur="1000" fill="hold"/>
+                                        <p:tgtEl>
+                                          <p:spTgt spid="3">
+                                            <p:txEl>
+                                              <p:pRg st="3" end="3"/>
+                                            </p:txEl>
+                                          </p:spTgt>
+                                        </p:tgtEl>
+                                        <p:attrNameLst>
+                                          <p:attrName>ppt_x</p:attrName>
+                                        </p:attrNameLst>
+                                      </p:cBhvr>
+                                      <p:tavLst>
+                                        <p:tav tm="0">
+                                          <p:val>
+                                            <p:strVal val="#ppt_x"/>
+                                          </p:val>
+                                        </p:tav>
+                                        <p:tav tm="100000">
+                                          <p:val>
+                                            <p:strVal val="#ppt_x"/>
+                                          </p:val>
+                                        </p:tav>
+                                      </p:tavLst>
+                                    </p:anim>
+                                    <p:anim calcmode="lin" valueType="num">
+                                      <p:cBhvr>
+                                        <p:cTn id="24" dur="1000" fill="hold"/>
+                                        <p:tgtEl>
+                                          <p:spTgt spid="3">
+                                            <p:txEl>
+                                              <p:pRg st="3" end="3"/>
+                                            </p:txEl>
+                                          </p:spTgt>
+                                        </p:tgtEl>
+                                        <p:attrNameLst>
+                                          <p:attrName>ppt_y</p:attrName>
+                                        </p:attrNameLst>
+                                      </p:cBhvr>
+                                      <p:tavLst>
+                                        <p:tav tm="0">
+                                          <p:val>
+                                            <p:strVal val="#ppt_y+.1"/>
+                                          </p:val>
+                                        </p:tav>
+                                        <p:tav tm="100000">
+                                          <p:val>
+                                            <p:strVal val="#ppt_y"/>
+                                          </p:val>
+                                        </p:tav>
+                                      </p:tavLst>
+                                    </p:anim>
+                                  </p:childTnLst>
+                                </p:cTn>
+                              </p:par>
+                            </p:childTnLst>
+                          </p:cTn>
+                        </p:par>
+                      </p:childTnLst>
+                    </p:cTn>
+                  </p:par>
+                  <p:par>
+                    <p:cTn id="25" fill="hold">
+                      <p:stCondLst>
+                        <p:cond delay="indefinite"/>
+                      </p:stCondLst>
+                      <p:childTnLst>
+                        <p:par>
+                          <p:cTn id="26" fill="hold">
+                            <p:stCondLst>
+                              <p:cond delay="0"/>
+                            </p:stCondLst>
+                            <p:childTnLst>
+                              <p:par>
+                                <p:cTn id="27" presetID="16" presetClass="entr" presetSubtype="21" fill="hold" nodeType="clickEffect">
+                                  <p:stCondLst>
+                                    <p:cond delay="0"/>
+                                  </p:stCondLst>
+                                  <p:childTnLst>
+                                    <p:set>
+                                      <p:cBhvr>
+                                        <p:cTn id="28" dur="1" fill="hold">
+                                          <p:stCondLst>
+                                            <p:cond delay="0"/>
+                                          </p:stCondLst>
+                                        </p:cTn>
+                                        <p:tgtEl>
+                                          <p:spTgt spid="3">
+                                            <p:txEl>
+                                              <p:pRg st="4" end="4"/>
+                                            </p:txEl>
+                                          </p:spTgt>
+                                        </p:tgtEl>
+                                        <p:attrNameLst>
+                                          <p:attrName>style.visibility</p:attrName>
+                                        </p:attrNameLst>
+                                      </p:cBhvr>
+                                      <p:to>
+                                        <p:strVal val="visible"/>
+                                      </p:to>
+                                    </p:set>
+                                    <p:animEffect transition="in" filter="barn(inVertical)">
+                                      <p:cBhvr>
+                                        <p:cTn id="29" dur="500"/>
+                                        <p:tgtEl>
+                                          <p:spTgt spid="3">
+                                            <p:txEl>
+                                              <p:pRg st="4" end="4"/>
+                                            </p:txEl>
+                                          </p:spTgt>
+                                        </p:tgtEl>
+                                      </p:cBhvr>
+                                    </p:animEffect>
+                                  </p:childTnLst>
+                                </p:cTn>
+                              </p:par>
+                            </p:childTnLst>
+                          </p:cTn>
+                        </p:par>
+                      </p:childTnLst>
+                    </p:cTn>
+                  </p:par>
+                  <p:par>
+                    <p:cTn id="30" fill="hold">
+                      <p:stCondLst>
+                        <p:cond delay="indefinite"/>
+                      </p:stCondLst>
+                      <p:childTnLst>
+                        <p:par>
+                          <p:cTn id="31" fill="hold">
+                            <p:stCondLst>
+                              <p:cond delay="0"/>
+                            </p:stCondLst>
+                            <p:childTnLst>
+                              <p:par>
+                                <p:cTn id="32" presetID="22" presetClass="entr" presetSubtype="4" fill="hold" nodeType="clickEffect">
+                                  <p:stCondLst>
+                                    <p:cond delay="0"/>
+                                  </p:stCondLst>
+                                  <p:childTnLst>
+                                    <p:set>
+                                      <p:cBhvr>
+                                        <p:cTn id="33" dur="1" fill="hold">
+                                          <p:stCondLst>
+                                            <p:cond delay="0"/>
+                                          </p:stCondLst>
+                                        </p:cTn>
+                                        <p:tgtEl>
+                                          <p:spTgt spid="3">
+                                            <p:txEl>
+                                              <p:pRg st="5" end="5"/>
+                                            </p:txEl>
+                                          </p:spTgt>
+                                        </p:tgtEl>
+                                        <p:attrNameLst>
+                                          <p:attrName>style.visibility</p:attrName>
+                                        </p:attrNameLst>
+                                      </p:cBhvr>
+                                      <p:to>
+                                        <p:strVal val="visible"/>
+                                      </p:to>
+                                    </p:set>
+                                    <p:animEffect transition="in" filter="wipe(down)">
+                                      <p:cBhvr>
+                                        <p:cTn id="34" dur="500"/>
+                                        <p:tgtEl>
+                                          <p:spTgt spid="3">
+                                            <p:txEl>
+                                              <p:pRg st="5" end="5"/>
+                                            </p:txEl>
+                                          </p:spTgt>
+                                        </p:tgtEl>
+                                      </p:cBhvr>
+                                    </p:animEffect>
+                                  </p:childTnLst>
+                                </p:cTn>
+                              </p:par>
+                            </p:childTnLst>
+                          </p:cTn>
+                        </p:par>
+                      </p:childTnLst>
+                    </p:cTn>
+                  </p:par>
+                </p:childTnLst>
+              </p:cTn>
+              <p:prevCondLst>
+                <p:cond evt="onPrev" delay="0">
+                  <p:tgtEl>
+                    <p:sldTgt/>
+                  </p:tgtEl>
+                </p:cond>
+              </p:prevCondLst>
+              <p:nextCondLst>
+                <p:cond evt="onNext" delay="0">
+                  <p:tgtEl>
+                    <p:sldTgt/>
+                  </p:tgtEl>
+                </p:cond>
+              </p:nextCondLst>
+            </p:seq>
+          </p:childTnLst>
+        </p:cTn>
       </p:par>
     </p:tnLst>
   </p:timing>
@@ -11714,7 +13779,7 @@
             <a:fld id="{B11D738E-8962-435F-8C43-147B8DD7E819}" type="datetime1">
               <a:rPr lang="en-US" smtClean="0"/>
               <a:pPr/>
-              <a:t>8/26/2014</a:t>
+              <a:t>7/18/2014</a:t>
             </a:fld>
             <a:endParaRPr lang="en-US" dirty="0"/>
           </a:p>
@@ -11831,26 +13896,17 @@
             </a:r>
             <a:r>
               <a:rPr lang="zh-CN" altLang="en-US" dirty="0" smtClean="0"/>
-              <a:t>单表支持数据量有限，单表一般百万</a:t>
-            </a:r>
-            <a:r>
-              <a:rPr lang="zh-CN" altLang="en-US" dirty="0" smtClean="0"/>
-              <a:t>级别</a:t>
+              <a:t>单表支持数据量有限，单表一般百万级别</a:t>
             </a:r>
             <a:r>
               <a:rPr lang="en-US" altLang="zh-CN" dirty="0" smtClean="0"/>
               <a:t>.</a:t>
             </a:r>
-            <a:endParaRPr lang="en-US" altLang="zh-CN" dirty="0" smtClean="0"/>
-          </a:p>
-          <a:p>
-            <a:r>
-              <a:rPr lang="zh-CN" altLang="en-US" dirty="0" smtClean="0"/>
-              <a:t>系统业务</a:t>
-            </a:r>
-            <a:r>
-              <a:rPr lang="zh-CN" altLang="en-US" dirty="0" smtClean="0"/>
-              <a:t>需要</a:t>
+          </a:p>
+          <a:p>
+            <a:r>
+              <a:rPr lang="zh-CN" altLang="en-US" dirty="0" smtClean="0"/>
+              <a:t>系统业务需要</a:t>
             </a:r>
             <a:endParaRPr lang="en-US" altLang="zh-CN" dirty="0" smtClean="0"/>
           </a:p>
@@ -11865,22 +13921,14 @@
             </a:r>
             <a:r>
               <a:rPr lang="zh-CN" altLang="en-US" dirty="0" smtClean="0"/>
-              <a:t>书写</a:t>
-            </a:r>
-            <a:r>
-              <a:rPr lang="zh-CN" altLang="en-US" dirty="0" smtClean="0"/>
-              <a:t>透明</a:t>
+              <a:t>书写透明</a:t>
             </a:r>
             <a:endParaRPr lang="en-US" altLang="zh-CN" dirty="0" smtClean="0"/>
           </a:p>
           <a:p>
             <a:r>
               <a:rPr lang="zh-CN" altLang="en-US" dirty="0" smtClean="0"/>
-              <a:t>读写</a:t>
-            </a:r>
-            <a:r>
-              <a:rPr lang="zh-CN" altLang="en-US" dirty="0" smtClean="0"/>
-              <a:t>分离</a:t>
+              <a:t>读写分离</a:t>
             </a:r>
             <a:endParaRPr lang="en-US" altLang="zh-CN" dirty="0" smtClean="0"/>
           </a:p>
@@ -11903,11 +13951,7 @@
             </a:r>
             <a:r>
               <a:rPr lang="zh-CN" altLang="en-US" dirty="0" smtClean="0"/>
-              <a:t>零</a:t>
-            </a:r>
-            <a:r>
-              <a:rPr lang="zh-CN" altLang="en-US" dirty="0" smtClean="0"/>
-              <a:t>切换</a:t>
+              <a:t>零切换</a:t>
             </a:r>
             <a:endParaRPr lang="en-US" altLang="zh-CN" dirty="0" smtClean="0"/>
           </a:p>
@@ -11980,7 +14024,7 @@
             <a:fld id="{B11D738E-8962-435F-8C43-147B8DD7E819}" type="datetime1">
               <a:rPr lang="en-US" smtClean="0"/>
               <a:pPr/>
-              <a:t>8/26/2014</a:t>
+              <a:t>7/18/2014</a:t>
             </a:fld>
             <a:endParaRPr lang="en-US"/>
           </a:p>
@@ -12277,7 +14321,7 @@
             <a:fld id="{B11D738E-8962-435F-8C43-147B8DD7E819}" type="datetime1">
               <a:rPr lang="en-US" smtClean="0"/>
               <a:pPr/>
-              <a:t>8/26/2014</a:t>
+              <a:t>7/18/2014</a:t>
             </a:fld>
             <a:endParaRPr lang="en-US"/>
           </a:p>
@@ -12390,11 +14434,7 @@
           <a:p>
             <a:r>
               <a:rPr lang="zh-CN" altLang="en-US" dirty="0" smtClean="0"/>
-              <a:t>同一业务数据存放至单库多</a:t>
-            </a:r>
-            <a:r>
-              <a:rPr lang="zh-CN" altLang="en-US" dirty="0" smtClean="0"/>
-              <a:t>表</a:t>
+              <a:t>同一业务数据存放至单库多表</a:t>
             </a:r>
             <a:endParaRPr lang="en-US" altLang="zh-CN" dirty="0" smtClean="0"/>
           </a:p>
@@ -12409,11 +14449,7 @@
             </a:r>
             <a:r>
               <a:rPr lang="zh-CN" altLang="en-US" dirty="0" smtClean="0"/>
-              <a:t>至多库多</a:t>
-            </a:r>
-            <a:r>
-              <a:rPr lang="zh-CN" altLang="en-US" dirty="0" smtClean="0"/>
-              <a:t>表</a:t>
+              <a:t>至多库多表</a:t>
             </a:r>
             <a:endParaRPr lang="zh-CN" altLang="en-US" dirty="0"/>
           </a:p>
@@ -12481,7 +14517,7 @@
                 </a:solidFill>
               </a:rPr>
               <a:pPr/>
-              <a:t>8/26/2014</a:t>
+              <a:t>7/18/2014</a:t>
             </a:fld>
             <a:endParaRPr lang="en-US" dirty="0">
               <a:solidFill>
@@ -12627,22 +14663,14 @@
             </a:r>
             <a:r>
               <a:rPr lang="zh-CN" altLang="en-US" dirty="0" smtClean="0"/>
-              <a:t>，更新</a:t>
-            </a:r>
-            <a:r>
-              <a:rPr lang="zh-CN" altLang="en-US" dirty="0" smtClean="0"/>
-              <a:t>时间）</a:t>
+              <a:t>，更新时间）</a:t>
             </a:r>
             <a:endParaRPr lang="en-US" altLang="zh-CN" dirty="0" smtClean="0"/>
           </a:p>
           <a:p>
             <a:r>
               <a:rPr lang="zh-CN" altLang="en-US" dirty="0" smtClean="0"/>
-              <a:t>取插入主键时，先从缓存中读取主健值，如缓存中有值，取出再将剩余值放回</a:t>
-            </a:r>
-            <a:r>
-              <a:rPr lang="zh-CN" altLang="en-US" dirty="0" smtClean="0"/>
-              <a:t>缓存</a:t>
+              <a:t>取插入主键时，先从缓存中读取主健值，如缓存中有值，取出再将剩余值放回缓存</a:t>
             </a:r>
             <a:endParaRPr lang="en-US" altLang="zh-CN" dirty="0" smtClean="0"/>
           </a:p>
@@ -12684,22 +14712,13 @@
             </a:r>
             <a:r>
               <a:rPr lang="en-US" altLang="zh-CN" dirty="0" smtClean="0"/>
-              <a:t>for </a:t>
-            </a:r>
-            <a:r>
-              <a:rPr lang="en-US" altLang="zh-CN" dirty="0" smtClean="0"/>
-              <a:t>update</a:t>
-            </a:r>
-            <a:endParaRPr lang="en-US" altLang="zh-CN" dirty="0" smtClean="0"/>
-          </a:p>
-          <a:p>
-            <a:r>
-              <a:rPr lang="zh-CN" altLang="en-US" dirty="0" smtClean="0"/>
-              <a:t>读缓存数据时，加排他锁，文件锁</a:t>
-            </a:r>
-            <a:r>
-              <a:rPr lang="zh-CN" altLang="en-US" dirty="0" smtClean="0"/>
-              <a:t>实现</a:t>
+              <a:t>for update</a:t>
+            </a:r>
+          </a:p>
+          <a:p>
+            <a:r>
+              <a:rPr lang="zh-CN" altLang="en-US" dirty="0" smtClean="0"/>
+              <a:t>读缓存数据时，加排他锁，文件锁实现</a:t>
             </a:r>
             <a:endParaRPr lang="zh-CN" altLang="en-US" dirty="0"/>
           </a:p>
@@ -12773,11 +14792,7 @@
           <a:p>
             <a:r>
               <a:rPr lang="zh-CN" altLang="en-US" dirty="0" smtClean="0"/>
-              <a:t>根据逻辑列的值来确定物理表存在哪个库中及表</a:t>
-            </a:r>
-            <a:r>
-              <a:rPr lang="zh-CN" altLang="en-US" dirty="0" smtClean="0"/>
-              <a:t>名</a:t>
+              <a:t>根据逻辑列的值来确定物理表存在哪个库中及表名</a:t>
             </a:r>
             <a:endParaRPr lang="en-US" altLang="zh-CN" dirty="0" smtClean="0"/>
           </a:p>
@@ -12811,11 +14826,7 @@
             </a:r>
             <a:r>
               <a:rPr lang="en-US" altLang="zh-CN" dirty="0" smtClean="0"/>
-              <a:t>  from  user </a:t>
-            </a:r>
-            <a:r>
-              <a:rPr lang="en-US" altLang="zh-CN" dirty="0" smtClean="0"/>
-              <a:t>where </a:t>
+              <a:t>  from  user where </a:t>
             </a:r>
             <a:r>
               <a:rPr lang="en-US" altLang="zh-CN" dirty="0" err="1" smtClean="0"/>
@@ -12849,7 +14860,6 @@
               <a:rPr lang="en-US" altLang="zh-CN" dirty="0" smtClean="0"/>
               <a:t>)</a:t>
             </a:r>
-            <a:endParaRPr lang="en-US" altLang="zh-CN" dirty="0" smtClean="0"/>
           </a:p>
           <a:p>
             <a:r>
@@ -12870,11 +14880,7 @@
             </a:r>
             <a:r>
               <a:rPr lang="zh-CN" altLang="en-US" dirty="0" smtClean="0"/>
-              <a:t>、虚拟节点的方式实现库表</a:t>
-            </a:r>
-            <a:r>
-              <a:rPr lang="zh-CN" altLang="en-US" dirty="0" smtClean="0"/>
-              <a:t>分离</a:t>
+              <a:t>、虚拟节点的方式实现库表分离</a:t>
             </a:r>
             <a:endParaRPr lang="en-US" altLang="zh-CN" dirty="0"/>
           </a:p>
@@ -12921,7 +14927,7 @@
                 </a:solidFill>
               </a:rPr>
               <a:pPr/>
-              <a:t>8/26/2014</a:t>
+              <a:t>7/18/2014</a:t>
             </a:fld>
             <a:endParaRPr lang="en-US">
               <a:solidFill>
@@ -13339,7 +15345,7 @@
                 </a:solidFill>
               </a:rPr>
               <a:pPr/>
-              <a:t>8/26/2014</a:t>
+              <a:t>7/18/2014</a:t>
             </a:fld>
             <a:endParaRPr lang="en-US">
               <a:solidFill>

--- a/dbroute.pptx
+++ b/dbroute.pptx
@@ -7976,16 +7976,6 @@
             <a:endParaRPr lang="en-US" altLang="zh-CN" dirty="0" smtClean="0"/>
           </a:p>
           <a:p>
-            <a:r>
-              <a:rPr lang="zh-CN" altLang="en-US" dirty="0" smtClean="0"/>
-              <a:t>未来读库支持权重</a:t>
-            </a:r>
-            <a:endParaRPr lang="en-US" altLang="zh-CN" dirty="0" smtClean="0"/>
-          </a:p>
-          <a:p>
-            <a:endParaRPr lang="en-US" altLang="zh-CN" dirty="0" smtClean="0"/>
-          </a:p>
-          <a:p>
             <a:pPr marL="0" indent="0">
               <a:buNone/>
             </a:pPr>
@@ -8166,7 +8156,7 @@
             </a:r>
             <a:r>
               <a:rPr lang="en-US" altLang="zh-CN" dirty="0" smtClean="0"/>
-              <a:t>[0,500W]</a:t>
+              <a:t>[0,500w]</a:t>
             </a:r>
             <a:r>
               <a:rPr lang="zh-CN" altLang="en-US" dirty="0"/>
@@ -8194,7 +8184,31 @@
             </a:r>
             <a:r>
               <a:rPr lang="zh-CN" altLang="en-US" dirty="0" smtClean="0"/>
-              <a:t>库中</a:t>
+              <a:t>库</a:t>
+            </a:r>
+            <a:r>
+              <a:rPr lang="zh-CN" altLang="en-US" dirty="0" smtClean="0"/>
+              <a:t>中</a:t>
+            </a:r>
+            <a:r>
+              <a:rPr lang="en-US" altLang="zh-CN" dirty="0" smtClean="0"/>
+              <a:t>,[1000w ,1500w]</a:t>
+            </a:r>
+            <a:r>
+              <a:rPr lang="zh-CN" altLang="en-US" dirty="0" smtClean="0"/>
+              <a:t>在</a:t>
+            </a:r>
+            <a:r>
+              <a:rPr lang="en-US" altLang="zh-CN" dirty="0" smtClean="0"/>
+              <a:t>c</a:t>
+            </a:r>
+            <a:r>
+              <a:rPr lang="zh-CN" altLang="en-US" dirty="0" smtClean="0"/>
+              <a:t>库</a:t>
+            </a:r>
+            <a:r>
+              <a:rPr lang="zh-CN" altLang="en-US" dirty="0" smtClean="0"/>
+              <a:t>中</a:t>
             </a:r>
             <a:r>
               <a:rPr lang="en-US" altLang="zh-CN" dirty="0" smtClean="0"/>
@@ -8705,6 +8719,14 @@
             <a:endParaRPr lang="en-US" altLang="zh-CN" dirty="0" smtClean="0"/>
           </a:p>
           <a:p>
+            <a:r>
+              <a:rPr lang="zh-CN" altLang="en-US" dirty="0"/>
+              <a:t>未来读库支持</a:t>
+            </a:r>
+            <a:r>
+              <a:rPr lang="zh-CN" altLang="en-US" dirty="0" smtClean="0"/>
+              <a:t>权重</a:t>
+            </a:r>
             <a:endParaRPr lang="en-US" altLang="zh-CN" dirty="0" smtClean="0">
               <a:solidFill>
                 <a:srgbClr val="FF0000"/>
@@ -14451,6 +14473,13 @@
               <a:rPr lang="zh-CN" altLang="en-US" dirty="0" smtClean="0"/>
               <a:t>至多库多表</a:t>
             </a:r>
+            <a:endParaRPr lang="en-US" altLang="zh-CN" dirty="0" smtClean="0"/>
+          </a:p>
+          <a:p>
+            <a:r>
+              <a:rPr lang="zh-CN" altLang="en-US" dirty="0" smtClean="0"/>
+              <a:t>同一业务数据存放至多库单表（每库一表）</a:t>
+            </a:r>
             <a:endParaRPr lang="zh-CN" altLang="en-US" dirty="0"/>
           </a:p>
         </p:txBody>
@@ -14779,7 +14808,7 @@
         </p:spPr>
         <p:txBody>
           <a:bodyPr>
-            <a:normAutofit/>
+            <a:normAutofit fontScale="92500" lnSpcReduction="10000"/>
           </a:bodyPr>
           <a:lstStyle/>
           <a:p>
@@ -14792,7 +14821,25 @@
           <a:p>
             <a:r>
               <a:rPr lang="zh-CN" altLang="en-US" dirty="0" smtClean="0"/>
-              <a:t>根据逻辑列的值来确定物理表存在哪个库中及表名</a:t>
+              <a:t>根据逻辑列的值来确定在哪个库中</a:t>
+            </a:r>
+            <a:endParaRPr lang="en-US" altLang="zh-CN" dirty="0"/>
+          </a:p>
+          <a:p>
+            <a:r>
+              <a:rPr lang="zh-CN" altLang="en-US" dirty="0" smtClean="0"/>
+              <a:t>再根据逻辑列的值确定所在库中的表的</a:t>
+            </a:r>
+            <a:r>
+              <a:rPr lang="zh-CN" altLang="en-US" dirty="0" smtClean="0"/>
+              <a:t>下标</a:t>
+            </a:r>
+            <a:endParaRPr lang="en-US" altLang="zh-CN" dirty="0" smtClean="0"/>
+          </a:p>
+          <a:p>
+            <a:r>
+              <a:rPr lang="zh-CN" altLang="en-US" dirty="0" smtClean="0"/>
+              <a:t>根据下标找到表名</a:t>
             </a:r>
             <a:endParaRPr lang="en-US" altLang="zh-CN" dirty="0" smtClean="0"/>
           </a:p>

--- a/dbroute.pptx
+++ b/dbroute.pptx
@@ -8184,11 +8184,7 @@
             </a:r>
             <a:r>
               <a:rPr lang="zh-CN" altLang="en-US" dirty="0" smtClean="0"/>
-              <a:t>库</a:t>
-            </a:r>
-            <a:r>
-              <a:rPr lang="zh-CN" altLang="en-US" dirty="0" smtClean="0"/>
-              <a:t>中</a:t>
+              <a:t>库中</a:t>
             </a:r>
             <a:r>
               <a:rPr lang="en-US" altLang="zh-CN" dirty="0" smtClean="0"/>
@@ -8204,11 +8200,7 @@
             </a:r>
             <a:r>
               <a:rPr lang="zh-CN" altLang="en-US" dirty="0" smtClean="0"/>
-              <a:t>库</a:t>
-            </a:r>
-            <a:r>
-              <a:rPr lang="zh-CN" altLang="en-US" dirty="0" smtClean="0"/>
-              <a:t>中</a:t>
+              <a:t>库中</a:t>
             </a:r>
             <a:r>
               <a:rPr lang="en-US" altLang="zh-CN" dirty="0" smtClean="0"/>
@@ -14828,11 +14820,7 @@
           <a:p>
             <a:r>
               <a:rPr lang="zh-CN" altLang="en-US" dirty="0" smtClean="0"/>
-              <a:t>再根据逻辑列的值确定所在库中的表的</a:t>
-            </a:r>
-            <a:r>
-              <a:rPr lang="zh-CN" altLang="en-US" dirty="0" smtClean="0"/>
-              <a:t>下标</a:t>
+              <a:t>再根据逻辑列的值确定所在库中的表的下标</a:t>
             </a:r>
             <a:endParaRPr lang="en-US" altLang="zh-CN" dirty="0" smtClean="0"/>
           </a:p>

--- a/dbroute.pptx
+++ b/dbroute.pptx
@@ -8134,7 +8134,7 @@
                   <a:srgbClr val="FF0000"/>
                 </a:solidFill>
               </a:rPr>
-              <a:t>有</a:t>
+              <a:t>有 </a:t>
             </a:r>
             <a:endParaRPr lang="en-US" altLang="zh-CN" dirty="0" smtClean="0">
               <a:solidFill>
@@ -8144,8 +8144,31 @@
           </a:p>
           <a:p>
             <a:r>
-              <a:rPr lang="zh-CN" altLang="en-US" dirty="0" smtClean="0"/>
-              <a:t>把库当成表用即一库一表，对于自增序列、时间段分表的可实现</a:t>
+              <a:rPr lang="zh-CN" altLang="en-US" dirty="0">
+                <a:solidFill>
+                  <a:srgbClr val="FF0000"/>
+                </a:solidFill>
+              </a:rPr>
+              <a:t>使用</a:t>
+            </a:r>
+            <a:r>
+              <a:rPr lang="en-US" altLang="zh-CN" dirty="0" err="1" smtClean="0"/>
+              <a:t>consistent_hash</a:t>
+            </a:r>
+            <a:endParaRPr lang="en-US" altLang="zh-CN" dirty="0" smtClean="0">
+              <a:solidFill>
+                <a:srgbClr val="FF0000"/>
+              </a:solidFill>
+            </a:endParaRPr>
+          </a:p>
+          <a:p>
+            <a:r>
+              <a:rPr lang="zh-CN" altLang="en-US" dirty="0" smtClean="0"/>
+              <a:t>把</a:t>
+            </a:r>
+            <a:r>
+              <a:rPr lang="zh-CN" altLang="en-US" dirty="0" smtClean="0"/>
+              <a:t>库当成表用即一库一表，对于自增序列、时间段分表的可实现</a:t>
             </a:r>
             <a:endParaRPr lang="en-US" altLang="zh-CN" dirty="0" smtClean="0"/>
           </a:p>
@@ -8416,7 +8439,7 @@
                             </p:stCondLst>
                             <p:childTnLst>
                               <p:par>
-                                <p:cTn id="5" presetID="2" presetClass="entr" presetSubtype="4" fill="hold" nodeType="clickEffect">
+                                <p:cTn id="5" presetID="10" presetClass="entr" presetSubtype="0" fill="hold" nodeType="clickEffect">
                                   <p:stCondLst>
                                     <p:cond delay="0"/>
                                   </p:stCondLst>
@@ -8443,13 +8466,74 @@
                                         <p:strVal val="visible"/>
                                       </p:to>
                                     </p:set>
-                                    <p:anim calcmode="lin" valueType="num">
-                                      <p:cBhvr additive="base">
-                                        <p:cTn id="7" dur="500" fill="hold"/>
+                                    <p:animEffect transition="in" filter="fade">
+                                      <p:cBhvr>
+                                        <p:cTn id="7" dur="500"/>
                                         <p:tgtEl>
                                           <p:spTgt spid="3">
                                             <p:txEl>
                                               <p:pRg st="6" end="6"/>
+                                            </p:txEl>
+                                          </p:spTgt>
+                                        </p:tgtEl>
+                                      </p:cBhvr>
+                                    </p:animEffect>
+                                  </p:childTnLst>
+                                </p:cTn>
+                              </p:par>
+                            </p:childTnLst>
+                          </p:cTn>
+                        </p:par>
+                      </p:childTnLst>
+                    </p:cTn>
+                  </p:par>
+                  <p:par>
+                    <p:cTn id="8" fill="hold">
+                      <p:stCondLst>
+                        <p:cond delay="indefinite"/>
+                      </p:stCondLst>
+                      <p:childTnLst>
+                        <p:par>
+                          <p:cTn id="9" fill="hold">
+                            <p:stCondLst>
+                              <p:cond delay="0"/>
+                            </p:stCondLst>
+                            <p:childTnLst>
+                              <p:par>
+                                <p:cTn id="10" presetID="2" presetClass="entr" presetSubtype="4" fill="hold" nodeType="clickEffect">
+                                  <p:stCondLst>
+                                    <p:cond delay="0"/>
+                                  </p:stCondLst>
+                                  <p:childTnLst>
+                                    <p:set>
+                                      <p:cBhvr>
+                                        <p:cTn id="11" dur="1" fill="hold">
+                                          <p:stCondLst>
+                                            <p:cond delay="0"/>
+                                          </p:stCondLst>
+                                        </p:cTn>
+                                        <p:tgtEl>
+                                          <p:spTgt spid="3">
+                                            <p:txEl>
+                                              <p:pRg st="7" end="7"/>
+                                            </p:txEl>
+                                          </p:spTgt>
+                                        </p:tgtEl>
+                                        <p:attrNameLst>
+                                          <p:attrName>style.visibility</p:attrName>
+                                        </p:attrNameLst>
+                                      </p:cBhvr>
+                                      <p:to>
+                                        <p:strVal val="visible"/>
+                                      </p:to>
+                                    </p:set>
+                                    <p:anim calcmode="lin" valueType="num">
+                                      <p:cBhvr additive="base">
+                                        <p:cTn id="12" dur="500" fill="hold"/>
+                                        <p:tgtEl>
+                                          <p:spTgt spid="3">
+                                            <p:txEl>
+                                              <p:pRg st="7" end="7"/>
                                             </p:txEl>
                                           </p:spTgt>
                                         </p:tgtEl>
@@ -8472,11 +8556,11 @@
                                     </p:anim>
                                     <p:anim calcmode="lin" valueType="num">
                                       <p:cBhvr additive="base">
-                                        <p:cTn id="8" dur="500" fill="hold"/>
+                                        <p:cTn id="13" dur="500" fill="hold"/>
                                         <p:tgtEl>
                                           <p:spTgt spid="3">
                                             <p:txEl>
-                                              <p:pRg st="6" end="6"/>
+                                              <p:pRg st="7" end="7"/>
                                             </p:txEl>
                                           </p:spTgt>
                                         </p:tgtEl>
@@ -8507,67 +8591,6 @@
                     </p:cTn>
                   </p:par>
                   <p:par>
-                    <p:cTn id="9" fill="hold">
-                      <p:stCondLst>
-                        <p:cond delay="indefinite"/>
-                      </p:stCondLst>
-                      <p:childTnLst>
-                        <p:par>
-                          <p:cTn id="10" fill="hold">
-                            <p:stCondLst>
-                              <p:cond delay="0"/>
-                            </p:stCondLst>
-                            <p:childTnLst>
-                              <p:par>
-                                <p:cTn id="11" presetID="10" presetClass="entr" presetSubtype="0" fill="hold" nodeType="clickEffect">
-                                  <p:stCondLst>
-                                    <p:cond delay="0"/>
-                                  </p:stCondLst>
-                                  <p:childTnLst>
-                                    <p:set>
-                                      <p:cBhvr>
-                                        <p:cTn id="12" dur="1" fill="hold">
-                                          <p:stCondLst>
-                                            <p:cond delay="0"/>
-                                          </p:stCondLst>
-                                        </p:cTn>
-                                        <p:tgtEl>
-                                          <p:spTgt spid="3">
-                                            <p:txEl>
-                                              <p:pRg st="7" end="7"/>
-                                            </p:txEl>
-                                          </p:spTgt>
-                                        </p:tgtEl>
-                                        <p:attrNameLst>
-                                          <p:attrName>style.visibility</p:attrName>
-                                        </p:attrNameLst>
-                                      </p:cBhvr>
-                                      <p:to>
-                                        <p:strVal val="visible"/>
-                                      </p:to>
-                                    </p:set>
-                                    <p:animEffect transition="in" filter="fade">
-                                      <p:cBhvr>
-                                        <p:cTn id="13" dur="500"/>
-                                        <p:tgtEl>
-                                          <p:spTgt spid="3">
-                                            <p:txEl>
-                                              <p:pRg st="7" end="7"/>
-                                            </p:txEl>
-                                          </p:spTgt>
-                                        </p:tgtEl>
-                                      </p:cBhvr>
-                                    </p:animEffect>
-                                  </p:childTnLst>
-                                </p:cTn>
-                              </p:par>
-                            </p:childTnLst>
-                          </p:cTn>
-                        </p:par>
-                      </p:childTnLst>
-                    </p:cTn>
-                  </p:par>
-                  <p:par>
                     <p:cTn id="14" fill="hold">
                       <p:stCondLst>
                         <p:cond delay="indefinite"/>
@@ -8580,7 +8603,7 @@
                             </p:stCondLst>
                             <p:childTnLst>
                               <p:par>
-                                <p:cTn id="16" presetID="16" presetClass="entr" presetSubtype="21" fill="hold" nodeType="clickEffect">
+                                <p:cTn id="16" presetID="2" presetClass="entr" presetSubtype="4" fill="hold" nodeType="clickEffect">
                                   <p:stCondLst>
                                     <p:cond delay="0"/>
                                   </p:stCondLst>
@@ -8607,9 +8630,9 @@
                                         <p:strVal val="visible"/>
                                       </p:to>
                                     </p:set>
-                                    <p:animEffect transition="in" filter="barn(inVertical)">
-                                      <p:cBhvr>
-                                        <p:cTn id="18" dur="500"/>
+                                    <p:anim calcmode="lin" valueType="num">
+                                      <p:cBhvr additive="base">
+                                        <p:cTn id="18" dur="500" fill="hold"/>
                                         <p:tgtEl>
                                           <p:spTgt spid="3">
                                             <p:txEl>
@@ -8617,8 +8640,153 @@
                                             </p:txEl>
                                           </p:spTgt>
                                         </p:tgtEl>
+                                        <p:attrNameLst>
+                                          <p:attrName>ppt_x</p:attrName>
+                                        </p:attrNameLst>
                                       </p:cBhvr>
-                                    </p:animEffect>
+                                      <p:tavLst>
+                                        <p:tav tm="0">
+                                          <p:val>
+                                            <p:strVal val="#ppt_x"/>
+                                          </p:val>
+                                        </p:tav>
+                                        <p:tav tm="100000">
+                                          <p:val>
+                                            <p:strVal val="#ppt_x"/>
+                                          </p:val>
+                                        </p:tav>
+                                      </p:tavLst>
+                                    </p:anim>
+                                    <p:anim calcmode="lin" valueType="num">
+                                      <p:cBhvr additive="base">
+                                        <p:cTn id="19" dur="500" fill="hold"/>
+                                        <p:tgtEl>
+                                          <p:spTgt spid="3">
+                                            <p:txEl>
+                                              <p:pRg st="8" end="8"/>
+                                            </p:txEl>
+                                          </p:spTgt>
+                                        </p:tgtEl>
+                                        <p:attrNameLst>
+                                          <p:attrName>ppt_y</p:attrName>
+                                        </p:attrNameLst>
+                                      </p:cBhvr>
+                                      <p:tavLst>
+                                        <p:tav tm="0">
+                                          <p:val>
+                                            <p:strVal val="1+#ppt_h/2"/>
+                                          </p:val>
+                                        </p:tav>
+                                        <p:tav tm="100000">
+                                          <p:val>
+                                            <p:strVal val="#ppt_y"/>
+                                          </p:val>
+                                        </p:tav>
+                                      </p:tavLst>
+                                    </p:anim>
+                                  </p:childTnLst>
+                                </p:cTn>
+                              </p:par>
+                            </p:childTnLst>
+                          </p:cTn>
+                        </p:par>
+                      </p:childTnLst>
+                    </p:cTn>
+                  </p:par>
+                  <p:par>
+                    <p:cTn id="20" fill="hold">
+                      <p:stCondLst>
+                        <p:cond delay="indefinite"/>
+                      </p:stCondLst>
+                      <p:childTnLst>
+                        <p:par>
+                          <p:cTn id="21" fill="hold">
+                            <p:stCondLst>
+                              <p:cond delay="0"/>
+                            </p:stCondLst>
+                            <p:childTnLst>
+                              <p:par>
+                                <p:cTn id="22" presetID="2" presetClass="entr" presetSubtype="4" fill="hold" nodeType="clickEffect">
+                                  <p:stCondLst>
+                                    <p:cond delay="0"/>
+                                  </p:stCondLst>
+                                  <p:childTnLst>
+                                    <p:set>
+                                      <p:cBhvr>
+                                        <p:cTn id="23" dur="1" fill="hold">
+                                          <p:stCondLst>
+                                            <p:cond delay="0"/>
+                                          </p:stCondLst>
+                                        </p:cTn>
+                                        <p:tgtEl>
+                                          <p:spTgt spid="3">
+                                            <p:txEl>
+                                              <p:pRg st="9" end="9"/>
+                                            </p:txEl>
+                                          </p:spTgt>
+                                        </p:tgtEl>
+                                        <p:attrNameLst>
+                                          <p:attrName>style.visibility</p:attrName>
+                                        </p:attrNameLst>
+                                      </p:cBhvr>
+                                      <p:to>
+                                        <p:strVal val="visible"/>
+                                      </p:to>
+                                    </p:set>
+                                    <p:anim calcmode="lin" valueType="num">
+                                      <p:cBhvr additive="base">
+                                        <p:cTn id="24" dur="500" fill="hold"/>
+                                        <p:tgtEl>
+                                          <p:spTgt spid="3">
+                                            <p:txEl>
+                                              <p:pRg st="9" end="9"/>
+                                            </p:txEl>
+                                          </p:spTgt>
+                                        </p:tgtEl>
+                                        <p:attrNameLst>
+                                          <p:attrName>ppt_x</p:attrName>
+                                        </p:attrNameLst>
+                                      </p:cBhvr>
+                                      <p:tavLst>
+                                        <p:tav tm="0">
+                                          <p:val>
+                                            <p:strVal val="#ppt_x"/>
+                                          </p:val>
+                                        </p:tav>
+                                        <p:tav tm="100000">
+                                          <p:val>
+                                            <p:strVal val="#ppt_x"/>
+                                          </p:val>
+                                        </p:tav>
+                                      </p:tavLst>
+                                    </p:anim>
+                                    <p:anim calcmode="lin" valueType="num">
+                                      <p:cBhvr additive="base">
+                                        <p:cTn id="25" dur="500" fill="hold"/>
+                                        <p:tgtEl>
+                                          <p:spTgt spid="3">
+                                            <p:txEl>
+                                              <p:pRg st="9" end="9"/>
+                                            </p:txEl>
+                                          </p:spTgt>
+                                        </p:tgtEl>
+                                        <p:attrNameLst>
+                                          <p:attrName>ppt_y</p:attrName>
+                                        </p:attrNameLst>
+                                      </p:cBhvr>
+                                      <p:tavLst>
+                                        <p:tav tm="0">
+                                          <p:val>
+                                            <p:strVal val="1+#ppt_h/2"/>
+                                          </p:val>
+                                        </p:tav>
+                                        <p:tav tm="100000">
+                                          <p:val>
+                                            <p:strVal val="#ppt_y"/>
+                                          </p:val>
+                                        </p:tav>
+                                      </p:tavLst>
+                                    </p:anim>
                                   </p:childTnLst>
                                 </p:cTn>
                               </p:par>

--- a/dbroute.pptx
+++ b/dbroute.pptx
@@ -5,7 +5,7 @@
     <p:sldMasterId id="2147483648" r:id="rId1"/>
   </p:sldMasterIdLst>
   <p:notesMasterIdLst>
-    <p:notesMasterId r:id="rId26"/>
+    <p:notesMasterId r:id="rId29"/>
   </p:notesMasterIdLst>
   <p:sldIdLst>
     <p:sldId id="256" r:id="rId2"/>
@@ -23,18 +23,52 @@
     <p:sldId id="356" r:id="rId14"/>
     <p:sldId id="357" r:id="rId15"/>
     <p:sldId id="358" r:id="rId16"/>
-    <p:sldId id="359" r:id="rId17"/>
-    <p:sldId id="353" r:id="rId18"/>
-    <p:sldId id="354" r:id="rId19"/>
-    <p:sldId id="360" r:id="rId20"/>
-    <p:sldId id="300" r:id="rId21"/>
-    <p:sldId id="363" r:id="rId22"/>
-    <p:sldId id="361" r:id="rId23"/>
-    <p:sldId id="362" r:id="rId24"/>
-    <p:sldId id="284" r:id="rId25"/>
+    <p:sldId id="366" r:id="rId17"/>
+    <p:sldId id="359" r:id="rId18"/>
+    <p:sldId id="353" r:id="rId19"/>
+    <p:sldId id="354" r:id="rId20"/>
+    <p:sldId id="360" r:id="rId21"/>
+    <p:sldId id="300" r:id="rId22"/>
+    <p:sldId id="364" r:id="rId23"/>
+    <p:sldId id="365" r:id="rId24"/>
+    <p:sldId id="363" r:id="rId25"/>
+    <p:sldId id="361" r:id="rId26"/>
+    <p:sldId id="362" r:id="rId27"/>
+    <p:sldId id="284" r:id="rId28"/>
   </p:sldIdLst>
   <p:sldSz cx="9144000" cy="6858000" type="screen4x3"/>
   <p:notesSz cx="6858000" cy="9144000"/>
+  <p:custShowLst>
+    <p:custShow name="放映" id="0">
+      <p:sldLst>
+        <p:sld r:id="rId2"/>
+        <p:sld r:id="rId3"/>
+        <p:sld r:id="rId4"/>
+        <p:sld r:id="rId5"/>
+        <p:sld r:id="rId6"/>
+        <p:sld r:id="rId7"/>
+        <p:sld r:id="rId8"/>
+        <p:sld r:id="rId9"/>
+        <p:sld r:id="rId10"/>
+        <p:sld r:id="rId11"/>
+        <p:sld r:id="rId12"/>
+        <p:sld r:id="rId13"/>
+        <p:sld r:id="rId14"/>
+        <p:sld r:id="rId15"/>
+        <p:sld r:id="rId16"/>
+        <p:sld r:id="rId17"/>
+        <p:sld r:id="rId18"/>
+        <p:sld r:id="rId19"/>
+        <p:sld r:id="rId20"/>
+        <p:sld r:id="rId21"/>
+        <p:sld r:id="rId22"/>
+        <p:sld r:id="rId23"/>
+        <p:sld r:id="rId24"/>
+        <p:sld r:id="rId27"/>
+        <p:sld r:id="rId28"/>
+      </p:sldLst>
+    </p:custShow>
+  </p:custShowLst>
   <p:defaultTextStyle>
     <a:defPPr>
       <a:defRPr lang="en-US"/>
@@ -216,7 +250,7 @@
             <a:fld id="{1C322183-02A2-4B29-8FC7-57DEF057D6A5}" type="datetimeFigureOut">
               <a:rPr lang="zh-CN" altLang="en-US" smtClean="0"/>
               <a:pPr/>
-              <a:t>2014/7/18</a:t>
+              <a:t>2014/8/28</a:t>
             </a:fld>
             <a:endParaRPr lang="zh-CN" altLang="en-US"/>
           </a:p>
@@ -947,7 +981,7 @@
             <a:fld id="{216C5678-EE20-4FA5-88E2-6E0BD67A2E26}" type="datetime1">
               <a:rPr lang="en-US" smtClean="0"/>
               <a:pPr/>
-              <a:t>7/18/2014</a:t>
+              <a:t>8/28/2014</a:t>
             </a:fld>
             <a:endParaRPr lang="en-US" dirty="0"/>
           </a:p>
@@ -1118,7 +1152,7 @@
             <a:fld id="{EA051B39-B140-43FE-96DB-472A2B59CE7C}" type="datetime1">
               <a:rPr lang="en-US" smtClean="0"/>
               <a:pPr/>
-              <a:t>7/18/2014</a:t>
+              <a:t>8/28/2014</a:t>
             </a:fld>
             <a:endParaRPr lang="en-US"/>
           </a:p>
@@ -1299,7 +1333,7 @@
             <a:fld id="{DA600BB2-27C5-458B-ABCE-839C88CF47CE}" type="datetime1">
               <a:rPr lang="en-US" smtClean="0"/>
               <a:pPr/>
-              <a:t>7/18/2014</a:t>
+              <a:t>8/28/2014</a:t>
             </a:fld>
             <a:endParaRPr lang="en-US"/>
           </a:p>
@@ -1488,7 +1522,7 @@
             <a:fld id="{B11D738E-8962-435F-8C43-147B8DD7E819}" type="datetime1">
               <a:rPr lang="en-US" smtClean="0"/>
               <a:pPr/>
-              <a:t>7/18/2014</a:t>
+              <a:t>8/28/2014</a:t>
             </a:fld>
             <a:endParaRPr lang="en-US"/>
           </a:p>
@@ -1756,7 +1790,7 @@
             <a:fld id="{09CAEA93-55E7-4DA9-90C2-089A26EEFEC4}" type="datetime1">
               <a:rPr lang="en-US" smtClean="0"/>
               <a:pPr/>
-              <a:t>7/18/2014</a:t>
+              <a:t>8/28/2014</a:t>
             </a:fld>
             <a:endParaRPr lang="en-US"/>
           </a:p>
@@ -2110,7 +2144,7 @@
             <a:fld id="{E34CF3C7-6809-4F39-BD67-A75817BDDE0A}" type="datetime1">
               <a:rPr lang="en-US" smtClean="0"/>
               <a:pPr/>
-              <a:t>7/18/2014</a:t>
+              <a:t>8/28/2014</a:t>
             </a:fld>
             <a:endParaRPr lang="en-US"/>
           </a:p>
@@ -2424,7 +2458,7 @@
             <a:fld id="{F7EAEB24-CE78-465C-A726-91D0868FA48F}" type="datetime1">
               <a:rPr lang="en-US" smtClean="0"/>
               <a:pPr/>
-              <a:t>7/18/2014</a:t>
+              <a:t>8/28/2014</a:t>
             </a:fld>
             <a:endParaRPr lang="en-US"/>
           </a:p>
@@ -2657,7 +2691,7 @@
             <a:fld id="{40BAADF0-1749-4E8B-9691-B44A5F8C0895}" type="datetime1">
               <a:rPr lang="en-US" smtClean="0"/>
               <a:pPr/>
-              <a:t>7/18/2014</a:t>
+              <a:t>8/28/2014</a:t>
             </a:fld>
             <a:endParaRPr lang="en-US"/>
           </a:p>
@@ -2753,7 +2787,7 @@
             <a:fld id="{A8AF628A-A867-4937-BBE5-207DB6F9C51A}" type="datetime1">
               <a:rPr lang="en-US" smtClean="0"/>
               <a:pPr/>
-              <a:t>7/18/2014</a:t>
+              <a:t>8/28/2014</a:t>
             </a:fld>
             <a:endParaRPr lang="en-US"/>
           </a:p>
@@ -3047,7 +3081,7 @@
             <a:fld id="{118BBB94-68E6-4675-A946-F1C5994EDBD7}" type="datetime1">
               <a:rPr lang="en-US" smtClean="0"/>
               <a:pPr/>
-              <a:t>7/18/2014</a:t>
+              <a:t>8/28/2014</a:t>
             </a:fld>
             <a:endParaRPr lang="en-US"/>
           </a:p>
@@ -3322,7 +3356,7 @@
             <a:fld id="{DC3B8377-21E3-4835-B75D-4E2847E2750F}" type="datetime1">
               <a:rPr lang="en-US" smtClean="0"/>
               <a:pPr/>
-              <a:t>7/18/2014</a:t>
+              <a:t>8/28/2014</a:t>
             </a:fld>
             <a:endParaRPr lang="en-US"/>
           </a:p>
@@ -3538,7 +3572,7 @@
             <a:fld id="{B0C4986D-6BE9-4264-908F-02DB36FD8D6C}" type="datetime1">
               <a:rPr lang="en-US" smtClean="0"/>
               <a:pPr/>
-              <a:t>7/18/2014</a:t>
+              <a:t>8/28/2014</a:t>
             </a:fld>
             <a:endParaRPr lang="en-US" dirty="0"/>
           </a:p>
@@ -4128,7 +4162,7 @@
             <a:fld id="{216C5678-EE20-4FA5-88E2-6E0BD67A2E26}" type="datetime1">
               <a:rPr lang="en-US" smtClean="0"/>
               <a:pPr/>
-              <a:t>7/18/2014</a:t>
+              <a:t>8/28/2014</a:t>
             </a:fld>
             <a:endParaRPr lang="en-US" dirty="0"/>
           </a:p>
@@ -4478,7 +4512,7 @@
                 </a:solidFill>
               </a:rPr>
               <a:pPr/>
-              <a:t>7/18/2014</a:t>
+              <a:t>8/28/2014</a:t>
             </a:fld>
             <a:endParaRPr lang="en-US">
               <a:solidFill>
@@ -4946,7 +4980,7 @@
                 </a:solidFill>
               </a:rPr>
               <a:pPr/>
-              <a:t>7/18/2014</a:t>
+              <a:t>8/28/2014</a:t>
             </a:fld>
             <a:endParaRPr lang="en-US">
               <a:solidFill>
@@ -6115,7 +6149,7 @@
                 </a:solidFill>
               </a:rPr>
               <a:pPr/>
-              <a:t>7/18/2014</a:t>
+              <a:t>8/28/2014</a:t>
             </a:fld>
             <a:endParaRPr lang="en-US">
               <a:solidFill>
@@ -7227,7 +7261,7 @@
                 </a:solidFill>
               </a:rPr>
               <a:pPr/>
-              <a:t>7/18/2014</a:t>
+              <a:t>8/28/2014</a:t>
             </a:fld>
             <a:endParaRPr lang="en-US">
               <a:solidFill>
@@ -7535,7 +7569,7 @@
                 </a:solidFill>
               </a:rPr>
               <a:pPr/>
-              <a:t>7/18/2014</a:t>
+              <a:t>8/28/2014</a:t>
             </a:fld>
             <a:endParaRPr lang="en-US">
               <a:solidFill>
@@ -7746,7 +7780,7 @@
         <p:spPr>
           <a:xfrm>
             <a:off x="475928" y="3284984"/>
-            <a:ext cx="8280920" cy="2448272"/>
+            <a:ext cx="8280920" cy="3024336"/>
           </a:xfrm>
           <a:prstGeom prst="rect">
             <a:avLst/>
@@ -7971,9 +8005,71 @@
           <a:p>
             <a:r>
               <a:rPr lang="zh-CN" altLang="en-US" dirty="0" smtClean="0"/>
-              <a:t>读默认采用随机算法</a:t>
+              <a:t>读默认采用随机</a:t>
+            </a:r>
+            <a:r>
+              <a:rPr lang="zh-CN" altLang="en-US" dirty="0" smtClean="0"/>
+              <a:t>算法</a:t>
             </a:r>
             <a:endParaRPr lang="en-US" altLang="zh-CN" dirty="0" smtClean="0"/>
+          </a:p>
+          <a:p>
+            <a:r>
+              <a:rPr lang="zh-CN" altLang="en-US" dirty="0" smtClean="0"/>
+              <a:t>读库支持权重</a:t>
+            </a:r>
+            <a:r>
+              <a:rPr lang="en-US" altLang="zh-CN" dirty="0" smtClean="0"/>
+              <a:t>, </a:t>
+            </a:r>
+            <a:r>
+              <a:rPr lang="en-US" altLang="zh-CN" dirty="0" err="1" smtClean="0"/>
+              <a:t>ip</a:t>
+            </a:r>
+            <a:r>
+              <a:rPr lang="en-US" altLang="zh-CN" dirty="0" smtClean="0"/>
+              <a:t> + ‘_’ +</a:t>
+            </a:r>
+            <a:r>
+              <a:rPr lang="zh-CN" altLang="en-US" dirty="0" smtClean="0"/>
+              <a:t>权重</a:t>
+            </a:r>
+            <a:r>
+              <a:rPr lang="en-US" altLang="zh-CN" dirty="0" smtClean="0"/>
+              <a:t>,</a:t>
+            </a:r>
+            <a:r>
+              <a:rPr lang="zh-CN" altLang="en-US" dirty="0" smtClean="0"/>
+              <a:t>默认可不设置权重</a:t>
+            </a:r>
+            <a:endParaRPr lang="en-US" altLang="zh-CN" dirty="0" smtClean="0"/>
+          </a:p>
+          <a:p>
+            <a:r>
+              <a:rPr lang="zh-CN" altLang="en-US" dirty="0" smtClean="0"/>
+              <a:t>示例</a:t>
+            </a:r>
+            <a:r>
+              <a:rPr lang="en-US" altLang="zh-CN" sz="1600" dirty="0" smtClean="0"/>
+              <a:t>:</a:t>
+            </a:r>
+            <a:r>
+              <a:rPr lang="en-US" altLang="zh-CN" sz="1600" dirty="0"/>
+              <a:t>$</a:t>
+            </a:r>
+            <a:r>
+              <a:rPr lang="en-US" altLang="zh-CN" sz="1600" dirty="0" err="1"/>
+              <a:t>host_list</a:t>
+            </a:r>
+            <a:r>
+              <a:rPr lang="en-US" altLang="zh-CN" sz="1600" dirty="0"/>
+              <a:t>=array("127.0.0.1_1",'192.168.1.101_2',</a:t>
+            </a:r>
+            <a:r>
+              <a:rPr lang="en-US" altLang="zh-CN" sz="1600" dirty="0" smtClean="0"/>
+              <a:t>'192.168.1.100_3’);</a:t>
+            </a:r>
+            <a:endParaRPr lang="en-US" altLang="zh-CN" sz="1600" dirty="0" smtClean="0"/>
           </a:p>
           <a:p>
             <a:pPr marL="0" indent="0">
@@ -8063,7 +8159,7 @@
           <a:p>
             <a:r>
               <a:rPr lang="zh-CN" altLang="en-US" dirty="0" smtClean="0"/>
-              <a:t>分段</a:t>
+              <a:t>一致性</a:t>
             </a:r>
             <a:r>
               <a:rPr lang="en-US" altLang="zh-CN" dirty="0" smtClean="0"/>
@@ -8164,11 +8260,7 @@
           <a:p>
             <a:r>
               <a:rPr lang="zh-CN" altLang="en-US" dirty="0" smtClean="0"/>
-              <a:t>把</a:t>
-            </a:r>
-            <a:r>
-              <a:rPr lang="zh-CN" altLang="en-US" dirty="0" smtClean="0"/>
-              <a:t>库当成表用即一库一表，对于自增序列、时间段分表的可实现</a:t>
+              <a:t>把库当成表用即一库一表，对于自增序列、时间段分表的可实现</a:t>
             </a:r>
             <a:endParaRPr lang="en-US" altLang="zh-CN" dirty="0" smtClean="0"/>
           </a:p>
@@ -8300,7 +8392,7 @@
                 </a:solidFill>
               </a:rPr>
               <a:pPr/>
-              <a:t>7/18/2014</a:t>
+              <a:t>8/28/2014</a:t>
             </a:fld>
             <a:endParaRPr lang="en-US">
               <a:solidFill>
@@ -8851,7 +8943,7 @@
         <p:spPr>
           <a:xfrm>
             <a:off x="323528" y="980728"/>
-            <a:ext cx="8568952" cy="5616624"/>
+            <a:ext cx="8280920" cy="5616624"/>
           </a:xfrm>
         </p:spPr>
         <p:txBody>
@@ -8861,31 +8953,127 @@
           <a:lstStyle/>
           <a:p>
             <a:r>
-              <a:rPr lang="zh-CN" altLang="en-US" dirty="0" smtClean="0"/>
-              <a:t>采用</a:t>
+              <a:rPr lang="en-US" altLang="zh-CN" dirty="0" smtClean="0"/>
+              <a:t>O2O</a:t>
+            </a:r>
+            <a:r>
+              <a:rPr lang="zh-CN" altLang="en-US" dirty="0" smtClean="0"/>
+              <a:t>支付项目（</a:t>
             </a:r>
             <a:r>
               <a:rPr lang="en-US" altLang="zh-CN" dirty="0" err="1" smtClean="0"/>
-              <a:t>zk</a:t>
-            </a:r>
-            <a:r>
-              <a:rPr lang="zh-CN" altLang="en-US" dirty="0" smtClean="0"/>
-              <a:t>监控各数据库</a:t>
-            </a:r>
-            <a:r>
-              <a:rPr lang="zh-CN" altLang="en-US" dirty="0"/>
-              <a:t>节点是否宕机</a:t>
+              <a:t>db_pay_info</a:t>
+            </a:r>
+            <a:r>
+              <a:rPr lang="zh-CN" altLang="en-US" dirty="0" smtClean="0"/>
+              <a:t>、</a:t>
+            </a:r>
+            <a:r>
+              <a:rPr lang="en-US" altLang="zh-CN" dirty="0" err="1" smtClean="0"/>
+              <a:t>db_pay_log</a:t>
+            </a:r>
+            <a:r>
+              <a:rPr lang="zh-CN" altLang="en-US" dirty="0" smtClean="0"/>
+              <a:t>）</a:t>
             </a:r>
             <a:endParaRPr lang="en-US" altLang="zh-CN" dirty="0" smtClean="0"/>
           </a:p>
           <a:p>
             <a:r>
-              <a:rPr lang="zh-CN" altLang="en-US" dirty="0"/>
-              <a:t>未来读库支持</a:t>
-            </a:r>
-            <a:r>
-              <a:rPr lang="zh-CN" altLang="en-US" dirty="0" smtClean="0"/>
-              <a:t>权重</a:t>
+              <a:rPr lang="zh-CN" altLang="en-US" dirty="0" smtClean="0"/>
+              <a:t>支付表将会使用</a:t>
+            </a:r>
+            <a:r>
+              <a:rPr lang="en-US" altLang="zh-CN" dirty="0" err="1" smtClean="0"/>
+              <a:t>consistent_hash</a:t>
+            </a:r>
+            <a:r>
+              <a:rPr lang="en-US" altLang="zh-CN" dirty="0" smtClean="0"/>
+              <a:t>(</a:t>
+            </a:r>
+            <a:r>
+              <a:rPr lang="zh-CN" altLang="en-US" dirty="0" smtClean="0"/>
+              <a:t>分段</a:t>
+            </a:r>
+            <a:r>
+              <a:rPr lang="en-US" altLang="zh-CN" dirty="0" smtClean="0"/>
+              <a:t>)</a:t>
+            </a:r>
+            <a:endParaRPr lang="en-US" altLang="zh-CN" dirty="0">
+              <a:solidFill>
+                <a:srgbClr val="FF0000"/>
+              </a:solidFill>
+            </a:endParaRPr>
+          </a:p>
+          <a:p>
+            <a:r>
+              <a:rPr lang="zh-CN" altLang="en-US" dirty="0" smtClean="0"/>
+              <a:t>一库一表，通过多库解决</a:t>
+            </a:r>
+            <a:r>
+              <a:rPr lang="en-US" altLang="zh-CN" dirty="0" err="1" smtClean="0"/>
+              <a:t>mysql</a:t>
+            </a:r>
+            <a:r>
+              <a:rPr lang="zh-CN" altLang="en-US" dirty="0" smtClean="0"/>
+              <a:t>数据容量问题</a:t>
+            </a:r>
+            <a:endParaRPr lang="en-US" altLang="zh-CN" dirty="0" smtClean="0"/>
+          </a:p>
+          <a:p>
+            <a:r>
+              <a:rPr lang="zh-CN" altLang="en-US" dirty="0" smtClean="0"/>
+              <a:t>分库字段</a:t>
+            </a:r>
+            <a:r>
+              <a:rPr lang="en-US" altLang="zh-CN" dirty="0" err="1" smtClean="0"/>
+              <a:t>order_id</a:t>
+            </a:r>
+            <a:endParaRPr lang="en-US" altLang="zh-CN" dirty="0" smtClean="0"/>
+          </a:p>
+          <a:p>
+            <a:r>
+              <a:rPr lang="en-US" altLang="zh-CN" dirty="0" smtClean="0"/>
+              <a:t>[0,500w]=db_pay_info_0000;</a:t>
+            </a:r>
+            <a:r>
+              <a:rPr lang="en-US" altLang="zh-CN" dirty="0"/>
+              <a:t> </a:t>
+            </a:r>
+            <a:r>
+              <a:rPr lang="en-US" altLang="zh-CN" dirty="0" smtClean="0"/>
+              <a:t>[</a:t>
+            </a:r>
+            <a:r>
+              <a:rPr lang="en-US" altLang="zh-CN" dirty="0"/>
+              <a:t>500w</a:t>
+            </a:r>
+            <a:r>
+              <a:rPr lang="en-US" altLang="zh-CN" dirty="0" smtClean="0"/>
+              <a:t>,1000w]=db_pay_info_0001;</a:t>
+            </a:r>
+            <a:r>
+              <a:rPr lang="en-US" altLang="zh-CN" dirty="0"/>
+              <a:t> </a:t>
+            </a:r>
+            <a:r>
+              <a:rPr lang="en-US" altLang="zh-CN" dirty="0" smtClean="0"/>
+              <a:t>[1000w,1500w]=db_pay_info_0002;</a:t>
+            </a:r>
+            <a:r>
+              <a:rPr lang="en-US" altLang="zh-CN" dirty="0"/>
+              <a:t> [</a:t>
+            </a:r>
+            <a:r>
+              <a:rPr lang="en-US" altLang="zh-CN" dirty="0" smtClean="0"/>
+              <a:t>1500w,2000w]=db_pay_info_0003;……</a:t>
+            </a:r>
+            <a:endParaRPr lang="en-US" altLang="zh-CN" dirty="0"/>
+          </a:p>
+          <a:p>
+            <a:r>
+              <a:rPr lang="zh-CN" altLang="en-US" dirty="0" smtClean="0"/>
+              <a:t>避免以后的数据迁移</a:t>
             </a:r>
             <a:endParaRPr lang="en-US" altLang="zh-CN" dirty="0" smtClean="0">
               <a:solidFill>
@@ -8933,7 +9121,7 @@
                 </a:solidFill>
               </a:rPr>
               <a:pPr/>
-              <a:t>7/18/2014</a:t>
+              <a:t>8/28/2014</a:t>
             </a:fld>
             <a:endParaRPr lang="en-US">
               <a:solidFill>
@@ -9034,12 +9222,8 @@
           <a:p>
             <a:pPr algn="l"/>
             <a:r>
-              <a:rPr lang="en-US" altLang="zh-CN" sz="3200" b="1" dirty="0" smtClean="0"/>
-              <a:t>DBROUTE </a:t>
-            </a:r>
-            <a:r>
               <a:rPr lang="zh-CN" altLang="en-US" sz="3200" b="1" dirty="0" smtClean="0"/>
-              <a:t>未来</a:t>
+              <a:t>即将使用的项目</a:t>
             </a:r>
             <a:endParaRPr lang="en-US" altLang="zh-CN" sz="3200" b="1" dirty="0"/>
           </a:p>
@@ -9048,7 +9232,7 @@
     </p:spTree>
     <p:extLst>
       <p:ext uri="{BB962C8B-B14F-4D97-AF65-F5344CB8AC3E}">
-        <p14:creationId xmlns:p14="http://schemas.microsoft.com/office/powerpoint/2010/main" val="1958214690"/>
+        <p14:creationId xmlns:p14="http://schemas.microsoft.com/office/powerpoint/2010/main" val="3169500795"/>
       </p:ext>
     </p:extLst>
   </p:cSld>
@@ -9094,165 +9278,47 @@
         </p:nvSpPr>
         <p:spPr>
           <a:xfrm>
-            <a:off x="323528" y="836712"/>
-            <a:ext cx="8280920" cy="5256584"/>
+            <a:off x="323528" y="980728"/>
+            <a:ext cx="8568952" cy="5616624"/>
           </a:xfrm>
         </p:spPr>
         <p:txBody>
           <a:bodyPr>
-            <a:normAutofit lnSpcReduction="10000"/>
+            <a:normAutofit/>
           </a:bodyPr>
           <a:lstStyle/>
           <a:p>
             <a:r>
-              <a:rPr lang="en-US" altLang="zh-CN" dirty="0" smtClean="0"/>
-              <a:t>PHP</a:t>
-            </a:r>
-            <a:r>
-              <a:rPr lang="zh-CN" altLang="en-US" dirty="0" smtClean="0"/>
-              <a:t>变量未定义可以使用，见意先定义变量再使用</a:t>
-            </a:r>
-            <a:endParaRPr lang="en-US" altLang="zh-CN" dirty="0" smtClean="0"/>
-          </a:p>
-          <a:p>
-            <a:r>
-              <a:rPr lang="zh-CN" altLang="en-US" dirty="0" smtClean="0"/>
-              <a:t>定义好类常量，常量可定义在各自</a:t>
-            </a:r>
-            <a:r>
-              <a:rPr lang="en-US" altLang="zh-CN" dirty="0" smtClean="0"/>
-              <a:t>model</a:t>
-            </a:r>
-            <a:r>
-              <a:rPr lang="zh-CN" altLang="en-US" dirty="0" smtClean="0"/>
-              <a:t>中</a:t>
-            </a:r>
-            <a:endParaRPr lang="en-US" altLang="zh-CN" dirty="0" smtClean="0"/>
-          </a:p>
-          <a:p>
-            <a:r>
-              <a:rPr lang="zh-CN" altLang="en-US" dirty="0" smtClean="0"/>
-              <a:t>每个表一个</a:t>
-            </a:r>
-            <a:r>
-              <a:rPr lang="en-US" altLang="zh-CN" dirty="0" smtClean="0"/>
-              <a:t>model</a:t>
-            </a:r>
-          </a:p>
-          <a:p>
-            <a:r>
-              <a:rPr lang="zh-CN" altLang="en-US" dirty="0" smtClean="0"/>
-              <a:t>方法的公开范围要适当，</a:t>
-            </a:r>
-            <a:r>
-              <a:rPr lang="en-US" altLang="zh-CN" dirty="0" smtClean="0"/>
-              <a:t>public private protected</a:t>
-            </a:r>
-          </a:p>
-          <a:p>
-            <a:r>
-              <a:rPr lang="zh-CN" altLang="en-US" dirty="0" smtClean="0"/>
-              <a:t>尽量不要连表查询，一般连接表超过三个将会有性能问题</a:t>
-            </a:r>
-            <a:endParaRPr lang="en-US" altLang="zh-CN" dirty="0" smtClean="0"/>
-          </a:p>
-          <a:p>
-            <a:r>
-              <a:rPr lang="zh-CN" altLang="en-US" dirty="0" smtClean="0"/>
-              <a:t>连表将给未来系统拆库拆表带来麻烦</a:t>
-            </a:r>
-            <a:endParaRPr lang="en-US" altLang="zh-CN" dirty="0" smtClean="0"/>
-          </a:p>
-          <a:p>
-            <a:r>
-              <a:rPr lang="zh-CN" altLang="en-US" dirty="0" smtClean="0"/>
-              <a:t>适当的面向对象，不要使用</a:t>
-            </a:r>
-            <a:r>
-              <a:rPr lang="en-US" altLang="zh-CN" dirty="0" smtClean="0"/>
-              <a:t>ORM</a:t>
-            </a:r>
-            <a:r>
-              <a:rPr lang="zh-CN" altLang="en-US" dirty="0" smtClean="0"/>
-              <a:t>映射工具（影响</a:t>
-            </a:r>
-            <a:r>
-              <a:rPr lang="en-US" altLang="zh-CN" dirty="0" smtClean="0"/>
-              <a:t>dba</a:t>
-            </a:r>
-            <a:r>
-              <a:rPr lang="zh-CN" altLang="en-US" dirty="0" smtClean="0"/>
-              <a:t>的</a:t>
+              <a:rPr lang="zh-CN" altLang="en-US" dirty="0" smtClean="0"/>
+              <a:t>采用</a:t>
             </a:r>
             <a:r>
               <a:rPr lang="en-US" altLang="zh-CN" dirty="0" err="1" smtClean="0"/>
-              <a:t>sql</a:t>
-            </a:r>
-            <a:r>
-              <a:rPr lang="zh-CN" altLang="en-US" dirty="0" smtClean="0"/>
-              <a:t>调优）</a:t>
-            </a:r>
-            <a:r>
-              <a:rPr lang="en-US" altLang="zh-CN" dirty="0" smtClean="0"/>
-              <a:t>,</a:t>
-            </a:r>
-            <a:r>
-              <a:rPr lang="zh-CN" altLang="en-US" dirty="0" smtClean="0"/>
-              <a:t>他会直接影响</a:t>
-            </a:r>
-            <a:r>
-              <a:rPr lang="en-US" altLang="zh-CN" dirty="0" smtClean="0"/>
-              <a:t>PHP</a:t>
-            </a:r>
-            <a:r>
-              <a:rPr lang="zh-CN" altLang="en-US" dirty="0" smtClean="0"/>
-              <a:t>的性能</a:t>
-            </a:r>
-            <a:endParaRPr lang="en-US" altLang="zh-CN" dirty="0"/>
-          </a:p>
-          <a:p>
-            <a:r>
-              <a:rPr lang="zh-CN" altLang="en-US" dirty="0" smtClean="0"/>
-              <a:t>注释并不是越多越好</a:t>
-            </a:r>
-            <a:r>
-              <a:rPr lang="en-US" altLang="zh-CN" dirty="0" smtClean="0"/>
-              <a:t>,</a:t>
-            </a:r>
-            <a:r>
-              <a:rPr lang="zh-CN" altLang="en-US" dirty="0" smtClean="0"/>
-              <a:t>适当的注释</a:t>
-            </a:r>
-            <a:r>
-              <a:rPr lang="en-US" altLang="zh-CN" dirty="0" smtClean="0"/>
-              <a:t>,</a:t>
-            </a:r>
-            <a:r>
-              <a:rPr lang="zh-CN" altLang="en-US" dirty="0" smtClean="0"/>
-              <a:t>大部分程序员改代码时并不会修改注释</a:t>
-            </a:r>
-            <a:endParaRPr lang="en-US" altLang="zh-CN" dirty="0" smtClean="0"/>
-          </a:p>
-          <a:p>
-            <a:r>
-              <a:rPr lang="zh-CN" altLang="en-US" dirty="0" smtClean="0"/>
-              <a:t>错误的注释不如没有注释，代码是唯一的文档</a:t>
-            </a:r>
-            <a:endParaRPr lang="en-US" altLang="zh-CN" dirty="0" smtClean="0"/>
-          </a:p>
-          <a:p>
-            <a:r>
-              <a:rPr lang="zh-CN" altLang="en-US" dirty="0" smtClean="0"/>
-              <a:t>底层操作数据库的类一定要写成封装类，最好能</a:t>
-            </a:r>
-            <a:r>
-              <a:rPr lang="en-US" altLang="zh-CN" dirty="0" err="1" smtClean="0"/>
-              <a:t>mysql,mysqli,pdo</a:t>
-            </a:r>
-            <a:r>
-              <a:rPr lang="zh-CN" altLang="en-US" dirty="0" smtClean="0"/>
-              <a:t>零切换成本</a:t>
-            </a:r>
+              <a:t>zk</a:t>
+            </a:r>
+            <a:r>
+              <a:rPr lang="zh-CN" altLang="en-US" dirty="0" smtClean="0"/>
+              <a:t>监控各数据库</a:t>
+            </a:r>
+            <a:r>
+              <a:rPr lang="zh-CN" altLang="en-US" dirty="0"/>
+              <a:t>节点是否</a:t>
+            </a:r>
+            <a:r>
+              <a:rPr lang="zh-CN" altLang="en-US"/>
+              <a:t>宕</a:t>
+            </a:r>
+            <a:r>
+              <a:rPr lang="zh-CN" altLang="en-US" smtClean="0"/>
+              <a:t>机</a:t>
+            </a:r>
+            <a:endParaRPr lang="en-US" altLang="zh-CN" dirty="0" smtClean="0">
+              <a:solidFill>
+                <a:srgbClr val="FF0000"/>
+              </a:solidFill>
+            </a:endParaRPr>
+          </a:p>
+          <a:p>
             <a:endParaRPr lang="en-US" altLang="zh-CN" dirty="0" smtClean="0"/>
           </a:p>
         </p:txBody>
@@ -9282,7 +9348,7 @@
                 </a:solidFill>
               </a:rPr>
               <a:pPr/>
-              <a:t>7/18/2014</a:t>
+              <a:t>8/28/2014</a:t>
             </a:fld>
             <a:endParaRPr lang="en-US">
               <a:solidFill>
@@ -9343,8 +9409,8 @@
         </p:nvSpPr>
         <p:spPr>
           <a:xfrm>
-            <a:off x="107504" y="116632"/>
-            <a:ext cx="6840760" cy="764704"/>
+            <a:off x="251520" y="44624"/>
+            <a:ext cx="7128792" cy="764704"/>
           </a:xfrm>
           <a:prstGeom prst="rect">
             <a:avLst/>
@@ -9383,33 +9449,21 @@
           <a:p>
             <a:pPr algn="l"/>
             <a:r>
-              <a:rPr lang="en-US" altLang="zh-CN" sz="3200" b="1" dirty="0" smtClean="0">
-                <a:solidFill>
-                  <a:srgbClr val="2F5897"/>
-                </a:solidFill>
-              </a:rPr>
-              <a:t>PHP</a:t>
-            </a:r>
-            <a:r>
-              <a:rPr lang="zh-CN" altLang="en-US" sz="3200" b="1" dirty="0" smtClean="0">
-                <a:solidFill>
-                  <a:srgbClr val="2F5897"/>
-                </a:solidFill>
-              </a:rPr>
-              <a:t>代码规范</a:t>
-            </a:r>
-            <a:endParaRPr lang="zh-CN" altLang="en-US" sz="3200" b="1" dirty="0">
-              <a:solidFill>
-                <a:srgbClr val="2F5897"/>
-              </a:solidFill>
-            </a:endParaRPr>
+              <a:rPr lang="en-US" altLang="zh-CN" sz="3200" b="1" dirty="0" smtClean="0"/>
+              <a:t>DBROUTE </a:t>
+            </a:r>
+            <a:r>
+              <a:rPr lang="zh-CN" altLang="en-US" sz="3200" b="1" dirty="0" smtClean="0"/>
+              <a:t>未来</a:t>
+            </a:r>
+            <a:endParaRPr lang="en-US" altLang="zh-CN" sz="3200" b="1" dirty="0"/>
           </a:p>
         </p:txBody>
       </p:sp>
     </p:spTree>
     <p:extLst>
       <p:ext uri="{BB962C8B-B14F-4D97-AF65-F5344CB8AC3E}">
-        <p14:creationId xmlns:p14="http://schemas.microsoft.com/office/powerpoint/2010/main" val="133945072"/>
+        <p14:creationId xmlns:p14="http://schemas.microsoft.com/office/powerpoint/2010/main" val="1958214690"/>
       </p:ext>
     </p:extLst>
   </p:cSld>
@@ -9466,69 +9520,123 @@
           <a:lstStyle/>
           <a:p>
             <a:r>
-              <a:rPr lang="zh-CN" altLang="en-US" dirty="0" smtClean="0"/>
-              <a:t>全局常量</a:t>
+              <a:rPr lang="en-US" altLang="zh-CN" dirty="0" smtClean="0"/>
+              <a:t>PHP</a:t>
+            </a:r>
+            <a:r>
+              <a:rPr lang="zh-CN" altLang="en-US" dirty="0" smtClean="0"/>
+              <a:t>变量未定义可以使用，见意先定义变量再使用</a:t>
+            </a:r>
+            <a:endParaRPr lang="en-US" altLang="zh-CN" dirty="0" smtClean="0"/>
+          </a:p>
+          <a:p>
+            <a:r>
+              <a:rPr lang="zh-CN" altLang="en-US" dirty="0" smtClean="0"/>
+              <a:t>定义好类常量，常量可定义在各自</a:t>
+            </a:r>
+            <a:r>
+              <a:rPr lang="en-US" altLang="zh-CN" dirty="0" smtClean="0"/>
+              <a:t>model</a:t>
+            </a:r>
+            <a:r>
+              <a:rPr lang="zh-CN" altLang="en-US" dirty="0" smtClean="0"/>
+              <a:t>中</a:t>
+            </a:r>
+            <a:endParaRPr lang="en-US" altLang="zh-CN" dirty="0" smtClean="0"/>
+          </a:p>
+          <a:p>
+            <a:r>
+              <a:rPr lang="zh-CN" altLang="en-US" dirty="0" smtClean="0"/>
+              <a:t>每个表一个</a:t>
+            </a:r>
+            <a:r>
+              <a:rPr lang="en-US" altLang="zh-CN" dirty="0" smtClean="0"/>
+              <a:t>model</a:t>
+            </a:r>
+          </a:p>
+          <a:p>
+            <a:r>
+              <a:rPr lang="zh-CN" altLang="en-US" dirty="0" smtClean="0"/>
+              <a:t>方法的公开范围要适当，</a:t>
+            </a:r>
+            <a:r>
+              <a:rPr lang="en-US" altLang="zh-CN" dirty="0" smtClean="0"/>
+              <a:t>public private protected</a:t>
+            </a:r>
+          </a:p>
+          <a:p>
+            <a:r>
+              <a:rPr lang="zh-CN" altLang="en-US" dirty="0" smtClean="0"/>
+              <a:t>尽量不要连表查询，一般连接表超过三个将会有性能问题</a:t>
+            </a:r>
+            <a:endParaRPr lang="en-US" altLang="zh-CN" dirty="0" smtClean="0"/>
+          </a:p>
+          <a:p>
+            <a:r>
+              <a:rPr lang="zh-CN" altLang="en-US" dirty="0" smtClean="0"/>
+              <a:t>连表将给未来系统拆库拆表带来麻烦</a:t>
+            </a:r>
+            <a:endParaRPr lang="en-US" altLang="zh-CN" dirty="0" smtClean="0"/>
+          </a:p>
+          <a:p>
+            <a:r>
+              <a:rPr lang="zh-CN" altLang="en-US" dirty="0" smtClean="0"/>
+              <a:t>适当的面向对象，不要使用</a:t>
+            </a:r>
+            <a:r>
+              <a:rPr lang="en-US" altLang="zh-CN" dirty="0" smtClean="0"/>
+              <a:t>ORM</a:t>
+            </a:r>
+            <a:r>
+              <a:rPr lang="zh-CN" altLang="en-US" dirty="0" smtClean="0"/>
+              <a:t>映射工具（影响</a:t>
+            </a:r>
+            <a:r>
+              <a:rPr lang="en-US" altLang="zh-CN" dirty="0" smtClean="0"/>
+              <a:t>dba</a:t>
+            </a:r>
+            <a:r>
+              <a:rPr lang="zh-CN" altLang="en-US" dirty="0" smtClean="0"/>
+              <a:t>的</a:t>
+            </a:r>
+            <a:r>
+              <a:rPr lang="en-US" altLang="zh-CN" dirty="0" err="1" smtClean="0"/>
+              <a:t>sql</a:t>
+            </a:r>
+            <a:r>
+              <a:rPr lang="zh-CN" altLang="en-US" dirty="0" smtClean="0"/>
+              <a:t>调优）</a:t>
             </a:r>
             <a:r>
               <a:rPr lang="en-US" altLang="zh-CN" dirty="0" smtClean="0"/>
               <a:t>,</a:t>
             </a:r>
             <a:r>
-              <a:rPr lang="en-US" altLang="zh-CN" dirty="0"/>
-              <a:t> define</a:t>
+              <a:rPr lang="zh-CN" altLang="en-US" dirty="0" smtClean="0"/>
+              <a:t>对 </a:t>
             </a:r>
             <a:r>
               <a:rPr lang="en-US" altLang="zh-CN" dirty="0" smtClean="0"/>
-              <a:t>(“MYSQL_EXTEND”, ‘</a:t>
-            </a:r>
-            <a:r>
-              <a:rPr lang="en-US" altLang="zh-CN" dirty="0" err="1" smtClean="0"/>
-              <a:t>mysqli</a:t>
-            </a:r>
-            <a:r>
-              <a:rPr lang="en-US" altLang="zh-CN" dirty="0" smtClean="0"/>
-              <a:t>’);</a:t>
-            </a:r>
-            <a:r>
-              <a:rPr lang="zh-CN" altLang="en-US" dirty="0" smtClean="0"/>
-              <a:t>大写字母加下划线</a:t>
-            </a:r>
-            <a:endParaRPr lang="en-US" altLang="zh-CN" dirty="0" smtClean="0"/>
-          </a:p>
-          <a:p>
+              <a:t>PHP</a:t>
+            </a:r>
+            <a:r>
+              <a:rPr lang="zh-CN" altLang="en-US" dirty="0" smtClean="0"/>
+              <a:t>的性能也有</a:t>
+            </a:r>
             <a:r>
               <a:rPr lang="zh-CN" altLang="en-US" dirty="0"/>
-              <a:t>类中常量定义：</a:t>
-            </a:r>
-            <a:r>
-              <a:rPr lang="en-US" altLang="zh-CN" dirty="0" err="1"/>
-              <a:t>const</a:t>
-            </a:r>
-            <a:r>
-              <a:rPr lang="en-US" altLang="zh-CN" dirty="0"/>
-              <a:t> IS_DELETED=1;</a:t>
-            </a:r>
-            <a:r>
-              <a:rPr lang="zh-CN" altLang="en-US" dirty="0"/>
-              <a:t>大写字母加</a:t>
-            </a:r>
-            <a:r>
-              <a:rPr lang="zh-CN" altLang="en-US" dirty="0" smtClean="0"/>
-              <a:t>下划线</a:t>
+              <a:t>点</a:t>
+            </a:r>
+            <a:r>
+              <a:rPr lang="zh-CN" altLang="en-US" dirty="0" smtClean="0"/>
+              <a:t>影响</a:t>
             </a:r>
             <a:endParaRPr lang="en-US" altLang="zh-CN" dirty="0"/>
           </a:p>
           <a:p>
             <a:r>
               <a:rPr lang="zh-CN" altLang="en-US" dirty="0" smtClean="0"/>
-              <a:t>定义字符串尽量用单引号，如果字符串中没有变量的话</a:t>
-            </a:r>
-            <a:endParaRPr lang="en-US" altLang="zh-CN" dirty="0" smtClean="0"/>
-          </a:p>
-          <a:p>
-            <a:r>
-              <a:rPr lang="zh-CN" altLang="en-US" dirty="0" smtClean="0"/>
-              <a:t>函数名、局部变量、方法参数开头字母小写</a:t>
+              <a:t>注释并不是越多越好</a:t>
             </a:r>
             <a:r>
               <a:rPr lang="en-US" altLang="zh-CN" dirty="0" smtClean="0"/>
@@ -9536,74 +9644,37 @@
             </a:r>
             <a:r>
               <a:rPr lang="zh-CN" altLang="en-US" dirty="0" smtClean="0"/>
-              <a:t>可使用下划线为词的分界</a:t>
+              <a:t>适当的注释</a:t>
             </a:r>
             <a:r>
               <a:rPr lang="en-US" altLang="zh-CN" dirty="0" smtClean="0"/>
               <a:t>,</a:t>
             </a:r>
             <a:r>
-              <a:rPr lang="zh-CN" altLang="en-US" dirty="0"/>
-              <a:t>也可使用骆驼</a:t>
-            </a:r>
-            <a:r>
-              <a:rPr lang="zh-CN" altLang="en-US" dirty="0" smtClean="0"/>
-              <a:t>命名法</a:t>
+              <a:rPr lang="zh-CN" altLang="en-US" dirty="0" smtClean="0"/>
+              <a:t>大部分程序员改代码时并不会修改注释</a:t>
             </a:r>
             <a:endParaRPr lang="en-US" altLang="zh-CN" dirty="0" smtClean="0"/>
           </a:p>
           <a:p>
             <a:r>
               <a:rPr lang="zh-CN" altLang="en-US" dirty="0" smtClean="0"/>
-              <a:t>类中方法可使用</a:t>
-            </a:r>
-            <a:r>
-              <a:rPr lang="zh-CN" altLang="en-US" dirty="0"/>
-              <a:t>骆驼命名法</a:t>
-            </a:r>
-            <a:r>
-              <a:rPr lang="zh-CN" altLang="en-US" dirty="0" smtClean="0"/>
-              <a:t>命名</a:t>
+              <a:t>错误的注释不如没有注释，代码是唯一的文档</a:t>
             </a:r>
             <a:endParaRPr lang="en-US" altLang="zh-CN" dirty="0" smtClean="0"/>
           </a:p>
           <a:p>
             <a:r>
               <a:rPr lang="zh-CN" altLang="en-US" dirty="0" smtClean="0"/>
-              <a:t>尽量少用引用</a:t>
-            </a:r>
-            <a:r>
-              <a:rPr lang="en-US" altLang="zh-CN" dirty="0" smtClean="0"/>
-              <a:t>,</a:t>
+              <a:t>底层操作数据库的类一定要写成封装类，最好能</a:t>
             </a:r>
             <a:r>
               <a:rPr lang="en-US" altLang="zh-CN" dirty="0" err="1" smtClean="0"/>
-              <a:t>php</a:t>
-            </a:r>
-            <a:r>
-              <a:rPr lang="zh-CN" altLang="en-US" dirty="0" smtClean="0"/>
-              <a:t>中引用效率较低</a:t>
-            </a:r>
-            <a:endParaRPr lang="en-US" altLang="zh-CN" dirty="0" smtClean="0"/>
-          </a:p>
-          <a:p>
-            <a:r>
-              <a:rPr lang="zh-CN" altLang="en-US" dirty="0" smtClean="0"/>
-              <a:t>构造函数中不要抛出异常</a:t>
-            </a:r>
-            <a:endParaRPr lang="en-US" altLang="zh-CN" dirty="0" smtClean="0"/>
-          </a:p>
-          <a:p>
-            <a:r>
-              <a:rPr lang="zh-CN" altLang="en-US" dirty="0" smtClean="0"/>
-              <a:t>一段逻辑代码超过三个以上的地方调用，可以抽取出一个方法</a:t>
-            </a:r>
-            <a:endParaRPr lang="en-US" altLang="zh-CN" dirty="0" smtClean="0"/>
-          </a:p>
-          <a:p>
-            <a:r>
-              <a:rPr lang="zh-CN" altLang="en-US" dirty="0" smtClean="0"/>
-              <a:t>类注释写在类上面，方法注释写在方法上，代码段中的注释不要写在代码中，可写在大括号后面或某行代码后面</a:t>
+              <a:t>mysql,mysqli,pdo</a:t>
+            </a:r>
+            <a:r>
+              <a:rPr lang="zh-CN" altLang="en-US" dirty="0" smtClean="0"/>
+              <a:t>零切换成本</a:t>
             </a:r>
             <a:endParaRPr lang="en-US" altLang="zh-CN" dirty="0" smtClean="0"/>
           </a:p>
@@ -9634,7 +9705,7 @@
                 </a:solidFill>
               </a:rPr>
               <a:pPr/>
-              <a:t>7/18/2014</a:t>
+              <a:t>8/28/2014</a:t>
             </a:fld>
             <a:endParaRPr lang="en-US">
               <a:solidFill>
@@ -9761,7 +9832,7 @@
     </p:spTree>
     <p:extLst>
       <p:ext uri="{BB962C8B-B14F-4D97-AF65-F5344CB8AC3E}">
-        <p14:creationId xmlns:p14="http://schemas.microsoft.com/office/powerpoint/2010/main" val="3883059547"/>
+        <p14:creationId xmlns:p14="http://schemas.microsoft.com/office/powerpoint/2010/main" val="133945072"/>
       </p:ext>
     </p:extLst>
   </p:cSld>
@@ -9813,145 +9884,149 @@
         </p:spPr>
         <p:txBody>
           <a:bodyPr>
-            <a:normAutofit/>
+            <a:normAutofit lnSpcReduction="10000"/>
           </a:bodyPr>
           <a:lstStyle/>
           <a:p>
             <a:r>
               <a:rPr lang="zh-CN" altLang="en-US" dirty="0" smtClean="0"/>
-              <a:t>增加业务层</a:t>
+              <a:t>全局常量</a:t>
             </a:r>
             <a:r>
               <a:rPr lang="en-US" altLang="zh-CN" dirty="0" smtClean="0"/>
-              <a:t>AO</a:t>
-            </a:r>
-          </a:p>
-          <a:p>
+              <a:t>,</a:t>
+            </a:r>
+            <a:r>
+              <a:rPr lang="en-US" altLang="zh-CN" dirty="0"/>
+              <a:t> define</a:t>
+            </a:r>
             <a:r>
               <a:rPr lang="en-US" altLang="zh-CN" dirty="0" smtClean="0"/>
-              <a:t>Controller</a:t>
-            </a:r>
-            <a:r>
-              <a:rPr lang="zh-CN" altLang="en-US" dirty="0" smtClean="0"/>
-              <a:t>调用</a:t>
+              <a:t>(“MYSQL_EXTEND”, ‘</a:t>
+            </a:r>
+            <a:r>
+              <a:rPr lang="en-US" altLang="zh-CN" dirty="0" err="1" smtClean="0"/>
+              <a:t>mysqli</a:t>
             </a:r>
             <a:r>
               <a:rPr lang="en-US" altLang="zh-CN" dirty="0" smtClean="0"/>
-              <a:t>AO</a:t>
-            </a:r>
-          </a:p>
-          <a:p>
+              <a:t>’);</a:t>
+            </a:r>
+            <a:r>
+              <a:rPr lang="zh-CN" altLang="en-US" dirty="0" smtClean="0"/>
+              <a:t>大写字母加下划线</a:t>
+            </a:r>
+            <a:endParaRPr lang="en-US" altLang="zh-CN" dirty="0" smtClean="0"/>
+          </a:p>
+          <a:p>
+            <a:r>
+              <a:rPr lang="zh-CN" altLang="en-US" dirty="0"/>
+              <a:t>类中常量定义：</a:t>
+            </a:r>
+            <a:r>
+              <a:rPr lang="en-US" altLang="zh-CN" dirty="0" err="1"/>
+              <a:t>const</a:t>
+            </a:r>
+            <a:r>
+              <a:rPr lang="en-US" altLang="zh-CN" dirty="0"/>
+              <a:t> IS_DELETED=1;</a:t>
+            </a:r>
+            <a:r>
+              <a:rPr lang="zh-CN" altLang="en-US" dirty="0"/>
+              <a:t>大写字母加</a:t>
+            </a:r>
+            <a:r>
+              <a:rPr lang="zh-CN" altLang="en-US" dirty="0" smtClean="0"/>
+              <a:t>下划线</a:t>
+            </a:r>
+            <a:endParaRPr lang="en-US" altLang="zh-CN" dirty="0"/>
+          </a:p>
+          <a:p>
+            <a:r>
+              <a:rPr lang="zh-CN" altLang="en-US" dirty="0" smtClean="0"/>
+              <a:t>定义字符串尽量用单引号，如果字符串中没有变量的话</a:t>
+            </a:r>
+            <a:endParaRPr lang="en-US" altLang="zh-CN" dirty="0" smtClean="0"/>
+          </a:p>
+          <a:p>
+            <a:r>
+              <a:rPr lang="zh-CN" altLang="en-US" dirty="0" smtClean="0"/>
+              <a:t>函数名、局部变量、方法参数开头字母小写</a:t>
+            </a:r>
             <a:r>
               <a:rPr lang="en-US" altLang="zh-CN" dirty="0" smtClean="0"/>
-              <a:t>AO</a:t>
-            </a:r>
-            <a:r>
-              <a:rPr lang="zh-CN" altLang="en-US" dirty="0" smtClean="0"/>
-              <a:t>调用</a:t>
+              <a:t>,</a:t>
+            </a:r>
+            <a:r>
+              <a:rPr lang="zh-CN" altLang="en-US" dirty="0" smtClean="0"/>
+              <a:t>可使用下划线为词的分界</a:t>
             </a:r>
             <a:r>
               <a:rPr lang="en-US" altLang="zh-CN" dirty="0" smtClean="0"/>
-              <a:t>model</a:t>
-            </a:r>
-            <a:r>
-              <a:rPr lang="zh-CN" altLang="en-US" dirty="0" smtClean="0"/>
-              <a:t>层</a:t>
+              <a:t>,</a:t>
+            </a:r>
+            <a:r>
+              <a:rPr lang="zh-CN" altLang="en-US" dirty="0"/>
+              <a:t>也可使用骆驼</a:t>
+            </a:r>
+            <a:r>
+              <a:rPr lang="zh-CN" altLang="en-US" dirty="0" smtClean="0"/>
+              <a:t>命名法</a:t>
             </a:r>
             <a:endParaRPr lang="en-US" altLang="zh-CN" dirty="0" smtClean="0"/>
           </a:p>
           <a:p>
             <a:r>
               <a:rPr lang="zh-CN" altLang="en-US" dirty="0" smtClean="0"/>
-              <a:t>各</a:t>
+              <a:t>类中方法可使用</a:t>
+            </a:r>
+            <a:r>
+              <a:rPr lang="zh-CN" altLang="en-US" dirty="0"/>
+              <a:t>骆驼命名法</a:t>
+            </a:r>
+            <a:r>
+              <a:rPr lang="zh-CN" altLang="en-US" dirty="0" smtClean="0"/>
+              <a:t>命名</a:t>
+            </a:r>
+            <a:endParaRPr lang="en-US" altLang="zh-CN" dirty="0" smtClean="0"/>
+          </a:p>
+          <a:p>
+            <a:r>
+              <a:rPr lang="zh-CN" altLang="en-US" dirty="0" smtClean="0"/>
+              <a:t>尽量少用引用</a:t>
             </a:r>
             <a:r>
               <a:rPr lang="en-US" altLang="zh-CN" dirty="0" smtClean="0"/>
-              <a:t>model</a:t>
-            </a:r>
-            <a:r>
-              <a:rPr lang="zh-CN" altLang="en-US" dirty="0" smtClean="0"/>
-              <a:t>层不能互相调用</a:t>
+              <a:t>,</a:t>
+            </a:r>
+            <a:r>
+              <a:rPr lang="en-US" altLang="zh-CN" dirty="0" err="1" smtClean="0"/>
+              <a:t>php</a:t>
+            </a:r>
+            <a:r>
+              <a:rPr lang="zh-CN" altLang="en-US" dirty="0" smtClean="0"/>
+              <a:t>中引用效率较低</a:t>
             </a:r>
             <a:endParaRPr lang="en-US" altLang="zh-CN" dirty="0" smtClean="0"/>
           </a:p>
           <a:p>
             <a:r>
               <a:rPr lang="zh-CN" altLang="en-US" dirty="0" smtClean="0"/>
-              <a:t>各</a:t>
-            </a:r>
-            <a:r>
-              <a:rPr lang="en-US" altLang="zh-CN" dirty="0" smtClean="0"/>
-              <a:t>AO</a:t>
-            </a:r>
-            <a:r>
-              <a:rPr lang="zh-CN" altLang="en-US" dirty="0" smtClean="0"/>
-              <a:t>层尽量不要互相调用</a:t>
+              <a:t>构造函数中不要抛出异常</a:t>
             </a:r>
             <a:endParaRPr lang="en-US" altLang="zh-CN" dirty="0" smtClean="0"/>
           </a:p>
           <a:p>
             <a:r>
               <a:rPr lang="zh-CN" altLang="en-US" dirty="0" smtClean="0"/>
-              <a:t>一个</a:t>
-            </a:r>
-            <a:r>
-              <a:rPr lang="en-US" altLang="zh-CN" dirty="0" smtClean="0"/>
-              <a:t>AO</a:t>
-            </a:r>
-            <a:r>
-              <a:rPr lang="zh-CN" altLang="en-US" dirty="0" smtClean="0"/>
-              <a:t>中有多个</a:t>
-            </a:r>
-            <a:r>
-              <a:rPr lang="en-US" altLang="zh-CN" dirty="0" smtClean="0"/>
-              <a:t>model</a:t>
-            </a:r>
-          </a:p>
-          <a:p>
-            <a:r>
-              <a:rPr lang="zh-CN" altLang="en-US" dirty="0" smtClean="0"/>
-              <a:t>一个</a:t>
-            </a:r>
-            <a:r>
-              <a:rPr lang="en-US" altLang="zh-CN" dirty="0" smtClean="0"/>
-              <a:t>controller</a:t>
-            </a:r>
-            <a:r>
-              <a:rPr lang="zh-CN" altLang="en-US" dirty="0" smtClean="0"/>
-              <a:t>中可有多个</a:t>
-            </a:r>
-            <a:r>
-              <a:rPr lang="en-US" altLang="zh-CN" dirty="0" smtClean="0"/>
-              <a:t>AO</a:t>
-            </a:r>
-          </a:p>
-          <a:p>
-            <a:r>
-              <a:rPr lang="zh-CN" altLang="en-US" dirty="0" smtClean="0"/>
-              <a:t>事务大部分放在</a:t>
-            </a:r>
-            <a:r>
-              <a:rPr lang="en-US" altLang="zh-CN" dirty="0" smtClean="0"/>
-              <a:t>AO</a:t>
-            </a:r>
-            <a:r>
-              <a:rPr lang="zh-CN" altLang="en-US" dirty="0" smtClean="0"/>
-              <a:t>层</a:t>
+              <a:t>一段逻辑代码超过三个以上的地方调用，可以抽取出一个方法</a:t>
             </a:r>
             <a:endParaRPr lang="en-US" altLang="zh-CN" dirty="0" smtClean="0"/>
           </a:p>
           <a:p>
             <a:r>
               <a:rPr lang="zh-CN" altLang="en-US" dirty="0" smtClean="0"/>
-              <a:t>少部分事务可放在</a:t>
-            </a:r>
-            <a:r>
-              <a:rPr lang="en-US" altLang="zh-CN" dirty="0" smtClean="0"/>
-              <a:t>model</a:t>
-            </a:r>
-            <a:r>
-              <a:rPr lang="zh-CN" altLang="en-US" dirty="0" smtClean="0"/>
-              <a:t>层</a:t>
+              <a:t>类注释写在类上面，方法注释写在方法上，代码段中的注释不要写在代码中，可写在大括号后面或某行代码后面</a:t>
             </a:r>
             <a:endParaRPr lang="en-US" altLang="zh-CN" dirty="0" smtClean="0"/>
           </a:p>
@@ -9982,7 +10057,7 @@
                 </a:solidFill>
               </a:rPr>
               <a:pPr/>
-              <a:t>7/18/2014</a:t>
+              <a:t>8/28/2014</a:t>
             </a:fld>
             <a:endParaRPr lang="en-US">
               <a:solidFill>
@@ -10109,7 +10184,7 @@
     </p:spTree>
     <p:extLst>
       <p:ext uri="{BB962C8B-B14F-4D97-AF65-F5344CB8AC3E}">
-        <p14:creationId xmlns:p14="http://schemas.microsoft.com/office/powerpoint/2010/main" val="3212400982"/>
+        <p14:creationId xmlns:p14="http://schemas.microsoft.com/office/powerpoint/2010/main" val="3883059547"/>
       </p:ext>
     </p:extLst>
   </p:cSld>
@@ -10155,12 +10230,14 @@
         </p:nvSpPr>
         <p:spPr>
           <a:xfrm>
-            <a:off x="457200" y="1107901"/>
-            <a:ext cx="8507288" cy="4769371"/>
+            <a:off x="457200" y="809327"/>
+            <a:ext cx="8507288" cy="5499993"/>
           </a:xfrm>
         </p:spPr>
         <p:txBody>
-          <a:bodyPr/>
+          <a:bodyPr>
+            <a:normAutofit/>
+          </a:bodyPr>
           <a:lstStyle/>
           <a:p>
             <a:r>
@@ -10177,7 +10254,7 @@
             </a:r>
             <a:r>
               <a:rPr lang="zh-CN" altLang="en-US" dirty="0" smtClean="0"/>
-              <a:t>上亿，先预估数据量再建库表）</a:t>
+              <a:t>上亿级别）</a:t>
             </a:r>
             <a:endParaRPr lang="en-US" altLang="zh-CN" dirty="0" smtClean="0"/>
           </a:p>
@@ -10260,7 +10337,11 @@
           <a:p>
             <a:r>
               <a:rPr lang="zh-CN" altLang="en-US" dirty="0" smtClean="0"/>
-              <a:t>单库事务支持</a:t>
+              <a:t>单</a:t>
+            </a:r>
+            <a:r>
+              <a:rPr lang="zh-CN" altLang="en-US" dirty="0"/>
+              <a:t>库支持事务</a:t>
             </a:r>
             <a:r>
               <a:rPr lang="en-US" altLang="zh-CN" dirty="0" smtClean="0"/>
@@ -10277,6 +10358,41 @@
           </a:p>
           <a:p>
             <a:r>
+              <a:rPr lang="zh-CN" altLang="en-US" dirty="0"/>
+              <a:t>支持事务中的 </a:t>
+            </a:r>
+            <a:r>
+              <a:rPr lang="en-US" altLang="zh-CN" dirty="0"/>
+              <a:t>select </a:t>
+            </a:r>
+            <a:r>
+              <a:rPr lang="zh-CN" altLang="en-US" dirty="0"/>
+              <a:t>走主库查询，以避免事务中查询延时</a:t>
+            </a:r>
+            <a:r>
+              <a:rPr lang="en-US" altLang="zh-CN" dirty="0"/>
+              <a:t>(</a:t>
+            </a:r>
+            <a:r>
+              <a:rPr lang="zh-CN" altLang="en-US" dirty="0"/>
+              <a:t>从库数据同步可能有延时</a:t>
+            </a:r>
+            <a:r>
+              <a:rPr lang="en-US" altLang="zh-CN" dirty="0"/>
+              <a:t>),</a:t>
+            </a:r>
+            <a:r>
+              <a:rPr lang="zh-CN" altLang="en-US" dirty="0"/>
+              <a:t>事务结束之后的查询依然走从库</a:t>
+            </a:r>
+            <a:r>
+              <a:rPr lang="zh-CN" altLang="en-US" dirty="0" smtClean="0"/>
+              <a:t>查询</a:t>
+            </a:r>
+            <a:endParaRPr lang="en-US" altLang="zh-CN" dirty="0" smtClean="0"/>
+          </a:p>
+          <a:p>
+            <a:r>
               <a:rPr lang="en-US" altLang="zh-CN" dirty="0" err="1" smtClean="0"/>
               <a:t>php</a:t>
             </a:r>
@@ -10376,6 +10492,13 @@
             <a:r>
               <a:rPr lang="zh-CN" altLang="en-US" dirty="0" smtClean="0"/>
               <a:t>分隔</a:t>
+            </a:r>
+            <a:endParaRPr lang="en-US" altLang="zh-CN" dirty="0" smtClean="0"/>
+          </a:p>
+          <a:p>
+            <a:r>
+              <a:rPr lang="zh-CN" altLang="en-US" dirty="0" smtClean="0"/>
+              <a:t>读库支持权重配置</a:t>
             </a:r>
             <a:endParaRPr lang="en-US" altLang="zh-CN" dirty="0"/>
           </a:p>
@@ -10399,7 +10522,7 @@
             <a:fld id="{B11D738E-8962-435F-8C43-147B8DD7E819}" type="datetime1">
               <a:rPr lang="en-US" smtClean="0"/>
               <a:pPr/>
-              <a:t>7/18/2014</a:t>
+              <a:t>8/28/2014</a:t>
             </a:fld>
             <a:endParaRPr lang="en-US" dirty="0"/>
           </a:p>
@@ -10857,7 +10980,7 @@
                             </p:stCondLst>
                             <p:childTnLst>
                               <p:par>
-                                <p:cTn id="28" presetID="22" presetClass="entr" presetSubtype="4" fill="hold" nodeType="clickEffect">
+                                <p:cTn id="28" presetID="16" presetClass="entr" presetSubtype="21" fill="hold" nodeType="clickEffect">
                                   <p:stCondLst>
                                     <p:cond delay="0"/>
                                   </p:stCondLst>
@@ -10884,7 +11007,7 @@
                                         <p:strVal val="visible"/>
                                       </p:to>
                                     </p:set>
-                                    <p:animEffect transition="in" filter="wipe(down)">
+                                    <p:animEffect transition="in" filter="barn(inVertical)">
                                       <p:cBhvr>
                                         <p:cTn id="30" dur="500"/>
                                         <p:tgtEl>
@@ -10918,7 +11041,7 @@
                             </p:stCondLst>
                             <p:childTnLst>
                               <p:par>
-                                <p:cTn id="33" presetID="2" presetClass="entr" presetSubtype="4" fill="hold" nodeType="clickEffect">
+                                <p:cTn id="33" presetID="22" presetClass="entr" presetSubtype="4" fill="hold" nodeType="clickEffect">
                                   <p:stCondLst>
                                     <p:cond delay="0"/>
                                   </p:stCondLst>
@@ -10945,13 +11068,74 @@
                                         <p:strVal val="visible"/>
                                       </p:to>
                                     </p:set>
-                                    <p:anim calcmode="lin" valueType="num">
-                                      <p:cBhvr additive="base">
-                                        <p:cTn id="35" dur="500" fill="hold"/>
+                                    <p:animEffect transition="in" filter="wipe(down)">
+                                      <p:cBhvr>
+                                        <p:cTn id="35" dur="500"/>
                                         <p:tgtEl>
                                           <p:spTgt spid="3">
                                             <p:txEl>
                                               <p:pRg st="5" end="5"/>
+                                            </p:txEl>
+                                          </p:spTgt>
+                                        </p:tgtEl>
+                                      </p:cBhvr>
+                                    </p:animEffect>
+                                  </p:childTnLst>
+                                </p:cTn>
+                              </p:par>
+                            </p:childTnLst>
+                          </p:cTn>
+                        </p:par>
+                      </p:childTnLst>
+                    </p:cTn>
+                  </p:par>
+                  <p:par>
+                    <p:cTn id="36" fill="hold">
+                      <p:stCondLst>
+                        <p:cond delay="indefinite"/>
+                      </p:stCondLst>
+                      <p:childTnLst>
+                        <p:par>
+                          <p:cTn id="37" fill="hold">
+                            <p:stCondLst>
+                              <p:cond delay="0"/>
+                            </p:stCondLst>
+                            <p:childTnLst>
+                              <p:par>
+                                <p:cTn id="38" presetID="2" presetClass="entr" presetSubtype="4" fill="hold" nodeType="clickEffect">
+                                  <p:stCondLst>
+                                    <p:cond delay="0"/>
+                                  </p:stCondLst>
+                                  <p:childTnLst>
+                                    <p:set>
+                                      <p:cBhvr>
+                                        <p:cTn id="39" dur="1" fill="hold">
+                                          <p:stCondLst>
+                                            <p:cond delay="0"/>
+                                          </p:stCondLst>
+                                        </p:cTn>
+                                        <p:tgtEl>
+                                          <p:spTgt spid="3">
+                                            <p:txEl>
+                                              <p:pRg st="6" end="6"/>
+                                            </p:txEl>
+                                          </p:spTgt>
+                                        </p:tgtEl>
+                                        <p:attrNameLst>
+                                          <p:attrName>style.visibility</p:attrName>
+                                        </p:attrNameLst>
+                                      </p:cBhvr>
+                                      <p:to>
+                                        <p:strVal val="visible"/>
+                                      </p:to>
+                                    </p:set>
+                                    <p:anim calcmode="lin" valueType="num">
+                                      <p:cBhvr additive="base">
+                                        <p:cTn id="40" dur="500" fill="hold"/>
+                                        <p:tgtEl>
+                                          <p:spTgt spid="3">
+                                            <p:txEl>
+                                              <p:pRg st="6" end="6"/>
                                             </p:txEl>
                                           </p:spTgt>
                                         </p:tgtEl>
@@ -10974,11 +11158,11 @@
                                     </p:anim>
                                     <p:anim calcmode="lin" valueType="num">
                                       <p:cBhvr additive="base">
-                                        <p:cTn id="36" dur="500" fill="hold"/>
+                                        <p:cTn id="41" dur="500" fill="hold"/>
                                         <p:tgtEl>
                                           <p:spTgt spid="3">
                                             <p:txEl>
-                                              <p:pRg st="5" end="5"/>
+                                              <p:pRg st="6" end="6"/>
                                             </p:txEl>
                                           </p:spTgt>
                                         </p:tgtEl>
@@ -10999,67 +11183,6 @@
                                         </p:tav>
                                       </p:tavLst>
                                     </p:anim>
-                                  </p:childTnLst>
-                                </p:cTn>
-                              </p:par>
-                            </p:childTnLst>
-                          </p:cTn>
-                        </p:par>
-                      </p:childTnLst>
-                    </p:cTn>
-                  </p:par>
-                  <p:par>
-                    <p:cTn id="37" fill="hold">
-                      <p:stCondLst>
-                        <p:cond delay="indefinite"/>
-                      </p:stCondLst>
-                      <p:childTnLst>
-                        <p:par>
-                          <p:cTn id="38" fill="hold">
-                            <p:stCondLst>
-                              <p:cond delay="0"/>
-                            </p:stCondLst>
-                            <p:childTnLst>
-                              <p:par>
-                                <p:cTn id="39" presetID="10" presetClass="entr" presetSubtype="0" fill="hold" nodeType="clickEffect">
-                                  <p:stCondLst>
-                                    <p:cond delay="0"/>
-                                  </p:stCondLst>
-                                  <p:childTnLst>
-                                    <p:set>
-                                      <p:cBhvr>
-                                        <p:cTn id="40" dur="1" fill="hold">
-                                          <p:stCondLst>
-                                            <p:cond delay="0"/>
-                                          </p:stCondLst>
-                                        </p:cTn>
-                                        <p:tgtEl>
-                                          <p:spTgt spid="3">
-                                            <p:txEl>
-                                              <p:pRg st="6" end="6"/>
-                                            </p:txEl>
-                                          </p:spTgt>
-                                        </p:tgtEl>
-                                        <p:attrNameLst>
-                                          <p:attrName>style.visibility</p:attrName>
-                                        </p:attrNameLst>
-                                      </p:cBhvr>
-                                      <p:to>
-                                        <p:strVal val="visible"/>
-                                      </p:to>
-                                    </p:set>
-                                    <p:animEffect transition="in" filter="fade">
-                                      <p:cBhvr>
-                                        <p:cTn id="41" dur="500"/>
-                                        <p:tgtEl>
-                                          <p:spTgt spid="3">
-                                            <p:txEl>
-                                              <p:pRg st="6" end="6"/>
-                                            </p:txEl>
-                                          </p:spTgt>
-                                        </p:tgtEl>
-                                      </p:cBhvr>
-                                    </p:animEffect>
                                   </p:childTnLst>
                                 </p:cTn>
                               </p:par>
@@ -11130,6 +11253,128 @@
                       </p:childTnLst>
                     </p:cTn>
                   </p:par>
+                  <p:par>
+                    <p:cTn id="47" fill="hold">
+                      <p:stCondLst>
+                        <p:cond delay="indefinite"/>
+                      </p:stCondLst>
+                      <p:childTnLst>
+                        <p:par>
+                          <p:cTn id="48" fill="hold">
+                            <p:stCondLst>
+                              <p:cond delay="0"/>
+                            </p:stCondLst>
+                            <p:childTnLst>
+                              <p:par>
+                                <p:cTn id="49" presetID="10" presetClass="entr" presetSubtype="0" fill="hold" nodeType="clickEffect">
+                                  <p:stCondLst>
+                                    <p:cond delay="0"/>
+                                  </p:stCondLst>
+                                  <p:childTnLst>
+                                    <p:set>
+                                      <p:cBhvr>
+                                        <p:cTn id="50" dur="1" fill="hold">
+                                          <p:stCondLst>
+                                            <p:cond delay="0"/>
+                                          </p:stCondLst>
+                                        </p:cTn>
+                                        <p:tgtEl>
+                                          <p:spTgt spid="3">
+                                            <p:txEl>
+                                              <p:pRg st="8" end="8"/>
+                                            </p:txEl>
+                                          </p:spTgt>
+                                        </p:tgtEl>
+                                        <p:attrNameLst>
+                                          <p:attrName>style.visibility</p:attrName>
+                                        </p:attrNameLst>
+                                      </p:cBhvr>
+                                      <p:to>
+                                        <p:strVal val="visible"/>
+                                      </p:to>
+                                    </p:set>
+                                    <p:animEffect transition="in" filter="fade">
+                                      <p:cBhvr>
+                                        <p:cTn id="51" dur="500"/>
+                                        <p:tgtEl>
+                                          <p:spTgt spid="3">
+                                            <p:txEl>
+                                              <p:pRg st="8" end="8"/>
+                                            </p:txEl>
+                                          </p:spTgt>
+                                        </p:tgtEl>
+                                      </p:cBhvr>
+                                    </p:animEffect>
+                                  </p:childTnLst>
+                                </p:cTn>
+                              </p:par>
+                            </p:childTnLst>
+                          </p:cTn>
+                        </p:par>
+                      </p:childTnLst>
+                    </p:cTn>
+                  </p:par>
+                  <p:par>
+                    <p:cTn id="52" fill="hold">
+                      <p:stCondLst>
+                        <p:cond delay="indefinite"/>
+                      </p:stCondLst>
+                      <p:childTnLst>
+                        <p:par>
+                          <p:cTn id="53" fill="hold">
+                            <p:stCondLst>
+                              <p:cond delay="0"/>
+                            </p:stCondLst>
+                            <p:childTnLst>
+                              <p:par>
+                                <p:cTn id="54" presetID="10" presetClass="entr" presetSubtype="0" fill="hold" nodeType="clickEffect">
+                                  <p:stCondLst>
+                                    <p:cond delay="0"/>
+                                  </p:stCondLst>
+                                  <p:childTnLst>
+                                    <p:set>
+                                      <p:cBhvr>
+                                        <p:cTn id="55" dur="1" fill="hold">
+                                          <p:stCondLst>
+                                            <p:cond delay="0"/>
+                                          </p:stCondLst>
+                                        </p:cTn>
+                                        <p:tgtEl>
+                                          <p:spTgt spid="3">
+                                            <p:txEl>
+                                              <p:pRg st="9" end="9"/>
+                                            </p:txEl>
+                                          </p:spTgt>
+                                        </p:tgtEl>
+                                        <p:attrNameLst>
+                                          <p:attrName>style.visibility</p:attrName>
+                                        </p:attrNameLst>
+                                      </p:cBhvr>
+                                      <p:to>
+                                        <p:strVal val="visible"/>
+                                      </p:to>
+                                    </p:set>
+                                    <p:animEffect transition="in" filter="fade">
+                                      <p:cBhvr>
+                                        <p:cTn id="56" dur="500"/>
+                                        <p:tgtEl>
+                                          <p:spTgt spid="3">
+                                            <p:txEl>
+                                              <p:pRg st="9" end="9"/>
+                                            </p:txEl>
+                                          </p:spTgt>
+                                        </p:tgtEl>
+                                      </p:cBhvr>
+                                    </p:animEffect>
+                                  </p:childTnLst>
+                                </p:cTn>
+                              </p:par>
+                            </p:childTnLst>
+                          </p:cTn>
+                        </p:par>
+                      </p:childTnLst>
+                    </p:cTn>
+                  </p:par>
                 </p:childTnLst>
               </p:cTn>
               <p:prevCondLst>
@@ -11174,6 +11419,168 @@
       </p:grpSpPr>
       <p:sp>
         <p:nvSpPr>
+          <p:cNvPr id="3" name="内容占位符 2"/>
+          <p:cNvSpPr>
+            <a:spLocks noGrp="1"/>
+          </p:cNvSpPr>
+          <p:nvPr>
+            <p:ph idx="1"/>
+          </p:nvPr>
+        </p:nvSpPr>
+        <p:spPr>
+          <a:xfrm>
+            <a:off x="323528" y="836712"/>
+            <a:ext cx="8280920" cy="5256584"/>
+          </a:xfrm>
+        </p:spPr>
+        <p:txBody>
+          <a:bodyPr>
+            <a:normAutofit/>
+          </a:bodyPr>
+          <a:lstStyle/>
+          <a:p>
+            <a:r>
+              <a:rPr lang="zh-CN" altLang="en-US" dirty="0" smtClean="0"/>
+              <a:t>增加业务层</a:t>
+            </a:r>
+            <a:r>
+              <a:rPr lang="en-US" altLang="zh-CN" dirty="0" smtClean="0"/>
+              <a:t>AO</a:t>
+            </a:r>
+          </a:p>
+          <a:p>
+            <a:r>
+              <a:rPr lang="en-US" altLang="zh-CN" dirty="0" smtClean="0"/>
+              <a:t>Controller</a:t>
+            </a:r>
+            <a:r>
+              <a:rPr lang="zh-CN" altLang="en-US" dirty="0" smtClean="0"/>
+              <a:t>调用</a:t>
+            </a:r>
+            <a:r>
+              <a:rPr lang="en-US" altLang="zh-CN" dirty="0" smtClean="0"/>
+              <a:t>AO</a:t>
+            </a:r>
+          </a:p>
+          <a:p>
+            <a:r>
+              <a:rPr lang="en-US" altLang="zh-CN" dirty="0" smtClean="0"/>
+              <a:t>AO</a:t>
+            </a:r>
+            <a:r>
+              <a:rPr lang="zh-CN" altLang="en-US" dirty="0" smtClean="0"/>
+              <a:t>调用</a:t>
+            </a:r>
+            <a:r>
+              <a:rPr lang="en-US" altLang="zh-CN" dirty="0" smtClean="0"/>
+              <a:t>model</a:t>
+            </a:r>
+            <a:r>
+              <a:rPr lang="zh-CN" altLang="en-US" dirty="0" smtClean="0"/>
+              <a:t>层</a:t>
+            </a:r>
+            <a:endParaRPr lang="en-US" altLang="zh-CN" dirty="0" smtClean="0"/>
+          </a:p>
+          <a:p>
+            <a:r>
+              <a:rPr lang="zh-CN" altLang="en-US" dirty="0" smtClean="0"/>
+              <a:t>各</a:t>
+            </a:r>
+            <a:r>
+              <a:rPr lang="en-US" altLang="zh-CN" dirty="0" smtClean="0"/>
+              <a:t>model</a:t>
+            </a:r>
+            <a:r>
+              <a:rPr lang="zh-CN" altLang="en-US" dirty="0" smtClean="0"/>
+              <a:t>层不能互相调用</a:t>
+            </a:r>
+            <a:endParaRPr lang="en-US" altLang="zh-CN" dirty="0" smtClean="0"/>
+          </a:p>
+          <a:p>
+            <a:r>
+              <a:rPr lang="zh-CN" altLang="en-US" dirty="0" smtClean="0"/>
+              <a:t>各</a:t>
+            </a:r>
+            <a:r>
+              <a:rPr lang="en-US" altLang="zh-CN" dirty="0" smtClean="0"/>
+              <a:t>AO</a:t>
+            </a:r>
+            <a:r>
+              <a:rPr lang="zh-CN" altLang="en-US" dirty="0" smtClean="0"/>
+              <a:t>层尽量不要互相调用</a:t>
+            </a:r>
+            <a:endParaRPr lang="en-US" altLang="zh-CN" dirty="0" smtClean="0"/>
+          </a:p>
+          <a:p>
+            <a:r>
+              <a:rPr lang="zh-CN" altLang="en-US" dirty="0" smtClean="0"/>
+              <a:t>一个</a:t>
+            </a:r>
+            <a:r>
+              <a:rPr lang="en-US" altLang="zh-CN" dirty="0" smtClean="0"/>
+              <a:t>AO</a:t>
+            </a:r>
+            <a:r>
+              <a:rPr lang="zh-CN" altLang="en-US" dirty="0" smtClean="0"/>
+              <a:t>中有多个</a:t>
+            </a:r>
+            <a:r>
+              <a:rPr lang="en-US" altLang="zh-CN" dirty="0" smtClean="0"/>
+              <a:t>model</a:t>
+            </a:r>
+          </a:p>
+          <a:p>
+            <a:r>
+              <a:rPr lang="zh-CN" altLang="en-US" dirty="0" smtClean="0"/>
+              <a:t>一个</a:t>
+            </a:r>
+            <a:r>
+              <a:rPr lang="en-US" altLang="zh-CN" dirty="0" smtClean="0"/>
+              <a:t>controller</a:t>
+            </a:r>
+            <a:r>
+              <a:rPr lang="zh-CN" altLang="en-US" dirty="0" smtClean="0"/>
+              <a:t>中可有多个</a:t>
+            </a:r>
+            <a:r>
+              <a:rPr lang="en-US" altLang="zh-CN" dirty="0" smtClean="0"/>
+              <a:t>AO</a:t>
+            </a:r>
+          </a:p>
+          <a:p>
+            <a:r>
+              <a:rPr lang="zh-CN" altLang="en-US" dirty="0" smtClean="0"/>
+              <a:t>事务大部分放在</a:t>
+            </a:r>
+            <a:r>
+              <a:rPr lang="en-US" altLang="zh-CN" dirty="0" smtClean="0"/>
+              <a:t>AO</a:t>
+            </a:r>
+            <a:r>
+              <a:rPr lang="zh-CN" altLang="en-US" dirty="0" smtClean="0"/>
+              <a:t>层</a:t>
+            </a:r>
+            <a:endParaRPr lang="en-US" altLang="zh-CN" dirty="0" smtClean="0"/>
+          </a:p>
+          <a:p>
+            <a:r>
+              <a:rPr lang="zh-CN" altLang="en-US" dirty="0" smtClean="0"/>
+              <a:t>少部分事务可放在</a:t>
+            </a:r>
+            <a:r>
+              <a:rPr lang="en-US" altLang="zh-CN" dirty="0" smtClean="0"/>
+              <a:t>model</a:t>
+            </a:r>
+            <a:r>
+              <a:rPr lang="zh-CN" altLang="en-US" dirty="0" smtClean="0"/>
+              <a:t>层</a:t>
+            </a:r>
+            <a:endParaRPr lang="en-US" altLang="zh-CN" dirty="0" smtClean="0"/>
+          </a:p>
+        </p:txBody>
+      </p:sp>
+      <p:sp>
+        <p:nvSpPr>
           <p:cNvPr id="4" name="日期占位符 3"/>
           <p:cNvSpPr>
             <a:spLocks noGrp="1"/>
@@ -11188,11 +11595,25 @@
           <a:lstStyle/>
           <a:p>
             <a:fld id="{B11D738E-8962-435F-8C43-147B8DD7E819}" type="datetime1">
-              <a:rPr lang="en-US" smtClean="0"/>
+              <a:rPr lang="en-US" smtClean="0">
+                <a:solidFill>
+                  <a:prstClr val="black">
+                    <a:lumMod val="65000"/>
+                    <a:lumOff val="35000"/>
+                  </a:prstClr>
+                </a:solidFill>
+              </a:rPr>
               <a:pPr/>
-              <a:t>7/18/2014</a:t>
+              <a:t>8/28/2014</a:t>
             </a:fld>
-            <a:endParaRPr lang="en-US"/>
+            <a:endParaRPr lang="en-US">
+              <a:solidFill>
+                <a:prstClr val="black">
+                  <a:lumMod val="65000"/>
+                  <a:lumOff val="35000"/>
+                </a:prstClr>
+              </a:solidFill>
+            </a:endParaRPr>
           </a:p>
         </p:txBody>
       </p:sp>
@@ -11212,9 +11633,181 @@
           <a:lstStyle/>
           <a:p>
             <a:fld id="{BA9B540C-44DA-4F69-89C9-7C84606640D3}" type="slidenum">
+              <a:rPr lang="en-US" smtClean="0">
+                <a:solidFill>
+                  <a:prstClr val="black">
+                    <a:lumMod val="65000"/>
+                    <a:lumOff val="35000"/>
+                  </a:prstClr>
+                </a:solidFill>
+              </a:rPr>
+              <a:pPr/>
+              <a:t>20</a:t>
+            </a:fld>
+            <a:endParaRPr lang="en-US">
+              <a:solidFill>
+                <a:prstClr val="black">
+                  <a:lumMod val="65000"/>
+                  <a:lumOff val="35000"/>
+                </a:prstClr>
+              </a:solidFill>
+            </a:endParaRPr>
+          </a:p>
+        </p:txBody>
+      </p:sp>
+      <p:sp>
+        <p:nvSpPr>
+          <p:cNvPr id="7" name="标题 1"/>
+          <p:cNvSpPr txBox="1">
+            <a:spLocks/>
+          </p:cNvSpPr>
+          <p:nvPr/>
+        </p:nvSpPr>
+        <p:spPr>
+          <a:xfrm>
+            <a:off x="107504" y="116632"/>
+            <a:ext cx="6840760" cy="764704"/>
+          </a:xfrm>
+          <a:prstGeom prst="rect">
+            <a:avLst/>
+          </a:prstGeom>
+        </p:spPr>
+        <p:txBody>
+          <a:bodyPr vert="horz" lIns="91440" tIns="45720" rIns="91440" bIns="45720" rtlCol="0" anchor="b">
+            <a:noAutofit/>
+          </a:bodyPr>
+          <a:lstStyle>
+            <a:lvl1pPr algn="ctr" defTabSz="914400" rtl="0" eaLnBrk="1" latinLnBrk="0" hangingPunct="1">
+              <a:lnSpc>
+                <a:spcPts val="5800"/>
+              </a:lnSpc>
+              <a:spcBef>
+                <a:spcPct val="0"/>
+              </a:spcBef>
+              <a:buNone/>
+              <a:defRPr sz="5400" kern="1200">
+                <a:solidFill>
+                  <a:schemeClr val="tx2"/>
+                </a:solidFill>
+                <a:effectLst>
+                  <a:outerShdw blurRad="63500" dist="38100" dir="5400000" algn="t" rotWithShape="0">
+                    <a:prstClr val="black">
+                      <a:alpha val="25000"/>
+                    </a:prstClr>
+                  </a:outerShdw>
+                </a:effectLst>
+                <a:latin typeface="+mn-lt"/>
+                <a:ea typeface="+mj-ea"/>
+                <a:cs typeface="+mj-cs"/>
+              </a:defRPr>
+            </a:lvl1pPr>
+          </a:lstStyle>
+          <a:p>
+            <a:pPr algn="l"/>
+            <a:r>
+              <a:rPr lang="en-US" altLang="zh-CN" sz="3200" b="1" dirty="0" smtClean="0">
+                <a:solidFill>
+                  <a:srgbClr val="2F5897"/>
+                </a:solidFill>
+              </a:rPr>
+              <a:t>PHP</a:t>
+            </a:r>
+            <a:r>
+              <a:rPr lang="zh-CN" altLang="en-US" sz="3200" b="1" dirty="0" smtClean="0">
+                <a:solidFill>
+                  <a:srgbClr val="2F5897"/>
+                </a:solidFill>
+              </a:rPr>
+              <a:t>代码规范</a:t>
+            </a:r>
+            <a:endParaRPr lang="zh-CN" altLang="en-US" sz="3200" b="1" dirty="0">
+              <a:solidFill>
+                <a:srgbClr val="2F5897"/>
+              </a:solidFill>
+            </a:endParaRPr>
+          </a:p>
+        </p:txBody>
+      </p:sp>
+    </p:spTree>
+    <p:extLst>
+      <p:ext uri="{BB962C8B-B14F-4D97-AF65-F5344CB8AC3E}">
+        <p14:creationId xmlns:p14="http://schemas.microsoft.com/office/powerpoint/2010/main" val="3212400982"/>
+      </p:ext>
+    </p:extLst>
+  </p:cSld>
+  <p:clrMapOvr>
+    <a:masterClrMapping/>
+  </p:clrMapOvr>
+  <p:timing>
+    <p:tnLst>
+      <p:par>
+        <p:cTn id="1" dur="indefinite" restart="never" nodeType="tmRoot"/>
+      </p:par>
+    </p:tnLst>
+  </p:timing>
+</p:sld>
+</file>
+
+<file path=ppt/slides/slide21.xml><?xml version="1.0" encoding="utf-8"?>
+<p:sld xmlns:a="http://schemas.openxmlformats.org/drawingml/2006/main" xmlns:r="http://schemas.openxmlformats.org/officeDocument/2006/relationships" xmlns:p="http://schemas.openxmlformats.org/presentationml/2006/main">
+  <p:cSld>
+    <p:spTree>
+      <p:nvGrpSpPr>
+        <p:cNvPr id="1" name=""/>
+        <p:cNvGrpSpPr/>
+        <p:nvPr/>
+      </p:nvGrpSpPr>
+      <p:grpSpPr>
+        <a:xfrm>
+          <a:off x="0" y="0"/>
+          <a:ext cx="0" cy="0"/>
+          <a:chOff x="0" y="0"/>
+          <a:chExt cx="0" cy="0"/>
+        </a:xfrm>
+      </p:grpSpPr>
+      <p:sp>
+        <p:nvSpPr>
+          <p:cNvPr id="4" name="日期占位符 3"/>
+          <p:cNvSpPr>
+            <a:spLocks noGrp="1"/>
+          </p:cNvSpPr>
+          <p:nvPr>
+            <p:ph type="dt" sz="half" idx="10"/>
+          </p:nvPr>
+        </p:nvSpPr>
+        <p:spPr/>
+        <p:txBody>
+          <a:bodyPr/>
+          <a:lstStyle/>
+          <a:p>
+            <a:fld id="{B11D738E-8962-435F-8C43-147B8DD7E819}" type="datetime1">
               <a:rPr lang="en-US" smtClean="0"/>
               <a:pPr/>
-              <a:t>20</a:t>
+              <a:t>8/28/2014</a:t>
+            </a:fld>
+            <a:endParaRPr lang="en-US"/>
+          </a:p>
+        </p:txBody>
+      </p:sp>
+      <p:sp>
+        <p:nvSpPr>
+          <p:cNvPr id="6" name="灯片编号占位符 5"/>
+          <p:cNvSpPr>
+            <a:spLocks noGrp="1"/>
+          </p:cNvSpPr>
+          <p:nvPr>
+            <p:ph type="sldNum" sz="quarter" idx="12"/>
+          </p:nvPr>
+        </p:nvSpPr>
+        <p:spPr/>
+        <p:txBody>
+          <a:bodyPr/>
+          <a:lstStyle/>
+          <a:p>
+            <a:fld id="{BA9B540C-44DA-4F69-89C9-7C84606640D3}" type="slidenum">
+              <a:rPr lang="en-US" smtClean="0"/>
+              <a:pPr/>
+              <a:t>21</a:t>
             </a:fld>
             <a:endParaRPr lang="en-US"/>
           </a:p>
@@ -11346,880 +11939,6 @@
 </p:sld>
 </file>
 
-<file path=ppt/slides/slide21.xml><?xml version="1.0" encoding="utf-8"?>
-<p:sld xmlns:a="http://schemas.openxmlformats.org/drawingml/2006/main" xmlns:r="http://schemas.openxmlformats.org/officeDocument/2006/relationships" xmlns:p="http://schemas.openxmlformats.org/presentationml/2006/main">
-  <p:cSld>
-    <p:spTree>
-      <p:nvGrpSpPr>
-        <p:cNvPr id="1" name=""/>
-        <p:cNvGrpSpPr/>
-        <p:nvPr/>
-      </p:nvGrpSpPr>
-      <p:grpSpPr>
-        <a:xfrm>
-          <a:off x="0" y="0"/>
-          <a:ext cx="0" cy="0"/>
-          <a:chOff x="0" y="0"/>
-          <a:chExt cx="0" cy="0"/>
-        </a:xfrm>
-      </p:grpSpPr>
-      <p:sp>
-        <p:nvSpPr>
-          <p:cNvPr id="3" name="内容占位符 2"/>
-          <p:cNvSpPr>
-            <a:spLocks noGrp="1"/>
-          </p:cNvSpPr>
-          <p:nvPr>
-            <p:ph idx="1"/>
-          </p:nvPr>
-        </p:nvSpPr>
-        <p:spPr>
-          <a:xfrm>
-            <a:off x="323528" y="764704"/>
-            <a:ext cx="8280920" cy="576064"/>
-          </a:xfrm>
-        </p:spPr>
-        <p:txBody>
-          <a:bodyPr>
-            <a:normAutofit/>
-          </a:bodyPr>
-          <a:lstStyle/>
-          <a:p>
-            <a:r>
-              <a:rPr lang="zh-CN" altLang="en-US" dirty="0" smtClean="0"/>
-              <a:t>见意看下 </a:t>
-            </a:r>
-            <a:r>
-              <a:rPr lang="en-US" altLang="zh-CN" dirty="0" smtClean="0"/>
-              <a:t>martin fowler</a:t>
-            </a:r>
-            <a:r>
-              <a:rPr lang="zh-CN" altLang="en-US" dirty="0" smtClean="0"/>
-              <a:t>的重构 改善即有代码的设计</a:t>
-            </a:r>
-            <a:endParaRPr lang="en-US" altLang="zh-CN" dirty="0" smtClean="0"/>
-          </a:p>
-        </p:txBody>
-      </p:sp>
-      <p:sp>
-        <p:nvSpPr>
-          <p:cNvPr id="4" name="日期占位符 3"/>
-          <p:cNvSpPr>
-            <a:spLocks noGrp="1"/>
-          </p:cNvSpPr>
-          <p:nvPr>
-            <p:ph type="dt" sz="half" idx="10"/>
-          </p:nvPr>
-        </p:nvSpPr>
-        <p:spPr/>
-        <p:txBody>
-          <a:bodyPr/>
-          <a:lstStyle/>
-          <a:p>
-            <a:fld id="{B11D738E-8962-435F-8C43-147B8DD7E819}" type="datetime1">
-              <a:rPr lang="en-US" smtClean="0">
-                <a:solidFill>
-                  <a:prstClr val="black">
-                    <a:lumMod val="65000"/>
-                    <a:lumOff val="35000"/>
-                  </a:prstClr>
-                </a:solidFill>
-              </a:rPr>
-              <a:pPr/>
-              <a:t>7/18/2014</a:t>
-            </a:fld>
-            <a:endParaRPr lang="en-US">
-              <a:solidFill>
-                <a:prstClr val="black">
-                  <a:lumMod val="65000"/>
-                  <a:lumOff val="35000"/>
-                </a:prstClr>
-              </a:solidFill>
-            </a:endParaRPr>
-          </a:p>
-        </p:txBody>
-      </p:sp>
-      <p:sp>
-        <p:nvSpPr>
-          <p:cNvPr id="6" name="灯片编号占位符 5"/>
-          <p:cNvSpPr>
-            <a:spLocks noGrp="1"/>
-          </p:cNvSpPr>
-          <p:nvPr>
-            <p:ph type="sldNum" sz="quarter" idx="12"/>
-          </p:nvPr>
-        </p:nvSpPr>
-        <p:spPr/>
-        <p:txBody>
-          <a:bodyPr/>
-          <a:lstStyle/>
-          <a:p>
-            <a:fld id="{BA9B540C-44DA-4F69-89C9-7C84606640D3}" type="slidenum">
-              <a:rPr lang="en-US" smtClean="0">
-                <a:solidFill>
-                  <a:prstClr val="black">
-                    <a:lumMod val="65000"/>
-                    <a:lumOff val="35000"/>
-                  </a:prstClr>
-                </a:solidFill>
-              </a:rPr>
-              <a:pPr/>
-              <a:t>21</a:t>
-            </a:fld>
-            <a:endParaRPr lang="en-US">
-              <a:solidFill>
-                <a:prstClr val="black">
-                  <a:lumMod val="65000"/>
-                  <a:lumOff val="35000"/>
-                </a:prstClr>
-              </a:solidFill>
-            </a:endParaRPr>
-          </a:p>
-        </p:txBody>
-      </p:sp>
-      <p:sp>
-        <p:nvSpPr>
-          <p:cNvPr id="7" name="标题 1"/>
-          <p:cNvSpPr txBox="1">
-            <a:spLocks/>
-          </p:cNvSpPr>
-          <p:nvPr/>
-        </p:nvSpPr>
-        <p:spPr>
-          <a:xfrm>
-            <a:off x="107504" y="-27384"/>
-            <a:ext cx="6840760" cy="764704"/>
-          </a:xfrm>
-          <a:prstGeom prst="rect">
-            <a:avLst/>
-          </a:prstGeom>
-        </p:spPr>
-        <p:txBody>
-          <a:bodyPr vert="horz" lIns="91440" tIns="45720" rIns="91440" bIns="45720" rtlCol="0" anchor="b">
-            <a:noAutofit/>
-          </a:bodyPr>
-          <a:lstStyle>
-            <a:lvl1pPr algn="ctr" defTabSz="914400" rtl="0" eaLnBrk="1" latinLnBrk="0" hangingPunct="1">
-              <a:lnSpc>
-                <a:spcPts val="5800"/>
-              </a:lnSpc>
-              <a:spcBef>
-                <a:spcPct val="0"/>
-              </a:spcBef>
-              <a:buNone/>
-              <a:defRPr sz="5400" kern="1200">
-                <a:solidFill>
-                  <a:schemeClr val="tx2"/>
-                </a:solidFill>
-                <a:effectLst>
-                  <a:outerShdw blurRad="63500" dist="38100" dir="5400000" algn="t" rotWithShape="0">
-                    <a:prstClr val="black">
-                      <a:alpha val="25000"/>
-                    </a:prstClr>
-                  </a:outerShdw>
-                </a:effectLst>
-                <a:latin typeface="+mn-lt"/>
-                <a:ea typeface="+mj-ea"/>
-                <a:cs typeface="+mj-cs"/>
-              </a:defRPr>
-            </a:lvl1pPr>
-          </a:lstStyle>
-          <a:p>
-            <a:pPr algn="l"/>
-            <a:r>
-              <a:rPr lang="en-US" altLang="zh-CN" sz="3200" b="1" dirty="0" smtClean="0">
-                <a:solidFill>
-                  <a:srgbClr val="2F5897"/>
-                </a:solidFill>
-              </a:rPr>
-              <a:t>JAVA</a:t>
-            </a:r>
-            <a:r>
-              <a:rPr lang="zh-CN" altLang="en-US" sz="3200" b="1" dirty="0" smtClean="0">
-                <a:solidFill>
-                  <a:srgbClr val="2F5897"/>
-                </a:solidFill>
-              </a:rPr>
-              <a:t>代码规范</a:t>
-            </a:r>
-            <a:endParaRPr lang="zh-CN" altLang="en-US" sz="3200" b="1" dirty="0">
-              <a:solidFill>
-                <a:srgbClr val="2F5897"/>
-              </a:solidFill>
-            </a:endParaRPr>
-          </a:p>
-        </p:txBody>
-      </p:sp>
-      <p:sp>
-        <p:nvSpPr>
-          <p:cNvPr id="8" name="标题 1"/>
-          <p:cNvSpPr txBox="1">
-            <a:spLocks/>
-          </p:cNvSpPr>
-          <p:nvPr/>
-        </p:nvSpPr>
-        <p:spPr>
-          <a:xfrm>
-            <a:off x="35496" y="1224136"/>
-            <a:ext cx="6840760" cy="764704"/>
-          </a:xfrm>
-          <a:prstGeom prst="rect">
-            <a:avLst/>
-          </a:prstGeom>
-        </p:spPr>
-        <p:txBody>
-          <a:bodyPr vert="horz" lIns="91440" tIns="45720" rIns="91440" bIns="45720" rtlCol="0" anchor="b">
-            <a:noAutofit/>
-          </a:bodyPr>
-          <a:lstStyle>
-            <a:lvl1pPr algn="ctr" defTabSz="914400" rtl="0" eaLnBrk="1" latinLnBrk="0" hangingPunct="1">
-              <a:lnSpc>
-                <a:spcPts val="5800"/>
-              </a:lnSpc>
-              <a:spcBef>
-                <a:spcPct val="0"/>
-              </a:spcBef>
-              <a:buNone/>
-              <a:defRPr sz="5400" kern="1200">
-                <a:solidFill>
-                  <a:schemeClr val="tx2"/>
-                </a:solidFill>
-                <a:effectLst>
-                  <a:outerShdw blurRad="63500" dist="38100" dir="5400000" algn="t" rotWithShape="0">
-                    <a:prstClr val="black">
-                      <a:alpha val="25000"/>
-                    </a:prstClr>
-                  </a:outerShdw>
-                </a:effectLst>
-                <a:latin typeface="+mn-lt"/>
-                <a:ea typeface="+mj-ea"/>
-                <a:cs typeface="+mj-cs"/>
-              </a:defRPr>
-            </a:lvl1pPr>
-          </a:lstStyle>
-          <a:p>
-            <a:pPr algn="l"/>
-            <a:r>
-              <a:rPr lang="zh-CN" altLang="en-US" sz="3200" b="1" dirty="0" smtClean="0">
-                <a:solidFill>
-                  <a:srgbClr val="2F5897"/>
-                </a:solidFill>
-              </a:rPr>
-              <a:t>推荐书籍</a:t>
-            </a:r>
-            <a:endParaRPr lang="zh-CN" altLang="en-US" sz="3200" b="1" dirty="0">
-              <a:solidFill>
-                <a:srgbClr val="2F5897"/>
-              </a:solidFill>
-            </a:endParaRPr>
-          </a:p>
-        </p:txBody>
-      </p:sp>
-      <p:sp>
-        <p:nvSpPr>
-          <p:cNvPr id="9" name="内容占位符 2"/>
-          <p:cNvSpPr txBox="1">
-            <a:spLocks/>
-          </p:cNvSpPr>
-          <p:nvPr/>
-        </p:nvSpPr>
-        <p:spPr>
-          <a:xfrm>
-            <a:off x="251520" y="2060848"/>
-            <a:ext cx="8280920" cy="4320480"/>
-          </a:xfrm>
-          <a:prstGeom prst="rect">
-            <a:avLst/>
-          </a:prstGeom>
-        </p:spPr>
-        <p:txBody>
-          <a:bodyPr vert="horz" lIns="91440" tIns="45720" rIns="91440" bIns="45720" rtlCol="0">
-            <a:normAutofit/>
-          </a:bodyPr>
-          <a:lstStyle>
-            <a:lvl1pPr marL="342900" indent="-342900" algn="l" defTabSz="914400" rtl="0" eaLnBrk="1" latinLnBrk="0" hangingPunct="1">
-              <a:spcBef>
-                <a:spcPct val="20000"/>
-              </a:spcBef>
-              <a:buFont typeface="Arial" pitchFamily="34" charset="0"/>
-              <a:buChar char="•"/>
-              <a:defRPr sz="2400" kern="1200">
-                <a:solidFill>
-                  <a:schemeClr val="tx1">
-                    <a:lumMod val="50000"/>
-                    <a:lumOff val="50000"/>
-                  </a:schemeClr>
-                </a:solidFill>
-                <a:latin typeface="+mj-lt"/>
-                <a:ea typeface="+mn-ea"/>
-                <a:cs typeface="+mn-cs"/>
-              </a:defRPr>
-            </a:lvl1pPr>
-            <a:lvl2pPr marL="742950" indent="-285750" algn="l" defTabSz="914400" rtl="0" eaLnBrk="1" latinLnBrk="0" hangingPunct="1">
-              <a:spcBef>
-                <a:spcPct val="20000"/>
-              </a:spcBef>
-              <a:buFont typeface="Courier New" pitchFamily="49" charset="0"/>
-              <a:buChar char="o"/>
-              <a:defRPr sz="1600" kern="1200">
-                <a:solidFill>
-                  <a:schemeClr val="tx1">
-                    <a:lumMod val="50000"/>
-                    <a:lumOff val="50000"/>
-                  </a:schemeClr>
-                </a:solidFill>
-                <a:latin typeface="+mj-lt"/>
-                <a:ea typeface="+mn-ea"/>
-                <a:cs typeface="+mn-cs"/>
-              </a:defRPr>
-            </a:lvl2pPr>
-            <a:lvl3pPr marL="1143000" indent="-228600" algn="l" defTabSz="914400" rtl="0" eaLnBrk="1" latinLnBrk="0" hangingPunct="1">
-              <a:spcBef>
-                <a:spcPct val="20000"/>
-              </a:spcBef>
-              <a:buFont typeface="Arial" pitchFamily="34" charset="0"/>
-              <a:buChar char="•"/>
-              <a:defRPr sz="1600" kern="1200">
-                <a:solidFill>
-                  <a:schemeClr val="tx1">
-                    <a:lumMod val="50000"/>
-                    <a:lumOff val="50000"/>
-                  </a:schemeClr>
-                </a:solidFill>
-                <a:latin typeface="+mj-lt"/>
-                <a:ea typeface="+mn-ea"/>
-                <a:cs typeface="+mn-cs"/>
-              </a:defRPr>
-            </a:lvl3pPr>
-            <a:lvl4pPr marL="1600200" indent="-228600" algn="l" defTabSz="914400" rtl="0" eaLnBrk="1" latinLnBrk="0" hangingPunct="1">
-              <a:spcBef>
-                <a:spcPct val="20000"/>
-              </a:spcBef>
-              <a:buFont typeface="Courier New" pitchFamily="49" charset="0"/>
-              <a:buChar char="o"/>
-              <a:defRPr sz="1600" kern="1200">
-                <a:solidFill>
-                  <a:schemeClr val="tx1">
-                    <a:lumMod val="50000"/>
-                    <a:lumOff val="50000"/>
-                  </a:schemeClr>
-                </a:solidFill>
-                <a:latin typeface="+mj-lt"/>
-                <a:ea typeface="+mn-ea"/>
-                <a:cs typeface="+mn-cs"/>
-              </a:defRPr>
-            </a:lvl4pPr>
-            <a:lvl5pPr marL="2057400" indent="-228600" algn="l" defTabSz="914400" rtl="0" eaLnBrk="1" latinLnBrk="0" hangingPunct="1">
-              <a:spcBef>
-                <a:spcPct val="20000"/>
-              </a:spcBef>
-              <a:buFont typeface="Arial" pitchFamily="34" charset="0"/>
-              <a:buChar char="•"/>
-              <a:defRPr sz="1600" kern="1200">
-                <a:solidFill>
-                  <a:schemeClr val="tx1">
-                    <a:lumMod val="50000"/>
-                    <a:lumOff val="50000"/>
-                  </a:schemeClr>
-                </a:solidFill>
-                <a:latin typeface="+mj-lt"/>
-                <a:ea typeface="+mn-ea"/>
-                <a:cs typeface="+mn-cs"/>
-              </a:defRPr>
-            </a:lvl5pPr>
-            <a:lvl6pPr marL="2514600" indent="-228600" algn="l" defTabSz="914400" rtl="0" eaLnBrk="1" latinLnBrk="0" hangingPunct="1">
-              <a:spcBef>
-                <a:spcPct val="20000"/>
-              </a:spcBef>
-              <a:buFont typeface="Courier New" pitchFamily="49" charset="0"/>
-              <a:buChar char="o"/>
-              <a:defRPr sz="1600" kern="1200">
-                <a:solidFill>
-                  <a:schemeClr val="tx1">
-                    <a:lumMod val="50000"/>
-                    <a:lumOff val="50000"/>
-                  </a:schemeClr>
-                </a:solidFill>
-                <a:latin typeface="+mj-lt"/>
-                <a:ea typeface="+mn-ea"/>
-                <a:cs typeface="+mn-cs"/>
-              </a:defRPr>
-            </a:lvl6pPr>
-            <a:lvl7pPr marL="2971800" indent="-228600" algn="l" defTabSz="914400" rtl="0" eaLnBrk="1" latinLnBrk="0" hangingPunct="1">
-              <a:spcBef>
-                <a:spcPct val="20000"/>
-              </a:spcBef>
-              <a:buFont typeface="Arial" pitchFamily="34" charset="0"/>
-              <a:buChar char="•"/>
-              <a:defRPr sz="1600" kern="1200">
-                <a:solidFill>
-                  <a:schemeClr val="tx1">
-                    <a:lumMod val="50000"/>
-                    <a:lumOff val="50000"/>
-                  </a:schemeClr>
-                </a:solidFill>
-                <a:latin typeface="+mj-lt"/>
-                <a:ea typeface="+mn-ea"/>
-                <a:cs typeface="+mn-cs"/>
-              </a:defRPr>
-            </a:lvl7pPr>
-            <a:lvl8pPr marL="3429000" indent="-228600" algn="l" defTabSz="914400" rtl="0" eaLnBrk="1" latinLnBrk="0" hangingPunct="1">
-              <a:spcBef>
-                <a:spcPct val="20000"/>
-              </a:spcBef>
-              <a:buFont typeface="Courier New" pitchFamily="49" charset="0"/>
-              <a:buChar char="o"/>
-              <a:defRPr sz="1600" kern="1200">
-                <a:solidFill>
-                  <a:schemeClr val="tx1">
-                    <a:lumMod val="50000"/>
-                    <a:lumOff val="50000"/>
-                  </a:schemeClr>
-                </a:solidFill>
-                <a:latin typeface="+mj-lt"/>
-                <a:ea typeface="+mn-ea"/>
-                <a:cs typeface="+mn-cs"/>
-              </a:defRPr>
-            </a:lvl8pPr>
-            <a:lvl9pPr marL="3886200" indent="-228600" algn="l" defTabSz="914400" rtl="0" eaLnBrk="1" latinLnBrk="0" hangingPunct="1">
-              <a:spcBef>
-                <a:spcPct val="20000"/>
-              </a:spcBef>
-              <a:buFont typeface="Arial" pitchFamily="34" charset="0"/>
-              <a:buChar char="•"/>
-              <a:defRPr sz="1600" kern="1200">
-                <a:solidFill>
-                  <a:schemeClr val="tx1">
-                    <a:lumMod val="50000"/>
-                    <a:lumOff val="50000"/>
-                  </a:schemeClr>
-                </a:solidFill>
-                <a:latin typeface="+mj-lt"/>
-                <a:ea typeface="+mn-ea"/>
-                <a:cs typeface="+mn-cs"/>
-              </a:defRPr>
-            </a:lvl9pPr>
-          </a:lstStyle>
-          <a:p>
-            <a:endParaRPr lang="en-US" altLang="zh-CN" dirty="0" smtClean="0"/>
-          </a:p>
-        </p:txBody>
-      </p:sp>
-      <p:sp>
-        <p:nvSpPr>
-          <p:cNvPr id="10" name="内容占位符 2"/>
-          <p:cNvSpPr txBox="1">
-            <a:spLocks/>
-          </p:cNvSpPr>
-          <p:nvPr/>
-        </p:nvSpPr>
-        <p:spPr>
-          <a:xfrm>
-            <a:off x="323528" y="1844824"/>
-            <a:ext cx="8280920" cy="4752528"/>
-          </a:xfrm>
-          <a:prstGeom prst="rect">
-            <a:avLst/>
-          </a:prstGeom>
-        </p:spPr>
-        <p:txBody>
-          <a:bodyPr vert="horz" lIns="91440" tIns="45720" rIns="91440" bIns="45720" rtlCol="0">
-            <a:normAutofit fontScale="92500" lnSpcReduction="20000"/>
-          </a:bodyPr>
-          <a:lstStyle>
-            <a:lvl1pPr marL="342900" indent="-342900" algn="l" defTabSz="914400" rtl="0" eaLnBrk="1" latinLnBrk="0" hangingPunct="1">
-              <a:spcBef>
-                <a:spcPct val="20000"/>
-              </a:spcBef>
-              <a:buFont typeface="Arial" pitchFamily="34" charset="0"/>
-              <a:buChar char="•"/>
-              <a:defRPr sz="2400" kern="1200">
-                <a:solidFill>
-                  <a:schemeClr val="tx1">
-                    <a:lumMod val="50000"/>
-                    <a:lumOff val="50000"/>
-                  </a:schemeClr>
-                </a:solidFill>
-                <a:latin typeface="+mj-lt"/>
-                <a:ea typeface="+mn-ea"/>
-                <a:cs typeface="+mn-cs"/>
-              </a:defRPr>
-            </a:lvl1pPr>
-            <a:lvl2pPr marL="742950" indent="-285750" algn="l" defTabSz="914400" rtl="0" eaLnBrk="1" latinLnBrk="0" hangingPunct="1">
-              <a:spcBef>
-                <a:spcPct val="20000"/>
-              </a:spcBef>
-              <a:buFont typeface="Courier New" pitchFamily="49" charset="0"/>
-              <a:buChar char="o"/>
-              <a:defRPr sz="1600" kern="1200">
-                <a:solidFill>
-                  <a:schemeClr val="tx1">
-                    <a:lumMod val="50000"/>
-                    <a:lumOff val="50000"/>
-                  </a:schemeClr>
-                </a:solidFill>
-                <a:latin typeface="+mj-lt"/>
-                <a:ea typeface="+mn-ea"/>
-                <a:cs typeface="+mn-cs"/>
-              </a:defRPr>
-            </a:lvl2pPr>
-            <a:lvl3pPr marL="1143000" indent="-228600" algn="l" defTabSz="914400" rtl="0" eaLnBrk="1" latinLnBrk="0" hangingPunct="1">
-              <a:spcBef>
-                <a:spcPct val="20000"/>
-              </a:spcBef>
-              <a:buFont typeface="Arial" pitchFamily="34" charset="0"/>
-              <a:buChar char="•"/>
-              <a:defRPr sz="1600" kern="1200">
-                <a:solidFill>
-                  <a:schemeClr val="tx1">
-                    <a:lumMod val="50000"/>
-                    <a:lumOff val="50000"/>
-                  </a:schemeClr>
-                </a:solidFill>
-                <a:latin typeface="+mj-lt"/>
-                <a:ea typeface="+mn-ea"/>
-                <a:cs typeface="+mn-cs"/>
-              </a:defRPr>
-            </a:lvl3pPr>
-            <a:lvl4pPr marL="1600200" indent="-228600" algn="l" defTabSz="914400" rtl="0" eaLnBrk="1" latinLnBrk="0" hangingPunct="1">
-              <a:spcBef>
-                <a:spcPct val="20000"/>
-              </a:spcBef>
-              <a:buFont typeface="Courier New" pitchFamily="49" charset="0"/>
-              <a:buChar char="o"/>
-              <a:defRPr sz="1600" kern="1200">
-                <a:solidFill>
-                  <a:schemeClr val="tx1">
-                    <a:lumMod val="50000"/>
-                    <a:lumOff val="50000"/>
-                  </a:schemeClr>
-                </a:solidFill>
-                <a:latin typeface="+mj-lt"/>
-                <a:ea typeface="+mn-ea"/>
-                <a:cs typeface="+mn-cs"/>
-              </a:defRPr>
-            </a:lvl4pPr>
-            <a:lvl5pPr marL="2057400" indent="-228600" algn="l" defTabSz="914400" rtl="0" eaLnBrk="1" latinLnBrk="0" hangingPunct="1">
-              <a:spcBef>
-                <a:spcPct val="20000"/>
-              </a:spcBef>
-              <a:buFont typeface="Arial" pitchFamily="34" charset="0"/>
-              <a:buChar char="•"/>
-              <a:defRPr sz="1600" kern="1200">
-                <a:solidFill>
-                  <a:schemeClr val="tx1">
-                    <a:lumMod val="50000"/>
-                    <a:lumOff val="50000"/>
-                  </a:schemeClr>
-                </a:solidFill>
-                <a:latin typeface="+mj-lt"/>
-                <a:ea typeface="+mn-ea"/>
-                <a:cs typeface="+mn-cs"/>
-              </a:defRPr>
-            </a:lvl5pPr>
-            <a:lvl6pPr marL="2514600" indent="-228600" algn="l" defTabSz="914400" rtl="0" eaLnBrk="1" latinLnBrk="0" hangingPunct="1">
-              <a:spcBef>
-                <a:spcPct val="20000"/>
-              </a:spcBef>
-              <a:buFont typeface="Courier New" pitchFamily="49" charset="0"/>
-              <a:buChar char="o"/>
-              <a:defRPr sz="1600" kern="1200">
-                <a:solidFill>
-                  <a:schemeClr val="tx1">
-                    <a:lumMod val="50000"/>
-                    <a:lumOff val="50000"/>
-                  </a:schemeClr>
-                </a:solidFill>
-                <a:latin typeface="+mj-lt"/>
-                <a:ea typeface="+mn-ea"/>
-                <a:cs typeface="+mn-cs"/>
-              </a:defRPr>
-            </a:lvl6pPr>
-            <a:lvl7pPr marL="2971800" indent="-228600" algn="l" defTabSz="914400" rtl="0" eaLnBrk="1" latinLnBrk="0" hangingPunct="1">
-              <a:spcBef>
-                <a:spcPct val="20000"/>
-              </a:spcBef>
-              <a:buFont typeface="Arial" pitchFamily="34" charset="0"/>
-              <a:buChar char="•"/>
-              <a:defRPr sz="1600" kern="1200">
-                <a:solidFill>
-                  <a:schemeClr val="tx1">
-                    <a:lumMod val="50000"/>
-                    <a:lumOff val="50000"/>
-                  </a:schemeClr>
-                </a:solidFill>
-                <a:latin typeface="+mj-lt"/>
-                <a:ea typeface="+mn-ea"/>
-                <a:cs typeface="+mn-cs"/>
-              </a:defRPr>
-            </a:lvl7pPr>
-            <a:lvl8pPr marL="3429000" indent="-228600" algn="l" defTabSz="914400" rtl="0" eaLnBrk="1" latinLnBrk="0" hangingPunct="1">
-              <a:spcBef>
-                <a:spcPct val="20000"/>
-              </a:spcBef>
-              <a:buFont typeface="Courier New" pitchFamily="49" charset="0"/>
-              <a:buChar char="o"/>
-              <a:defRPr sz="1600" kern="1200">
-                <a:solidFill>
-                  <a:schemeClr val="tx1">
-                    <a:lumMod val="50000"/>
-                    <a:lumOff val="50000"/>
-                  </a:schemeClr>
-                </a:solidFill>
-                <a:latin typeface="+mj-lt"/>
-                <a:ea typeface="+mn-ea"/>
-                <a:cs typeface="+mn-cs"/>
-              </a:defRPr>
-            </a:lvl8pPr>
-            <a:lvl9pPr marL="3886200" indent="-228600" algn="l" defTabSz="914400" rtl="0" eaLnBrk="1" latinLnBrk="0" hangingPunct="1">
-              <a:spcBef>
-                <a:spcPct val="20000"/>
-              </a:spcBef>
-              <a:buFont typeface="Arial" pitchFamily="34" charset="0"/>
-              <a:buChar char="•"/>
-              <a:defRPr sz="1600" kern="1200">
-                <a:solidFill>
-                  <a:schemeClr val="tx1">
-                    <a:lumMod val="50000"/>
-                    <a:lumOff val="50000"/>
-                  </a:schemeClr>
-                </a:solidFill>
-                <a:latin typeface="+mj-lt"/>
-                <a:ea typeface="+mn-ea"/>
-                <a:cs typeface="+mn-cs"/>
-              </a:defRPr>
-            </a:lvl9pPr>
-          </a:lstStyle>
-          <a:p>
-            <a:r>
-              <a:rPr lang="en-US" altLang="zh-CN" dirty="0" err="1"/>
-              <a:t>php</a:t>
-            </a:r>
-            <a:r>
-              <a:rPr lang="zh-CN" altLang="en-US" dirty="0"/>
-              <a:t>和</a:t>
-            </a:r>
-            <a:r>
-              <a:rPr lang="en-US" altLang="zh-CN" dirty="0" err="1"/>
-              <a:t>mysql</a:t>
-            </a:r>
-            <a:r>
-              <a:rPr lang="en-US" altLang="zh-CN" dirty="0"/>
-              <a:t> web</a:t>
-            </a:r>
-            <a:r>
-              <a:rPr lang="zh-CN" altLang="en-US" dirty="0"/>
-              <a:t>开发</a:t>
-            </a:r>
-            <a:r>
-              <a:rPr lang="en-US" altLang="zh-CN" dirty="0"/>
-              <a:t>(</a:t>
-            </a:r>
-            <a:r>
-              <a:rPr lang="zh-CN" altLang="en-US" dirty="0"/>
-              <a:t>原书第</a:t>
-            </a:r>
-            <a:r>
-              <a:rPr lang="en-US" altLang="zh-CN" dirty="0"/>
-              <a:t>4</a:t>
-            </a:r>
-            <a:r>
-              <a:rPr lang="zh-CN" altLang="en-US" dirty="0"/>
-              <a:t>版</a:t>
-            </a:r>
-            <a:r>
-              <a:rPr lang="en-US" altLang="zh-CN" dirty="0"/>
-              <a:t>)</a:t>
-            </a:r>
-          </a:p>
-          <a:p>
-            <a:r>
-              <a:rPr lang="en-US" altLang="zh-CN" dirty="0"/>
-              <a:t>Agile </a:t>
-            </a:r>
-            <a:r>
-              <a:rPr lang="en-US" altLang="zh-CN" dirty="0" smtClean="0"/>
-              <a:t>Java</a:t>
-            </a:r>
-            <a:endParaRPr lang="en-US" altLang="zh-CN" dirty="0"/>
-          </a:p>
-          <a:p>
-            <a:r>
-              <a:rPr lang="en-US" altLang="zh-CN" dirty="0"/>
-              <a:t>Effective Java</a:t>
-            </a:r>
-            <a:r>
-              <a:rPr lang="zh-CN" altLang="en-US" dirty="0"/>
-              <a:t>中文版</a:t>
-            </a:r>
-            <a:r>
-              <a:rPr lang="en-US" altLang="zh-CN" dirty="0"/>
-              <a:t>(</a:t>
-            </a:r>
-            <a:r>
-              <a:rPr lang="zh-CN" altLang="en-US" dirty="0"/>
-              <a:t>第</a:t>
-            </a:r>
-            <a:r>
-              <a:rPr lang="en-US" altLang="zh-CN" dirty="0"/>
-              <a:t>2</a:t>
-            </a:r>
-            <a:r>
-              <a:rPr lang="zh-CN" altLang="en-US" dirty="0"/>
-              <a:t>版</a:t>
-            </a:r>
-            <a:r>
-              <a:rPr lang="en-US" altLang="zh-CN" dirty="0"/>
-              <a:t>) </a:t>
-            </a:r>
-            <a:endParaRPr lang="en-US" altLang="zh-CN" dirty="0" smtClean="0"/>
-          </a:p>
-          <a:p>
-            <a:r>
-              <a:rPr lang="en-US" altLang="zh-CN" dirty="0" smtClean="0"/>
-              <a:t>Head First Java</a:t>
-            </a:r>
-          </a:p>
-          <a:p>
-            <a:r>
-              <a:rPr lang="en-US" altLang="zh-CN" dirty="0"/>
-              <a:t>JAVA</a:t>
-            </a:r>
-            <a:r>
-              <a:rPr lang="zh-CN" altLang="en-US" dirty="0"/>
-              <a:t>核心技术卷</a:t>
-            </a:r>
-            <a:r>
-              <a:rPr lang="en-US" altLang="zh-CN" dirty="0"/>
-              <a:t>I</a:t>
-            </a:r>
-            <a:r>
-              <a:rPr lang="zh-CN" altLang="en-US" dirty="0"/>
-              <a:t>、</a:t>
-            </a:r>
-            <a:r>
-              <a:rPr lang="en-US" altLang="zh-CN" dirty="0"/>
-              <a:t>II</a:t>
-            </a:r>
-          </a:p>
-          <a:p>
-            <a:r>
-              <a:rPr lang="en-US" altLang="zh-CN" dirty="0" smtClean="0"/>
-              <a:t>Think in java</a:t>
-            </a:r>
-            <a:endParaRPr lang="en-US" altLang="zh-CN" dirty="0"/>
-          </a:p>
-          <a:p>
-            <a:r>
-              <a:rPr lang="en-US" altLang="zh-CN" dirty="0" smtClean="0"/>
-              <a:t>Head </a:t>
-            </a:r>
-            <a:r>
-              <a:rPr lang="en-US" altLang="zh-CN" dirty="0"/>
-              <a:t>First </a:t>
-            </a:r>
-            <a:r>
-              <a:rPr lang="zh-CN" altLang="en-US" dirty="0"/>
-              <a:t>设计模式（中文版</a:t>
-            </a:r>
-            <a:r>
-              <a:rPr lang="en-US" altLang="zh-CN" dirty="0"/>
-              <a:t>) </a:t>
-            </a:r>
-          </a:p>
-          <a:p>
-            <a:r>
-              <a:rPr lang="zh-CN" altLang="en-US" dirty="0" smtClean="0"/>
-              <a:t>实现</a:t>
-            </a:r>
-            <a:r>
-              <a:rPr lang="zh-CN" altLang="en-US" dirty="0"/>
-              <a:t>领域驱动设计</a:t>
-            </a:r>
-          </a:p>
-          <a:p>
-            <a:r>
-              <a:rPr lang="zh-CN" altLang="en-US" dirty="0"/>
-              <a:t>领域驱动设计：软件核心复杂性应对之道</a:t>
-            </a:r>
-          </a:p>
-          <a:p>
-            <a:r>
-              <a:rPr lang="zh-CN" altLang="en-US" dirty="0"/>
-              <a:t>测试驱动开发</a:t>
-            </a:r>
-          </a:p>
-          <a:p>
-            <a:r>
-              <a:rPr lang="zh-CN" altLang="en-US" dirty="0" smtClean="0"/>
-              <a:t>解析</a:t>
-            </a:r>
-            <a:r>
-              <a:rPr lang="zh-CN" altLang="en-US" dirty="0"/>
-              <a:t>极限编程 拥抱</a:t>
-            </a:r>
-            <a:r>
-              <a:rPr lang="zh-CN" altLang="en-US" dirty="0" smtClean="0"/>
-              <a:t>变化</a:t>
-            </a:r>
-            <a:endParaRPr lang="en-US" altLang="zh-CN" dirty="0" smtClean="0"/>
-          </a:p>
-          <a:p>
-            <a:r>
-              <a:rPr lang="zh-CN" altLang="en-US" dirty="0"/>
-              <a:t>重构：改善既有代码的设计</a:t>
-            </a:r>
-            <a:r>
-              <a:rPr lang="en-US" altLang="zh-CN" dirty="0"/>
-              <a:t>(</a:t>
-            </a:r>
-            <a:r>
-              <a:rPr lang="zh-CN" altLang="en-US" dirty="0"/>
-              <a:t>软件开发的不朽经典</a:t>
-            </a:r>
-            <a:r>
-              <a:rPr lang="en-US" altLang="zh-CN" dirty="0"/>
-              <a:t>)</a:t>
-            </a:r>
-          </a:p>
-          <a:p>
-            <a:r>
-              <a:rPr lang="zh-CN" altLang="en-US" dirty="0"/>
-              <a:t>企业应用架构模式</a:t>
-            </a:r>
-          </a:p>
-          <a:p>
-            <a:r>
-              <a:rPr lang="zh-CN" altLang="en-US" dirty="0"/>
-              <a:t>敏捷软件开发原则、模式与实践</a:t>
-            </a:r>
-            <a:endParaRPr lang="en-US" altLang="zh-CN" dirty="0"/>
-          </a:p>
-          <a:p>
-            <a:endParaRPr lang="zh-CN" altLang="en-US" dirty="0"/>
-          </a:p>
-        </p:txBody>
-      </p:sp>
-    </p:spTree>
-    <p:extLst>
-      <p:ext uri="{BB962C8B-B14F-4D97-AF65-F5344CB8AC3E}">
-        <p14:creationId xmlns:p14="http://schemas.microsoft.com/office/powerpoint/2010/main" val="1525641461"/>
-      </p:ext>
-    </p:extLst>
-  </p:cSld>
-  <p:clrMapOvr>
-    <a:masterClrMapping/>
-  </p:clrMapOvr>
-  <p:timing>
-    <p:tnLst>
-      <p:par>
-        <p:cTn id="1" dur="indefinite" restart="never" nodeType="tmRoot"/>
-      </p:par>
-    </p:tnLst>
-  </p:timing>
-</p:sld>
-</file>
-
 <file path=ppt/slides/slide22.xml><?xml version="1.0" encoding="utf-8"?>
 <p:sld xmlns:a="http://schemas.openxmlformats.org/drawingml/2006/main" xmlns:r="http://schemas.openxmlformats.org/officeDocument/2006/relationships" xmlns:p="http://schemas.openxmlformats.org/presentationml/2006/main">
   <p:cSld>
@@ -12253,11 +11972,25 @@
           <a:lstStyle/>
           <a:p>
             <a:fld id="{B11D738E-8962-435F-8C43-147B8DD7E819}" type="datetime1">
-              <a:rPr lang="en-US" smtClean="0"/>
+              <a:rPr lang="en-US" smtClean="0">
+                <a:solidFill>
+                  <a:prstClr val="black">
+                    <a:lumMod val="65000"/>
+                    <a:lumOff val="35000"/>
+                  </a:prstClr>
+                </a:solidFill>
+              </a:rPr>
               <a:pPr/>
-              <a:t>7/18/2014</a:t>
+              <a:t>8/28/2014</a:t>
             </a:fld>
-            <a:endParaRPr lang="en-US"/>
+            <a:endParaRPr lang="en-US">
+              <a:solidFill>
+                <a:prstClr val="black">
+                  <a:lumMod val="65000"/>
+                  <a:lumOff val="35000"/>
+                </a:prstClr>
+              </a:solidFill>
+            </a:endParaRPr>
           </a:p>
         </p:txBody>
       </p:sp>
@@ -12277,11 +12010,25 @@
           <a:lstStyle/>
           <a:p>
             <a:fld id="{BA9B540C-44DA-4F69-89C9-7C84606640D3}" type="slidenum">
-              <a:rPr lang="en-US" smtClean="0"/>
+              <a:rPr lang="en-US" smtClean="0">
+                <a:solidFill>
+                  <a:prstClr val="black">
+                    <a:lumMod val="65000"/>
+                    <a:lumOff val="35000"/>
+                  </a:prstClr>
+                </a:solidFill>
+              </a:rPr>
               <a:pPr/>
               <a:t>22</a:t>
             </a:fld>
-            <a:endParaRPr lang="en-US"/>
+            <a:endParaRPr lang="en-US">
+              <a:solidFill>
+                <a:prstClr val="black">
+                  <a:lumMod val="65000"/>
+                  <a:lumOff val="35000"/>
+                </a:prstClr>
+              </a:solidFill>
+            </a:endParaRPr>
           </a:p>
         </p:txBody>
       </p:sp>
@@ -12295,8 +12042,8 @@
         </p:nvSpPr>
         <p:spPr>
           <a:xfrm>
-            <a:off x="158824" y="-243408"/>
-            <a:ext cx="8229600" cy="1024136"/>
+            <a:off x="107504" y="116632"/>
+            <a:ext cx="6840760" cy="764704"/>
           </a:xfrm>
           <a:prstGeom prst="rect">
             <a:avLst/>
@@ -12335,379 +12082,343 @@
           <a:p>
             <a:pPr algn="l"/>
             <a:r>
-              <a:rPr lang="zh-CN" altLang="en-US" sz="3200" b="1" dirty="0" smtClean="0"/>
-              <a:t>大型网站所需杂谈</a:t>
-            </a:r>
-            <a:endParaRPr lang="zh-CN" altLang="en-US" sz="3200" b="1" dirty="0"/>
-          </a:p>
-        </p:txBody>
-      </p:sp>
-      <p:sp>
-        <p:nvSpPr>
-          <p:cNvPr id="5" name="内容占位符 2"/>
-          <p:cNvSpPr>
-            <a:spLocks noGrp="1"/>
-          </p:cNvSpPr>
-          <p:nvPr>
-            <p:ph idx="1"/>
-          </p:nvPr>
+              <a:rPr lang="en-US" altLang="zh-CN" sz="3200" b="1" dirty="0" smtClean="0">
+                <a:solidFill>
+                  <a:srgbClr val="2F5897"/>
+                </a:solidFill>
+              </a:rPr>
+              <a:t>PHP</a:t>
+            </a:r>
+            <a:r>
+              <a:rPr lang="zh-CN" altLang="en-US" sz="3200" b="1" dirty="0" smtClean="0">
+                <a:solidFill>
+                  <a:srgbClr val="2F5897"/>
+                </a:solidFill>
+              </a:rPr>
+              <a:t>代码类常量示例</a:t>
+            </a:r>
+            <a:endParaRPr lang="zh-CN" altLang="en-US" sz="3200" b="1" dirty="0">
+              <a:solidFill>
+                <a:srgbClr val="2F5897"/>
+              </a:solidFill>
+            </a:endParaRPr>
+          </a:p>
+        </p:txBody>
+      </p:sp>
+      <p:sp>
+        <p:nvSpPr>
+          <p:cNvPr id="2" name="TextBox 1"/>
+          <p:cNvSpPr txBox="1"/>
+          <p:nvPr/>
         </p:nvSpPr>
         <p:spPr>
           <a:xfrm>
-            <a:off x="467544" y="908720"/>
-            <a:ext cx="8280920" cy="5256584"/>
+            <a:off x="323528" y="928079"/>
+            <a:ext cx="7992888" cy="2585323"/>
           </a:xfrm>
+          <a:prstGeom prst="rect">
+            <a:avLst/>
+          </a:prstGeom>
+          <a:noFill/>
         </p:spPr>
         <p:txBody>
-          <a:bodyPr>
-            <a:normAutofit fontScale="92500"/>
+          <a:bodyPr wrap="square" rtlCol="0">
+            <a:spAutoFit/>
           </a:bodyPr>
           <a:lstStyle/>
           <a:p>
             <a:r>
-              <a:rPr lang="zh-CN" altLang="en-US" dirty="0" smtClean="0"/>
-              <a:t>分布式文件系统</a:t>
+              <a:rPr lang="en-US" altLang="zh-CN" dirty="0"/>
+              <a:t>class </a:t>
+            </a:r>
+            <a:r>
+              <a:rPr lang="en-US" altLang="zh-CN" dirty="0" err="1"/>
+              <a:t>BaseModel</a:t>
+            </a:r>
+            <a:r>
+              <a:rPr lang="en-US" altLang="zh-CN" dirty="0"/>
+              <a:t> {</a:t>
+            </a:r>
+          </a:p>
+          <a:p>
+            <a:endParaRPr lang="en-US" altLang="zh-CN" dirty="0"/>
+          </a:p>
+          <a:p>
+            <a:r>
+              <a:rPr lang="en-US" altLang="zh-CN" dirty="0"/>
+              <a:t>    /**</a:t>
+            </a:r>
+            <a:r>
+              <a:rPr lang="zh-CN" altLang="en-US" dirty="0"/>
+              <a:t>删除状态</a:t>
+            </a:r>
+            <a:r>
+              <a:rPr lang="en-US" altLang="zh-CN" dirty="0"/>
+              <a:t>: </a:t>
+            </a:r>
+            <a:r>
+              <a:rPr lang="zh-CN" altLang="en-US" dirty="0"/>
+              <a:t>未删除 *</a:t>
+            </a:r>
+            <a:r>
+              <a:rPr lang="en-US" altLang="zh-CN" dirty="0"/>
+              <a:t>/</a:t>
+            </a:r>
+          </a:p>
+          <a:p>
+            <a:r>
+              <a:rPr lang="en-US" altLang="zh-CN" dirty="0"/>
+              <a:t>    </a:t>
+            </a:r>
+            <a:r>
+              <a:rPr lang="en-US" altLang="zh-CN" dirty="0" err="1"/>
+              <a:t>const</a:t>
+            </a:r>
+            <a:r>
+              <a:rPr lang="en-US" altLang="zh-CN" dirty="0"/>
+              <a:t> IS_NOT_DELETED=0;</a:t>
+            </a:r>
+          </a:p>
+          <a:p>
+            <a:endParaRPr lang="en-US" altLang="zh-CN" dirty="0"/>
+          </a:p>
+          <a:p>
+            <a:r>
+              <a:rPr lang="en-US" altLang="zh-CN" dirty="0"/>
+              <a:t>    /**</a:t>
+            </a:r>
+            <a:r>
+              <a:rPr lang="zh-CN" altLang="en-US" dirty="0"/>
+              <a:t>删除状态</a:t>
+            </a:r>
+            <a:r>
+              <a:rPr lang="en-US" altLang="zh-CN" dirty="0"/>
+              <a:t>: </a:t>
+            </a:r>
+            <a:r>
+              <a:rPr lang="zh-CN" altLang="en-US" dirty="0"/>
+              <a:t>已删除 *</a:t>
+            </a:r>
+            <a:r>
+              <a:rPr lang="en-US" altLang="zh-CN" dirty="0"/>
+              <a:t>/</a:t>
+            </a:r>
+          </a:p>
+          <a:p>
+            <a:r>
+              <a:rPr lang="en-US" altLang="zh-CN" dirty="0"/>
+              <a:t>    </a:t>
+            </a:r>
+            <a:r>
+              <a:rPr lang="en-US" altLang="zh-CN" dirty="0" err="1"/>
+              <a:t>const</a:t>
+            </a:r>
+            <a:r>
+              <a:rPr lang="en-US" altLang="zh-CN" dirty="0"/>
+              <a:t> IS_DELETED=1;</a:t>
+            </a:r>
+          </a:p>
+          <a:p>
+            <a:endParaRPr lang="en-US" altLang="zh-CN" dirty="0"/>
+          </a:p>
+          <a:p>
+            <a:r>
+              <a:rPr lang="en-US" altLang="zh-CN" dirty="0"/>
+              <a:t>}</a:t>
+            </a:r>
+            <a:endParaRPr lang="zh-CN" altLang="en-US" dirty="0"/>
+          </a:p>
+        </p:txBody>
+      </p:sp>
+      <p:sp>
+        <p:nvSpPr>
+          <p:cNvPr id="5" name="TextBox 4"/>
+          <p:cNvSpPr txBox="1"/>
+          <p:nvPr/>
+        </p:nvSpPr>
+        <p:spPr>
+          <a:xfrm>
+            <a:off x="323528" y="3513402"/>
+            <a:ext cx="7344816" cy="3139321"/>
+          </a:xfrm>
+          <a:prstGeom prst="rect">
+            <a:avLst/>
+          </a:prstGeom>
+          <a:noFill/>
+        </p:spPr>
+        <p:txBody>
+          <a:bodyPr wrap="square" rtlCol="0">
+            <a:spAutoFit/>
+          </a:bodyPr>
+          <a:lstStyle/>
+          <a:p>
+            <a:r>
+              <a:rPr lang="en-US" altLang="zh-CN" dirty="0"/>
+              <a:t>class </a:t>
+            </a:r>
+            <a:r>
+              <a:rPr lang="en-US" altLang="zh-CN" dirty="0" err="1"/>
+              <a:t>OrderModel</a:t>
+            </a:r>
+            <a:r>
+              <a:rPr lang="en-US" altLang="zh-CN" dirty="0"/>
+              <a:t> extends </a:t>
+            </a:r>
+            <a:r>
+              <a:rPr lang="en-US" altLang="zh-CN" dirty="0" err="1"/>
+              <a:t>BaseModel</a:t>
+            </a:r>
+            <a:r>
+              <a:rPr lang="en-US" altLang="zh-CN" dirty="0"/>
+              <a:t>{</a:t>
+            </a:r>
+          </a:p>
+          <a:p>
+            <a:endParaRPr lang="en-US" altLang="zh-CN" dirty="0"/>
+          </a:p>
+          <a:p>
+            <a:r>
+              <a:rPr lang="zh-CN" altLang="en-US" dirty="0"/>
+              <a:t> </a:t>
+            </a:r>
+            <a:r>
+              <a:rPr lang="zh-CN" altLang="en-US" dirty="0" smtClean="0"/>
+              <a:t>   </a:t>
             </a:r>
             <a:r>
               <a:rPr lang="en-US" altLang="zh-CN" dirty="0" smtClean="0"/>
-              <a:t>(HDFS</a:t>
-            </a:r>
-            <a:r>
-              <a:rPr lang="zh-CN" altLang="en-US" dirty="0" smtClean="0"/>
-              <a:t>、</a:t>
+              <a:t>/**</a:t>
+            </a:r>
+            <a:r>
+              <a:rPr lang="zh-CN" altLang="en-US" dirty="0"/>
+              <a:t>订单状态</a:t>
+            </a:r>
+            <a:r>
+              <a:rPr lang="en-US" altLang="zh-CN" dirty="0"/>
+              <a:t>:</a:t>
+            </a:r>
+            <a:r>
+              <a:rPr lang="zh-CN" altLang="en-US" dirty="0"/>
+              <a:t>未确认 *</a:t>
+            </a:r>
+            <a:r>
+              <a:rPr lang="en-US" altLang="zh-CN" dirty="0"/>
+              <a:t>/</a:t>
+            </a:r>
+          </a:p>
+          <a:p>
+            <a:r>
+              <a:rPr lang="en-US" altLang="zh-CN" dirty="0"/>
+              <a:t>    </a:t>
+            </a:r>
+            <a:r>
+              <a:rPr lang="en-US" altLang="zh-CN" dirty="0" err="1"/>
+              <a:t>const</a:t>
+            </a:r>
+            <a:r>
+              <a:rPr lang="en-US" altLang="zh-CN" dirty="0"/>
+              <a:t> ORDER_STATUS_UN_CONFIRM=0;</a:t>
+            </a:r>
+          </a:p>
+          <a:p>
+            <a:endParaRPr lang="en-US" altLang="zh-CN" dirty="0"/>
+          </a:p>
+          <a:p>
+            <a:r>
+              <a:rPr lang="en-US" altLang="zh-CN" dirty="0"/>
+              <a:t>    /**</a:t>
+            </a:r>
+            <a:r>
+              <a:rPr lang="zh-CN" altLang="en-US" dirty="0"/>
+              <a:t>订单状态</a:t>
+            </a:r>
+            <a:r>
+              <a:rPr lang="en-US" altLang="zh-CN" dirty="0"/>
+              <a:t>:</a:t>
+            </a:r>
+            <a:r>
+              <a:rPr lang="zh-CN" altLang="en-US" dirty="0"/>
+              <a:t>已确认 *</a:t>
+            </a:r>
+            <a:r>
+              <a:rPr lang="en-US" altLang="zh-CN" dirty="0"/>
+              <a:t>/</a:t>
+            </a:r>
+          </a:p>
+          <a:p>
+            <a:r>
+              <a:rPr lang="en-US" altLang="zh-CN" dirty="0"/>
+              <a:t>    </a:t>
+            </a:r>
+            <a:r>
+              <a:rPr lang="en-US" altLang="zh-CN" dirty="0" err="1"/>
+              <a:t>const</a:t>
+            </a:r>
+            <a:r>
+              <a:rPr lang="en-US" altLang="zh-CN" dirty="0"/>
+              <a:t> ORDER_STATUS_IS_CONFIRM=1;</a:t>
+            </a:r>
+          </a:p>
+          <a:p>
+            <a:endParaRPr lang="en-US" altLang="zh-CN" dirty="0"/>
+          </a:p>
+          <a:p>
+            <a:r>
+              <a:rPr lang="en-US" altLang="zh-CN" dirty="0"/>
+              <a:t>    /**</a:t>
+            </a:r>
+            <a:r>
+              <a:rPr lang="zh-CN" altLang="en-US" dirty="0"/>
+              <a:t>订单状态</a:t>
+            </a:r>
+            <a:r>
+              <a:rPr lang="en-US" altLang="zh-CN" dirty="0"/>
+              <a:t>:</a:t>
+            </a:r>
+            <a:r>
+              <a:rPr lang="zh-CN" altLang="en-US" dirty="0"/>
+              <a:t>已取消 *</a:t>
+            </a:r>
+            <a:r>
+              <a:rPr lang="en-US" altLang="zh-CN" dirty="0"/>
+              <a:t>/</a:t>
+            </a:r>
+          </a:p>
+          <a:p>
+            <a:r>
+              <a:rPr lang="en-US" altLang="zh-CN" dirty="0"/>
+              <a:t>    </a:t>
+            </a:r>
+            <a:r>
+              <a:rPr lang="en-US" altLang="zh-CN" dirty="0" err="1"/>
+              <a:t>const</a:t>
+            </a:r>
+            <a:r>
+              <a:rPr lang="en-US" altLang="zh-CN" dirty="0"/>
+              <a:t> </a:t>
             </a:r>
             <a:r>
               <a:rPr lang="en-US" altLang="zh-CN" dirty="0" smtClean="0"/>
-              <a:t>GFS</a:t>
-            </a:r>
-            <a:r>
-              <a:rPr lang="zh-CN" altLang="en-US" dirty="0" smtClean="0"/>
-              <a:t>、</a:t>
-            </a:r>
-            <a:r>
-              <a:rPr lang="en-US" altLang="zh-CN" dirty="0" smtClean="0"/>
-              <a:t>TFS</a:t>
-            </a:r>
-            <a:r>
-              <a:rPr lang="zh-CN" altLang="en-US" dirty="0" smtClean="0"/>
-              <a:t>等</a:t>
-            </a:r>
-            <a:r>
-              <a:rPr lang="en-US" altLang="zh-CN" dirty="0" smtClean="0"/>
-              <a:t>)</a:t>
-            </a:r>
-          </a:p>
-          <a:p>
-            <a:r>
-              <a:rPr lang="zh-CN" altLang="en-US" dirty="0" smtClean="0"/>
-              <a:t>分布式缓存</a:t>
-            </a:r>
-            <a:r>
-              <a:rPr lang="en-US" altLang="zh-CN" dirty="0" smtClean="0"/>
-              <a:t>(</a:t>
-            </a:r>
-            <a:r>
-              <a:rPr lang="en-US" altLang="zh-CN" dirty="0" err="1" smtClean="0"/>
-              <a:t>memcache</a:t>
-            </a:r>
-            <a:r>
-              <a:rPr lang="zh-CN" altLang="en-US" dirty="0" smtClean="0"/>
-              <a:t>、</a:t>
-            </a:r>
-            <a:r>
-              <a:rPr lang="en-US" altLang="zh-CN" dirty="0" err="1" smtClean="0"/>
-              <a:t>redis</a:t>
-            </a:r>
-            <a:r>
-              <a:rPr lang="zh-CN" altLang="en-US" dirty="0" smtClean="0"/>
-              <a:t>、</a:t>
-            </a:r>
-            <a:r>
-              <a:rPr lang="en-US" altLang="zh-CN" dirty="0" err="1" smtClean="0"/>
-              <a:t>oscache</a:t>
-            </a:r>
-            <a:r>
-              <a:rPr lang="zh-CN" altLang="en-US" dirty="0" smtClean="0"/>
-              <a:t>、</a:t>
-            </a:r>
-            <a:r>
-              <a:rPr lang="en-US" altLang="zh-CN" dirty="0" err="1" smtClean="0"/>
-              <a:t>ehcache</a:t>
-            </a:r>
-            <a:r>
-              <a:rPr lang="zh-CN" altLang="en-US" dirty="0" smtClean="0"/>
-              <a:t>等</a:t>
-            </a:r>
-            <a:r>
-              <a:rPr lang="en-US" altLang="zh-CN" dirty="0" smtClean="0"/>
-              <a:t>)</a:t>
-            </a:r>
-          </a:p>
-          <a:p>
-            <a:r>
-              <a:rPr lang="zh-CN" altLang="en-US" dirty="0" smtClean="0"/>
-              <a:t>分布式数据库（伪）</a:t>
-            </a:r>
-            <a:r>
-              <a:rPr lang="en-US" altLang="zh-CN" dirty="0" smtClean="0"/>
-              <a:t>(</a:t>
-            </a:r>
-            <a:r>
-              <a:rPr lang="en-US" altLang="zh-CN" dirty="0" err="1" smtClean="0"/>
-              <a:t>hbase</a:t>
-            </a:r>
-            <a:r>
-              <a:rPr lang="zh-CN" altLang="en-US" dirty="0" smtClean="0"/>
-              <a:t>、</a:t>
-            </a:r>
-            <a:r>
-              <a:rPr lang="en-US" altLang="zh-CN" dirty="0" err="1" smtClean="0"/>
-              <a:t>mongodb</a:t>
-            </a:r>
-            <a:r>
-              <a:rPr lang="zh-CN" altLang="en-US" dirty="0"/>
-              <a:t>、</a:t>
-            </a:r>
-            <a:r>
-              <a:rPr lang="en-US" altLang="zh-CN" dirty="0" err="1" smtClean="0"/>
-              <a:t>redis</a:t>
-            </a:r>
-            <a:r>
-              <a:rPr lang="zh-CN" altLang="en-US" dirty="0" smtClean="0"/>
-              <a:t>等</a:t>
-            </a:r>
-            <a:r>
-              <a:rPr lang="en-US" altLang="zh-CN" dirty="0" smtClean="0"/>
-              <a:t>)</a:t>
-            </a:r>
-          </a:p>
-          <a:p>
-            <a:r>
-              <a:rPr lang="zh-CN" altLang="en-US" dirty="0"/>
-              <a:t>利用好本地</a:t>
-            </a:r>
-            <a:r>
-              <a:rPr lang="zh-CN" altLang="en-US" dirty="0" smtClean="0"/>
-              <a:t>缓存</a:t>
-            </a:r>
-            <a:endParaRPr lang="en-US" altLang="zh-CN" dirty="0" smtClean="0"/>
-          </a:p>
-          <a:p>
-            <a:r>
-              <a:rPr lang="en-US" altLang="zh-CN" dirty="0" smtClean="0"/>
-              <a:t>Web</a:t>
-            </a:r>
-            <a:r>
-              <a:rPr lang="zh-CN" altLang="en-US" dirty="0" smtClean="0"/>
-              <a:t>页面缓存</a:t>
-            </a:r>
-            <a:endParaRPr lang="en-US" altLang="zh-CN" dirty="0" smtClean="0"/>
-          </a:p>
-          <a:p>
-            <a:r>
-              <a:rPr lang="zh-CN" altLang="en-US" dirty="0" smtClean="0"/>
-              <a:t>良好的</a:t>
-            </a:r>
-            <a:r>
-              <a:rPr lang="en-US" altLang="zh-CN" dirty="0" smtClean="0"/>
-              <a:t>RPC</a:t>
-            </a:r>
-            <a:r>
-              <a:rPr lang="zh-CN" altLang="en-US" dirty="0" smtClean="0"/>
-              <a:t>框架（</a:t>
-            </a:r>
-            <a:r>
-              <a:rPr lang="en-US" altLang="zh-CN" dirty="0" smtClean="0"/>
-              <a:t>hessian</a:t>
-            </a:r>
-            <a:r>
-              <a:rPr lang="zh-CN" altLang="en-US" dirty="0" smtClean="0"/>
-              <a:t>、</a:t>
-            </a:r>
-            <a:r>
-              <a:rPr lang="en-US" altLang="zh-CN" dirty="0" err="1" smtClean="0"/>
-              <a:t>WebService</a:t>
-            </a:r>
-            <a:r>
-              <a:rPr lang="zh-CN" altLang="en-US" dirty="0" smtClean="0"/>
-              <a:t>、</a:t>
-            </a:r>
-            <a:r>
-              <a:rPr lang="en-US" altLang="zh-CN" dirty="0" err="1" smtClean="0"/>
-              <a:t>rmi</a:t>
-            </a:r>
-            <a:r>
-              <a:rPr lang="zh-CN" altLang="en-US" dirty="0" smtClean="0"/>
-              <a:t>、</a:t>
-            </a:r>
-            <a:r>
-              <a:rPr lang="en-US" altLang="zh-CN" dirty="0" smtClean="0"/>
-              <a:t>thrift</a:t>
-            </a:r>
-            <a:r>
-              <a:rPr lang="zh-CN" altLang="en-US" dirty="0" smtClean="0"/>
-              <a:t>、</a:t>
-            </a:r>
-            <a:r>
-              <a:rPr lang="en-US" altLang="zh-CN" dirty="0" smtClean="0"/>
-              <a:t>Protocol Buffers</a:t>
-            </a:r>
-            <a:r>
-              <a:rPr lang="zh-CN" altLang="en-US" dirty="0" smtClean="0"/>
-              <a:t>）</a:t>
-            </a:r>
-            <a:endParaRPr lang="en-US" altLang="zh-CN" dirty="0" smtClean="0"/>
-          </a:p>
-          <a:p>
-            <a:r>
-              <a:rPr lang="zh-CN" altLang="en-US" dirty="0" smtClean="0"/>
-              <a:t>异步调用</a:t>
-            </a:r>
-            <a:r>
-              <a:rPr lang="en-US" altLang="zh-CN" dirty="0" smtClean="0"/>
-              <a:t>(</a:t>
-            </a:r>
-            <a:r>
-              <a:rPr lang="en-US" altLang="zh-CN" dirty="0" err="1" smtClean="0"/>
-              <a:t>ajax</a:t>
-            </a:r>
-            <a:r>
-              <a:rPr lang="zh-CN" altLang="en-US" dirty="0" smtClean="0"/>
-              <a:t>、</a:t>
-            </a:r>
-            <a:r>
-              <a:rPr lang="en-US" altLang="zh-CN" dirty="0" err="1" smtClean="0"/>
-              <a:t>nio</a:t>
-            </a:r>
-            <a:r>
-              <a:rPr lang="zh-CN" altLang="en-US" dirty="0" smtClean="0"/>
-              <a:t>、</a:t>
-            </a:r>
-            <a:r>
-              <a:rPr lang="en-US" altLang="zh-CN" dirty="0" err="1" smtClean="0"/>
-              <a:t>nodejs</a:t>
-            </a:r>
-            <a:r>
-              <a:rPr lang="en-US" altLang="zh-CN" dirty="0" smtClean="0"/>
-              <a:t>)</a:t>
-            </a:r>
-          </a:p>
-          <a:p>
-            <a:r>
-              <a:rPr lang="zh-CN" altLang="en-US" dirty="0" smtClean="0"/>
-              <a:t>消息系统</a:t>
-            </a:r>
-            <a:r>
-              <a:rPr lang="en-US" altLang="zh-CN" dirty="0" smtClean="0"/>
-              <a:t>(</a:t>
-            </a:r>
-            <a:r>
-              <a:rPr lang="en-US" altLang="zh-CN" dirty="0" err="1" smtClean="0"/>
-              <a:t>activemq</a:t>
-            </a:r>
-            <a:r>
-              <a:rPr lang="zh-CN" altLang="en-US" dirty="0" smtClean="0"/>
-              <a:t>、</a:t>
-            </a:r>
-            <a:r>
-              <a:rPr lang="en-US" altLang="zh-CN" dirty="0" err="1" smtClean="0"/>
-              <a:t>rabbitmq</a:t>
-            </a:r>
-            <a:r>
-              <a:rPr lang="en-US" altLang="zh-CN" dirty="0" smtClean="0"/>
-              <a:t>)</a:t>
-            </a:r>
-          </a:p>
-          <a:p>
-            <a:r>
-              <a:rPr lang="zh-CN" altLang="en-US" dirty="0" smtClean="0"/>
-              <a:t>良好的监控系统</a:t>
-            </a:r>
-            <a:endParaRPr lang="en-US" altLang="zh-CN" dirty="0" smtClean="0"/>
-          </a:p>
-          <a:p>
-            <a:r>
-              <a:rPr lang="zh-CN" altLang="en-US" dirty="0" smtClean="0"/>
-              <a:t>优秀的运维支持</a:t>
-            </a:r>
-            <a:endParaRPr lang="en-US" altLang="zh-CN" dirty="0" smtClean="0"/>
-          </a:p>
-          <a:p>
-            <a:r>
-              <a:rPr lang="zh-CN" altLang="en-US" dirty="0" smtClean="0"/>
-              <a:t>语言</a:t>
-            </a:r>
-            <a:r>
-              <a:rPr lang="en-US" altLang="zh-CN" dirty="0" smtClean="0"/>
-              <a:t>(</a:t>
-            </a:r>
-            <a:r>
-              <a:rPr lang="en-US" altLang="zh-CN" dirty="0" err="1" smtClean="0"/>
-              <a:t>php</a:t>
-            </a:r>
-            <a:r>
-              <a:rPr lang="zh-CN" altLang="en-US" dirty="0" smtClean="0"/>
-              <a:t>、</a:t>
-            </a:r>
-            <a:r>
-              <a:rPr lang="en-US" altLang="zh-CN" dirty="0" smtClean="0"/>
-              <a:t>java</a:t>
-            </a:r>
-            <a:r>
-              <a:rPr lang="zh-CN" altLang="en-US" dirty="0" smtClean="0"/>
-              <a:t>、</a:t>
-            </a:r>
-            <a:r>
-              <a:rPr lang="en-US" altLang="zh-CN" dirty="0" err="1" smtClean="0"/>
-              <a:t>.net</a:t>
-            </a:r>
-            <a:r>
-              <a:rPr lang="zh-CN" altLang="en-US" dirty="0" smtClean="0"/>
-              <a:t>、</a:t>
-            </a:r>
-            <a:r>
-              <a:rPr lang="en-US" altLang="zh-CN" dirty="0" smtClean="0"/>
-              <a:t>groovy</a:t>
-            </a:r>
-            <a:r>
-              <a:rPr lang="zh-CN" altLang="en-US" dirty="0" smtClean="0"/>
-              <a:t>、</a:t>
-            </a:r>
-            <a:r>
-              <a:rPr lang="en-US" altLang="zh-CN" dirty="0" smtClean="0"/>
-              <a:t>ruby</a:t>
-            </a:r>
-            <a:r>
-              <a:rPr lang="zh-CN" altLang="en-US" dirty="0" smtClean="0"/>
-              <a:t>等</a:t>
-            </a:r>
-            <a:r>
-              <a:rPr lang="en-US" altLang="zh-CN" dirty="0" smtClean="0"/>
-              <a:t>)</a:t>
-            </a:r>
-            <a:r>
-              <a:rPr lang="zh-CN" altLang="en-US" dirty="0" smtClean="0"/>
-              <a:t>只是工具</a:t>
-            </a:r>
-            <a:r>
-              <a:rPr lang="en-US" altLang="zh-CN" dirty="0" smtClean="0"/>
-              <a:t>,</a:t>
-            </a:r>
-            <a:r>
-              <a:rPr lang="zh-CN" altLang="en-US" dirty="0" smtClean="0"/>
-              <a:t>每种语言都有适用场景</a:t>
-            </a:r>
-            <a:endParaRPr lang="en-US" altLang="zh-CN" dirty="0" smtClean="0"/>
-          </a:p>
-          <a:p>
-            <a:endParaRPr lang="en-US" altLang="zh-CN" dirty="0" smtClean="0"/>
+              <a:t>ORDER_STATUS_IS_CANCELED=2</a:t>
+            </a:r>
+            <a:r>
+              <a:rPr lang="en-US" altLang="zh-CN" dirty="0"/>
+              <a:t>;</a:t>
+            </a:r>
+          </a:p>
+          <a:p>
+            <a:r>
+              <a:rPr lang="en-US" altLang="zh-CN" dirty="0"/>
+              <a:t>}</a:t>
+            </a:r>
+            <a:endParaRPr lang="zh-CN" altLang="en-US" dirty="0"/>
           </a:p>
         </p:txBody>
       </p:sp>
     </p:spTree>
     <p:extLst>
       <p:ext uri="{BB962C8B-B14F-4D97-AF65-F5344CB8AC3E}">
-        <p14:creationId xmlns:p14="http://schemas.microsoft.com/office/powerpoint/2010/main" val="3216380885"/>
+        <p14:creationId xmlns:p14="http://schemas.microsoft.com/office/powerpoint/2010/main" val="2605531641"/>
       </p:ext>
     </p:extLst>
   </p:cSld>
@@ -12757,11 +12468,25 @@
           <a:lstStyle/>
           <a:p>
             <a:fld id="{B11D738E-8962-435F-8C43-147B8DD7E819}" type="datetime1">
-              <a:rPr lang="en-US" smtClean="0"/>
+              <a:rPr lang="en-US" smtClean="0">
+                <a:solidFill>
+                  <a:prstClr val="black">
+                    <a:lumMod val="65000"/>
+                    <a:lumOff val="35000"/>
+                  </a:prstClr>
+                </a:solidFill>
+              </a:rPr>
               <a:pPr/>
-              <a:t>7/18/2014</a:t>
+              <a:t>8/28/2014</a:t>
             </a:fld>
-            <a:endParaRPr lang="en-US"/>
+            <a:endParaRPr lang="en-US" dirty="0">
+              <a:solidFill>
+                <a:prstClr val="black">
+                  <a:lumMod val="65000"/>
+                  <a:lumOff val="35000"/>
+                </a:prstClr>
+              </a:solidFill>
+            </a:endParaRPr>
           </a:p>
         </p:txBody>
       </p:sp>
@@ -12781,11 +12506,25 @@
           <a:lstStyle/>
           <a:p>
             <a:fld id="{BA9B540C-44DA-4F69-89C9-7C84606640D3}" type="slidenum">
-              <a:rPr lang="en-US" smtClean="0"/>
+              <a:rPr lang="en-US" smtClean="0">
+                <a:solidFill>
+                  <a:prstClr val="black">
+                    <a:lumMod val="65000"/>
+                    <a:lumOff val="35000"/>
+                  </a:prstClr>
+                </a:solidFill>
+              </a:rPr>
               <a:pPr/>
               <a:t>23</a:t>
             </a:fld>
-            <a:endParaRPr lang="en-US"/>
+            <a:endParaRPr lang="en-US">
+              <a:solidFill>
+                <a:prstClr val="black">
+                  <a:lumMod val="65000"/>
+                  <a:lumOff val="35000"/>
+                </a:prstClr>
+              </a:solidFill>
+            </a:endParaRPr>
           </a:p>
         </p:txBody>
       </p:sp>
@@ -12799,8 +12538,8 @@
         </p:nvSpPr>
         <p:spPr>
           <a:xfrm>
-            <a:off x="251520" y="2348880"/>
-            <a:ext cx="8229600" cy="1024136"/>
+            <a:off x="107504" y="116632"/>
+            <a:ext cx="6840760" cy="764704"/>
           </a:xfrm>
           <a:prstGeom prst="rect">
             <a:avLst/>
@@ -12837,9 +12576,513 @@
             </a:lvl1pPr>
           </a:lstStyle>
           <a:p>
+            <a:pPr algn="l"/>
+            <a:r>
+              <a:rPr lang="en-US" altLang="zh-CN" sz="3200" b="1" dirty="0" smtClean="0">
+                <a:solidFill>
+                  <a:srgbClr val="2F5897"/>
+                </a:solidFill>
+              </a:rPr>
+              <a:t>PHP</a:t>
+            </a:r>
+            <a:r>
+              <a:rPr lang="zh-CN" altLang="en-US" sz="3200" b="1" dirty="0" smtClean="0">
+                <a:solidFill>
+                  <a:srgbClr val="2F5897"/>
+                </a:solidFill>
+              </a:rPr>
+              <a:t>代码类常量示例</a:t>
+            </a:r>
+            <a:endParaRPr lang="zh-CN" altLang="en-US" sz="3200" b="1" dirty="0">
+              <a:solidFill>
+                <a:srgbClr val="2F5897"/>
+              </a:solidFill>
+            </a:endParaRPr>
+          </a:p>
+        </p:txBody>
+      </p:sp>
+      <p:sp>
+        <p:nvSpPr>
+          <p:cNvPr id="2" name="TextBox 1"/>
+          <p:cNvSpPr txBox="1"/>
+          <p:nvPr/>
+        </p:nvSpPr>
+        <p:spPr>
+          <a:xfrm>
+            <a:off x="323528" y="928079"/>
+            <a:ext cx="7992888" cy="2585323"/>
+          </a:xfrm>
+          <a:prstGeom prst="rect">
+            <a:avLst/>
+          </a:prstGeom>
+          <a:noFill/>
+        </p:spPr>
+        <p:txBody>
+          <a:bodyPr wrap="square" rtlCol="0">
+            <a:spAutoFit/>
+          </a:bodyPr>
+          <a:lstStyle/>
+          <a:p>
+            <a:r>
+              <a:rPr lang="en-US" altLang="zh-CN" dirty="0"/>
+              <a:t> </a:t>
+            </a:r>
             <a:r>
               <a:rPr lang="en-US" altLang="zh-CN" dirty="0" smtClean="0"/>
-              <a:t>Q &amp; A</a:t>
+              <a:t>       </a:t>
+            </a:r>
+            <a:r>
+              <a:rPr lang="en-US" altLang="zh-CN" b="1" dirty="0" smtClean="0"/>
+              <a:t>if</a:t>
+            </a:r>
+            <a:r>
+              <a:rPr lang="en-US" altLang="zh-CN" b="1" dirty="0"/>
+              <a:t>($this-&gt;</a:t>
+            </a:r>
+            <a:r>
+              <a:rPr lang="en-US" altLang="zh-CN" b="1" dirty="0" err="1"/>
+              <a:t>db_hash_type</a:t>
+            </a:r>
+            <a:r>
+              <a:rPr lang="en-US" altLang="zh-CN" b="1" dirty="0"/>
+              <a:t>==='</a:t>
+            </a:r>
+            <a:r>
+              <a:rPr lang="en-US" altLang="zh-CN" b="1" dirty="0" err="1"/>
+              <a:t>consistent_hash</a:t>
+            </a:r>
+            <a:r>
+              <a:rPr lang="en-US" altLang="zh-CN" b="1" dirty="0"/>
+              <a:t>'){//</a:t>
+            </a:r>
+            <a:r>
+              <a:rPr lang="zh-CN" altLang="en-US" b="1" dirty="0"/>
+              <a:t>一致性</a:t>
+            </a:r>
+            <a:r>
+              <a:rPr lang="en-US" altLang="zh-CN" b="1" dirty="0"/>
+              <a:t>hash</a:t>
+            </a:r>
+          </a:p>
+          <a:p>
+            <a:r>
+              <a:rPr lang="en-US" altLang="zh-CN" dirty="0"/>
+              <a:t>     </a:t>
+            </a:r>
+            <a:r>
+              <a:rPr lang="en-US" altLang="zh-CN" dirty="0" smtClean="0"/>
+              <a:t>      $</a:t>
+            </a:r>
+            <a:r>
+              <a:rPr lang="en-US" altLang="zh-CN" dirty="0"/>
+              <a:t>this-&gt;</a:t>
+            </a:r>
+            <a:r>
+              <a:rPr lang="en-US" altLang="zh-CN" dirty="0" err="1"/>
+              <a:t>dbParse</a:t>
+            </a:r>
+            <a:r>
+              <a:rPr lang="en-US" altLang="zh-CN" dirty="0"/>
+              <a:t>=</a:t>
+            </a:r>
+            <a:r>
+              <a:rPr lang="en-US" altLang="zh-CN" b="1" dirty="0"/>
+              <a:t>new </a:t>
+            </a:r>
+            <a:r>
+              <a:rPr lang="en-US" altLang="zh-CN" b="1" dirty="0" err="1"/>
+              <a:t>ConsistentHash</a:t>
+            </a:r>
+            <a:r>
+              <a:rPr lang="en-US" altLang="zh-CN" b="1" dirty="0"/>
+              <a:t>($this-&gt;</a:t>
+            </a:r>
+            <a:r>
+              <a:rPr lang="en-US" altLang="zh-CN" b="1" dirty="0" err="1"/>
+              <a:t>config_array</a:t>
+            </a:r>
+            <a:r>
+              <a:rPr lang="en-US" altLang="zh-CN" b="1" dirty="0"/>
+              <a:t>);</a:t>
+            </a:r>
+          </a:p>
+          <a:p>
+            <a:r>
+              <a:rPr lang="zh-CN" altLang="en-US" dirty="0"/>
+              <a:t>        </a:t>
+            </a:r>
+            <a:r>
+              <a:rPr lang="en-US" altLang="zh-CN" dirty="0"/>
+              <a:t>}</a:t>
+            </a:r>
+          </a:p>
+          <a:p>
+            <a:r>
+              <a:rPr lang="en-US" altLang="zh-CN" dirty="0"/>
+              <a:t>        </a:t>
+            </a:r>
+            <a:r>
+              <a:rPr lang="en-US" altLang="zh-CN" b="1" dirty="0"/>
+              <a:t>if($this-&gt;</a:t>
+            </a:r>
+            <a:r>
+              <a:rPr lang="en-US" altLang="zh-CN" b="1" dirty="0" err="1"/>
+              <a:t>db_hash_type</a:t>
+            </a:r>
+            <a:r>
+              <a:rPr lang="en-US" altLang="zh-CN" b="1" dirty="0"/>
+              <a:t>==='</a:t>
+            </a:r>
+            <a:r>
+              <a:rPr lang="en-US" altLang="zh-CN" b="1" dirty="0" err="1"/>
+              <a:t>virtual_hash</a:t>
+            </a:r>
+            <a:r>
+              <a:rPr lang="en-US" altLang="zh-CN" b="1" dirty="0"/>
+              <a:t>'){//</a:t>
+            </a:r>
+            <a:r>
+              <a:rPr lang="zh-CN" altLang="en-US" b="1" dirty="0"/>
+              <a:t>虚拟节点</a:t>
+            </a:r>
+            <a:r>
+              <a:rPr lang="en-US" altLang="zh-CN" b="1" dirty="0"/>
+              <a:t>hash</a:t>
+            </a:r>
+          </a:p>
+          <a:p>
+            <a:r>
+              <a:rPr lang="en-US" altLang="zh-CN" dirty="0"/>
+              <a:t>            $this-&gt;</a:t>
+            </a:r>
+            <a:r>
+              <a:rPr lang="en-US" altLang="zh-CN" dirty="0" err="1"/>
+              <a:t>dbParse</a:t>
+            </a:r>
+            <a:r>
+              <a:rPr lang="en-US" altLang="zh-CN" dirty="0"/>
+              <a:t>=</a:t>
+            </a:r>
+            <a:r>
+              <a:rPr lang="en-US" altLang="zh-CN" b="1" dirty="0"/>
+              <a:t>new </a:t>
+            </a:r>
+            <a:r>
+              <a:rPr lang="en-US" altLang="zh-CN" b="1" dirty="0" err="1"/>
+              <a:t>VirtualHash</a:t>
+            </a:r>
+            <a:r>
+              <a:rPr lang="en-US" altLang="zh-CN" b="1" dirty="0"/>
+              <a:t>($this-&gt;</a:t>
+            </a:r>
+            <a:r>
+              <a:rPr lang="en-US" altLang="zh-CN" b="1" dirty="0" err="1"/>
+              <a:t>config_array</a:t>
+            </a:r>
+            <a:r>
+              <a:rPr lang="en-US" altLang="zh-CN" b="1" dirty="0"/>
+              <a:t>);</a:t>
+            </a:r>
+          </a:p>
+          <a:p>
+            <a:r>
+              <a:rPr lang="zh-CN" altLang="en-US" dirty="0"/>
+              <a:t>        </a:t>
+            </a:r>
+            <a:r>
+              <a:rPr lang="en-US" altLang="zh-CN" dirty="0"/>
+              <a:t>}</a:t>
+            </a:r>
+          </a:p>
+          <a:p>
+            <a:r>
+              <a:rPr lang="en-US" altLang="zh-CN" dirty="0"/>
+              <a:t>        </a:t>
+            </a:r>
+            <a:r>
+              <a:rPr lang="en-US" altLang="zh-CN" b="1" dirty="0"/>
+              <a:t>if($this-&gt;</a:t>
+            </a:r>
+            <a:r>
+              <a:rPr lang="en-US" altLang="zh-CN" b="1" dirty="0" err="1"/>
+              <a:t>db_hash_type</a:t>
+            </a:r>
+            <a:r>
+              <a:rPr lang="en-US" altLang="zh-CN" b="1" dirty="0"/>
+              <a:t>==='</a:t>
+            </a:r>
+            <a:r>
+              <a:rPr lang="en-US" altLang="zh-CN" b="1" dirty="0" err="1"/>
+              <a:t>mod_hash</a:t>
+            </a:r>
+            <a:r>
+              <a:rPr lang="en-US" altLang="zh-CN" b="1" dirty="0"/>
+              <a:t>'){//mod Hash</a:t>
+            </a:r>
+          </a:p>
+          <a:p>
+            <a:r>
+              <a:rPr lang="en-US" altLang="zh-CN" dirty="0"/>
+              <a:t>            $this-&gt;</a:t>
+            </a:r>
+            <a:r>
+              <a:rPr lang="en-US" altLang="zh-CN" dirty="0" err="1"/>
+              <a:t>dbParse</a:t>
+            </a:r>
+            <a:r>
+              <a:rPr lang="en-US" altLang="zh-CN" dirty="0"/>
+              <a:t>=</a:t>
+            </a:r>
+            <a:r>
+              <a:rPr lang="en-US" altLang="zh-CN" b="1" dirty="0"/>
+              <a:t>new </a:t>
+            </a:r>
+            <a:r>
+              <a:rPr lang="en-US" altLang="zh-CN" b="1" dirty="0" err="1"/>
+              <a:t>ModHash</a:t>
+            </a:r>
+            <a:r>
+              <a:rPr lang="en-US" altLang="zh-CN" b="1" dirty="0"/>
+              <a:t>($this-&gt;</a:t>
+            </a:r>
+            <a:r>
+              <a:rPr lang="en-US" altLang="zh-CN" b="1" dirty="0" err="1"/>
+              <a:t>config_array</a:t>
+            </a:r>
+            <a:r>
+              <a:rPr lang="en-US" altLang="zh-CN" b="1" dirty="0"/>
+              <a:t>);</a:t>
+            </a:r>
+          </a:p>
+          <a:p>
+            <a:r>
+              <a:rPr lang="zh-CN" altLang="en-US" dirty="0"/>
+              <a:t>        </a:t>
+            </a:r>
+            <a:r>
+              <a:rPr lang="en-US" altLang="zh-CN" dirty="0"/>
+              <a:t>}</a:t>
+            </a:r>
+            <a:endParaRPr lang="zh-CN" altLang="en-US" dirty="0"/>
+          </a:p>
+        </p:txBody>
+      </p:sp>
+      <p:sp>
+        <p:nvSpPr>
+          <p:cNvPr id="3" name="TextBox 2"/>
+          <p:cNvSpPr txBox="1"/>
+          <p:nvPr/>
+        </p:nvSpPr>
+        <p:spPr>
+          <a:xfrm>
+            <a:off x="576064" y="3789039"/>
+            <a:ext cx="9180512" cy="2031325"/>
+          </a:xfrm>
+          <a:prstGeom prst="rect">
+            <a:avLst/>
+          </a:prstGeom>
+          <a:noFill/>
+        </p:spPr>
+        <p:txBody>
+          <a:bodyPr wrap="square" rtlCol="0">
+            <a:spAutoFit/>
+          </a:bodyPr>
+          <a:lstStyle/>
+          <a:p>
+            <a:r>
+              <a:rPr lang="zh-CN" altLang="en-US" dirty="0"/>
+              <a:t> </a:t>
+            </a:r>
+            <a:r>
+              <a:rPr lang="en-US" altLang="zh-CN" dirty="0"/>
+              <a:t>/**</a:t>
+            </a:r>
+          </a:p>
+          <a:p>
+            <a:r>
+              <a:rPr lang="en-US" altLang="zh-CN" dirty="0"/>
+              <a:t>     * </a:t>
+            </a:r>
+            <a:r>
+              <a:rPr lang="en-US" altLang="zh-CN" b="1" dirty="0"/>
+              <a:t>@</a:t>
+            </a:r>
+            <a:r>
+              <a:rPr lang="en-US" altLang="zh-CN" b="1" dirty="0" err="1"/>
+              <a:t>param</a:t>
+            </a:r>
+            <a:r>
+              <a:rPr lang="en-US" altLang="zh-CN" b="1" dirty="0"/>
+              <a:t> $</a:t>
+            </a:r>
+            <a:r>
+              <a:rPr lang="en-US" altLang="zh-CN" b="1" dirty="0" err="1"/>
+              <a:t>sql</a:t>
+            </a:r>
+            <a:r>
+              <a:rPr lang="en-US" altLang="zh-CN" b="1" dirty="0"/>
+              <a:t> </a:t>
+            </a:r>
+            <a:r>
+              <a:rPr lang="en-US" altLang="zh-CN" b="1" dirty="0" smtClean="0"/>
+              <a:t>"delete </a:t>
+            </a:r>
+            <a:r>
+              <a:rPr lang="en-US" altLang="zh-CN" b="1" dirty="0"/>
+              <a:t>from order where id=#id# and </a:t>
+            </a:r>
+            <a:r>
+              <a:rPr lang="en-US" altLang="zh-CN" b="1" dirty="0" err="1"/>
+              <a:t>user_id</a:t>
+            </a:r>
+            <a:r>
+              <a:rPr lang="en-US" altLang="zh-CN" b="1" dirty="0"/>
+              <a:t>=#</a:t>
+            </a:r>
+            <a:r>
+              <a:rPr lang="en-US" altLang="zh-CN" b="1" dirty="0" err="1"/>
+              <a:t>user_id</a:t>
+            </a:r>
+            <a:r>
+              <a:rPr lang="en-US" altLang="zh-CN" b="1" dirty="0" smtClean="0"/>
+              <a:t>#"</a:t>
+            </a:r>
+            <a:endParaRPr lang="en-US" altLang="zh-CN" b="1" dirty="0"/>
+          </a:p>
+          <a:p>
+            <a:r>
+              <a:rPr lang="en-US" altLang="zh-CN" dirty="0"/>
+              <a:t>     * </a:t>
+            </a:r>
+            <a:r>
+              <a:rPr lang="en-US" altLang="zh-CN" b="1" dirty="0"/>
+              <a:t>@</a:t>
+            </a:r>
+            <a:r>
+              <a:rPr lang="en-US" altLang="zh-CN" b="1" dirty="0" err="1"/>
+              <a:t>param</a:t>
+            </a:r>
+            <a:r>
+              <a:rPr lang="en-US" altLang="zh-CN" b="1" dirty="0"/>
+              <a:t> array $</a:t>
+            </a:r>
+            <a:r>
+              <a:rPr lang="en-US" altLang="zh-CN" b="1" dirty="0" err="1"/>
+              <a:t>params</a:t>
+            </a:r>
+            <a:r>
+              <a:rPr lang="en-US" altLang="zh-CN" b="1" dirty="0"/>
+              <a:t> array('id'=&gt;123,'user_id'=&gt;10)</a:t>
+            </a:r>
+          </a:p>
+          <a:p>
+            <a:r>
+              <a:rPr lang="en-US" altLang="zh-CN" dirty="0"/>
+              <a:t>     * </a:t>
+            </a:r>
+            <a:r>
+              <a:rPr lang="en-US" altLang="zh-CN" b="1" dirty="0"/>
+              <a:t>@</a:t>
+            </a:r>
+            <a:r>
+              <a:rPr lang="en-US" altLang="zh-CN" b="1" dirty="0" err="1"/>
+              <a:t>param</a:t>
+            </a:r>
+            <a:r>
+              <a:rPr lang="en-US" altLang="zh-CN" b="1" dirty="0"/>
+              <a:t> </a:t>
+            </a:r>
+            <a:r>
+              <a:rPr lang="en-US" altLang="zh-CN" b="1" dirty="0" err="1"/>
+              <a:t>bool</a:t>
+            </a:r>
+            <a:r>
+              <a:rPr lang="en-US" altLang="zh-CN" b="1" dirty="0"/>
+              <a:t> </a:t>
+            </a:r>
+            <a:r>
+              <a:rPr lang="en-US" altLang="zh-CN" b="1" dirty="0" smtClean="0"/>
+              <a:t>$</a:t>
+            </a:r>
+            <a:r>
+              <a:rPr lang="en-US" altLang="zh-CN" b="1" dirty="0" err="1" smtClean="0"/>
+              <a:t>affected_rows</a:t>
+            </a:r>
+            <a:endParaRPr lang="en-US" altLang="zh-CN" b="1" dirty="0"/>
+          </a:p>
+          <a:p>
+            <a:r>
+              <a:rPr lang="en-US" altLang="zh-CN" dirty="0"/>
+              <a:t>     * </a:t>
+            </a:r>
+            <a:r>
+              <a:rPr lang="en-US" altLang="zh-CN" b="1" dirty="0"/>
+              <a:t>@return </a:t>
+            </a:r>
+            <a:r>
+              <a:rPr lang="en-US" altLang="zh-CN" b="1" dirty="0" err="1" smtClean="0"/>
+              <a:t>int</a:t>
+            </a:r>
+            <a:r>
+              <a:rPr lang="en-US" altLang="zh-CN" b="1" dirty="0" smtClean="0"/>
+              <a:t>  </a:t>
+            </a:r>
+            <a:r>
+              <a:rPr lang="zh-CN" altLang="en-US" b="1" dirty="0" smtClean="0"/>
+              <a:t>受影响的行数</a:t>
+            </a:r>
+            <a:endParaRPr lang="en-US" altLang="zh-CN" b="1" dirty="0"/>
+          </a:p>
+          <a:p>
+            <a:r>
+              <a:rPr lang="zh-CN" altLang="en-US" dirty="0"/>
+              <a:t>     *</a:t>
+            </a:r>
+            <a:r>
+              <a:rPr lang="en-US" altLang="zh-CN" dirty="0"/>
+              <a:t>/</a:t>
+            </a:r>
+          </a:p>
+          <a:p>
+            <a:r>
+              <a:rPr lang="en-US" altLang="zh-CN" dirty="0"/>
+              <a:t>    </a:t>
+            </a:r>
+            <a:r>
+              <a:rPr lang="en-US" altLang="zh-CN" b="1" dirty="0"/>
+              <a:t>public function delete($</a:t>
+            </a:r>
+            <a:r>
+              <a:rPr lang="en-US" altLang="zh-CN" b="1" dirty="0" err="1"/>
+              <a:t>sql</a:t>
+            </a:r>
+            <a:r>
+              <a:rPr lang="en-US" altLang="zh-CN" b="1" dirty="0"/>
+              <a:t>, $</a:t>
+            </a:r>
+            <a:r>
+              <a:rPr lang="en-US" altLang="zh-CN" b="1" dirty="0" err="1"/>
+              <a:t>params</a:t>
+            </a:r>
+            <a:r>
+              <a:rPr lang="en-US" altLang="zh-CN" b="1" dirty="0"/>
+              <a:t> = array(), </a:t>
+            </a:r>
+            <a:r>
+              <a:rPr lang="en-US" altLang="zh-CN" b="1" dirty="0" smtClean="0"/>
+              <a:t>$</a:t>
+            </a:r>
+            <a:r>
+              <a:rPr lang="en-US" altLang="zh-CN" b="1" dirty="0" err="1" smtClean="0"/>
+              <a:t>affected_rows</a:t>
+            </a:r>
+            <a:r>
+              <a:rPr lang="en-US" altLang="zh-CN" b="1" dirty="0" smtClean="0"/>
+              <a:t> </a:t>
+            </a:r>
+            <a:r>
+              <a:rPr lang="en-US" altLang="zh-CN" b="1" dirty="0"/>
+              <a:t>= true);</a:t>
             </a:r>
             <a:endParaRPr lang="zh-CN" altLang="en-US" dirty="0"/>
           </a:p>
@@ -12848,7 +13091,7 @@
     </p:spTree>
     <p:extLst>
       <p:ext uri="{BB962C8B-B14F-4D97-AF65-F5344CB8AC3E}">
-        <p14:creationId xmlns:p14="http://schemas.microsoft.com/office/powerpoint/2010/main" val="609639103"/>
+        <p14:creationId xmlns:p14="http://schemas.microsoft.com/office/powerpoint/2010/main" val="2177331897"/>
       </p:ext>
     </p:extLst>
   </p:cSld>
@@ -12884,6 +13127,44 @@
       </p:grpSpPr>
       <p:sp>
         <p:nvSpPr>
+          <p:cNvPr id="3" name="内容占位符 2"/>
+          <p:cNvSpPr>
+            <a:spLocks noGrp="1"/>
+          </p:cNvSpPr>
+          <p:nvPr>
+            <p:ph idx="1"/>
+          </p:nvPr>
+        </p:nvSpPr>
+        <p:spPr>
+          <a:xfrm>
+            <a:off x="323528" y="692696"/>
+            <a:ext cx="8280920" cy="576064"/>
+          </a:xfrm>
+        </p:spPr>
+        <p:txBody>
+          <a:bodyPr>
+            <a:normAutofit/>
+          </a:bodyPr>
+          <a:lstStyle/>
+          <a:p>
+            <a:r>
+              <a:rPr lang="zh-CN" altLang="en-US" dirty="0" smtClean="0"/>
+              <a:t>见意看下 </a:t>
+            </a:r>
+            <a:r>
+              <a:rPr lang="en-US" altLang="zh-CN" dirty="0" smtClean="0"/>
+              <a:t>martin fowler</a:t>
+            </a:r>
+            <a:r>
+              <a:rPr lang="zh-CN" altLang="en-US" dirty="0" smtClean="0"/>
+              <a:t>的重构 改善即有代码的设计</a:t>
+            </a:r>
+            <a:endParaRPr lang="en-US" altLang="zh-CN" dirty="0" smtClean="0"/>
+          </a:p>
+        </p:txBody>
+      </p:sp>
+      <p:sp>
+        <p:nvSpPr>
           <p:cNvPr id="4" name="日期占位符 3"/>
           <p:cNvSpPr>
             <a:spLocks noGrp="1"/>
@@ -12898,11 +13179,25 @@
           <a:lstStyle/>
           <a:p>
             <a:fld id="{B11D738E-8962-435F-8C43-147B8DD7E819}" type="datetime1">
-              <a:rPr lang="en-US" smtClean="0"/>
+              <a:rPr lang="en-US" smtClean="0">
+                <a:solidFill>
+                  <a:prstClr val="black">
+                    <a:lumMod val="65000"/>
+                    <a:lumOff val="35000"/>
+                  </a:prstClr>
+                </a:solidFill>
+              </a:rPr>
               <a:pPr/>
-              <a:t>7/18/2014</a:t>
+              <a:t>8/28/2014</a:t>
             </a:fld>
-            <a:endParaRPr lang="en-US"/>
+            <a:endParaRPr lang="en-US">
+              <a:solidFill>
+                <a:prstClr val="black">
+                  <a:lumMod val="65000"/>
+                  <a:lumOff val="35000"/>
+                </a:prstClr>
+              </a:solidFill>
+            </a:endParaRPr>
           </a:p>
         </p:txBody>
       </p:sp>
@@ -12922,9 +13217,1527 @@
           <a:lstStyle/>
           <a:p>
             <a:fld id="{BA9B540C-44DA-4F69-89C9-7C84606640D3}" type="slidenum">
+              <a:rPr lang="en-US" smtClean="0">
+                <a:solidFill>
+                  <a:prstClr val="black">
+                    <a:lumMod val="65000"/>
+                    <a:lumOff val="35000"/>
+                  </a:prstClr>
+                </a:solidFill>
+              </a:rPr>
+              <a:pPr/>
+              <a:t>24</a:t>
+            </a:fld>
+            <a:endParaRPr lang="en-US">
+              <a:solidFill>
+                <a:prstClr val="black">
+                  <a:lumMod val="65000"/>
+                  <a:lumOff val="35000"/>
+                </a:prstClr>
+              </a:solidFill>
+            </a:endParaRPr>
+          </a:p>
+        </p:txBody>
+      </p:sp>
+      <p:sp>
+        <p:nvSpPr>
+          <p:cNvPr id="7" name="标题 1"/>
+          <p:cNvSpPr txBox="1">
+            <a:spLocks/>
+          </p:cNvSpPr>
+          <p:nvPr/>
+        </p:nvSpPr>
+        <p:spPr>
+          <a:xfrm>
+            <a:off x="35496" y="-72008"/>
+            <a:ext cx="6840760" cy="764704"/>
+          </a:xfrm>
+          <a:prstGeom prst="rect">
+            <a:avLst/>
+          </a:prstGeom>
+        </p:spPr>
+        <p:txBody>
+          <a:bodyPr vert="horz" lIns="91440" tIns="45720" rIns="91440" bIns="45720" rtlCol="0" anchor="b">
+            <a:noAutofit/>
+          </a:bodyPr>
+          <a:lstStyle>
+            <a:lvl1pPr algn="ctr" defTabSz="914400" rtl="0" eaLnBrk="1" latinLnBrk="0" hangingPunct="1">
+              <a:lnSpc>
+                <a:spcPts val="5800"/>
+              </a:lnSpc>
+              <a:spcBef>
+                <a:spcPct val="0"/>
+              </a:spcBef>
+              <a:buNone/>
+              <a:defRPr sz="5400" kern="1200">
+                <a:solidFill>
+                  <a:schemeClr val="tx2"/>
+                </a:solidFill>
+                <a:effectLst>
+                  <a:outerShdw blurRad="63500" dist="38100" dir="5400000" algn="t" rotWithShape="0">
+                    <a:prstClr val="black">
+                      <a:alpha val="25000"/>
+                    </a:prstClr>
+                  </a:outerShdw>
+                </a:effectLst>
+                <a:latin typeface="+mn-lt"/>
+                <a:ea typeface="+mj-ea"/>
+                <a:cs typeface="+mj-cs"/>
+              </a:defRPr>
+            </a:lvl1pPr>
+          </a:lstStyle>
+          <a:p>
+            <a:pPr algn="l"/>
+            <a:r>
+              <a:rPr lang="en-US" altLang="zh-CN" sz="3200" b="1" dirty="0" smtClean="0">
+                <a:effectLst>
+                  <a:outerShdw blurRad="38100" dist="38100" dir="2700000" algn="tl">
+                    <a:srgbClr val="000000">
+                      <a:alpha val="43137"/>
+                    </a:srgbClr>
+                  </a:outerShdw>
+                </a:effectLst>
+              </a:rPr>
+              <a:t>JAVA</a:t>
+            </a:r>
+            <a:r>
+              <a:rPr lang="zh-CN" altLang="en-US" sz="3200" b="1" dirty="0" smtClean="0">
+                <a:effectLst>
+                  <a:outerShdw blurRad="38100" dist="38100" dir="2700000" algn="tl">
+                    <a:srgbClr val="000000">
+                      <a:alpha val="43137"/>
+                    </a:srgbClr>
+                  </a:outerShdw>
+                </a:effectLst>
+              </a:rPr>
+              <a:t>代码规范</a:t>
+            </a:r>
+            <a:endParaRPr lang="zh-CN" altLang="en-US" sz="3200" b="1" dirty="0">
+              <a:effectLst>
+                <a:outerShdw blurRad="38100" dist="38100" dir="2700000" algn="tl">
+                  <a:srgbClr val="000000">
+                    <a:alpha val="43137"/>
+                  </a:srgbClr>
+                </a:outerShdw>
+              </a:effectLst>
+            </a:endParaRPr>
+          </a:p>
+        </p:txBody>
+      </p:sp>
+      <p:sp>
+        <p:nvSpPr>
+          <p:cNvPr id="8" name="标题 1"/>
+          <p:cNvSpPr txBox="1">
+            <a:spLocks/>
+          </p:cNvSpPr>
+          <p:nvPr/>
+        </p:nvSpPr>
+        <p:spPr>
+          <a:xfrm>
+            <a:off x="35496" y="980728"/>
+            <a:ext cx="6840760" cy="764704"/>
+          </a:xfrm>
+          <a:prstGeom prst="rect">
+            <a:avLst/>
+          </a:prstGeom>
+        </p:spPr>
+        <p:txBody>
+          <a:bodyPr vert="horz" lIns="91440" tIns="45720" rIns="91440" bIns="45720" rtlCol="0" anchor="b">
+            <a:noAutofit/>
+          </a:bodyPr>
+          <a:lstStyle>
+            <a:lvl1pPr algn="ctr" defTabSz="914400" rtl="0" eaLnBrk="1" latinLnBrk="0" hangingPunct="1">
+              <a:lnSpc>
+                <a:spcPts val="5800"/>
+              </a:lnSpc>
+              <a:spcBef>
+                <a:spcPct val="0"/>
+              </a:spcBef>
+              <a:buNone/>
+              <a:defRPr sz="5400" kern="1200">
+                <a:solidFill>
+                  <a:schemeClr val="tx2"/>
+                </a:solidFill>
+                <a:effectLst>
+                  <a:outerShdw blurRad="63500" dist="38100" dir="5400000" algn="t" rotWithShape="0">
+                    <a:prstClr val="black">
+                      <a:alpha val="25000"/>
+                    </a:prstClr>
+                  </a:outerShdw>
+                </a:effectLst>
+                <a:latin typeface="+mn-lt"/>
+                <a:ea typeface="+mj-ea"/>
+                <a:cs typeface="+mj-cs"/>
+              </a:defRPr>
+            </a:lvl1pPr>
+          </a:lstStyle>
+          <a:p>
+            <a:pPr algn="l"/>
+            <a:r>
+              <a:rPr lang="zh-CN" altLang="en-US" sz="3200" b="1" dirty="0" smtClean="0">
+                <a:solidFill>
+                  <a:srgbClr val="2F5897"/>
+                </a:solidFill>
+              </a:rPr>
+              <a:t>推荐书籍</a:t>
+            </a:r>
+            <a:endParaRPr lang="zh-CN" altLang="en-US" sz="3200" b="1" dirty="0">
+              <a:solidFill>
+                <a:srgbClr val="2F5897"/>
+              </a:solidFill>
+            </a:endParaRPr>
+          </a:p>
+        </p:txBody>
+      </p:sp>
+      <p:sp>
+        <p:nvSpPr>
+          <p:cNvPr id="9" name="内容占位符 2"/>
+          <p:cNvSpPr txBox="1">
+            <a:spLocks/>
+          </p:cNvSpPr>
+          <p:nvPr/>
+        </p:nvSpPr>
+        <p:spPr>
+          <a:xfrm>
+            <a:off x="251520" y="2060848"/>
+            <a:ext cx="8280920" cy="4320480"/>
+          </a:xfrm>
+          <a:prstGeom prst="rect">
+            <a:avLst/>
+          </a:prstGeom>
+        </p:spPr>
+        <p:txBody>
+          <a:bodyPr vert="horz" lIns="91440" tIns="45720" rIns="91440" bIns="45720" rtlCol="0">
+            <a:normAutofit/>
+          </a:bodyPr>
+          <a:lstStyle>
+            <a:lvl1pPr marL="342900" indent="-342900" algn="l" defTabSz="914400" rtl="0" eaLnBrk="1" latinLnBrk="0" hangingPunct="1">
+              <a:spcBef>
+                <a:spcPct val="20000"/>
+              </a:spcBef>
+              <a:buFont typeface="Arial" pitchFamily="34" charset="0"/>
+              <a:buChar char="•"/>
+              <a:defRPr sz="2400" kern="1200">
+                <a:solidFill>
+                  <a:schemeClr val="tx1">
+                    <a:lumMod val="50000"/>
+                    <a:lumOff val="50000"/>
+                  </a:schemeClr>
+                </a:solidFill>
+                <a:latin typeface="+mj-lt"/>
+                <a:ea typeface="+mn-ea"/>
+                <a:cs typeface="+mn-cs"/>
+              </a:defRPr>
+            </a:lvl1pPr>
+            <a:lvl2pPr marL="742950" indent="-285750" algn="l" defTabSz="914400" rtl="0" eaLnBrk="1" latinLnBrk="0" hangingPunct="1">
+              <a:spcBef>
+                <a:spcPct val="20000"/>
+              </a:spcBef>
+              <a:buFont typeface="Courier New" pitchFamily="49" charset="0"/>
+              <a:buChar char="o"/>
+              <a:defRPr sz="1600" kern="1200">
+                <a:solidFill>
+                  <a:schemeClr val="tx1">
+                    <a:lumMod val="50000"/>
+                    <a:lumOff val="50000"/>
+                  </a:schemeClr>
+                </a:solidFill>
+                <a:latin typeface="+mj-lt"/>
+                <a:ea typeface="+mn-ea"/>
+                <a:cs typeface="+mn-cs"/>
+              </a:defRPr>
+            </a:lvl2pPr>
+            <a:lvl3pPr marL="1143000" indent="-228600" algn="l" defTabSz="914400" rtl="0" eaLnBrk="1" latinLnBrk="0" hangingPunct="1">
+              <a:spcBef>
+                <a:spcPct val="20000"/>
+              </a:spcBef>
+              <a:buFont typeface="Arial" pitchFamily="34" charset="0"/>
+              <a:buChar char="•"/>
+              <a:defRPr sz="1600" kern="1200">
+                <a:solidFill>
+                  <a:schemeClr val="tx1">
+                    <a:lumMod val="50000"/>
+                    <a:lumOff val="50000"/>
+                  </a:schemeClr>
+                </a:solidFill>
+                <a:latin typeface="+mj-lt"/>
+                <a:ea typeface="+mn-ea"/>
+                <a:cs typeface="+mn-cs"/>
+              </a:defRPr>
+            </a:lvl3pPr>
+            <a:lvl4pPr marL="1600200" indent="-228600" algn="l" defTabSz="914400" rtl="0" eaLnBrk="1" latinLnBrk="0" hangingPunct="1">
+              <a:spcBef>
+                <a:spcPct val="20000"/>
+              </a:spcBef>
+              <a:buFont typeface="Courier New" pitchFamily="49" charset="0"/>
+              <a:buChar char="o"/>
+              <a:defRPr sz="1600" kern="1200">
+                <a:solidFill>
+                  <a:schemeClr val="tx1">
+                    <a:lumMod val="50000"/>
+                    <a:lumOff val="50000"/>
+                  </a:schemeClr>
+                </a:solidFill>
+                <a:latin typeface="+mj-lt"/>
+                <a:ea typeface="+mn-ea"/>
+                <a:cs typeface="+mn-cs"/>
+              </a:defRPr>
+            </a:lvl4pPr>
+            <a:lvl5pPr marL="2057400" indent="-228600" algn="l" defTabSz="914400" rtl="0" eaLnBrk="1" latinLnBrk="0" hangingPunct="1">
+              <a:spcBef>
+                <a:spcPct val="20000"/>
+              </a:spcBef>
+              <a:buFont typeface="Arial" pitchFamily="34" charset="0"/>
+              <a:buChar char="•"/>
+              <a:defRPr sz="1600" kern="1200">
+                <a:solidFill>
+                  <a:schemeClr val="tx1">
+                    <a:lumMod val="50000"/>
+                    <a:lumOff val="50000"/>
+                  </a:schemeClr>
+                </a:solidFill>
+                <a:latin typeface="+mj-lt"/>
+                <a:ea typeface="+mn-ea"/>
+                <a:cs typeface="+mn-cs"/>
+              </a:defRPr>
+            </a:lvl5pPr>
+            <a:lvl6pPr marL="2514600" indent="-228600" algn="l" defTabSz="914400" rtl="0" eaLnBrk="1" latinLnBrk="0" hangingPunct="1">
+              <a:spcBef>
+                <a:spcPct val="20000"/>
+              </a:spcBef>
+              <a:buFont typeface="Courier New" pitchFamily="49" charset="0"/>
+              <a:buChar char="o"/>
+              <a:defRPr sz="1600" kern="1200">
+                <a:solidFill>
+                  <a:schemeClr val="tx1">
+                    <a:lumMod val="50000"/>
+                    <a:lumOff val="50000"/>
+                  </a:schemeClr>
+                </a:solidFill>
+                <a:latin typeface="+mj-lt"/>
+                <a:ea typeface="+mn-ea"/>
+                <a:cs typeface="+mn-cs"/>
+              </a:defRPr>
+            </a:lvl6pPr>
+            <a:lvl7pPr marL="2971800" indent="-228600" algn="l" defTabSz="914400" rtl="0" eaLnBrk="1" latinLnBrk="0" hangingPunct="1">
+              <a:spcBef>
+                <a:spcPct val="20000"/>
+              </a:spcBef>
+              <a:buFont typeface="Arial" pitchFamily="34" charset="0"/>
+              <a:buChar char="•"/>
+              <a:defRPr sz="1600" kern="1200">
+                <a:solidFill>
+                  <a:schemeClr val="tx1">
+                    <a:lumMod val="50000"/>
+                    <a:lumOff val="50000"/>
+                  </a:schemeClr>
+                </a:solidFill>
+                <a:latin typeface="+mj-lt"/>
+                <a:ea typeface="+mn-ea"/>
+                <a:cs typeface="+mn-cs"/>
+              </a:defRPr>
+            </a:lvl7pPr>
+            <a:lvl8pPr marL="3429000" indent="-228600" algn="l" defTabSz="914400" rtl="0" eaLnBrk="1" latinLnBrk="0" hangingPunct="1">
+              <a:spcBef>
+                <a:spcPct val="20000"/>
+              </a:spcBef>
+              <a:buFont typeface="Courier New" pitchFamily="49" charset="0"/>
+              <a:buChar char="o"/>
+              <a:defRPr sz="1600" kern="1200">
+                <a:solidFill>
+                  <a:schemeClr val="tx1">
+                    <a:lumMod val="50000"/>
+                    <a:lumOff val="50000"/>
+                  </a:schemeClr>
+                </a:solidFill>
+                <a:latin typeface="+mj-lt"/>
+                <a:ea typeface="+mn-ea"/>
+                <a:cs typeface="+mn-cs"/>
+              </a:defRPr>
+            </a:lvl8pPr>
+            <a:lvl9pPr marL="3886200" indent="-228600" algn="l" defTabSz="914400" rtl="0" eaLnBrk="1" latinLnBrk="0" hangingPunct="1">
+              <a:spcBef>
+                <a:spcPct val="20000"/>
+              </a:spcBef>
+              <a:buFont typeface="Arial" pitchFamily="34" charset="0"/>
+              <a:buChar char="•"/>
+              <a:defRPr sz="1600" kern="1200">
+                <a:solidFill>
+                  <a:schemeClr val="tx1">
+                    <a:lumMod val="50000"/>
+                    <a:lumOff val="50000"/>
+                  </a:schemeClr>
+                </a:solidFill>
+                <a:latin typeface="+mj-lt"/>
+                <a:ea typeface="+mn-ea"/>
+                <a:cs typeface="+mn-cs"/>
+              </a:defRPr>
+            </a:lvl9pPr>
+          </a:lstStyle>
+          <a:p>
+            <a:endParaRPr lang="en-US" altLang="zh-CN" dirty="0" smtClean="0"/>
+          </a:p>
+        </p:txBody>
+      </p:sp>
+      <p:sp>
+        <p:nvSpPr>
+          <p:cNvPr id="10" name="内容占位符 2"/>
+          <p:cNvSpPr txBox="1">
+            <a:spLocks/>
+          </p:cNvSpPr>
+          <p:nvPr/>
+        </p:nvSpPr>
+        <p:spPr>
+          <a:xfrm>
+            <a:off x="323528" y="1700808"/>
+            <a:ext cx="8280920" cy="4752528"/>
+          </a:xfrm>
+          <a:prstGeom prst="rect">
+            <a:avLst/>
+          </a:prstGeom>
+        </p:spPr>
+        <p:txBody>
+          <a:bodyPr vert="horz" lIns="91440" tIns="45720" rIns="91440" bIns="45720" rtlCol="0">
+            <a:normAutofit fontScale="85000" lnSpcReduction="20000"/>
+          </a:bodyPr>
+          <a:lstStyle>
+            <a:lvl1pPr marL="342900" indent="-342900" algn="l" defTabSz="914400" rtl="0" eaLnBrk="1" latinLnBrk="0" hangingPunct="1">
+              <a:spcBef>
+                <a:spcPct val="20000"/>
+              </a:spcBef>
+              <a:buFont typeface="Arial" pitchFamily="34" charset="0"/>
+              <a:buChar char="•"/>
+              <a:defRPr sz="2400" kern="1200">
+                <a:solidFill>
+                  <a:schemeClr val="tx1">
+                    <a:lumMod val="50000"/>
+                    <a:lumOff val="50000"/>
+                  </a:schemeClr>
+                </a:solidFill>
+                <a:latin typeface="+mj-lt"/>
+                <a:ea typeface="+mn-ea"/>
+                <a:cs typeface="+mn-cs"/>
+              </a:defRPr>
+            </a:lvl1pPr>
+            <a:lvl2pPr marL="742950" indent="-285750" algn="l" defTabSz="914400" rtl="0" eaLnBrk="1" latinLnBrk="0" hangingPunct="1">
+              <a:spcBef>
+                <a:spcPct val="20000"/>
+              </a:spcBef>
+              <a:buFont typeface="Courier New" pitchFamily="49" charset="0"/>
+              <a:buChar char="o"/>
+              <a:defRPr sz="1600" kern="1200">
+                <a:solidFill>
+                  <a:schemeClr val="tx1">
+                    <a:lumMod val="50000"/>
+                    <a:lumOff val="50000"/>
+                  </a:schemeClr>
+                </a:solidFill>
+                <a:latin typeface="+mj-lt"/>
+                <a:ea typeface="+mn-ea"/>
+                <a:cs typeface="+mn-cs"/>
+              </a:defRPr>
+            </a:lvl2pPr>
+            <a:lvl3pPr marL="1143000" indent="-228600" algn="l" defTabSz="914400" rtl="0" eaLnBrk="1" latinLnBrk="0" hangingPunct="1">
+              <a:spcBef>
+                <a:spcPct val="20000"/>
+              </a:spcBef>
+              <a:buFont typeface="Arial" pitchFamily="34" charset="0"/>
+              <a:buChar char="•"/>
+              <a:defRPr sz="1600" kern="1200">
+                <a:solidFill>
+                  <a:schemeClr val="tx1">
+                    <a:lumMod val="50000"/>
+                    <a:lumOff val="50000"/>
+                  </a:schemeClr>
+                </a:solidFill>
+                <a:latin typeface="+mj-lt"/>
+                <a:ea typeface="+mn-ea"/>
+                <a:cs typeface="+mn-cs"/>
+              </a:defRPr>
+            </a:lvl3pPr>
+            <a:lvl4pPr marL="1600200" indent="-228600" algn="l" defTabSz="914400" rtl="0" eaLnBrk="1" latinLnBrk="0" hangingPunct="1">
+              <a:spcBef>
+                <a:spcPct val="20000"/>
+              </a:spcBef>
+              <a:buFont typeface="Courier New" pitchFamily="49" charset="0"/>
+              <a:buChar char="o"/>
+              <a:defRPr sz="1600" kern="1200">
+                <a:solidFill>
+                  <a:schemeClr val="tx1">
+                    <a:lumMod val="50000"/>
+                    <a:lumOff val="50000"/>
+                  </a:schemeClr>
+                </a:solidFill>
+                <a:latin typeface="+mj-lt"/>
+                <a:ea typeface="+mn-ea"/>
+                <a:cs typeface="+mn-cs"/>
+              </a:defRPr>
+            </a:lvl4pPr>
+            <a:lvl5pPr marL="2057400" indent="-228600" algn="l" defTabSz="914400" rtl="0" eaLnBrk="1" latinLnBrk="0" hangingPunct="1">
+              <a:spcBef>
+                <a:spcPct val="20000"/>
+              </a:spcBef>
+              <a:buFont typeface="Arial" pitchFamily="34" charset="0"/>
+              <a:buChar char="•"/>
+              <a:defRPr sz="1600" kern="1200">
+                <a:solidFill>
+                  <a:schemeClr val="tx1">
+                    <a:lumMod val="50000"/>
+                    <a:lumOff val="50000"/>
+                  </a:schemeClr>
+                </a:solidFill>
+                <a:latin typeface="+mj-lt"/>
+                <a:ea typeface="+mn-ea"/>
+                <a:cs typeface="+mn-cs"/>
+              </a:defRPr>
+            </a:lvl5pPr>
+            <a:lvl6pPr marL="2514600" indent="-228600" algn="l" defTabSz="914400" rtl="0" eaLnBrk="1" latinLnBrk="0" hangingPunct="1">
+              <a:spcBef>
+                <a:spcPct val="20000"/>
+              </a:spcBef>
+              <a:buFont typeface="Courier New" pitchFamily="49" charset="0"/>
+              <a:buChar char="o"/>
+              <a:defRPr sz="1600" kern="1200">
+                <a:solidFill>
+                  <a:schemeClr val="tx1">
+                    <a:lumMod val="50000"/>
+                    <a:lumOff val="50000"/>
+                  </a:schemeClr>
+                </a:solidFill>
+                <a:latin typeface="+mj-lt"/>
+                <a:ea typeface="+mn-ea"/>
+                <a:cs typeface="+mn-cs"/>
+              </a:defRPr>
+            </a:lvl6pPr>
+            <a:lvl7pPr marL="2971800" indent="-228600" algn="l" defTabSz="914400" rtl="0" eaLnBrk="1" latinLnBrk="0" hangingPunct="1">
+              <a:spcBef>
+                <a:spcPct val="20000"/>
+              </a:spcBef>
+              <a:buFont typeface="Arial" pitchFamily="34" charset="0"/>
+              <a:buChar char="•"/>
+              <a:defRPr sz="1600" kern="1200">
+                <a:solidFill>
+                  <a:schemeClr val="tx1">
+                    <a:lumMod val="50000"/>
+                    <a:lumOff val="50000"/>
+                  </a:schemeClr>
+                </a:solidFill>
+                <a:latin typeface="+mj-lt"/>
+                <a:ea typeface="+mn-ea"/>
+                <a:cs typeface="+mn-cs"/>
+              </a:defRPr>
+            </a:lvl7pPr>
+            <a:lvl8pPr marL="3429000" indent="-228600" algn="l" defTabSz="914400" rtl="0" eaLnBrk="1" latinLnBrk="0" hangingPunct="1">
+              <a:spcBef>
+                <a:spcPct val="20000"/>
+              </a:spcBef>
+              <a:buFont typeface="Courier New" pitchFamily="49" charset="0"/>
+              <a:buChar char="o"/>
+              <a:defRPr sz="1600" kern="1200">
+                <a:solidFill>
+                  <a:schemeClr val="tx1">
+                    <a:lumMod val="50000"/>
+                    <a:lumOff val="50000"/>
+                  </a:schemeClr>
+                </a:solidFill>
+                <a:latin typeface="+mj-lt"/>
+                <a:ea typeface="+mn-ea"/>
+                <a:cs typeface="+mn-cs"/>
+              </a:defRPr>
+            </a:lvl8pPr>
+            <a:lvl9pPr marL="3886200" indent="-228600" algn="l" defTabSz="914400" rtl="0" eaLnBrk="1" latinLnBrk="0" hangingPunct="1">
+              <a:spcBef>
+                <a:spcPct val="20000"/>
+              </a:spcBef>
+              <a:buFont typeface="Arial" pitchFamily="34" charset="0"/>
+              <a:buChar char="•"/>
+              <a:defRPr sz="1600" kern="1200">
+                <a:solidFill>
+                  <a:schemeClr val="tx1">
+                    <a:lumMod val="50000"/>
+                    <a:lumOff val="50000"/>
+                  </a:schemeClr>
+                </a:solidFill>
+                <a:latin typeface="+mj-lt"/>
+                <a:ea typeface="+mn-ea"/>
+                <a:cs typeface="+mn-cs"/>
+              </a:defRPr>
+            </a:lvl9pPr>
+          </a:lstStyle>
+          <a:p>
+            <a:r>
+              <a:rPr lang="en-US" altLang="zh-CN" dirty="0" err="1"/>
+              <a:t>php</a:t>
+            </a:r>
+            <a:r>
+              <a:rPr lang="zh-CN" altLang="en-US" dirty="0"/>
+              <a:t>和</a:t>
+            </a:r>
+            <a:r>
+              <a:rPr lang="en-US" altLang="zh-CN" dirty="0" err="1"/>
+              <a:t>mysql</a:t>
+            </a:r>
+            <a:r>
+              <a:rPr lang="en-US" altLang="zh-CN" dirty="0"/>
+              <a:t> web</a:t>
+            </a:r>
+            <a:r>
+              <a:rPr lang="zh-CN" altLang="en-US" dirty="0"/>
+              <a:t>开发</a:t>
+            </a:r>
+            <a:r>
+              <a:rPr lang="en-US" altLang="zh-CN" dirty="0"/>
+              <a:t>(</a:t>
+            </a:r>
+            <a:r>
+              <a:rPr lang="zh-CN" altLang="en-US" dirty="0"/>
+              <a:t>原书第</a:t>
+            </a:r>
+            <a:r>
+              <a:rPr lang="en-US" altLang="zh-CN" dirty="0"/>
+              <a:t>4</a:t>
+            </a:r>
+            <a:r>
+              <a:rPr lang="zh-CN" altLang="en-US" dirty="0"/>
+              <a:t>版</a:t>
+            </a:r>
+            <a:r>
+              <a:rPr lang="en-US" altLang="zh-CN" dirty="0" smtClean="0"/>
+              <a:t>)</a:t>
+            </a:r>
+          </a:p>
+          <a:p>
+            <a:r>
+              <a:rPr lang="zh-CN" altLang="en-US" dirty="0"/>
+              <a:t>深入理解</a:t>
+            </a:r>
+            <a:r>
+              <a:rPr lang="en-US" altLang="zh-CN" dirty="0"/>
+              <a:t>PHP</a:t>
+            </a:r>
+            <a:r>
+              <a:rPr lang="zh-CN" altLang="en-US" dirty="0"/>
+              <a:t>：高级技巧、面向对象与核心技术（原书第</a:t>
+            </a:r>
+            <a:r>
+              <a:rPr lang="en-US" altLang="zh-CN" dirty="0"/>
+              <a:t>3</a:t>
+            </a:r>
+            <a:r>
+              <a:rPr lang="zh-CN" altLang="en-US" dirty="0"/>
+              <a:t>版）</a:t>
+            </a:r>
+            <a:endParaRPr lang="en-US" altLang="zh-CN" dirty="0"/>
+          </a:p>
+          <a:p>
+            <a:r>
+              <a:rPr lang="en-US" altLang="zh-CN" dirty="0"/>
+              <a:t>Agile </a:t>
+            </a:r>
+            <a:r>
+              <a:rPr lang="en-US" altLang="zh-CN" dirty="0" smtClean="0"/>
+              <a:t>Java</a:t>
+            </a:r>
+            <a:endParaRPr lang="en-US" altLang="zh-CN" dirty="0"/>
+          </a:p>
+          <a:p>
+            <a:r>
+              <a:rPr lang="en-US" altLang="zh-CN" dirty="0"/>
+              <a:t>Effective Java</a:t>
+            </a:r>
+            <a:r>
+              <a:rPr lang="zh-CN" altLang="en-US" dirty="0"/>
+              <a:t>中文版</a:t>
+            </a:r>
+            <a:r>
+              <a:rPr lang="en-US" altLang="zh-CN" dirty="0"/>
+              <a:t>(</a:t>
+            </a:r>
+            <a:r>
+              <a:rPr lang="zh-CN" altLang="en-US" dirty="0"/>
+              <a:t>第</a:t>
+            </a:r>
+            <a:r>
+              <a:rPr lang="en-US" altLang="zh-CN" dirty="0"/>
+              <a:t>2</a:t>
+            </a:r>
+            <a:r>
+              <a:rPr lang="zh-CN" altLang="en-US" dirty="0"/>
+              <a:t>版</a:t>
+            </a:r>
+            <a:r>
+              <a:rPr lang="en-US" altLang="zh-CN" dirty="0"/>
+              <a:t>) </a:t>
+            </a:r>
+            <a:endParaRPr lang="en-US" altLang="zh-CN" dirty="0" smtClean="0"/>
+          </a:p>
+          <a:p>
+            <a:r>
+              <a:rPr lang="en-US" altLang="zh-CN" dirty="0" smtClean="0"/>
+              <a:t>Head First Java</a:t>
+            </a:r>
+          </a:p>
+          <a:p>
+            <a:r>
+              <a:rPr lang="en-US" altLang="zh-CN" dirty="0"/>
+              <a:t>JAVA</a:t>
+            </a:r>
+            <a:r>
+              <a:rPr lang="zh-CN" altLang="en-US" dirty="0"/>
+              <a:t>核心技术卷</a:t>
+            </a:r>
+            <a:r>
+              <a:rPr lang="en-US" altLang="zh-CN" dirty="0"/>
+              <a:t>I</a:t>
+            </a:r>
+            <a:r>
+              <a:rPr lang="zh-CN" altLang="en-US" dirty="0"/>
+              <a:t>、</a:t>
+            </a:r>
+            <a:r>
+              <a:rPr lang="en-US" altLang="zh-CN" dirty="0"/>
+              <a:t>II</a:t>
+            </a:r>
+          </a:p>
+          <a:p>
+            <a:r>
+              <a:rPr lang="en-US" altLang="zh-CN" dirty="0" smtClean="0"/>
+              <a:t>Think in java</a:t>
+            </a:r>
+            <a:endParaRPr lang="en-US" altLang="zh-CN" dirty="0"/>
+          </a:p>
+          <a:p>
+            <a:r>
+              <a:rPr lang="en-US" altLang="zh-CN" dirty="0" smtClean="0"/>
+              <a:t>Head </a:t>
+            </a:r>
+            <a:r>
+              <a:rPr lang="en-US" altLang="zh-CN" dirty="0"/>
+              <a:t>First </a:t>
+            </a:r>
+            <a:r>
+              <a:rPr lang="zh-CN" altLang="en-US" dirty="0"/>
+              <a:t>设计模式（中文版</a:t>
+            </a:r>
+            <a:r>
+              <a:rPr lang="en-US" altLang="zh-CN" dirty="0"/>
+              <a:t>) </a:t>
+            </a:r>
+          </a:p>
+          <a:p>
+            <a:r>
+              <a:rPr lang="zh-CN" altLang="en-US" dirty="0" smtClean="0"/>
+              <a:t>实现</a:t>
+            </a:r>
+            <a:r>
+              <a:rPr lang="zh-CN" altLang="en-US" dirty="0"/>
+              <a:t>领域驱动设计</a:t>
+            </a:r>
+          </a:p>
+          <a:p>
+            <a:r>
+              <a:rPr lang="zh-CN" altLang="en-US" dirty="0"/>
+              <a:t>领域驱动设计：软件核心复杂性应对之道</a:t>
+            </a:r>
+          </a:p>
+          <a:p>
+            <a:r>
+              <a:rPr lang="zh-CN" altLang="en-US" dirty="0"/>
+              <a:t>测试驱动开发</a:t>
+            </a:r>
+          </a:p>
+          <a:p>
+            <a:r>
+              <a:rPr lang="zh-CN" altLang="en-US" dirty="0" smtClean="0"/>
+              <a:t>解析</a:t>
+            </a:r>
+            <a:r>
+              <a:rPr lang="zh-CN" altLang="en-US" dirty="0"/>
+              <a:t>极限编程 拥抱</a:t>
+            </a:r>
+            <a:r>
+              <a:rPr lang="zh-CN" altLang="en-US" dirty="0" smtClean="0"/>
+              <a:t>变化</a:t>
+            </a:r>
+            <a:endParaRPr lang="en-US" altLang="zh-CN" dirty="0" smtClean="0"/>
+          </a:p>
+          <a:p>
+            <a:r>
+              <a:rPr lang="zh-CN" altLang="en-US" dirty="0"/>
+              <a:t>重构：改善既有代码的设计</a:t>
+            </a:r>
+            <a:r>
+              <a:rPr lang="en-US" altLang="zh-CN" dirty="0"/>
+              <a:t>(</a:t>
+            </a:r>
+            <a:r>
+              <a:rPr lang="zh-CN" altLang="en-US" dirty="0"/>
+              <a:t>软件开发的不朽经典</a:t>
+            </a:r>
+            <a:r>
+              <a:rPr lang="en-US" altLang="zh-CN" dirty="0"/>
+              <a:t>)</a:t>
+            </a:r>
+          </a:p>
+          <a:p>
+            <a:r>
+              <a:rPr lang="zh-CN" altLang="en-US" dirty="0"/>
+              <a:t>企业应用架构模式</a:t>
+            </a:r>
+          </a:p>
+          <a:p>
+            <a:r>
+              <a:rPr lang="zh-CN" altLang="en-US" dirty="0"/>
+              <a:t>敏捷软件开发原则、模式与实践</a:t>
+            </a:r>
+            <a:endParaRPr lang="en-US" altLang="zh-CN" dirty="0"/>
+          </a:p>
+          <a:p>
+            <a:endParaRPr lang="zh-CN" altLang="en-US" dirty="0"/>
+          </a:p>
+        </p:txBody>
+      </p:sp>
+    </p:spTree>
+    <p:extLst>
+      <p:ext uri="{BB962C8B-B14F-4D97-AF65-F5344CB8AC3E}">
+        <p14:creationId xmlns:p14="http://schemas.microsoft.com/office/powerpoint/2010/main" val="1525641461"/>
+      </p:ext>
+    </p:extLst>
+  </p:cSld>
+  <p:clrMapOvr>
+    <a:masterClrMapping/>
+  </p:clrMapOvr>
+  <p:timing>
+    <p:tnLst>
+      <p:par>
+        <p:cTn id="1" dur="indefinite" restart="never" nodeType="tmRoot"/>
+      </p:par>
+    </p:tnLst>
+  </p:timing>
+</p:sld>
+</file>
+
+<file path=ppt/slides/slide25.xml><?xml version="1.0" encoding="utf-8"?>
+<p:sld xmlns:a="http://schemas.openxmlformats.org/drawingml/2006/main" xmlns:r="http://schemas.openxmlformats.org/officeDocument/2006/relationships" xmlns:p="http://schemas.openxmlformats.org/presentationml/2006/main">
+  <p:cSld>
+    <p:spTree>
+      <p:nvGrpSpPr>
+        <p:cNvPr id="1" name=""/>
+        <p:cNvGrpSpPr/>
+        <p:nvPr/>
+      </p:nvGrpSpPr>
+      <p:grpSpPr>
+        <a:xfrm>
+          <a:off x="0" y="0"/>
+          <a:ext cx="0" cy="0"/>
+          <a:chOff x="0" y="0"/>
+          <a:chExt cx="0" cy="0"/>
+        </a:xfrm>
+      </p:grpSpPr>
+      <p:sp>
+        <p:nvSpPr>
+          <p:cNvPr id="4" name="日期占位符 3"/>
+          <p:cNvSpPr>
+            <a:spLocks noGrp="1"/>
+          </p:cNvSpPr>
+          <p:nvPr>
+            <p:ph type="dt" sz="half" idx="10"/>
+          </p:nvPr>
+        </p:nvSpPr>
+        <p:spPr/>
+        <p:txBody>
+          <a:bodyPr/>
+          <a:lstStyle/>
+          <a:p>
+            <a:fld id="{B11D738E-8962-435F-8C43-147B8DD7E819}" type="datetime1">
               <a:rPr lang="en-US" smtClean="0"/>
               <a:pPr/>
-              <a:t>24</a:t>
+              <a:t>8/28/2014</a:t>
+            </a:fld>
+            <a:endParaRPr lang="en-US"/>
+          </a:p>
+        </p:txBody>
+      </p:sp>
+      <p:sp>
+        <p:nvSpPr>
+          <p:cNvPr id="6" name="灯片编号占位符 5"/>
+          <p:cNvSpPr>
+            <a:spLocks noGrp="1"/>
+          </p:cNvSpPr>
+          <p:nvPr>
+            <p:ph type="sldNum" sz="quarter" idx="12"/>
+          </p:nvPr>
+        </p:nvSpPr>
+        <p:spPr/>
+        <p:txBody>
+          <a:bodyPr/>
+          <a:lstStyle/>
+          <a:p>
+            <a:fld id="{BA9B540C-44DA-4F69-89C9-7C84606640D3}" type="slidenum">
+              <a:rPr lang="en-US" smtClean="0"/>
+              <a:pPr/>
+              <a:t>25</a:t>
+            </a:fld>
+            <a:endParaRPr lang="en-US"/>
+          </a:p>
+        </p:txBody>
+      </p:sp>
+      <p:sp>
+        <p:nvSpPr>
+          <p:cNvPr id="7" name="标题 1"/>
+          <p:cNvSpPr txBox="1">
+            <a:spLocks/>
+          </p:cNvSpPr>
+          <p:nvPr/>
+        </p:nvSpPr>
+        <p:spPr>
+          <a:xfrm>
+            <a:off x="395536" y="-259432"/>
+            <a:ext cx="8229600" cy="1024136"/>
+          </a:xfrm>
+          <a:prstGeom prst="rect">
+            <a:avLst/>
+          </a:prstGeom>
+        </p:spPr>
+        <p:txBody>
+          <a:bodyPr vert="horz" lIns="91440" tIns="45720" rIns="91440" bIns="45720" rtlCol="0" anchor="b">
+            <a:noAutofit/>
+          </a:bodyPr>
+          <a:lstStyle>
+            <a:lvl1pPr algn="ctr" defTabSz="914400" rtl="0" eaLnBrk="1" latinLnBrk="0" hangingPunct="1">
+              <a:lnSpc>
+                <a:spcPts val="5800"/>
+              </a:lnSpc>
+              <a:spcBef>
+                <a:spcPct val="0"/>
+              </a:spcBef>
+              <a:buNone/>
+              <a:defRPr sz="5400" kern="1200">
+                <a:solidFill>
+                  <a:schemeClr val="tx2"/>
+                </a:solidFill>
+                <a:effectLst>
+                  <a:outerShdw blurRad="63500" dist="38100" dir="5400000" algn="t" rotWithShape="0">
+                    <a:prstClr val="black">
+                      <a:alpha val="25000"/>
+                    </a:prstClr>
+                  </a:outerShdw>
+                </a:effectLst>
+                <a:latin typeface="+mn-lt"/>
+                <a:ea typeface="+mj-ea"/>
+                <a:cs typeface="+mj-cs"/>
+              </a:defRPr>
+            </a:lvl1pPr>
+          </a:lstStyle>
+          <a:p>
+            <a:pPr algn="l"/>
+            <a:r>
+              <a:rPr lang="zh-CN" altLang="en-US" sz="3200" b="1" dirty="0" smtClean="0">
+                <a:effectLst>
+                  <a:outerShdw blurRad="38100" dist="38100" dir="2700000" algn="tl">
+                    <a:srgbClr val="000000">
+                      <a:alpha val="43137"/>
+                    </a:srgbClr>
+                  </a:outerShdw>
+                </a:effectLst>
+              </a:rPr>
+              <a:t>大型网站所需杂谈</a:t>
+            </a:r>
+            <a:endParaRPr lang="zh-CN" altLang="en-US" sz="3200" b="1" dirty="0">
+              <a:effectLst>
+                <a:outerShdw blurRad="38100" dist="38100" dir="2700000" algn="tl">
+                  <a:srgbClr val="000000">
+                    <a:alpha val="43137"/>
+                  </a:srgbClr>
+                </a:outerShdw>
+              </a:effectLst>
+            </a:endParaRPr>
+          </a:p>
+        </p:txBody>
+      </p:sp>
+      <p:sp>
+        <p:nvSpPr>
+          <p:cNvPr id="5" name="内容占位符 2"/>
+          <p:cNvSpPr>
+            <a:spLocks noGrp="1"/>
+          </p:cNvSpPr>
+          <p:nvPr>
+            <p:ph idx="1"/>
+          </p:nvPr>
+        </p:nvSpPr>
+        <p:spPr>
+          <a:xfrm>
+            <a:off x="467544" y="908720"/>
+            <a:ext cx="8280920" cy="5256584"/>
+          </a:xfrm>
+        </p:spPr>
+        <p:txBody>
+          <a:bodyPr>
+            <a:normAutofit fontScale="92500"/>
+          </a:bodyPr>
+          <a:lstStyle/>
+          <a:p>
+            <a:r>
+              <a:rPr lang="zh-CN" altLang="en-US" dirty="0" smtClean="0"/>
+              <a:t>分布式文件系统</a:t>
+            </a:r>
+            <a:r>
+              <a:rPr lang="en-US" altLang="zh-CN" dirty="0" smtClean="0"/>
+              <a:t>(HDFS</a:t>
+            </a:r>
+            <a:r>
+              <a:rPr lang="zh-CN" altLang="en-US" dirty="0" smtClean="0"/>
+              <a:t>、</a:t>
+            </a:r>
+            <a:r>
+              <a:rPr lang="en-US" altLang="zh-CN" dirty="0" smtClean="0"/>
+              <a:t>GFS</a:t>
+            </a:r>
+            <a:r>
+              <a:rPr lang="zh-CN" altLang="en-US" dirty="0" smtClean="0"/>
+              <a:t>、</a:t>
+            </a:r>
+            <a:r>
+              <a:rPr lang="en-US" altLang="zh-CN" dirty="0" smtClean="0"/>
+              <a:t>TFS</a:t>
+            </a:r>
+            <a:r>
+              <a:rPr lang="zh-CN" altLang="en-US" dirty="0" smtClean="0"/>
+              <a:t>等</a:t>
+            </a:r>
+            <a:r>
+              <a:rPr lang="en-US" altLang="zh-CN" dirty="0" smtClean="0"/>
+              <a:t>)</a:t>
+            </a:r>
+          </a:p>
+          <a:p>
+            <a:r>
+              <a:rPr lang="zh-CN" altLang="en-US" dirty="0" smtClean="0"/>
+              <a:t>分布式缓存</a:t>
+            </a:r>
+            <a:r>
+              <a:rPr lang="en-US" altLang="zh-CN" dirty="0" smtClean="0"/>
+              <a:t>(</a:t>
+            </a:r>
+            <a:r>
+              <a:rPr lang="en-US" altLang="zh-CN" dirty="0" err="1" smtClean="0"/>
+              <a:t>memcache</a:t>
+            </a:r>
+            <a:r>
+              <a:rPr lang="zh-CN" altLang="en-US" dirty="0" smtClean="0"/>
+              <a:t>、</a:t>
+            </a:r>
+            <a:r>
+              <a:rPr lang="en-US" altLang="zh-CN" dirty="0" err="1" smtClean="0"/>
+              <a:t>redis</a:t>
+            </a:r>
+            <a:r>
+              <a:rPr lang="zh-CN" altLang="en-US" dirty="0" smtClean="0"/>
+              <a:t>、</a:t>
+            </a:r>
+            <a:r>
+              <a:rPr lang="en-US" altLang="zh-CN" dirty="0" err="1" smtClean="0"/>
+              <a:t>oscache</a:t>
+            </a:r>
+            <a:r>
+              <a:rPr lang="zh-CN" altLang="en-US" dirty="0" smtClean="0"/>
+              <a:t>、</a:t>
+            </a:r>
+            <a:r>
+              <a:rPr lang="en-US" altLang="zh-CN" dirty="0" err="1" smtClean="0"/>
+              <a:t>ehcache</a:t>
+            </a:r>
+            <a:r>
+              <a:rPr lang="zh-CN" altLang="en-US" dirty="0" smtClean="0"/>
+              <a:t>等</a:t>
+            </a:r>
+            <a:r>
+              <a:rPr lang="en-US" altLang="zh-CN" dirty="0" smtClean="0"/>
+              <a:t>)</a:t>
+            </a:r>
+          </a:p>
+          <a:p>
+            <a:r>
+              <a:rPr lang="zh-CN" altLang="en-US" dirty="0" smtClean="0"/>
+              <a:t>分布式数据库（伪）</a:t>
+            </a:r>
+            <a:r>
+              <a:rPr lang="en-US" altLang="zh-CN" dirty="0" smtClean="0"/>
+              <a:t>(</a:t>
+            </a:r>
+            <a:r>
+              <a:rPr lang="en-US" altLang="zh-CN" dirty="0" err="1" smtClean="0"/>
+              <a:t>hbase</a:t>
+            </a:r>
+            <a:r>
+              <a:rPr lang="zh-CN" altLang="en-US" dirty="0" smtClean="0"/>
+              <a:t>、</a:t>
+            </a:r>
+            <a:r>
+              <a:rPr lang="en-US" altLang="zh-CN" dirty="0" err="1" smtClean="0"/>
+              <a:t>mongodb</a:t>
+            </a:r>
+            <a:r>
+              <a:rPr lang="zh-CN" altLang="en-US" dirty="0"/>
+              <a:t>、</a:t>
+            </a:r>
+            <a:r>
+              <a:rPr lang="en-US" altLang="zh-CN" dirty="0" err="1" smtClean="0"/>
+              <a:t>redis</a:t>
+            </a:r>
+            <a:r>
+              <a:rPr lang="zh-CN" altLang="en-US" dirty="0" smtClean="0"/>
+              <a:t>等</a:t>
+            </a:r>
+            <a:r>
+              <a:rPr lang="en-US" altLang="zh-CN" dirty="0" smtClean="0"/>
+              <a:t>)</a:t>
+            </a:r>
+          </a:p>
+          <a:p>
+            <a:r>
+              <a:rPr lang="zh-CN" altLang="en-US" dirty="0"/>
+              <a:t>利用好本地</a:t>
+            </a:r>
+            <a:r>
+              <a:rPr lang="zh-CN" altLang="en-US" dirty="0" smtClean="0"/>
+              <a:t>缓存</a:t>
+            </a:r>
+            <a:endParaRPr lang="en-US" altLang="zh-CN" dirty="0" smtClean="0"/>
+          </a:p>
+          <a:p>
+            <a:r>
+              <a:rPr lang="en-US" altLang="zh-CN" dirty="0" smtClean="0"/>
+              <a:t>Web</a:t>
+            </a:r>
+            <a:r>
+              <a:rPr lang="zh-CN" altLang="en-US" dirty="0" smtClean="0"/>
+              <a:t>页面缓存</a:t>
+            </a:r>
+            <a:endParaRPr lang="en-US" altLang="zh-CN" dirty="0" smtClean="0"/>
+          </a:p>
+          <a:p>
+            <a:r>
+              <a:rPr lang="zh-CN" altLang="en-US" dirty="0" smtClean="0"/>
+              <a:t>良好的</a:t>
+            </a:r>
+            <a:r>
+              <a:rPr lang="en-US" altLang="zh-CN" dirty="0" smtClean="0"/>
+              <a:t>RPC</a:t>
+            </a:r>
+            <a:r>
+              <a:rPr lang="zh-CN" altLang="en-US" dirty="0" smtClean="0"/>
+              <a:t>框架（</a:t>
+            </a:r>
+            <a:r>
+              <a:rPr lang="en-US" altLang="zh-CN" dirty="0" smtClean="0"/>
+              <a:t>hessian</a:t>
+            </a:r>
+            <a:r>
+              <a:rPr lang="zh-CN" altLang="en-US" dirty="0" smtClean="0"/>
+              <a:t>、</a:t>
+            </a:r>
+            <a:r>
+              <a:rPr lang="en-US" altLang="zh-CN" dirty="0" err="1" smtClean="0"/>
+              <a:t>WebService</a:t>
+            </a:r>
+            <a:r>
+              <a:rPr lang="zh-CN" altLang="en-US" dirty="0" smtClean="0"/>
+              <a:t>、</a:t>
+            </a:r>
+            <a:r>
+              <a:rPr lang="en-US" altLang="zh-CN" dirty="0" err="1" smtClean="0"/>
+              <a:t>rmi</a:t>
+            </a:r>
+            <a:r>
+              <a:rPr lang="zh-CN" altLang="en-US" dirty="0" smtClean="0"/>
+              <a:t>、</a:t>
+            </a:r>
+            <a:r>
+              <a:rPr lang="en-US" altLang="zh-CN" dirty="0" smtClean="0"/>
+              <a:t>thrift</a:t>
+            </a:r>
+            <a:r>
+              <a:rPr lang="zh-CN" altLang="en-US" dirty="0" smtClean="0"/>
+              <a:t>、</a:t>
+            </a:r>
+            <a:r>
+              <a:rPr lang="en-US" altLang="zh-CN" dirty="0" smtClean="0"/>
+              <a:t>Protocol Buffers</a:t>
+            </a:r>
+            <a:r>
+              <a:rPr lang="zh-CN" altLang="en-US" dirty="0" smtClean="0"/>
+              <a:t>）</a:t>
+            </a:r>
+            <a:endParaRPr lang="en-US" altLang="zh-CN" dirty="0" smtClean="0"/>
+          </a:p>
+          <a:p>
+            <a:r>
+              <a:rPr lang="zh-CN" altLang="en-US" dirty="0" smtClean="0"/>
+              <a:t>异步调用</a:t>
+            </a:r>
+            <a:r>
+              <a:rPr lang="en-US" altLang="zh-CN" dirty="0" smtClean="0"/>
+              <a:t>(</a:t>
+            </a:r>
+            <a:r>
+              <a:rPr lang="en-US" altLang="zh-CN" dirty="0" err="1" smtClean="0"/>
+              <a:t>ajax</a:t>
+            </a:r>
+            <a:r>
+              <a:rPr lang="zh-CN" altLang="en-US" dirty="0" smtClean="0"/>
+              <a:t>、</a:t>
+            </a:r>
+            <a:r>
+              <a:rPr lang="en-US" altLang="zh-CN" dirty="0" err="1" smtClean="0"/>
+              <a:t>nio</a:t>
+            </a:r>
+            <a:r>
+              <a:rPr lang="zh-CN" altLang="en-US" dirty="0" smtClean="0"/>
+              <a:t>、</a:t>
+            </a:r>
+            <a:r>
+              <a:rPr lang="en-US" altLang="zh-CN" dirty="0" err="1" smtClean="0"/>
+              <a:t>nodejs</a:t>
+            </a:r>
+            <a:r>
+              <a:rPr lang="en-US" altLang="zh-CN" dirty="0" smtClean="0"/>
+              <a:t>)</a:t>
+            </a:r>
+          </a:p>
+          <a:p>
+            <a:r>
+              <a:rPr lang="zh-CN" altLang="en-US" dirty="0" smtClean="0"/>
+              <a:t>消息系统</a:t>
+            </a:r>
+            <a:r>
+              <a:rPr lang="en-US" altLang="zh-CN" dirty="0" smtClean="0"/>
+              <a:t>(</a:t>
+            </a:r>
+            <a:r>
+              <a:rPr lang="en-US" altLang="zh-CN" dirty="0" err="1" smtClean="0"/>
+              <a:t>activemq</a:t>
+            </a:r>
+            <a:r>
+              <a:rPr lang="zh-CN" altLang="en-US" dirty="0" smtClean="0"/>
+              <a:t>、</a:t>
+            </a:r>
+            <a:r>
+              <a:rPr lang="en-US" altLang="zh-CN" dirty="0" err="1" smtClean="0"/>
+              <a:t>rabbitmq</a:t>
+            </a:r>
+            <a:r>
+              <a:rPr lang="en-US" altLang="zh-CN" dirty="0" smtClean="0"/>
+              <a:t>)</a:t>
+            </a:r>
+          </a:p>
+          <a:p>
+            <a:r>
+              <a:rPr lang="zh-CN" altLang="en-US" dirty="0" smtClean="0"/>
+              <a:t>良好的监控系统</a:t>
+            </a:r>
+            <a:endParaRPr lang="en-US" altLang="zh-CN" dirty="0" smtClean="0"/>
+          </a:p>
+          <a:p>
+            <a:r>
+              <a:rPr lang="zh-CN" altLang="en-US" dirty="0" smtClean="0"/>
+              <a:t>优秀的运维支持</a:t>
+            </a:r>
+            <a:endParaRPr lang="en-US" altLang="zh-CN" dirty="0" smtClean="0"/>
+          </a:p>
+          <a:p>
+            <a:r>
+              <a:rPr lang="zh-CN" altLang="en-US" dirty="0" smtClean="0"/>
+              <a:t>语言</a:t>
+            </a:r>
+            <a:r>
+              <a:rPr lang="en-US" altLang="zh-CN" dirty="0" smtClean="0"/>
+              <a:t>(</a:t>
+            </a:r>
+            <a:r>
+              <a:rPr lang="en-US" altLang="zh-CN" dirty="0" err="1" smtClean="0"/>
+              <a:t>php</a:t>
+            </a:r>
+            <a:r>
+              <a:rPr lang="zh-CN" altLang="en-US" dirty="0" smtClean="0"/>
+              <a:t>、</a:t>
+            </a:r>
+            <a:r>
+              <a:rPr lang="en-US" altLang="zh-CN" dirty="0" smtClean="0"/>
+              <a:t>java</a:t>
+            </a:r>
+            <a:r>
+              <a:rPr lang="zh-CN" altLang="en-US" dirty="0" smtClean="0"/>
+              <a:t>、</a:t>
+            </a:r>
+            <a:r>
+              <a:rPr lang="en-US" altLang="zh-CN" dirty="0" err="1" smtClean="0"/>
+              <a:t>.net</a:t>
+            </a:r>
+            <a:r>
+              <a:rPr lang="zh-CN" altLang="en-US" dirty="0" smtClean="0"/>
+              <a:t>、</a:t>
+            </a:r>
+            <a:r>
+              <a:rPr lang="en-US" altLang="zh-CN" dirty="0" smtClean="0"/>
+              <a:t>groovy</a:t>
+            </a:r>
+            <a:r>
+              <a:rPr lang="zh-CN" altLang="en-US" dirty="0" smtClean="0"/>
+              <a:t>、</a:t>
+            </a:r>
+            <a:r>
+              <a:rPr lang="en-US" altLang="zh-CN" dirty="0" smtClean="0"/>
+              <a:t>ruby</a:t>
+            </a:r>
+            <a:r>
+              <a:rPr lang="zh-CN" altLang="en-US" dirty="0" smtClean="0"/>
+              <a:t>等</a:t>
+            </a:r>
+            <a:r>
+              <a:rPr lang="en-US" altLang="zh-CN" dirty="0" smtClean="0"/>
+              <a:t>)</a:t>
+            </a:r>
+            <a:r>
+              <a:rPr lang="zh-CN" altLang="en-US" dirty="0" smtClean="0"/>
+              <a:t>只是工具</a:t>
+            </a:r>
+            <a:r>
+              <a:rPr lang="en-US" altLang="zh-CN" dirty="0" smtClean="0"/>
+              <a:t>,</a:t>
+            </a:r>
+            <a:r>
+              <a:rPr lang="zh-CN" altLang="en-US" dirty="0" smtClean="0"/>
+              <a:t>每种语言都有适用场景</a:t>
+            </a:r>
+            <a:endParaRPr lang="en-US" altLang="zh-CN" dirty="0" smtClean="0"/>
+          </a:p>
+          <a:p>
+            <a:endParaRPr lang="en-US" altLang="zh-CN" dirty="0" smtClean="0"/>
+          </a:p>
+        </p:txBody>
+      </p:sp>
+    </p:spTree>
+    <p:extLst>
+      <p:ext uri="{BB962C8B-B14F-4D97-AF65-F5344CB8AC3E}">
+        <p14:creationId xmlns:p14="http://schemas.microsoft.com/office/powerpoint/2010/main" val="3216380885"/>
+      </p:ext>
+    </p:extLst>
+  </p:cSld>
+  <p:clrMapOvr>
+    <a:masterClrMapping/>
+  </p:clrMapOvr>
+  <p:timing>
+    <p:tnLst>
+      <p:par>
+        <p:cTn id="1" dur="indefinite" restart="never" nodeType="tmRoot"/>
+      </p:par>
+    </p:tnLst>
+  </p:timing>
+</p:sld>
+</file>
+
+<file path=ppt/slides/slide26.xml><?xml version="1.0" encoding="utf-8"?>
+<p:sld xmlns:a="http://schemas.openxmlformats.org/drawingml/2006/main" xmlns:r="http://schemas.openxmlformats.org/officeDocument/2006/relationships" xmlns:p="http://schemas.openxmlformats.org/presentationml/2006/main">
+  <p:cSld>
+    <p:spTree>
+      <p:nvGrpSpPr>
+        <p:cNvPr id="1" name=""/>
+        <p:cNvGrpSpPr/>
+        <p:nvPr/>
+      </p:nvGrpSpPr>
+      <p:grpSpPr>
+        <a:xfrm>
+          <a:off x="0" y="0"/>
+          <a:ext cx="0" cy="0"/>
+          <a:chOff x="0" y="0"/>
+          <a:chExt cx="0" cy="0"/>
+        </a:xfrm>
+      </p:grpSpPr>
+      <p:sp>
+        <p:nvSpPr>
+          <p:cNvPr id="4" name="日期占位符 3"/>
+          <p:cNvSpPr>
+            <a:spLocks noGrp="1"/>
+          </p:cNvSpPr>
+          <p:nvPr>
+            <p:ph type="dt" sz="half" idx="10"/>
+          </p:nvPr>
+        </p:nvSpPr>
+        <p:spPr/>
+        <p:txBody>
+          <a:bodyPr/>
+          <a:lstStyle/>
+          <a:p>
+            <a:fld id="{B11D738E-8962-435F-8C43-147B8DD7E819}" type="datetime1">
+              <a:rPr lang="en-US" smtClean="0"/>
+              <a:pPr/>
+              <a:t>8/28/2014</a:t>
+            </a:fld>
+            <a:endParaRPr lang="en-US"/>
+          </a:p>
+        </p:txBody>
+      </p:sp>
+      <p:sp>
+        <p:nvSpPr>
+          <p:cNvPr id="6" name="灯片编号占位符 5"/>
+          <p:cNvSpPr>
+            <a:spLocks noGrp="1"/>
+          </p:cNvSpPr>
+          <p:nvPr>
+            <p:ph type="sldNum" sz="quarter" idx="12"/>
+          </p:nvPr>
+        </p:nvSpPr>
+        <p:spPr/>
+        <p:txBody>
+          <a:bodyPr/>
+          <a:lstStyle/>
+          <a:p>
+            <a:fld id="{BA9B540C-44DA-4F69-89C9-7C84606640D3}" type="slidenum">
+              <a:rPr lang="en-US" smtClean="0"/>
+              <a:pPr/>
+              <a:t>26</a:t>
+            </a:fld>
+            <a:endParaRPr lang="en-US"/>
+          </a:p>
+        </p:txBody>
+      </p:sp>
+      <p:sp>
+        <p:nvSpPr>
+          <p:cNvPr id="7" name="标题 1"/>
+          <p:cNvSpPr txBox="1">
+            <a:spLocks/>
+          </p:cNvSpPr>
+          <p:nvPr/>
+        </p:nvSpPr>
+        <p:spPr>
+          <a:xfrm>
+            <a:off x="251520" y="2348880"/>
+            <a:ext cx="8229600" cy="1024136"/>
+          </a:xfrm>
+          <a:prstGeom prst="rect">
+            <a:avLst/>
+          </a:prstGeom>
+        </p:spPr>
+        <p:txBody>
+          <a:bodyPr vert="horz" lIns="91440" tIns="45720" rIns="91440" bIns="45720" rtlCol="0" anchor="b">
+            <a:noAutofit/>
+          </a:bodyPr>
+          <a:lstStyle>
+            <a:lvl1pPr algn="ctr" defTabSz="914400" rtl="0" eaLnBrk="1" latinLnBrk="0" hangingPunct="1">
+              <a:lnSpc>
+                <a:spcPts val="5800"/>
+              </a:lnSpc>
+              <a:spcBef>
+                <a:spcPct val="0"/>
+              </a:spcBef>
+              <a:buNone/>
+              <a:defRPr sz="5400" kern="1200">
+                <a:solidFill>
+                  <a:schemeClr val="tx2"/>
+                </a:solidFill>
+                <a:effectLst>
+                  <a:outerShdw blurRad="63500" dist="38100" dir="5400000" algn="t" rotWithShape="0">
+                    <a:prstClr val="black">
+                      <a:alpha val="25000"/>
+                    </a:prstClr>
+                  </a:outerShdw>
+                </a:effectLst>
+                <a:latin typeface="+mn-lt"/>
+                <a:ea typeface="+mj-ea"/>
+                <a:cs typeface="+mj-cs"/>
+              </a:defRPr>
+            </a:lvl1pPr>
+          </a:lstStyle>
+          <a:p>
+            <a:r>
+              <a:rPr lang="en-US" altLang="zh-CN" dirty="0" smtClean="0"/>
+              <a:t>Q &amp; A</a:t>
+            </a:r>
+            <a:endParaRPr lang="zh-CN" altLang="en-US" dirty="0"/>
+          </a:p>
+        </p:txBody>
+      </p:sp>
+    </p:spTree>
+    <p:extLst>
+      <p:ext uri="{BB962C8B-B14F-4D97-AF65-F5344CB8AC3E}">
+        <p14:creationId xmlns:p14="http://schemas.microsoft.com/office/powerpoint/2010/main" val="609639103"/>
+      </p:ext>
+    </p:extLst>
+  </p:cSld>
+  <p:clrMapOvr>
+    <a:masterClrMapping/>
+  </p:clrMapOvr>
+  <p:timing>
+    <p:tnLst>
+      <p:par>
+        <p:cTn id="1" dur="indefinite" restart="never" nodeType="tmRoot"/>
+      </p:par>
+    </p:tnLst>
+  </p:timing>
+</p:sld>
+</file>
+
+<file path=ppt/slides/slide27.xml><?xml version="1.0" encoding="utf-8"?>
+<p:sld xmlns:a="http://schemas.openxmlformats.org/drawingml/2006/main" xmlns:r="http://schemas.openxmlformats.org/officeDocument/2006/relationships" xmlns:p="http://schemas.openxmlformats.org/presentationml/2006/main">
+  <p:cSld>
+    <p:spTree>
+      <p:nvGrpSpPr>
+        <p:cNvPr id="1" name=""/>
+        <p:cNvGrpSpPr/>
+        <p:nvPr/>
+      </p:nvGrpSpPr>
+      <p:grpSpPr>
+        <a:xfrm>
+          <a:off x="0" y="0"/>
+          <a:ext cx="0" cy="0"/>
+          <a:chOff x="0" y="0"/>
+          <a:chExt cx="0" cy="0"/>
+        </a:xfrm>
+      </p:grpSpPr>
+      <p:sp>
+        <p:nvSpPr>
+          <p:cNvPr id="4" name="日期占位符 3"/>
+          <p:cNvSpPr>
+            <a:spLocks noGrp="1"/>
+          </p:cNvSpPr>
+          <p:nvPr>
+            <p:ph type="dt" sz="half" idx="10"/>
+          </p:nvPr>
+        </p:nvSpPr>
+        <p:spPr/>
+        <p:txBody>
+          <a:bodyPr/>
+          <a:lstStyle/>
+          <a:p>
+            <a:fld id="{B11D738E-8962-435F-8C43-147B8DD7E819}" type="datetime1">
+              <a:rPr lang="en-US" smtClean="0"/>
+              <a:pPr/>
+              <a:t>8/28/2014</a:t>
+            </a:fld>
+            <a:endParaRPr lang="en-US"/>
+          </a:p>
+        </p:txBody>
+      </p:sp>
+      <p:sp>
+        <p:nvSpPr>
+          <p:cNvPr id="6" name="灯片编号占位符 5"/>
+          <p:cNvSpPr>
+            <a:spLocks noGrp="1"/>
+          </p:cNvSpPr>
+          <p:nvPr>
+            <p:ph type="sldNum" sz="quarter" idx="12"/>
+          </p:nvPr>
+        </p:nvSpPr>
+        <p:spPr/>
+        <p:txBody>
+          <a:bodyPr/>
+          <a:lstStyle/>
+          <a:p>
+            <a:fld id="{BA9B540C-44DA-4F69-89C9-7C84606640D3}" type="slidenum">
+              <a:rPr lang="en-US" smtClean="0"/>
+              <a:pPr/>
+              <a:t>27</a:t>
             </a:fld>
             <a:endParaRPr lang="en-US"/>
           </a:p>
@@ -13070,45 +14883,6 @@
           <a:p>
             <a:r>
               <a:rPr lang="zh-CN" altLang="en-US" dirty="0" smtClean="0"/>
-              <a:t>支持</a:t>
-            </a:r>
-            <a:r>
-              <a:rPr lang="zh-CN" altLang="en-US" dirty="0"/>
-              <a:t>事务中的 </a:t>
-            </a:r>
-            <a:r>
-              <a:rPr lang="en-US" altLang="zh-CN" dirty="0"/>
-              <a:t>select </a:t>
-            </a:r>
-            <a:r>
-              <a:rPr lang="zh-CN" altLang="en-US" dirty="0"/>
-              <a:t>走主库查询，以避免事务中查询延时</a:t>
-            </a:r>
-            <a:r>
-              <a:rPr lang="en-US" altLang="zh-CN" dirty="0"/>
-              <a:t>(</a:t>
-            </a:r>
-            <a:r>
-              <a:rPr lang="zh-CN" altLang="en-US" dirty="0"/>
-              <a:t>从库数据同步可能有延时</a:t>
-            </a:r>
-            <a:r>
-              <a:rPr lang="en-US" altLang="zh-CN" dirty="0"/>
-              <a:t>),</a:t>
-            </a:r>
-            <a:r>
-              <a:rPr lang="zh-CN" altLang="en-US" dirty="0"/>
-              <a:t>事务结束之后的查询依然走从库</a:t>
-            </a:r>
-            <a:r>
-              <a:rPr lang="zh-CN" altLang="en-US" dirty="0" smtClean="0"/>
-              <a:t>查询</a:t>
-            </a:r>
-            <a:endParaRPr lang="en-US" altLang="zh-CN" dirty="0" smtClean="0"/>
-          </a:p>
-          <a:p>
-            <a:r>
-              <a:rPr lang="zh-CN" altLang="en-US" dirty="0" smtClean="0"/>
               <a:t>所有</a:t>
             </a:r>
             <a:r>
@@ -13317,7 +15091,7 @@
                 </a:solidFill>
               </a:rPr>
               <a:pPr/>
-              <a:t>7/18/2014</a:t>
+              <a:t>8/28/2014</a:t>
             </a:fld>
             <a:endParaRPr lang="en-US" dirty="0">
               <a:solidFill>
@@ -13513,7 +15287,7 @@
                             </p:stCondLst>
                             <p:childTnLst>
                               <p:par>
-                                <p:cTn id="9" presetID="10" presetClass="entr" presetSubtype="0" fill="hold" nodeType="clickEffect">
+                                <p:cTn id="9" presetID="2" presetClass="entr" presetSubtype="4" fill="hold" nodeType="clickEffect">
                                   <p:stCondLst>
                                     <p:cond delay="0"/>
                                   </p:stCondLst>
@@ -13540,74 +15314,13 @@
                                         <p:strVal val="visible"/>
                                       </p:to>
                                     </p:set>
-                                    <p:animEffect transition="in" filter="fade">
-                                      <p:cBhvr>
-                                        <p:cTn id="11" dur="500"/>
+                                    <p:anim calcmode="lin" valueType="num">
+                                      <p:cBhvr additive="base">
+                                        <p:cTn id="11" dur="500" fill="hold"/>
                                         <p:tgtEl>
                                           <p:spTgt spid="3">
                                             <p:txEl>
                                               <p:pRg st="1" end="1"/>
-                                            </p:txEl>
-                                          </p:spTgt>
-                                        </p:tgtEl>
-                                      </p:cBhvr>
-                                    </p:animEffect>
-                                  </p:childTnLst>
-                                </p:cTn>
-                              </p:par>
-                            </p:childTnLst>
-                          </p:cTn>
-                        </p:par>
-                      </p:childTnLst>
-                    </p:cTn>
-                  </p:par>
-                  <p:par>
-                    <p:cTn id="12" fill="hold">
-                      <p:stCondLst>
-                        <p:cond delay="indefinite"/>
-                      </p:stCondLst>
-                      <p:childTnLst>
-                        <p:par>
-                          <p:cTn id="13" fill="hold">
-                            <p:stCondLst>
-                              <p:cond delay="0"/>
-                            </p:stCondLst>
-                            <p:childTnLst>
-                              <p:par>
-                                <p:cTn id="14" presetID="2" presetClass="entr" presetSubtype="4" fill="hold" nodeType="clickEffect">
-                                  <p:stCondLst>
-                                    <p:cond delay="0"/>
-                                  </p:stCondLst>
-                                  <p:childTnLst>
-                                    <p:set>
-                                      <p:cBhvr>
-                                        <p:cTn id="15" dur="1" fill="hold">
-                                          <p:stCondLst>
-                                            <p:cond delay="0"/>
-                                          </p:stCondLst>
-                                        </p:cTn>
-                                        <p:tgtEl>
-                                          <p:spTgt spid="3">
-                                            <p:txEl>
-                                              <p:pRg st="2" end="2"/>
-                                            </p:txEl>
-                                          </p:spTgt>
-                                        </p:tgtEl>
-                                        <p:attrNameLst>
-                                          <p:attrName>style.visibility</p:attrName>
-                                        </p:attrNameLst>
-                                      </p:cBhvr>
-                                      <p:to>
-                                        <p:strVal val="visible"/>
-                                      </p:to>
-                                    </p:set>
-                                    <p:anim calcmode="lin" valueType="num">
-                                      <p:cBhvr additive="base">
-                                        <p:cTn id="16" dur="500" fill="hold"/>
-                                        <p:tgtEl>
-                                          <p:spTgt spid="3">
-                                            <p:txEl>
-                                              <p:pRg st="2" end="2"/>
                                             </p:txEl>
                                           </p:spTgt>
                                         </p:tgtEl>
@@ -13630,11 +15343,11 @@
                                     </p:anim>
                                     <p:anim calcmode="lin" valueType="num">
                                       <p:cBhvr additive="base">
-                                        <p:cTn id="17" dur="500" fill="hold"/>
+                                        <p:cTn id="12" dur="500" fill="hold"/>
                                         <p:tgtEl>
                                           <p:spTgt spid="3">
                                             <p:txEl>
-                                              <p:pRg st="2" end="2"/>
+                                              <p:pRg st="1" end="1"/>
                                             </p:txEl>
                                           </p:spTgt>
                                         </p:tgtEl>
@@ -13665,26 +15378,26 @@
                     </p:cTn>
                   </p:par>
                   <p:par>
-                    <p:cTn id="18" fill="hold">
+                    <p:cTn id="13" fill="hold">
                       <p:stCondLst>
                         <p:cond delay="indefinite"/>
                       </p:stCondLst>
                       <p:childTnLst>
                         <p:par>
-                          <p:cTn id="19" fill="hold">
+                          <p:cTn id="14" fill="hold">
                             <p:stCondLst>
                               <p:cond delay="0"/>
                             </p:stCondLst>
                             <p:childTnLst>
                               <p:par>
-                                <p:cTn id="20" presetID="42" presetClass="entr" presetSubtype="0" fill="hold" nodeType="clickEffect">
+                                <p:cTn id="15" presetID="42" presetClass="entr" presetSubtype="0" fill="hold" nodeType="clickEffect">
                                   <p:stCondLst>
                                     <p:cond delay="0"/>
                                   </p:stCondLst>
                                   <p:childTnLst>
                                     <p:set>
                                       <p:cBhvr>
-                                        <p:cTn id="21" dur="1" fill="hold">
+                                        <p:cTn id="16" dur="1" fill="hold">
                                           <p:stCondLst>
                                             <p:cond delay="0"/>
                                           </p:stCondLst>
@@ -13692,7 +15405,7 @@
                                         <p:tgtEl>
                                           <p:spTgt spid="3">
                                             <p:txEl>
-                                              <p:pRg st="3" end="3"/>
+                                              <p:pRg st="2" end="2"/>
                                             </p:txEl>
                                           </p:spTgt>
                                         </p:tgtEl>
@@ -13706,11 +15419,11 @@
                                     </p:set>
                                     <p:animEffect transition="in" filter="fade">
                                       <p:cBhvr>
-                                        <p:cTn id="22" dur="1000"/>
+                                        <p:cTn id="17" dur="1000"/>
                                         <p:tgtEl>
                                           <p:spTgt spid="3">
                                             <p:txEl>
-                                              <p:pRg st="3" end="3"/>
+                                              <p:pRg st="2" end="2"/>
                                             </p:txEl>
                                           </p:spTgt>
                                         </p:tgtEl>
@@ -13718,11 +15431,11 @@
                                     </p:animEffect>
                                     <p:anim calcmode="lin" valueType="num">
                                       <p:cBhvr>
-                                        <p:cTn id="23" dur="1000" fill="hold"/>
+                                        <p:cTn id="18" dur="1000" fill="hold"/>
                                         <p:tgtEl>
                                           <p:spTgt spid="3">
                                             <p:txEl>
-                                              <p:pRg st="3" end="3"/>
+                                              <p:pRg st="2" end="2"/>
                                             </p:txEl>
                                           </p:spTgt>
                                         </p:tgtEl>
@@ -13745,11 +15458,11 @@
                                     </p:anim>
                                     <p:anim calcmode="lin" valueType="num">
                                       <p:cBhvr>
-                                        <p:cTn id="24" dur="1000" fill="hold"/>
+                                        <p:cTn id="19" dur="1000" fill="hold"/>
                                         <p:tgtEl>
                                           <p:spTgt spid="3">
                                             <p:txEl>
-                                              <p:pRg st="3" end="3"/>
+                                              <p:pRg st="2" end="2"/>
                                             </p:txEl>
                                           </p:spTgt>
                                         </p:tgtEl>
@@ -13780,6 +15493,67 @@
                     </p:cTn>
                   </p:par>
                   <p:par>
+                    <p:cTn id="20" fill="hold">
+                      <p:stCondLst>
+                        <p:cond delay="indefinite"/>
+                      </p:stCondLst>
+                      <p:childTnLst>
+                        <p:par>
+                          <p:cTn id="21" fill="hold">
+                            <p:stCondLst>
+                              <p:cond delay="0"/>
+                            </p:stCondLst>
+                            <p:childTnLst>
+                              <p:par>
+                                <p:cTn id="22" presetID="16" presetClass="entr" presetSubtype="21" fill="hold" nodeType="clickEffect">
+                                  <p:stCondLst>
+                                    <p:cond delay="0"/>
+                                  </p:stCondLst>
+                                  <p:childTnLst>
+                                    <p:set>
+                                      <p:cBhvr>
+                                        <p:cTn id="23" dur="1" fill="hold">
+                                          <p:stCondLst>
+                                            <p:cond delay="0"/>
+                                          </p:stCondLst>
+                                        </p:cTn>
+                                        <p:tgtEl>
+                                          <p:spTgt spid="3">
+                                            <p:txEl>
+                                              <p:pRg st="3" end="3"/>
+                                            </p:txEl>
+                                          </p:spTgt>
+                                        </p:tgtEl>
+                                        <p:attrNameLst>
+                                          <p:attrName>style.visibility</p:attrName>
+                                        </p:attrNameLst>
+                                      </p:cBhvr>
+                                      <p:to>
+                                        <p:strVal val="visible"/>
+                                      </p:to>
+                                    </p:set>
+                                    <p:animEffect transition="in" filter="barn(inVertical)">
+                                      <p:cBhvr>
+                                        <p:cTn id="24" dur="500"/>
+                                        <p:tgtEl>
+                                          <p:spTgt spid="3">
+                                            <p:txEl>
+                                              <p:pRg st="3" end="3"/>
+                                            </p:txEl>
+                                          </p:spTgt>
+                                        </p:tgtEl>
+                                      </p:cBhvr>
+                                    </p:animEffect>
+                                  </p:childTnLst>
+                                </p:cTn>
+                              </p:par>
+                            </p:childTnLst>
+                          </p:cTn>
+                        </p:par>
+                      </p:childTnLst>
+                    </p:cTn>
+                  </p:par>
+                  <p:par>
                     <p:cTn id="25" fill="hold">
                       <p:stCondLst>
                         <p:cond delay="indefinite"/>
@@ -13792,7 +15566,7 @@
                             </p:stCondLst>
                             <p:childTnLst>
                               <p:par>
-                                <p:cTn id="27" presetID="16" presetClass="entr" presetSubtype="21" fill="hold" nodeType="clickEffect">
+                                <p:cTn id="27" presetID="22" presetClass="entr" presetSubtype="4" fill="hold" nodeType="clickEffect">
                                   <p:stCondLst>
                                     <p:cond delay="0"/>
                                   </p:stCondLst>
@@ -13819,74 +15593,13 @@
                                         <p:strVal val="visible"/>
                                       </p:to>
                                     </p:set>
-                                    <p:animEffect transition="in" filter="barn(inVertical)">
+                                    <p:animEffect transition="in" filter="wipe(down)">
                                       <p:cBhvr>
                                         <p:cTn id="29" dur="500"/>
                                         <p:tgtEl>
                                           <p:spTgt spid="3">
                                             <p:txEl>
                                               <p:pRg st="4" end="4"/>
-                                            </p:txEl>
-                                          </p:spTgt>
-                                        </p:tgtEl>
-                                      </p:cBhvr>
-                                    </p:animEffect>
-                                  </p:childTnLst>
-                                </p:cTn>
-                              </p:par>
-                            </p:childTnLst>
-                          </p:cTn>
-                        </p:par>
-                      </p:childTnLst>
-                    </p:cTn>
-                  </p:par>
-                  <p:par>
-                    <p:cTn id="30" fill="hold">
-                      <p:stCondLst>
-                        <p:cond delay="indefinite"/>
-                      </p:stCondLst>
-                      <p:childTnLst>
-                        <p:par>
-                          <p:cTn id="31" fill="hold">
-                            <p:stCondLst>
-                              <p:cond delay="0"/>
-                            </p:stCondLst>
-                            <p:childTnLst>
-                              <p:par>
-                                <p:cTn id="32" presetID="22" presetClass="entr" presetSubtype="4" fill="hold" nodeType="clickEffect">
-                                  <p:stCondLst>
-                                    <p:cond delay="0"/>
-                                  </p:stCondLst>
-                                  <p:childTnLst>
-                                    <p:set>
-                                      <p:cBhvr>
-                                        <p:cTn id="33" dur="1" fill="hold">
-                                          <p:stCondLst>
-                                            <p:cond delay="0"/>
-                                          </p:stCondLst>
-                                        </p:cTn>
-                                        <p:tgtEl>
-                                          <p:spTgt spid="3">
-                                            <p:txEl>
-                                              <p:pRg st="5" end="5"/>
-                                            </p:txEl>
-                                          </p:spTgt>
-                                        </p:tgtEl>
-                                        <p:attrNameLst>
-                                          <p:attrName>style.visibility</p:attrName>
-                                        </p:attrNameLst>
-                                      </p:cBhvr>
-                                      <p:to>
-                                        <p:strVal val="visible"/>
-                                      </p:to>
-                                    </p:set>
-                                    <p:animEffect transition="in" filter="wipe(down)">
-                                      <p:cBhvr>
-                                        <p:cTn id="34" dur="500"/>
-                                        <p:tgtEl>
-                                          <p:spTgt spid="3">
-                                            <p:txEl>
-                                              <p:pRg st="5" end="5"/>
                                             </p:txEl>
                                           </p:spTgt>
                                         </p:tgtEl>
@@ -13961,7 +15674,7 @@
             <a:fld id="{B11D738E-8962-435F-8C43-147B8DD7E819}" type="datetime1">
               <a:rPr lang="en-US" smtClean="0"/>
               <a:pPr/>
-              <a:t>7/18/2014</a:t>
+              <a:t>8/28/2014</a:t>
             </a:fld>
             <a:endParaRPr lang="en-US" dirty="0"/>
           </a:p>
@@ -14206,7 +15919,7 @@
             <a:fld id="{B11D738E-8962-435F-8C43-147B8DD7E819}" type="datetime1">
               <a:rPr lang="en-US" smtClean="0"/>
               <a:pPr/>
-              <a:t>7/18/2014</a:t>
+              <a:t>8/28/2014</a:t>
             </a:fld>
             <a:endParaRPr lang="en-US"/>
           </a:p>
@@ -14503,7 +16216,7 @@
             <a:fld id="{B11D738E-8962-435F-8C43-147B8DD7E819}" type="datetime1">
               <a:rPr lang="en-US" smtClean="0"/>
               <a:pPr/>
-              <a:t>7/18/2014</a:t>
+              <a:t>8/28/2014</a:t>
             </a:fld>
             <a:endParaRPr lang="en-US"/>
           </a:p>
@@ -14706,7 +16419,7 @@
                 </a:solidFill>
               </a:rPr>
               <a:pPr/>
-              <a:t>7/18/2014</a:t>
+              <a:t>8/28/2014</a:t>
             </a:fld>
             <a:endParaRPr lang="en-US" dirty="0">
               <a:solidFill>
@@ -15075,7 +16788,7 @@
             </a:r>
             <a:r>
               <a:rPr lang="zh-CN" altLang="en-US" dirty="0" smtClean="0"/>
-              <a:t>采用取模、区间</a:t>
+              <a:t>采用取模、一致性</a:t>
             </a:r>
             <a:r>
               <a:rPr lang="en-US" altLang="zh-CN" dirty="0" smtClean="0"/>
@@ -15130,7 +16843,7 @@
                 </a:solidFill>
               </a:rPr>
               <a:pPr/>
-              <a:t>7/18/2014</a:t>
+              <a:t>8/28/2014</a:t>
             </a:fld>
             <a:endParaRPr lang="en-US">
               <a:solidFill>
@@ -15548,7 +17261,7 @@
                 </a:solidFill>
               </a:rPr>
               <a:pPr/>
-              <a:t>7/18/2014</a:t>
+              <a:t>8/28/2014</a:t>
             </a:fld>
             <a:endParaRPr lang="en-US">
               <a:solidFill>

--- a/dbroute.pptx
+++ b/dbroute.pptx
@@ -9290,27 +9290,31 @@
           <a:p>
             <a:r>
               <a:rPr lang="zh-CN" altLang="en-US" dirty="0" smtClean="0"/>
-              <a:t>采用</a:t>
-            </a:r>
-            <a:r>
-              <a:rPr lang="en-US" altLang="zh-CN" dirty="0" err="1" smtClean="0"/>
-              <a:t>zk</a:t>
-            </a:r>
-            <a:r>
-              <a:rPr lang="zh-CN" altLang="en-US" dirty="0" smtClean="0"/>
-              <a:t>监控各数据库</a:t>
+              <a:t>未来</a:t>
             </a:r>
             <a:r>
               <a:rPr lang="zh-CN" altLang="en-US" dirty="0"/>
-              <a:t>节点是否</a:t>
-            </a:r>
-            <a:r>
-              <a:rPr lang="zh-CN" altLang="en-US"/>
-              <a:t>宕</a:t>
-            </a:r>
-            <a:r>
-              <a:rPr lang="zh-CN" altLang="en-US" smtClean="0"/>
-              <a:t>机</a:t>
+              <a:t>考虑使用</a:t>
+            </a:r>
+            <a:r>
+              <a:rPr lang="en-US" altLang="zh-CN" dirty="0"/>
+              <a:t>zookeeper</a:t>
+            </a:r>
+            <a:r>
+              <a:rPr lang="zh-CN" altLang="en-US" dirty="0"/>
+              <a:t>实现心跳监测</a:t>
+            </a:r>
+            <a:r>
+              <a:rPr lang="en-US" altLang="zh-CN" dirty="0"/>
+              <a:t>,</a:t>
+            </a:r>
+            <a:r>
+              <a:rPr lang="zh-CN" altLang="en-US" dirty="0"/>
+              <a:t>及时将宕机的读库剔除和加入</a:t>
+            </a:r>
+            <a:r>
+              <a:rPr lang="en-US" altLang="zh-CN" dirty="0"/>
+              <a:t>.</a:t>
             </a:r>
             <a:endParaRPr lang="en-US" altLang="zh-CN" dirty="0" smtClean="0">
               <a:solidFill>
@@ -10464,7 +10468,15 @@
           <a:p>
             <a:r>
               <a:rPr lang="zh-CN" altLang="en-US" dirty="0" smtClean="0"/>
-              <a:t>唯一数字型主键生成策略</a:t>
+              <a:t>唯一</a:t>
+            </a:r>
+            <a:r>
+              <a:rPr lang="zh-CN" altLang="en-US" dirty="0" smtClean="0"/>
+              <a:t>数值型</a:t>
+            </a:r>
+            <a:r>
+              <a:rPr lang="zh-CN" altLang="en-US" dirty="0" smtClean="0"/>
+              <a:t>主键生成策略</a:t>
             </a:r>
             <a:endParaRPr lang="en-US" altLang="zh-CN" dirty="0" smtClean="0"/>
           </a:p>

--- a/dbroute.pptx
+++ b/dbroute.pptx
@@ -8005,11 +8005,7 @@
           <a:p>
             <a:r>
               <a:rPr lang="zh-CN" altLang="en-US" dirty="0" smtClean="0"/>
-              <a:t>读默认采用随机</a:t>
-            </a:r>
-            <a:r>
-              <a:rPr lang="zh-CN" altLang="en-US" dirty="0" smtClean="0"/>
-              <a:t>算法</a:t>
+              <a:t>读默认采用随机算法</a:t>
             </a:r>
             <a:endParaRPr lang="en-US" altLang="zh-CN" dirty="0" smtClean="0"/>
           </a:p>
@@ -8069,7 +8065,6 @@
               <a:rPr lang="en-US" altLang="zh-CN" sz="1600" dirty="0" smtClean="0"/>
               <a:t>'192.168.1.100_3’);</a:t>
             </a:r>
-            <a:endParaRPr lang="en-US" altLang="zh-CN" sz="1600" dirty="0" smtClean="0"/>
           </a:p>
           <a:p>
             <a:pPr marL="0" indent="0">
@@ -10468,15 +10463,7 @@
           <a:p>
             <a:r>
               <a:rPr lang="zh-CN" altLang="en-US" dirty="0" smtClean="0"/>
-              <a:t>唯一</a:t>
-            </a:r>
-            <a:r>
-              <a:rPr lang="zh-CN" altLang="en-US" dirty="0" smtClean="0"/>
-              <a:t>数值型</a:t>
-            </a:r>
-            <a:r>
-              <a:rPr lang="zh-CN" altLang="en-US" dirty="0" smtClean="0"/>
-              <a:t>主键生成策略</a:t>
+              <a:t>唯一数值型主键生成策略</a:t>
             </a:r>
             <a:endParaRPr lang="en-US" altLang="zh-CN" dirty="0" smtClean="0"/>
           </a:p>
@@ -15069,6 +15056,14 @@
               <a:rPr lang="zh-CN" altLang="en-US" dirty="0" smtClean="0"/>
               <a:t>透明</a:t>
             </a:r>
+            <a:r>
+              <a:rPr lang="en-US" altLang="zh-CN" dirty="0" smtClean="0"/>
+              <a:t>,</a:t>
+            </a:r>
+            <a:r>
+              <a:rPr lang="zh-CN" altLang="en-US" dirty="0" smtClean="0"/>
+              <a:t>简单实用</a:t>
+            </a:r>
             <a:endParaRPr lang="en-US" altLang="zh-CN" dirty="0" smtClean="0"/>
           </a:p>
         </p:txBody>
@@ -15726,7 +15721,7 @@
         </p:nvSpPr>
         <p:spPr>
           <a:xfrm>
-            <a:off x="107504" y="44624"/>
+            <a:off x="107504" y="-72008"/>
             <a:ext cx="4320480" cy="764704"/>
           </a:xfrm>
           <a:prstGeom prst="rect">
@@ -15789,8 +15784,8 @@
         </p:nvSpPr>
         <p:spPr>
           <a:xfrm>
-            <a:off x="457200" y="1412776"/>
-            <a:ext cx="8229600" cy="4525963"/>
+            <a:off x="457200" y="521296"/>
+            <a:ext cx="8229600" cy="2475656"/>
           </a:xfrm>
         </p:spPr>
         <p:txBody>
@@ -15803,12 +15798,13 @@
             </a:r>
             <a:r>
               <a:rPr lang="zh-CN" altLang="en-US" dirty="0" smtClean="0"/>
-              <a:t>单表支持数据量有限，单表一般百万级别</a:t>
-            </a:r>
-            <a:r>
-              <a:rPr lang="en-US" altLang="zh-CN" dirty="0" smtClean="0"/>
-              <a:t>.</a:t>
-            </a:r>
+              <a:t>单表支持数据量有限，单表一般百万</a:t>
+            </a:r>
+            <a:r>
+              <a:rPr lang="zh-CN" altLang="en-US" dirty="0" smtClean="0"/>
+              <a:t>级别</a:t>
+            </a:r>
+            <a:endParaRPr lang="en-US" altLang="zh-CN" dirty="0" smtClean="0"/>
           </a:p>
           <a:p>
             <a:r>
@@ -15873,6 +15869,556 @@
               <a:buNone/>
             </a:pPr>
             <a:endParaRPr lang="zh-CN" altLang="en-US" dirty="0"/>
+          </a:p>
+        </p:txBody>
+      </p:sp>
+      <p:sp>
+        <p:nvSpPr>
+          <p:cNvPr id="9" name="标题 1"/>
+          <p:cNvSpPr txBox="1">
+            <a:spLocks/>
+          </p:cNvSpPr>
+          <p:nvPr/>
+        </p:nvSpPr>
+        <p:spPr>
+          <a:xfrm>
+            <a:off x="259904" y="2520280"/>
+            <a:ext cx="4320480" cy="764704"/>
+          </a:xfrm>
+          <a:prstGeom prst="rect">
+            <a:avLst/>
+          </a:prstGeom>
+        </p:spPr>
+        <p:txBody>
+          <a:bodyPr vert="horz" lIns="91440" tIns="45720" rIns="91440" bIns="45720" rtlCol="0" anchor="b">
+            <a:noAutofit/>
+          </a:bodyPr>
+          <a:lstStyle>
+            <a:lvl1pPr algn="ctr" defTabSz="914400" rtl="0" eaLnBrk="1" latinLnBrk="0" hangingPunct="1">
+              <a:lnSpc>
+                <a:spcPts val="5800"/>
+              </a:lnSpc>
+              <a:spcBef>
+                <a:spcPct val="0"/>
+              </a:spcBef>
+              <a:buNone/>
+              <a:defRPr sz="5400" kern="1200">
+                <a:solidFill>
+                  <a:schemeClr val="tx2"/>
+                </a:solidFill>
+                <a:effectLst>
+                  <a:outerShdw blurRad="63500" dist="38100" dir="5400000" algn="t" rotWithShape="0">
+                    <a:prstClr val="black">
+                      <a:alpha val="25000"/>
+                    </a:prstClr>
+                  </a:outerShdw>
+                </a:effectLst>
+                <a:latin typeface="+mn-lt"/>
+                <a:ea typeface="+mj-ea"/>
+                <a:cs typeface="+mj-cs"/>
+              </a:defRPr>
+            </a:lvl1pPr>
+          </a:lstStyle>
+          <a:p>
+            <a:pPr algn="l"/>
+            <a:r>
+              <a:rPr lang="en-US" altLang="zh-CN" sz="3200" b="1" dirty="0" smtClean="0"/>
+              <a:t>DBROUTE</a:t>
+            </a:r>
+            <a:r>
+              <a:rPr lang="zh-CN" altLang="en-US" sz="3200" b="1" dirty="0" smtClean="0"/>
+              <a:t>特点</a:t>
+            </a:r>
+            <a:endParaRPr lang="zh-CN" altLang="en-US" sz="3200" b="1" dirty="0"/>
+          </a:p>
+        </p:txBody>
+      </p:sp>
+      <p:sp>
+        <p:nvSpPr>
+          <p:cNvPr id="10" name="内容占位符 2"/>
+          <p:cNvSpPr txBox="1">
+            <a:spLocks/>
+          </p:cNvSpPr>
+          <p:nvPr/>
+        </p:nvSpPr>
+        <p:spPr>
+          <a:xfrm>
+            <a:off x="467544" y="3068960"/>
+            <a:ext cx="8229600" cy="1800200"/>
+          </a:xfrm>
+          <a:prstGeom prst="rect">
+            <a:avLst/>
+          </a:prstGeom>
+        </p:spPr>
+        <p:txBody>
+          <a:bodyPr vert="horz" lIns="91440" tIns="45720" rIns="91440" bIns="45720" rtlCol="0">
+            <a:normAutofit/>
+          </a:bodyPr>
+          <a:lstStyle>
+            <a:lvl1pPr marL="342900" indent="-342900" algn="l" defTabSz="914400" rtl="0" eaLnBrk="1" latinLnBrk="0" hangingPunct="1">
+              <a:spcBef>
+                <a:spcPct val="20000"/>
+              </a:spcBef>
+              <a:buFont typeface="Arial" pitchFamily="34" charset="0"/>
+              <a:buChar char="•"/>
+              <a:defRPr sz="2400" kern="1200">
+                <a:solidFill>
+                  <a:schemeClr val="tx1">
+                    <a:lumMod val="50000"/>
+                    <a:lumOff val="50000"/>
+                  </a:schemeClr>
+                </a:solidFill>
+                <a:latin typeface="+mj-lt"/>
+                <a:ea typeface="+mn-ea"/>
+                <a:cs typeface="+mn-cs"/>
+              </a:defRPr>
+            </a:lvl1pPr>
+            <a:lvl2pPr marL="742950" indent="-285750" algn="l" defTabSz="914400" rtl="0" eaLnBrk="1" latinLnBrk="0" hangingPunct="1">
+              <a:spcBef>
+                <a:spcPct val="20000"/>
+              </a:spcBef>
+              <a:buFont typeface="Courier New" pitchFamily="49" charset="0"/>
+              <a:buChar char="o"/>
+              <a:defRPr sz="1600" kern="1200">
+                <a:solidFill>
+                  <a:schemeClr val="tx1">
+                    <a:lumMod val="50000"/>
+                    <a:lumOff val="50000"/>
+                  </a:schemeClr>
+                </a:solidFill>
+                <a:latin typeface="+mj-lt"/>
+                <a:ea typeface="+mn-ea"/>
+                <a:cs typeface="+mn-cs"/>
+              </a:defRPr>
+            </a:lvl2pPr>
+            <a:lvl3pPr marL="1143000" indent="-228600" algn="l" defTabSz="914400" rtl="0" eaLnBrk="1" latinLnBrk="0" hangingPunct="1">
+              <a:spcBef>
+                <a:spcPct val="20000"/>
+              </a:spcBef>
+              <a:buFont typeface="Arial" pitchFamily="34" charset="0"/>
+              <a:buChar char="•"/>
+              <a:defRPr sz="1600" kern="1200">
+                <a:solidFill>
+                  <a:schemeClr val="tx1">
+                    <a:lumMod val="50000"/>
+                    <a:lumOff val="50000"/>
+                  </a:schemeClr>
+                </a:solidFill>
+                <a:latin typeface="+mj-lt"/>
+                <a:ea typeface="+mn-ea"/>
+                <a:cs typeface="+mn-cs"/>
+              </a:defRPr>
+            </a:lvl3pPr>
+            <a:lvl4pPr marL="1600200" indent="-228600" algn="l" defTabSz="914400" rtl="0" eaLnBrk="1" latinLnBrk="0" hangingPunct="1">
+              <a:spcBef>
+                <a:spcPct val="20000"/>
+              </a:spcBef>
+              <a:buFont typeface="Courier New" pitchFamily="49" charset="0"/>
+              <a:buChar char="o"/>
+              <a:defRPr sz="1600" kern="1200">
+                <a:solidFill>
+                  <a:schemeClr val="tx1">
+                    <a:lumMod val="50000"/>
+                    <a:lumOff val="50000"/>
+                  </a:schemeClr>
+                </a:solidFill>
+                <a:latin typeface="+mj-lt"/>
+                <a:ea typeface="+mn-ea"/>
+                <a:cs typeface="+mn-cs"/>
+              </a:defRPr>
+            </a:lvl4pPr>
+            <a:lvl5pPr marL="2057400" indent="-228600" algn="l" defTabSz="914400" rtl="0" eaLnBrk="1" latinLnBrk="0" hangingPunct="1">
+              <a:spcBef>
+                <a:spcPct val="20000"/>
+              </a:spcBef>
+              <a:buFont typeface="Arial" pitchFamily="34" charset="0"/>
+              <a:buChar char="•"/>
+              <a:defRPr sz="1600" kern="1200">
+                <a:solidFill>
+                  <a:schemeClr val="tx1">
+                    <a:lumMod val="50000"/>
+                    <a:lumOff val="50000"/>
+                  </a:schemeClr>
+                </a:solidFill>
+                <a:latin typeface="+mj-lt"/>
+                <a:ea typeface="+mn-ea"/>
+                <a:cs typeface="+mn-cs"/>
+              </a:defRPr>
+            </a:lvl5pPr>
+            <a:lvl6pPr marL="2514600" indent="-228600" algn="l" defTabSz="914400" rtl="0" eaLnBrk="1" latinLnBrk="0" hangingPunct="1">
+              <a:spcBef>
+                <a:spcPct val="20000"/>
+              </a:spcBef>
+              <a:buFont typeface="Courier New" pitchFamily="49" charset="0"/>
+              <a:buChar char="o"/>
+              <a:defRPr sz="1600" kern="1200">
+                <a:solidFill>
+                  <a:schemeClr val="tx1">
+                    <a:lumMod val="50000"/>
+                    <a:lumOff val="50000"/>
+                  </a:schemeClr>
+                </a:solidFill>
+                <a:latin typeface="+mj-lt"/>
+                <a:ea typeface="+mn-ea"/>
+                <a:cs typeface="+mn-cs"/>
+              </a:defRPr>
+            </a:lvl6pPr>
+            <a:lvl7pPr marL="2971800" indent="-228600" algn="l" defTabSz="914400" rtl="0" eaLnBrk="1" latinLnBrk="0" hangingPunct="1">
+              <a:spcBef>
+                <a:spcPct val="20000"/>
+              </a:spcBef>
+              <a:buFont typeface="Arial" pitchFamily="34" charset="0"/>
+              <a:buChar char="•"/>
+              <a:defRPr sz="1600" kern="1200">
+                <a:solidFill>
+                  <a:schemeClr val="tx1">
+                    <a:lumMod val="50000"/>
+                    <a:lumOff val="50000"/>
+                  </a:schemeClr>
+                </a:solidFill>
+                <a:latin typeface="+mj-lt"/>
+                <a:ea typeface="+mn-ea"/>
+                <a:cs typeface="+mn-cs"/>
+              </a:defRPr>
+            </a:lvl7pPr>
+            <a:lvl8pPr marL="3429000" indent="-228600" algn="l" defTabSz="914400" rtl="0" eaLnBrk="1" latinLnBrk="0" hangingPunct="1">
+              <a:spcBef>
+                <a:spcPct val="20000"/>
+              </a:spcBef>
+              <a:buFont typeface="Courier New" pitchFamily="49" charset="0"/>
+              <a:buChar char="o"/>
+              <a:defRPr sz="1600" kern="1200">
+                <a:solidFill>
+                  <a:schemeClr val="tx1">
+                    <a:lumMod val="50000"/>
+                    <a:lumOff val="50000"/>
+                  </a:schemeClr>
+                </a:solidFill>
+                <a:latin typeface="+mj-lt"/>
+                <a:ea typeface="+mn-ea"/>
+                <a:cs typeface="+mn-cs"/>
+              </a:defRPr>
+            </a:lvl8pPr>
+            <a:lvl9pPr marL="3886200" indent="-228600" algn="l" defTabSz="914400" rtl="0" eaLnBrk="1" latinLnBrk="0" hangingPunct="1">
+              <a:spcBef>
+                <a:spcPct val="20000"/>
+              </a:spcBef>
+              <a:buFont typeface="Arial" pitchFamily="34" charset="0"/>
+              <a:buChar char="•"/>
+              <a:defRPr sz="1600" kern="1200">
+                <a:solidFill>
+                  <a:schemeClr val="tx1">
+                    <a:lumMod val="50000"/>
+                    <a:lumOff val="50000"/>
+                  </a:schemeClr>
+                </a:solidFill>
+                <a:latin typeface="+mj-lt"/>
+                <a:ea typeface="+mn-ea"/>
+                <a:cs typeface="+mn-cs"/>
+              </a:defRPr>
+            </a:lvl9pPr>
+          </a:lstStyle>
+          <a:p>
+            <a:r>
+              <a:rPr lang="zh-CN" altLang="en-US" dirty="0" smtClean="0"/>
+              <a:t>编写</a:t>
+            </a:r>
+            <a:r>
+              <a:rPr lang="en-US" altLang="zh-CN" dirty="0" err="1" smtClean="0"/>
+              <a:t>sql</a:t>
+            </a:r>
+            <a:r>
+              <a:rPr lang="zh-CN" altLang="en-US" dirty="0" smtClean="0"/>
+              <a:t>简单实用</a:t>
+            </a:r>
+            <a:endParaRPr lang="en-US" altLang="zh-CN" dirty="0" smtClean="0"/>
+          </a:p>
+          <a:p>
+            <a:r>
+              <a:rPr lang="zh-CN" altLang="en-US" dirty="0" smtClean="0"/>
+              <a:t>核心代码</a:t>
+            </a:r>
+            <a:r>
+              <a:rPr lang="en-US" altLang="zh-CN" dirty="0" smtClean="0"/>
+              <a:t>2200</a:t>
+            </a:r>
+            <a:r>
+              <a:rPr lang="zh-CN" altLang="en-US" dirty="0" smtClean="0"/>
+              <a:t>行左右</a:t>
+            </a:r>
+            <a:endParaRPr lang="en-US" altLang="zh-CN" dirty="0" smtClean="0"/>
+          </a:p>
+          <a:p>
+            <a:r>
+              <a:rPr lang="zh-CN" altLang="en-US" dirty="0" smtClean="0"/>
+              <a:t>对分库支持方式较灵活</a:t>
+            </a:r>
+            <a:endParaRPr lang="en-US" altLang="zh-CN" dirty="0" smtClean="0"/>
+          </a:p>
+          <a:p>
+            <a:r>
+              <a:rPr lang="zh-CN" altLang="en-US" dirty="0" smtClean="0"/>
+              <a:t>示例代码</a:t>
+            </a:r>
+            <a:endParaRPr lang="en-US" altLang="zh-CN" dirty="0" smtClean="0"/>
+          </a:p>
+          <a:p>
+            <a:pPr marL="0" indent="0">
+              <a:buFont typeface="Arial" pitchFamily="34" charset="0"/>
+              <a:buNone/>
+            </a:pPr>
+            <a:endParaRPr lang="zh-CN" altLang="en-US" dirty="0" smtClean="0"/>
+          </a:p>
+          <a:p>
+            <a:pPr marL="0" indent="0">
+              <a:buFont typeface="Arial" pitchFamily="34" charset="0"/>
+              <a:buNone/>
+            </a:pPr>
+            <a:endParaRPr lang="zh-CN" altLang="en-US" dirty="0"/>
+          </a:p>
+        </p:txBody>
+      </p:sp>
+      <p:sp>
+        <p:nvSpPr>
+          <p:cNvPr id="2" name="TextBox 1"/>
+          <p:cNvSpPr txBox="1"/>
+          <p:nvPr/>
+        </p:nvSpPr>
+        <p:spPr>
+          <a:xfrm>
+            <a:off x="547936" y="4883676"/>
+            <a:ext cx="10144744" cy="1569660"/>
+          </a:xfrm>
+          <a:prstGeom prst="rect">
+            <a:avLst/>
+          </a:prstGeom>
+          <a:noFill/>
+        </p:spPr>
+        <p:txBody>
+          <a:bodyPr wrap="square" rtlCol="0">
+            <a:spAutoFit/>
+          </a:bodyPr>
+          <a:lstStyle/>
+          <a:p>
+            <a:r>
+              <a:rPr lang="en-US" altLang="zh-CN" sz="1200" b="1" dirty="0"/>
+              <a:t> public function insert($</a:t>
+            </a:r>
+            <a:r>
+              <a:rPr lang="en-US" altLang="zh-CN" sz="1200" b="1" dirty="0" err="1"/>
+              <a:t>user_id</a:t>
+            </a:r>
+            <a:r>
+              <a:rPr lang="en-US" altLang="zh-CN" sz="1200" b="1" dirty="0"/>
+              <a:t> = 10) {</a:t>
+            </a:r>
+          </a:p>
+          <a:p>
+            <a:r>
+              <a:rPr lang="en-US" altLang="zh-CN" sz="1200" b="1" dirty="0"/>
+              <a:t>        $</a:t>
+            </a:r>
+            <a:r>
+              <a:rPr lang="en-US" altLang="zh-CN" sz="1200" b="1" dirty="0" err="1"/>
+              <a:t>sql</a:t>
+            </a:r>
+            <a:r>
+              <a:rPr lang="en-US" altLang="zh-CN" sz="1200" b="1" dirty="0"/>
+              <a:t> = "insert </a:t>
+            </a:r>
+            <a:r>
+              <a:rPr lang="en-US" altLang="zh-CN" sz="1200" b="1" dirty="0" err="1"/>
+              <a:t>sc_order</a:t>
+            </a:r>
+            <a:r>
+              <a:rPr lang="en-US" altLang="zh-CN" sz="1200" b="1" dirty="0"/>
+              <a:t> </a:t>
+            </a:r>
+            <a:r>
+              <a:rPr lang="en-US" altLang="zh-CN" sz="1200" b="1" dirty="0" smtClean="0"/>
+              <a:t>(</a:t>
+            </a:r>
+            <a:r>
+              <a:rPr lang="en-US" altLang="zh-CN" sz="1200" b="1" dirty="0" err="1" smtClean="0"/>
+              <a:t>id,order_sn,user_id,add_time,modify_time</a:t>
+            </a:r>
+            <a:r>
+              <a:rPr lang="en-US" altLang="zh-CN" sz="1200" b="1" dirty="0" smtClean="0"/>
+              <a:t>)value</a:t>
+            </a:r>
+            <a:r>
+              <a:rPr lang="en-US" altLang="zh-CN" sz="1200" b="1" dirty="0"/>
+              <a:t>(#id#,#</a:t>
+            </a:r>
+            <a:r>
+              <a:rPr lang="en-US" altLang="zh-CN" sz="1200" b="1" dirty="0" err="1"/>
+              <a:t>order_sn</a:t>
+            </a:r>
+            <a:r>
+              <a:rPr lang="en-US" altLang="zh-CN" sz="1200" b="1" dirty="0"/>
+              <a:t>#,#</a:t>
+            </a:r>
+            <a:r>
+              <a:rPr lang="en-US" altLang="zh-CN" sz="1200" b="1" dirty="0" err="1"/>
+              <a:t>user_id#,now</a:t>
+            </a:r>
+            <a:r>
+              <a:rPr lang="en-US" altLang="zh-CN" sz="1200" b="1" dirty="0"/>
+              <a:t>(),now()) ";</a:t>
+            </a:r>
+          </a:p>
+          <a:p>
+            <a:r>
+              <a:rPr lang="en-US" altLang="zh-CN" sz="1200" b="1" dirty="0"/>
+              <a:t>        $</a:t>
+            </a:r>
+            <a:r>
+              <a:rPr lang="en-US" altLang="zh-CN" sz="1200" b="1" dirty="0" err="1"/>
+              <a:t>params</a:t>
+            </a:r>
+            <a:r>
+              <a:rPr lang="en-US" altLang="zh-CN" sz="1200" b="1" dirty="0"/>
+              <a:t>['id'] = $this-&gt;sequence-&gt;</a:t>
+            </a:r>
+            <a:r>
+              <a:rPr lang="en-US" altLang="zh-CN" sz="1200" b="1" dirty="0" err="1"/>
+              <a:t>nextValue</a:t>
+            </a:r>
+            <a:r>
+              <a:rPr lang="en-US" altLang="zh-CN" sz="1200" b="1" dirty="0"/>
+              <a:t>('order');</a:t>
+            </a:r>
+          </a:p>
+          <a:p>
+            <a:r>
+              <a:rPr lang="en-US" altLang="zh-CN" sz="1200" b="1" dirty="0"/>
+              <a:t>        $</a:t>
+            </a:r>
+            <a:r>
+              <a:rPr lang="en-US" altLang="zh-CN" sz="1200" b="1" dirty="0" err="1"/>
+              <a:t>params</a:t>
+            </a:r>
+            <a:r>
+              <a:rPr lang="en-US" altLang="zh-CN" sz="1200" b="1" dirty="0"/>
+              <a:t>['</a:t>
+            </a:r>
+            <a:r>
+              <a:rPr lang="en-US" altLang="zh-CN" sz="1200" b="1" dirty="0" err="1"/>
+              <a:t>order_sn</a:t>
+            </a:r>
+            <a:r>
+              <a:rPr lang="en-US" altLang="zh-CN" sz="1200" b="1" dirty="0"/>
+              <a:t>'] = '</a:t>
+            </a:r>
+            <a:r>
+              <a:rPr lang="en-US" altLang="zh-CN" sz="1200" b="1" dirty="0" err="1"/>
+              <a:t>abc</a:t>
+            </a:r>
+            <a:r>
+              <a:rPr lang="en-US" altLang="zh-CN" sz="1200" b="1" dirty="0"/>
+              <a:t>';</a:t>
+            </a:r>
+          </a:p>
+          <a:p>
+            <a:r>
+              <a:rPr lang="en-US" altLang="zh-CN" sz="1200" b="1" dirty="0"/>
+              <a:t>        $</a:t>
+            </a:r>
+            <a:r>
+              <a:rPr lang="en-US" altLang="zh-CN" sz="1200" b="1" dirty="0" err="1"/>
+              <a:t>params</a:t>
+            </a:r>
+            <a:r>
+              <a:rPr lang="en-US" altLang="zh-CN" sz="1200" b="1" dirty="0"/>
+              <a:t>['</a:t>
+            </a:r>
+            <a:r>
+              <a:rPr lang="en-US" altLang="zh-CN" sz="1200" b="1" dirty="0" err="1"/>
+              <a:t>user_id</a:t>
+            </a:r>
+            <a:r>
+              <a:rPr lang="en-US" altLang="zh-CN" sz="1200" b="1" dirty="0"/>
+              <a:t>'] = $</a:t>
+            </a:r>
+            <a:r>
+              <a:rPr lang="en-US" altLang="zh-CN" sz="1200" b="1" dirty="0" err="1"/>
+              <a:t>user_id</a:t>
+            </a:r>
+            <a:r>
+              <a:rPr lang="en-US" altLang="zh-CN" sz="1200" b="1" dirty="0"/>
+              <a:t>;</a:t>
+            </a:r>
+          </a:p>
+          <a:p>
+            <a:r>
+              <a:rPr lang="en-US" altLang="zh-CN" sz="1200" b="1" dirty="0"/>
+              <a:t>        $this-&gt;</a:t>
+            </a:r>
+            <a:r>
+              <a:rPr lang="en-US" altLang="zh-CN" sz="1200" b="1" dirty="0" err="1"/>
+              <a:t>dbroute</a:t>
+            </a:r>
+            <a:r>
+              <a:rPr lang="en-US" altLang="zh-CN" sz="1200" b="1" dirty="0"/>
+              <a:t>-&gt;insert($</a:t>
+            </a:r>
+            <a:r>
+              <a:rPr lang="en-US" altLang="zh-CN" sz="1200" b="1" dirty="0" err="1"/>
+              <a:t>sql</a:t>
+            </a:r>
+            <a:r>
+              <a:rPr lang="en-US" altLang="zh-CN" sz="1200" b="1" dirty="0"/>
+              <a:t>, $</a:t>
+            </a:r>
+            <a:r>
+              <a:rPr lang="en-US" altLang="zh-CN" sz="1200" b="1" dirty="0" err="1"/>
+              <a:t>params</a:t>
+            </a:r>
+            <a:r>
+              <a:rPr lang="en-US" altLang="zh-CN" sz="1200" b="1" dirty="0"/>
+              <a:t>);</a:t>
+            </a:r>
+          </a:p>
+          <a:p>
+            <a:r>
+              <a:rPr lang="en-US" altLang="zh-CN" sz="1200" b="1" dirty="0"/>
+              <a:t>        return </a:t>
+            </a:r>
+            <a:r>
+              <a:rPr lang="en-US" altLang="zh-CN" sz="1200" b="1" dirty="0">
+                <a:solidFill>
+                  <a:srgbClr val="FF0000"/>
+                </a:solidFill>
+              </a:rPr>
+              <a:t>$</a:t>
+            </a:r>
+            <a:r>
+              <a:rPr lang="en-US" altLang="zh-CN" sz="1200" b="1" dirty="0" err="1">
+                <a:solidFill>
+                  <a:srgbClr val="FF0000"/>
+                </a:solidFill>
+              </a:rPr>
+              <a:t>params</a:t>
+            </a:r>
+            <a:r>
+              <a:rPr lang="en-US" altLang="zh-CN" sz="1200" b="1" dirty="0">
+                <a:solidFill>
+                  <a:srgbClr val="FF0000"/>
+                </a:solidFill>
+              </a:rPr>
+              <a:t>['id'];</a:t>
+            </a:r>
+          </a:p>
+          <a:p>
+            <a:r>
+              <a:rPr lang="zh-CN" altLang="en-US" sz="1200" b="1" dirty="0"/>
+              <a:t>    </a:t>
+            </a:r>
+            <a:r>
+              <a:rPr lang="en-US" altLang="zh-CN" sz="1200" b="1" dirty="0"/>
+              <a:t>}</a:t>
+            </a:r>
+            <a:endParaRPr lang="zh-CN" altLang="en-US" sz="1200" b="1" dirty="0"/>
           </a:p>
         </p:txBody>
       </p:sp>

--- a/dbroute.pptx
+++ b/dbroute.pptx
@@ -5,7 +5,7 @@
     <p:sldMasterId id="2147483648" r:id="rId1"/>
   </p:sldMasterIdLst>
   <p:notesMasterIdLst>
-    <p:notesMasterId r:id="rId29"/>
+    <p:notesMasterId r:id="rId30"/>
   </p:notesMasterIdLst>
   <p:sldIdLst>
     <p:sldId id="256" r:id="rId2"/>
@@ -24,17 +24,18 @@
     <p:sldId id="357" r:id="rId15"/>
     <p:sldId id="358" r:id="rId16"/>
     <p:sldId id="366" r:id="rId17"/>
-    <p:sldId id="359" r:id="rId18"/>
-    <p:sldId id="353" r:id="rId19"/>
-    <p:sldId id="354" r:id="rId20"/>
-    <p:sldId id="360" r:id="rId21"/>
-    <p:sldId id="300" r:id="rId22"/>
-    <p:sldId id="364" r:id="rId23"/>
-    <p:sldId id="365" r:id="rId24"/>
-    <p:sldId id="363" r:id="rId25"/>
-    <p:sldId id="361" r:id="rId26"/>
-    <p:sldId id="362" r:id="rId27"/>
-    <p:sldId id="284" r:id="rId28"/>
+    <p:sldId id="367" r:id="rId18"/>
+    <p:sldId id="359" r:id="rId19"/>
+    <p:sldId id="353" r:id="rId20"/>
+    <p:sldId id="354" r:id="rId21"/>
+    <p:sldId id="360" r:id="rId22"/>
+    <p:sldId id="300" r:id="rId23"/>
+    <p:sldId id="364" r:id="rId24"/>
+    <p:sldId id="365" r:id="rId25"/>
+    <p:sldId id="363" r:id="rId26"/>
+    <p:sldId id="361" r:id="rId27"/>
+    <p:sldId id="362" r:id="rId28"/>
+    <p:sldId id="284" r:id="rId29"/>
   </p:sldIdLst>
   <p:sldSz cx="9144000" cy="6858000" type="screen4x3"/>
   <p:notesSz cx="6858000" cy="9144000"/>
@@ -57,15 +58,15 @@
         <p:sld r:id="rId15"/>
         <p:sld r:id="rId16"/>
         <p:sld r:id="rId17"/>
-        <p:sld r:id="rId18"/>
         <p:sld r:id="rId19"/>
         <p:sld r:id="rId20"/>
         <p:sld r:id="rId21"/>
         <p:sld r:id="rId22"/>
         <p:sld r:id="rId23"/>
         <p:sld r:id="rId24"/>
-        <p:sld r:id="rId27"/>
+        <p:sld r:id="rId25"/>
         <p:sld r:id="rId28"/>
+        <p:sld r:id="rId29"/>
       </p:sldLst>
     </p:custShow>
   </p:custShowLst>
@@ -419,7 +420,7 @@
     </p:spTree>
     <p:extLst>
       <p:ext uri="{BB962C8B-B14F-4D97-AF65-F5344CB8AC3E}">
-        <p14:creationId xmlns:p14="http://schemas.microsoft.com/office/powerpoint/2010/main" val="2394534580"/>
+        <p14:creationId xmlns:p14="http://schemas.microsoft.com/office/powerpoint/2010/main" xmlns="" val="2394534580"/>
       </p:ext>
     </p:extLst>
   </p:cSld>
@@ -594,7 +595,7 @@
     </p:spTree>
     <p:extLst>
       <p:ext uri="{BB962C8B-B14F-4D97-AF65-F5344CB8AC3E}">
-        <p14:creationId xmlns:p14="http://schemas.microsoft.com/office/powerpoint/2010/main" val="3697012501"/>
+        <p14:creationId xmlns:p14="http://schemas.microsoft.com/office/powerpoint/2010/main" xmlns="" val="3697012501"/>
       </p:ext>
     </p:extLst>
   </p:cSld>
@@ -778,7 +779,7 @@
     </p:spTree>
     <p:extLst>
       <p:ext uri="{BB962C8B-B14F-4D97-AF65-F5344CB8AC3E}">
-        <p14:creationId xmlns:p14="http://schemas.microsoft.com/office/powerpoint/2010/main" val="4005358060"/>
+        <p14:creationId xmlns:p14="http://schemas.microsoft.com/office/powerpoint/2010/main" xmlns="" val="4005358060"/>
       </p:ext>
     </p:extLst>
   </p:cSld>
@@ -4337,7 +4338,7 @@
     </p:spTree>
     <p:extLst>
       <p:ext uri="{BB962C8B-B14F-4D97-AF65-F5344CB8AC3E}">
-        <p14:creationId xmlns:p14="http://schemas.microsoft.com/office/powerpoint/2010/main" val="3501443844"/>
+        <p14:creationId xmlns:p14="http://schemas.microsoft.com/office/powerpoint/2010/main" xmlns="" val="3501443844"/>
       </p:ext>
     </p:extLst>
   </p:cSld>
@@ -4871,7 +4872,7 @@
     </p:spTree>
     <p:extLst>
       <p:ext uri="{BB962C8B-B14F-4D97-AF65-F5344CB8AC3E}">
-        <p14:creationId xmlns:p14="http://schemas.microsoft.com/office/powerpoint/2010/main" val="3178685452"/>
+        <p14:creationId xmlns:p14="http://schemas.microsoft.com/office/powerpoint/2010/main" xmlns="" val="3178685452"/>
       </p:ext>
     </p:extLst>
   </p:cSld>
@@ -5948,7 +5949,7 @@
     </p:spTree>
     <p:extLst>
       <p:ext uri="{BB962C8B-B14F-4D97-AF65-F5344CB8AC3E}">
-        <p14:creationId xmlns:p14="http://schemas.microsoft.com/office/powerpoint/2010/main" val="1189974938"/>
+        <p14:creationId xmlns:p14="http://schemas.microsoft.com/office/powerpoint/2010/main" xmlns="" val="1189974938"/>
       </p:ext>
     </p:extLst>
   </p:cSld>
@@ -6306,7 +6307,7 @@
     </p:spTree>
     <p:extLst>
       <p:ext uri="{BB962C8B-B14F-4D97-AF65-F5344CB8AC3E}">
-        <p14:creationId xmlns:p14="http://schemas.microsoft.com/office/powerpoint/2010/main" val="3577939053"/>
+        <p14:creationId xmlns:p14="http://schemas.microsoft.com/office/powerpoint/2010/main" xmlns="" val="3577939053"/>
       </p:ext>
     </p:extLst>
   </p:cSld>
@@ -7413,7 +7414,7 @@
           <a:blip r:embed="rId2">
             <a:extLst>
               <a:ext uri="{28A0092B-C50C-407E-A947-70E740481C1C}">
-                <a14:useLocalDpi xmlns:a14="http://schemas.microsoft.com/office/drawing/2010/main" val="0"/>
+                <a14:useLocalDpi xmlns:a14="http://schemas.microsoft.com/office/drawing/2010/main" xmlns="" val="0"/>
               </a:ext>
             </a:extLst>
           </a:blip>
@@ -7436,14 +7437,14 @@
           </a:ln>
           <a:extLst>
             <a:ext uri="{909E8E84-426E-40DD-AFC4-6F175D3DCCD1}">
-              <a14:hiddenFill xmlns:a14="http://schemas.microsoft.com/office/drawing/2010/main">
+              <a14:hiddenFill xmlns:a14="http://schemas.microsoft.com/office/drawing/2010/main" xmlns="">
                 <a:solidFill>
                   <a:schemeClr val="accent1"/>
                 </a:solidFill>
               </a14:hiddenFill>
             </a:ext>
             <a:ext uri="{91240B29-F687-4F45-9708-019B960494DF}">
-              <a14:hiddenLine xmlns:a14="http://schemas.microsoft.com/office/drawing/2010/main" w="9525">
+              <a14:hiddenLine xmlns:a14="http://schemas.microsoft.com/office/drawing/2010/main" xmlns="" w="9525">
                 <a:solidFill>
                   <a:schemeClr val="tx1"/>
                 </a:solidFill>
@@ -7458,7 +7459,7 @@
     </p:spTree>
     <p:extLst>
       <p:ext uri="{BB962C8B-B14F-4D97-AF65-F5344CB8AC3E}">
-        <p14:creationId xmlns:p14="http://schemas.microsoft.com/office/powerpoint/2010/main" val="2953659702"/>
+        <p14:creationId xmlns:p14="http://schemas.microsoft.com/office/powerpoint/2010/main" xmlns="" val="2953659702"/>
       </p:ext>
     </p:extLst>
   </p:cSld>
@@ -8077,7 +8078,7 @@
     </p:spTree>
     <p:extLst>
       <p:ext uri="{BB962C8B-B14F-4D97-AF65-F5344CB8AC3E}">
-        <p14:creationId xmlns:p14="http://schemas.microsoft.com/office/powerpoint/2010/main" val="2636048072"/>
+        <p14:creationId xmlns:p14="http://schemas.microsoft.com/office/powerpoint/2010/main" xmlns="" val="2636048072"/>
       </p:ext>
     </p:extLst>
   </p:cSld>
@@ -8498,7 +8499,7 @@
     </p:spTree>
     <p:extLst>
       <p:ext uri="{BB962C8B-B14F-4D97-AF65-F5344CB8AC3E}">
-        <p14:creationId xmlns:p14="http://schemas.microsoft.com/office/powerpoint/2010/main" val="505866645"/>
+        <p14:creationId xmlns:p14="http://schemas.microsoft.com/office/powerpoint/2010/main" xmlns="" val="505866645"/>
       </p:ext>
     </p:extLst>
   </p:cSld>
@@ -9227,7 +9228,7 @@
     </p:spTree>
     <p:extLst>
       <p:ext uri="{BB962C8B-B14F-4D97-AF65-F5344CB8AC3E}">
-        <p14:creationId xmlns:p14="http://schemas.microsoft.com/office/powerpoint/2010/main" val="3169500795"/>
+        <p14:creationId xmlns:p14="http://schemas.microsoft.com/office/powerpoint/2010/main" xmlns="" val="3169500795"/>
       </p:ext>
     </p:extLst>
   </p:cSld>
@@ -9263,67 +9264,6 @@
       </p:grpSpPr>
       <p:sp>
         <p:nvSpPr>
-          <p:cNvPr id="3" name="内容占位符 2"/>
-          <p:cNvSpPr>
-            <a:spLocks noGrp="1"/>
-          </p:cNvSpPr>
-          <p:nvPr>
-            <p:ph idx="1"/>
-          </p:nvPr>
-        </p:nvSpPr>
-        <p:spPr>
-          <a:xfrm>
-            <a:off x="323528" y="980728"/>
-            <a:ext cx="8568952" cy="5616624"/>
-          </a:xfrm>
-        </p:spPr>
-        <p:txBody>
-          <a:bodyPr>
-            <a:normAutofit/>
-          </a:bodyPr>
-          <a:lstStyle/>
-          <a:p>
-            <a:r>
-              <a:rPr lang="zh-CN" altLang="en-US" dirty="0" smtClean="0"/>
-              <a:t>未来</a:t>
-            </a:r>
-            <a:r>
-              <a:rPr lang="zh-CN" altLang="en-US" dirty="0"/>
-              <a:t>考虑使用</a:t>
-            </a:r>
-            <a:r>
-              <a:rPr lang="en-US" altLang="zh-CN" dirty="0"/>
-              <a:t>zookeeper</a:t>
-            </a:r>
-            <a:r>
-              <a:rPr lang="zh-CN" altLang="en-US" dirty="0"/>
-              <a:t>实现心跳监测</a:t>
-            </a:r>
-            <a:r>
-              <a:rPr lang="en-US" altLang="zh-CN" dirty="0"/>
-              <a:t>,</a:t>
-            </a:r>
-            <a:r>
-              <a:rPr lang="zh-CN" altLang="en-US" dirty="0"/>
-              <a:t>及时将宕机的读库剔除和加入</a:t>
-            </a:r>
-            <a:r>
-              <a:rPr lang="en-US" altLang="zh-CN" dirty="0"/>
-              <a:t>.</a:t>
-            </a:r>
-            <a:endParaRPr lang="en-US" altLang="zh-CN" dirty="0" smtClean="0">
-              <a:solidFill>
-                <a:srgbClr val="FF0000"/>
-              </a:solidFill>
-            </a:endParaRPr>
-          </a:p>
-          <a:p>
-            <a:endParaRPr lang="en-US" altLang="zh-CN" dirty="0" smtClean="0"/>
-          </a:p>
-        </p:txBody>
-      </p:sp>
-      <p:sp>
-        <p:nvSpPr>
           <p:cNvPr id="4" name="日期占位符 3"/>
           <p:cNvSpPr>
             <a:spLocks noGrp="1"/>
@@ -9408,7 +9348,7 @@
         </p:nvSpPr>
         <p:spPr>
           <a:xfrm>
-            <a:off x="251520" y="44624"/>
+            <a:off x="251520" y="-142900"/>
             <a:ext cx="7128792" cy="764704"/>
           </a:xfrm>
           <a:prstGeom prst="rect">
@@ -9448,21 +9388,3088 @@
           <a:p>
             <a:pPr algn="l"/>
             <a:r>
-              <a:rPr lang="en-US" altLang="zh-CN" sz="3200" b="1" dirty="0" smtClean="0"/>
-              <a:t>DBROUTE </a:t>
-            </a:r>
-            <a:r>
               <a:rPr lang="zh-CN" altLang="en-US" sz="3200" b="1" dirty="0" smtClean="0"/>
-              <a:t>未来</a:t>
+              <a:t>配置详解</a:t>
             </a:r>
             <a:endParaRPr lang="en-US" altLang="zh-CN" sz="3200" b="1" dirty="0"/>
+          </a:p>
+        </p:txBody>
+      </p:sp>
+      <p:sp>
+        <p:nvSpPr>
+          <p:cNvPr id="9" name="TextBox 8"/>
+          <p:cNvSpPr txBox="1"/>
+          <p:nvPr/>
+        </p:nvSpPr>
+        <p:spPr>
+          <a:xfrm>
+            <a:off x="214282" y="500042"/>
+            <a:ext cx="8929718" cy="6401753"/>
+          </a:xfrm>
+          <a:prstGeom prst="rect">
+            <a:avLst/>
+          </a:prstGeom>
+          <a:noFill/>
+        </p:spPr>
+        <p:txBody>
+          <a:bodyPr wrap="square" rtlCol="0">
+            <a:spAutoFit/>
+          </a:bodyPr>
+          <a:lstStyle/>
+          <a:p>
+            <a:r>
+              <a:rPr lang="en-US" altLang="zh-CN" sz="1000" dirty="0" smtClean="0">
+                <a:solidFill>
+                  <a:schemeClr val="tx1">
+                    <a:lumMod val="50000"/>
+                    <a:lumOff val="50000"/>
+                  </a:schemeClr>
+                </a:solidFill>
+              </a:rPr>
+              <a:t>/***************</a:t>
+            </a:r>
+            <a:r>
+              <a:rPr lang="zh-CN" altLang="en-US" sz="1000" dirty="0" smtClean="0">
+                <a:solidFill>
+                  <a:schemeClr val="tx1">
+                    <a:lumMod val="50000"/>
+                    <a:lumOff val="50000"/>
+                  </a:schemeClr>
+                </a:solidFill>
+              </a:rPr>
+              <a:t>用户退款详情库表配置</a:t>
+            </a:r>
+            <a:r>
+              <a:rPr lang="en-US" altLang="zh-CN" sz="1000" dirty="0" smtClean="0">
+                <a:solidFill>
+                  <a:schemeClr val="tx1">
+                    <a:lumMod val="50000"/>
+                    <a:lumOff val="50000"/>
+                  </a:schemeClr>
+                </a:solidFill>
+              </a:rPr>
+              <a:t>(</a:t>
+            </a:r>
+            <a:r>
+              <a:rPr lang="zh-CN" altLang="en-US" sz="1000" dirty="0" smtClean="0">
+                <a:solidFill>
+                  <a:schemeClr val="tx1">
+                    <a:lumMod val="50000"/>
+                    <a:lumOff val="50000"/>
+                  </a:schemeClr>
+                </a:solidFill>
+              </a:rPr>
+              <a:t>多库</a:t>
+            </a:r>
+            <a:r>
+              <a:rPr lang="en-US" altLang="zh-CN" sz="1000" dirty="0" smtClean="0">
+                <a:solidFill>
+                  <a:schemeClr val="tx1">
+                    <a:lumMod val="50000"/>
+                    <a:lumOff val="50000"/>
+                  </a:schemeClr>
+                </a:solidFill>
+              </a:rPr>
+              <a:t>)*************************************************************************************************/</a:t>
+            </a:r>
+          </a:p>
+          <a:p>
+            <a:r>
+              <a:rPr lang="en-US" altLang="zh-CN" sz="1000" dirty="0" smtClean="0">
+                <a:solidFill>
+                  <a:schemeClr val="tx1">
+                    <a:lumMod val="50000"/>
+                    <a:lumOff val="50000"/>
+                  </a:schemeClr>
+                </a:solidFill>
+              </a:rPr>
+              <a:t>$</a:t>
+            </a:r>
+            <a:r>
+              <a:rPr lang="en-US" altLang="zh-CN" sz="1000" dirty="0" err="1" smtClean="0">
+                <a:solidFill>
+                  <a:schemeClr val="tx1">
+                    <a:lumMod val="50000"/>
+                    <a:lumOff val="50000"/>
+                  </a:schemeClr>
+                </a:solidFill>
+              </a:rPr>
+              <a:t>multiple_config</a:t>
+            </a:r>
+            <a:r>
+              <a:rPr lang="en-US" altLang="zh-CN" sz="1000" dirty="0" smtClean="0">
+                <a:solidFill>
+                  <a:schemeClr val="tx1">
+                    <a:lumMod val="50000"/>
+                    <a:lumOff val="50000"/>
+                  </a:schemeClr>
+                </a:solidFill>
+              </a:rPr>
+              <a:t> = array();</a:t>
+            </a:r>
+          </a:p>
+          <a:p>
+            <a:r>
+              <a:rPr lang="en-US" altLang="zh-CN" sz="1000" dirty="0" smtClean="0">
+                <a:solidFill>
+                  <a:schemeClr val="tx1">
+                    <a:lumMod val="50000"/>
+                    <a:lumOff val="50000"/>
+                  </a:schemeClr>
+                </a:solidFill>
+              </a:rPr>
+              <a:t>$</a:t>
+            </a:r>
+            <a:r>
+              <a:rPr lang="en-US" altLang="zh-CN" sz="1000" dirty="0" err="1" smtClean="0">
+                <a:solidFill>
+                  <a:schemeClr val="tx1">
+                    <a:lumMod val="50000"/>
+                    <a:lumOff val="50000"/>
+                  </a:schemeClr>
+                </a:solidFill>
+              </a:rPr>
+              <a:t>multiple_config</a:t>
+            </a:r>
+            <a:r>
+              <a:rPr lang="en-US" altLang="zh-CN" sz="1000" dirty="0" smtClean="0">
+                <a:solidFill>
+                  <a:schemeClr val="tx1">
+                    <a:lumMod val="50000"/>
+                    <a:lumOff val="50000"/>
+                  </a:schemeClr>
+                </a:solidFill>
+              </a:rPr>
+              <a:t>['</a:t>
+            </a:r>
+            <a:r>
+              <a:rPr lang="en-US" altLang="zh-CN" sz="1000" dirty="0" err="1" smtClean="0">
+                <a:solidFill>
+                  <a:schemeClr val="tx1">
+                    <a:lumMod val="50000"/>
+                    <a:lumOff val="50000"/>
+                  </a:schemeClr>
+                </a:solidFill>
+              </a:rPr>
+              <a:t>user_name</a:t>
+            </a:r>
+            <a:r>
+              <a:rPr lang="en-US" altLang="zh-CN" sz="1000" dirty="0" smtClean="0">
+                <a:solidFill>
+                  <a:schemeClr val="tx1">
+                    <a:lumMod val="50000"/>
+                    <a:lumOff val="50000"/>
+                  </a:schemeClr>
+                </a:solidFill>
+              </a:rPr>
+              <a:t>'] = DB_USER_NAME; //db username</a:t>
+            </a:r>
+          </a:p>
+          <a:p>
+            <a:r>
+              <a:rPr lang="en-US" altLang="zh-CN" sz="1000" dirty="0" smtClean="0">
+                <a:solidFill>
+                  <a:schemeClr val="tx1">
+                    <a:lumMod val="50000"/>
+                    <a:lumOff val="50000"/>
+                  </a:schemeClr>
+                </a:solidFill>
+              </a:rPr>
+              <a:t>$</a:t>
+            </a:r>
+            <a:r>
+              <a:rPr lang="en-US" altLang="zh-CN" sz="1000" dirty="0" err="1" smtClean="0">
+                <a:solidFill>
+                  <a:schemeClr val="tx1">
+                    <a:lumMod val="50000"/>
+                    <a:lumOff val="50000"/>
+                  </a:schemeClr>
+                </a:solidFill>
+              </a:rPr>
+              <a:t>multiple_config</a:t>
+            </a:r>
+            <a:r>
+              <a:rPr lang="en-US" altLang="zh-CN" sz="1000" dirty="0" smtClean="0">
+                <a:solidFill>
+                  <a:schemeClr val="tx1">
+                    <a:lumMod val="50000"/>
+                    <a:lumOff val="50000"/>
+                  </a:schemeClr>
+                </a:solidFill>
+              </a:rPr>
+              <a:t>['</a:t>
+            </a:r>
+            <a:r>
+              <a:rPr lang="en-US" altLang="zh-CN" sz="1000" dirty="0" err="1" smtClean="0">
+                <a:solidFill>
+                  <a:schemeClr val="tx1">
+                    <a:lumMod val="50000"/>
+                    <a:lumOff val="50000"/>
+                  </a:schemeClr>
+                </a:solidFill>
+              </a:rPr>
+              <a:t>pass_word</a:t>
+            </a:r>
+            <a:r>
+              <a:rPr lang="en-US" altLang="zh-CN" sz="1000" dirty="0" smtClean="0">
+                <a:solidFill>
+                  <a:schemeClr val="tx1">
+                    <a:lumMod val="50000"/>
+                    <a:lumOff val="50000"/>
+                  </a:schemeClr>
+                </a:solidFill>
+              </a:rPr>
+              <a:t>'] = DB_PASSWORD; //db </a:t>
+            </a:r>
+            <a:r>
+              <a:rPr lang="en-US" altLang="zh-CN" sz="1000" dirty="0" err="1" smtClean="0">
+                <a:solidFill>
+                  <a:schemeClr val="tx1">
+                    <a:lumMod val="50000"/>
+                    <a:lumOff val="50000"/>
+                  </a:schemeClr>
+                </a:solidFill>
+              </a:rPr>
+              <a:t>pwd</a:t>
+            </a:r>
+            <a:endParaRPr lang="en-US" altLang="zh-CN" sz="1000" dirty="0" smtClean="0">
+              <a:solidFill>
+                <a:schemeClr val="tx1">
+                  <a:lumMod val="50000"/>
+                  <a:lumOff val="50000"/>
+                </a:schemeClr>
+              </a:solidFill>
+            </a:endParaRPr>
+          </a:p>
+          <a:p>
+            <a:r>
+              <a:rPr lang="en-US" altLang="zh-CN" sz="1000" dirty="0" smtClean="0">
+                <a:solidFill>
+                  <a:schemeClr val="tx1">
+                    <a:lumMod val="50000"/>
+                    <a:lumOff val="50000"/>
+                  </a:schemeClr>
+                </a:solidFill>
+              </a:rPr>
+              <a:t>$</a:t>
+            </a:r>
+            <a:r>
+              <a:rPr lang="en-US" altLang="zh-CN" sz="1000" dirty="0" err="1" smtClean="0">
+                <a:solidFill>
+                  <a:schemeClr val="tx1">
+                    <a:lumMod val="50000"/>
+                    <a:lumOff val="50000"/>
+                  </a:schemeClr>
+                </a:solidFill>
+              </a:rPr>
+              <a:t>multiple_config</a:t>
+            </a:r>
+            <a:r>
+              <a:rPr lang="en-US" altLang="zh-CN" sz="1000" dirty="0" smtClean="0">
+                <a:solidFill>
+                  <a:schemeClr val="tx1">
+                    <a:lumMod val="50000"/>
+                    <a:lumOff val="50000"/>
+                  </a:schemeClr>
+                </a:solidFill>
+              </a:rPr>
+              <a:t>['port'] = DB_PORT; //db port</a:t>
+            </a:r>
+          </a:p>
+          <a:p>
+            <a:endParaRPr lang="en-US" altLang="zh-CN" sz="1000" dirty="0" smtClean="0">
+              <a:solidFill>
+                <a:schemeClr val="tx1">
+                  <a:lumMod val="50000"/>
+                  <a:lumOff val="50000"/>
+                </a:schemeClr>
+              </a:solidFill>
+            </a:endParaRPr>
+          </a:p>
+          <a:p>
+            <a:r>
+              <a:rPr lang="en-US" altLang="zh-CN" sz="1000" dirty="0" smtClean="0">
+                <a:solidFill>
+                  <a:schemeClr val="tx1">
+                    <a:lumMod val="50000"/>
+                    <a:lumOff val="50000"/>
+                  </a:schemeClr>
+                </a:solidFill>
+              </a:rPr>
+              <a:t>$</a:t>
+            </a:r>
+            <a:r>
+              <a:rPr lang="en-US" altLang="zh-CN" sz="1000" dirty="0" err="1" smtClean="0">
+                <a:solidFill>
+                  <a:schemeClr val="tx1">
+                    <a:lumMod val="50000"/>
+                    <a:lumOff val="50000"/>
+                  </a:schemeClr>
+                </a:solidFill>
+              </a:rPr>
+              <a:t>multiple_config</a:t>
+            </a:r>
+            <a:r>
+              <a:rPr lang="en-US" altLang="zh-CN" sz="1000" dirty="0" smtClean="0">
+                <a:solidFill>
+                  <a:schemeClr val="tx1">
+                    <a:lumMod val="50000"/>
+                    <a:lumOff val="50000"/>
+                  </a:schemeClr>
+                </a:solidFill>
+              </a:rPr>
+              <a:t>[‘</a:t>
+            </a:r>
+            <a:r>
+              <a:rPr lang="en-US" altLang="zh-CN" sz="1000" dirty="0" err="1" smtClean="0">
+                <a:solidFill>
+                  <a:schemeClr val="tx1">
+                    <a:lumMod val="50000"/>
+                    <a:lumOff val="50000"/>
+                  </a:schemeClr>
+                </a:solidFill>
+              </a:rPr>
+              <a:t>db_prefix</a:t>
+            </a:r>
+            <a:r>
+              <a:rPr lang="en-US" altLang="zh-CN" sz="1000" dirty="0" smtClean="0">
+                <a:solidFill>
+                  <a:schemeClr val="tx1">
+                    <a:lumMod val="50000"/>
+                    <a:lumOff val="50000"/>
+                  </a:schemeClr>
+                </a:solidFill>
+              </a:rPr>
+              <a:t>’] </a:t>
+            </a:r>
+            <a:r>
+              <a:rPr lang="en-US" altLang="zh-CN" sz="1000" dirty="0" smtClean="0">
+                <a:solidFill>
+                  <a:schemeClr val="tx1">
+                    <a:lumMod val="50000"/>
+                    <a:lumOff val="50000"/>
+                  </a:schemeClr>
+                </a:solidFill>
+              </a:rPr>
+              <a:t>= </a:t>
+            </a:r>
+            <a:r>
+              <a:rPr lang="en-US" altLang="zh-CN" sz="1000" dirty="0" smtClean="0">
+                <a:solidFill>
+                  <a:schemeClr val="tx1">
+                    <a:lumMod val="50000"/>
+                    <a:lumOff val="50000"/>
+                  </a:schemeClr>
+                </a:solidFill>
+              </a:rPr>
+              <a:t>“sc_refund_0000”; </a:t>
+            </a:r>
+            <a:r>
+              <a:rPr lang="en-US" altLang="zh-CN" sz="1000" dirty="0" smtClean="0">
+                <a:solidFill>
+                  <a:schemeClr val="tx1">
+                    <a:lumMod val="50000"/>
+                    <a:lumOff val="50000"/>
+                  </a:schemeClr>
+                </a:solidFill>
+              </a:rPr>
+              <a:t>//</a:t>
+            </a:r>
+            <a:r>
+              <a:rPr lang="zh-CN" altLang="en-US" sz="1000" dirty="0" smtClean="0">
+                <a:solidFill>
+                  <a:schemeClr val="tx1">
+                    <a:lumMod val="50000"/>
+                    <a:lumOff val="50000"/>
+                  </a:schemeClr>
+                </a:solidFill>
+              </a:rPr>
+              <a:t>数据库前缀，生成类似</a:t>
+            </a:r>
+            <a:r>
+              <a:rPr lang="en-US" altLang="zh-CN" sz="1000" dirty="0" smtClean="0">
+                <a:solidFill>
+                  <a:schemeClr val="tx1">
+                    <a:lumMod val="50000"/>
+                    <a:lumOff val="50000"/>
+                  </a:schemeClr>
+                </a:solidFill>
+              </a:rPr>
+              <a:t>sc_refund_0000</a:t>
+            </a:r>
+            <a:r>
+              <a:rPr lang="zh-CN" altLang="en-US" sz="1000" dirty="0" smtClean="0">
+                <a:solidFill>
+                  <a:schemeClr val="tx1">
+                    <a:lumMod val="50000"/>
+                    <a:lumOff val="50000"/>
+                  </a:schemeClr>
+                </a:solidFill>
+              </a:rPr>
+              <a:t>、</a:t>
+            </a:r>
+            <a:r>
+              <a:rPr lang="en-US" altLang="zh-CN" sz="1000" dirty="0" smtClean="0">
+                <a:solidFill>
+                  <a:schemeClr val="tx1">
+                    <a:lumMod val="50000"/>
+                    <a:lumOff val="50000"/>
+                  </a:schemeClr>
+                </a:solidFill>
+              </a:rPr>
+              <a:t>sc_refund_0001...</a:t>
+            </a:r>
+            <a:r>
+              <a:rPr lang="en-US" altLang="zh-CN" sz="1000" dirty="0" smtClean="0">
+                <a:solidFill>
+                  <a:schemeClr val="tx1">
+                    <a:lumMod val="50000"/>
+                    <a:lumOff val="50000"/>
+                  </a:schemeClr>
+                </a:solidFill>
+              </a:rPr>
+              <a:t>sc_refund_1023,</a:t>
+            </a:r>
+            <a:r>
+              <a:rPr lang="zh-CN" altLang="en-US" sz="1000" dirty="0" smtClean="0">
+                <a:solidFill>
+                  <a:schemeClr val="tx1">
+                    <a:lumMod val="50000"/>
+                    <a:lumOff val="50000"/>
+                  </a:schemeClr>
+                </a:solidFill>
+              </a:rPr>
+              <a:t>单库可配置为实际</a:t>
+            </a:r>
+            <a:r>
+              <a:rPr lang="en-US" altLang="zh-CN" sz="1000" dirty="0" smtClean="0">
+                <a:solidFill>
+                  <a:schemeClr val="tx1">
+                    <a:lumMod val="50000"/>
+                    <a:lumOff val="50000"/>
+                  </a:schemeClr>
+                </a:solidFill>
+              </a:rPr>
+              <a:t>db</a:t>
+            </a:r>
+            <a:r>
+              <a:rPr lang="zh-CN" altLang="en-US" sz="1000" dirty="0" smtClean="0">
+                <a:solidFill>
+                  <a:schemeClr val="tx1">
+                    <a:lumMod val="50000"/>
+                    <a:lumOff val="50000"/>
+                  </a:schemeClr>
+                </a:solidFill>
+              </a:rPr>
+              <a:t>名称</a:t>
+            </a:r>
+            <a:endParaRPr lang="en-US" altLang="zh-CN" sz="1000" dirty="0" smtClean="0">
+              <a:solidFill>
+                <a:schemeClr val="tx1">
+                  <a:lumMod val="50000"/>
+                  <a:lumOff val="50000"/>
+                </a:schemeClr>
+              </a:solidFill>
+            </a:endParaRPr>
+          </a:p>
+          <a:p>
+            <a:r>
+              <a:rPr lang="en-US" altLang="zh-CN" sz="1000" dirty="0" smtClean="0">
+                <a:solidFill>
+                  <a:schemeClr val="tx1">
+                    <a:lumMod val="50000"/>
+                    <a:lumOff val="50000"/>
+                  </a:schemeClr>
+                </a:solidFill>
+              </a:rPr>
+              <a:t>$</a:t>
+            </a:r>
+            <a:r>
+              <a:rPr lang="en-US" altLang="zh-CN" sz="1000" dirty="0" err="1" smtClean="0">
+                <a:solidFill>
+                  <a:schemeClr val="tx1">
+                    <a:lumMod val="50000"/>
+                    <a:lumOff val="50000"/>
+                  </a:schemeClr>
+                </a:solidFill>
+              </a:rPr>
+              <a:t>multiple_config</a:t>
+            </a:r>
+            <a:r>
+              <a:rPr lang="en-US" altLang="zh-CN" sz="1000" dirty="0" smtClean="0">
+                <a:solidFill>
+                  <a:schemeClr val="tx1">
+                    <a:lumMod val="50000"/>
+                    <a:lumOff val="50000"/>
+                  </a:schemeClr>
+                </a:solidFill>
+              </a:rPr>
+              <a:t>['</a:t>
+            </a:r>
+            <a:r>
+              <a:rPr lang="en-US" altLang="zh-CN" sz="1000" dirty="0" err="1" smtClean="0">
+                <a:solidFill>
+                  <a:schemeClr val="tx1">
+                    <a:lumMod val="50000"/>
+                    <a:lumOff val="50000"/>
+                  </a:schemeClr>
+                </a:solidFill>
+              </a:rPr>
+              <a:t>table_prefix</a:t>
+            </a:r>
+            <a:r>
+              <a:rPr lang="en-US" altLang="zh-CN" sz="1000" dirty="0" smtClean="0">
+                <a:solidFill>
+                  <a:schemeClr val="tx1">
+                    <a:lumMod val="50000"/>
+                    <a:lumOff val="50000"/>
+                  </a:schemeClr>
+                </a:solidFill>
+              </a:rPr>
+              <a:t>'] = "refund_info_0000"; //</a:t>
+            </a:r>
+            <a:r>
+              <a:rPr lang="zh-CN" altLang="en-US" sz="1000" dirty="0" smtClean="0">
+                <a:solidFill>
+                  <a:schemeClr val="tx1">
+                    <a:lumMod val="50000"/>
+                    <a:lumOff val="50000"/>
+                  </a:schemeClr>
+                </a:solidFill>
+              </a:rPr>
+              <a:t>表名前缀，生成类似</a:t>
+            </a:r>
+            <a:r>
+              <a:rPr lang="en-US" altLang="zh-CN" sz="1000" dirty="0" smtClean="0">
+                <a:solidFill>
+                  <a:schemeClr val="tx1">
+                    <a:lumMod val="50000"/>
+                    <a:lumOff val="50000"/>
+                  </a:schemeClr>
+                </a:solidFill>
+              </a:rPr>
+              <a:t>refund_info_0000</a:t>
+            </a:r>
+            <a:r>
+              <a:rPr lang="zh-CN" altLang="en-US" sz="1000" dirty="0" smtClean="0">
+                <a:solidFill>
+                  <a:schemeClr val="tx1">
+                    <a:lumMod val="50000"/>
+                    <a:lumOff val="50000"/>
+                  </a:schemeClr>
+                </a:solidFill>
+              </a:rPr>
+              <a:t>、</a:t>
+            </a:r>
+            <a:r>
+              <a:rPr lang="en-US" altLang="zh-CN" sz="1000" dirty="0" smtClean="0">
+                <a:solidFill>
+                  <a:schemeClr val="tx1">
+                    <a:lumMod val="50000"/>
+                    <a:lumOff val="50000"/>
+                  </a:schemeClr>
+                </a:solidFill>
+              </a:rPr>
+              <a:t>refund_info_0001...refund_info_1023</a:t>
+            </a:r>
+          </a:p>
+          <a:p>
+            <a:r>
+              <a:rPr lang="en-US" altLang="zh-CN" sz="1000" dirty="0" smtClean="0">
+                <a:solidFill>
+                  <a:schemeClr val="tx1">
+                    <a:lumMod val="50000"/>
+                    <a:lumOff val="50000"/>
+                  </a:schemeClr>
+                </a:solidFill>
+              </a:rPr>
+              <a:t>$</a:t>
+            </a:r>
+            <a:r>
+              <a:rPr lang="en-US" altLang="zh-CN" sz="1000" dirty="0" err="1" smtClean="0">
+                <a:solidFill>
+                  <a:schemeClr val="tx1">
+                    <a:lumMod val="50000"/>
+                    <a:lumOff val="50000"/>
+                  </a:schemeClr>
+                </a:solidFill>
+              </a:rPr>
+              <a:t>multiple_config</a:t>
+            </a:r>
+            <a:r>
+              <a:rPr lang="en-US" altLang="zh-CN" sz="1000" dirty="0" smtClean="0">
+                <a:solidFill>
+                  <a:schemeClr val="tx1">
+                    <a:lumMod val="50000"/>
+                    <a:lumOff val="50000"/>
+                  </a:schemeClr>
+                </a:solidFill>
+              </a:rPr>
+              <a:t>['</a:t>
+            </a:r>
+            <a:r>
+              <a:rPr lang="en-US" altLang="zh-CN" sz="1000" dirty="0" err="1" smtClean="0">
+                <a:solidFill>
+                  <a:schemeClr val="tx1">
+                    <a:lumMod val="50000"/>
+                    <a:lumOff val="50000"/>
+                  </a:schemeClr>
+                </a:solidFill>
+              </a:rPr>
+              <a:t>logic_table</a:t>
+            </a:r>
+            <a:r>
+              <a:rPr lang="en-US" altLang="zh-CN" sz="1000" dirty="0" smtClean="0">
+                <a:solidFill>
+                  <a:schemeClr val="tx1">
+                    <a:lumMod val="50000"/>
+                    <a:lumOff val="50000"/>
+                  </a:schemeClr>
+                </a:solidFill>
+              </a:rPr>
+              <a:t>'] = "</a:t>
+            </a:r>
+            <a:r>
+              <a:rPr lang="en-US" altLang="zh-CN" sz="1000" dirty="0" err="1" smtClean="0">
+                <a:solidFill>
+                  <a:schemeClr val="tx1">
+                    <a:lumMod val="50000"/>
+                    <a:lumOff val="50000"/>
+                  </a:schemeClr>
+                </a:solidFill>
+              </a:rPr>
+              <a:t>sc_refund_info</a:t>
+            </a:r>
+            <a:r>
+              <a:rPr lang="en-US" altLang="zh-CN" sz="1000" dirty="0" smtClean="0">
+                <a:solidFill>
+                  <a:schemeClr val="tx1">
+                    <a:lumMod val="50000"/>
+                    <a:lumOff val="50000"/>
+                  </a:schemeClr>
+                </a:solidFill>
+              </a:rPr>
+              <a:t>"; //</a:t>
+            </a:r>
+            <a:r>
+              <a:rPr lang="zh-CN" altLang="en-US" sz="1000" dirty="0" smtClean="0">
+                <a:solidFill>
+                  <a:schemeClr val="tx1">
+                    <a:lumMod val="50000"/>
+                    <a:lumOff val="50000"/>
+                  </a:schemeClr>
+                </a:solidFill>
+              </a:rPr>
+              <a:t>逻辑表名不能为</a:t>
+            </a:r>
+            <a:r>
+              <a:rPr lang="en-US" altLang="zh-CN" sz="1000" dirty="0" err="1" smtClean="0">
+                <a:solidFill>
+                  <a:schemeClr val="tx1">
+                    <a:lumMod val="50000"/>
+                    <a:lumOff val="50000"/>
+                  </a:schemeClr>
+                </a:solidFill>
+              </a:rPr>
+              <a:t>sql</a:t>
+            </a:r>
+            <a:r>
+              <a:rPr lang="zh-CN" altLang="en-US" sz="1000" dirty="0" smtClean="0">
+                <a:solidFill>
+                  <a:schemeClr val="tx1">
+                    <a:lumMod val="50000"/>
+                    <a:lumOff val="50000"/>
+                  </a:schemeClr>
+                </a:solidFill>
+              </a:rPr>
+              <a:t>关键字</a:t>
+            </a:r>
+          </a:p>
+          <a:p>
+            <a:r>
+              <a:rPr lang="en-US" altLang="zh-CN" sz="1000" dirty="0" smtClean="0">
+                <a:solidFill>
+                  <a:schemeClr val="tx1">
+                    <a:lumMod val="50000"/>
+                    <a:lumOff val="50000"/>
+                  </a:schemeClr>
+                </a:solidFill>
+              </a:rPr>
+              <a:t>$</a:t>
+            </a:r>
+            <a:r>
+              <a:rPr lang="en-US" altLang="zh-CN" sz="1000" dirty="0" err="1" smtClean="0">
+                <a:solidFill>
+                  <a:schemeClr val="tx1">
+                    <a:lumMod val="50000"/>
+                    <a:lumOff val="50000"/>
+                  </a:schemeClr>
+                </a:solidFill>
+              </a:rPr>
+              <a:t>multiple_config</a:t>
+            </a:r>
+            <a:r>
+              <a:rPr lang="en-US" altLang="zh-CN" sz="1000" dirty="0" smtClean="0">
+                <a:solidFill>
+                  <a:schemeClr val="tx1">
+                    <a:lumMod val="50000"/>
+                    <a:lumOff val="50000"/>
+                  </a:schemeClr>
+                </a:solidFill>
+              </a:rPr>
+              <a:t>['</a:t>
+            </a:r>
+            <a:r>
+              <a:rPr lang="en-US" altLang="zh-CN" sz="1000" dirty="0" err="1" smtClean="0">
+                <a:solidFill>
+                  <a:schemeClr val="tx1">
+                    <a:lumMod val="50000"/>
+                    <a:lumOff val="50000"/>
+                  </a:schemeClr>
+                </a:solidFill>
+              </a:rPr>
+              <a:t>db_logic_column</a:t>
+            </a:r>
+            <a:r>
+              <a:rPr lang="en-US" altLang="zh-CN" sz="1000" dirty="0" smtClean="0">
+                <a:solidFill>
+                  <a:schemeClr val="tx1">
+                    <a:lumMod val="50000"/>
+                    <a:lumOff val="50000"/>
+                  </a:schemeClr>
+                </a:solidFill>
+              </a:rPr>
+              <a:t>'] = "</a:t>
+            </a:r>
+            <a:r>
+              <a:rPr lang="en-US" altLang="zh-CN" sz="1000" dirty="0" err="1" smtClean="0">
+                <a:solidFill>
+                  <a:schemeClr val="tx1">
+                    <a:lumMod val="50000"/>
+                    <a:lumOff val="50000"/>
+                  </a:schemeClr>
+                </a:solidFill>
+              </a:rPr>
+              <a:t>user_id</a:t>
+            </a:r>
+            <a:r>
+              <a:rPr lang="en-US" altLang="zh-CN" sz="1000" dirty="0" smtClean="0">
+                <a:solidFill>
+                  <a:schemeClr val="tx1">
+                    <a:lumMod val="50000"/>
+                    <a:lumOff val="50000"/>
+                  </a:schemeClr>
+                </a:solidFill>
+              </a:rPr>
+              <a:t>"; //</a:t>
+            </a:r>
+            <a:r>
+              <a:rPr lang="zh-CN" altLang="en-US" sz="1000" dirty="0" smtClean="0">
+                <a:solidFill>
+                  <a:schemeClr val="tx1">
+                    <a:lumMod val="50000"/>
+                    <a:lumOff val="50000"/>
+                  </a:schemeClr>
+                </a:solidFill>
+              </a:rPr>
+              <a:t>分库的列，执行</a:t>
+            </a:r>
+            <a:r>
+              <a:rPr lang="en-US" altLang="zh-CN" sz="1000" dirty="0" err="1" smtClean="0">
+                <a:solidFill>
+                  <a:schemeClr val="tx1">
+                    <a:lumMod val="50000"/>
+                    <a:lumOff val="50000"/>
+                  </a:schemeClr>
+                </a:solidFill>
+              </a:rPr>
+              <a:t>sql</a:t>
+            </a:r>
+            <a:r>
+              <a:rPr lang="zh-CN" altLang="en-US" sz="1000" dirty="0" smtClean="0">
+                <a:solidFill>
+                  <a:schemeClr val="tx1">
+                    <a:lumMod val="50000"/>
+                    <a:lumOff val="50000"/>
+                  </a:schemeClr>
+                </a:solidFill>
+              </a:rPr>
+              <a:t>语句时，要传递此参数</a:t>
+            </a:r>
+          </a:p>
+          <a:p>
+            <a:r>
+              <a:rPr lang="en-US" altLang="zh-CN" sz="1000" dirty="0" smtClean="0">
+                <a:solidFill>
+                  <a:schemeClr val="tx1">
+                    <a:lumMod val="50000"/>
+                    <a:lumOff val="50000"/>
+                  </a:schemeClr>
+                </a:solidFill>
+              </a:rPr>
+              <a:t>$</a:t>
+            </a:r>
+            <a:r>
+              <a:rPr lang="en-US" altLang="zh-CN" sz="1000" dirty="0" err="1" smtClean="0">
+                <a:solidFill>
+                  <a:schemeClr val="tx1">
+                    <a:lumMod val="50000"/>
+                    <a:lumOff val="50000"/>
+                  </a:schemeClr>
+                </a:solidFill>
+              </a:rPr>
+              <a:t>multiple_config</a:t>
+            </a:r>
+            <a:r>
+              <a:rPr lang="en-US" altLang="zh-CN" sz="1000" dirty="0" smtClean="0">
+                <a:solidFill>
+                  <a:schemeClr val="tx1">
+                    <a:lumMod val="50000"/>
+                    <a:lumOff val="50000"/>
+                  </a:schemeClr>
+                </a:solidFill>
+              </a:rPr>
+              <a:t>['</a:t>
+            </a:r>
+            <a:r>
+              <a:rPr lang="en-US" altLang="zh-CN" sz="1000" dirty="0" err="1" smtClean="0">
+                <a:solidFill>
+                  <a:schemeClr val="tx1">
+                    <a:lumMod val="50000"/>
+                    <a:lumOff val="50000"/>
+                  </a:schemeClr>
+                </a:solidFill>
+              </a:rPr>
+              <a:t>table_logic_column</a:t>
+            </a:r>
+            <a:r>
+              <a:rPr lang="en-US" altLang="zh-CN" sz="1000" dirty="0" smtClean="0">
+                <a:solidFill>
+                  <a:schemeClr val="tx1">
+                    <a:lumMod val="50000"/>
+                    <a:lumOff val="50000"/>
+                  </a:schemeClr>
+                </a:solidFill>
+              </a:rPr>
+              <a:t>'] = "</a:t>
+            </a:r>
+            <a:r>
+              <a:rPr lang="en-US" altLang="zh-CN" sz="1000" dirty="0" err="1" smtClean="0">
+                <a:solidFill>
+                  <a:schemeClr val="tx1">
+                    <a:lumMod val="50000"/>
+                    <a:lumOff val="50000"/>
+                  </a:schemeClr>
+                </a:solidFill>
+              </a:rPr>
+              <a:t>user_id</a:t>
+            </a:r>
+            <a:r>
+              <a:rPr lang="en-US" altLang="zh-CN" sz="1000" dirty="0" smtClean="0">
+                <a:solidFill>
+                  <a:schemeClr val="tx1">
+                    <a:lumMod val="50000"/>
+                    <a:lumOff val="50000"/>
+                  </a:schemeClr>
+                </a:solidFill>
+              </a:rPr>
+              <a:t>"; //</a:t>
+            </a:r>
+            <a:r>
+              <a:rPr lang="zh-CN" altLang="en-US" sz="1000" dirty="0" smtClean="0">
+                <a:solidFill>
+                  <a:schemeClr val="tx1">
+                    <a:lumMod val="50000"/>
+                    <a:lumOff val="50000"/>
+                  </a:schemeClr>
+                </a:solidFill>
+              </a:rPr>
+              <a:t>分表的列，执行</a:t>
+            </a:r>
+            <a:r>
+              <a:rPr lang="en-US" altLang="zh-CN" sz="1000" dirty="0" err="1" smtClean="0">
+                <a:solidFill>
+                  <a:schemeClr val="tx1">
+                    <a:lumMod val="50000"/>
+                    <a:lumOff val="50000"/>
+                  </a:schemeClr>
+                </a:solidFill>
+              </a:rPr>
+              <a:t>sql</a:t>
+            </a:r>
+            <a:r>
+              <a:rPr lang="zh-CN" altLang="en-US" sz="1000" dirty="0" smtClean="0">
+                <a:solidFill>
+                  <a:schemeClr val="tx1">
+                    <a:lumMod val="50000"/>
+                    <a:lumOff val="50000"/>
+                  </a:schemeClr>
+                </a:solidFill>
+              </a:rPr>
+              <a:t>语句时，要传递此参数</a:t>
+            </a:r>
+          </a:p>
+          <a:p>
+            <a:r>
+              <a:rPr lang="en-US" altLang="zh-CN" sz="1000" dirty="0" smtClean="0">
+                <a:solidFill>
+                  <a:schemeClr val="tx1">
+                    <a:lumMod val="50000"/>
+                    <a:lumOff val="50000"/>
+                  </a:schemeClr>
+                </a:solidFill>
+              </a:rPr>
+              <a:t>$</a:t>
+            </a:r>
+            <a:r>
+              <a:rPr lang="en-US" altLang="zh-CN" sz="1000" dirty="0" err="1" smtClean="0">
+                <a:solidFill>
+                  <a:schemeClr val="tx1">
+                    <a:lumMod val="50000"/>
+                    <a:lumOff val="50000"/>
+                  </a:schemeClr>
+                </a:solidFill>
+              </a:rPr>
+              <a:t>multiple_config</a:t>
+            </a:r>
+            <a:r>
+              <a:rPr lang="en-US" altLang="zh-CN" sz="1000" dirty="0" smtClean="0">
+                <a:solidFill>
+                  <a:schemeClr val="tx1">
+                    <a:lumMod val="50000"/>
+                    <a:lumOff val="50000"/>
+                  </a:schemeClr>
+                </a:solidFill>
+              </a:rPr>
+              <a:t>[‘</a:t>
+            </a:r>
+            <a:r>
+              <a:rPr lang="en-US" altLang="zh-CN" sz="1000" dirty="0" err="1" smtClean="0">
+                <a:solidFill>
+                  <a:schemeClr val="tx1">
+                    <a:lumMod val="50000"/>
+                    <a:lumOff val="50000"/>
+                  </a:schemeClr>
+                </a:solidFill>
+              </a:rPr>
+              <a:t>logic_column_field_type</a:t>
+            </a:r>
+            <a:r>
+              <a:rPr lang="en-US" altLang="zh-CN" sz="1000" dirty="0" smtClean="0">
+                <a:solidFill>
+                  <a:schemeClr val="tx1">
+                    <a:lumMod val="50000"/>
+                    <a:lumOff val="50000"/>
+                  </a:schemeClr>
+                </a:solidFill>
+              </a:rPr>
+              <a:t>’] </a:t>
+            </a:r>
+            <a:r>
+              <a:rPr lang="en-US" altLang="zh-CN" sz="1000" dirty="0" smtClean="0">
+                <a:solidFill>
+                  <a:schemeClr val="tx1">
+                    <a:lumMod val="50000"/>
+                    <a:lumOff val="50000"/>
+                  </a:schemeClr>
+                </a:solidFill>
+              </a:rPr>
+              <a:t>= </a:t>
+            </a:r>
+            <a:r>
+              <a:rPr lang="en-US" altLang="zh-CN" sz="1000" dirty="0" smtClean="0">
+                <a:solidFill>
+                  <a:schemeClr val="tx1">
+                    <a:lumMod val="50000"/>
+                    <a:lumOff val="50000"/>
+                  </a:schemeClr>
+                </a:solidFill>
+              </a:rPr>
+              <a:t>“</a:t>
+            </a:r>
+            <a:r>
+              <a:rPr lang="en-US" altLang="zh-CN" sz="1000" dirty="0" err="1" smtClean="0">
+                <a:solidFill>
+                  <a:schemeClr val="tx1">
+                    <a:lumMod val="50000"/>
+                    <a:lumOff val="50000"/>
+                  </a:schemeClr>
+                </a:solidFill>
+              </a:rPr>
+              <a:t>int</a:t>
+            </a:r>
+            <a:r>
+              <a:rPr lang="en-US" altLang="zh-CN" sz="1000" dirty="0" smtClean="0">
+                <a:solidFill>
+                  <a:schemeClr val="tx1">
+                    <a:lumMod val="50000"/>
+                    <a:lumOff val="50000"/>
+                  </a:schemeClr>
+                </a:solidFill>
+              </a:rPr>
+              <a:t>”; </a:t>
+            </a:r>
+            <a:r>
+              <a:rPr lang="en-US" altLang="zh-CN" sz="1000" dirty="0" smtClean="0">
+                <a:solidFill>
+                  <a:schemeClr val="tx1">
+                    <a:lumMod val="50000"/>
+                    <a:lumOff val="50000"/>
+                  </a:schemeClr>
+                </a:solidFill>
+              </a:rPr>
+              <a:t>//</a:t>
+            </a:r>
+            <a:r>
+              <a:rPr lang="zh-CN" altLang="en-US" sz="1000" dirty="0" smtClean="0">
+                <a:solidFill>
+                  <a:schemeClr val="tx1">
+                    <a:lumMod val="50000"/>
+                    <a:lumOff val="50000"/>
+                  </a:schemeClr>
+                </a:solidFill>
+              </a:rPr>
+              <a:t>分表的列值的</a:t>
+            </a:r>
+            <a:r>
+              <a:rPr lang="zh-CN" altLang="en-US" sz="1000" dirty="0" smtClean="0">
+                <a:solidFill>
+                  <a:schemeClr val="tx1">
+                    <a:lumMod val="50000"/>
+                    <a:lumOff val="50000"/>
+                  </a:schemeClr>
+                </a:solidFill>
+              </a:rPr>
+              <a:t>类型</a:t>
+            </a:r>
+            <a:r>
+              <a:rPr lang="en-US" altLang="zh-CN" sz="1000" dirty="0" smtClean="0">
+                <a:solidFill>
+                  <a:schemeClr val="tx1">
+                    <a:lumMod val="50000"/>
+                    <a:lumOff val="50000"/>
+                  </a:schemeClr>
+                </a:solidFill>
+              </a:rPr>
+              <a:t>,</a:t>
+            </a:r>
+            <a:r>
+              <a:rPr lang="zh-CN" altLang="en-US" sz="1000" dirty="0" smtClean="0">
+                <a:solidFill>
+                  <a:schemeClr val="tx1">
+                    <a:lumMod val="50000"/>
+                    <a:lumOff val="50000"/>
+                  </a:schemeClr>
+                </a:solidFill>
+              </a:rPr>
+              <a:t>可为</a:t>
+            </a:r>
+            <a:r>
+              <a:rPr lang="en-US" altLang="zh-CN" sz="1000" dirty="0" smtClean="0">
+                <a:solidFill>
+                  <a:schemeClr val="tx1">
+                    <a:lumMod val="50000"/>
+                    <a:lumOff val="50000"/>
+                  </a:schemeClr>
+                </a:solidFill>
+              </a:rPr>
+              <a:t>string </a:t>
+            </a:r>
+            <a:r>
+              <a:rPr lang="en-US" altLang="zh-CN" sz="1000" dirty="0" err="1" smtClean="0">
+                <a:solidFill>
+                  <a:schemeClr val="tx1">
+                    <a:lumMod val="50000"/>
+                    <a:lumOff val="50000"/>
+                  </a:schemeClr>
+                </a:solidFill>
+              </a:rPr>
+              <a:t>int</a:t>
+            </a:r>
+            <a:r>
+              <a:rPr lang="en-US" altLang="zh-CN" sz="1000" dirty="0" smtClean="0">
+                <a:solidFill>
+                  <a:schemeClr val="tx1">
+                    <a:lumMod val="50000"/>
+                    <a:lumOff val="50000"/>
+                  </a:schemeClr>
+                </a:solidFill>
+              </a:rPr>
+              <a:t> </a:t>
+            </a:r>
+            <a:r>
+              <a:rPr lang="zh-CN" altLang="en-US" sz="1000" dirty="0" smtClean="0">
+                <a:solidFill>
+                  <a:schemeClr val="tx1">
+                    <a:lumMod val="50000"/>
+                    <a:lumOff val="50000"/>
+                  </a:schemeClr>
+                </a:solidFill>
+              </a:rPr>
+              <a:t>或不设置此值</a:t>
+            </a:r>
+            <a:r>
+              <a:rPr lang="en-US" altLang="zh-CN" sz="1000" dirty="0" smtClean="0">
+                <a:solidFill>
+                  <a:schemeClr val="tx1">
+                    <a:lumMod val="50000"/>
+                    <a:lumOff val="50000"/>
+                  </a:schemeClr>
+                </a:solidFill>
+              </a:rPr>
+              <a:t>,</a:t>
+            </a:r>
+            <a:r>
+              <a:rPr lang="zh-CN" altLang="en-US" sz="1000" dirty="0" smtClean="0">
+                <a:solidFill>
+                  <a:schemeClr val="tx1">
+                    <a:lumMod val="50000"/>
+                    <a:lumOff val="50000"/>
+                  </a:schemeClr>
+                </a:solidFill>
+              </a:rPr>
+              <a:t>不设置表示是</a:t>
+            </a:r>
+            <a:r>
+              <a:rPr lang="en-US" altLang="zh-CN" sz="1000" dirty="0" err="1" smtClean="0">
+                <a:solidFill>
+                  <a:schemeClr val="tx1">
+                    <a:lumMod val="50000"/>
+                    <a:lumOff val="50000"/>
+                  </a:schemeClr>
+                </a:solidFill>
+              </a:rPr>
+              <a:t>int</a:t>
+            </a:r>
+            <a:endParaRPr lang="zh-CN" altLang="en-US" sz="1000" dirty="0" smtClean="0">
+              <a:solidFill>
+                <a:schemeClr val="tx1">
+                  <a:lumMod val="50000"/>
+                  <a:lumOff val="50000"/>
+                </a:schemeClr>
+              </a:solidFill>
+            </a:endParaRPr>
+          </a:p>
+          <a:p>
+            <a:r>
+              <a:rPr lang="en-US" altLang="zh-CN" sz="1000" dirty="0" smtClean="0">
+                <a:solidFill>
+                  <a:schemeClr val="tx1">
+                    <a:lumMod val="50000"/>
+                    <a:lumOff val="50000"/>
+                  </a:schemeClr>
+                </a:solidFill>
+              </a:rPr>
+              <a:t>$</a:t>
+            </a:r>
+            <a:r>
+              <a:rPr lang="en-US" altLang="zh-CN" sz="1000" dirty="0" err="1" smtClean="0">
+                <a:solidFill>
+                  <a:schemeClr val="tx1">
+                    <a:lumMod val="50000"/>
+                    <a:lumOff val="50000"/>
+                  </a:schemeClr>
+                </a:solidFill>
+              </a:rPr>
+              <a:t>multiple_config</a:t>
+            </a:r>
+            <a:r>
+              <a:rPr lang="en-US" altLang="zh-CN" sz="1000" dirty="0" smtClean="0">
+                <a:solidFill>
+                  <a:schemeClr val="tx1">
+                    <a:lumMod val="50000"/>
+                    <a:lumOff val="50000"/>
+                  </a:schemeClr>
+                </a:solidFill>
+              </a:rPr>
+              <a:t>['</a:t>
+            </a:r>
+            <a:r>
+              <a:rPr lang="en-US" altLang="zh-CN" sz="1000" dirty="0" err="1" smtClean="0">
+                <a:solidFill>
+                  <a:schemeClr val="tx1">
+                    <a:lumMod val="50000"/>
+                    <a:lumOff val="50000"/>
+                  </a:schemeClr>
+                </a:solidFill>
+              </a:rPr>
+              <a:t>select_in_logic_column</a:t>
+            </a:r>
+            <a:r>
+              <a:rPr lang="en-US" altLang="zh-CN" sz="1000" dirty="0" smtClean="0">
+                <a:solidFill>
+                  <a:schemeClr val="tx1">
+                    <a:lumMod val="50000"/>
+                    <a:lumOff val="50000"/>
+                  </a:schemeClr>
+                </a:solidFill>
+              </a:rPr>
+              <a:t>'] = "</a:t>
+            </a:r>
+            <a:r>
+              <a:rPr lang="en-US" altLang="zh-CN" sz="1000" dirty="0" err="1" smtClean="0">
+                <a:solidFill>
+                  <a:schemeClr val="tx1">
+                    <a:lumMod val="50000"/>
+                    <a:lumOff val="50000"/>
+                  </a:schemeClr>
+                </a:solidFill>
+              </a:rPr>
+              <a:t>user_ids</a:t>
+            </a:r>
+            <a:r>
+              <a:rPr lang="en-US" altLang="zh-CN" sz="1000" dirty="0" smtClean="0">
+                <a:solidFill>
+                  <a:schemeClr val="tx1">
+                    <a:lumMod val="50000"/>
+                    <a:lumOff val="50000"/>
+                  </a:schemeClr>
+                </a:solidFill>
+              </a:rPr>
+              <a:t>"; //select in </a:t>
+            </a:r>
+            <a:r>
+              <a:rPr lang="zh-CN" altLang="en-US" sz="1000" dirty="0" smtClean="0">
+                <a:solidFill>
+                  <a:schemeClr val="tx1">
+                    <a:lumMod val="50000"/>
+                    <a:lumOff val="50000"/>
+                  </a:schemeClr>
+                </a:solidFill>
+              </a:rPr>
+              <a:t>查询时时的参数</a:t>
+            </a:r>
+            <a:r>
+              <a:rPr lang="en-US" altLang="zh-CN" sz="1000" dirty="0" smtClean="0">
+                <a:solidFill>
+                  <a:schemeClr val="tx1">
+                    <a:lumMod val="50000"/>
+                    <a:lumOff val="50000"/>
+                  </a:schemeClr>
+                </a:solidFill>
+              </a:rPr>
+              <a:t>key</a:t>
+            </a:r>
+            <a:r>
+              <a:rPr lang="zh-CN" altLang="en-US" sz="1000" dirty="0" smtClean="0">
+                <a:solidFill>
+                  <a:schemeClr val="tx1">
+                    <a:lumMod val="50000"/>
+                    <a:lumOff val="50000"/>
+                  </a:schemeClr>
+                </a:solidFill>
+              </a:rPr>
+              <a:t>名</a:t>
+            </a:r>
+          </a:p>
+          <a:p>
+            <a:r>
+              <a:rPr lang="en-US" altLang="zh-CN" sz="1000" dirty="0" smtClean="0">
+                <a:solidFill>
+                  <a:srgbClr val="7030A0"/>
+                </a:solidFill>
+              </a:rPr>
+              <a:t>$</a:t>
+            </a:r>
+            <a:r>
+              <a:rPr lang="en-US" altLang="zh-CN" sz="1000" dirty="0" err="1" smtClean="0">
+                <a:solidFill>
+                  <a:srgbClr val="7030A0"/>
+                </a:solidFill>
+              </a:rPr>
+              <a:t>multiple_config</a:t>
+            </a:r>
+            <a:r>
+              <a:rPr lang="en-US" altLang="zh-CN" sz="1000" dirty="0" smtClean="0">
+                <a:solidFill>
+                  <a:srgbClr val="7030A0"/>
+                </a:solidFill>
+              </a:rPr>
+              <a:t>['</a:t>
+            </a:r>
+            <a:r>
+              <a:rPr lang="en-US" altLang="zh-CN" sz="1000" dirty="0" err="1" smtClean="0">
+                <a:solidFill>
+                  <a:srgbClr val="7030A0"/>
+                </a:solidFill>
+              </a:rPr>
+              <a:t>table_total_num</a:t>
+            </a:r>
+            <a:r>
+              <a:rPr lang="en-US" altLang="zh-CN" sz="1000" dirty="0" smtClean="0">
+                <a:solidFill>
+                  <a:srgbClr val="7030A0"/>
+                </a:solidFill>
+              </a:rPr>
+              <a:t>'] = 64; //</a:t>
+            </a:r>
+            <a:r>
+              <a:rPr lang="zh-CN" altLang="en-US" sz="1000" dirty="0" smtClean="0">
+                <a:solidFill>
+                  <a:srgbClr val="7030A0"/>
+                </a:solidFill>
+              </a:rPr>
+              <a:t>总表数</a:t>
+            </a:r>
+          </a:p>
+          <a:p>
+            <a:r>
+              <a:rPr lang="en-US" altLang="zh-CN" sz="1000" dirty="0" smtClean="0">
+                <a:solidFill>
+                  <a:srgbClr val="7030A0"/>
+                </a:solidFill>
+              </a:rPr>
+              <a:t>$</a:t>
+            </a:r>
+            <a:r>
+              <a:rPr lang="en-US" altLang="zh-CN" sz="1000" dirty="0" err="1" smtClean="0">
+                <a:solidFill>
+                  <a:srgbClr val="7030A0"/>
+                </a:solidFill>
+              </a:rPr>
+              <a:t>multiple_config</a:t>
+            </a:r>
+            <a:r>
+              <a:rPr lang="en-US" altLang="zh-CN" sz="1000" dirty="0" smtClean="0">
+                <a:solidFill>
+                  <a:srgbClr val="7030A0"/>
+                </a:solidFill>
+              </a:rPr>
+              <a:t>['</a:t>
+            </a:r>
+            <a:r>
+              <a:rPr lang="en-US" altLang="zh-CN" sz="1000" dirty="0" err="1" smtClean="0">
+                <a:solidFill>
+                  <a:srgbClr val="7030A0"/>
+                </a:solidFill>
+              </a:rPr>
+              <a:t>one_db_table_num</a:t>
+            </a:r>
+            <a:r>
+              <a:rPr lang="en-US" altLang="zh-CN" sz="1000" dirty="0" smtClean="0">
+                <a:solidFill>
+                  <a:srgbClr val="7030A0"/>
+                </a:solidFill>
+              </a:rPr>
+              <a:t>'] = 16; //</a:t>
+            </a:r>
+            <a:r>
+              <a:rPr lang="zh-CN" altLang="en-US" sz="1000" dirty="0" smtClean="0">
+                <a:solidFill>
+                  <a:srgbClr val="7030A0"/>
+                </a:solidFill>
+              </a:rPr>
+              <a:t>每个库里存放的表数</a:t>
+            </a:r>
+          </a:p>
+          <a:p>
+            <a:r>
+              <a:rPr lang="en-US" altLang="zh-CN" sz="1000" dirty="0" smtClean="0">
+                <a:solidFill>
+                  <a:schemeClr val="tx2"/>
+                </a:solidFill>
+              </a:rPr>
+              <a:t>$</a:t>
+            </a:r>
+            <a:r>
+              <a:rPr lang="en-US" altLang="zh-CN" sz="1000" dirty="0" err="1" smtClean="0">
+                <a:solidFill>
+                  <a:schemeClr val="tx2"/>
+                </a:solidFill>
+              </a:rPr>
+              <a:t>multiple_config</a:t>
+            </a:r>
+            <a:r>
+              <a:rPr lang="en-US" altLang="zh-CN" sz="1000" dirty="0" smtClean="0">
+                <a:solidFill>
+                  <a:schemeClr val="tx2"/>
+                </a:solidFill>
+              </a:rPr>
+              <a:t>['</a:t>
+            </a:r>
+            <a:r>
+              <a:rPr lang="en-US" altLang="zh-CN" sz="1000" dirty="0" err="1" smtClean="0">
+                <a:solidFill>
+                  <a:schemeClr val="tx2"/>
+                </a:solidFill>
+              </a:rPr>
+              <a:t>consistent_hash_separate_string</a:t>
+            </a:r>
+            <a:r>
+              <a:rPr lang="en-US" altLang="zh-CN" sz="1000" dirty="0" smtClean="0">
+                <a:solidFill>
+                  <a:schemeClr val="tx2"/>
+                </a:solidFill>
+              </a:rPr>
+              <a:t>'] = "[0,256]=sc_refund_0000;[256,512]=sc_refund_0001;[512,768]=sc_refund_0002;[768,1024]=sc_refund_0003";//</a:t>
+            </a:r>
+            <a:r>
+              <a:rPr lang="zh-CN" altLang="en-US" sz="1000" dirty="0" smtClean="0">
+                <a:solidFill>
+                  <a:schemeClr val="tx2"/>
+                </a:solidFill>
+              </a:rPr>
+              <a:t>一致性</a:t>
+            </a:r>
+            <a:r>
+              <a:rPr lang="en-US" altLang="zh-CN" sz="1000" dirty="0" smtClean="0">
+                <a:solidFill>
+                  <a:schemeClr val="tx2"/>
+                </a:solidFill>
+              </a:rPr>
+              <a:t>hash</a:t>
+            </a:r>
+            <a:r>
+              <a:rPr lang="zh-CN" altLang="en-US" sz="1000" dirty="0" smtClean="0">
+                <a:solidFill>
+                  <a:schemeClr val="tx2"/>
+                </a:solidFill>
+              </a:rPr>
+              <a:t>字符串区间</a:t>
+            </a:r>
+          </a:p>
+          <a:p>
+            <a:r>
+              <a:rPr lang="en-US" altLang="zh-CN" sz="1000" dirty="0" smtClean="0">
+                <a:solidFill>
+                  <a:schemeClr val="tx2"/>
+                </a:solidFill>
+              </a:rPr>
+              <a:t>$</a:t>
+            </a:r>
+            <a:r>
+              <a:rPr lang="en-US" altLang="zh-CN" sz="1000" dirty="0" err="1" smtClean="0">
+                <a:solidFill>
+                  <a:schemeClr val="tx2"/>
+                </a:solidFill>
+              </a:rPr>
+              <a:t>multiple_config</a:t>
+            </a:r>
+            <a:r>
+              <a:rPr lang="en-US" altLang="zh-CN" sz="1000" dirty="0" smtClean="0">
+                <a:solidFill>
+                  <a:schemeClr val="tx2"/>
+                </a:solidFill>
+              </a:rPr>
+              <a:t>['</a:t>
+            </a:r>
+            <a:r>
+              <a:rPr lang="en-US" altLang="zh-CN" sz="1000" dirty="0" err="1" smtClean="0">
+                <a:solidFill>
+                  <a:schemeClr val="tx2"/>
+                </a:solidFill>
+              </a:rPr>
+              <a:t>consistent_hash_separate_mod_max_value</a:t>
+            </a:r>
+            <a:r>
+              <a:rPr lang="en-US" altLang="zh-CN" sz="1000" dirty="0" smtClean="0">
+                <a:solidFill>
+                  <a:schemeClr val="tx2"/>
+                </a:solidFill>
+              </a:rPr>
+              <a:t>'] =1024;//</a:t>
+            </a:r>
+            <a:r>
+              <a:rPr lang="zh-CN" altLang="en-US" sz="1000" dirty="0" smtClean="0">
+                <a:solidFill>
+                  <a:schemeClr val="tx2"/>
+                </a:solidFill>
+              </a:rPr>
+              <a:t>一致性</a:t>
+            </a:r>
+            <a:r>
+              <a:rPr lang="en-US" altLang="zh-CN" sz="1000" dirty="0" smtClean="0">
+                <a:solidFill>
+                  <a:schemeClr val="tx2"/>
+                </a:solidFill>
+              </a:rPr>
+              <a:t>hash</a:t>
+            </a:r>
+            <a:r>
+              <a:rPr lang="zh-CN" altLang="en-US" sz="1000" dirty="0" smtClean="0">
+                <a:solidFill>
+                  <a:schemeClr val="tx2"/>
+                </a:solidFill>
+              </a:rPr>
+              <a:t>最大区间值</a:t>
+            </a:r>
+          </a:p>
+          <a:p>
+            <a:r>
+              <a:rPr lang="en-US" altLang="zh-CN" sz="1000" dirty="0" smtClean="0">
+                <a:solidFill>
+                  <a:schemeClr val="tx2"/>
+                </a:solidFill>
+              </a:rPr>
+              <a:t>$</a:t>
+            </a:r>
+            <a:r>
+              <a:rPr lang="en-US" altLang="zh-CN" sz="1000" dirty="0" err="1" smtClean="0">
+                <a:solidFill>
+                  <a:schemeClr val="tx2"/>
+                </a:solidFill>
+              </a:rPr>
+              <a:t>multiple_config</a:t>
+            </a:r>
+            <a:r>
+              <a:rPr lang="en-US" altLang="zh-CN" sz="1000" dirty="0" smtClean="0">
+                <a:solidFill>
+                  <a:schemeClr val="tx2"/>
+                </a:solidFill>
+              </a:rPr>
+              <a:t>[‘</a:t>
+            </a:r>
+            <a:r>
+              <a:rPr lang="en-US" altLang="zh-CN" sz="1000" dirty="0" err="1" smtClean="0">
+                <a:solidFill>
+                  <a:schemeClr val="tx2"/>
+                </a:solidFill>
+              </a:rPr>
+              <a:t>consistent_hash_one_db_one_table</a:t>
+            </a:r>
+            <a:r>
+              <a:rPr lang="en-US" altLang="zh-CN" sz="1000" dirty="0" smtClean="0">
+                <a:solidFill>
+                  <a:schemeClr val="tx2"/>
+                </a:solidFill>
+              </a:rPr>
+              <a:t>’] =false;//</a:t>
+            </a:r>
+            <a:r>
+              <a:rPr lang="zh-CN" altLang="en-US" sz="1000" dirty="0" smtClean="0">
+                <a:solidFill>
+                  <a:schemeClr val="tx2"/>
+                </a:solidFill>
+              </a:rPr>
+              <a:t>针对 </a:t>
+            </a:r>
+            <a:r>
+              <a:rPr lang="en-US" altLang="zh-CN" sz="1000" dirty="0" err="1" smtClean="0">
+                <a:solidFill>
+                  <a:schemeClr val="tx2"/>
+                </a:solidFill>
+              </a:rPr>
+              <a:t>consistent_hash</a:t>
+            </a:r>
+            <a:r>
+              <a:rPr lang="zh-CN" altLang="en-US" sz="1000" dirty="0" smtClean="0">
+                <a:solidFill>
+                  <a:schemeClr val="tx2"/>
+                </a:solidFill>
+              </a:rPr>
+              <a:t>有效</a:t>
+            </a:r>
+            <a:r>
+              <a:rPr lang="en-US" altLang="zh-CN" sz="1000" dirty="0" smtClean="0">
+                <a:solidFill>
+                  <a:schemeClr val="tx2"/>
+                </a:solidFill>
+              </a:rPr>
+              <a:t>,</a:t>
+            </a:r>
+            <a:r>
+              <a:rPr lang="zh-CN" altLang="en-US" sz="1000" dirty="0" smtClean="0">
+                <a:solidFill>
+                  <a:schemeClr val="tx2"/>
+                </a:solidFill>
+              </a:rPr>
+              <a:t>区间</a:t>
+            </a:r>
+            <a:r>
+              <a:rPr lang="zh-CN" altLang="en-US" sz="1000" dirty="0" smtClean="0">
+                <a:solidFill>
+                  <a:schemeClr val="tx2"/>
+                </a:solidFill>
+              </a:rPr>
+              <a:t>是否是是一库一</a:t>
+            </a:r>
+            <a:r>
+              <a:rPr lang="zh-CN" altLang="en-US" sz="1000" dirty="0" smtClean="0">
+                <a:solidFill>
+                  <a:schemeClr val="tx2"/>
+                </a:solidFill>
+              </a:rPr>
+              <a:t>表</a:t>
+            </a:r>
+            <a:r>
+              <a:rPr lang="en-US" altLang="zh-CN" sz="1000" dirty="0" smtClean="0">
+                <a:solidFill>
+                  <a:schemeClr val="tx2"/>
+                </a:solidFill>
+              </a:rPr>
+              <a:t>,</a:t>
+            </a:r>
+            <a:r>
+              <a:rPr lang="zh-CN" altLang="en-US" sz="1000" dirty="0" smtClean="0">
+                <a:solidFill>
+                  <a:schemeClr val="tx2"/>
+                </a:solidFill>
+              </a:rPr>
+              <a:t>如为</a:t>
+            </a:r>
+            <a:r>
+              <a:rPr lang="en-US" altLang="zh-CN" sz="1000" dirty="0" smtClean="0">
+                <a:solidFill>
+                  <a:schemeClr val="tx2"/>
+                </a:solidFill>
+              </a:rPr>
+              <a:t>true,</a:t>
+            </a:r>
+            <a:r>
+              <a:rPr lang="zh-CN" altLang="en-US" sz="1000" dirty="0" smtClean="0">
+                <a:solidFill>
+                  <a:schemeClr val="tx2"/>
+                </a:solidFill>
+              </a:rPr>
+              <a:t>上面的区间值中可为</a:t>
+            </a:r>
+            <a:r>
+              <a:rPr lang="en-US" altLang="zh-CN" sz="1000" dirty="0" smtClean="0">
+                <a:solidFill>
+                  <a:schemeClr val="tx2"/>
+                </a:solidFill>
+              </a:rPr>
+              <a:t>[0,500w] w</a:t>
+            </a:r>
+            <a:r>
+              <a:rPr lang="zh-CN" altLang="en-US" sz="1000" dirty="0" smtClean="0">
+                <a:solidFill>
+                  <a:schemeClr val="tx2"/>
+                </a:solidFill>
+              </a:rPr>
+              <a:t>表示万</a:t>
+            </a:r>
+            <a:endParaRPr lang="zh-CN" altLang="en-US" sz="1000" dirty="0" smtClean="0">
+              <a:solidFill>
+                <a:schemeClr val="tx2"/>
+              </a:solidFill>
+            </a:endParaRPr>
+          </a:p>
+          <a:p>
+            <a:r>
+              <a:rPr lang="en-US" altLang="zh-CN" sz="1000" dirty="0" smtClean="0">
+                <a:solidFill>
+                  <a:schemeClr val="tx2"/>
+                </a:solidFill>
+              </a:rPr>
+              <a:t>$</a:t>
+            </a:r>
+            <a:r>
+              <a:rPr lang="en-US" altLang="zh-CN" sz="1000" dirty="0" err="1" smtClean="0">
+                <a:solidFill>
+                  <a:schemeClr val="tx2"/>
+                </a:solidFill>
+              </a:rPr>
+              <a:t>multiple_config</a:t>
+            </a:r>
+            <a:r>
+              <a:rPr lang="en-US" altLang="zh-CN" sz="1000" dirty="0" smtClean="0">
+                <a:solidFill>
+                  <a:schemeClr val="tx2"/>
+                </a:solidFill>
+              </a:rPr>
+              <a:t>[‘</a:t>
+            </a:r>
+            <a:r>
+              <a:rPr lang="en-US" altLang="zh-CN" sz="1000" dirty="0" err="1" smtClean="0">
+                <a:solidFill>
+                  <a:schemeClr val="tx2"/>
+                </a:solidFill>
+              </a:rPr>
+              <a:t>virtual_db_node_number</a:t>
+            </a:r>
+            <a:r>
+              <a:rPr lang="en-US" altLang="zh-CN" sz="1000" dirty="0" smtClean="0">
+                <a:solidFill>
+                  <a:schemeClr val="tx2"/>
+                </a:solidFill>
+              </a:rPr>
+              <a:t>’] </a:t>
+            </a:r>
+            <a:r>
+              <a:rPr lang="en-US" altLang="zh-CN" sz="1000" dirty="0" smtClean="0">
+                <a:solidFill>
+                  <a:schemeClr val="tx2"/>
+                </a:solidFill>
+              </a:rPr>
+              <a:t>= 64; //</a:t>
+            </a:r>
+            <a:r>
+              <a:rPr lang="zh-CN" altLang="en-US" sz="1000" dirty="0" smtClean="0">
+                <a:solidFill>
+                  <a:schemeClr val="tx2"/>
+                </a:solidFill>
+              </a:rPr>
+              <a:t>虚拟节点数目 虚拟</a:t>
+            </a:r>
+            <a:r>
+              <a:rPr lang="en-US" altLang="zh-CN" sz="1000" dirty="0" smtClean="0">
+                <a:solidFill>
+                  <a:schemeClr val="tx2"/>
+                </a:solidFill>
+              </a:rPr>
+              <a:t>hash</a:t>
+            </a:r>
+            <a:r>
+              <a:rPr lang="zh-CN" altLang="en-US" sz="1000" dirty="0" smtClean="0">
+                <a:solidFill>
+                  <a:schemeClr val="tx2"/>
+                </a:solidFill>
+              </a:rPr>
+              <a:t>算法</a:t>
+            </a:r>
+            <a:r>
+              <a:rPr lang="zh-CN" altLang="en-US" sz="1000" dirty="0" smtClean="0">
+                <a:solidFill>
+                  <a:schemeClr val="tx2"/>
+                </a:solidFill>
+              </a:rPr>
+              <a:t>实现可设置此值</a:t>
+            </a:r>
+            <a:endParaRPr lang="zh-CN" altLang="en-US" sz="1000" dirty="0" smtClean="0">
+              <a:solidFill>
+                <a:schemeClr val="tx2"/>
+              </a:solidFill>
+            </a:endParaRPr>
+          </a:p>
+          <a:p>
+            <a:r>
+              <a:rPr lang="en-US" altLang="zh-CN" sz="1000" dirty="0" smtClean="0">
+                <a:solidFill>
+                  <a:schemeClr val="tx2"/>
+                </a:solidFill>
+              </a:rPr>
+              <a:t>$</a:t>
+            </a:r>
+            <a:r>
+              <a:rPr lang="en-US" altLang="zh-CN" sz="1000" dirty="0" err="1" smtClean="0">
+                <a:solidFill>
+                  <a:schemeClr val="tx2"/>
+                </a:solidFill>
+              </a:rPr>
+              <a:t>multiple_config</a:t>
+            </a:r>
+            <a:r>
+              <a:rPr lang="en-US" altLang="zh-CN" sz="1000" dirty="0" smtClean="0">
+                <a:solidFill>
+                  <a:schemeClr val="tx2"/>
+                </a:solidFill>
+              </a:rPr>
+              <a:t>['</a:t>
+            </a:r>
+            <a:r>
+              <a:rPr lang="en-US" altLang="zh-CN" sz="1000" dirty="0" err="1" smtClean="0">
+                <a:solidFill>
+                  <a:schemeClr val="tx2"/>
+                </a:solidFill>
+              </a:rPr>
+              <a:t>db_hash_type</a:t>
+            </a:r>
+            <a:r>
+              <a:rPr lang="en-US" altLang="zh-CN" sz="1000" dirty="0" smtClean="0">
+                <a:solidFill>
+                  <a:schemeClr val="tx2"/>
+                </a:solidFill>
+              </a:rPr>
+              <a:t>'] ='</a:t>
+            </a:r>
+            <a:r>
+              <a:rPr lang="en-US" altLang="zh-CN" sz="1000" dirty="0" err="1" smtClean="0">
+                <a:solidFill>
+                  <a:schemeClr val="tx2"/>
+                </a:solidFill>
+              </a:rPr>
+              <a:t>virtual_hash</a:t>
+            </a:r>
+            <a:r>
+              <a:rPr lang="en-US" altLang="zh-CN" sz="1000" dirty="0" smtClean="0">
+                <a:solidFill>
+                  <a:schemeClr val="tx2"/>
+                </a:solidFill>
+              </a:rPr>
+              <a:t>';//</a:t>
+            </a:r>
+            <a:r>
+              <a:rPr lang="zh-CN" altLang="en-US" sz="1000" dirty="0" smtClean="0">
+                <a:solidFill>
+                  <a:schemeClr val="tx2"/>
+                </a:solidFill>
+              </a:rPr>
+              <a:t>可为  </a:t>
+            </a:r>
+            <a:r>
+              <a:rPr lang="en-US" altLang="zh-CN" sz="1000" dirty="0" err="1" smtClean="0">
+                <a:solidFill>
+                  <a:schemeClr val="tx2"/>
+                </a:solidFill>
+              </a:rPr>
+              <a:t>consistent_hash</a:t>
+            </a:r>
+            <a:r>
+              <a:rPr lang="en-US" altLang="zh-CN" sz="1000" dirty="0" smtClean="0">
+                <a:solidFill>
+                  <a:schemeClr val="tx2"/>
+                </a:solidFill>
+              </a:rPr>
+              <a:t>(</a:t>
+            </a:r>
+            <a:r>
+              <a:rPr lang="zh-CN" altLang="en-US" sz="1000" dirty="0" smtClean="0">
+                <a:solidFill>
+                  <a:schemeClr val="tx2"/>
+                </a:solidFill>
+              </a:rPr>
+              <a:t>必需设置</a:t>
+            </a:r>
+            <a:r>
+              <a:rPr lang="en-US" altLang="zh-CN" sz="1000" dirty="0" err="1" smtClean="0">
+                <a:solidFill>
+                  <a:schemeClr val="tx2"/>
+                </a:solidFill>
+              </a:rPr>
+              <a:t>key:consistent_hash_separate_string</a:t>
+            </a:r>
+            <a:r>
+              <a:rPr lang="zh-CN" altLang="en-US" sz="1000" dirty="0" smtClean="0">
+                <a:solidFill>
+                  <a:schemeClr val="tx2"/>
+                </a:solidFill>
+              </a:rPr>
+              <a:t>及</a:t>
+            </a:r>
+            <a:r>
+              <a:rPr lang="en-US" altLang="zh-CN" sz="1000" dirty="0" err="1" smtClean="0">
+                <a:solidFill>
+                  <a:schemeClr val="tx2"/>
+                </a:solidFill>
+              </a:rPr>
+              <a:t>consistent_hash_separate_mod_max_value</a:t>
+            </a:r>
+            <a:r>
+              <a:rPr lang="en-US" altLang="zh-CN" sz="1000" dirty="0" smtClean="0">
+                <a:solidFill>
+                  <a:schemeClr val="tx2"/>
+                </a:solidFill>
+              </a:rPr>
+              <a:t>) ||</a:t>
+            </a:r>
+            <a:r>
+              <a:rPr lang="en-US" altLang="zh-CN" sz="1000" dirty="0" err="1" smtClean="0">
+                <a:solidFill>
+                  <a:schemeClr val="tx2"/>
+                </a:solidFill>
+              </a:rPr>
+              <a:t>virtual_hash</a:t>
+            </a:r>
+            <a:r>
+              <a:rPr lang="en-US" altLang="zh-CN" sz="1000" dirty="0" smtClean="0">
+                <a:solidFill>
+                  <a:schemeClr val="tx2"/>
+                </a:solidFill>
+              </a:rPr>
+              <a:t>(</a:t>
+            </a:r>
+            <a:r>
+              <a:rPr lang="zh-CN" altLang="en-US" sz="1000" dirty="0" smtClean="0">
+                <a:solidFill>
+                  <a:schemeClr val="tx2"/>
+                </a:solidFill>
+              </a:rPr>
+              <a:t>必需设置</a:t>
+            </a:r>
+            <a:r>
+              <a:rPr lang="en-US" altLang="zh-CN" sz="1000" dirty="0" err="1" smtClean="0">
+                <a:solidFill>
+                  <a:schemeClr val="tx2"/>
+                </a:solidFill>
+              </a:rPr>
+              <a:t>key:virtual_db_node_number</a:t>
+            </a:r>
+            <a:r>
+              <a:rPr lang="en-US" altLang="zh-CN" sz="1000" dirty="0" smtClean="0">
+                <a:solidFill>
+                  <a:schemeClr val="tx2"/>
+                </a:solidFill>
+              </a:rPr>
+              <a:t>) ||</a:t>
+            </a:r>
+            <a:r>
+              <a:rPr lang="en-US" altLang="zh-CN" sz="1000" dirty="0" err="1" smtClean="0">
+                <a:solidFill>
+                  <a:schemeClr val="tx2"/>
+                </a:solidFill>
+              </a:rPr>
+              <a:t>mod_hash</a:t>
+            </a:r>
+            <a:r>
+              <a:rPr lang="en-US" altLang="zh-CN" sz="1000" dirty="0" smtClean="0">
+                <a:solidFill>
+                  <a:schemeClr val="tx2"/>
+                </a:solidFill>
+              </a:rPr>
+              <a:t> </a:t>
+            </a:r>
+            <a:r>
+              <a:rPr lang="zh-CN" altLang="en-US" sz="1000" dirty="0" smtClean="0">
+                <a:solidFill>
+                  <a:schemeClr val="tx2"/>
+                </a:solidFill>
+              </a:rPr>
+              <a:t>，如果不设置，则默认为 </a:t>
+            </a:r>
+            <a:r>
+              <a:rPr lang="en-US" altLang="zh-CN" sz="1000" dirty="0" err="1" smtClean="0">
+                <a:solidFill>
+                  <a:schemeClr val="tx2"/>
+                </a:solidFill>
+              </a:rPr>
+              <a:t>mod_hash</a:t>
+            </a:r>
+            <a:endParaRPr lang="en-US" altLang="zh-CN" sz="1000" dirty="0" smtClean="0">
+              <a:solidFill>
+                <a:schemeClr val="tx2"/>
+              </a:solidFill>
+            </a:endParaRPr>
+          </a:p>
+          <a:p>
+            <a:r>
+              <a:rPr lang="en-US" altLang="zh-CN" sz="1000" dirty="0" smtClean="0">
+                <a:solidFill>
+                  <a:srgbClr val="FF0000"/>
+                </a:solidFill>
+              </a:rPr>
+              <a:t>$</a:t>
+            </a:r>
+            <a:r>
+              <a:rPr lang="en-US" altLang="zh-CN" sz="1000" dirty="0" err="1" smtClean="0">
+                <a:solidFill>
+                  <a:srgbClr val="FF0000"/>
+                </a:solidFill>
+              </a:rPr>
+              <a:t>multiple_config</a:t>
+            </a:r>
+            <a:r>
+              <a:rPr lang="en-US" altLang="zh-CN" sz="1000" dirty="0" smtClean="0">
+                <a:solidFill>
+                  <a:srgbClr val="FF0000"/>
+                </a:solidFill>
+              </a:rPr>
+              <a:t>['</a:t>
+            </a:r>
+            <a:r>
+              <a:rPr lang="en-US" altLang="zh-CN" sz="1000" dirty="0" err="1" smtClean="0">
+                <a:solidFill>
+                  <a:srgbClr val="FF0000"/>
+                </a:solidFill>
+              </a:rPr>
+              <a:t>is_date_table</a:t>
+            </a:r>
+            <a:r>
+              <a:rPr lang="en-US" altLang="zh-CN" sz="1000" dirty="0" smtClean="0">
+                <a:solidFill>
+                  <a:srgbClr val="FF0000"/>
+                </a:solidFill>
+              </a:rPr>
+              <a:t>'] = true; //</a:t>
+            </a:r>
+            <a:r>
+              <a:rPr lang="zh-CN" altLang="en-US" sz="1000" dirty="0" smtClean="0">
+                <a:solidFill>
+                  <a:srgbClr val="FF0000"/>
+                </a:solidFill>
+              </a:rPr>
+              <a:t>是否按时间分表</a:t>
+            </a:r>
+            <a:r>
+              <a:rPr lang="en-US" altLang="zh-CN" sz="1000" dirty="0" smtClean="0">
+                <a:solidFill>
+                  <a:srgbClr val="FF0000"/>
+                </a:solidFill>
+              </a:rPr>
+              <a:t>,</a:t>
+            </a:r>
+            <a:r>
+              <a:rPr lang="zh-CN" altLang="en-US" sz="1000" dirty="0" smtClean="0">
+                <a:solidFill>
+                  <a:srgbClr val="FF0000"/>
+                </a:solidFill>
+              </a:rPr>
+              <a:t>只支持单库</a:t>
+            </a:r>
+          </a:p>
+          <a:p>
+            <a:r>
+              <a:rPr lang="en-US" altLang="zh-CN" sz="1000" dirty="0" smtClean="0">
+                <a:solidFill>
+                  <a:srgbClr val="FF0000"/>
+                </a:solidFill>
+              </a:rPr>
+              <a:t>$</a:t>
+            </a:r>
+            <a:r>
+              <a:rPr lang="en-US" altLang="zh-CN" sz="1000" dirty="0" err="1" smtClean="0">
+                <a:solidFill>
+                  <a:srgbClr val="FF0000"/>
+                </a:solidFill>
+              </a:rPr>
+              <a:t>multiple_config</a:t>
+            </a:r>
+            <a:r>
+              <a:rPr lang="en-US" altLang="zh-CN" sz="1000" dirty="0" smtClean="0">
+                <a:solidFill>
+                  <a:srgbClr val="FF0000"/>
+                </a:solidFill>
+              </a:rPr>
+              <a:t>['</a:t>
+            </a:r>
+            <a:r>
+              <a:rPr lang="en-US" altLang="zh-CN" sz="1000" dirty="0" err="1" smtClean="0">
+                <a:solidFill>
+                  <a:srgbClr val="FF0000"/>
+                </a:solidFill>
+              </a:rPr>
+              <a:t>table_name_date_logic_string</a:t>
+            </a:r>
+            <a:r>
+              <a:rPr lang="en-US" altLang="zh-CN" sz="1000" dirty="0" smtClean="0">
+                <a:solidFill>
+                  <a:srgbClr val="FF0000"/>
+                </a:solidFill>
+              </a:rPr>
+              <a:t>'] = '</a:t>
+            </a:r>
+            <a:r>
+              <a:rPr lang="en-US" altLang="zh-CN" sz="1000" dirty="0" err="1" smtClean="0">
+                <a:solidFill>
+                  <a:srgbClr val="FF0000"/>
+                </a:solidFill>
+              </a:rPr>
+              <a:t>MMdd</a:t>
+            </a:r>
+            <a:r>
+              <a:rPr lang="en-US" altLang="zh-CN" sz="1000" dirty="0" smtClean="0">
+                <a:solidFill>
+                  <a:srgbClr val="FF0000"/>
+                </a:solidFill>
+              </a:rPr>
+              <a:t>'; //</a:t>
+            </a:r>
+            <a:r>
+              <a:rPr lang="zh-CN" altLang="en-US" sz="1000" dirty="0" smtClean="0">
+                <a:solidFill>
+                  <a:srgbClr val="FF0000"/>
+                </a:solidFill>
+              </a:rPr>
+              <a:t>按时间分表 </a:t>
+            </a:r>
+            <a:r>
+              <a:rPr lang="en-US" altLang="zh-CN" sz="1000" dirty="0" err="1" smtClean="0">
+                <a:solidFill>
+                  <a:srgbClr val="FF0000"/>
+                </a:solidFill>
+              </a:rPr>
+              <a:t>yyyyMMdd</a:t>
+            </a:r>
+            <a:r>
+              <a:rPr lang="en-US" altLang="zh-CN" sz="1000" dirty="0" smtClean="0">
+                <a:solidFill>
+                  <a:srgbClr val="FF0000"/>
+                </a:solidFill>
+              </a:rPr>
+              <a:t>(20140806) || </a:t>
+            </a:r>
+            <a:r>
+              <a:rPr lang="en-US" altLang="zh-CN" sz="1000" dirty="0" err="1" smtClean="0">
+                <a:solidFill>
+                  <a:srgbClr val="FF0000"/>
+                </a:solidFill>
+              </a:rPr>
+              <a:t>yyyyMM</a:t>
+            </a:r>
+            <a:r>
+              <a:rPr lang="en-US" altLang="zh-CN" sz="1000" dirty="0" smtClean="0">
+                <a:solidFill>
+                  <a:srgbClr val="FF0000"/>
+                </a:solidFill>
+              </a:rPr>
+              <a:t>(201408) || </a:t>
+            </a:r>
+            <a:r>
+              <a:rPr lang="en-US" altLang="zh-CN" sz="1000" dirty="0" err="1" smtClean="0">
+                <a:solidFill>
+                  <a:srgbClr val="FF0000"/>
+                </a:solidFill>
+              </a:rPr>
+              <a:t>yyyy</a:t>
+            </a:r>
+            <a:r>
+              <a:rPr lang="en-US" altLang="zh-CN" sz="1000" dirty="0" smtClean="0">
+                <a:solidFill>
+                  <a:srgbClr val="FF0000"/>
+                </a:solidFill>
+              </a:rPr>
+              <a:t>(2014) ||</a:t>
+            </a:r>
+            <a:r>
+              <a:rPr lang="en-US" altLang="zh-CN" sz="1000" dirty="0" err="1" smtClean="0">
+                <a:solidFill>
+                  <a:srgbClr val="FF0000"/>
+                </a:solidFill>
+              </a:rPr>
+              <a:t>dd</a:t>
+            </a:r>
+            <a:r>
+              <a:rPr lang="en-US" altLang="zh-CN" sz="1000" dirty="0" smtClean="0">
+                <a:solidFill>
+                  <a:srgbClr val="FF0000"/>
+                </a:solidFill>
+              </a:rPr>
+              <a:t>(</a:t>
+            </a:r>
+            <a:r>
+              <a:rPr lang="zh-CN" altLang="en-US" sz="1000" dirty="0" smtClean="0">
+                <a:solidFill>
+                  <a:srgbClr val="FF0000"/>
+                </a:solidFill>
+              </a:rPr>
+              <a:t>天</a:t>
+            </a:r>
+            <a:r>
+              <a:rPr lang="en-US" altLang="zh-CN" sz="1000" dirty="0" smtClean="0">
+                <a:solidFill>
+                  <a:srgbClr val="FF0000"/>
+                </a:solidFill>
+              </a:rPr>
+              <a:t>:0...31) ||MM(</a:t>
+            </a:r>
+            <a:r>
+              <a:rPr lang="zh-CN" altLang="en-US" sz="1000" dirty="0" smtClean="0">
+                <a:solidFill>
+                  <a:srgbClr val="FF0000"/>
+                </a:solidFill>
+              </a:rPr>
+              <a:t>月</a:t>
+            </a:r>
+            <a:r>
+              <a:rPr lang="en-US" altLang="zh-CN" sz="1000" dirty="0" smtClean="0">
+                <a:solidFill>
+                  <a:srgbClr val="FF0000"/>
+                </a:solidFill>
+              </a:rPr>
+              <a:t>1...12) ||</a:t>
+            </a:r>
+            <a:r>
+              <a:rPr lang="en-US" altLang="zh-CN" sz="1000" dirty="0" err="1" smtClean="0">
+                <a:solidFill>
+                  <a:srgbClr val="FF0000"/>
+                </a:solidFill>
+              </a:rPr>
+              <a:t>MMdd</a:t>
+            </a:r>
+            <a:r>
+              <a:rPr lang="en-US" altLang="zh-CN" sz="1000" dirty="0" smtClean="0">
+                <a:solidFill>
+                  <a:srgbClr val="FF0000"/>
+                </a:solidFill>
+              </a:rPr>
+              <a:t>(</a:t>
+            </a:r>
+            <a:r>
+              <a:rPr lang="zh-CN" altLang="en-US" sz="1000" dirty="0" smtClean="0">
+                <a:solidFill>
+                  <a:srgbClr val="FF0000"/>
+                </a:solidFill>
+              </a:rPr>
+              <a:t>月日</a:t>
+            </a:r>
+            <a:r>
+              <a:rPr lang="en-US" altLang="zh-CN" sz="1000" dirty="0" smtClean="0">
+                <a:solidFill>
+                  <a:srgbClr val="FF0000"/>
+                </a:solidFill>
+              </a:rPr>
+              <a:t>)||w(</a:t>
+            </a:r>
+            <a:r>
+              <a:rPr lang="zh-CN" altLang="en-US" sz="1000" dirty="0" smtClean="0">
+                <a:solidFill>
+                  <a:srgbClr val="FF0000"/>
+                </a:solidFill>
+              </a:rPr>
+              <a:t>星期日</a:t>
+            </a:r>
+            <a:r>
+              <a:rPr lang="en-US" altLang="zh-CN" sz="1000" dirty="0" smtClean="0">
+                <a:solidFill>
+                  <a:srgbClr val="FF0000"/>
+                </a:solidFill>
+              </a:rPr>
+              <a:t>:0,</a:t>
+            </a:r>
+            <a:r>
+              <a:rPr lang="zh-CN" altLang="en-US" sz="1000" dirty="0" smtClean="0">
+                <a:solidFill>
+                  <a:srgbClr val="FF0000"/>
+                </a:solidFill>
+              </a:rPr>
+              <a:t>星期一</a:t>
+            </a:r>
+            <a:r>
+              <a:rPr lang="en-US" altLang="zh-CN" sz="1000" dirty="0" smtClean="0">
+                <a:solidFill>
+                  <a:srgbClr val="FF0000"/>
+                </a:solidFill>
+              </a:rPr>
+              <a:t>:1</a:t>
+            </a:r>
+            <a:r>
+              <a:rPr lang="en-US" altLang="zh-CN" sz="1000" dirty="0" smtClean="0">
+                <a:solidFill>
+                  <a:srgbClr val="FF0000"/>
+                </a:solidFill>
+              </a:rPr>
+              <a:t>...);</a:t>
+            </a:r>
+            <a:endParaRPr lang="en-US" altLang="zh-CN" sz="1000" dirty="0" smtClean="0">
+              <a:solidFill>
+                <a:schemeClr val="tx1">
+                  <a:lumMod val="50000"/>
+                  <a:lumOff val="50000"/>
+                </a:schemeClr>
+              </a:solidFill>
+            </a:endParaRPr>
+          </a:p>
+          <a:p>
+            <a:r>
+              <a:rPr lang="en-US" altLang="zh-CN" sz="1000" dirty="0" smtClean="0">
+                <a:solidFill>
+                  <a:schemeClr val="tx1">
+                    <a:lumMod val="50000"/>
+                    <a:lumOff val="50000"/>
+                  </a:schemeClr>
+                </a:solidFill>
+              </a:rPr>
+              <a:t>$</a:t>
+            </a:r>
+            <a:r>
+              <a:rPr lang="en-US" altLang="zh-CN" sz="1000" dirty="0" err="1" smtClean="0">
+                <a:solidFill>
+                  <a:schemeClr val="tx1">
+                    <a:lumMod val="50000"/>
+                    <a:lumOff val="50000"/>
+                  </a:schemeClr>
+                </a:solidFill>
+              </a:rPr>
+              <a:t>master_multiple_dbs</a:t>
+            </a:r>
+            <a:r>
+              <a:rPr lang="en-US" altLang="zh-CN" sz="1000" dirty="0" smtClean="0">
+                <a:solidFill>
+                  <a:schemeClr val="tx1">
+                    <a:lumMod val="50000"/>
+                    <a:lumOff val="50000"/>
+                  </a:schemeClr>
+                </a:solidFill>
+              </a:rPr>
+              <a:t> = array();</a:t>
+            </a:r>
+          </a:p>
+          <a:p>
+            <a:r>
+              <a:rPr lang="en-US" altLang="zh-CN" sz="1000" dirty="0" smtClean="0">
+                <a:solidFill>
+                  <a:schemeClr val="tx1">
+                    <a:lumMod val="50000"/>
+                    <a:lumOff val="50000"/>
+                  </a:schemeClr>
+                </a:solidFill>
+              </a:rPr>
+              <a:t>$</a:t>
+            </a:r>
+            <a:r>
+              <a:rPr lang="en-US" altLang="zh-CN" sz="1000" dirty="0" err="1" smtClean="0">
+                <a:solidFill>
+                  <a:schemeClr val="tx1">
+                    <a:lumMod val="50000"/>
+                    <a:lumOff val="50000"/>
+                  </a:schemeClr>
+                </a:solidFill>
+              </a:rPr>
+              <a:t>master_multiple_dbs</a:t>
+            </a:r>
+            <a:r>
+              <a:rPr lang="en-US" altLang="zh-CN" sz="1000" dirty="0" smtClean="0">
+                <a:solidFill>
+                  <a:schemeClr val="tx1">
+                    <a:lumMod val="50000"/>
+                    <a:lumOff val="50000"/>
+                  </a:schemeClr>
+                </a:solidFill>
+              </a:rPr>
+              <a:t>['sc_refund_0000'] = DB_HOST; //key</a:t>
+            </a:r>
+            <a:r>
+              <a:rPr lang="zh-CN" altLang="en-US" sz="1000" dirty="0" smtClean="0">
+                <a:solidFill>
+                  <a:schemeClr val="tx1">
+                    <a:lumMod val="50000"/>
+                    <a:lumOff val="50000"/>
+                  </a:schemeClr>
+                </a:solidFill>
+              </a:rPr>
+              <a:t>为数据库名，</a:t>
+            </a:r>
+            <a:r>
+              <a:rPr lang="en-US" altLang="zh-CN" sz="1000" dirty="0" smtClean="0">
+                <a:solidFill>
+                  <a:schemeClr val="tx1">
+                    <a:lumMod val="50000"/>
+                    <a:lumOff val="50000"/>
+                  </a:schemeClr>
+                </a:solidFill>
+              </a:rPr>
+              <a:t>value</a:t>
+            </a:r>
+            <a:r>
+              <a:rPr lang="zh-CN" altLang="en-US" sz="1000" dirty="0" smtClean="0">
+                <a:solidFill>
+                  <a:schemeClr val="tx1">
+                    <a:lumMod val="50000"/>
+                    <a:lumOff val="50000"/>
+                  </a:schemeClr>
+                </a:solidFill>
+              </a:rPr>
+              <a:t>为数据库所在的</a:t>
+            </a:r>
+            <a:r>
+              <a:rPr lang="en-US" altLang="zh-CN" sz="1000" dirty="0" smtClean="0">
+                <a:solidFill>
+                  <a:schemeClr val="tx1">
+                    <a:lumMod val="50000"/>
+                    <a:lumOff val="50000"/>
+                  </a:schemeClr>
+                </a:solidFill>
+              </a:rPr>
+              <a:t>host</a:t>
+            </a:r>
+            <a:r>
+              <a:rPr lang="zh-CN" altLang="en-US" sz="1000" dirty="0" smtClean="0">
+                <a:solidFill>
+                  <a:schemeClr val="tx1">
+                    <a:lumMod val="50000"/>
+                    <a:lumOff val="50000"/>
+                  </a:schemeClr>
+                </a:solidFill>
+              </a:rPr>
+              <a:t>，此</a:t>
+            </a:r>
+            <a:r>
+              <a:rPr lang="en-US" altLang="zh-CN" sz="1000" dirty="0" smtClean="0">
+                <a:solidFill>
+                  <a:schemeClr val="tx1">
+                    <a:lumMod val="50000"/>
+                    <a:lumOff val="50000"/>
+                  </a:schemeClr>
+                </a:solidFill>
+              </a:rPr>
+              <a:t>value</a:t>
+            </a:r>
+            <a:r>
+              <a:rPr lang="zh-CN" altLang="en-US" sz="1000" dirty="0" smtClean="0">
+                <a:solidFill>
+                  <a:schemeClr val="tx1">
+                    <a:lumMod val="50000"/>
+                    <a:lumOff val="50000"/>
+                  </a:schemeClr>
+                </a:solidFill>
+              </a:rPr>
+              <a:t>只能配置一个</a:t>
+            </a:r>
+            <a:r>
+              <a:rPr lang="en-US" altLang="zh-CN" sz="1000" dirty="0" smtClean="0">
+                <a:solidFill>
+                  <a:schemeClr val="tx1">
+                    <a:lumMod val="50000"/>
+                    <a:lumOff val="50000"/>
+                  </a:schemeClr>
+                </a:solidFill>
+              </a:rPr>
+              <a:t>IP</a:t>
+            </a:r>
+          </a:p>
+          <a:p>
+            <a:r>
+              <a:rPr lang="en-US" altLang="zh-CN" sz="1000" dirty="0" smtClean="0">
+                <a:solidFill>
+                  <a:schemeClr val="tx1">
+                    <a:lumMod val="50000"/>
+                    <a:lumOff val="50000"/>
+                  </a:schemeClr>
+                </a:solidFill>
+              </a:rPr>
+              <a:t>$</a:t>
+            </a:r>
+            <a:r>
+              <a:rPr lang="en-US" altLang="zh-CN" sz="1000" dirty="0" err="1" smtClean="0">
+                <a:solidFill>
+                  <a:schemeClr val="tx1">
+                    <a:lumMod val="50000"/>
+                    <a:lumOff val="50000"/>
+                  </a:schemeClr>
+                </a:solidFill>
+              </a:rPr>
+              <a:t>master_multiple_dbs</a:t>
+            </a:r>
+            <a:r>
+              <a:rPr lang="en-US" altLang="zh-CN" sz="1000" dirty="0" smtClean="0">
+                <a:solidFill>
+                  <a:schemeClr val="tx1">
+                    <a:lumMod val="50000"/>
+                    <a:lumOff val="50000"/>
+                  </a:schemeClr>
+                </a:solidFill>
+              </a:rPr>
+              <a:t>['sc_refund_0001'] = DB_HOST;</a:t>
+            </a:r>
+          </a:p>
+          <a:p>
+            <a:r>
+              <a:rPr lang="en-US" altLang="zh-CN" sz="1000" dirty="0" smtClean="0">
+                <a:solidFill>
+                  <a:schemeClr val="tx1">
+                    <a:lumMod val="50000"/>
+                    <a:lumOff val="50000"/>
+                  </a:schemeClr>
+                </a:solidFill>
+              </a:rPr>
+              <a:t>$</a:t>
+            </a:r>
+            <a:r>
+              <a:rPr lang="en-US" altLang="zh-CN" sz="1000" dirty="0" err="1" smtClean="0">
+                <a:solidFill>
+                  <a:schemeClr val="tx1">
+                    <a:lumMod val="50000"/>
+                    <a:lumOff val="50000"/>
+                  </a:schemeClr>
+                </a:solidFill>
+              </a:rPr>
+              <a:t>master_multiple_dbs</a:t>
+            </a:r>
+            <a:r>
+              <a:rPr lang="en-US" altLang="zh-CN" sz="1000" dirty="0" smtClean="0">
+                <a:solidFill>
+                  <a:schemeClr val="tx1">
+                    <a:lumMod val="50000"/>
+                    <a:lumOff val="50000"/>
+                  </a:schemeClr>
+                </a:solidFill>
+              </a:rPr>
+              <a:t>['sc_refund_0002'] = DB_HOST;</a:t>
+            </a:r>
+          </a:p>
+          <a:p>
+            <a:r>
+              <a:rPr lang="en-US" altLang="zh-CN" sz="1000" dirty="0" smtClean="0">
+                <a:solidFill>
+                  <a:schemeClr val="tx1">
+                    <a:lumMod val="50000"/>
+                    <a:lumOff val="50000"/>
+                  </a:schemeClr>
+                </a:solidFill>
+              </a:rPr>
+              <a:t>$</a:t>
+            </a:r>
+            <a:r>
+              <a:rPr lang="en-US" altLang="zh-CN" sz="1000" dirty="0" err="1" smtClean="0">
+                <a:solidFill>
+                  <a:schemeClr val="tx1">
+                    <a:lumMod val="50000"/>
+                    <a:lumOff val="50000"/>
+                  </a:schemeClr>
+                </a:solidFill>
+              </a:rPr>
+              <a:t>master_multiple_dbs</a:t>
+            </a:r>
+            <a:r>
+              <a:rPr lang="en-US" altLang="zh-CN" sz="1000" dirty="0" smtClean="0">
+                <a:solidFill>
+                  <a:schemeClr val="tx1">
+                    <a:lumMod val="50000"/>
+                    <a:lumOff val="50000"/>
+                  </a:schemeClr>
+                </a:solidFill>
+              </a:rPr>
+              <a:t>['sc_refund_0003'] = DB_HOST;</a:t>
+            </a:r>
+          </a:p>
+          <a:p>
+            <a:r>
+              <a:rPr lang="en-US" altLang="zh-CN" sz="1000" dirty="0" smtClean="0">
+                <a:solidFill>
+                  <a:schemeClr val="tx1">
+                    <a:lumMod val="50000"/>
+                    <a:lumOff val="50000"/>
+                  </a:schemeClr>
+                </a:solidFill>
+              </a:rPr>
+              <a:t>$</a:t>
+            </a:r>
+            <a:r>
+              <a:rPr lang="en-US" altLang="zh-CN" sz="1000" dirty="0" err="1" smtClean="0">
+                <a:solidFill>
+                  <a:schemeClr val="tx1">
+                    <a:lumMod val="50000"/>
+                    <a:lumOff val="50000"/>
+                  </a:schemeClr>
+                </a:solidFill>
+              </a:rPr>
+              <a:t>multiple_config</a:t>
+            </a:r>
+            <a:r>
+              <a:rPr lang="en-US" altLang="zh-CN" sz="1000" dirty="0" smtClean="0">
+                <a:solidFill>
+                  <a:schemeClr val="tx1">
+                    <a:lumMod val="50000"/>
+                    <a:lumOff val="50000"/>
+                  </a:schemeClr>
+                </a:solidFill>
+              </a:rPr>
+              <a:t>['</a:t>
+            </a:r>
+            <a:r>
+              <a:rPr lang="en-US" altLang="zh-CN" sz="1000" dirty="0" err="1" smtClean="0">
+                <a:solidFill>
+                  <a:schemeClr val="tx1">
+                    <a:lumMod val="50000"/>
+                    <a:lumOff val="50000"/>
+                  </a:schemeClr>
+                </a:solidFill>
+              </a:rPr>
+              <a:t>db_hosts</a:t>
+            </a:r>
+            <a:r>
+              <a:rPr lang="en-US" altLang="zh-CN" sz="1000" dirty="0" smtClean="0">
+                <a:solidFill>
+                  <a:schemeClr val="tx1">
+                    <a:lumMod val="50000"/>
+                    <a:lumOff val="50000"/>
+                  </a:schemeClr>
+                </a:solidFill>
+              </a:rPr>
+              <a:t>'] = $</a:t>
+            </a:r>
+            <a:r>
+              <a:rPr lang="en-US" altLang="zh-CN" sz="1000" dirty="0" err="1" smtClean="0">
+                <a:solidFill>
+                  <a:schemeClr val="tx1">
+                    <a:lumMod val="50000"/>
+                    <a:lumOff val="50000"/>
+                  </a:schemeClr>
+                </a:solidFill>
+              </a:rPr>
+              <a:t>master_multiple_dbs</a:t>
+            </a:r>
+            <a:r>
+              <a:rPr lang="en-US" altLang="zh-CN" sz="1000" dirty="0" smtClean="0">
+                <a:solidFill>
+                  <a:schemeClr val="tx1">
+                    <a:lumMod val="50000"/>
+                    <a:lumOff val="50000"/>
+                  </a:schemeClr>
+                </a:solidFill>
+              </a:rPr>
+              <a:t>; //</a:t>
+            </a:r>
+            <a:r>
+              <a:rPr lang="zh-CN" altLang="en-US" sz="1000" dirty="0" smtClean="0">
+                <a:solidFill>
+                  <a:schemeClr val="tx1">
+                    <a:lumMod val="50000"/>
+                    <a:lumOff val="50000"/>
+                  </a:schemeClr>
+                </a:solidFill>
+              </a:rPr>
+              <a:t>每个主库存放在哪个</a:t>
+            </a:r>
+            <a:r>
+              <a:rPr lang="en-US" altLang="zh-CN" sz="1000" dirty="0" smtClean="0">
+                <a:solidFill>
+                  <a:schemeClr val="tx1">
+                    <a:lumMod val="50000"/>
+                    <a:lumOff val="50000"/>
+                  </a:schemeClr>
+                </a:solidFill>
+              </a:rPr>
+              <a:t>host</a:t>
+            </a:r>
+          </a:p>
+          <a:p>
+            <a:endParaRPr lang="en-US" altLang="zh-CN" sz="1000" dirty="0" smtClean="0">
+              <a:solidFill>
+                <a:schemeClr val="tx1">
+                  <a:lumMod val="50000"/>
+                  <a:lumOff val="50000"/>
+                </a:schemeClr>
+              </a:solidFill>
+            </a:endParaRPr>
+          </a:p>
+          <a:p>
+            <a:r>
+              <a:rPr lang="en-US" altLang="zh-CN" sz="1000" dirty="0" smtClean="0">
+                <a:solidFill>
+                  <a:schemeClr val="tx1">
+                    <a:lumMod val="50000"/>
+                    <a:lumOff val="50000"/>
+                  </a:schemeClr>
+                </a:solidFill>
+              </a:rPr>
+              <a:t>$</a:t>
+            </a:r>
+            <a:r>
+              <a:rPr lang="en-US" altLang="zh-CN" sz="1000" dirty="0" err="1" smtClean="0">
+                <a:solidFill>
+                  <a:schemeClr val="tx1">
+                    <a:lumMod val="50000"/>
+                    <a:lumOff val="50000"/>
+                  </a:schemeClr>
+                </a:solidFill>
+              </a:rPr>
+              <a:t>slave_multiple_dbs</a:t>
+            </a:r>
+            <a:r>
+              <a:rPr lang="en-US" altLang="zh-CN" sz="1000" dirty="0" smtClean="0">
+                <a:solidFill>
+                  <a:schemeClr val="tx1">
+                    <a:lumMod val="50000"/>
+                    <a:lumOff val="50000"/>
+                  </a:schemeClr>
+                </a:solidFill>
+              </a:rPr>
+              <a:t> = array();</a:t>
+            </a:r>
+          </a:p>
+          <a:p>
+            <a:r>
+              <a:rPr lang="en-US" altLang="zh-CN" sz="1000" dirty="0" smtClean="0">
+                <a:solidFill>
+                  <a:schemeClr val="tx1">
+                    <a:lumMod val="50000"/>
+                    <a:lumOff val="50000"/>
+                  </a:schemeClr>
+                </a:solidFill>
+              </a:rPr>
+              <a:t>$</a:t>
+            </a:r>
+            <a:r>
+              <a:rPr lang="en-US" altLang="zh-CN" sz="1000" dirty="0" err="1" smtClean="0">
+                <a:solidFill>
+                  <a:schemeClr val="tx1">
+                    <a:lumMod val="50000"/>
+                    <a:lumOff val="50000"/>
+                  </a:schemeClr>
+                </a:solidFill>
+              </a:rPr>
+              <a:t>slave_multiple_dbs</a:t>
+            </a:r>
+            <a:r>
+              <a:rPr lang="en-US" altLang="zh-CN" sz="1000" dirty="0" smtClean="0">
+                <a:solidFill>
+                  <a:schemeClr val="tx1">
+                    <a:lumMod val="50000"/>
+                    <a:lumOff val="50000"/>
+                  </a:schemeClr>
+                </a:solidFill>
+              </a:rPr>
+              <a:t>['sc_refund_0000'] = DB_HOST . "," . DB_HOST; //key</a:t>
+            </a:r>
+            <a:r>
+              <a:rPr lang="zh-CN" altLang="en-US" sz="1000" dirty="0" smtClean="0">
+                <a:solidFill>
+                  <a:schemeClr val="tx1">
+                    <a:lumMod val="50000"/>
+                    <a:lumOff val="50000"/>
+                  </a:schemeClr>
+                </a:solidFill>
+              </a:rPr>
+              <a:t>为数据库名，</a:t>
+            </a:r>
+            <a:r>
+              <a:rPr lang="en-US" altLang="zh-CN" sz="1000" dirty="0" smtClean="0">
+                <a:solidFill>
+                  <a:schemeClr val="tx1">
+                    <a:lumMod val="50000"/>
+                    <a:lumOff val="50000"/>
+                  </a:schemeClr>
+                </a:solidFill>
+              </a:rPr>
+              <a:t>value</a:t>
+            </a:r>
+            <a:r>
+              <a:rPr lang="zh-CN" altLang="en-US" sz="1000" dirty="0" smtClean="0">
+                <a:solidFill>
+                  <a:schemeClr val="tx1">
+                    <a:lumMod val="50000"/>
+                    <a:lumOff val="50000"/>
+                  </a:schemeClr>
+                </a:solidFill>
+              </a:rPr>
+              <a:t>为</a:t>
+            </a:r>
+            <a:r>
+              <a:rPr lang="en-US" altLang="zh-CN" sz="1000" dirty="0" smtClean="0">
+                <a:solidFill>
+                  <a:schemeClr val="tx1">
+                    <a:lumMod val="50000"/>
+                    <a:lumOff val="50000"/>
+                  </a:schemeClr>
+                </a:solidFill>
+              </a:rPr>
+              <a:t>slave</a:t>
+            </a:r>
+            <a:r>
+              <a:rPr lang="zh-CN" altLang="en-US" sz="1000" dirty="0" smtClean="0">
+                <a:solidFill>
+                  <a:schemeClr val="tx1">
+                    <a:lumMod val="50000"/>
+                    <a:lumOff val="50000"/>
+                  </a:schemeClr>
+                </a:solidFill>
+              </a:rPr>
+              <a:t>库所在的</a:t>
+            </a:r>
+            <a:r>
+              <a:rPr lang="en-US" altLang="zh-CN" sz="1000" dirty="0" smtClean="0">
+                <a:solidFill>
+                  <a:schemeClr val="tx1">
+                    <a:lumMod val="50000"/>
+                    <a:lumOff val="50000"/>
+                  </a:schemeClr>
+                </a:solidFill>
+              </a:rPr>
+              <a:t>host</a:t>
+            </a:r>
+            <a:r>
+              <a:rPr lang="zh-CN" altLang="en-US" sz="1000" dirty="0" smtClean="0">
+                <a:solidFill>
+                  <a:schemeClr val="tx1">
+                    <a:lumMod val="50000"/>
+                    <a:lumOff val="50000"/>
+                  </a:schemeClr>
+                </a:solidFill>
+              </a:rPr>
+              <a:t>列表，多台用英文半角逗号分隔开，系统随机读其中一台，如果下面</a:t>
+            </a:r>
+            <a:r>
+              <a:rPr lang="en-US" altLang="zh-CN" sz="1000" dirty="0" err="1" smtClean="0">
+                <a:solidFill>
+                  <a:schemeClr val="tx1">
+                    <a:lumMod val="50000"/>
+                    <a:lumOff val="50000"/>
+                  </a:schemeClr>
+                </a:solidFill>
+              </a:rPr>
+              <a:t>read_db_hosts</a:t>
+            </a:r>
+            <a:r>
+              <a:rPr lang="zh-CN" altLang="en-US" sz="1000" dirty="0" smtClean="0">
+                <a:solidFill>
+                  <a:schemeClr val="tx1">
+                    <a:lumMod val="50000"/>
+                    <a:lumOff val="50000"/>
+                  </a:schemeClr>
+                </a:solidFill>
+              </a:rPr>
+              <a:t>配置了</a:t>
+            </a:r>
+          </a:p>
+          <a:p>
+            <a:r>
+              <a:rPr lang="en-US" altLang="zh-CN" sz="1000" dirty="0" smtClean="0">
+                <a:solidFill>
+                  <a:schemeClr val="tx1">
+                    <a:lumMod val="50000"/>
+                    <a:lumOff val="50000"/>
+                  </a:schemeClr>
+                </a:solidFill>
+              </a:rPr>
+              <a:t>$</a:t>
+            </a:r>
+            <a:r>
+              <a:rPr lang="en-US" altLang="zh-CN" sz="1000" dirty="0" err="1" smtClean="0">
+                <a:solidFill>
+                  <a:schemeClr val="tx1">
+                    <a:lumMod val="50000"/>
+                    <a:lumOff val="50000"/>
+                  </a:schemeClr>
+                </a:solidFill>
+              </a:rPr>
+              <a:t>slave_multiple_dbs</a:t>
+            </a:r>
+            <a:r>
+              <a:rPr lang="en-US" altLang="zh-CN" sz="1000" dirty="0" smtClean="0">
+                <a:solidFill>
+                  <a:schemeClr val="tx1">
+                    <a:lumMod val="50000"/>
+                    <a:lumOff val="50000"/>
+                  </a:schemeClr>
+                </a:solidFill>
+              </a:rPr>
+              <a:t>['sc_refund_0001'] = DB_HOST . "," . DB_HOST;</a:t>
+            </a:r>
+          </a:p>
+          <a:p>
+            <a:r>
+              <a:rPr lang="en-US" altLang="zh-CN" sz="1000" dirty="0" smtClean="0">
+                <a:solidFill>
+                  <a:schemeClr val="tx1">
+                    <a:lumMod val="50000"/>
+                    <a:lumOff val="50000"/>
+                  </a:schemeClr>
+                </a:solidFill>
+              </a:rPr>
+              <a:t>$</a:t>
+            </a:r>
+            <a:r>
+              <a:rPr lang="en-US" altLang="zh-CN" sz="1000" dirty="0" err="1" smtClean="0">
+                <a:solidFill>
+                  <a:schemeClr val="tx1">
+                    <a:lumMod val="50000"/>
+                    <a:lumOff val="50000"/>
+                  </a:schemeClr>
+                </a:solidFill>
+              </a:rPr>
+              <a:t>slave_multiple_dbs</a:t>
+            </a:r>
+            <a:r>
+              <a:rPr lang="en-US" altLang="zh-CN" sz="1000" dirty="0" smtClean="0">
+                <a:solidFill>
+                  <a:schemeClr val="tx1">
+                    <a:lumMod val="50000"/>
+                    <a:lumOff val="50000"/>
+                  </a:schemeClr>
+                </a:solidFill>
+              </a:rPr>
+              <a:t>['sc_refund_0002'] = DB_HOST . "," . DB_HOST;</a:t>
+            </a:r>
+          </a:p>
+          <a:p>
+            <a:r>
+              <a:rPr lang="en-US" altLang="zh-CN" sz="1000" dirty="0" smtClean="0">
+                <a:solidFill>
+                  <a:schemeClr val="tx1">
+                    <a:lumMod val="50000"/>
+                    <a:lumOff val="50000"/>
+                  </a:schemeClr>
+                </a:solidFill>
+              </a:rPr>
+              <a:t>$</a:t>
+            </a:r>
+            <a:r>
+              <a:rPr lang="en-US" altLang="zh-CN" sz="1000" dirty="0" err="1" smtClean="0">
+                <a:solidFill>
+                  <a:schemeClr val="tx1">
+                    <a:lumMod val="50000"/>
+                    <a:lumOff val="50000"/>
+                  </a:schemeClr>
+                </a:solidFill>
+              </a:rPr>
+              <a:t>slave_multiple_dbs</a:t>
+            </a:r>
+            <a:r>
+              <a:rPr lang="en-US" altLang="zh-CN" sz="1000" dirty="0" smtClean="0">
+                <a:solidFill>
+                  <a:schemeClr val="tx1">
+                    <a:lumMod val="50000"/>
+                    <a:lumOff val="50000"/>
+                  </a:schemeClr>
+                </a:solidFill>
+              </a:rPr>
+              <a:t>['sc_refund_0003'] = DB_HOST . "," . DB_HOST;</a:t>
+            </a:r>
+          </a:p>
+          <a:p>
+            <a:r>
+              <a:rPr lang="en-US" altLang="zh-CN" sz="1000" dirty="0" smtClean="0">
+                <a:solidFill>
+                  <a:schemeClr val="tx1">
+                    <a:lumMod val="50000"/>
+                    <a:lumOff val="50000"/>
+                  </a:schemeClr>
+                </a:solidFill>
+              </a:rPr>
+              <a:t>$</a:t>
+            </a:r>
+            <a:r>
+              <a:rPr lang="en-US" altLang="zh-CN" sz="1000" dirty="0" err="1" smtClean="0">
+                <a:solidFill>
+                  <a:schemeClr val="tx1">
+                    <a:lumMod val="50000"/>
+                    <a:lumOff val="50000"/>
+                  </a:schemeClr>
+                </a:solidFill>
+              </a:rPr>
+              <a:t>multiple_config</a:t>
+            </a:r>
+            <a:r>
+              <a:rPr lang="en-US" altLang="zh-CN" sz="1000" dirty="0" smtClean="0">
+                <a:solidFill>
+                  <a:schemeClr val="tx1">
+                    <a:lumMod val="50000"/>
+                    <a:lumOff val="50000"/>
+                  </a:schemeClr>
+                </a:solidFill>
+              </a:rPr>
+              <a:t>['</a:t>
+            </a:r>
+            <a:r>
+              <a:rPr lang="en-US" altLang="zh-CN" sz="1000" dirty="0" err="1" smtClean="0">
+                <a:solidFill>
+                  <a:schemeClr val="tx1">
+                    <a:lumMod val="50000"/>
+                    <a:lumOff val="50000"/>
+                  </a:schemeClr>
+                </a:solidFill>
+              </a:rPr>
+              <a:t>read_db_hosts</a:t>
+            </a:r>
+            <a:r>
+              <a:rPr lang="en-US" altLang="zh-CN" sz="1000" dirty="0" smtClean="0">
+                <a:solidFill>
+                  <a:schemeClr val="tx1">
+                    <a:lumMod val="50000"/>
+                    <a:lumOff val="50000"/>
+                  </a:schemeClr>
+                </a:solidFill>
+              </a:rPr>
+              <a:t>'] = $</a:t>
+            </a:r>
+            <a:r>
+              <a:rPr lang="en-US" altLang="zh-CN" sz="1000" dirty="0" err="1" smtClean="0">
+                <a:solidFill>
+                  <a:schemeClr val="tx1">
+                    <a:lumMod val="50000"/>
+                    <a:lumOff val="50000"/>
+                  </a:schemeClr>
+                </a:solidFill>
+              </a:rPr>
+              <a:t>slave_multiple_dbs</a:t>
+            </a:r>
+            <a:r>
+              <a:rPr lang="en-US" altLang="zh-CN" sz="1000" dirty="0" smtClean="0">
+                <a:solidFill>
+                  <a:schemeClr val="tx1">
+                    <a:lumMod val="50000"/>
+                    <a:lumOff val="50000"/>
+                  </a:schemeClr>
+                </a:solidFill>
+              </a:rPr>
+              <a:t>;//</a:t>
+            </a:r>
+            <a:r>
+              <a:rPr lang="en-US" altLang="zh-CN" sz="1000" dirty="0" err="1" smtClean="0">
+                <a:solidFill>
+                  <a:schemeClr val="tx1">
+                    <a:lumMod val="50000"/>
+                    <a:lumOff val="50000"/>
+                  </a:schemeClr>
+                </a:solidFill>
+              </a:rPr>
+              <a:t>dbroute</a:t>
+            </a:r>
+            <a:r>
+              <a:rPr lang="zh-CN" altLang="en-US" sz="1000" dirty="0" smtClean="0">
+                <a:solidFill>
+                  <a:schemeClr val="tx1">
+                    <a:lumMod val="50000"/>
+                    <a:lumOff val="50000"/>
+                  </a:schemeClr>
+                </a:solidFill>
+              </a:rPr>
+              <a:t>根据</a:t>
+            </a:r>
+            <a:r>
+              <a:rPr lang="en-US" altLang="zh-CN" sz="1000" dirty="0" smtClean="0">
+                <a:solidFill>
+                  <a:schemeClr val="tx1">
+                    <a:lumMod val="50000"/>
+                    <a:lumOff val="50000"/>
+                  </a:schemeClr>
+                </a:solidFill>
+              </a:rPr>
+              <a:t>key</a:t>
+            </a:r>
+            <a:r>
+              <a:rPr lang="zh-CN" altLang="en-US" sz="1000" dirty="0" smtClean="0">
+                <a:solidFill>
+                  <a:schemeClr val="tx1">
+                    <a:lumMod val="50000"/>
+                    <a:lumOff val="50000"/>
+                  </a:schemeClr>
+                </a:solidFill>
+              </a:rPr>
+              <a:t>为‘</a:t>
+            </a:r>
+            <a:r>
+              <a:rPr lang="en-US" altLang="zh-CN" sz="1000" dirty="0" err="1" smtClean="0">
+                <a:solidFill>
+                  <a:schemeClr val="tx1">
+                    <a:lumMod val="50000"/>
+                    <a:lumOff val="50000"/>
+                  </a:schemeClr>
+                </a:solidFill>
+              </a:rPr>
+              <a:t>read_db_hosts</a:t>
+            </a:r>
+            <a:r>
+              <a:rPr lang="en-US" altLang="zh-CN" sz="1000" dirty="0" smtClean="0">
+                <a:solidFill>
+                  <a:schemeClr val="tx1">
+                    <a:lumMod val="50000"/>
+                    <a:lumOff val="50000"/>
+                  </a:schemeClr>
+                </a:solidFill>
+              </a:rPr>
+              <a:t>’</a:t>
+            </a:r>
+            <a:r>
+              <a:rPr lang="zh-CN" altLang="en-US" sz="1000" dirty="0" smtClean="0">
+                <a:solidFill>
+                  <a:schemeClr val="tx1">
+                    <a:lumMod val="50000"/>
+                    <a:lumOff val="50000"/>
+                  </a:schemeClr>
+                </a:solidFill>
+              </a:rPr>
+              <a:t>是否设置了值 判断是否有读写分离配置</a:t>
+            </a:r>
+          </a:p>
+          <a:p>
+            <a:r>
+              <a:rPr lang="en-US" altLang="zh-CN" sz="1000" dirty="0" smtClean="0">
+                <a:solidFill>
+                  <a:schemeClr val="tx1">
+                    <a:lumMod val="50000"/>
+                    <a:lumOff val="50000"/>
+                  </a:schemeClr>
+                </a:solidFill>
+              </a:rPr>
+              <a:t>/******************************************************************************************************************************************/</a:t>
+            </a:r>
+            <a:endParaRPr lang="en-US" altLang="zh-CN" sz="1000" dirty="0">
+              <a:solidFill>
+                <a:schemeClr val="tx1">
+                  <a:lumMod val="50000"/>
+                  <a:lumOff val="50000"/>
+                </a:schemeClr>
+              </a:solidFill>
+            </a:endParaRPr>
           </a:p>
         </p:txBody>
       </p:sp>
     </p:spTree>
     <p:extLst>
       <p:ext uri="{BB962C8B-B14F-4D97-AF65-F5344CB8AC3E}">
-        <p14:creationId xmlns:p14="http://schemas.microsoft.com/office/powerpoint/2010/main" val="1958214690"/>
+        <p14:creationId xmlns:p14="http://schemas.microsoft.com/office/powerpoint/2010/main" xmlns="" val="3169500795"/>
       </p:ext>
     </p:extLst>
   </p:cSld>
@@ -9508,173 +12515,51 @@
         </p:nvSpPr>
         <p:spPr>
           <a:xfrm>
-            <a:off x="323528" y="836712"/>
-            <a:ext cx="8280920" cy="5256584"/>
+            <a:off x="323528" y="980728"/>
+            <a:ext cx="8568952" cy="5616624"/>
           </a:xfrm>
         </p:spPr>
         <p:txBody>
           <a:bodyPr>
-            <a:normAutofit lnSpcReduction="10000"/>
+            <a:normAutofit/>
           </a:bodyPr>
           <a:lstStyle/>
           <a:p>
             <a:r>
-              <a:rPr lang="en-US" altLang="zh-CN" dirty="0" smtClean="0"/>
-              <a:t>PHP</a:t>
-            </a:r>
-            <a:r>
-              <a:rPr lang="zh-CN" altLang="en-US" dirty="0" smtClean="0"/>
-              <a:t>变量未定义可以使用，见意先定义变量再使用</a:t>
-            </a:r>
-            <a:endParaRPr lang="en-US" altLang="zh-CN" dirty="0" smtClean="0"/>
-          </a:p>
-          <a:p>
-            <a:r>
-              <a:rPr lang="zh-CN" altLang="en-US" dirty="0" smtClean="0"/>
-              <a:t>定义好类常量，常量可定义在各自</a:t>
-            </a:r>
-            <a:r>
-              <a:rPr lang="en-US" altLang="zh-CN" dirty="0" smtClean="0"/>
-              <a:t>model</a:t>
-            </a:r>
-            <a:r>
-              <a:rPr lang="zh-CN" altLang="en-US" dirty="0" smtClean="0"/>
-              <a:t>中</a:t>
-            </a:r>
-            <a:endParaRPr lang="en-US" altLang="zh-CN" dirty="0" smtClean="0"/>
-          </a:p>
-          <a:p>
-            <a:r>
-              <a:rPr lang="zh-CN" altLang="en-US" dirty="0" smtClean="0"/>
-              <a:t>每个表一个</a:t>
-            </a:r>
-            <a:r>
-              <a:rPr lang="en-US" altLang="zh-CN" dirty="0" smtClean="0"/>
-              <a:t>model</a:t>
-            </a:r>
-          </a:p>
-          <a:p>
-            <a:r>
-              <a:rPr lang="zh-CN" altLang="en-US" dirty="0" smtClean="0"/>
-              <a:t>方法的公开范围要适当，</a:t>
-            </a:r>
-            <a:r>
-              <a:rPr lang="en-US" altLang="zh-CN" dirty="0" smtClean="0"/>
-              <a:t>public private protected</a:t>
-            </a:r>
-          </a:p>
-          <a:p>
-            <a:r>
-              <a:rPr lang="zh-CN" altLang="en-US" dirty="0" smtClean="0"/>
-              <a:t>尽量不要连表查询，一般连接表超过三个将会有性能问题</a:t>
-            </a:r>
-            <a:endParaRPr lang="en-US" altLang="zh-CN" dirty="0" smtClean="0"/>
-          </a:p>
-          <a:p>
-            <a:r>
-              <a:rPr lang="zh-CN" altLang="en-US" dirty="0" smtClean="0"/>
-              <a:t>连表将给未来系统拆库拆表带来麻烦</a:t>
-            </a:r>
-            <a:endParaRPr lang="en-US" altLang="zh-CN" dirty="0" smtClean="0"/>
-          </a:p>
-          <a:p>
-            <a:r>
-              <a:rPr lang="zh-CN" altLang="en-US" dirty="0" smtClean="0"/>
-              <a:t>适当的面向对象，不要使用</a:t>
-            </a:r>
-            <a:r>
-              <a:rPr lang="en-US" altLang="zh-CN" dirty="0" smtClean="0"/>
-              <a:t>ORM</a:t>
-            </a:r>
-            <a:r>
-              <a:rPr lang="zh-CN" altLang="en-US" dirty="0" smtClean="0"/>
-              <a:t>映射工具（影响</a:t>
-            </a:r>
-            <a:r>
-              <a:rPr lang="en-US" altLang="zh-CN" dirty="0" smtClean="0"/>
-              <a:t>dba</a:t>
-            </a:r>
-            <a:r>
-              <a:rPr lang="zh-CN" altLang="en-US" dirty="0" smtClean="0"/>
-              <a:t>的</a:t>
-            </a:r>
-            <a:r>
-              <a:rPr lang="en-US" altLang="zh-CN" dirty="0" err="1" smtClean="0"/>
-              <a:t>sql</a:t>
-            </a:r>
-            <a:r>
-              <a:rPr lang="zh-CN" altLang="en-US" dirty="0" smtClean="0"/>
-              <a:t>调优）</a:t>
-            </a:r>
-            <a:r>
-              <a:rPr lang="en-US" altLang="zh-CN" dirty="0" smtClean="0"/>
+              <a:rPr lang="zh-CN" altLang="en-US" dirty="0" smtClean="0"/>
+              <a:t>未来</a:t>
+            </a:r>
+            <a:r>
+              <a:rPr lang="zh-CN" altLang="en-US" dirty="0"/>
+              <a:t>考虑使用</a:t>
+            </a:r>
+            <a:r>
+              <a:rPr lang="en-US" altLang="zh-CN" dirty="0"/>
+              <a:t>zookeeper</a:t>
+            </a:r>
+            <a:r>
+              <a:rPr lang="zh-CN" altLang="en-US" dirty="0"/>
+              <a:t>实现心跳监测</a:t>
+            </a:r>
+            <a:r>
+              <a:rPr lang="en-US" altLang="zh-CN" dirty="0"/>
               <a:t>,</a:t>
             </a:r>
             <a:r>
-              <a:rPr lang="zh-CN" altLang="en-US" dirty="0" smtClean="0"/>
-              <a:t>对 </a:t>
-            </a:r>
-            <a:r>
-              <a:rPr lang="en-US" altLang="zh-CN" dirty="0" smtClean="0"/>
-              <a:t>PHP</a:t>
-            </a:r>
-            <a:r>
-              <a:rPr lang="zh-CN" altLang="en-US" dirty="0" smtClean="0"/>
-              <a:t>的性能也有</a:t>
-            </a:r>
-            <a:r>
               <a:rPr lang="zh-CN" altLang="en-US" dirty="0"/>
-              <a:t>点</a:t>
-            </a:r>
-            <a:r>
-              <a:rPr lang="zh-CN" altLang="en-US" dirty="0" smtClean="0"/>
-              <a:t>影响</a:t>
-            </a:r>
-            <a:endParaRPr lang="en-US" altLang="zh-CN" dirty="0"/>
-          </a:p>
-          <a:p>
-            <a:r>
-              <a:rPr lang="zh-CN" altLang="en-US" dirty="0" smtClean="0"/>
-              <a:t>注释并不是越多越好</a:t>
-            </a:r>
-            <a:r>
-              <a:rPr lang="en-US" altLang="zh-CN" dirty="0" smtClean="0"/>
-              <a:t>,</a:t>
-            </a:r>
-            <a:r>
-              <a:rPr lang="zh-CN" altLang="en-US" dirty="0" smtClean="0"/>
-              <a:t>适当的注释</a:t>
-            </a:r>
-            <a:r>
-              <a:rPr lang="en-US" altLang="zh-CN" dirty="0" smtClean="0"/>
-              <a:t>,</a:t>
-            </a:r>
-            <a:r>
-              <a:rPr lang="zh-CN" altLang="en-US" dirty="0" smtClean="0"/>
-              <a:t>大部分程序员改代码时并不会修改注释</a:t>
-            </a:r>
-            <a:endParaRPr lang="en-US" altLang="zh-CN" dirty="0" smtClean="0"/>
-          </a:p>
-          <a:p>
-            <a:r>
-              <a:rPr lang="zh-CN" altLang="en-US" dirty="0" smtClean="0"/>
-              <a:t>错误的注释不如没有注释，代码是唯一的文档</a:t>
-            </a:r>
-            <a:endParaRPr lang="en-US" altLang="zh-CN" dirty="0" smtClean="0"/>
-          </a:p>
-          <a:p>
-            <a:r>
-              <a:rPr lang="zh-CN" altLang="en-US" dirty="0" smtClean="0"/>
-              <a:t>底层操作数据库的类一定要写成封装类，最好能</a:t>
-            </a:r>
-            <a:r>
-              <a:rPr lang="en-US" altLang="zh-CN" dirty="0" err="1" smtClean="0"/>
-              <a:t>mysql,mysqli,pdo</a:t>
-            </a:r>
-            <a:r>
-              <a:rPr lang="zh-CN" altLang="en-US" dirty="0" smtClean="0"/>
-              <a:t>零切换成本</a:t>
-            </a:r>
+              <a:t>及时将宕机的读库剔除和加入</a:t>
+            </a:r>
+            <a:r>
+              <a:rPr lang="en-US" altLang="zh-CN" dirty="0"/>
+              <a:t>.</a:t>
+            </a:r>
+            <a:endParaRPr lang="en-US" altLang="zh-CN" dirty="0" smtClean="0">
+              <a:solidFill>
+                <a:srgbClr val="FF0000"/>
+              </a:solidFill>
+            </a:endParaRPr>
+          </a:p>
+          <a:p>
             <a:endParaRPr lang="en-US" altLang="zh-CN" dirty="0" smtClean="0"/>
           </a:p>
         </p:txBody>
@@ -9765,8 +12650,8 @@
         </p:nvSpPr>
         <p:spPr>
           <a:xfrm>
-            <a:off x="107504" y="116632"/>
-            <a:ext cx="6840760" cy="764704"/>
+            <a:off x="251520" y="44624"/>
+            <a:ext cx="7128792" cy="764704"/>
           </a:xfrm>
           <a:prstGeom prst="rect">
             <a:avLst/>
@@ -9805,33 +12690,21 @@
           <a:p>
             <a:pPr algn="l"/>
             <a:r>
-              <a:rPr lang="en-US" altLang="zh-CN" sz="3200" b="1" dirty="0" smtClean="0">
-                <a:solidFill>
-                  <a:srgbClr val="2F5897"/>
-                </a:solidFill>
-              </a:rPr>
-              <a:t>PHP</a:t>
-            </a:r>
-            <a:r>
-              <a:rPr lang="zh-CN" altLang="en-US" sz="3200" b="1" dirty="0" smtClean="0">
-                <a:solidFill>
-                  <a:srgbClr val="2F5897"/>
-                </a:solidFill>
-              </a:rPr>
-              <a:t>代码规范</a:t>
-            </a:r>
-            <a:endParaRPr lang="zh-CN" altLang="en-US" sz="3200" b="1" dirty="0">
-              <a:solidFill>
-                <a:srgbClr val="2F5897"/>
-              </a:solidFill>
-            </a:endParaRPr>
+              <a:rPr lang="en-US" altLang="zh-CN" sz="3200" b="1" dirty="0" smtClean="0"/>
+              <a:t>DBROUTE </a:t>
+            </a:r>
+            <a:r>
+              <a:rPr lang="zh-CN" altLang="en-US" sz="3200" b="1" dirty="0" smtClean="0"/>
+              <a:t>未来</a:t>
+            </a:r>
+            <a:endParaRPr lang="en-US" altLang="zh-CN" sz="3200" b="1" dirty="0"/>
           </a:p>
         </p:txBody>
       </p:sp>
     </p:spTree>
     <p:extLst>
       <p:ext uri="{BB962C8B-B14F-4D97-AF65-F5344CB8AC3E}">
-        <p14:creationId xmlns:p14="http://schemas.microsoft.com/office/powerpoint/2010/main" val="133945072"/>
+        <p14:creationId xmlns:p14="http://schemas.microsoft.com/office/powerpoint/2010/main" xmlns="" val="1958214690"/>
       </p:ext>
     </p:extLst>
   </p:cSld>
@@ -9888,69 +12761,123 @@
           <a:lstStyle/>
           <a:p>
             <a:r>
-              <a:rPr lang="zh-CN" altLang="en-US" dirty="0" smtClean="0"/>
-              <a:t>全局常量</a:t>
+              <a:rPr lang="en-US" altLang="zh-CN" dirty="0" smtClean="0"/>
+              <a:t>PHP</a:t>
+            </a:r>
+            <a:r>
+              <a:rPr lang="zh-CN" altLang="en-US" dirty="0" smtClean="0"/>
+              <a:t>变量未定义可以使用，见意先定义变量再使用</a:t>
+            </a:r>
+            <a:endParaRPr lang="en-US" altLang="zh-CN" dirty="0" smtClean="0"/>
+          </a:p>
+          <a:p>
+            <a:r>
+              <a:rPr lang="zh-CN" altLang="en-US" dirty="0" smtClean="0"/>
+              <a:t>定义好类常量，常量可定义在各自</a:t>
+            </a:r>
+            <a:r>
+              <a:rPr lang="en-US" altLang="zh-CN" dirty="0" smtClean="0"/>
+              <a:t>model</a:t>
+            </a:r>
+            <a:r>
+              <a:rPr lang="zh-CN" altLang="en-US" dirty="0" smtClean="0"/>
+              <a:t>中</a:t>
+            </a:r>
+            <a:endParaRPr lang="en-US" altLang="zh-CN" dirty="0" smtClean="0"/>
+          </a:p>
+          <a:p>
+            <a:r>
+              <a:rPr lang="zh-CN" altLang="en-US" dirty="0" smtClean="0"/>
+              <a:t>每个表一个</a:t>
+            </a:r>
+            <a:r>
+              <a:rPr lang="en-US" altLang="zh-CN" dirty="0" smtClean="0"/>
+              <a:t>model</a:t>
+            </a:r>
+          </a:p>
+          <a:p>
+            <a:r>
+              <a:rPr lang="zh-CN" altLang="en-US" dirty="0" smtClean="0"/>
+              <a:t>方法的公开范围要适当，</a:t>
+            </a:r>
+            <a:r>
+              <a:rPr lang="en-US" altLang="zh-CN" dirty="0" smtClean="0"/>
+              <a:t>public private protected</a:t>
+            </a:r>
+          </a:p>
+          <a:p>
+            <a:r>
+              <a:rPr lang="zh-CN" altLang="en-US" dirty="0" smtClean="0"/>
+              <a:t>尽量不要连表查询，一般连接表超过三个将会有性能问题</a:t>
+            </a:r>
+            <a:endParaRPr lang="en-US" altLang="zh-CN" dirty="0" smtClean="0"/>
+          </a:p>
+          <a:p>
+            <a:r>
+              <a:rPr lang="zh-CN" altLang="en-US" dirty="0" smtClean="0"/>
+              <a:t>连表将给未来系统拆库拆表带来麻烦</a:t>
+            </a:r>
+            <a:endParaRPr lang="en-US" altLang="zh-CN" dirty="0" smtClean="0"/>
+          </a:p>
+          <a:p>
+            <a:r>
+              <a:rPr lang="zh-CN" altLang="en-US" dirty="0" smtClean="0"/>
+              <a:t>适当的面向对象，不要使用</a:t>
+            </a:r>
+            <a:r>
+              <a:rPr lang="en-US" altLang="zh-CN" dirty="0" smtClean="0"/>
+              <a:t>ORM</a:t>
+            </a:r>
+            <a:r>
+              <a:rPr lang="zh-CN" altLang="en-US" dirty="0" smtClean="0"/>
+              <a:t>映射工具（影响</a:t>
+            </a:r>
+            <a:r>
+              <a:rPr lang="en-US" altLang="zh-CN" dirty="0" smtClean="0"/>
+              <a:t>dba</a:t>
+            </a:r>
+            <a:r>
+              <a:rPr lang="zh-CN" altLang="en-US" dirty="0" smtClean="0"/>
+              <a:t>的</a:t>
+            </a:r>
+            <a:r>
+              <a:rPr lang="en-US" altLang="zh-CN" dirty="0" err="1" smtClean="0"/>
+              <a:t>sql</a:t>
+            </a:r>
+            <a:r>
+              <a:rPr lang="zh-CN" altLang="en-US" dirty="0" smtClean="0"/>
+              <a:t>调优）</a:t>
             </a:r>
             <a:r>
               <a:rPr lang="en-US" altLang="zh-CN" dirty="0" smtClean="0"/>
               <a:t>,</a:t>
             </a:r>
             <a:r>
-              <a:rPr lang="en-US" altLang="zh-CN" dirty="0"/>
-              <a:t> define</a:t>
+              <a:rPr lang="zh-CN" altLang="en-US" dirty="0" smtClean="0"/>
+              <a:t>对 </a:t>
             </a:r>
             <a:r>
               <a:rPr lang="en-US" altLang="zh-CN" dirty="0" smtClean="0"/>
-              <a:t>(“MYSQL_EXTEND”, ‘</a:t>
-            </a:r>
-            <a:r>
-              <a:rPr lang="en-US" altLang="zh-CN" dirty="0" err="1" smtClean="0"/>
-              <a:t>mysqli</a:t>
-            </a:r>
-            <a:r>
-              <a:rPr lang="en-US" altLang="zh-CN" dirty="0" smtClean="0"/>
-              <a:t>’);</a:t>
-            </a:r>
-            <a:r>
-              <a:rPr lang="zh-CN" altLang="en-US" dirty="0" smtClean="0"/>
-              <a:t>大写字母加下划线</a:t>
-            </a:r>
-            <a:endParaRPr lang="en-US" altLang="zh-CN" dirty="0" smtClean="0"/>
-          </a:p>
-          <a:p>
+              <a:t>PHP</a:t>
+            </a:r>
+            <a:r>
+              <a:rPr lang="zh-CN" altLang="en-US" dirty="0" smtClean="0"/>
+              <a:t>的性能也有</a:t>
+            </a:r>
             <a:r>
               <a:rPr lang="zh-CN" altLang="en-US" dirty="0"/>
-              <a:t>类中常量定义：</a:t>
-            </a:r>
-            <a:r>
-              <a:rPr lang="en-US" altLang="zh-CN" dirty="0" err="1"/>
-              <a:t>const</a:t>
-            </a:r>
-            <a:r>
-              <a:rPr lang="en-US" altLang="zh-CN" dirty="0"/>
-              <a:t> IS_DELETED=1;</a:t>
-            </a:r>
-            <a:r>
-              <a:rPr lang="zh-CN" altLang="en-US" dirty="0"/>
-              <a:t>大写字母加</a:t>
-            </a:r>
-            <a:r>
-              <a:rPr lang="zh-CN" altLang="en-US" dirty="0" smtClean="0"/>
-              <a:t>下划线</a:t>
+              <a:t>点</a:t>
+            </a:r>
+            <a:r>
+              <a:rPr lang="zh-CN" altLang="en-US" dirty="0" smtClean="0"/>
+              <a:t>影响</a:t>
             </a:r>
             <a:endParaRPr lang="en-US" altLang="zh-CN" dirty="0"/>
           </a:p>
           <a:p>
             <a:r>
               <a:rPr lang="zh-CN" altLang="en-US" dirty="0" smtClean="0"/>
-              <a:t>定义字符串尽量用单引号，如果字符串中没有变量的话</a:t>
-            </a:r>
-            <a:endParaRPr lang="en-US" altLang="zh-CN" dirty="0" smtClean="0"/>
-          </a:p>
-          <a:p>
-            <a:r>
-              <a:rPr lang="zh-CN" altLang="en-US" dirty="0" smtClean="0"/>
-              <a:t>函数名、局部变量、方法参数开头字母小写</a:t>
+              <a:t>注释并不是越多越好</a:t>
             </a:r>
             <a:r>
               <a:rPr lang="en-US" altLang="zh-CN" dirty="0" smtClean="0"/>
@@ -9958,74 +12885,37 @@
             </a:r>
             <a:r>
               <a:rPr lang="zh-CN" altLang="en-US" dirty="0" smtClean="0"/>
-              <a:t>可使用下划线为词的分界</a:t>
+              <a:t>适当的注释</a:t>
             </a:r>
             <a:r>
               <a:rPr lang="en-US" altLang="zh-CN" dirty="0" smtClean="0"/>
               <a:t>,</a:t>
             </a:r>
             <a:r>
-              <a:rPr lang="zh-CN" altLang="en-US" dirty="0"/>
-              <a:t>也可使用骆驼</a:t>
-            </a:r>
-            <a:r>
-              <a:rPr lang="zh-CN" altLang="en-US" dirty="0" smtClean="0"/>
-              <a:t>命名法</a:t>
+              <a:rPr lang="zh-CN" altLang="en-US" dirty="0" smtClean="0"/>
+              <a:t>大部分程序员改代码时并不会修改注释</a:t>
             </a:r>
             <a:endParaRPr lang="en-US" altLang="zh-CN" dirty="0" smtClean="0"/>
           </a:p>
           <a:p>
             <a:r>
               <a:rPr lang="zh-CN" altLang="en-US" dirty="0" smtClean="0"/>
-              <a:t>类中方法可使用</a:t>
-            </a:r>
-            <a:r>
-              <a:rPr lang="zh-CN" altLang="en-US" dirty="0"/>
-              <a:t>骆驼命名法</a:t>
-            </a:r>
-            <a:r>
-              <a:rPr lang="zh-CN" altLang="en-US" dirty="0" smtClean="0"/>
-              <a:t>命名</a:t>
+              <a:t>错误的注释不如没有注释，代码是唯一的文档</a:t>
             </a:r>
             <a:endParaRPr lang="en-US" altLang="zh-CN" dirty="0" smtClean="0"/>
           </a:p>
           <a:p>
             <a:r>
               <a:rPr lang="zh-CN" altLang="en-US" dirty="0" smtClean="0"/>
-              <a:t>尽量少用引用</a:t>
-            </a:r>
-            <a:r>
-              <a:rPr lang="en-US" altLang="zh-CN" dirty="0" smtClean="0"/>
-              <a:t>,</a:t>
+              <a:t>底层操作数据库的类一定要写成封装类，最好能</a:t>
             </a:r>
             <a:r>
               <a:rPr lang="en-US" altLang="zh-CN" dirty="0" err="1" smtClean="0"/>
-              <a:t>php</a:t>
-            </a:r>
-            <a:r>
-              <a:rPr lang="zh-CN" altLang="en-US" dirty="0" smtClean="0"/>
-              <a:t>中引用效率较低</a:t>
-            </a:r>
-            <a:endParaRPr lang="en-US" altLang="zh-CN" dirty="0" smtClean="0"/>
-          </a:p>
-          <a:p>
-            <a:r>
-              <a:rPr lang="zh-CN" altLang="en-US" dirty="0" smtClean="0"/>
-              <a:t>构造函数中不要抛出异常</a:t>
-            </a:r>
-            <a:endParaRPr lang="en-US" altLang="zh-CN" dirty="0" smtClean="0"/>
-          </a:p>
-          <a:p>
-            <a:r>
-              <a:rPr lang="zh-CN" altLang="en-US" dirty="0" smtClean="0"/>
-              <a:t>一段逻辑代码超过三个以上的地方调用，可以抽取出一个方法</a:t>
-            </a:r>
-            <a:endParaRPr lang="en-US" altLang="zh-CN" dirty="0" smtClean="0"/>
-          </a:p>
-          <a:p>
-            <a:r>
-              <a:rPr lang="zh-CN" altLang="en-US" dirty="0" smtClean="0"/>
-              <a:t>类注释写在类上面，方法注释写在方法上，代码段中的注释不要写在代码中，可写在大括号后面或某行代码后面</a:t>
+              <a:t>mysql,mysqli,pdo</a:t>
+            </a:r>
+            <a:r>
+              <a:rPr lang="zh-CN" altLang="en-US" dirty="0" smtClean="0"/>
+              <a:t>零切换成本</a:t>
             </a:r>
             <a:endParaRPr lang="en-US" altLang="zh-CN" dirty="0" smtClean="0"/>
           </a:p>
@@ -10183,7 +13073,7 @@
     </p:spTree>
     <p:extLst>
       <p:ext uri="{BB962C8B-B14F-4D97-AF65-F5344CB8AC3E}">
-        <p14:creationId xmlns:p14="http://schemas.microsoft.com/office/powerpoint/2010/main" val="3883059547"/>
+        <p14:creationId xmlns:p14="http://schemas.microsoft.com/office/powerpoint/2010/main" xmlns="" val="133945072"/>
       </p:ext>
     </p:extLst>
   </p:cSld>
@@ -10611,7 +13501,7 @@
     </p:spTree>
     <p:extLst>
       <p:ext uri="{BB962C8B-B14F-4D97-AF65-F5344CB8AC3E}">
-        <p14:creationId xmlns:p14="http://schemas.microsoft.com/office/powerpoint/2010/main" val="1412449207"/>
+        <p14:creationId xmlns:p14="http://schemas.microsoft.com/office/powerpoint/2010/main" xmlns="" val="1412449207"/>
       </p:ext>
     </p:extLst>
   </p:cSld>
@@ -11434,145 +14324,149 @@
         </p:spPr>
         <p:txBody>
           <a:bodyPr>
-            <a:normAutofit/>
+            <a:normAutofit lnSpcReduction="10000"/>
           </a:bodyPr>
           <a:lstStyle/>
           <a:p>
             <a:r>
               <a:rPr lang="zh-CN" altLang="en-US" dirty="0" smtClean="0"/>
-              <a:t>增加业务层</a:t>
+              <a:t>全局常量</a:t>
             </a:r>
             <a:r>
               <a:rPr lang="en-US" altLang="zh-CN" dirty="0" smtClean="0"/>
-              <a:t>AO</a:t>
-            </a:r>
-          </a:p>
-          <a:p>
+              <a:t>,</a:t>
+            </a:r>
+            <a:r>
+              <a:rPr lang="en-US" altLang="zh-CN" dirty="0"/>
+              <a:t> define</a:t>
+            </a:r>
             <a:r>
               <a:rPr lang="en-US" altLang="zh-CN" dirty="0" smtClean="0"/>
-              <a:t>Controller</a:t>
-            </a:r>
-            <a:r>
-              <a:rPr lang="zh-CN" altLang="en-US" dirty="0" smtClean="0"/>
-              <a:t>调用</a:t>
+              <a:t>(“MYSQL_EXTEND”, ‘</a:t>
+            </a:r>
+            <a:r>
+              <a:rPr lang="en-US" altLang="zh-CN" dirty="0" err="1" smtClean="0"/>
+              <a:t>mysqli</a:t>
             </a:r>
             <a:r>
               <a:rPr lang="en-US" altLang="zh-CN" dirty="0" smtClean="0"/>
-              <a:t>AO</a:t>
-            </a:r>
-          </a:p>
-          <a:p>
+              <a:t>’);</a:t>
+            </a:r>
+            <a:r>
+              <a:rPr lang="zh-CN" altLang="en-US" dirty="0" smtClean="0"/>
+              <a:t>大写字母加下划线</a:t>
+            </a:r>
+            <a:endParaRPr lang="en-US" altLang="zh-CN" dirty="0" smtClean="0"/>
+          </a:p>
+          <a:p>
+            <a:r>
+              <a:rPr lang="zh-CN" altLang="en-US" dirty="0"/>
+              <a:t>类中常量定义：</a:t>
+            </a:r>
+            <a:r>
+              <a:rPr lang="en-US" altLang="zh-CN" dirty="0" err="1"/>
+              <a:t>const</a:t>
+            </a:r>
+            <a:r>
+              <a:rPr lang="en-US" altLang="zh-CN" dirty="0"/>
+              <a:t> IS_DELETED=1;</a:t>
+            </a:r>
+            <a:r>
+              <a:rPr lang="zh-CN" altLang="en-US" dirty="0"/>
+              <a:t>大写字母加</a:t>
+            </a:r>
+            <a:r>
+              <a:rPr lang="zh-CN" altLang="en-US" dirty="0" smtClean="0"/>
+              <a:t>下划线</a:t>
+            </a:r>
+            <a:endParaRPr lang="en-US" altLang="zh-CN" dirty="0"/>
+          </a:p>
+          <a:p>
+            <a:r>
+              <a:rPr lang="zh-CN" altLang="en-US" dirty="0" smtClean="0"/>
+              <a:t>定义字符串尽量用单引号，如果字符串中没有变量的话</a:t>
+            </a:r>
+            <a:endParaRPr lang="en-US" altLang="zh-CN" dirty="0" smtClean="0"/>
+          </a:p>
+          <a:p>
+            <a:r>
+              <a:rPr lang="zh-CN" altLang="en-US" dirty="0" smtClean="0"/>
+              <a:t>函数名、局部变量、方法参数开头字母小写</a:t>
+            </a:r>
             <a:r>
               <a:rPr lang="en-US" altLang="zh-CN" dirty="0" smtClean="0"/>
-              <a:t>AO</a:t>
-            </a:r>
-            <a:r>
-              <a:rPr lang="zh-CN" altLang="en-US" dirty="0" smtClean="0"/>
-              <a:t>调用</a:t>
+              <a:t>,</a:t>
+            </a:r>
+            <a:r>
+              <a:rPr lang="zh-CN" altLang="en-US" dirty="0" smtClean="0"/>
+              <a:t>可使用下划线为词的分界</a:t>
             </a:r>
             <a:r>
               <a:rPr lang="en-US" altLang="zh-CN" dirty="0" smtClean="0"/>
-              <a:t>model</a:t>
-            </a:r>
-            <a:r>
-              <a:rPr lang="zh-CN" altLang="en-US" dirty="0" smtClean="0"/>
-              <a:t>层</a:t>
+              <a:t>,</a:t>
+            </a:r>
+            <a:r>
+              <a:rPr lang="zh-CN" altLang="en-US" dirty="0"/>
+              <a:t>也可使用骆驼</a:t>
+            </a:r>
+            <a:r>
+              <a:rPr lang="zh-CN" altLang="en-US" dirty="0" smtClean="0"/>
+              <a:t>命名法</a:t>
             </a:r>
             <a:endParaRPr lang="en-US" altLang="zh-CN" dirty="0" smtClean="0"/>
           </a:p>
           <a:p>
             <a:r>
               <a:rPr lang="zh-CN" altLang="en-US" dirty="0" smtClean="0"/>
-              <a:t>各</a:t>
+              <a:t>类中方法可使用</a:t>
+            </a:r>
+            <a:r>
+              <a:rPr lang="zh-CN" altLang="en-US" dirty="0"/>
+              <a:t>骆驼命名法</a:t>
+            </a:r>
+            <a:r>
+              <a:rPr lang="zh-CN" altLang="en-US" dirty="0" smtClean="0"/>
+              <a:t>命名</a:t>
+            </a:r>
+            <a:endParaRPr lang="en-US" altLang="zh-CN" dirty="0" smtClean="0"/>
+          </a:p>
+          <a:p>
+            <a:r>
+              <a:rPr lang="zh-CN" altLang="en-US" dirty="0" smtClean="0"/>
+              <a:t>尽量少用引用</a:t>
             </a:r>
             <a:r>
               <a:rPr lang="en-US" altLang="zh-CN" dirty="0" smtClean="0"/>
-              <a:t>model</a:t>
-            </a:r>
-            <a:r>
-              <a:rPr lang="zh-CN" altLang="en-US" dirty="0" smtClean="0"/>
-              <a:t>层不能互相调用</a:t>
+              <a:t>,</a:t>
+            </a:r>
+            <a:r>
+              <a:rPr lang="en-US" altLang="zh-CN" dirty="0" err="1" smtClean="0"/>
+              <a:t>php</a:t>
+            </a:r>
+            <a:r>
+              <a:rPr lang="zh-CN" altLang="en-US" dirty="0" smtClean="0"/>
+              <a:t>中引用效率较低</a:t>
             </a:r>
             <a:endParaRPr lang="en-US" altLang="zh-CN" dirty="0" smtClean="0"/>
           </a:p>
           <a:p>
             <a:r>
               <a:rPr lang="zh-CN" altLang="en-US" dirty="0" smtClean="0"/>
-              <a:t>各</a:t>
-            </a:r>
-            <a:r>
-              <a:rPr lang="en-US" altLang="zh-CN" dirty="0" smtClean="0"/>
-              <a:t>AO</a:t>
-            </a:r>
-            <a:r>
-              <a:rPr lang="zh-CN" altLang="en-US" dirty="0" smtClean="0"/>
-              <a:t>层尽量不要互相调用</a:t>
+              <a:t>构造函数中不要抛出异常</a:t>
             </a:r>
             <a:endParaRPr lang="en-US" altLang="zh-CN" dirty="0" smtClean="0"/>
           </a:p>
           <a:p>
             <a:r>
               <a:rPr lang="zh-CN" altLang="en-US" dirty="0" smtClean="0"/>
-              <a:t>一个</a:t>
-            </a:r>
-            <a:r>
-              <a:rPr lang="en-US" altLang="zh-CN" dirty="0" smtClean="0"/>
-              <a:t>AO</a:t>
-            </a:r>
-            <a:r>
-              <a:rPr lang="zh-CN" altLang="en-US" dirty="0" smtClean="0"/>
-              <a:t>中有多个</a:t>
-            </a:r>
-            <a:r>
-              <a:rPr lang="en-US" altLang="zh-CN" dirty="0" smtClean="0"/>
-              <a:t>model</a:t>
-            </a:r>
-          </a:p>
-          <a:p>
-            <a:r>
-              <a:rPr lang="zh-CN" altLang="en-US" dirty="0" smtClean="0"/>
-              <a:t>一个</a:t>
-            </a:r>
-            <a:r>
-              <a:rPr lang="en-US" altLang="zh-CN" dirty="0" smtClean="0"/>
-              <a:t>controller</a:t>
-            </a:r>
-            <a:r>
-              <a:rPr lang="zh-CN" altLang="en-US" dirty="0" smtClean="0"/>
-              <a:t>中可有多个</a:t>
-            </a:r>
-            <a:r>
-              <a:rPr lang="en-US" altLang="zh-CN" dirty="0" smtClean="0"/>
-              <a:t>AO</a:t>
-            </a:r>
-          </a:p>
-          <a:p>
-            <a:r>
-              <a:rPr lang="zh-CN" altLang="en-US" dirty="0" smtClean="0"/>
-              <a:t>事务大部分放在</a:t>
-            </a:r>
-            <a:r>
-              <a:rPr lang="en-US" altLang="zh-CN" dirty="0" smtClean="0"/>
-              <a:t>AO</a:t>
-            </a:r>
-            <a:r>
-              <a:rPr lang="zh-CN" altLang="en-US" dirty="0" smtClean="0"/>
-              <a:t>层</a:t>
+              <a:t>一段逻辑代码超过三个以上的地方调用，可以抽取出一个方法</a:t>
             </a:r>
             <a:endParaRPr lang="en-US" altLang="zh-CN" dirty="0" smtClean="0"/>
           </a:p>
           <a:p>
             <a:r>
               <a:rPr lang="zh-CN" altLang="en-US" dirty="0" smtClean="0"/>
-              <a:t>少部分事务可放在</a:t>
-            </a:r>
-            <a:r>
-              <a:rPr lang="en-US" altLang="zh-CN" dirty="0" smtClean="0"/>
-              <a:t>model</a:t>
-            </a:r>
-            <a:r>
-              <a:rPr lang="zh-CN" altLang="en-US" dirty="0" smtClean="0"/>
-              <a:t>层</a:t>
+              <a:t>类注释写在类上面，方法注释写在方法上，代码段中的注释不要写在代码中，可写在大括号后面或某行代码后面</a:t>
             </a:r>
             <a:endParaRPr lang="en-US" altLang="zh-CN" dirty="0" smtClean="0"/>
           </a:p>
@@ -11730,7 +14624,7 @@
     </p:spTree>
     <p:extLst>
       <p:ext uri="{BB962C8B-B14F-4D97-AF65-F5344CB8AC3E}">
-        <p14:creationId xmlns:p14="http://schemas.microsoft.com/office/powerpoint/2010/main" val="3212400982"/>
+        <p14:creationId xmlns:p14="http://schemas.microsoft.com/office/powerpoint/2010/main" xmlns="" val="3883059547"/>
       </p:ext>
     </p:extLst>
   </p:cSld>
@@ -11766,6 +14660,168 @@
       </p:grpSpPr>
       <p:sp>
         <p:nvSpPr>
+          <p:cNvPr id="3" name="内容占位符 2"/>
+          <p:cNvSpPr>
+            <a:spLocks noGrp="1"/>
+          </p:cNvSpPr>
+          <p:nvPr>
+            <p:ph idx="1"/>
+          </p:nvPr>
+        </p:nvSpPr>
+        <p:spPr>
+          <a:xfrm>
+            <a:off x="323528" y="836712"/>
+            <a:ext cx="8280920" cy="5256584"/>
+          </a:xfrm>
+        </p:spPr>
+        <p:txBody>
+          <a:bodyPr>
+            <a:normAutofit/>
+          </a:bodyPr>
+          <a:lstStyle/>
+          <a:p>
+            <a:r>
+              <a:rPr lang="zh-CN" altLang="en-US" dirty="0" smtClean="0"/>
+              <a:t>增加业务层</a:t>
+            </a:r>
+            <a:r>
+              <a:rPr lang="en-US" altLang="zh-CN" dirty="0" smtClean="0"/>
+              <a:t>AO</a:t>
+            </a:r>
+          </a:p>
+          <a:p>
+            <a:r>
+              <a:rPr lang="en-US" altLang="zh-CN" dirty="0" smtClean="0"/>
+              <a:t>Controller</a:t>
+            </a:r>
+            <a:r>
+              <a:rPr lang="zh-CN" altLang="en-US" dirty="0" smtClean="0"/>
+              <a:t>调用</a:t>
+            </a:r>
+            <a:r>
+              <a:rPr lang="en-US" altLang="zh-CN" dirty="0" smtClean="0"/>
+              <a:t>AO</a:t>
+            </a:r>
+          </a:p>
+          <a:p>
+            <a:r>
+              <a:rPr lang="en-US" altLang="zh-CN" dirty="0" smtClean="0"/>
+              <a:t>AO</a:t>
+            </a:r>
+            <a:r>
+              <a:rPr lang="zh-CN" altLang="en-US" dirty="0" smtClean="0"/>
+              <a:t>调用</a:t>
+            </a:r>
+            <a:r>
+              <a:rPr lang="en-US" altLang="zh-CN" dirty="0" smtClean="0"/>
+              <a:t>model</a:t>
+            </a:r>
+            <a:r>
+              <a:rPr lang="zh-CN" altLang="en-US" dirty="0" smtClean="0"/>
+              <a:t>层</a:t>
+            </a:r>
+            <a:endParaRPr lang="en-US" altLang="zh-CN" dirty="0" smtClean="0"/>
+          </a:p>
+          <a:p>
+            <a:r>
+              <a:rPr lang="zh-CN" altLang="en-US" dirty="0" smtClean="0"/>
+              <a:t>各</a:t>
+            </a:r>
+            <a:r>
+              <a:rPr lang="en-US" altLang="zh-CN" dirty="0" smtClean="0"/>
+              <a:t>model</a:t>
+            </a:r>
+            <a:r>
+              <a:rPr lang="zh-CN" altLang="en-US" dirty="0" smtClean="0"/>
+              <a:t>层不能互相调用</a:t>
+            </a:r>
+            <a:endParaRPr lang="en-US" altLang="zh-CN" dirty="0" smtClean="0"/>
+          </a:p>
+          <a:p>
+            <a:r>
+              <a:rPr lang="zh-CN" altLang="en-US" dirty="0" smtClean="0"/>
+              <a:t>各</a:t>
+            </a:r>
+            <a:r>
+              <a:rPr lang="en-US" altLang="zh-CN" dirty="0" smtClean="0"/>
+              <a:t>AO</a:t>
+            </a:r>
+            <a:r>
+              <a:rPr lang="zh-CN" altLang="en-US" dirty="0" smtClean="0"/>
+              <a:t>层尽量不要互相调用</a:t>
+            </a:r>
+            <a:endParaRPr lang="en-US" altLang="zh-CN" dirty="0" smtClean="0"/>
+          </a:p>
+          <a:p>
+            <a:r>
+              <a:rPr lang="zh-CN" altLang="en-US" dirty="0" smtClean="0"/>
+              <a:t>一个</a:t>
+            </a:r>
+            <a:r>
+              <a:rPr lang="en-US" altLang="zh-CN" dirty="0" smtClean="0"/>
+              <a:t>AO</a:t>
+            </a:r>
+            <a:r>
+              <a:rPr lang="zh-CN" altLang="en-US" dirty="0" smtClean="0"/>
+              <a:t>中有多个</a:t>
+            </a:r>
+            <a:r>
+              <a:rPr lang="en-US" altLang="zh-CN" dirty="0" smtClean="0"/>
+              <a:t>model</a:t>
+            </a:r>
+          </a:p>
+          <a:p>
+            <a:r>
+              <a:rPr lang="zh-CN" altLang="en-US" dirty="0" smtClean="0"/>
+              <a:t>一个</a:t>
+            </a:r>
+            <a:r>
+              <a:rPr lang="en-US" altLang="zh-CN" dirty="0" smtClean="0"/>
+              <a:t>controller</a:t>
+            </a:r>
+            <a:r>
+              <a:rPr lang="zh-CN" altLang="en-US" dirty="0" smtClean="0"/>
+              <a:t>中可有多个</a:t>
+            </a:r>
+            <a:r>
+              <a:rPr lang="en-US" altLang="zh-CN" dirty="0" smtClean="0"/>
+              <a:t>AO</a:t>
+            </a:r>
+          </a:p>
+          <a:p>
+            <a:r>
+              <a:rPr lang="zh-CN" altLang="en-US" dirty="0" smtClean="0"/>
+              <a:t>事务大部分放在</a:t>
+            </a:r>
+            <a:r>
+              <a:rPr lang="en-US" altLang="zh-CN" dirty="0" smtClean="0"/>
+              <a:t>AO</a:t>
+            </a:r>
+            <a:r>
+              <a:rPr lang="zh-CN" altLang="en-US" dirty="0" smtClean="0"/>
+              <a:t>层</a:t>
+            </a:r>
+            <a:endParaRPr lang="en-US" altLang="zh-CN" dirty="0" smtClean="0"/>
+          </a:p>
+          <a:p>
+            <a:r>
+              <a:rPr lang="zh-CN" altLang="en-US" dirty="0" smtClean="0"/>
+              <a:t>少部分事务可放在</a:t>
+            </a:r>
+            <a:r>
+              <a:rPr lang="en-US" altLang="zh-CN" dirty="0" smtClean="0"/>
+              <a:t>model</a:t>
+            </a:r>
+            <a:r>
+              <a:rPr lang="zh-CN" altLang="en-US" dirty="0" smtClean="0"/>
+              <a:t>层</a:t>
+            </a:r>
+            <a:endParaRPr lang="en-US" altLang="zh-CN" dirty="0" smtClean="0"/>
+          </a:p>
+        </p:txBody>
+      </p:sp>
+      <p:sp>
+        <p:nvSpPr>
           <p:cNvPr id="4" name="日期占位符 3"/>
           <p:cNvSpPr>
             <a:spLocks noGrp="1"/>
@@ -11780,11 +14836,25 @@
           <a:lstStyle/>
           <a:p>
             <a:fld id="{B11D738E-8962-435F-8C43-147B8DD7E819}" type="datetime1">
-              <a:rPr lang="en-US" smtClean="0"/>
+              <a:rPr lang="en-US" smtClean="0">
+                <a:solidFill>
+                  <a:prstClr val="black">
+                    <a:lumMod val="65000"/>
+                    <a:lumOff val="35000"/>
+                  </a:prstClr>
+                </a:solidFill>
+              </a:rPr>
               <a:pPr/>
               <a:t>8/28/2014</a:t>
             </a:fld>
-            <a:endParaRPr lang="en-US"/>
+            <a:endParaRPr lang="en-US">
+              <a:solidFill>
+                <a:prstClr val="black">
+                  <a:lumMod val="65000"/>
+                  <a:lumOff val="35000"/>
+                </a:prstClr>
+              </a:solidFill>
+            </a:endParaRPr>
           </a:p>
         </p:txBody>
       </p:sp>
@@ -11804,11 +14874,25 @@
           <a:lstStyle/>
           <a:p>
             <a:fld id="{BA9B540C-44DA-4F69-89C9-7C84606640D3}" type="slidenum">
-              <a:rPr lang="en-US" smtClean="0"/>
+              <a:rPr lang="en-US" smtClean="0">
+                <a:solidFill>
+                  <a:prstClr val="black">
+                    <a:lumMod val="65000"/>
+                    <a:lumOff val="35000"/>
+                  </a:prstClr>
+                </a:solidFill>
+              </a:rPr>
               <a:pPr/>
               <a:t>21</a:t>
             </a:fld>
-            <a:endParaRPr lang="en-US"/>
+            <a:endParaRPr lang="en-US">
+              <a:solidFill>
+                <a:prstClr val="black">
+                  <a:lumMod val="65000"/>
+                  <a:lumOff val="35000"/>
+                </a:prstClr>
+              </a:solidFill>
+            </a:endParaRPr>
           </a:p>
         </p:txBody>
       </p:sp>
@@ -11822,8 +14906,8 @@
         </p:nvSpPr>
         <p:spPr>
           <a:xfrm>
-            <a:off x="251520" y="2348880"/>
-            <a:ext cx="8229600" cy="1024136"/>
+            <a:off x="107504" y="116632"/>
+            <a:ext cx="6840760" cy="764704"/>
           </a:xfrm>
           <a:prstGeom prst="rect">
             <a:avLst/>
@@ -11860,68 +14944,35 @@
             </a:lvl1pPr>
           </a:lstStyle>
           <a:p>
-            <a:endParaRPr lang="zh-CN" altLang="en-US" dirty="0"/>
+            <a:pPr algn="l"/>
+            <a:r>
+              <a:rPr lang="en-US" altLang="zh-CN" sz="3200" b="1" dirty="0" smtClean="0">
+                <a:solidFill>
+                  <a:srgbClr val="2F5897"/>
+                </a:solidFill>
+              </a:rPr>
+              <a:t>PHP</a:t>
+            </a:r>
+            <a:r>
+              <a:rPr lang="zh-CN" altLang="en-US" sz="3200" b="1" dirty="0" smtClean="0">
+                <a:solidFill>
+                  <a:srgbClr val="2F5897"/>
+                </a:solidFill>
+              </a:rPr>
+              <a:t>代码规范</a:t>
+            </a:r>
+            <a:endParaRPr lang="zh-CN" altLang="en-US" sz="3200" b="1" dirty="0">
+              <a:solidFill>
+                <a:srgbClr val="2F5897"/>
+              </a:solidFill>
+            </a:endParaRPr>
           </a:p>
         </p:txBody>
       </p:sp>
-      <p:pic>
-        <p:nvPicPr>
-          <p:cNvPr id="1027" name="Picture 3"/>
-          <p:cNvPicPr>
-            <a:picLocks noChangeAspect="1" noChangeArrowheads="1"/>
-          </p:cNvPicPr>
-          <p:nvPr/>
-        </p:nvPicPr>
-        <p:blipFill>
-          <a:blip r:embed="rId2">
-            <a:extLst>
-              <a:ext uri="{28A0092B-C50C-407E-A947-70E740481C1C}">
-                <a14:useLocalDpi xmlns:a14="http://schemas.microsoft.com/office/drawing/2010/main" val="0"/>
-              </a:ext>
-            </a:extLst>
-          </a:blip>
-          <a:srcRect/>
-          <a:stretch>
-            <a:fillRect/>
-          </a:stretch>
-        </p:blipFill>
-        <p:spPr bwMode="auto">
-          <a:xfrm>
-            <a:off x="-108520" y="0"/>
-            <a:ext cx="9252520" cy="7025852"/>
-          </a:xfrm>
-          <a:prstGeom prst="rect">
-            <a:avLst/>
-          </a:prstGeom>
-          <a:noFill/>
-          <a:ln>
-            <a:noFill/>
-          </a:ln>
-          <a:extLst>
-            <a:ext uri="{909E8E84-426E-40DD-AFC4-6F175D3DCCD1}">
-              <a14:hiddenFill xmlns:a14="http://schemas.microsoft.com/office/drawing/2010/main">
-                <a:solidFill>
-                  <a:schemeClr val="accent1"/>
-                </a:solidFill>
-              </a14:hiddenFill>
-            </a:ext>
-            <a:ext uri="{91240B29-F687-4F45-9708-019B960494DF}">
-              <a14:hiddenLine xmlns:a14="http://schemas.microsoft.com/office/drawing/2010/main" w="9525">
-                <a:solidFill>
-                  <a:schemeClr val="tx1"/>
-                </a:solidFill>
-                <a:miter lim="800000"/>
-                <a:headEnd/>
-                <a:tailEnd/>
-              </a14:hiddenLine>
-            </a:ext>
-          </a:extLst>
-        </p:spPr>
-      </p:pic>
     </p:spTree>
     <p:extLst>
       <p:ext uri="{BB962C8B-B14F-4D97-AF65-F5344CB8AC3E}">
-        <p14:creationId xmlns:p14="http://schemas.microsoft.com/office/powerpoint/2010/main" val="2993230041"/>
+        <p14:creationId xmlns:p14="http://schemas.microsoft.com/office/powerpoint/2010/main" xmlns="" val="3212400982"/>
       </p:ext>
     </p:extLst>
   </p:cSld>
@@ -11971,25 +15022,11 @@
           <a:lstStyle/>
           <a:p>
             <a:fld id="{B11D738E-8962-435F-8C43-147B8DD7E819}" type="datetime1">
-              <a:rPr lang="en-US" smtClean="0">
-                <a:solidFill>
-                  <a:prstClr val="black">
-                    <a:lumMod val="65000"/>
-                    <a:lumOff val="35000"/>
-                  </a:prstClr>
-                </a:solidFill>
-              </a:rPr>
+              <a:rPr lang="en-US" smtClean="0"/>
               <a:pPr/>
               <a:t>8/28/2014</a:t>
             </a:fld>
-            <a:endParaRPr lang="en-US">
-              <a:solidFill>
-                <a:prstClr val="black">
-                  <a:lumMod val="65000"/>
-                  <a:lumOff val="35000"/>
-                </a:prstClr>
-              </a:solidFill>
-            </a:endParaRPr>
+            <a:endParaRPr lang="en-US"/>
           </a:p>
         </p:txBody>
       </p:sp>
@@ -12009,25 +15046,11 @@
           <a:lstStyle/>
           <a:p>
             <a:fld id="{BA9B540C-44DA-4F69-89C9-7C84606640D3}" type="slidenum">
-              <a:rPr lang="en-US" smtClean="0">
-                <a:solidFill>
-                  <a:prstClr val="black">
-                    <a:lumMod val="65000"/>
-                    <a:lumOff val="35000"/>
-                  </a:prstClr>
-                </a:solidFill>
-              </a:rPr>
+              <a:rPr lang="en-US" smtClean="0"/>
               <a:pPr/>
               <a:t>22</a:t>
             </a:fld>
-            <a:endParaRPr lang="en-US">
-              <a:solidFill>
-                <a:prstClr val="black">
-                  <a:lumMod val="65000"/>
-                  <a:lumOff val="35000"/>
-                </a:prstClr>
-              </a:solidFill>
-            </a:endParaRPr>
+            <a:endParaRPr lang="en-US"/>
           </a:p>
         </p:txBody>
       </p:sp>
@@ -12041,8 +15064,8 @@
         </p:nvSpPr>
         <p:spPr>
           <a:xfrm>
-            <a:off x="107504" y="116632"/>
-            <a:ext cx="6840760" cy="764704"/>
+            <a:off x="251520" y="2348880"/>
+            <a:ext cx="8229600" cy="1024136"/>
           </a:xfrm>
           <a:prstGeom prst="rect">
             <a:avLst/>
@@ -12079,345 +15102,68 @@
             </a:lvl1pPr>
           </a:lstStyle>
           <a:p>
-            <a:pPr algn="l"/>
-            <a:r>
-              <a:rPr lang="en-US" altLang="zh-CN" sz="3200" b="1" dirty="0" smtClean="0">
-                <a:solidFill>
-                  <a:srgbClr val="2F5897"/>
-                </a:solidFill>
-              </a:rPr>
-              <a:t>PHP</a:t>
-            </a:r>
-            <a:r>
-              <a:rPr lang="zh-CN" altLang="en-US" sz="3200" b="1" dirty="0" smtClean="0">
-                <a:solidFill>
-                  <a:srgbClr val="2F5897"/>
-                </a:solidFill>
-              </a:rPr>
-              <a:t>代码类常量示例</a:t>
-            </a:r>
-            <a:endParaRPr lang="zh-CN" altLang="en-US" sz="3200" b="1" dirty="0">
-              <a:solidFill>
-                <a:srgbClr val="2F5897"/>
-              </a:solidFill>
-            </a:endParaRPr>
+            <a:endParaRPr lang="zh-CN" altLang="en-US" dirty="0"/>
           </a:p>
         </p:txBody>
       </p:sp>
-      <p:sp>
-        <p:nvSpPr>
-          <p:cNvPr id="2" name="TextBox 1"/>
-          <p:cNvSpPr txBox="1"/>
+      <p:pic>
+        <p:nvPicPr>
+          <p:cNvPr id="1027" name="Picture 3"/>
+          <p:cNvPicPr>
+            <a:picLocks noChangeAspect="1" noChangeArrowheads="1"/>
+          </p:cNvPicPr>
           <p:nvPr/>
-        </p:nvSpPr>
-        <p:spPr>
+        </p:nvPicPr>
+        <p:blipFill>
+          <a:blip r:embed="rId2">
+            <a:extLst>
+              <a:ext uri="{28A0092B-C50C-407E-A947-70E740481C1C}">
+                <a14:useLocalDpi xmlns:a14="http://schemas.microsoft.com/office/drawing/2010/main" xmlns="" val="0"/>
+              </a:ext>
+            </a:extLst>
+          </a:blip>
+          <a:srcRect/>
+          <a:stretch>
+            <a:fillRect/>
+          </a:stretch>
+        </p:blipFill>
+        <p:spPr bwMode="auto">
           <a:xfrm>
-            <a:off x="323528" y="928079"/>
-            <a:ext cx="7992888" cy="2585323"/>
+            <a:off x="-108520" y="0"/>
+            <a:ext cx="9252520" cy="7025852"/>
           </a:xfrm>
           <a:prstGeom prst="rect">
             <a:avLst/>
           </a:prstGeom>
           <a:noFill/>
+          <a:ln>
+            <a:noFill/>
+          </a:ln>
+          <a:extLst>
+            <a:ext uri="{909E8E84-426E-40DD-AFC4-6F175D3DCCD1}">
+              <a14:hiddenFill xmlns:a14="http://schemas.microsoft.com/office/drawing/2010/main" xmlns="">
+                <a:solidFill>
+                  <a:schemeClr val="accent1"/>
+                </a:solidFill>
+              </a14:hiddenFill>
+            </a:ext>
+            <a:ext uri="{91240B29-F687-4F45-9708-019B960494DF}">
+              <a14:hiddenLine xmlns:a14="http://schemas.microsoft.com/office/drawing/2010/main" xmlns="" w="9525">
+                <a:solidFill>
+                  <a:schemeClr val="tx1"/>
+                </a:solidFill>
+                <a:miter lim="800000"/>
+                <a:headEnd/>
+                <a:tailEnd/>
+              </a14:hiddenLine>
+            </a:ext>
+          </a:extLst>
         </p:spPr>
-        <p:txBody>
-          <a:bodyPr wrap="square" rtlCol="0">
-            <a:spAutoFit/>
-          </a:bodyPr>
-          <a:lstStyle/>
-          <a:p>
-            <a:r>
-              <a:rPr lang="en-US" altLang="zh-CN" dirty="0"/>
-              <a:t>class </a:t>
-            </a:r>
-            <a:r>
-              <a:rPr lang="en-US" altLang="zh-CN" dirty="0" err="1"/>
-              <a:t>BaseModel</a:t>
-            </a:r>
-            <a:r>
-              <a:rPr lang="en-US" altLang="zh-CN" dirty="0"/>
-              <a:t> {</a:t>
-            </a:r>
-          </a:p>
-          <a:p>
-            <a:endParaRPr lang="en-US" altLang="zh-CN" dirty="0"/>
-          </a:p>
-          <a:p>
-            <a:r>
-              <a:rPr lang="en-US" altLang="zh-CN" dirty="0"/>
-              <a:t>    /**</a:t>
-            </a:r>
-            <a:r>
-              <a:rPr lang="zh-CN" altLang="en-US" dirty="0"/>
-              <a:t>删除状态</a:t>
-            </a:r>
-            <a:r>
-              <a:rPr lang="en-US" altLang="zh-CN" dirty="0"/>
-              <a:t>: </a:t>
-            </a:r>
-            <a:r>
-              <a:rPr lang="zh-CN" altLang="en-US" dirty="0"/>
-              <a:t>未删除 *</a:t>
-            </a:r>
-            <a:r>
-              <a:rPr lang="en-US" altLang="zh-CN" dirty="0"/>
-              <a:t>/</a:t>
-            </a:r>
-          </a:p>
-          <a:p>
-            <a:r>
-              <a:rPr lang="en-US" altLang="zh-CN" dirty="0"/>
-              <a:t>    </a:t>
-            </a:r>
-            <a:r>
-              <a:rPr lang="en-US" altLang="zh-CN" dirty="0" err="1"/>
-              <a:t>const</a:t>
-            </a:r>
-            <a:r>
-              <a:rPr lang="en-US" altLang="zh-CN" dirty="0"/>
-              <a:t> IS_NOT_DELETED=0;</a:t>
-            </a:r>
-          </a:p>
-          <a:p>
-            <a:endParaRPr lang="en-US" altLang="zh-CN" dirty="0"/>
-          </a:p>
-          <a:p>
-            <a:r>
-              <a:rPr lang="en-US" altLang="zh-CN" dirty="0"/>
-              <a:t>    /**</a:t>
-            </a:r>
-            <a:r>
-              <a:rPr lang="zh-CN" altLang="en-US" dirty="0"/>
-              <a:t>删除状态</a:t>
-            </a:r>
-            <a:r>
-              <a:rPr lang="en-US" altLang="zh-CN" dirty="0"/>
-              <a:t>: </a:t>
-            </a:r>
-            <a:r>
-              <a:rPr lang="zh-CN" altLang="en-US" dirty="0"/>
-              <a:t>已删除 *</a:t>
-            </a:r>
-            <a:r>
-              <a:rPr lang="en-US" altLang="zh-CN" dirty="0"/>
-              <a:t>/</a:t>
-            </a:r>
-          </a:p>
-          <a:p>
-            <a:r>
-              <a:rPr lang="en-US" altLang="zh-CN" dirty="0"/>
-              <a:t>    </a:t>
-            </a:r>
-            <a:r>
-              <a:rPr lang="en-US" altLang="zh-CN" dirty="0" err="1"/>
-              <a:t>const</a:t>
-            </a:r>
-            <a:r>
-              <a:rPr lang="en-US" altLang="zh-CN" dirty="0"/>
-              <a:t> IS_DELETED=1;</a:t>
-            </a:r>
-          </a:p>
-          <a:p>
-            <a:endParaRPr lang="en-US" altLang="zh-CN" dirty="0"/>
-          </a:p>
-          <a:p>
-            <a:r>
-              <a:rPr lang="en-US" altLang="zh-CN" dirty="0"/>
-              <a:t>}</a:t>
-            </a:r>
-            <a:endParaRPr lang="zh-CN" altLang="en-US" dirty="0"/>
-          </a:p>
-        </p:txBody>
-      </p:sp>
-      <p:sp>
-        <p:nvSpPr>
-          <p:cNvPr id="5" name="TextBox 4"/>
-          <p:cNvSpPr txBox="1"/>
-          <p:nvPr/>
-        </p:nvSpPr>
-        <p:spPr>
-          <a:xfrm>
-            <a:off x="323528" y="3513402"/>
-            <a:ext cx="7344816" cy="3139321"/>
-          </a:xfrm>
-          <a:prstGeom prst="rect">
-            <a:avLst/>
-          </a:prstGeom>
-          <a:noFill/>
-        </p:spPr>
-        <p:txBody>
-          <a:bodyPr wrap="square" rtlCol="0">
-            <a:spAutoFit/>
-          </a:bodyPr>
-          <a:lstStyle/>
-          <a:p>
-            <a:r>
-              <a:rPr lang="en-US" altLang="zh-CN" dirty="0"/>
-              <a:t>class </a:t>
-            </a:r>
-            <a:r>
-              <a:rPr lang="en-US" altLang="zh-CN" dirty="0" err="1"/>
-              <a:t>OrderModel</a:t>
-            </a:r>
-            <a:r>
-              <a:rPr lang="en-US" altLang="zh-CN" dirty="0"/>
-              <a:t> extends </a:t>
-            </a:r>
-            <a:r>
-              <a:rPr lang="en-US" altLang="zh-CN" dirty="0" err="1"/>
-              <a:t>BaseModel</a:t>
-            </a:r>
-            <a:r>
-              <a:rPr lang="en-US" altLang="zh-CN" dirty="0"/>
-              <a:t>{</a:t>
-            </a:r>
-          </a:p>
-          <a:p>
-            <a:endParaRPr lang="en-US" altLang="zh-CN" dirty="0"/>
-          </a:p>
-          <a:p>
-            <a:r>
-              <a:rPr lang="zh-CN" altLang="en-US" dirty="0"/>
-              <a:t> </a:t>
-            </a:r>
-            <a:r>
-              <a:rPr lang="zh-CN" altLang="en-US" dirty="0" smtClean="0"/>
-              <a:t>   </a:t>
-            </a:r>
-            <a:r>
-              <a:rPr lang="en-US" altLang="zh-CN" dirty="0" smtClean="0"/>
-              <a:t>/**</a:t>
-            </a:r>
-            <a:r>
-              <a:rPr lang="zh-CN" altLang="en-US" dirty="0"/>
-              <a:t>订单状态</a:t>
-            </a:r>
-            <a:r>
-              <a:rPr lang="en-US" altLang="zh-CN" dirty="0"/>
-              <a:t>:</a:t>
-            </a:r>
-            <a:r>
-              <a:rPr lang="zh-CN" altLang="en-US" dirty="0"/>
-              <a:t>未确认 *</a:t>
-            </a:r>
-            <a:r>
-              <a:rPr lang="en-US" altLang="zh-CN" dirty="0"/>
-              <a:t>/</a:t>
-            </a:r>
-          </a:p>
-          <a:p>
-            <a:r>
-              <a:rPr lang="en-US" altLang="zh-CN" dirty="0"/>
-              <a:t>    </a:t>
-            </a:r>
-            <a:r>
-              <a:rPr lang="en-US" altLang="zh-CN" dirty="0" err="1"/>
-              <a:t>const</a:t>
-            </a:r>
-            <a:r>
-              <a:rPr lang="en-US" altLang="zh-CN" dirty="0"/>
-              <a:t> ORDER_STATUS_UN_CONFIRM=0;</a:t>
-            </a:r>
-          </a:p>
-          <a:p>
-            <a:endParaRPr lang="en-US" altLang="zh-CN" dirty="0"/>
-          </a:p>
-          <a:p>
-            <a:r>
-              <a:rPr lang="en-US" altLang="zh-CN" dirty="0"/>
-              <a:t>    /**</a:t>
-            </a:r>
-            <a:r>
-              <a:rPr lang="zh-CN" altLang="en-US" dirty="0"/>
-              <a:t>订单状态</a:t>
-            </a:r>
-            <a:r>
-              <a:rPr lang="en-US" altLang="zh-CN" dirty="0"/>
-              <a:t>:</a:t>
-            </a:r>
-            <a:r>
-              <a:rPr lang="zh-CN" altLang="en-US" dirty="0"/>
-              <a:t>已确认 *</a:t>
-            </a:r>
-            <a:r>
-              <a:rPr lang="en-US" altLang="zh-CN" dirty="0"/>
-              <a:t>/</a:t>
-            </a:r>
-          </a:p>
-          <a:p>
-            <a:r>
-              <a:rPr lang="en-US" altLang="zh-CN" dirty="0"/>
-              <a:t>    </a:t>
-            </a:r>
-            <a:r>
-              <a:rPr lang="en-US" altLang="zh-CN" dirty="0" err="1"/>
-              <a:t>const</a:t>
-            </a:r>
-            <a:r>
-              <a:rPr lang="en-US" altLang="zh-CN" dirty="0"/>
-              <a:t> ORDER_STATUS_IS_CONFIRM=1;</a:t>
-            </a:r>
-          </a:p>
-          <a:p>
-            <a:endParaRPr lang="en-US" altLang="zh-CN" dirty="0"/>
-          </a:p>
-          <a:p>
-            <a:r>
-              <a:rPr lang="en-US" altLang="zh-CN" dirty="0"/>
-              <a:t>    /**</a:t>
-            </a:r>
-            <a:r>
-              <a:rPr lang="zh-CN" altLang="en-US" dirty="0"/>
-              <a:t>订单状态</a:t>
-            </a:r>
-            <a:r>
-              <a:rPr lang="en-US" altLang="zh-CN" dirty="0"/>
-              <a:t>:</a:t>
-            </a:r>
-            <a:r>
-              <a:rPr lang="zh-CN" altLang="en-US" dirty="0"/>
-              <a:t>已取消 *</a:t>
-            </a:r>
-            <a:r>
-              <a:rPr lang="en-US" altLang="zh-CN" dirty="0"/>
-              <a:t>/</a:t>
-            </a:r>
-          </a:p>
-          <a:p>
-            <a:r>
-              <a:rPr lang="en-US" altLang="zh-CN" dirty="0"/>
-              <a:t>    </a:t>
-            </a:r>
-            <a:r>
-              <a:rPr lang="en-US" altLang="zh-CN" dirty="0" err="1"/>
-              <a:t>const</a:t>
-            </a:r>
-            <a:r>
-              <a:rPr lang="en-US" altLang="zh-CN" dirty="0"/>
-              <a:t> </a:t>
-            </a:r>
-            <a:r>
-              <a:rPr lang="en-US" altLang="zh-CN" dirty="0" smtClean="0"/>
-              <a:t>ORDER_STATUS_IS_CANCELED=2</a:t>
-            </a:r>
-            <a:r>
-              <a:rPr lang="en-US" altLang="zh-CN" dirty="0"/>
-              <a:t>;</a:t>
-            </a:r>
-          </a:p>
-          <a:p>
-            <a:r>
-              <a:rPr lang="en-US" altLang="zh-CN" dirty="0"/>
-              <a:t>}</a:t>
-            </a:r>
-            <a:endParaRPr lang="zh-CN" altLang="en-US" dirty="0"/>
-          </a:p>
-        </p:txBody>
-      </p:sp>
+      </p:pic>
     </p:spTree>
     <p:extLst>
       <p:ext uri="{BB962C8B-B14F-4D97-AF65-F5344CB8AC3E}">
-        <p14:creationId xmlns:p14="http://schemas.microsoft.com/office/powerpoint/2010/main" val="2605531641"/>
+        <p14:creationId xmlns:p14="http://schemas.microsoft.com/office/powerpoint/2010/main" xmlns="" val="2993230041"/>
       </p:ext>
     </p:extLst>
   </p:cSld>
@@ -12478,7 +15224,7 @@
               <a:pPr/>
               <a:t>8/28/2014</a:t>
             </a:fld>
-            <a:endParaRPr lang="en-US" dirty="0">
+            <a:endParaRPr lang="en-US">
               <a:solidFill>
                 <a:prstClr val="black">
                   <a:lumMod val="65000"/>
@@ -12624,6 +15370,502 @@
           <a:p>
             <a:r>
               <a:rPr lang="en-US" altLang="zh-CN" dirty="0"/>
+              <a:t>class </a:t>
+            </a:r>
+            <a:r>
+              <a:rPr lang="en-US" altLang="zh-CN" dirty="0" err="1"/>
+              <a:t>BaseModel</a:t>
+            </a:r>
+            <a:r>
+              <a:rPr lang="en-US" altLang="zh-CN" dirty="0"/>
+              <a:t> {</a:t>
+            </a:r>
+          </a:p>
+          <a:p>
+            <a:endParaRPr lang="en-US" altLang="zh-CN" dirty="0"/>
+          </a:p>
+          <a:p>
+            <a:r>
+              <a:rPr lang="en-US" altLang="zh-CN" dirty="0"/>
+              <a:t>    /**</a:t>
+            </a:r>
+            <a:r>
+              <a:rPr lang="zh-CN" altLang="en-US" dirty="0"/>
+              <a:t>删除状态</a:t>
+            </a:r>
+            <a:r>
+              <a:rPr lang="en-US" altLang="zh-CN" dirty="0"/>
+              <a:t>: </a:t>
+            </a:r>
+            <a:r>
+              <a:rPr lang="zh-CN" altLang="en-US" dirty="0"/>
+              <a:t>未删除 *</a:t>
+            </a:r>
+            <a:r>
+              <a:rPr lang="en-US" altLang="zh-CN" dirty="0"/>
+              <a:t>/</a:t>
+            </a:r>
+          </a:p>
+          <a:p>
+            <a:r>
+              <a:rPr lang="en-US" altLang="zh-CN" dirty="0"/>
+              <a:t>    </a:t>
+            </a:r>
+            <a:r>
+              <a:rPr lang="en-US" altLang="zh-CN" dirty="0" err="1"/>
+              <a:t>const</a:t>
+            </a:r>
+            <a:r>
+              <a:rPr lang="en-US" altLang="zh-CN" dirty="0"/>
+              <a:t> IS_NOT_DELETED=0;</a:t>
+            </a:r>
+          </a:p>
+          <a:p>
+            <a:endParaRPr lang="en-US" altLang="zh-CN" dirty="0"/>
+          </a:p>
+          <a:p>
+            <a:r>
+              <a:rPr lang="en-US" altLang="zh-CN" dirty="0"/>
+              <a:t>    /**</a:t>
+            </a:r>
+            <a:r>
+              <a:rPr lang="zh-CN" altLang="en-US" dirty="0"/>
+              <a:t>删除状态</a:t>
+            </a:r>
+            <a:r>
+              <a:rPr lang="en-US" altLang="zh-CN" dirty="0"/>
+              <a:t>: </a:t>
+            </a:r>
+            <a:r>
+              <a:rPr lang="zh-CN" altLang="en-US" dirty="0"/>
+              <a:t>已删除 *</a:t>
+            </a:r>
+            <a:r>
+              <a:rPr lang="en-US" altLang="zh-CN" dirty="0"/>
+              <a:t>/</a:t>
+            </a:r>
+          </a:p>
+          <a:p>
+            <a:r>
+              <a:rPr lang="en-US" altLang="zh-CN" dirty="0"/>
+              <a:t>    </a:t>
+            </a:r>
+            <a:r>
+              <a:rPr lang="en-US" altLang="zh-CN" dirty="0" err="1"/>
+              <a:t>const</a:t>
+            </a:r>
+            <a:r>
+              <a:rPr lang="en-US" altLang="zh-CN" dirty="0"/>
+              <a:t> IS_DELETED=1;</a:t>
+            </a:r>
+          </a:p>
+          <a:p>
+            <a:endParaRPr lang="en-US" altLang="zh-CN" dirty="0"/>
+          </a:p>
+          <a:p>
+            <a:r>
+              <a:rPr lang="en-US" altLang="zh-CN" dirty="0"/>
+              <a:t>}</a:t>
+            </a:r>
+            <a:endParaRPr lang="zh-CN" altLang="en-US" dirty="0"/>
+          </a:p>
+        </p:txBody>
+      </p:sp>
+      <p:sp>
+        <p:nvSpPr>
+          <p:cNvPr id="5" name="TextBox 4"/>
+          <p:cNvSpPr txBox="1"/>
+          <p:nvPr/>
+        </p:nvSpPr>
+        <p:spPr>
+          <a:xfrm>
+            <a:off x="323528" y="3513402"/>
+            <a:ext cx="7344816" cy="3139321"/>
+          </a:xfrm>
+          <a:prstGeom prst="rect">
+            <a:avLst/>
+          </a:prstGeom>
+          <a:noFill/>
+        </p:spPr>
+        <p:txBody>
+          <a:bodyPr wrap="square" rtlCol="0">
+            <a:spAutoFit/>
+          </a:bodyPr>
+          <a:lstStyle/>
+          <a:p>
+            <a:r>
+              <a:rPr lang="en-US" altLang="zh-CN" dirty="0"/>
+              <a:t>class </a:t>
+            </a:r>
+            <a:r>
+              <a:rPr lang="en-US" altLang="zh-CN" dirty="0" err="1"/>
+              <a:t>OrderModel</a:t>
+            </a:r>
+            <a:r>
+              <a:rPr lang="en-US" altLang="zh-CN" dirty="0"/>
+              <a:t> extends </a:t>
+            </a:r>
+            <a:r>
+              <a:rPr lang="en-US" altLang="zh-CN" dirty="0" err="1"/>
+              <a:t>BaseModel</a:t>
+            </a:r>
+            <a:r>
+              <a:rPr lang="en-US" altLang="zh-CN" dirty="0"/>
+              <a:t>{</a:t>
+            </a:r>
+          </a:p>
+          <a:p>
+            <a:endParaRPr lang="en-US" altLang="zh-CN" dirty="0"/>
+          </a:p>
+          <a:p>
+            <a:r>
+              <a:rPr lang="zh-CN" altLang="en-US" dirty="0"/>
+              <a:t> </a:t>
+            </a:r>
+            <a:r>
+              <a:rPr lang="zh-CN" altLang="en-US" dirty="0" smtClean="0"/>
+              <a:t>   </a:t>
+            </a:r>
+            <a:r>
+              <a:rPr lang="en-US" altLang="zh-CN" dirty="0" smtClean="0"/>
+              <a:t>/**</a:t>
+            </a:r>
+            <a:r>
+              <a:rPr lang="zh-CN" altLang="en-US" dirty="0"/>
+              <a:t>订单状态</a:t>
+            </a:r>
+            <a:r>
+              <a:rPr lang="en-US" altLang="zh-CN" dirty="0"/>
+              <a:t>:</a:t>
+            </a:r>
+            <a:r>
+              <a:rPr lang="zh-CN" altLang="en-US" dirty="0"/>
+              <a:t>未确认 *</a:t>
+            </a:r>
+            <a:r>
+              <a:rPr lang="en-US" altLang="zh-CN" dirty="0"/>
+              <a:t>/</a:t>
+            </a:r>
+          </a:p>
+          <a:p>
+            <a:r>
+              <a:rPr lang="en-US" altLang="zh-CN" dirty="0"/>
+              <a:t>    </a:t>
+            </a:r>
+            <a:r>
+              <a:rPr lang="en-US" altLang="zh-CN" dirty="0" err="1"/>
+              <a:t>const</a:t>
+            </a:r>
+            <a:r>
+              <a:rPr lang="en-US" altLang="zh-CN" dirty="0"/>
+              <a:t> ORDER_STATUS_UN_CONFIRM=0;</a:t>
+            </a:r>
+          </a:p>
+          <a:p>
+            <a:endParaRPr lang="en-US" altLang="zh-CN" dirty="0"/>
+          </a:p>
+          <a:p>
+            <a:r>
+              <a:rPr lang="en-US" altLang="zh-CN" dirty="0"/>
+              <a:t>    /**</a:t>
+            </a:r>
+            <a:r>
+              <a:rPr lang="zh-CN" altLang="en-US" dirty="0"/>
+              <a:t>订单状态</a:t>
+            </a:r>
+            <a:r>
+              <a:rPr lang="en-US" altLang="zh-CN" dirty="0"/>
+              <a:t>:</a:t>
+            </a:r>
+            <a:r>
+              <a:rPr lang="zh-CN" altLang="en-US" dirty="0"/>
+              <a:t>已确认 *</a:t>
+            </a:r>
+            <a:r>
+              <a:rPr lang="en-US" altLang="zh-CN" dirty="0"/>
+              <a:t>/</a:t>
+            </a:r>
+          </a:p>
+          <a:p>
+            <a:r>
+              <a:rPr lang="en-US" altLang="zh-CN" dirty="0"/>
+              <a:t>    </a:t>
+            </a:r>
+            <a:r>
+              <a:rPr lang="en-US" altLang="zh-CN" dirty="0" err="1"/>
+              <a:t>const</a:t>
+            </a:r>
+            <a:r>
+              <a:rPr lang="en-US" altLang="zh-CN" dirty="0"/>
+              <a:t> ORDER_STATUS_IS_CONFIRM=1;</a:t>
+            </a:r>
+          </a:p>
+          <a:p>
+            <a:endParaRPr lang="en-US" altLang="zh-CN" dirty="0"/>
+          </a:p>
+          <a:p>
+            <a:r>
+              <a:rPr lang="en-US" altLang="zh-CN" dirty="0"/>
+              <a:t>    /**</a:t>
+            </a:r>
+            <a:r>
+              <a:rPr lang="zh-CN" altLang="en-US" dirty="0"/>
+              <a:t>订单状态</a:t>
+            </a:r>
+            <a:r>
+              <a:rPr lang="en-US" altLang="zh-CN" dirty="0"/>
+              <a:t>:</a:t>
+            </a:r>
+            <a:r>
+              <a:rPr lang="zh-CN" altLang="en-US" dirty="0"/>
+              <a:t>已取消 *</a:t>
+            </a:r>
+            <a:r>
+              <a:rPr lang="en-US" altLang="zh-CN" dirty="0"/>
+              <a:t>/</a:t>
+            </a:r>
+          </a:p>
+          <a:p>
+            <a:r>
+              <a:rPr lang="en-US" altLang="zh-CN" dirty="0"/>
+              <a:t>    </a:t>
+            </a:r>
+            <a:r>
+              <a:rPr lang="en-US" altLang="zh-CN" dirty="0" err="1"/>
+              <a:t>const</a:t>
+            </a:r>
+            <a:r>
+              <a:rPr lang="en-US" altLang="zh-CN" dirty="0"/>
+              <a:t> </a:t>
+            </a:r>
+            <a:r>
+              <a:rPr lang="en-US" altLang="zh-CN" dirty="0" smtClean="0"/>
+              <a:t>ORDER_STATUS_IS_CANCELED=2</a:t>
+            </a:r>
+            <a:r>
+              <a:rPr lang="en-US" altLang="zh-CN" dirty="0"/>
+              <a:t>;</a:t>
+            </a:r>
+          </a:p>
+          <a:p>
+            <a:r>
+              <a:rPr lang="en-US" altLang="zh-CN" dirty="0"/>
+              <a:t>}</a:t>
+            </a:r>
+            <a:endParaRPr lang="zh-CN" altLang="en-US" dirty="0"/>
+          </a:p>
+        </p:txBody>
+      </p:sp>
+    </p:spTree>
+    <p:extLst>
+      <p:ext uri="{BB962C8B-B14F-4D97-AF65-F5344CB8AC3E}">
+        <p14:creationId xmlns:p14="http://schemas.microsoft.com/office/powerpoint/2010/main" xmlns="" val="2605531641"/>
+      </p:ext>
+    </p:extLst>
+  </p:cSld>
+  <p:clrMapOvr>
+    <a:masterClrMapping/>
+  </p:clrMapOvr>
+  <p:timing>
+    <p:tnLst>
+      <p:par>
+        <p:cTn id="1" dur="indefinite" restart="never" nodeType="tmRoot"/>
+      </p:par>
+    </p:tnLst>
+  </p:timing>
+</p:sld>
+</file>
+
+<file path=ppt/slides/slide24.xml><?xml version="1.0" encoding="utf-8"?>
+<p:sld xmlns:a="http://schemas.openxmlformats.org/drawingml/2006/main" xmlns:r="http://schemas.openxmlformats.org/officeDocument/2006/relationships" xmlns:p="http://schemas.openxmlformats.org/presentationml/2006/main">
+  <p:cSld>
+    <p:spTree>
+      <p:nvGrpSpPr>
+        <p:cNvPr id="1" name=""/>
+        <p:cNvGrpSpPr/>
+        <p:nvPr/>
+      </p:nvGrpSpPr>
+      <p:grpSpPr>
+        <a:xfrm>
+          <a:off x="0" y="0"/>
+          <a:ext cx="0" cy="0"/>
+          <a:chOff x="0" y="0"/>
+          <a:chExt cx="0" cy="0"/>
+        </a:xfrm>
+      </p:grpSpPr>
+      <p:sp>
+        <p:nvSpPr>
+          <p:cNvPr id="4" name="日期占位符 3"/>
+          <p:cNvSpPr>
+            <a:spLocks noGrp="1"/>
+          </p:cNvSpPr>
+          <p:nvPr>
+            <p:ph type="dt" sz="half" idx="10"/>
+          </p:nvPr>
+        </p:nvSpPr>
+        <p:spPr/>
+        <p:txBody>
+          <a:bodyPr/>
+          <a:lstStyle/>
+          <a:p>
+            <a:fld id="{B11D738E-8962-435F-8C43-147B8DD7E819}" type="datetime1">
+              <a:rPr lang="en-US" smtClean="0">
+                <a:solidFill>
+                  <a:prstClr val="black">
+                    <a:lumMod val="65000"/>
+                    <a:lumOff val="35000"/>
+                  </a:prstClr>
+                </a:solidFill>
+              </a:rPr>
+              <a:pPr/>
+              <a:t>8/28/2014</a:t>
+            </a:fld>
+            <a:endParaRPr lang="en-US" dirty="0">
+              <a:solidFill>
+                <a:prstClr val="black">
+                  <a:lumMod val="65000"/>
+                  <a:lumOff val="35000"/>
+                </a:prstClr>
+              </a:solidFill>
+            </a:endParaRPr>
+          </a:p>
+        </p:txBody>
+      </p:sp>
+      <p:sp>
+        <p:nvSpPr>
+          <p:cNvPr id="6" name="灯片编号占位符 5"/>
+          <p:cNvSpPr>
+            <a:spLocks noGrp="1"/>
+          </p:cNvSpPr>
+          <p:nvPr>
+            <p:ph type="sldNum" sz="quarter" idx="12"/>
+          </p:nvPr>
+        </p:nvSpPr>
+        <p:spPr/>
+        <p:txBody>
+          <a:bodyPr/>
+          <a:lstStyle/>
+          <a:p>
+            <a:fld id="{BA9B540C-44DA-4F69-89C9-7C84606640D3}" type="slidenum">
+              <a:rPr lang="en-US" smtClean="0">
+                <a:solidFill>
+                  <a:prstClr val="black">
+                    <a:lumMod val="65000"/>
+                    <a:lumOff val="35000"/>
+                  </a:prstClr>
+                </a:solidFill>
+              </a:rPr>
+              <a:pPr/>
+              <a:t>24</a:t>
+            </a:fld>
+            <a:endParaRPr lang="en-US">
+              <a:solidFill>
+                <a:prstClr val="black">
+                  <a:lumMod val="65000"/>
+                  <a:lumOff val="35000"/>
+                </a:prstClr>
+              </a:solidFill>
+            </a:endParaRPr>
+          </a:p>
+        </p:txBody>
+      </p:sp>
+      <p:sp>
+        <p:nvSpPr>
+          <p:cNvPr id="7" name="标题 1"/>
+          <p:cNvSpPr txBox="1">
+            <a:spLocks/>
+          </p:cNvSpPr>
+          <p:nvPr/>
+        </p:nvSpPr>
+        <p:spPr>
+          <a:xfrm>
+            <a:off x="107504" y="116632"/>
+            <a:ext cx="6840760" cy="764704"/>
+          </a:xfrm>
+          <a:prstGeom prst="rect">
+            <a:avLst/>
+          </a:prstGeom>
+        </p:spPr>
+        <p:txBody>
+          <a:bodyPr vert="horz" lIns="91440" tIns="45720" rIns="91440" bIns="45720" rtlCol="0" anchor="b">
+            <a:noAutofit/>
+          </a:bodyPr>
+          <a:lstStyle>
+            <a:lvl1pPr algn="ctr" defTabSz="914400" rtl="0" eaLnBrk="1" latinLnBrk="0" hangingPunct="1">
+              <a:lnSpc>
+                <a:spcPts val="5800"/>
+              </a:lnSpc>
+              <a:spcBef>
+                <a:spcPct val="0"/>
+              </a:spcBef>
+              <a:buNone/>
+              <a:defRPr sz="5400" kern="1200">
+                <a:solidFill>
+                  <a:schemeClr val="tx2"/>
+                </a:solidFill>
+                <a:effectLst>
+                  <a:outerShdw blurRad="63500" dist="38100" dir="5400000" algn="t" rotWithShape="0">
+                    <a:prstClr val="black">
+                      <a:alpha val="25000"/>
+                    </a:prstClr>
+                  </a:outerShdw>
+                </a:effectLst>
+                <a:latin typeface="+mn-lt"/>
+                <a:ea typeface="+mj-ea"/>
+                <a:cs typeface="+mj-cs"/>
+              </a:defRPr>
+            </a:lvl1pPr>
+          </a:lstStyle>
+          <a:p>
+            <a:pPr algn="l"/>
+            <a:r>
+              <a:rPr lang="en-US" altLang="zh-CN" sz="3200" b="1" dirty="0" smtClean="0">
+                <a:solidFill>
+                  <a:srgbClr val="2F5897"/>
+                </a:solidFill>
+              </a:rPr>
+              <a:t>PHP</a:t>
+            </a:r>
+            <a:r>
+              <a:rPr lang="zh-CN" altLang="en-US" sz="3200" b="1" dirty="0" smtClean="0">
+                <a:solidFill>
+                  <a:srgbClr val="2F5897"/>
+                </a:solidFill>
+              </a:rPr>
+              <a:t>代码类常量示例</a:t>
+            </a:r>
+            <a:endParaRPr lang="zh-CN" altLang="en-US" sz="3200" b="1" dirty="0">
+              <a:solidFill>
+                <a:srgbClr val="2F5897"/>
+              </a:solidFill>
+            </a:endParaRPr>
+          </a:p>
+        </p:txBody>
+      </p:sp>
+      <p:sp>
+        <p:nvSpPr>
+          <p:cNvPr id="2" name="TextBox 1"/>
+          <p:cNvSpPr txBox="1"/>
+          <p:nvPr/>
+        </p:nvSpPr>
+        <p:spPr>
+          <a:xfrm>
+            <a:off x="323528" y="928079"/>
+            <a:ext cx="7992888" cy="2585323"/>
+          </a:xfrm>
+          <a:prstGeom prst="rect">
+            <a:avLst/>
+          </a:prstGeom>
+          <a:noFill/>
+        </p:spPr>
+        <p:txBody>
+          <a:bodyPr wrap="square" rtlCol="0">
+            <a:spAutoFit/>
+          </a:bodyPr>
+          <a:lstStyle/>
+          <a:p>
+            <a:r>
+              <a:rPr lang="en-US" altLang="zh-CN" dirty="0"/>
               <a:t> </a:t>
             </a:r>
             <a:r>
@@ -13090,7 +16332,7 @@
     </p:spTree>
     <p:extLst>
       <p:ext uri="{BB962C8B-B14F-4D97-AF65-F5344CB8AC3E}">
-        <p14:creationId xmlns:p14="http://schemas.microsoft.com/office/powerpoint/2010/main" val="2177331897"/>
+        <p14:creationId xmlns:p14="http://schemas.microsoft.com/office/powerpoint/2010/main" xmlns="" val="2177331897"/>
       </p:ext>
     </p:extLst>
   </p:cSld>
@@ -13107,7 +16349,7 @@
 </p:sld>
 </file>
 
-<file path=ppt/slides/slide24.xml><?xml version="1.0" encoding="utf-8"?>
+<file path=ppt/slides/slide25.xml><?xml version="1.0" encoding="utf-8"?>
 <p:sld xmlns:a="http://schemas.openxmlformats.org/drawingml/2006/main" xmlns:r="http://schemas.openxmlformats.org/officeDocument/2006/relationships" xmlns:p="http://schemas.openxmlformats.org/presentationml/2006/main">
   <p:cSld>
     <p:spTree>
@@ -13225,7 +16467,7 @@
                 </a:solidFill>
               </a:rPr>
               <a:pPr/>
-              <a:t>24</a:t>
+              <a:t>25</a:t>
             </a:fld>
             <a:endParaRPr lang="en-US">
               <a:solidFill>
@@ -13999,527 +17241,7 @@
     </p:spTree>
     <p:extLst>
       <p:ext uri="{BB962C8B-B14F-4D97-AF65-F5344CB8AC3E}">
-        <p14:creationId xmlns:p14="http://schemas.microsoft.com/office/powerpoint/2010/main" val="1525641461"/>
-      </p:ext>
-    </p:extLst>
-  </p:cSld>
-  <p:clrMapOvr>
-    <a:masterClrMapping/>
-  </p:clrMapOvr>
-  <p:timing>
-    <p:tnLst>
-      <p:par>
-        <p:cTn id="1" dur="indefinite" restart="never" nodeType="tmRoot"/>
-      </p:par>
-    </p:tnLst>
-  </p:timing>
-</p:sld>
-</file>
-
-<file path=ppt/slides/slide25.xml><?xml version="1.0" encoding="utf-8"?>
-<p:sld xmlns:a="http://schemas.openxmlformats.org/drawingml/2006/main" xmlns:r="http://schemas.openxmlformats.org/officeDocument/2006/relationships" xmlns:p="http://schemas.openxmlformats.org/presentationml/2006/main">
-  <p:cSld>
-    <p:spTree>
-      <p:nvGrpSpPr>
-        <p:cNvPr id="1" name=""/>
-        <p:cNvGrpSpPr/>
-        <p:nvPr/>
-      </p:nvGrpSpPr>
-      <p:grpSpPr>
-        <a:xfrm>
-          <a:off x="0" y="0"/>
-          <a:ext cx="0" cy="0"/>
-          <a:chOff x="0" y="0"/>
-          <a:chExt cx="0" cy="0"/>
-        </a:xfrm>
-      </p:grpSpPr>
-      <p:sp>
-        <p:nvSpPr>
-          <p:cNvPr id="4" name="日期占位符 3"/>
-          <p:cNvSpPr>
-            <a:spLocks noGrp="1"/>
-          </p:cNvSpPr>
-          <p:nvPr>
-            <p:ph type="dt" sz="half" idx="10"/>
-          </p:nvPr>
-        </p:nvSpPr>
-        <p:spPr/>
-        <p:txBody>
-          <a:bodyPr/>
-          <a:lstStyle/>
-          <a:p>
-            <a:fld id="{B11D738E-8962-435F-8C43-147B8DD7E819}" type="datetime1">
-              <a:rPr lang="en-US" smtClean="0"/>
-              <a:pPr/>
-              <a:t>8/28/2014</a:t>
-            </a:fld>
-            <a:endParaRPr lang="en-US"/>
-          </a:p>
-        </p:txBody>
-      </p:sp>
-      <p:sp>
-        <p:nvSpPr>
-          <p:cNvPr id="6" name="灯片编号占位符 5"/>
-          <p:cNvSpPr>
-            <a:spLocks noGrp="1"/>
-          </p:cNvSpPr>
-          <p:nvPr>
-            <p:ph type="sldNum" sz="quarter" idx="12"/>
-          </p:nvPr>
-        </p:nvSpPr>
-        <p:spPr/>
-        <p:txBody>
-          <a:bodyPr/>
-          <a:lstStyle/>
-          <a:p>
-            <a:fld id="{BA9B540C-44DA-4F69-89C9-7C84606640D3}" type="slidenum">
-              <a:rPr lang="en-US" smtClean="0"/>
-              <a:pPr/>
-              <a:t>25</a:t>
-            </a:fld>
-            <a:endParaRPr lang="en-US"/>
-          </a:p>
-        </p:txBody>
-      </p:sp>
-      <p:sp>
-        <p:nvSpPr>
-          <p:cNvPr id="7" name="标题 1"/>
-          <p:cNvSpPr txBox="1">
-            <a:spLocks/>
-          </p:cNvSpPr>
-          <p:nvPr/>
-        </p:nvSpPr>
-        <p:spPr>
-          <a:xfrm>
-            <a:off x="395536" y="-259432"/>
-            <a:ext cx="8229600" cy="1024136"/>
-          </a:xfrm>
-          <a:prstGeom prst="rect">
-            <a:avLst/>
-          </a:prstGeom>
-        </p:spPr>
-        <p:txBody>
-          <a:bodyPr vert="horz" lIns="91440" tIns="45720" rIns="91440" bIns="45720" rtlCol="0" anchor="b">
-            <a:noAutofit/>
-          </a:bodyPr>
-          <a:lstStyle>
-            <a:lvl1pPr algn="ctr" defTabSz="914400" rtl="0" eaLnBrk="1" latinLnBrk="0" hangingPunct="1">
-              <a:lnSpc>
-                <a:spcPts val="5800"/>
-              </a:lnSpc>
-              <a:spcBef>
-                <a:spcPct val="0"/>
-              </a:spcBef>
-              <a:buNone/>
-              <a:defRPr sz="5400" kern="1200">
-                <a:solidFill>
-                  <a:schemeClr val="tx2"/>
-                </a:solidFill>
-                <a:effectLst>
-                  <a:outerShdw blurRad="63500" dist="38100" dir="5400000" algn="t" rotWithShape="0">
-                    <a:prstClr val="black">
-                      <a:alpha val="25000"/>
-                    </a:prstClr>
-                  </a:outerShdw>
-                </a:effectLst>
-                <a:latin typeface="+mn-lt"/>
-                <a:ea typeface="+mj-ea"/>
-                <a:cs typeface="+mj-cs"/>
-              </a:defRPr>
-            </a:lvl1pPr>
-          </a:lstStyle>
-          <a:p>
-            <a:pPr algn="l"/>
-            <a:r>
-              <a:rPr lang="zh-CN" altLang="en-US" sz="3200" b="1" dirty="0" smtClean="0">
-                <a:effectLst>
-                  <a:outerShdw blurRad="38100" dist="38100" dir="2700000" algn="tl">
-                    <a:srgbClr val="000000">
-                      <a:alpha val="43137"/>
-                    </a:srgbClr>
-                  </a:outerShdw>
-                </a:effectLst>
-              </a:rPr>
-              <a:t>大型网站所需杂谈</a:t>
-            </a:r>
-            <a:endParaRPr lang="zh-CN" altLang="en-US" sz="3200" b="1" dirty="0">
-              <a:effectLst>
-                <a:outerShdw blurRad="38100" dist="38100" dir="2700000" algn="tl">
-                  <a:srgbClr val="000000">
-                    <a:alpha val="43137"/>
-                  </a:srgbClr>
-                </a:outerShdw>
-              </a:effectLst>
-            </a:endParaRPr>
-          </a:p>
-        </p:txBody>
-      </p:sp>
-      <p:sp>
-        <p:nvSpPr>
-          <p:cNvPr id="5" name="内容占位符 2"/>
-          <p:cNvSpPr>
-            <a:spLocks noGrp="1"/>
-          </p:cNvSpPr>
-          <p:nvPr>
-            <p:ph idx="1"/>
-          </p:nvPr>
-        </p:nvSpPr>
-        <p:spPr>
-          <a:xfrm>
-            <a:off x="467544" y="908720"/>
-            <a:ext cx="8280920" cy="5256584"/>
-          </a:xfrm>
-        </p:spPr>
-        <p:txBody>
-          <a:bodyPr>
-            <a:normAutofit fontScale="92500"/>
-          </a:bodyPr>
-          <a:lstStyle/>
-          <a:p>
-            <a:r>
-              <a:rPr lang="zh-CN" altLang="en-US" dirty="0" smtClean="0"/>
-              <a:t>分布式文件系统</a:t>
-            </a:r>
-            <a:r>
-              <a:rPr lang="en-US" altLang="zh-CN" dirty="0" smtClean="0"/>
-              <a:t>(HDFS</a:t>
-            </a:r>
-            <a:r>
-              <a:rPr lang="zh-CN" altLang="en-US" dirty="0" smtClean="0"/>
-              <a:t>、</a:t>
-            </a:r>
-            <a:r>
-              <a:rPr lang="en-US" altLang="zh-CN" dirty="0" smtClean="0"/>
-              <a:t>GFS</a:t>
-            </a:r>
-            <a:r>
-              <a:rPr lang="zh-CN" altLang="en-US" dirty="0" smtClean="0"/>
-              <a:t>、</a:t>
-            </a:r>
-            <a:r>
-              <a:rPr lang="en-US" altLang="zh-CN" dirty="0" smtClean="0"/>
-              <a:t>TFS</a:t>
-            </a:r>
-            <a:r>
-              <a:rPr lang="zh-CN" altLang="en-US" dirty="0" smtClean="0"/>
-              <a:t>等</a:t>
-            </a:r>
-            <a:r>
-              <a:rPr lang="en-US" altLang="zh-CN" dirty="0" smtClean="0"/>
-              <a:t>)</a:t>
-            </a:r>
-          </a:p>
-          <a:p>
-            <a:r>
-              <a:rPr lang="zh-CN" altLang="en-US" dirty="0" smtClean="0"/>
-              <a:t>分布式缓存</a:t>
-            </a:r>
-            <a:r>
-              <a:rPr lang="en-US" altLang="zh-CN" dirty="0" smtClean="0"/>
-              <a:t>(</a:t>
-            </a:r>
-            <a:r>
-              <a:rPr lang="en-US" altLang="zh-CN" dirty="0" err="1" smtClean="0"/>
-              <a:t>memcache</a:t>
-            </a:r>
-            <a:r>
-              <a:rPr lang="zh-CN" altLang="en-US" dirty="0" smtClean="0"/>
-              <a:t>、</a:t>
-            </a:r>
-            <a:r>
-              <a:rPr lang="en-US" altLang="zh-CN" dirty="0" err="1" smtClean="0"/>
-              <a:t>redis</a:t>
-            </a:r>
-            <a:r>
-              <a:rPr lang="zh-CN" altLang="en-US" dirty="0" smtClean="0"/>
-              <a:t>、</a:t>
-            </a:r>
-            <a:r>
-              <a:rPr lang="en-US" altLang="zh-CN" dirty="0" err="1" smtClean="0"/>
-              <a:t>oscache</a:t>
-            </a:r>
-            <a:r>
-              <a:rPr lang="zh-CN" altLang="en-US" dirty="0" smtClean="0"/>
-              <a:t>、</a:t>
-            </a:r>
-            <a:r>
-              <a:rPr lang="en-US" altLang="zh-CN" dirty="0" err="1" smtClean="0"/>
-              <a:t>ehcache</a:t>
-            </a:r>
-            <a:r>
-              <a:rPr lang="zh-CN" altLang="en-US" dirty="0" smtClean="0"/>
-              <a:t>等</a:t>
-            </a:r>
-            <a:r>
-              <a:rPr lang="en-US" altLang="zh-CN" dirty="0" smtClean="0"/>
-              <a:t>)</a:t>
-            </a:r>
-          </a:p>
-          <a:p>
-            <a:r>
-              <a:rPr lang="zh-CN" altLang="en-US" dirty="0" smtClean="0"/>
-              <a:t>分布式数据库（伪）</a:t>
-            </a:r>
-            <a:r>
-              <a:rPr lang="en-US" altLang="zh-CN" dirty="0" smtClean="0"/>
-              <a:t>(</a:t>
-            </a:r>
-            <a:r>
-              <a:rPr lang="en-US" altLang="zh-CN" dirty="0" err="1" smtClean="0"/>
-              <a:t>hbase</a:t>
-            </a:r>
-            <a:r>
-              <a:rPr lang="zh-CN" altLang="en-US" dirty="0" smtClean="0"/>
-              <a:t>、</a:t>
-            </a:r>
-            <a:r>
-              <a:rPr lang="en-US" altLang="zh-CN" dirty="0" err="1" smtClean="0"/>
-              <a:t>mongodb</a:t>
-            </a:r>
-            <a:r>
-              <a:rPr lang="zh-CN" altLang="en-US" dirty="0"/>
-              <a:t>、</a:t>
-            </a:r>
-            <a:r>
-              <a:rPr lang="en-US" altLang="zh-CN" dirty="0" err="1" smtClean="0"/>
-              <a:t>redis</a:t>
-            </a:r>
-            <a:r>
-              <a:rPr lang="zh-CN" altLang="en-US" dirty="0" smtClean="0"/>
-              <a:t>等</a:t>
-            </a:r>
-            <a:r>
-              <a:rPr lang="en-US" altLang="zh-CN" dirty="0" smtClean="0"/>
-              <a:t>)</a:t>
-            </a:r>
-          </a:p>
-          <a:p>
-            <a:r>
-              <a:rPr lang="zh-CN" altLang="en-US" dirty="0"/>
-              <a:t>利用好本地</a:t>
-            </a:r>
-            <a:r>
-              <a:rPr lang="zh-CN" altLang="en-US" dirty="0" smtClean="0"/>
-              <a:t>缓存</a:t>
-            </a:r>
-            <a:endParaRPr lang="en-US" altLang="zh-CN" dirty="0" smtClean="0"/>
-          </a:p>
-          <a:p>
-            <a:r>
-              <a:rPr lang="en-US" altLang="zh-CN" dirty="0" smtClean="0"/>
-              <a:t>Web</a:t>
-            </a:r>
-            <a:r>
-              <a:rPr lang="zh-CN" altLang="en-US" dirty="0" smtClean="0"/>
-              <a:t>页面缓存</a:t>
-            </a:r>
-            <a:endParaRPr lang="en-US" altLang="zh-CN" dirty="0" smtClean="0"/>
-          </a:p>
-          <a:p>
-            <a:r>
-              <a:rPr lang="zh-CN" altLang="en-US" dirty="0" smtClean="0"/>
-              <a:t>良好的</a:t>
-            </a:r>
-            <a:r>
-              <a:rPr lang="en-US" altLang="zh-CN" dirty="0" smtClean="0"/>
-              <a:t>RPC</a:t>
-            </a:r>
-            <a:r>
-              <a:rPr lang="zh-CN" altLang="en-US" dirty="0" smtClean="0"/>
-              <a:t>框架（</a:t>
-            </a:r>
-            <a:r>
-              <a:rPr lang="en-US" altLang="zh-CN" dirty="0" smtClean="0"/>
-              <a:t>hessian</a:t>
-            </a:r>
-            <a:r>
-              <a:rPr lang="zh-CN" altLang="en-US" dirty="0" smtClean="0"/>
-              <a:t>、</a:t>
-            </a:r>
-            <a:r>
-              <a:rPr lang="en-US" altLang="zh-CN" dirty="0" err="1" smtClean="0"/>
-              <a:t>WebService</a:t>
-            </a:r>
-            <a:r>
-              <a:rPr lang="zh-CN" altLang="en-US" dirty="0" smtClean="0"/>
-              <a:t>、</a:t>
-            </a:r>
-            <a:r>
-              <a:rPr lang="en-US" altLang="zh-CN" dirty="0" err="1" smtClean="0"/>
-              <a:t>rmi</a:t>
-            </a:r>
-            <a:r>
-              <a:rPr lang="zh-CN" altLang="en-US" dirty="0" smtClean="0"/>
-              <a:t>、</a:t>
-            </a:r>
-            <a:r>
-              <a:rPr lang="en-US" altLang="zh-CN" dirty="0" smtClean="0"/>
-              <a:t>thrift</a:t>
-            </a:r>
-            <a:r>
-              <a:rPr lang="zh-CN" altLang="en-US" dirty="0" smtClean="0"/>
-              <a:t>、</a:t>
-            </a:r>
-            <a:r>
-              <a:rPr lang="en-US" altLang="zh-CN" dirty="0" smtClean="0"/>
-              <a:t>Protocol Buffers</a:t>
-            </a:r>
-            <a:r>
-              <a:rPr lang="zh-CN" altLang="en-US" dirty="0" smtClean="0"/>
-              <a:t>）</a:t>
-            </a:r>
-            <a:endParaRPr lang="en-US" altLang="zh-CN" dirty="0" smtClean="0"/>
-          </a:p>
-          <a:p>
-            <a:r>
-              <a:rPr lang="zh-CN" altLang="en-US" dirty="0" smtClean="0"/>
-              <a:t>异步调用</a:t>
-            </a:r>
-            <a:r>
-              <a:rPr lang="en-US" altLang="zh-CN" dirty="0" smtClean="0"/>
-              <a:t>(</a:t>
-            </a:r>
-            <a:r>
-              <a:rPr lang="en-US" altLang="zh-CN" dirty="0" err="1" smtClean="0"/>
-              <a:t>ajax</a:t>
-            </a:r>
-            <a:r>
-              <a:rPr lang="zh-CN" altLang="en-US" dirty="0" smtClean="0"/>
-              <a:t>、</a:t>
-            </a:r>
-            <a:r>
-              <a:rPr lang="en-US" altLang="zh-CN" dirty="0" err="1" smtClean="0"/>
-              <a:t>nio</a:t>
-            </a:r>
-            <a:r>
-              <a:rPr lang="zh-CN" altLang="en-US" dirty="0" smtClean="0"/>
-              <a:t>、</a:t>
-            </a:r>
-            <a:r>
-              <a:rPr lang="en-US" altLang="zh-CN" dirty="0" err="1" smtClean="0"/>
-              <a:t>nodejs</a:t>
-            </a:r>
-            <a:r>
-              <a:rPr lang="en-US" altLang="zh-CN" dirty="0" smtClean="0"/>
-              <a:t>)</a:t>
-            </a:r>
-          </a:p>
-          <a:p>
-            <a:r>
-              <a:rPr lang="zh-CN" altLang="en-US" dirty="0" smtClean="0"/>
-              <a:t>消息系统</a:t>
-            </a:r>
-            <a:r>
-              <a:rPr lang="en-US" altLang="zh-CN" dirty="0" smtClean="0"/>
-              <a:t>(</a:t>
-            </a:r>
-            <a:r>
-              <a:rPr lang="en-US" altLang="zh-CN" dirty="0" err="1" smtClean="0"/>
-              <a:t>activemq</a:t>
-            </a:r>
-            <a:r>
-              <a:rPr lang="zh-CN" altLang="en-US" dirty="0" smtClean="0"/>
-              <a:t>、</a:t>
-            </a:r>
-            <a:r>
-              <a:rPr lang="en-US" altLang="zh-CN" dirty="0" err="1" smtClean="0"/>
-              <a:t>rabbitmq</a:t>
-            </a:r>
-            <a:r>
-              <a:rPr lang="en-US" altLang="zh-CN" dirty="0" smtClean="0"/>
-              <a:t>)</a:t>
-            </a:r>
-          </a:p>
-          <a:p>
-            <a:r>
-              <a:rPr lang="zh-CN" altLang="en-US" dirty="0" smtClean="0"/>
-              <a:t>良好的监控系统</a:t>
-            </a:r>
-            <a:endParaRPr lang="en-US" altLang="zh-CN" dirty="0" smtClean="0"/>
-          </a:p>
-          <a:p>
-            <a:r>
-              <a:rPr lang="zh-CN" altLang="en-US" dirty="0" smtClean="0"/>
-              <a:t>优秀的运维支持</a:t>
-            </a:r>
-            <a:endParaRPr lang="en-US" altLang="zh-CN" dirty="0" smtClean="0"/>
-          </a:p>
-          <a:p>
-            <a:r>
-              <a:rPr lang="zh-CN" altLang="en-US" dirty="0" smtClean="0"/>
-              <a:t>语言</a:t>
-            </a:r>
-            <a:r>
-              <a:rPr lang="en-US" altLang="zh-CN" dirty="0" smtClean="0"/>
-              <a:t>(</a:t>
-            </a:r>
-            <a:r>
-              <a:rPr lang="en-US" altLang="zh-CN" dirty="0" err="1" smtClean="0"/>
-              <a:t>php</a:t>
-            </a:r>
-            <a:r>
-              <a:rPr lang="zh-CN" altLang="en-US" dirty="0" smtClean="0"/>
-              <a:t>、</a:t>
-            </a:r>
-            <a:r>
-              <a:rPr lang="en-US" altLang="zh-CN" dirty="0" smtClean="0"/>
-              <a:t>java</a:t>
-            </a:r>
-            <a:r>
-              <a:rPr lang="zh-CN" altLang="en-US" dirty="0" smtClean="0"/>
-              <a:t>、</a:t>
-            </a:r>
-            <a:r>
-              <a:rPr lang="en-US" altLang="zh-CN" dirty="0" err="1" smtClean="0"/>
-              <a:t>.net</a:t>
-            </a:r>
-            <a:r>
-              <a:rPr lang="zh-CN" altLang="en-US" dirty="0" smtClean="0"/>
-              <a:t>、</a:t>
-            </a:r>
-            <a:r>
-              <a:rPr lang="en-US" altLang="zh-CN" dirty="0" smtClean="0"/>
-              <a:t>groovy</a:t>
-            </a:r>
-            <a:r>
-              <a:rPr lang="zh-CN" altLang="en-US" dirty="0" smtClean="0"/>
-              <a:t>、</a:t>
-            </a:r>
-            <a:r>
-              <a:rPr lang="en-US" altLang="zh-CN" dirty="0" smtClean="0"/>
-              <a:t>ruby</a:t>
-            </a:r>
-            <a:r>
-              <a:rPr lang="zh-CN" altLang="en-US" dirty="0" smtClean="0"/>
-              <a:t>等</a:t>
-            </a:r>
-            <a:r>
-              <a:rPr lang="en-US" altLang="zh-CN" dirty="0" smtClean="0"/>
-              <a:t>)</a:t>
-            </a:r>
-            <a:r>
-              <a:rPr lang="zh-CN" altLang="en-US" dirty="0" smtClean="0"/>
-              <a:t>只是工具</a:t>
-            </a:r>
-            <a:r>
-              <a:rPr lang="en-US" altLang="zh-CN" dirty="0" smtClean="0"/>
-              <a:t>,</a:t>
-            </a:r>
-            <a:r>
-              <a:rPr lang="zh-CN" altLang="en-US" dirty="0" smtClean="0"/>
-              <a:t>每种语言都有适用场景</a:t>
-            </a:r>
-            <a:endParaRPr lang="en-US" altLang="zh-CN" dirty="0" smtClean="0"/>
-          </a:p>
-          <a:p>
-            <a:endParaRPr lang="en-US" altLang="zh-CN" dirty="0" smtClean="0"/>
-          </a:p>
-        </p:txBody>
-      </p:sp>
-    </p:spTree>
-    <p:extLst>
-      <p:ext uri="{BB962C8B-B14F-4D97-AF65-F5344CB8AC3E}">
-        <p14:creationId xmlns:p14="http://schemas.microsoft.com/office/powerpoint/2010/main" val="3216380885"/>
+        <p14:creationId xmlns:p14="http://schemas.microsoft.com/office/powerpoint/2010/main" xmlns="" val="1525641461"/>
       </p:ext>
     </p:extLst>
   </p:cSld>
@@ -14611,7 +17333,7 @@
         </p:nvSpPr>
         <p:spPr>
           <a:xfrm>
-            <a:off x="251520" y="2348880"/>
+            <a:off x="395536" y="-259432"/>
             <a:ext cx="8229600" cy="1024136"/>
           </a:xfrm>
           <a:prstGeom prst="rect">
@@ -14649,18 +17371,397 @@
             </a:lvl1pPr>
           </a:lstStyle>
           <a:p>
+            <a:pPr algn="l"/>
+            <a:r>
+              <a:rPr lang="zh-CN" altLang="en-US" sz="3200" b="1" dirty="0" smtClean="0">
+                <a:effectLst>
+                  <a:outerShdw blurRad="38100" dist="38100" dir="2700000" algn="tl">
+                    <a:srgbClr val="000000">
+                      <a:alpha val="43137"/>
+                    </a:srgbClr>
+                  </a:outerShdw>
+                </a:effectLst>
+              </a:rPr>
+              <a:t>大型网站所需杂谈</a:t>
+            </a:r>
+            <a:endParaRPr lang="zh-CN" altLang="en-US" sz="3200" b="1" dirty="0">
+              <a:effectLst>
+                <a:outerShdw blurRad="38100" dist="38100" dir="2700000" algn="tl">
+                  <a:srgbClr val="000000">
+                    <a:alpha val="43137"/>
+                  </a:srgbClr>
+                </a:outerShdw>
+              </a:effectLst>
+            </a:endParaRPr>
+          </a:p>
+        </p:txBody>
+      </p:sp>
+      <p:sp>
+        <p:nvSpPr>
+          <p:cNvPr id="5" name="内容占位符 2"/>
+          <p:cNvSpPr>
+            <a:spLocks noGrp="1"/>
+          </p:cNvSpPr>
+          <p:nvPr>
+            <p:ph idx="1"/>
+          </p:nvPr>
+        </p:nvSpPr>
+        <p:spPr>
+          <a:xfrm>
+            <a:off x="467544" y="908720"/>
+            <a:ext cx="8280920" cy="5256584"/>
+          </a:xfrm>
+        </p:spPr>
+        <p:txBody>
+          <a:bodyPr>
+            <a:normAutofit fontScale="92500"/>
+          </a:bodyPr>
+          <a:lstStyle/>
+          <a:p>
+            <a:r>
+              <a:rPr lang="zh-CN" altLang="en-US" dirty="0" smtClean="0"/>
+              <a:t>分布式文件系统</a:t>
+            </a:r>
             <a:r>
               <a:rPr lang="en-US" altLang="zh-CN" dirty="0" smtClean="0"/>
-              <a:t>Q &amp; A</a:t>
-            </a:r>
-            <a:endParaRPr lang="zh-CN" altLang="en-US" dirty="0"/>
+              <a:t>(HDFS</a:t>
+            </a:r>
+            <a:r>
+              <a:rPr lang="zh-CN" altLang="en-US" dirty="0" smtClean="0"/>
+              <a:t>、</a:t>
+            </a:r>
+            <a:r>
+              <a:rPr lang="en-US" altLang="zh-CN" dirty="0" smtClean="0"/>
+              <a:t>GFS</a:t>
+            </a:r>
+            <a:r>
+              <a:rPr lang="zh-CN" altLang="en-US" dirty="0" smtClean="0"/>
+              <a:t>、</a:t>
+            </a:r>
+            <a:r>
+              <a:rPr lang="en-US" altLang="zh-CN" dirty="0" smtClean="0"/>
+              <a:t>TFS</a:t>
+            </a:r>
+            <a:r>
+              <a:rPr lang="zh-CN" altLang="en-US" dirty="0" smtClean="0"/>
+              <a:t>等</a:t>
+            </a:r>
+            <a:r>
+              <a:rPr lang="en-US" altLang="zh-CN" dirty="0" smtClean="0"/>
+              <a:t>)</a:t>
+            </a:r>
+          </a:p>
+          <a:p>
+            <a:r>
+              <a:rPr lang="zh-CN" altLang="en-US" dirty="0" smtClean="0"/>
+              <a:t>分布式缓存</a:t>
+            </a:r>
+            <a:r>
+              <a:rPr lang="en-US" altLang="zh-CN" dirty="0" smtClean="0"/>
+              <a:t>(</a:t>
+            </a:r>
+            <a:r>
+              <a:rPr lang="en-US" altLang="zh-CN" dirty="0" err="1" smtClean="0"/>
+              <a:t>memcache</a:t>
+            </a:r>
+            <a:r>
+              <a:rPr lang="zh-CN" altLang="en-US" dirty="0" smtClean="0"/>
+              <a:t>、</a:t>
+            </a:r>
+            <a:r>
+              <a:rPr lang="en-US" altLang="zh-CN" dirty="0" err="1" smtClean="0"/>
+              <a:t>redis</a:t>
+            </a:r>
+            <a:r>
+              <a:rPr lang="zh-CN" altLang="en-US" dirty="0" smtClean="0"/>
+              <a:t>、</a:t>
+            </a:r>
+            <a:r>
+              <a:rPr lang="en-US" altLang="zh-CN" dirty="0" err="1" smtClean="0"/>
+              <a:t>oscache</a:t>
+            </a:r>
+            <a:r>
+              <a:rPr lang="zh-CN" altLang="en-US" dirty="0" smtClean="0"/>
+              <a:t>、</a:t>
+            </a:r>
+            <a:r>
+              <a:rPr lang="en-US" altLang="zh-CN" dirty="0" err="1" smtClean="0"/>
+              <a:t>ehcache</a:t>
+            </a:r>
+            <a:r>
+              <a:rPr lang="zh-CN" altLang="en-US" dirty="0" smtClean="0"/>
+              <a:t>等</a:t>
+            </a:r>
+            <a:r>
+              <a:rPr lang="en-US" altLang="zh-CN" dirty="0" smtClean="0"/>
+              <a:t>)</a:t>
+            </a:r>
+          </a:p>
+          <a:p>
+            <a:r>
+              <a:rPr lang="zh-CN" altLang="en-US" dirty="0" smtClean="0"/>
+              <a:t>分布式数据库（伪）</a:t>
+            </a:r>
+            <a:r>
+              <a:rPr lang="en-US" altLang="zh-CN" dirty="0" smtClean="0"/>
+              <a:t>(</a:t>
+            </a:r>
+            <a:r>
+              <a:rPr lang="en-US" altLang="zh-CN" dirty="0" err="1" smtClean="0"/>
+              <a:t>hbase</a:t>
+            </a:r>
+            <a:r>
+              <a:rPr lang="zh-CN" altLang="en-US" dirty="0" smtClean="0"/>
+              <a:t>、</a:t>
+            </a:r>
+            <a:r>
+              <a:rPr lang="en-US" altLang="zh-CN" dirty="0" err="1" smtClean="0"/>
+              <a:t>mongodb</a:t>
+            </a:r>
+            <a:r>
+              <a:rPr lang="zh-CN" altLang="en-US" dirty="0"/>
+              <a:t>、</a:t>
+            </a:r>
+            <a:r>
+              <a:rPr lang="en-US" altLang="zh-CN" dirty="0" err="1" smtClean="0"/>
+              <a:t>redis</a:t>
+            </a:r>
+            <a:r>
+              <a:rPr lang="zh-CN" altLang="en-US" dirty="0" smtClean="0"/>
+              <a:t>等</a:t>
+            </a:r>
+            <a:r>
+              <a:rPr lang="en-US" altLang="zh-CN" dirty="0" smtClean="0"/>
+              <a:t>)</a:t>
+            </a:r>
+          </a:p>
+          <a:p>
+            <a:r>
+              <a:rPr lang="zh-CN" altLang="en-US" dirty="0"/>
+              <a:t>利用好本地</a:t>
+            </a:r>
+            <a:r>
+              <a:rPr lang="zh-CN" altLang="en-US" dirty="0" smtClean="0"/>
+              <a:t>缓存</a:t>
+            </a:r>
+            <a:endParaRPr lang="en-US" altLang="zh-CN" dirty="0" smtClean="0"/>
+          </a:p>
+          <a:p>
+            <a:r>
+              <a:rPr lang="en-US" altLang="zh-CN" dirty="0" smtClean="0"/>
+              <a:t>Web</a:t>
+            </a:r>
+            <a:r>
+              <a:rPr lang="zh-CN" altLang="en-US" dirty="0" smtClean="0"/>
+              <a:t>页面缓存</a:t>
+            </a:r>
+            <a:endParaRPr lang="en-US" altLang="zh-CN" dirty="0" smtClean="0"/>
+          </a:p>
+          <a:p>
+            <a:r>
+              <a:rPr lang="zh-CN" altLang="en-US" dirty="0" smtClean="0"/>
+              <a:t>良好的</a:t>
+            </a:r>
+            <a:r>
+              <a:rPr lang="en-US" altLang="zh-CN" dirty="0" smtClean="0"/>
+              <a:t>RPC</a:t>
+            </a:r>
+            <a:r>
+              <a:rPr lang="zh-CN" altLang="en-US" dirty="0" smtClean="0"/>
+              <a:t>框架（</a:t>
+            </a:r>
+            <a:r>
+              <a:rPr lang="en-US" altLang="zh-CN" dirty="0" smtClean="0"/>
+              <a:t>hessian</a:t>
+            </a:r>
+            <a:r>
+              <a:rPr lang="zh-CN" altLang="en-US" dirty="0" smtClean="0"/>
+              <a:t>、</a:t>
+            </a:r>
+            <a:r>
+              <a:rPr lang="en-US" altLang="zh-CN" dirty="0" err="1" smtClean="0"/>
+              <a:t>WebService</a:t>
+            </a:r>
+            <a:r>
+              <a:rPr lang="zh-CN" altLang="en-US" dirty="0" smtClean="0"/>
+              <a:t>、</a:t>
+            </a:r>
+            <a:r>
+              <a:rPr lang="en-US" altLang="zh-CN" dirty="0" err="1" smtClean="0"/>
+              <a:t>rmi</a:t>
+            </a:r>
+            <a:r>
+              <a:rPr lang="zh-CN" altLang="en-US" dirty="0" smtClean="0"/>
+              <a:t>、</a:t>
+            </a:r>
+            <a:r>
+              <a:rPr lang="en-US" altLang="zh-CN" dirty="0" smtClean="0"/>
+              <a:t>thrift</a:t>
+            </a:r>
+            <a:r>
+              <a:rPr lang="zh-CN" altLang="en-US" dirty="0" smtClean="0"/>
+              <a:t>、</a:t>
+            </a:r>
+            <a:r>
+              <a:rPr lang="en-US" altLang="zh-CN" dirty="0" smtClean="0"/>
+              <a:t>Protocol Buffers</a:t>
+            </a:r>
+            <a:r>
+              <a:rPr lang="zh-CN" altLang="en-US" dirty="0" smtClean="0"/>
+              <a:t>）</a:t>
+            </a:r>
+            <a:endParaRPr lang="en-US" altLang="zh-CN" dirty="0" smtClean="0"/>
+          </a:p>
+          <a:p>
+            <a:r>
+              <a:rPr lang="zh-CN" altLang="en-US" dirty="0" smtClean="0"/>
+              <a:t>异步调用</a:t>
+            </a:r>
+            <a:r>
+              <a:rPr lang="en-US" altLang="zh-CN" dirty="0" smtClean="0"/>
+              <a:t>(</a:t>
+            </a:r>
+            <a:r>
+              <a:rPr lang="en-US" altLang="zh-CN" dirty="0" err="1" smtClean="0"/>
+              <a:t>ajax</a:t>
+            </a:r>
+            <a:r>
+              <a:rPr lang="zh-CN" altLang="en-US" dirty="0" smtClean="0"/>
+              <a:t>、</a:t>
+            </a:r>
+            <a:r>
+              <a:rPr lang="en-US" altLang="zh-CN" dirty="0" err="1" smtClean="0"/>
+              <a:t>nio</a:t>
+            </a:r>
+            <a:r>
+              <a:rPr lang="zh-CN" altLang="en-US" dirty="0" smtClean="0"/>
+              <a:t>、</a:t>
+            </a:r>
+            <a:r>
+              <a:rPr lang="en-US" altLang="zh-CN" dirty="0" err="1" smtClean="0"/>
+              <a:t>nodejs</a:t>
+            </a:r>
+            <a:r>
+              <a:rPr lang="en-US" altLang="zh-CN" dirty="0" smtClean="0"/>
+              <a:t>)</a:t>
+            </a:r>
+          </a:p>
+          <a:p>
+            <a:r>
+              <a:rPr lang="zh-CN" altLang="en-US" dirty="0" smtClean="0"/>
+              <a:t>消息系统</a:t>
+            </a:r>
+            <a:r>
+              <a:rPr lang="en-US" altLang="zh-CN" dirty="0" smtClean="0"/>
+              <a:t>(</a:t>
+            </a:r>
+            <a:r>
+              <a:rPr lang="en-US" altLang="zh-CN" dirty="0" err="1" smtClean="0"/>
+              <a:t>activemq</a:t>
+            </a:r>
+            <a:r>
+              <a:rPr lang="zh-CN" altLang="en-US" dirty="0" smtClean="0"/>
+              <a:t>、</a:t>
+            </a:r>
+            <a:r>
+              <a:rPr lang="en-US" altLang="zh-CN" dirty="0" err="1" smtClean="0"/>
+              <a:t>rabbitmq</a:t>
+            </a:r>
+            <a:r>
+              <a:rPr lang="en-US" altLang="zh-CN" dirty="0" smtClean="0"/>
+              <a:t>)</a:t>
+            </a:r>
+          </a:p>
+          <a:p>
+            <a:r>
+              <a:rPr lang="zh-CN" altLang="en-US" dirty="0" smtClean="0"/>
+              <a:t>良好的监控系统</a:t>
+            </a:r>
+            <a:endParaRPr lang="en-US" altLang="zh-CN" dirty="0" smtClean="0"/>
+          </a:p>
+          <a:p>
+            <a:r>
+              <a:rPr lang="zh-CN" altLang="en-US" dirty="0" smtClean="0"/>
+              <a:t>优秀的运维支持</a:t>
+            </a:r>
+            <a:endParaRPr lang="en-US" altLang="zh-CN" dirty="0" smtClean="0"/>
+          </a:p>
+          <a:p>
+            <a:r>
+              <a:rPr lang="zh-CN" altLang="en-US" dirty="0" smtClean="0"/>
+              <a:t>语言</a:t>
+            </a:r>
+            <a:r>
+              <a:rPr lang="en-US" altLang="zh-CN" dirty="0" smtClean="0"/>
+              <a:t>(</a:t>
+            </a:r>
+            <a:r>
+              <a:rPr lang="en-US" altLang="zh-CN" dirty="0" err="1" smtClean="0"/>
+              <a:t>php</a:t>
+            </a:r>
+            <a:r>
+              <a:rPr lang="zh-CN" altLang="en-US" dirty="0" smtClean="0"/>
+              <a:t>、</a:t>
+            </a:r>
+            <a:r>
+              <a:rPr lang="en-US" altLang="zh-CN" dirty="0" smtClean="0"/>
+              <a:t>java</a:t>
+            </a:r>
+            <a:r>
+              <a:rPr lang="zh-CN" altLang="en-US" dirty="0" smtClean="0"/>
+              <a:t>、</a:t>
+            </a:r>
+            <a:r>
+              <a:rPr lang="en-US" altLang="zh-CN" dirty="0" err="1" smtClean="0"/>
+              <a:t>.net</a:t>
+            </a:r>
+            <a:r>
+              <a:rPr lang="zh-CN" altLang="en-US" dirty="0" smtClean="0"/>
+              <a:t>、</a:t>
+            </a:r>
+            <a:r>
+              <a:rPr lang="en-US" altLang="zh-CN" dirty="0" smtClean="0"/>
+              <a:t>groovy</a:t>
+            </a:r>
+            <a:r>
+              <a:rPr lang="zh-CN" altLang="en-US" dirty="0" smtClean="0"/>
+              <a:t>、</a:t>
+            </a:r>
+            <a:r>
+              <a:rPr lang="en-US" altLang="zh-CN" dirty="0" smtClean="0"/>
+              <a:t>ruby</a:t>
+            </a:r>
+            <a:r>
+              <a:rPr lang="zh-CN" altLang="en-US" dirty="0" smtClean="0"/>
+              <a:t>等</a:t>
+            </a:r>
+            <a:r>
+              <a:rPr lang="en-US" altLang="zh-CN" dirty="0" smtClean="0"/>
+              <a:t>)</a:t>
+            </a:r>
+            <a:r>
+              <a:rPr lang="zh-CN" altLang="en-US" dirty="0" smtClean="0"/>
+              <a:t>只是工具</a:t>
+            </a:r>
+            <a:r>
+              <a:rPr lang="en-US" altLang="zh-CN" dirty="0" smtClean="0"/>
+              <a:t>,</a:t>
+            </a:r>
+            <a:r>
+              <a:rPr lang="zh-CN" altLang="en-US" dirty="0" smtClean="0"/>
+              <a:t>每种语言都有适用场景</a:t>
+            </a:r>
+            <a:endParaRPr lang="en-US" altLang="zh-CN" dirty="0" smtClean="0"/>
+          </a:p>
+          <a:p>
+            <a:endParaRPr lang="en-US" altLang="zh-CN" dirty="0" smtClean="0"/>
           </a:p>
         </p:txBody>
       </p:sp>
     </p:spTree>
     <p:extLst>
       <p:ext uri="{BB962C8B-B14F-4D97-AF65-F5344CB8AC3E}">
-        <p14:creationId xmlns:p14="http://schemas.microsoft.com/office/powerpoint/2010/main" val="609639103"/>
+        <p14:creationId xmlns:p14="http://schemas.microsoft.com/office/powerpoint/2010/main" xmlns="" val="3216380885"/>
       </p:ext>
     </p:extLst>
   </p:cSld>
@@ -14744,6 +17845,147 @@
       </p:sp>
       <p:sp>
         <p:nvSpPr>
+          <p:cNvPr id="7" name="标题 1"/>
+          <p:cNvSpPr txBox="1">
+            <a:spLocks/>
+          </p:cNvSpPr>
+          <p:nvPr/>
+        </p:nvSpPr>
+        <p:spPr>
+          <a:xfrm>
+            <a:off x="251520" y="2348880"/>
+            <a:ext cx="8229600" cy="1024136"/>
+          </a:xfrm>
+          <a:prstGeom prst="rect">
+            <a:avLst/>
+          </a:prstGeom>
+        </p:spPr>
+        <p:txBody>
+          <a:bodyPr vert="horz" lIns="91440" tIns="45720" rIns="91440" bIns="45720" rtlCol="0" anchor="b">
+            <a:noAutofit/>
+          </a:bodyPr>
+          <a:lstStyle>
+            <a:lvl1pPr algn="ctr" defTabSz="914400" rtl="0" eaLnBrk="1" latinLnBrk="0" hangingPunct="1">
+              <a:lnSpc>
+                <a:spcPts val="5800"/>
+              </a:lnSpc>
+              <a:spcBef>
+                <a:spcPct val="0"/>
+              </a:spcBef>
+              <a:buNone/>
+              <a:defRPr sz="5400" kern="1200">
+                <a:solidFill>
+                  <a:schemeClr val="tx2"/>
+                </a:solidFill>
+                <a:effectLst>
+                  <a:outerShdw blurRad="63500" dist="38100" dir="5400000" algn="t" rotWithShape="0">
+                    <a:prstClr val="black">
+                      <a:alpha val="25000"/>
+                    </a:prstClr>
+                  </a:outerShdw>
+                </a:effectLst>
+                <a:latin typeface="+mn-lt"/>
+                <a:ea typeface="+mj-ea"/>
+                <a:cs typeface="+mj-cs"/>
+              </a:defRPr>
+            </a:lvl1pPr>
+          </a:lstStyle>
+          <a:p>
+            <a:r>
+              <a:rPr lang="en-US" altLang="zh-CN" dirty="0" smtClean="0"/>
+              <a:t>Q &amp; A</a:t>
+            </a:r>
+            <a:endParaRPr lang="zh-CN" altLang="en-US" dirty="0"/>
+          </a:p>
+        </p:txBody>
+      </p:sp>
+    </p:spTree>
+    <p:extLst>
+      <p:ext uri="{BB962C8B-B14F-4D97-AF65-F5344CB8AC3E}">
+        <p14:creationId xmlns:p14="http://schemas.microsoft.com/office/powerpoint/2010/main" xmlns="" val="609639103"/>
+      </p:ext>
+    </p:extLst>
+  </p:cSld>
+  <p:clrMapOvr>
+    <a:masterClrMapping/>
+  </p:clrMapOvr>
+  <p:timing>
+    <p:tnLst>
+      <p:par>
+        <p:cTn id="1" dur="indefinite" restart="never" nodeType="tmRoot"/>
+      </p:par>
+    </p:tnLst>
+  </p:timing>
+</p:sld>
+</file>
+
+<file path=ppt/slides/slide28.xml><?xml version="1.0" encoding="utf-8"?>
+<p:sld xmlns:a="http://schemas.openxmlformats.org/drawingml/2006/main" xmlns:r="http://schemas.openxmlformats.org/officeDocument/2006/relationships" xmlns:p="http://schemas.openxmlformats.org/presentationml/2006/main">
+  <p:cSld>
+    <p:spTree>
+      <p:nvGrpSpPr>
+        <p:cNvPr id="1" name=""/>
+        <p:cNvGrpSpPr/>
+        <p:nvPr/>
+      </p:nvGrpSpPr>
+      <p:grpSpPr>
+        <a:xfrm>
+          <a:off x="0" y="0"/>
+          <a:ext cx="0" cy="0"/>
+          <a:chOff x="0" y="0"/>
+          <a:chExt cx="0" cy="0"/>
+        </a:xfrm>
+      </p:grpSpPr>
+      <p:sp>
+        <p:nvSpPr>
+          <p:cNvPr id="4" name="日期占位符 3"/>
+          <p:cNvSpPr>
+            <a:spLocks noGrp="1"/>
+          </p:cNvSpPr>
+          <p:nvPr>
+            <p:ph type="dt" sz="half" idx="10"/>
+          </p:nvPr>
+        </p:nvSpPr>
+        <p:spPr/>
+        <p:txBody>
+          <a:bodyPr/>
+          <a:lstStyle/>
+          <a:p>
+            <a:fld id="{B11D738E-8962-435F-8C43-147B8DD7E819}" type="datetime1">
+              <a:rPr lang="en-US" smtClean="0"/>
+              <a:pPr/>
+              <a:t>8/28/2014</a:t>
+            </a:fld>
+            <a:endParaRPr lang="en-US"/>
+          </a:p>
+        </p:txBody>
+      </p:sp>
+      <p:sp>
+        <p:nvSpPr>
+          <p:cNvPr id="6" name="灯片编号占位符 5"/>
+          <p:cNvSpPr>
+            <a:spLocks noGrp="1"/>
+          </p:cNvSpPr>
+          <p:nvPr>
+            <p:ph type="sldNum" sz="quarter" idx="12"/>
+          </p:nvPr>
+        </p:nvSpPr>
+        <p:spPr/>
+        <p:txBody>
+          <a:bodyPr/>
+          <a:lstStyle/>
+          <a:p>
+            <a:fld id="{BA9B540C-44DA-4F69-89C9-7C84606640D3}" type="slidenum">
+              <a:rPr lang="en-US" smtClean="0"/>
+              <a:pPr/>
+              <a:t>28</a:t>
+            </a:fld>
+            <a:endParaRPr lang="en-US"/>
+          </a:p>
+        </p:txBody>
+      </p:sp>
+      <p:sp>
+        <p:nvSpPr>
           <p:cNvPr id="10" name="标题 1"/>
           <p:cNvSpPr txBox="1">
             <a:spLocks/>
@@ -14801,7 +18043,7 @@
     </p:spTree>
     <p:extLst>
       <p:ext uri="{BB962C8B-B14F-4D97-AF65-F5344CB8AC3E}">
-        <p14:creationId xmlns:p14="http://schemas.microsoft.com/office/powerpoint/2010/main" val="3045525435"/>
+        <p14:creationId xmlns:p14="http://schemas.microsoft.com/office/powerpoint/2010/main" xmlns="" val="3045525435"/>
       </p:ext>
     </p:extLst>
   </p:cSld>
@@ -15217,7 +18459,7 @@
     </p:spTree>
     <p:extLst>
       <p:ext uri="{BB962C8B-B14F-4D97-AF65-F5344CB8AC3E}">
-        <p14:creationId xmlns:p14="http://schemas.microsoft.com/office/powerpoint/2010/main" val="1219835459"/>
+        <p14:creationId xmlns:p14="http://schemas.microsoft.com/office/powerpoint/2010/main" xmlns="" val="1219835459"/>
       </p:ext>
     </p:extLst>
   </p:cSld>
@@ -15798,11 +19040,7 @@
             </a:r>
             <a:r>
               <a:rPr lang="zh-CN" altLang="en-US" dirty="0" smtClean="0"/>
-              <a:t>单表支持数据量有限，单表一般百万</a:t>
-            </a:r>
-            <a:r>
-              <a:rPr lang="zh-CN" altLang="en-US" dirty="0" smtClean="0"/>
-              <a:t>级别</a:t>
+              <a:t>单表支持数据量有限，单表一般百万级别</a:t>
             </a:r>
             <a:endParaRPr lang="en-US" altLang="zh-CN" dirty="0" smtClean="0"/>
           </a:p>
@@ -16425,7 +19663,7 @@
     </p:spTree>
     <p:extLst>
       <p:ext uri="{BB962C8B-B14F-4D97-AF65-F5344CB8AC3E}">
-        <p14:creationId xmlns:p14="http://schemas.microsoft.com/office/powerpoint/2010/main" val="3964519220"/>
+        <p14:creationId xmlns:p14="http://schemas.microsoft.com/office/powerpoint/2010/main" xmlns="" val="3964519220"/>
       </p:ext>
     </p:extLst>
   </p:cSld>
@@ -16519,7 +19757,7 @@
           <a:blip r:embed="rId3">
             <a:extLst>
               <a:ext uri="{28A0092B-C50C-407E-A947-70E740481C1C}">
-                <a14:useLocalDpi xmlns:a14="http://schemas.microsoft.com/office/drawing/2010/main" val="0"/>
+                <a14:useLocalDpi xmlns:a14="http://schemas.microsoft.com/office/drawing/2010/main" xmlns="" val="0"/>
               </a:ext>
             </a:extLst>
           </a:blip>
@@ -16551,7 +19789,7 @@
           </a:effectLst>
           <a:extLst>
             <a:ext uri="{91240B29-F687-4F45-9708-019B960494DF}">
-              <a14:hiddenLine xmlns:a14="http://schemas.microsoft.com/office/drawing/2010/main" w="9525">
+              <a14:hiddenLine xmlns:a14="http://schemas.microsoft.com/office/drawing/2010/main" xmlns="" w="9525">
                 <a:solidFill>
                   <a:schemeClr val="tx1"/>
                 </a:solidFill>
@@ -16561,7 +19799,7 @@
               </a14:hiddenLine>
             </a:ext>
             <a:ext uri="{AF507438-7753-43E0-B8FC-AC1667EBCBE1}">
-              <a14:hiddenEffects xmlns:a14="http://schemas.microsoft.com/office/drawing/2010/main">
+              <a14:hiddenEffects xmlns:a14="http://schemas.microsoft.com/office/drawing/2010/main" xmlns="">
                 <a:effectLst>
                   <a:outerShdw dist="35921" dir="2700000" algn="ctr" rotWithShape="0">
                     <a:schemeClr val="bg2"/>
@@ -16722,7 +19960,7 @@
     </p:spTree>
     <p:extLst>
       <p:ext uri="{BB962C8B-B14F-4D97-AF65-F5344CB8AC3E}">
-        <p14:creationId xmlns:p14="http://schemas.microsoft.com/office/powerpoint/2010/main" val="3433650931"/>
+        <p14:creationId xmlns:p14="http://schemas.microsoft.com/office/powerpoint/2010/main" xmlns="" val="3433650931"/>
       </p:ext>
     </p:extLst>
   </p:cSld>
@@ -16918,7 +20156,7 @@
     </p:spTree>
     <p:extLst>
       <p:ext uri="{BB962C8B-B14F-4D97-AF65-F5344CB8AC3E}">
-        <p14:creationId xmlns:p14="http://schemas.microsoft.com/office/powerpoint/2010/main" val="3477942188"/>
+        <p14:creationId xmlns:p14="http://schemas.microsoft.com/office/powerpoint/2010/main" xmlns="" val="3477942188"/>
       </p:ext>
     </p:extLst>
   </p:cSld>
@@ -17187,7 +20425,7 @@
     </p:spTree>
     <p:extLst>
       <p:ext uri="{BB962C8B-B14F-4D97-AF65-F5344CB8AC3E}">
-        <p14:creationId xmlns:p14="http://schemas.microsoft.com/office/powerpoint/2010/main" val="3945895666"/>
+        <p14:creationId xmlns:p14="http://schemas.microsoft.com/office/powerpoint/2010/main" xmlns="" val="3945895666"/>
       </p:ext>
     </p:extLst>
   </p:cSld>
@@ -17528,7 +20766,7 @@
     </p:spTree>
     <p:extLst>
       <p:ext uri="{BB962C8B-B14F-4D97-AF65-F5344CB8AC3E}">
-        <p14:creationId xmlns:p14="http://schemas.microsoft.com/office/powerpoint/2010/main" val="3243899027"/>
+        <p14:creationId xmlns:p14="http://schemas.microsoft.com/office/powerpoint/2010/main" xmlns="" val="3243899027"/>
       </p:ext>
     </p:extLst>
   </p:cSld>
@@ -17970,7 +21208,7 @@
     </p:spTree>
     <p:extLst>
       <p:ext uri="{BB962C8B-B14F-4D97-AF65-F5344CB8AC3E}">
-        <p14:creationId xmlns:p14="http://schemas.microsoft.com/office/powerpoint/2010/main" val="3148980491"/>
+        <p14:creationId xmlns:p14="http://schemas.microsoft.com/office/powerpoint/2010/main" xmlns="" val="3148980491"/>
       </p:ext>
     </p:extLst>
   </p:cSld>

--- a/dbroute.pptx
+++ b/dbroute.pptx
@@ -420,7 +420,7 @@
     </p:spTree>
     <p:extLst>
       <p:ext uri="{BB962C8B-B14F-4D97-AF65-F5344CB8AC3E}">
-        <p14:creationId xmlns:p14="http://schemas.microsoft.com/office/powerpoint/2010/main" xmlns="" val="2394534580"/>
+        <p14:creationId xmlns="" xmlns:p14="http://schemas.microsoft.com/office/powerpoint/2010/main" val="2394534580"/>
       </p:ext>
     </p:extLst>
   </p:cSld>
@@ -595,7 +595,7 @@
     </p:spTree>
     <p:extLst>
       <p:ext uri="{BB962C8B-B14F-4D97-AF65-F5344CB8AC3E}">
-        <p14:creationId xmlns:p14="http://schemas.microsoft.com/office/powerpoint/2010/main" xmlns="" val="3697012501"/>
+        <p14:creationId xmlns="" xmlns:p14="http://schemas.microsoft.com/office/powerpoint/2010/main" val="3697012501"/>
       </p:ext>
     </p:extLst>
   </p:cSld>
@@ -779,7 +779,7 @@
     </p:spTree>
     <p:extLst>
       <p:ext uri="{BB962C8B-B14F-4D97-AF65-F5344CB8AC3E}">
-        <p14:creationId xmlns:p14="http://schemas.microsoft.com/office/powerpoint/2010/main" xmlns="" val="4005358060"/>
+        <p14:creationId xmlns="" xmlns:p14="http://schemas.microsoft.com/office/powerpoint/2010/main" val="4005358060"/>
       </p:ext>
     </p:extLst>
   </p:cSld>
@@ -4338,7 +4338,7 @@
     </p:spTree>
     <p:extLst>
       <p:ext uri="{BB962C8B-B14F-4D97-AF65-F5344CB8AC3E}">
-        <p14:creationId xmlns:p14="http://schemas.microsoft.com/office/powerpoint/2010/main" xmlns="" val="3501443844"/>
+        <p14:creationId xmlns="" xmlns:p14="http://schemas.microsoft.com/office/powerpoint/2010/main" val="3501443844"/>
       </p:ext>
     </p:extLst>
   </p:cSld>
@@ -4872,7 +4872,7 @@
     </p:spTree>
     <p:extLst>
       <p:ext uri="{BB962C8B-B14F-4D97-AF65-F5344CB8AC3E}">
-        <p14:creationId xmlns:p14="http://schemas.microsoft.com/office/powerpoint/2010/main" xmlns="" val="3178685452"/>
+        <p14:creationId xmlns="" xmlns:p14="http://schemas.microsoft.com/office/powerpoint/2010/main" val="3178685452"/>
       </p:ext>
     </p:extLst>
   </p:cSld>
@@ -5949,7 +5949,7 @@
     </p:spTree>
     <p:extLst>
       <p:ext uri="{BB962C8B-B14F-4D97-AF65-F5344CB8AC3E}">
-        <p14:creationId xmlns:p14="http://schemas.microsoft.com/office/powerpoint/2010/main" xmlns="" val="1189974938"/>
+        <p14:creationId xmlns="" xmlns:p14="http://schemas.microsoft.com/office/powerpoint/2010/main" val="1189974938"/>
       </p:ext>
     </p:extLst>
   </p:cSld>
@@ -6307,7 +6307,7 @@
     </p:spTree>
     <p:extLst>
       <p:ext uri="{BB962C8B-B14F-4D97-AF65-F5344CB8AC3E}">
-        <p14:creationId xmlns:p14="http://schemas.microsoft.com/office/powerpoint/2010/main" xmlns="" val="3577939053"/>
+        <p14:creationId xmlns="" xmlns:p14="http://schemas.microsoft.com/office/powerpoint/2010/main" val="3577939053"/>
       </p:ext>
     </p:extLst>
   </p:cSld>
@@ -7414,7 +7414,7 @@
           <a:blip r:embed="rId2">
             <a:extLst>
               <a:ext uri="{28A0092B-C50C-407E-A947-70E740481C1C}">
-                <a14:useLocalDpi xmlns:a14="http://schemas.microsoft.com/office/drawing/2010/main" xmlns="" val="0"/>
+                <a14:useLocalDpi xmlns="" xmlns:a14="http://schemas.microsoft.com/office/drawing/2010/main" val="0"/>
               </a:ext>
             </a:extLst>
           </a:blip>
@@ -7437,14 +7437,14 @@
           </a:ln>
           <a:extLst>
             <a:ext uri="{909E8E84-426E-40DD-AFC4-6F175D3DCCD1}">
-              <a14:hiddenFill xmlns:a14="http://schemas.microsoft.com/office/drawing/2010/main" xmlns="">
+              <a14:hiddenFill xmlns="" xmlns:a14="http://schemas.microsoft.com/office/drawing/2010/main">
                 <a:solidFill>
                   <a:schemeClr val="accent1"/>
                 </a:solidFill>
               </a14:hiddenFill>
             </a:ext>
             <a:ext uri="{91240B29-F687-4F45-9708-019B960494DF}">
-              <a14:hiddenLine xmlns:a14="http://schemas.microsoft.com/office/drawing/2010/main" xmlns="" w="9525">
+              <a14:hiddenLine xmlns="" xmlns:a14="http://schemas.microsoft.com/office/drawing/2010/main" w="9525">
                 <a:solidFill>
                   <a:schemeClr val="tx1"/>
                 </a:solidFill>
@@ -7459,7 +7459,7 @@
     </p:spTree>
     <p:extLst>
       <p:ext uri="{BB962C8B-B14F-4D97-AF65-F5344CB8AC3E}">
-        <p14:creationId xmlns:p14="http://schemas.microsoft.com/office/powerpoint/2010/main" xmlns="" val="2953659702"/>
+        <p14:creationId xmlns="" xmlns:p14="http://schemas.microsoft.com/office/powerpoint/2010/main" val="2953659702"/>
       </p:ext>
     </p:extLst>
   </p:cSld>
@@ -8078,7 +8078,7 @@
     </p:spTree>
     <p:extLst>
       <p:ext uri="{BB962C8B-B14F-4D97-AF65-F5344CB8AC3E}">
-        <p14:creationId xmlns:p14="http://schemas.microsoft.com/office/powerpoint/2010/main" xmlns="" val="2636048072"/>
+        <p14:creationId xmlns="" xmlns:p14="http://schemas.microsoft.com/office/powerpoint/2010/main" val="2636048072"/>
       </p:ext>
     </p:extLst>
   </p:cSld>
@@ -8499,7 +8499,7 @@
     </p:spTree>
     <p:extLst>
       <p:ext uri="{BB962C8B-B14F-4D97-AF65-F5344CB8AC3E}">
-        <p14:creationId xmlns:p14="http://schemas.microsoft.com/office/powerpoint/2010/main" xmlns="" val="505866645"/>
+        <p14:creationId xmlns="" xmlns:p14="http://schemas.microsoft.com/office/powerpoint/2010/main" val="505866645"/>
       </p:ext>
     </p:extLst>
   </p:cSld>
@@ -9228,7 +9228,7 @@
     </p:spTree>
     <p:extLst>
       <p:ext uri="{BB962C8B-B14F-4D97-AF65-F5344CB8AC3E}">
-        <p14:creationId xmlns:p14="http://schemas.microsoft.com/office/powerpoint/2010/main" xmlns="" val="3169500795"/>
+        <p14:creationId xmlns="" xmlns:p14="http://schemas.microsoft.com/office/powerpoint/2010/main" val="3169500795"/>
       </p:ext>
     </p:extLst>
   </p:cSld>
@@ -9404,7 +9404,7 @@
         <p:spPr>
           <a:xfrm>
             <a:off x="214282" y="500042"/>
-            <a:ext cx="8929718" cy="6401753"/>
+            <a:ext cx="8929718" cy="6709529"/>
           </a:xfrm>
           <a:prstGeom prst="rect">
             <a:avLst/>
@@ -9740,7 +9740,18 @@
                   </a:schemeClr>
                 </a:solidFill>
               </a:rPr>
-              <a:t>’] </a:t>
+              <a:t>’] = “sc_refund_0000”; //</a:t>
+            </a:r>
+            <a:r>
+              <a:rPr lang="zh-CN" altLang="en-US" sz="1000" dirty="0" smtClean="0">
+                <a:solidFill>
+                  <a:schemeClr val="tx1">
+                    <a:lumMod val="50000"/>
+                    <a:lumOff val="50000"/>
+                  </a:schemeClr>
+                </a:solidFill>
+              </a:rPr>
+              <a:t>数据库前缀，生成类似</a:t>
             </a:r>
             <a:r>
               <a:rPr lang="en-US" altLang="zh-CN" sz="1000" dirty="0" smtClean="0">
@@ -9751,7 +9762,18 @@
                   </a:schemeClr>
                 </a:solidFill>
               </a:rPr>
-              <a:t>= </a:t>
+              <a:t>sc_refund_0000</a:t>
+            </a:r>
+            <a:r>
+              <a:rPr lang="zh-CN" altLang="en-US" sz="1000" dirty="0" smtClean="0">
+                <a:solidFill>
+                  <a:schemeClr val="tx1">
+                    <a:lumMod val="50000"/>
+                    <a:lumOff val="50000"/>
+                  </a:schemeClr>
+                </a:solidFill>
+              </a:rPr>
+              <a:t>、</a:t>
             </a:r>
             <a:r>
               <a:rPr lang="en-US" altLang="zh-CN" sz="1000" dirty="0" smtClean="0">
@@ -9762,73 +9784,7 @@
                   </a:schemeClr>
                 </a:solidFill>
               </a:rPr>
-              <a:t>“sc_refund_0000”; </a:t>
-            </a:r>
-            <a:r>
-              <a:rPr lang="en-US" altLang="zh-CN" sz="1000" dirty="0" smtClean="0">
-                <a:solidFill>
-                  <a:schemeClr val="tx1">
-                    <a:lumMod val="50000"/>
-                    <a:lumOff val="50000"/>
-                  </a:schemeClr>
-                </a:solidFill>
-              </a:rPr>
-              <a:t>//</a:t>
-            </a:r>
-            <a:r>
-              <a:rPr lang="zh-CN" altLang="en-US" sz="1000" dirty="0" smtClean="0">
-                <a:solidFill>
-                  <a:schemeClr val="tx1">
-                    <a:lumMod val="50000"/>
-                    <a:lumOff val="50000"/>
-                  </a:schemeClr>
-                </a:solidFill>
-              </a:rPr>
-              <a:t>数据库前缀，生成类似</a:t>
-            </a:r>
-            <a:r>
-              <a:rPr lang="en-US" altLang="zh-CN" sz="1000" dirty="0" smtClean="0">
-                <a:solidFill>
-                  <a:schemeClr val="tx1">
-                    <a:lumMod val="50000"/>
-                    <a:lumOff val="50000"/>
-                  </a:schemeClr>
-                </a:solidFill>
-              </a:rPr>
-              <a:t>sc_refund_0000</a:t>
-            </a:r>
-            <a:r>
-              <a:rPr lang="zh-CN" altLang="en-US" sz="1000" dirty="0" smtClean="0">
-                <a:solidFill>
-                  <a:schemeClr val="tx1">
-                    <a:lumMod val="50000"/>
-                    <a:lumOff val="50000"/>
-                  </a:schemeClr>
-                </a:solidFill>
-              </a:rPr>
-              <a:t>、</a:t>
-            </a:r>
-            <a:r>
-              <a:rPr lang="en-US" altLang="zh-CN" sz="1000" dirty="0" smtClean="0">
-                <a:solidFill>
-                  <a:schemeClr val="tx1">
-                    <a:lumMod val="50000"/>
-                    <a:lumOff val="50000"/>
-                  </a:schemeClr>
-                </a:solidFill>
-              </a:rPr>
-              <a:t>sc_refund_0001...</a:t>
-            </a:r>
-            <a:r>
-              <a:rPr lang="en-US" altLang="zh-CN" sz="1000" dirty="0" smtClean="0">
-                <a:solidFill>
-                  <a:schemeClr val="tx1">
-                    <a:lumMod val="50000"/>
-                    <a:lumOff val="50000"/>
-                  </a:schemeClr>
-                </a:solidFill>
-              </a:rPr>
-              <a:t>sc_refund_1023,</a:t>
+              <a:t>sc_refund_0001...sc_refund_1023,</a:t>
             </a:r>
             <a:r>
               <a:rPr lang="zh-CN" altLang="en-US" sz="1000" dirty="0" smtClean="0">
@@ -10352,7 +10308,7 @@
                   </a:schemeClr>
                 </a:solidFill>
               </a:rPr>
-              <a:t>logic_column_field_type</a:t>
+              <a:t>table_logic_column_type</a:t>
             </a:r>
             <a:r>
               <a:rPr lang="en-US" altLang="zh-CN" sz="1000" dirty="0" smtClean="0">
@@ -10374,7 +10330,18 @@
                   </a:schemeClr>
                 </a:solidFill>
               </a:rPr>
-              <a:t>= </a:t>
+              <a:t>= “</a:t>
+            </a:r>
+            <a:r>
+              <a:rPr lang="en-US" altLang="zh-CN" sz="1000" dirty="0" err="1" smtClean="0">
+                <a:solidFill>
+                  <a:schemeClr val="tx1">
+                    <a:lumMod val="50000"/>
+                    <a:lumOff val="50000"/>
+                  </a:schemeClr>
+                </a:solidFill>
+              </a:rPr>
+              <a:t>int</a:t>
             </a:r>
             <a:r>
               <a:rPr lang="en-US" altLang="zh-CN" sz="1000" dirty="0" smtClean="0">
@@ -10385,7 +10352,51 @@
                   </a:schemeClr>
                 </a:solidFill>
               </a:rPr>
-              <a:t>“</a:t>
+              <a:t>”; //</a:t>
+            </a:r>
+            <a:r>
+              <a:rPr lang="zh-CN" altLang="en-US" sz="1000" dirty="0" smtClean="0">
+                <a:solidFill>
+                  <a:schemeClr val="tx1">
+                    <a:lumMod val="50000"/>
+                    <a:lumOff val="50000"/>
+                  </a:schemeClr>
+                </a:solidFill>
+              </a:rPr>
+              <a:t>分表的列值的类型</a:t>
+            </a:r>
+            <a:r>
+              <a:rPr lang="en-US" altLang="zh-CN" sz="1000" dirty="0" smtClean="0">
+                <a:solidFill>
+                  <a:schemeClr val="tx1">
+                    <a:lumMod val="50000"/>
+                    <a:lumOff val="50000"/>
+                  </a:schemeClr>
+                </a:solidFill>
+              </a:rPr>
+              <a:t>,</a:t>
+            </a:r>
+            <a:r>
+              <a:rPr lang="zh-CN" altLang="en-US" sz="1000" dirty="0" smtClean="0">
+                <a:solidFill>
+                  <a:schemeClr val="tx1">
+                    <a:lumMod val="50000"/>
+                    <a:lumOff val="50000"/>
+                  </a:schemeClr>
+                </a:solidFill>
+              </a:rPr>
+              <a:t>可为</a:t>
+            </a:r>
+            <a:r>
+              <a:rPr lang="en-US" altLang="zh-CN" sz="1000" dirty="0" smtClean="0">
+                <a:solidFill>
+                  <a:schemeClr val="tx1">
+                    <a:lumMod val="50000"/>
+                    <a:lumOff val="50000"/>
+                  </a:schemeClr>
+                </a:solidFill>
+              </a:rPr>
+              <a:t>string </a:t>
             </a:r>
             <a:r>
               <a:rPr lang="en-US" altLang="zh-CN" sz="1000" dirty="0" err="1" smtClean="0">
@@ -10407,7 +10418,18 @@
                   </a:schemeClr>
                 </a:solidFill>
               </a:rPr>
-              <a:t>”; </a:t>
+              <a:t> </a:t>
+            </a:r>
+            <a:r>
+              <a:rPr lang="zh-CN" altLang="en-US" sz="1000" dirty="0" smtClean="0">
+                <a:solidFill>
+                  <a:schemeClr val="tx1">
+                    <a:lumMod val="50000"/>
+                    <a:lumOff val="50000"/>
+                  </a:schemeClr>
+                </a:solidFill>
+              </a:rPr>
+              <a:t>或不设置此值</a:t>
             </a:r>
             <a:r>
               <a:rPr lang="en-US" altLang="zh-CN" sz="1000" dirty="0" smtClean="0">
@@ -10418,7 +10440,7 @@
                   </a:schemeClr>
                 </a:solidFill>
               </a:rPr>
-              <a:t>//</a:t>
+              <a:t>,</a:t>
             </a:r>
             <a:r>
               <a:rPr lang="zh-CN" altLang="en-US" sz="1000" dirty="0" smtClean="0">
@@ -10429,51 +10451,7 @@
                   </a:schemeClr>
                 </a:solidFill>
               </a:rPr>
-              <a:t>分表的列值的</a:t>
-            </a:r>
-            <a:r>
-              <a:rPr lang="zh-CN" altLang="en-US" sz="1000" dirty="0" smtClean="0">
-                <a:solidFill>
-                  <a:schemeClr val="tx1">
-                    <a:lumMod val="50000"/>
-                    <a:lumOff val="50000"/>
-                  </a:schemeClr>
-                </a:solidFill>
-              </a:rPr>
-              <a:t>类型</a:t>
-            </a:r>
-            <a:r>
-              <a:rPr lang="en-US" altLang="zh-CN" sz="1000" dirty="0" smtClean="0">
-                <a:solidFill>
-                  <a:schemeClr val="tx1">
-                    <a:lumMod val="50000"/>
-                    <a:lumOff val="50000"/>
-                  </a:schemeClr>
-                </a:solidFill>
-              </a:rPr>
-              <a:t>,</a:t>
-            </a:r>
-            <a:r>
-              <a:rPr lang="zh-CN" altLang="en-US" sz="1000" dirty="0" smtClean="0">
-                <a:solidFill>
-                  <a:schemeClr val="tx1">
-                    <a:lumMod val="50000"/>
-                    <a:lumOff val="50000"/>
-                  </a:schemeClr>
-                </a:solidFill>
-              </a:rPr>
-              <a:t>可为</a:t>
-            </a:r>
-            <a:r>
-              <a:rPr lang="en-US" altLang="zh-CN" sz="1000" dirty="0" smtClean="0">
-                <a:solidFill>
-                  <a:schemeClr val="tx1">
-                    <a:lumMod val="50000"/>
-                    <a:lumOff val="50000"/>
-                  </a:schemeClr>
-                </a:solidFill>
-              </a:rPr>
-              <a:t>string </a:t>
+              <a:t>不设置表示是</a:t>
             </a:r>
             <a:r>
               <a:rPr lang="en-US" altLang="zh-CN" sz="1000" dirty="0" err="1" smtClean="0">
@@ -10485,1150 +10463,6 @@
                 </a:solidFill>
               </a:rPr>
               <a:t>int</a:t>
-            </a:r>
-            <a:r>
-              <a:rPr lang="en-US" altLang="zh-CN" sz="1000" dirty="0" smtClean="0">
-                <a:solidFill>
-                  <a:schemeClr val="tx1">
-                    <a:lumMod val="50000"/>
-                    <a:lumOff val="50000"/>
-                  </a:schemeClr>
-                </a:solidFill>
-              </a:rPr>
-              <a:t> </a:t>
-            </a:r>
-            <a:r>
-              <a:rPr lang="zh-CN" altLang="en-US" sz="1000" dirty="0" smtClean="0">
-                <a:solidFill>
-                  <a:schemeClr val="tx1">
-                    <a:lumMod val="50000"/>
-                    <a:lumOff val="50000"/>
-                  </a:schemeClr>
-                </a:solidFill>
-              </a:rPr>
-              <a:t>或不设置此值</a:t>
-            </a:r>
-            <a:r>
-              <a:rPr lang="en-US" altLang="zh-CN" sz="1000" dirty="0" smtClean="0">
-                <a:solidFill>
-                  <a:schemeClr val="tx1">
-                    <a:lumMod val="50000"/>
-                    <a:lumOff val="50000"/>
-                  </a:schemeClr>
-                </a:solidFill>
-              </a:rPr>
-              <a:t>,</a:t>
-            </a:r>
-            <a:r>
-              <a:rPr lang="zh-CN" altLang="en-US" sz="1000" dirty="0" smtClean="0">
-                <a:solidFill>
-                  <a:schemeClr val="tx1">
-                    <a:lumMod val="50000"/>
-                    <a:lumOff val="50000"/>
-                  </a:schemeClr>
-                </a:solidFill>
-              </a:rPr>
-              <a:t>不设置表示是</a:t>
-            </a:r>
-            <a:r>
-              <a:rPr lang="en-US" altLang="zh-CN" sz="1000" dirty="0" err="1" smtClean="0">
-                <a:solidFill>
-                  <a:schemeClr val="tx1">
-                    <a:lumMod val="50000"/>
-                    <a:lumOff val="50000"/>
-                  </a:schemeClr>
-                </a:solidFill>
-              </a:rPr>
-              <a:t>int</a:t>
-            </a:r>
-            <a:endParaRPr lang="zh-CN" altLang="en-US" sz="1000" dirty="0" smtClean="0">
-              <a:solidFill>
-                <a:schemeClr val="tx1">
-                  <a:lumMod val="50000"/>
-                  <a:lumOff val="50000"/>
-                </a:schemeClr>
-              </a:solidFill>
-            </a:endParaRPr>
-          </a:p>
-          <a:p>
-            <a:r>
-              <a:rPr lang="en-US" altLang="zh-CN" sz="1000" dirty="0" smtClean="0">
-                <a:solidFill>
-                  <a:schemeClr val="tx1">
-                    <a:lumMod val="50000"/>
-                    <a:lumOff val="50000"/>
-                  </a:schemeClr>
-                </a:solidFill>
-              </a:rPr>
-              <a:t>$</a:t>
-            </a:r>
-            <a:r>
-              <a:rPr lang="en-US" altLang="zh-CN" sz="1000" dirty="0" err="1" smtClean="0">
-                <a:solidFill>
-                  <a:schemeClr val="tx1">
-                    <a:lumMod val="50000"/>
-                    <a:lumOff val="50000"/>
-                  </a:schemeClr>
-                </a:solidFill>
-              </a:rPr>
-              <a:t>multiple_config</a:t>
-            </a:r>
-            <a:r>
-              <a:rPr lang="en-US" altLang="zh-CN" sz="1000" dirty="0" smtClean="0">
-                <a:solidFill>
-                  <a:schemeClr val="tx1">
-                    <a:lumMod val="50000"/>
-                    <a:lumOff val="50000"/>
-                  </a:schemeClr>
-                </a:solidFill>
-              </a:rPr>
-              <a:t>['</a:t>
-            </a:r>
-            <a:r>
-              <a:rPr lang="en-US" altLang="zh-CN" sz="1000" dirty="0" err="1" smtClean="0">
-                <a:solidFill>
-                  <a:schemeClr val="tx1">
-                    <a:lumMod val="50000"/>
-                    <a:lumOff val="50000"/>
-                  </a:schemeClr>
-                </a:solidFill>
-              </a:rPr>
-              <a:t>select_in_logic_column</a:t>
-            </a:r>
-            <a:r>
-              <a:rPr lang="en-US" altLang="zh-CN" sz="1000" dirty="0" smtClean="0">
-                <a:solidFill>
-                  <a:schemeClr val="tx1">
-                    <a:lumMod val="50000"/>
-                    <a:lumOff val="50000"/>
-                  </a:schemeClr>
-                </a:solidFill>
-              </a:rPr>
-              <a:t>'] = "</a:t>
-            </a:r>
-            <a:r>
-              <a:rPr lang="en-US" altLang="zh-CN" sz="1000" dirty="0" err="1" smtClean="0">
-                <a:solidFill>
-                  <a:schemeClr val="tx1">
-                    <a:lumMod val="50000"/>
-                    <a:lumOff val="50000"/>
-                  </a:schemeClr>
-                </a:solidFill>
-              </a:rPr>
-              <a:t>user_ids</a:t>
-            </a:r>
-            <a:r>
-              <a:rPr lang="en-US" altLang="zh-CN" sz="1000" dirty="0" smtClean="0">
-                <a:solidFill>
-                  <a:schemeClr val="tx1">
-                    <a:lumMod val="50000"/>
-                    <a:lumOff val="50000"/>
-                  </a:schemeClr>
-                </a:solidFill>
-              </a:rPr>
-              <a:t>"; //select in </a:t>
-            </a:r>
-            <a:r>
-              <a:rPr lang="zh-CN" altLang="en-US" sz="1000" dirty="0" smtClean="0">
-                <a:solidFill>
-                  <a:schemeClr val="tx1">
-                    <a:lumMod val="50000"/>
-                    <a:lumOff val="50000"/>
-                  </a:schemeClr>
-                </a:solidFill>
-              </a:rPr>
-              <a:t>查询时时的参数</a:t>
-            </a:r>
-            <a:r>
-              <a:rPr lang="en-US" altLang="zh-CN" sz="1000" dirty="0" smtClean="0">
-                <a:solidFill>
-                  <a:schemeClr val="tx1">
-                    <a:lumMod val="50000"/>
-                    <a:lumOff val="50000"/>
-                  </a:schemeClr>
-                </a:solidFill>
-              </a:rPr>
-              <a:t>key</a:t>
-            </a:r>
-            <a:r>
-              <a:rPr lang="zh-CN" altLang="en-US" sz="1000" dirty="0" smtClean="0">
-                <a:solidFill>
-                  <a:schemeClr val="tx1">
-                    <a:lumMod val="50000"/>
-                    <a:lumOff val="50000"/>
-                  </a:schemeClr>
-                </a:solidFill>
-              </a:rPr>
-              <a:t>名</a:t>
-            </a:r>
-          </a:p>
-          <a:p>
-            <a:r>
-              <a:rPr lang="en-US" altLang="zh-CN" sz="1000" dirty="0" smtClean="0">
-                <a:solidFill>
-                  <a:srgbClr val="7030A0"/>
-                </a:solidFill>
-              </a:rPr>
-              <a:t>$</a:t>
-            </a:r>
-            <a:r>
-              <a:rPr lang="en-US" altLang="zh-CN" sz="1000" dirty="0" err="1" smtClean="0">
-                <a:solidFill>
-                  <a:srgbClr val="7030A0"/>
-                </a:solidFill>
-              </a:rPr>
-              <a:t>multiple_config</a:t>
-            </a:r>
-            <a:r>
-              <a:rPr lang="en-US" altLang="zh-CN" sz="1000" dirty="0" smtClean="0">
-                <a:solidFill>
-                  <a:srgbClr val="7030A0"/>
-                </a:solidFill>
-              </a:rPr>
-              <a:t>['</a:t>
-            </a:r>
-            <a:r>
-              <a:rPr lang="en-US" altLang="zh-CN" sz="1000" dirty="0" err="1" smtClean="0">
-                <a:solidFill>
-                  <a:srgbClr val="7030A0"/>
-                </a:solidFill>
-              </a:rPr>
-              <a:t>table_total_num</a:t>
-            </a:r>
-            <a:r>
-              <a:rPr lang="en-US" altLang="zh-CN" sz="1000" dirty="0" smtClean="0">
-                <a:solidFill>
-                  <a:srgbClr val="7030A0"/>
-                </a:solidFill>
-              </a:rPr>
-              <a:t>'] = 64; //</a:t>
-            </a:r>
-            <a:r>
-              <a:rPr lang="zh-CN" altLang="en-US" sz="1000" dirty="0" smtClean="0">
-                <a:solidFill>
-                  <a:srgbClr val="7030A0"/>
-                </a:solidFill>
-              </a:rPr>
-              <a:t>总表数</a:t>
-            </a:r>
-          </a:p>
-          <a:p>
-            <a:r>
-              <a:rPr lang="en-US" altLang="zh-CN" sz="1000" dirty="0" smtClean="0">
-                <a:solidFill>
-                  <a:srgbClr val="7030A0"/>
-                </a:solidFill>
-              </a:rPr>
-              <a:t>$</a:t>
-            </a:r>
-            <a:r>
-              <a:rPr lang="en-US" altLang="zh-CN" sz="1000" dirty="0" err="1" smtClean="0">
-                <a:solidFill>
-                  <a:srgbClr val="7030A0"/>
-                </a:solidFill>
-              </a:rPr>
-              <a:t>multiple_config</a:t>
-            </a:r>
-            <a:r>
-              <a:rPr lang="en-US" altLang="zh-CN" sz="1000" dirty="0" smtClean="0">
-                <a:solidFill>
-                  <a:srgbClr val="7030A0"/>
-                </a:solidFill>
-              </a:rPr>
-              <a:t>['</a:t>
-            </a:r>
-            <a:r>
-              <a:rPr lang="en-US" altLang="zh-CN" sz="1000" dirty="0" err="1" smtClean="0">
-                <a:solidFill>
-                  <a:srgbClr val="7030A0"/>
-                </a:solidFill>
-              </a:rPr>
-              <a:t>one_db_table_num</a:t>
-            </a:r>
-            <a:r>
-              <a:rPr lang="en-US" altLang="zh-CN" sz="1000" dirty="0" smtClean="0">
-                <a:solidFill>
-                  <a:srgbClr val="7030A0"/>
-                </a:solidFill>
-              </a:rPr>
-              <a:t>'] = 16; //</a:t>
-            </a:r>
-            <a:r>
-              <a:rPr lang="zh-CN" altLang="en-US" sz="1000" dirty="0" smtClean="0">
-                <a:solidFill>
-                  <a:srgbClr val="7030A0"/>
-                </a:solidFill>
-              </a:rPr>
-              <a:t>每个库里存放的表数</a:t>
-            </a:r>
-          </a:p>
-          <a:p>
-            <a:r>
-              <a:rPr lang="en-US" altLang="zh-CN" sz="1000" dirty="0" smtClean="0">
-                <a:solidFill>
-                  <a:schemeClr val="tx2"/>
-                </a:solidFill>
-              </a:rPr>
-              <a:t>$</a:t>
-            </a:r>
-            <a:r>
-              <a:rPr lang="en-US" altLang="zh-CN" sz="1000" dirty="0" err="1" smtClean="0">
-                <a:solidFill>
-                  <a:schemeClr val="tx2"/>
-                </a:solidFill>
-              </a:rPr>
-              <a:t>multiple_config</a:t>
-            </a:r>
-            <a:r>
-              <a:rPr lang="en-US" altLang="zh-CN" sz="1000" dirty="0" smtClean="0">
-                <a:solidFill>
-                  <a:schemeClr val="tx2"/>
-                </a:solidFill>
-              </a:rPr>
-              <a:t>['</a:t>
-            </a:r>
-            <a:r>
-              <a:rPr lang="en-US" altLang="zh-CN" sz="1000" dirty="0" err="1" smtClean="0">
-                <a:solidFill>
-                  <a:schemeClr val="tx2"/>
-                </a:solidFill>
-              </a:rPr>
-              <a:t>consistent_hash_separate_string</a:t>
-            </a:r>
-            <a:r>
-              <a:rPr lang="en-US" altLang="zh-CN" sz="1000" dirty="0" smtClean="0">
-                <a:solidFill>
-                  <a:schemeClr val="tx2"/>
-                </a:solidFill>
-              </a:rPr>
-              <a:t>'] = "[0,256]=sc_refund_0000;[256,512]=sc_refund_0001;[512,768]=sc_refund_0002;[768,1024]=sc_refund_0003";//</a:t>
-            </a:r>
-            <a:r>
-              <a:rPr lang="zh-CN" altLang="en-US" sz="1000" dirty="0" smtClean="0">
-                <a:solidFill>
-                  <a:schemeClr val="tx2"/>
-                </a:solidFill>
-              </a:rPr>
-              <a:t>一致性</a:t>
-            </a:r>
-            <a:r>
-              <a:rPr lang="en-US" altLang="zh-CN" sz="1000" dirty="0" smtClean="0">
-                <a:solidFill>
-                  <a:schemeClr val="tx2"/>
-                </a:solidFill>
-              </a:rPr>
-              <a:t>hash</a:t>
-            </a:r>
-            <a:r>
-              <a:rPr lang="zh-CN" altLang="en-US" sz="1000" dirty="0" smtClean="0">
-                <a:solidFill>
-                  <a:schemeClr val="tx2"/>
-                </a:solidFill>
-              </a:rPr>
-              <a:t>字符串区间</a:t>
-            </a:r>
-          </a:p>
-          <a:p>
-            <a:r>
-              <a:rPr lang="en-US" altLang="zh-CN" sz="1000" dirty="0" smtClean="0">
-                <a:solidFill>
-                  <a:schemeClr val="tx2"/>
-                </a:solidFill>
-              </a:rPr>
-              <a:t>$</a:t>
-            </a:r>
-            <a:r>
-              <a:rPr lang="en-US" altLang="zh-CN" sz="1000" dirty="0" err="1" smtClean="0">
-                <a:solidFill>
-                  <a:schemeClr val="tx2"/>
-                </a:solidFill>
-              </a:rPr>
-              <a:t>multiple_config</a:t>
-            </a:r>
-            <a:r>
-              <a:rPr lang="en-US" altLang="zh-CN" sz="1000" dirty="0" smtClean="0">
-                <a:solidFill>
-                  <a:schemeClr val="tx2"/>
-                </a:solidFill>
-              </a:rPr>
-              <a:t>['</a:t>
-            </a:r>
-            <a:r>
-              <a:rPr lang="en-US" altLang="zh-CN" sz="1000" dirty="0" err="1" smtClean="0">
-                <a:solidFill>
-                  <a:schemeClr val="tx2"/>
-                </a:solidFill>
-              </a:rPr>
-              <a:t>consistent_hash_separate_mod_max_value</a:t>
-            </a:r>
-            <a:r>
-              <a:rPr lang="en-US" altLang="zh-CN" sz="1000" dirty="0" smtClean="0">
-                <a:solidFill>
-                  <a:schemeClr val="tx2"/>
-                </a:solidFill>
-              </a:rPr>
-              <a:t>'] =1024;//</a:t>
-            </a:r>
-            <a:r>
-              <a:rPr lang="zh-CN" altLang="en-US" sz="1000" dirty="0" smtClean="0">
-                <a:solidFill>
-                  <a:schemeClr val="tx2"/>
-                </a:solidFill>
-              </a:rPr>
-              <a:t>一致性</a:t>
-            </a:r>
-            <a:r>
-              <a:rPr lang="en-US" altLang="zh-CN" sz="1000" dirty="0" smtClean="0">
-                <a:solidFill>
-                  <a:schemeClr val="tx2"/>
-                </a:solidFill>
-              </a:rPr>
-              <a:t>hash</a:t>
-            </a:r>
-            <a:r>
-              <a:rPr lang="zh-CN" altLang="en-US" sz="1000" dirty="0" smtClean="0">
-                <a:solidFill>
-                  <a:schemeClr val="tx2"/>
-                </a:solidFill>
-              </a:rPr>
-              <a:t>最大区间值</a:t>
-            </a:r>
-          </a:p>
-          <a:p>
-            <a:r>
-              <a:rPr lang="en-US" altLang="zh-CN" sz="1000" dirty="0" smtClean="0">
-                <a:solidFill>
-                  <a:schemeClr val="tx2"/>
-                </a:solidFill>
-              </a:rPr>
-              <a:t>$</a:t>
-            </a:r>
-            <a:r>
-              <a:rPr lang="en-US" altLang="zh-CN" sz="1000" dirty="0" err="1" smtClean="0">
-                <a:solidFill>
-                  <a:schemeClr val="tx2"/>
-                </a:solidFill>
-              </a:rPr>
-              <a:t>multiple_config</a:t>
-            </a:r>
-            <a:r>
-              <a:rPr lang="en-US" altLang="zh-CN" sz="1000" dirty="0" smtClean="0">
-                <a:solidFill>
-                  <a:schemeClr val="tx2"/>
-                </a:solidFill>
-              </a:rPr>
-              <a:t>[‘</a:t>
-            </a:r>
-            <a:r>
-              <a:rPr lang="en-US" altLang="zh-CN" sz="1000" dirty="0" err="1" smtClean="0">
-                <a:solidFill>
-                  <a:schemeClr val="tx2"/>
-                </a:solidFill>
-              </a:rPr>
-              <a:t>consistent_hash_one_db_one_table</a:t>
-            </a:r>
-            <a:r>
-              <a:rPr lang="en-US" altLang="zh-CN" sz="1000" dirty="0" smtClean="0">
-                <a:solidFill>
-                  <a:schemeClr val="tx2"/>
-                </a:solidFill>
-              </a:rPr>
-              <a:t>’] =false;//</a:t>
-            </a:r>
-            <a:r>
-              <a:rPr lang="zh-CN" altLang="en-US" sz="1000" dirty="0" smtClean="0">
-                <a:solidFill>
-                  <a:schemeClr val="tx2"/>
-                </a:solidFill>
-              </a:rPr>
-              <a:t>针对 </a:t>
-            </a:r>
-            <a:r>
-              <a:rPr lang="en-US" altLang="zh-CN" sz="1000" dirty="0" err="1" smtClean="0">
-                <a:solidFill>
-                  <a:schemeClr val="tx2"/>
-                </a:solidFill>
-              </a:rPr>
-              <a:t>consistent_hash</a:t>
-            </a:r>
-            <a:r>
-              <a:rPr lang="zh-CN" altLang="en-US" sz="1000" dirty="0" smtClean="0">
-                <a:solidFill>
-                  <a:schemeClr val="tx2"/>
-                </a:solidFill>
-              </a:rPr>
-              <a:t>有效</a:t>
-            </a:r>
-            <a:r>
-              <a:rPr lang="en-US" altLang="zh-CN" sz="1000" dirty="0" smtClean="0">
-                <a:solidFill>
-                  <a:schemeClr val="tx2"/>
-                </a:solidFill>
-              </a:rPr>
-              <a:t>,</a:t>
-            </a:r>
-            <a:r>
-              <a:rPr lang="zh-CN" altLang="en-US" sz="1000" dirty="0" smtClean="0">
-                <a:solidFill>
-                  <a:schemeClr val="tx2"/>
-                </a:solidFill>
-              </a:rPr>
-              <a:t>区间</a:t>
-            </a:r>
-            <a:r>
-              <a:rPr lang="zh-CN" altLang="en-US" sz="1000" dirty="0" smtClean="0">
-                <a:solidFill>
-                  <a:schemeClr val="tx2"/>
-                </a:solidFill>
-              </a:rPr>
-              <a:t>是否是是一库一</a:t>
-            </a:r>
-            <a:r>
-              <a:rPr lang="zh-CN" altLang="en-US" sz="1000" dirty="0" smtClean="0">
-                <a:solidFill>
-                  <a:schemeClr val="tx2"/>
-                </a:solidFill>
-              </a:rPr>
-              <a:t>表</a:t>
-            </a:r>
-            <a:r>
-              <a:rPr lang="en-US" altLang="zh-CN" sz="1000" dirty="0" smtClean="0">
-                <a:solidFill>
-                  <a:schemeClr val="tx2"/>
-                </a:solidFill>
-              </a:rPr>
-              <a:t>,</a:t>
-            </a:r>
-            <a:r>
-              <a:rPr lang="zh-CN" altLang="en-US" sz="1000" dirty="0" smtClean="0">
-                <a:solidFill>
-                  <a:schemeClr val="tx2"/>
-                </a:solidFill>
-              </a:rPr>
-              <a:t>如为</a:t>
-            </a:r>
-            <a:r>
-              <a:rPr lang="en-US" altLang="zh-CN" sz="1000" dirty="0" smtClean="0">
-                <a:solidFill>
-                  <a:schemeClr val="tx2"/>
-                </a:solidFill>
-              </a:rPr>
-              <a:t>true,</a:t>
-            </a:r>
-            <a:r>
-              <a:rPr lang="zh-CN" altLang="en-US" sz="1000" dirty="0" smtClean="0">
-                <a:solidFill>
-                  <a:schemeClr val="tx2"/>
-                </a:solidFill>
-              </a:rPr>
-              <a:t>上面的区间值中可为</a:t>
-            </a:r>
-            <a:r>
-              <a:rPr lang="en-US" altLang="zh-CN" sz="1000" dirty="0" smtClean="0">
-                <a:solidFill>
-                  <a:schemeClr val="tx2"/>
-                </a:solidFill>
-              </a:rPr>
-              <a:t>[0,500w] w</a:t>
-            </a:r>
-            <a:r>
-              <a:rPr lang="zh-CN" altLang="en-US" sz="1000" dirty="0" smtClean="0">
-                <a:solidFill>
-                  <a:schemeClr val="tx2"/>
-                </a:solidFill>
-              </a:rPr>
-              <a:t>表示万</a:t>
-            </a:r>
-            <a:endParaRPr lang="zh-CN" altLang="en-US" sz="1000" dirty="0" smtClean="0">
-              <a:solidFill>
-                <a:schemeClr val="tx2"/>
-              </a:solidFill>
-            </a:endParaRPr>
-          </a:p>
-          <a:p>
-            <a:r>
-              <a:rPr lang="en-US" altLang="zh-CN" sz="1000" dirty="0" smtClean="0">
-                <a:solidFill>
-                  <a:schemeClr val="tx2"/>
-                </a:solidFill>
-              </a:rPr>
-              <a:t>$</a:t>
-            </a:r>
-            <a:r>
-              <a:rPr lang="en-US" altLang="zh-CN" sz="1000" dirty="0" err="1" smtClean="0">
-                <a:solidFill>
-                  <a:schemeClr val="tx2"/>
-                </a:solidFill>
-              </a:rPr>
-              <a:t>multiple_config</a:t>
-            </a:r>
-            <a:r>
-              <a:rPr lang="en-US" altLang="zh-CN" sz="1000" dirty="0" smtClean="0">
-                <a:solidFill>
-                  <a:schemeClr val="tx2"/>
-                </a:solidFill>
-              </a:rPr>
-              <a:t>[‘</a:t>
-            </a:r>
-            <a:r>
-              <a:rPr lang="en-US" altLang="zh-CN" sz="1000" dirty="0" err="1" smtClean="0">
-                <a:solidFill>
-                  <a:schemeClr val="tx2"/>
-                </a:solidFill>
-              </a:rPr>
-              <a:t>virtual_db_node_number</a:t>
-            </a:r>
-            <a:r>
-              <a:rPr lang="en-US" altLang="zh-CN" sz="1000" dirty="0" smtClean="0">
-                <a:solidFill>
-                  <a:schemeClr val="tx2"/>
-                </a:solidFill>
-              </a:rPr>
-              <a:t>’] </a:t>
-            </a:r>
-            <a:r>
-              <a:rPr lang="en-US" altLang="zh-CN" sz="1000" dirty="0" smtClean="0">
-                <a:solidFill>
-                  <a:schemeClr val="tx2"/>
-                </a:solidFill>
-              </a:rPr>
-              <a:t>= 64; //</a:t>
-            </a:r>
-            <a:r>
-              <a:rPr lang="zh-CN" altLang="en-US" sz="1000" dirty="0" smtClean="0">
-                <a:solidFill>
-                  <a:schemeClr val="tx2"/>
-                </a:solidFill>
-              </a:rPr>
-              <a:t>虚拟节点数目 虚拟</a:t>
-            </a:r>
-            <a:r>
-              <a:rPr lang="en-US" altLang="zh-CN" sz="1000" dirty="0" smtClean="0">
-                <a:solidFill>
-                  <a:schemeClr val="tx2"/>
-                </a:solidFill>
-              </a:rPr>
-              <a:t>hash</a:t>
-            </a:r>
-            <a:r>
-              <a:rPr lang="zh-CN" altLang="en-US" sz="1000" dirty="0" smtClean="0">
-                <a:solidFill>
-                  <a:schemeClr val="tx2"/>
-                </a:solidFill>
-              </a:rPr>
-              <a:t>算法</a:t>
-            </a:r>
-            <a:r>
-              <a:rPr lang="zh-CN" altLang="en-US" sz="1000" dirty="0" smtClean="0">
-                <a:solidFill>
-                  <a:schemeClr val="tx2"/>
-                </a:solidFill>
-              </a:rPr>
-              <a:t>实现可设置此值</a:t>
-            </a:r>
-            <a:endParaRPr lang="zh-CN" altLang="en-US" sz="1000" dirty="0" smtClean="0">
-              <a:solidFill>
-                <a:schemeClr val="tx2"/>
-              </a:solidFill>
-            </a:endParaRPr>
-          </a:p>
-          <a:p>
-            <a:r>
-              <a:rPr lang="en-US" altLang="zh-CN" sz="1000" dirty="0" smtClean="0">
-                <a:solidFill>
-                  <a:schemeClr val="tx2"/>
-                </a:solidFill>
-              </a:rPr>
-              <a:t>$</a:t>
-            </a:r>
-            <a:r>
-              <a:rPr lang="en-US" altLang="zh-CN" sz="1000" dirty="0" err="1" smtClean="0">
-                <a:solidFill>
-                  <a:schemeClr val="tx2"/>
-                </a:solidFill>
-              </a:rPr>
-              <a:t>multiple_config</a:t>
-            </a:r>
-            <a:r>
-              <a:rPr lang="en-US" altLang="zh-CN" sz="1000" dirty="0" smtClean="0">
-                <a:solidFill>
-                  <a:schemeClr val="tx2"/>
-                </a:solidFill>
-              </a:rPr>
-              <a:t>['</a:t>
-            </a:r>
-            <a:r>
-              <a:rPr lang="en-US" altLang="zh-CN" sz="1000" dirty="0" err="1" smtClean="0">
-                <a:solidFill>
-                  <a:schemeClr val="tx2"/>
-                </a:solidFill>
-              </a:rPr>
-              <a:t>db_hash_type</a:t>
-            </a:r>
-            <a:r>
-              <a:rPr lang="en-US" altLang="zh-CN" sz="1000" dirty="0" smtClean="0">
-                <a:solidFill>
-                  <a:schemeClr val="tx2"/>
-                </a:solidFill>
-              </a:rPr>
-              <a:t>'] ='</a:t>
-            </a:r>
-            <a:r>
-              <a:rPr lang="en-US" altLang="zh-CN" sz="1000" dirty="0" err="1" smtClean="0">
-                <a:solidFill>
-                  <a:schemeClr val="tx2"/>
-                </a:solidFill>
-              </a:rPr>
-              <a:t>virtual_hash</a:t>
-            </a:r>
-            <a:r>
-              <a:rPr lang="en-US" altLang="zh-CN" sz="1000" dirty="0" smtClean="0">
-                <a:solidFill>
-                  <a:schemeClr val="tx2"/>
-                </a:solidFill>
-              </a:rPr>
-              <a:t>';//</a:t>
-            </a:r>
-            <a:r>
-              <a:rPr lang="zh-CN" altLang="en-US" sz="1000" dirty="0" smtClean="0">
-                <a:solidFill>
-                  <a:schemeClr val="tx2"/>
-                </a:solidFill>
-              </a:rPr>
-              <a:t>可为  </a:t>
-            </a:r>
-            <a:r>
-              <a:rPr lang="en-US" altLang="zh-CN" sz="1000" dirty="0" err="1" smtClean="0">
-                <a:solidFill>
-                  <a:schemeClr val="tx2"/>
-                </a:solidFill>
-              </a:rPr>
-              <a:t>consistent_hash</a:t>
-            </a:r>
-            <a:r>
-              <a:rPr lang="en-US" altLang="zh-CN" sz="1000" dirty="0" smtClean="0">
-                <a:solidFill>
-                  <a:schemeClr val="tx2"/>
-                </a:solidFill>
-              </a:rPr>
-              <a:t>(</a:t>
-            </a:r>
-            <a:r>
-              <a:rPr lang="zh-CN" altLang="en-US" sz="1000" dirty="0" smtClean="0">
-                <a:solidFill>
-                  <a:schemeClr val="tx2"/>
-                </a:solidFill>
-              </a:rPr>
-              <a:t>必需设置</a:t>
-            </a:r>
-            <a:r>
-              <a:rPr lang="en-US" altLang="zh-CN" sz="1000" dirty="0" err="1" smtClean="0">
-                <a:solidFill>
-                  <a:schemeClr val="tx2"/>
-                </a:solidFill>
-              </a:rPr>
-              <a:t>key:consistent_hash_separate_string</a:t>
-            </a:r>
-            <a:r>
-              <a:rPr lang="zh-CN" altLang="en-US" sz="1000" dirty="0" smtClean="0">
-                <a:solidFill>
-                  <a:schemeClr val="tx2"/>
-                </a:solidFill>
-              </a:rPr>
-              <a:t>及</a:t>
-            </a:r>
-            <a:r>
-              <a:rPr lang="en-US" altLang="zh-CN" sz="1000" dirty="0" err="1" smtClean="0">
-                <a:solidFill>
-                  <a:schemeClr val="tx2"/>
-                </a:solidFill>
-              </a:rPr>
-              <a:t>consistent_hash_separate_mod_max_value</a:t>
-            </a:r>
-            <a:r>
-              <a:rPr lang="en-US" altLang="zh-CN" sz="1000" dirty="0" smtClean="0">
-                <a:solidFill>
-                  <a:schemeClr val="tx2"/>
-                </a:solidFill>
-              </a:rPr>
-              <a:t>) ||</a:t>
-            </a:r>
-            <a:r>
-              <a:rPr lang="en-US" altLang="zh-CN" sz="1000" dirty="0" err="1" smtClean="0">
-                <a:solidFill>
-                  <a:schemeClr val="tx2"/>
-                </a:solidFill>
-              </a:rPr>
-              <a:t>virtual_hash</a:t>
-            </a:r>
-            <a:r>
-              <a:rPr lang="en-US" altLang="zh-CN" sz="1000" dirty="0" smtClean="0">
-                <a:solidFill>
-                  <a:schemeClr val="tx2"/>
-                </a:solidFill>
-              </a:rPr>
-              <a:t>(</a:t>
-            </a:r>
-            <a:r>
-              <a:rPr lang="zh-CN" altLang="en-US" sz="1000" dirty="0" smtClean="0">
-                <a:solidFill>
-                  <a:schemeClr val="tx2"/>
-                </a:solidFill>
-              </a:rPr>
-              <a:t>必需设置</a:t>
-            </a:r>
-            <a:r>
-              <a:rPr lang="en-US" altLang="zh-CN" sz="1000" dirty="0" err="1" smtClean="0">
-                <a:solidFill>
-                  <a:schemeClr val="tx2"/>
-                </a:solidFill>
-              </a:rPr>
-              <a:t>key:virtual_db_node_number</a:t>
-            </a:r>
-            <a:r>
-              <a:rPr lang="en-US" altLang="zh-CN" sz="1000" dirty="0" smtClean="0">
-                <a:solidFill>
-                  <a:schemeClr val="tx2"/>
-                </a:solidFill>
-              </a:rPr>
-              <a:t>) ||</a:t>
-            </a:r>
-            <a:r>
-              <a:rPr lang="en-US" altLang="zh-CN" sz="1000" dirty="0" err="1" smtClean="0">
-                <a:solidFill>
-                  <a:schemeClr val="tx2"/>
-                </a:solidFill>
-              </a:rPr>
-              <a:t>mod_hash</a:t>
-            </a:r>
-            <a:r>
-              <a:rPr lang="en-US" altLang="zh-CN" sz="1000" dirty="0" smtClean="0">
-                <a:solidFill>
-                  <a:schemeClr val="tx2"/>
-                </a:solidFill>
-              </a:rPr>
-              <a:t> </a:t>
-            </a:r>
-            <a:r>
-              <a:rPr lang="zh-CN" altLang="en-US" sz="1000" dirty="0" smtClean="0">
-                <a:solidFill>
-                  <a:schemeClr val="tx2"/>
-                </a:solidFill>
-              </a:rPr>
-              <a:t>，如果不设置，则默认为 </a:t>
-            </a:r>
-            <a:r>
-              <a:rPr lang="en-US" altLang="zh-CN" sz="1000" dirty="0" err="1" smtClean="0">
-                <a:solidFill>
-                  <a:schemeClr val="tx2"/>
-                </a:solidFill>
-              </a:rPr>
-              <a:t>mod_hash</a:t>
-            </a:r>
-            <a:endParaRPr lang="en-US" altLang="zh-CN" sz="1000" dirty="0" smtClean="0">
-              <a:solidFill>
-                <a:schemeClr val="tx2"/>
-              </a:solidFill>
-            </a:endParaRPr>
-          </a:p>
-          <a:p>
-            <a:r>
-              <a:rPr lang="en-US" altLang="zh-CN" sz="1000" dirty="0" smtClean="0">
-                <a:solidFill>
-                  <a:srgbClr val="FF0000"/>
-                </a:solidFill>
-              </a:rPr>
-              <a:t>$</a:t>
-            </a:r>
-            <a:r>
-              <a:rPr lang="en-US" altLang="zh-CN" sz="1000" dirty="0" err="1" smtClean="0">
-                <a:solidFill>
-                  <a:srgbClr val="FF0000"/>
-                </a:solidFill>
-              </a:rPr>
-              <a:t>multiple_config</a:t>
-            </a:r>
-            <a:r>
-              <a:rPr lang="en-US" altLang="zh-CN" sz="1000" dirty="0" smtClean="0">
-                <a:solidFill>
-                  <a:srgbClr val="FF0000"/>
-                </a:solidFill>
-              </a:rPr>
-              <a:t>['</a:t>
-            </a:r>
-            <a:r>
-              <a:rPr lang="en-US" altLang="zh-CN" sz="1000" dirty="0" err="1" smtClean="0">
-                <a:solidFill>
-                  <a:srgbClr val="FF0000"/>
-                </a:solidFill>
-              </a:rPr>
-              <a:t>is_date_table</a:t>
-            </a:r>
-            <a:r>
-              <a:rPr lang="en-US" altLang="zh-CN" sz="1000" dirty="0" smtClean="0">
-                <a:solidFill>
-                  <a:srgbClr val="FF0000"/>
-                </a:solidFill>
-              </a:rPr>
-              <a:t>'] = true; //</a:t>
-            </a:r>
-            <a:r>
-              <a:rPr lang="zh-CN" altLang="en-US" sz="1000" dirty="0" smtClean="0">
-                <a:solidFill>
-                  <a:srgbClr val="FF0000"/>
-                </a:solidFill>
-              </a:rPr>
-              <a:t>是否按时间分表</a:t>
-            </a:r>
-            <a:r>
-              <a:rPr lang="en-US" altLang="zh-CN" sz="1000" dirty="0" smtClean="0">
-                <a:solidFill>
-                  <a:srgbClr val="FF0000"/>
-                </a:solidFill>
-              </a:rPr>
-              <a:t>,</a:t>
-            </a:r>
-            <a:r>
-              <a:rPr lang="zh-CN" altLang="en-US" sz="1000" dirty="0" smtClean="0">
-                <a:solidFill>
-                  <a:srgbClr val="FF0000"/>
-                </a:solidFill>
-              </a:rPr>
-              <a:t>只支持单库</a:t>
-            </a:r>
-          </a:p>
-          <a:p>
-            <a:r>
-              <a:rPr lang="en-US" altLang="zh-CN" sz="1000" dirty="0" smtClean="0">
-                <a:solidFill>
-                  <a:srgbClr val="FF0000"/>
-                </a:solidFill>
-              </a:rPr>
-              <a:t>$</a:t>
-            </a:r>
-            <a:r>
-              <a:rPr lang="en-US" altLang="zh-CN" sz="1000" dirty="0" err="1" smtClean="0">
-                <a:solidFill>
-                  <a:srgbClr val="FF0000"/>
-                </a:solidFill>
-              </a:rPr>
-              <a:t>multiple_config</a:t>
-            </a:r>
-            <a:r>
-              <a:rPr lang="en-US" altLang="zh-CN" sz="1000" dirty="0" smtClean="0">
-                <a:solidFill>
-                  <a:srgbClr val="FF0000"/>
-                </a:solidFill>
-              </a:rPr>
-              <a:t>['</a:t>
-            </a:r>
-            <a:r>
-              <a:rPr lang="en-US" altLang="zh-CN" sz="1000" dirty="0" err="1" smtClean="0">
-                <a:solidFill>
-                  <a:srgbClr val="FF0000"/>
-                </a:solidFill>
-              </a:rPr>
-              <a:t>table_name_date_logic_string</a:t>
-            </a:r>
-            <a:r>
-              <a:rPr lang="en-US" altLang="zh-CN" sz="1000" dirty="0" smtClean="0">
-                <a:solidFill>
-                  <a:srgbClr val="FF0000"/>
-                </a:solidFill>
-              </a:rPr>
-              <a:t>'] = '</a:t>
-            </a:r>
-            <a:r>
-              <a:rPr lang="en-US" altLang="zh-CN" sz="1000" dirty="0" err="1" smtClean="0">
-                <a:solidFill>
-                  <a:srgbClr val="FF0000"/>
-                </a:solidFill>
-              </a:rPr>
-              <a:t>MMdd</a:t>
-            </a:r>
-            <a:r>
-              <a:rPr lang="en-US" altLang="zh-CN" sz="1000" dirty="0" smtClean="0">
-                <a:solidFill>
-                  <a:srgbClr val="FF0000"/>
-                </a:solidFill>
-              </a:rPr>
-              <a:t>'; //</a:t>
-            </a:r>
-            <a:r>
-              <a:rPr lang="zh-CN" altLang="en-US" sz="1000" dirty="0" smtClean="0">
-                <a:solidFill>
-                  <a:srgbClr val="FF0000"/>
-                </a:solidFill>
-              </a:rPr>
-              <a:t>按时间分表 </a:t>
-            </a:r>
-            <a:r>
-              <a:rPr lang="en-US" altLang="zh-CN" sz="1000" dirty="0" err="1" smtClean="0">
-                <a:solidFill>
-                  <a:srgbClr val="FF0000"/>
-                </a:solidFill>
-              </a:rPr>
-              <a:t>yyyyMMdd</a:t>
-            </a:r>
-            <a:r>
-              <a:rPr lang="en-US" altLang="zh-CN" sz="1000" dirty="0" smtClean="0">
-                <a:solidFill>
-                  <a:srgbClr val="FF0000"/>
-                </a:solidFill>
-              </a:rPr>
-              <a:t>(20140806) || </a:t>
-            </a:r>
-            <a:r>
-              <a:rPr lang="en-US" altLang="zh-CN" sz="1000" dirty="0" err="1" smtClean="0">
-                <a:solidFill>
-                  <a:srgbClr val="FF0000"/>
-                </a:solidFill>
-              </a:rPr>
-              <a:t>yyyyMM</a:t>
-            </a:r>
-            <a:r>
-              <a:rPr lang="en-US" altLang="zh-CN" sz="1000" dirty="0" smtClean="0">
-                <a:solidFill>
-                  <a:srgbClr val="FF0000"/>
-                </a:solidFill>
-              </a:rPr>
-              <a:t>(201408) || </a:t>
-            </a:r>
-            <a:r>
-              <a:rPr lang="en-US" altLang="zh-CN" sz="1000" dirty="0" err="1" smtClean="0">
-                <a:solidFill>
-                  <a:srgbClr val="FF0000"/>
-                </a:solidFill>
-              </a:rPr>
-              <a:t>yyyy</a:t>
-            </a:r>
-            <a:r>
-              <a:rPr lang="en-US" altLang="zh-CN" sz="1000" dirty="0" smtClean="0">
-                <a:solidFill>
-                  <a:srgbClr val="FF0000"/>
-                </a:solidFill>
-              </a:rPr>
-              <a:t>(2014) ||</a:t>
-            </a:r>
-            <a:r>
-              <a:rPr lang="en-US" altLang="zh-CN" sz="1000" dirty="0" err="1" smtClean="0">
-                <a:solidFill>
-                  <a:srgbClr val="FF0000"/>
-                </a:solidFill>
-              </a:rPr>
-              <a:t>dd</a:t>
-            </a:r>
-            <a:r>
-              <a:rPr lang="en-US" altLang="zh-CN" sz="1000" dirty="0" smtClean="0">
-                <a:solidFill>
-                  <a:srgbClr val="FF0000"/>
-                </a:solidFill>
-              </a:rPr>
-              <a:t>(</a:t>
-            </a:r>
-            <a:r>
-              <a:rPr lang="zh-CN" altLang="en-US" sz="1000" dirty="0" smtClean="0">
-                <a:solidFill>
-                  <a:srgbClr val="FF0000"/>
-                </a:solidFill>
-              </a:rPr>
-              <a:t>天</a:t>
-            </a:r>
-            <a:r>
-              <a:rPr lang="en-US" altLang="zh-CN" sz="1000" dirty="0" smtClean="0">
-                <a:solidFill>
-                  <a:srgbClr val="FF0000"/>
-                </a:solidFill>
-              </a:rPr>
-              <a:t>:0...31) ||MM(</a:t>
-            </a:r>
-            <a:r>
-              <a:rPr lang="zh-CN" altLang="en-US" sz="1000" dirty="0" smtClean="0">
-                <a:solidFill>
-                  <a:srgbClr val="FF0000"/>
-                </a:solidFill>
-              </a:rPr>
-              <a:t>月</a:t>
-            </a:r>
-            <a:r>
-              <a:rPr lang="en-US" altLang="zh-CN" sz="1000" dirty="0" smtClean="0">
-                <a:solidFill>
-                  <a:srgbClr val="FF0000"/>
-                </a:solidFill>
-              </a:rPr>
-              <a:t>1...12) ||</a:t>
-            </a:r>
-            <a:r>
-              <a:rPr lang="en-US" altLang="zh-CN" sz="1000" dirty="0" err="1" smtClean="0">
-                <a:solidFill>
-                  <a:srgbClr val="FF0000"/>
-                </a:solidFill>
-              </a:rPr>
-              <a:t>MMdd</a:t>
-            </a:r>
-            <a:r>
-              <a:rPr lang="en-US" altLang="zh-CN" sz="1000" dirty="0" smtClean="0">
-                <a:solidFill>
-                  <a:srgbClr val="FF0000"/>
-                </a:solidFill>
-              </a:rPr>
-              <a:t>(</a:t>
-            </a:r>
-            <a:r>
-              <a:rPr lang="zh-CN" altLang="en-US" sz="1000" dirty="0" smtClean="0">
-                <a:solidFill>
-                  <a:srgbClr val="FF0000"/>
-                </a:solidFill>
-              </a:rPr>
-              <a:t>月日</a:t>
-            </a:r>
-            <a:r>
-              <a:rPr lang="en-US" altLang="zh-CN" sz="1000" dirty="0" smtClean="0">
-                <a:solidFill>
-                  <a:srgbClr val="FF0000"/>
-                </a:solidFill>
-              </a:rPr>
-              <a:t>)||w(</a:t>
-            </a:r>
-            <a:r>
-              <a:rPr lang="zh-CN" altLang="en-US" sz="1000" dirty="0" smtClean="0">
-                <a:solidFill>
-                  <a:srgbClr val="FF0000"/>
-                </a:solidFill>
-              </a:rPr>
-              <a:t>星期日</a:t>
-            </a:r>
-            <a:r>
-              <a:rPr lang="en-US" altLang="zh-CN" sz="1000" dirty="0" smtClean="0">
-                <a:solidFill>
-                  <a:srgbClr val="FF0000"/>
-                </a:solidFill>
-              </a:rPr>
-              <a:t>:0,</a:t>
-            </a:r>
-            <a:r>
-              <a:rPr lang="zh-CN" altLang="en-US" sz="1000" dirty="0" smtClean="0">
-                <a:solidFill>
-                  <a:srgbClr val="FF0000"/>
-                </a:solidFill>
-              </a:rPr>
-              <a:t>星期一</a:t>
-            </a:r>
-            <a:r>
-              <a:rPr lang="en-US" altLang="zh-CN" sz="1000" dirty="0" smtClean="0">
-                <a:solidFill>
-                  <a:srgbClr val="FF0000"/>
-                </a:solidFill>
-              </a:rPr>
-              <a:t>:1</a:t>
-            </a:r>
-            <a:r>
-              <a:rPr lang="en-US" altLang="zh-CN" sz="1000" dirty="0" smtClean="0">
-                <a:solidFill>
-                  <a:srgbClr val="FF0000"/>
-                </a:solidFill>
-              </a:rPr>
-              <a:t>...);</a:t>
             </a:r>
             <a:endParaRPr lang="en-US" altLang="zh-CN" sz="1000" dirty="0" smtClean="0">
               <a:solidFill>
@@ -11660,7 +10494,7 @@
                   </a:schemeClr>
                 </a:solidFill>
               </a:rPr>
-              <a:t>master_multiple_dbs</a:t>
+              <a:t>multiple_config</a:t>
             </a:r>
             <a:r>
               <a:rPr lang="en-US" altLang="zh-CN" sz="1000" dirty="0" smtClean="0">
@@ -11671,10 +10505,19 @@
                   </a:schemeClr>
                 </a:solidFill>
               </a:rPr>
-              <a:t> = array();</a:t>
-            </a:r>
-          </a:p>
-          <a:p>
+              <a:t>[‘</a:t>
+            </a:r>
+            <a:r>
+              <a:rPr lang="en-US" altLang="zh-CN" sz="1000" dirty="0" err="1" smtClean="0">
+                <a:solidFill>
+                  <a:schemeClr val="tx1">
+                    <a:lumMod val="50000"/>
+                    <a:lumOff val="50000"/>
+                  </a:schemeClr>
+                </a:solidFill>
+              </a:rPr>
+              <a:t>db_logic_column_type</a:t>
+            </a:r>
             <a:r>
               <a:rPr lang="en-US" altLang="zh-CN" sz="1000" dirty="0" smtClean="0">
                 <a:solidFill>
@@ -11684,7 +10527,18 @@
                   </a:schemeClr>
                 </a:solidFill>
               </a:rPr>
-              <a:t>$</a:t>
+              <a:t>’] </a:t>
+            </a:r>
+            <a:r>
+              <a:rPr lang="en-US" altLang="zh-CN" sz="1000" dirty="0" smtClean="0">
+                <a:solidFill>
+                  <a:schemeClr val="tx1">
+                    <a:lumMod val="50000"/>
+                    <a:lumOff val="50000"/>
+                  </a:schemeClr>
+                </a:solidFill>
+              </a:rPr>
+              <a:t>= “</a:t>
             </a:r>
             <a:r>
               <a:rPr lang="en-US" altLang="zh-CN" sz="1000" dirty="0" err="1" smtClean="0">
@@ -11695,7 +10549,7 @@
                   </a:schemeClr>
                 </a:solidFill>
               </a:rPr>
-              <a:t>master_multiple_dbs</a:t>
+              <a:t>int</a:t>
             </a:r>
             <a:r>
               <a:rPr lang="en-US" altLang="zh-CN" sz="1000" dirty="0" smtClean="0">
@@ -11706,7 +10560,7 @@
                   </a:schemeClr>
                 </a:solidFill>
               </a:rPr>
-              <a:t>['sc_refund_0000'] = DB_HOST; //key</a:t>
+              <a:t>”; //</a:t>
             </a:r>
             <a:r>
               <a:rPr lang="zh-CN" altLang="en-US" sz="1000" dirty="0" smtClean="0">
@@ -11717,7 +10571,18 @@
                   </a:schemeClr>
                 </a:solidFill>
               </a:rPr>
-              <a:t>为数据库名，</a:t>
+              <a:t>分库的</a:t>
+            </a:r>
+            <a:r>
+              <a:rPr lang="zh-CN" altLang="en-US" sz="1000" dirty="0" smtClean="0">
+                <a:solidFill>
+                  <a:schemeClr val="tx1">
+                    <a:lumMod val="50000"/>
+                    <a:lumOff val="50000"/>
+                  </a:schemeClr>
+                </a:solidFill>
+              </a:rPr>
+              <a:t>列值的类型</a:t>
             </a:r>
             <a:r>
               <a:rPr lang="en-US" altLang="zh-CN" sz="1000" dirty="0" smtClean="0">
@@ -11728,7 +10593,7 @@
                   </a:schemeClr>
                 </a:solidFill>
               </a:rPr>
-              <a:t>value</a:t>
+              <a:t>,</a:t>
             </a:r>
             <a:r>
               <a:rPr lang="zh-CN" altLang="en-US" sz="1000" dirty="0" smtClean="0">
@@ -11739,7 +10604,7 @@
                   </a:schemeClr>
                 </a:solidFill>
               </a:rPr>
-              <a:t>为数据库所在的</a:t>
+              <a:t>可为</a:t>
             </a:r>
             <a:r>
               <a:rPr lang="en-US" altLang="zh-CN" sz="1000" dirty="0" smtClean="0">
@@ -11750,7 +10615,29 @@
                   </a:schemeClr>
                 </a:solidFill>
               </a:rPr>
-              <a:t>host</a:t>
+              <a:t>string </a:t>
+            </a:r>
+            <a:r>
+              <a:rPr lang="en-US" altLang="zh-CN" sz="1000" dirty="0" err="1" smtClean="0">
+                <a:solidFill>
+                  <a:schemeClr val="tx1">
+                    <a:lumMod val="50000"/>
+                    <a:lumOff val="50000"/>
+                  </a:schemeClr>
+                </a:solidFill>
+              </a:rPr>
+              <a:t>int</a:t>
+            </a:r>
+            <a:r>
+              <a:rPr lang="en-US" altLang="zh-CN" sz="1000" dirty="0" smtClean="0">
+                <a:solidFill>
+                  <a:schemeClr val="tx1">
+                    <a:lumMod val="50000"/>
+                    <a:lumOff val="50000"/>
+                  </a:schemeClr>
+                </a:solidFill>
+              </a:rPr>
+              <a:t> </a:t>
             </a:r>
             <a:r>
               <a:rPr lang="zh-CN" altLang="en-US" sz="1000" dirty="0" smtClean="0">
@@ -11761,7 +10648,7 @@
                   </a:schemeClr>
                 </a:solidFill>
               </a:rPr>
-              <a:t>，此</a:t>
+              <a:t>或不设置此值</a:t>
             </a:r>
             <a:r>
               <a:rPr lang="en-US" altLang="zh-CN" sz="1000" dirty="0" smtClean="0">
@@ -11772,7 +10659,7 @@
                   </a:schemeClr>
                 </a:solidFill>
               </a:rPr>
-              <a:t>value</a:t>
+              <a:t>,</a:t>
             </a:r>
             <a:r>
               <a:rPr lang="zh-CN" altLang="en-US" sz="1000" dirty="0" smtClean="0">
@@ -11783,31 +10670,7 @@
                   </a:schemeClr>
                 </a:solidFill>
               </a:rPr>
-              <a:t>只能配置一个</a:t>
-            </a:r>
-            <a:r>
-              <a:rPr lang="en-US" altLang="zh-CN" sz="1000" dirty="0" smtClean="0">
-                <a:solidFill>
-                  <a:schemeClr val="tx1">
-                    <a:lumMod val="50000"/>
-                    <a:lumOff val="50000"/>
-                  </a:schemeClr>
-                </a:solidFill>
-              </a:rPr>
-              <a:t>IP</a:t>
-            </a:r>
-          </a:p>
-          <a:p>
-            <a:r>
-              <a:rPr lang="en-US" altLang="zh-CN" sz="1000" dirty="0" smtClean="0">
-                <a:solidFill>
-                  <a:schemeClr val="tx1">
-                    <a:lumMod val="50000"/>
-                    <a:lumOff val="50000"/>
-                  </a:schemeClr>
-                </a:solidFill>
-              </a:rPr>
-              <a:t>$</a:t>
+              <a:t>不设置表示是</a:t>
             </a:r>
             <a:r>
               <a:rPr lang="en-US" altLang="zh-CN" sz="1000" dirty="0" err="1" smtClean="0">
@@ -11818,192 +10681,8 @@
                   </a:schemeClr>
                 </a:solidFill>
               </a:rPr>
-              <a:t>master_multiple_dbs</a:t>
-            </a:r>
-            <a:r>
-              <a:rPr lang="en-US" altLang="zh-CN" sz="1000" dirty="0" smtClean="0">
-                <a:solidFill>
-                  <a:schemeClr val="tx1">
-                    <a:lumMod val="50000"/>
-                    <a:lumOff val="50000"/>
-                  </a:schemeClr>
-                </a:solidFill>
-              </a:rPr>
-              <a:t>['sc_refund_0001'] = DB_HOST;</a:t>
-            </a:r>
-          </a:p>
-          <a:p>
-            <a:r>
-              <a:rPr lang="en-US" altLang="zh-CN" sz="1000" dirty="0" smtClean="0">
-                <a:solidFill>
-                  <a:schemeClr val="tx1">
-                    <a:lumMod val="50000"/>
-                    <a:lumOff val="50000"/>
-                  </a:schemeClr>
-                </a:solidFill>
-              </a:rPr>
-              <a:t>$</a:t>
-            </a:r>
-            <a:r>
-              <a:rPr lang="en-US" altLang="zh-CN" sz="1000" dirty="0" err="1" smtClean="0">
-                <a:solidFill>
-                  <a:schemeClr val="tx1">
-                    <a:lumMod val="50000"/>
-                    <a:lumOff val="50000"/>
-                  </a:schemeClr>
-                </a:solidFill>
-              </a:rPr>
-              <a:t>master_multiple_dbs</a:t>
-            </a:r>
-            <a:r>
-              <a:rPr lang="en-US" altLang="zh-CN" sz="1000" dirty="0" smtClean="0">
-                <a:solidFill>
-                  <a:schemeClr val="tx1">
-                    <a:lumMod val="50000"/>
-                    <a:lumOff val="50000"/>
-                  </a:schemeClr>
-                </a:solidFill>
-              </a:rPr>
-              <a:t>['sc_refund_0002'] = DB_HOST;</a:t>
-            </a:r>
-          </a:p>
-          <a:p>
-            <a:r>
-              <a:rPr lang="en-US" altLang="zh-CN" sz="1000" dirty="0" smtClean="0">
-                <a:solidFill>
-                  <a:schemeClr val="tx1">
-                    <a:lumMod val="50000"/>
-                    <a:lumOff val="50000"/>
-                  </a:schemeClr>
-                </a:solidFill>
-              </a:rPr>
-              <a:t>$</a:t>
-            </a:r>
-            <a:r>
-              <a:rPr lang="en-US" altLang="zh-CN" sz="1000" dirty="0" err="1" smtClean="0">
-                <a:solidFill>
-                  <a:schemeClr val="tx1">
-                    <a:lumMod val="50000"/>
-                    <a:lumOff val="50000"/>
-                  </a:schemeClr>
-                </a:solidFill>
-              </a:rPr>
-              <a:t>master_multiple_dbs</a:t>
-            </a:r>
-            <a:r>
-              <a:rPr lang="en-US" altLang="zh-CN" sz="1000" dirty="0" smtClean="0">
-                <a:solidFill>
-                  <a:schemeClr val="tx1">
-                    <a:lumMod val="50000"/>
-                    <a:lumOff val="50000"/>
-                  </a:schemeClr>
-                </a:solidFill>
-              </a:rPr>
-              <a:t>['sc_refund_0003'] = DB_HOST;</a:t>
-            </a:r>
-          </a:p>
-          <a:p>
-            <a:r>
-              <a:rPr lang="en-US" altLang="zh-CN" sz="1000" dirty="0" smtClean="0">
-                <a:solidFill>
-                  <a:schemeClr val="tx1">
-                    <a:lumMod val="50000"/>
-                    <a:lumOff val="50000"/>
-                  </a:schemeClr>
-                </a:solidFill>
-              </a:rPr>
-              <a:t>$</a:t>
-            </a:r>
-            <a:r>
-              <a:rPr lang="en-US" altLang="zh-CN" sz="1000" dirty="0" err="1" smtClean="0">
-                <a:solidFill>
-                  <a:schemeClr val="tx1">
-                    <a:lumMod val="50000"/>
-                    <a:lumOff val="50000"/>
-                  </a:schemeClr>
-                </a:solidFill>
-              </a:rPr>
-              <a:t>multiple_config</a:t>
-            </a:r>
-            <a:r>
-              <a:rPr lang="en-US" altLang="zh-CN" sz="1000" dirty="0" smtClean="0">
-                <a:solidFill>
-                  <a:schemeClr val="tx1">
-                    <a:lumMod val="50000"/>
-                    <a:lumOff val="50000"/>
-                  </a:schemeClr>
-                </a:solidFill>
-              </a:rPr>
-              <a:t>['</a:t>
-            </a:r>
-            <a:r>
-              <a:rPr lang="en-US" altLang="zh-CN" sz="1000" dirty="0" err="1" smtClean="0">
-                <a:solidFill>
-                  <a:schemeClr val="tx1">
-                    <a:lumMod val="50000"/>
-                    <a:lumOff val="50000"/>
-                  </a:schemeClr>
-                </a:solidFill>
-              </a:rPr>
-              <a:t>db_hosts</a:t>
-            </a:r>
-            <a:r>
-              <a:rPr lang="en-US" altLang="zh-CN" sz="1000" dirty="0" smtClean="0">
-                <a:solidFill>
-                  <a:schemeClr val="tx1">
-                    <a:lumMod val="50000"/>
-                    <a:lumOff val="50000"/>
-                  </a:schemeClr>
-                </a:solidFill>
-              </a:rPr>
-              <a:t>'] = $</a:t>
-            </a:r>
-            <a:r>
-              <a:rPr lang="en-US" altLang="zh-CN" sz="1000" dirty="0" err="1" smtClean="0">
-                <a:solidFill>
-                  <a:schemeClr val="tx1">
-                    <a:lumMod val="50000"/>
-                    <a:lumOff val="50000"/>
-                  </a:schemeClr>
-                </a:solidFill>
-              </a:rPr>
-              <a:t>master_multiple_dbs</a:t>
-            </a:r>
-            <a:r>
-              <a:rPr lang="en-US" altLang="zh-CN" sz="1000" dirty="0" smtClean="0">
-                <a:solidFill>
-                  <a:schemeClr val="tx1">
-                    <a:lumMod val="50000"/>
-                    <a:lumOff val="50000"/>
-                  </a:schemeClr>
-                </a:solidFill>
-              </a:rPr>
-              <a:t>; //</a:t>
-            </a:r>
-            <a:r>
-              <a:rPr lang="zh-CN" altLang="en-US" sz="1000" dirty="0" smtClean="0">
-                <a:solidFill>
-                  <a:schemeClr val="tx1">
-                    <a:lumMod val="50000"/>
-                    <a:lumOff val="50000"/>
-                  </a:schemeClr>
-                </a:solidFill>
-              </a:rPr>
-              <a:t>每个主库存放在哪个</a:t>
-            </a:r>
-            <a:r>
-              <a:rPr lang="en-US" altLang="zh-CN" sz="1000" dirty="0" smtClean="0">
-                <a:solidFill>
-                  <a:schemeClr val="tx1">
-                    <a:lumMod val="50000"/>
-                    <a:lumOff val="50000"/>
-                  </a:schemeClr>
-                </a:solidFill>
-              </a:rPr>
-              <a:t>host</a:t>
-            </a:r>
-          </a:p>
-          <a:p>
+              <a:t>int</a:t>
+            </a:r>
             <a:endParaRPr lang="en-US" altLang="zh-CN" sz="1000" dirty="0" smtClean="0">
               <a:solidFill>
                 <a:schemeClr val="tx1">
@@ -12034,6 +10713,1419 @@
                   </a:schemeClr>
                 </a:solidFill>
               </a:rPr>
+              <a:t>multiple_config</a:t>
+            </a:r>
+            <a:r>
+              <a:rPr lang="en-US" altLang="zh-CN" sz="1000" dirty="0" smtClean="0">
+                <a:solidFill>
+                  <a:schemeClr val="tx1">
+                    <a:lumMod val="50000"/>
+                    <a:lumOff val="50000"/>
+                  </a:schemeClr>
+                </a:solidFill>
+              </a:rPr>
+              <a:t>['</a:t>
+            </a:r>
+            <a:r>
+              <a:rPr lang="en-US" altLang="zh-CN" sz="1000" dirty="0" err="1" smtClean="0">
+                <a:solidFill>
+                  <a:schemeClr val="tx1">
+                    <a:lumMod val="50000"/>
+                    <a:lumOff val="50000"/>
+                  </a:schemeClr>
+                </a:solidFill>
+              </a:rPr>
+              <a:t>select_in_logic_column</a:t>
+            </a:r>
+            <a:r>
+              <a:rPr lang="en-US" altLang="zh-CN" sz="1000" dirty="0" smtClean="0">
+                <a:solidFill>
+                  <a:schemeClr val="tx1">
+                    <a:lumMod val="50000"/>
+                    <a:lumOff val="50000"/>
+                  </a:schemeClr>
+                </a:solidFill>
+              </a:rPr>
+              <a:t>'] = "</a:t>
+            </a:r>
+            <a:r>
+              <a:rPr lang="en-US" altLang="zh-CN" sz="1000" dirty="0" err="1" smtClean="0">
+                <a:solidFill>
+                  <a:schemeClr val="tx1">
+                    <a:lumMod val="50000"/>
+                    <a:lumOff val="50000"/>
+                  </a:schemeClr>
+                </a:solidFill>
+              </a:rPr>
+              <a:t>user_ids</a:t>
+            </a:r>
+            <a:r>
+              <a:rPr lang="en-US" altLang="zh-CN" sz="1000" dirty="0" smtClean="0">
+                <a:solidFill>
+                  <a:schemeClr val="tx1">
+                    <a:lumMod val="50000"/>
+                    <a:lumOff val="50000"/>
+                  </a:schemeClr>
+                </a:solidFill>
+              </a:rPr>
+              <a:t>"; //select in </a:t>
+            </a:r>
+            <a:r>
+              <a:rPr lang="zh-CN" altLang="en-US" sz="1000" dirty="0" smtClean="0">
+                <a:solidFill>
+                  <a:schemeClr val="tx1">
+                    <a:lumMod val="50000"/>
+                    <a:lumOff val="50000"/>
+                  </a:schemeClr>
+                </a:solidFill>
+              </a:rPr>
+              <a:t>查询时时的参数</a:t>
+            </a:r>
+            <a:r>
+              <a:rPr lang="en-US" altLang="zh-CN" sz="1000" dirty="0" smtClean="0">
+                <a:solidFill>
+                  <a:schemeClr val="tx1">
+                    <a:lumMod val="50000"/>
+                    <a:lumOff val="50000"/>
+                  </a:schemeClr>
+                </a:solidFill>
+              </a:rPr>
+              <a:t>key</a:t>
+            </a:r>
+            <a:r>
+              <a:rPr lang="zh-CN" altLang="en-US" sz="1000" dirty="0" smtClean="0">
+                <a:solidFill>
+                  <a:schemeClr val="tx1">
+                    <a:lumMod val="50000"/>
+                    <a:lumOff val="50000"/>
+                  </a:schemeClr>
+                </a:solidFill>
+              </a:rPr>
+              <a:t>名</a:t>
+            </a:r>
+          </a:p>
+          <a:p>
+            <a:r>
+              <a:rPr lang="en-US" altLang="zh-CN" sz="1000" dirty="0" smtClean="0">
+                <a:solidFill>
+                  <a:srgbClr val="7030A0"/>
+                </a:solidFill>
+              </a:rPr>
+              <a:t>$</a:t>
+            </a:r>
+            <a:r>
+              <a:rPr lang="en-US" altLang="zh-CN" sz="1000" dirty="0" err="1" smtClean="0">
+                <a:solidFill>
+                  <a:srgbClr val="7030A0"/>
+                </a:solidFill>
+              </a:rPr>
+              <a:t>multiple_config</a:t>
+            </a:r>
+            <a:r>
+              <a:rPr lang="en-US" altLang="zh-CN" sz="1000" dirty="0" smtClean="0">
+                <a:solidFill>
+                  <a:srgbClr val="7030A0"/>
+                </a:solidFill>
+              </a:rPr>
+              <a:t>['</a:t>
+            </a:r>
+            <a:r>
+              <a:rPr lang="en-US" altLang="zh-CN" sz="1000" dirty="0" err="1" smtClean="0">
+                <a:solidFill>
+                  <a:srgbClr val="7030A0"/>
+                </a:solidFill>
+              </a:rPr>
+              <a:t>table_total_num</a:t>
+            </a:r>
+            <a:r>
+              <a:rPr lang="en-US" altLang="zh-CN" sz="1000" dirty="0" smtClean="0">
+                <a:solidFill>
+                  <a:srgbClr val="7030A0"/>
+                </a:solidFill>
+              </a:rPr>
+              <a:t>'] = 64; //</a:t>
+            </a:r>
+            <a:r>
+              <a:rPr lang="zh-CN" altLang="en-US" sz="1000" dirty="0" smtClean="0">
+                <a:solidFill>
+                  <a:srgbClr val="7030A0"/>
+                </a:solidFill>
+              </a:rPr>
+              <a:t>总表数</a:t>
+            </a:r>
+          </a:p>
+          <a:p>
+            <a:r>
+              <a:rPr lang="en-US" altLang="zh-CN" sz="1000" dirty="0" smtClean="0">
+                <a:solidFill>
+                  <a:srgbClr val="7030A0"/>
+                </a:solidFill>
+              </a:rPr>
+              <a:t>$</a:t>
+            </a:r>
+            <a:r>
+              <a:rPr lang="en-US" altLang="zh-CN" sz="1000" dirty="0" err="1" smtClean="0">
+                <a:solidFill>
+                  <a:srgbClr val="7030A0"/>
+                </a:solidFill>
+              </a:rPr>
+              <a:t>multiple_config</a:t>
+            </a:r>
+            <a:r>
+              <a:rPr lang="en-US" altLang="zh-CN" sz="1000" dirty="0" smtClean="0">
+                <a:solidFill>
+                  <a:srgbClr val="7030A0"/>
+                </a:solidFill>
+              </a:rPr>
+              <a:t>['</a:t>
+            </a:r>
+            <a:r>
+              <a:rPr lang="en-US" altLang="zh-CN" sz="1000" dirty="0" err="1" smtClean="0">
+                <a:solidFill>
+                  <a:srgbClr val="7030A0"/>
+                </a:solidFill>
+              </a:rPr>
+              <a:t>one_db_table_num</a:t>
+            </a:r>
+            <a:r>
+              <a:rPr lang="en-US" altLang="zh-CN" sz="1000" dirty="0" smtClean="0">
+                <a:solidFill>
+                  <a:srgbClr val="7030A0"/>
+                </a:solidFill>
+              </a:rPr>
+              <a:t>'] = 16; //</a:t>
+            </a:r>
+            <a:r>
+              <a:rPr lang="zh-CN" altLang="en-US" sz="1000" dirty="0" smtClean="0">
+                <a:solidFill>
+                  <a:srgbClr val="7030A0"/>
+                </a:solidFill>
+              </a:rPr>
+              <a:t>每个库里存放的表数</a:t>
+            </a:r>
+          </a:p>
+          <a:p>
+            <a:r>
+              <a:rPr lang="en-US" altLang="zh-CN" sz="1000" dirty="0" smtClean="0">
+                <a:solidFill>
+                  <a:schemeClr val="tx2"/>
+                </a:solidFill>
+              </a:rPr>
+              <a:t>$</a:t>
+            </a:r>
+            <a:r>
+              <a:rPr lang="en-US" altLang="zh-CN" sz="1000" dirty="0" err="1" smtClean="0">
+                <a:solidFill>
+                  <a:schemeClr val="tx2"/>
+                </a:solidFill>
+              </a:rPr>
+              <a:t>multiple_config</a:t>
+            </a:r>
+            <a:r>
+              <a:rPr lang="en-US" altLang="zh-CN" sz="1000" dirty="0" smtClean="0">
+                <a:solidFill>
+                  <a:schemeClr val="tx2"/>
+                </a:solidFill>
+              </a:rPr>
+              <a:t>['</a:t>
+            </a:r>
+            <a:r>
+              <a:rPr lang="en-US" altLang="zh-CN" sz="1000" dirty="0" err="1" smtClean="0">
+                <a:solidFill>
+                  <a:schemeClr val="tx2"/>
+                </a:solidFill>
+              </a:rPr>
+              <a:t>consistent_hash_separate_string</a:t>
+            </a:r>
+            <a:r>
+              <a:rPr lang="en-US" altLang="zh-CN" sz="1000" dirty="0" smtClean="0">
+                <a:solidFill>
+                  <a:schemeClr val="tx2"/>
+                </a:solidFill>
+              </a:rPr>
+              <a:t>'] = "[0,256]=sc_refund_0000;[256,512]=sc_refund_0001;[512,768]=sc_refund_0002;[768,1024]=sc_refund_0003";//</a:t>
+            </a:r>
+            <a:r>
+              <a:rPr lang="zh-CN" altLang="en-US" sz="1000" dirty="0" smtClean="0">
+                <a:solidFill>
+                  <a:schemeClr val="tx2"/>
+                </a:solidFill>
+              </a:rPr>
+              <a:t>一致性</a:t>
+            </a:r>
+            <a:r>
+              <a:rPr lang="en-US" altLang="zh-CN" sz="1000" dirty="0" smtClean="0">
+                <a:solidFill>
+                  <a:schemeClr val="tx2"/>
+                </a:solidFill>
+              </a:rPr>
+              <a:t>hash</a:t>
+            </a:r>
+            <a:r>
+              <a:rPr lang="zh-CN" altLang="en-US" sz="1000" dirty="0" smtClean="0">
+                <a:solidFill>
+                  <a:schemeClr val="tx2"/>
+                </a:solidFill>
+              </a:rPr>
+              <a:t>字符串区间</a:t>
+            </a:r>
+          </a:p>
+          <a:p>
+            <a:r>
+              <a:rPr lang="en-US" altLang="zh-CN" sz="1000" dirty="0" smtClean="0">
+                <a:solidFill>
+                  <a:schemeClr val="tx2"/>
+                </a:solidFill>
+              </a:rPr>
+              <a:t>$</a:t>
+            </a:r>
+            <a:r>
+              <a:rPr lang="en-US" altLang="zh-CN" sz="1000" dirty="0" err="1" smtClean="0">
+                <a:solidFill>
+                  <a:schemeClr val="tx2"/>
+                </a:solidFill>
+              </a:rPr>
+              <a:t>multiple_config</a:t>
+            </a:r>
+            <a:r>
+              <a:rPr lang="en-US" altLang="zh-CN" sz="1000" dirty="0" smtClean="0">
+                <a:solidFill>
+                  <a:schemeClr val="tx2"/>
+                </a:solidFill>
+              </a:rPr>
+              <a:t>['</a:t>
+            </a:r>
+            <a:r>
+              <a:rPr lang="en-US" altLang="zh-CN" sz="1000" dirty="0" err="1" smtClean="0">
+                <a:solidFill>
+                  <a:schemeClr val="tx2"/>
+                </a:solidFill>
+              </a:rPr>
+              <a:t>consistent_hash_separate_mod_max_value</a:t>
+            </a:r>
+            <a:r>
+              <a:rPr lang="en-US" altLang="zh-CN" sz="1000" dirty="0" smtClean="0">
+                <a:solidFill>
+                  <a:schemeClr val="tx2"/>
+                </a:solidFill>
+              </a:rPr>
+              <a:t>'] =1024;//</a:t>
+            </a:r>
+            <a:r>
+              <a:rPr lang="zh-CN" altLang="en-US" sz="1000" dirty="0" smtClean="0">
+                <a:solidFill>
+                  <a:schemeClr val="tx2"/>
+                </a:solidFill>
+              </a:rPr>
+              <a:t>一致性</a:t>
+            </a:r>
+            <a:r>
+              <a:rPr lang="en-US" altLang="zh-CN" sz="1000" dirty="0" smtClean="0">
+                <a:solidFill>
+                  <a:schemeClr val="tx2"/>
+                </a:solidFill>
+              </a:rPr>
+              <a:t>hash</a:t>
+            </a:r>
+            <a:r>
+              <a:rPr lang="zh-CN" altLang="en-US" sz="1000" dirty="0" smtClean="0">
+                <a:solidFill>
+                  <a:schemeClr val="tx2"/>
+                </a:solidFill>
+              </a:rPr>
+              <a:t>最大区间值</a:t>
+            </a:r>
+          </a:p>
+          <a:p>
+            <a:r>
+              <a:rPr lang="en-US" altLang="zh-CN" sz="1000" dirty="0" smtClean="0">
+                <a:solidFill>
+                  <a:schemeClr val="tx2"/>
+                </a:solidFill>
+              </a:rPr>
+              <a:t>$</a:t>
+            </a:r>
+            <a:r>
+              <a:rPr lang="en-US" altLang="zh-CN" sz="1000" dirty="0" err="1" smtClean="0">
+                <a:solidFill>
+                  <a:schemeClr val="tx2"/>
+                </a:solidFill>
+              </a:rPr>
+              <a:t>multiple_config</a:t>
+            </a:r>
+            <a:r>
+              <a:rPr lang="en-US" altLang="zh-CN" sz="1000" dirty="0" smtClean="0">
+                <a:solidFill>
+                  <a:schemeClr val="tx2"/>
+                </a:solidFill>
+              </a:rPr>
+              <a:t>[‘</a:t>
+            </a:r>
+            <a:r>
+              <a:rPr lang="en-US" altLang="zh-CN" sz="1000" dirty="0" err="1" smtClean="0">
+                <a:solidFill>
+                  <a:schemeClr val="tx2"/>
+                </a:solidFill>
+              </a:rPr>
+              <a:t>consistent_hash_one_db_one_table</a:t>
+            </a:r>
+            <a:r>
+              <a:rPr lang="en-US" altLang="zh-CN" sz="1000" dirty="0" smtClean="0">
+                <a:solidFill>
+                  <a:schemeClr val="tx2"/>
+                </a:solidFill>
+              </a:rPr>
+              <a:t>’] =false;//</a:t>
+            </a:r>
+            <a:r>
+              <a:rPr lang="zh-CN" altLang="en-US" sz="1000" dirty="0" smtClean="0">
+                <a:solidFill>
+                  <a:schemeClr val="tx2"/>
+                </a:solidFill>
+              </a:rPr>
+              <a:t>针对 </a:t>
+            </a:r>
+            <a:r>
+              <a:rPr lang="en-US" altLang="zh-CN" sz="1000" dirty="0" err="1" smtClean="0">
+                <a:solidFill>
+                  <a:schemeClr val="tx2"/>
+                </a:solidFill>
+              </a:rPr>
+              <a:t>consistent_hash</a:t>
+            </a:r>
+            <a:r>
+              <a:rPr lang="zh-CN" altLang="en-US" sz="1000" dirty="0" smtClean="0">
+                <a:solidFill>
+                  <a:schemeClr val="tx2"/>
+                </a:solidFill>
+              </a:rPr>
+              <a:t>有效</a:t>
+            </a:r>
+            <a:r>
+              <a:rPr lang="en-US" altLang="zh-CN" sz="1000" dirty="0" smtClean="0">
+                <a:solidFill>
+                  <a:schemeClr val="tx2"/>
+                </a:solidFill>
+              </a:rPr>
+              <a:t>,</a:t>
+            </a:r>
+            <a:r>
+              <a:rPr lang="zh-CN" altLang="en-US" sz="1000" dirty="0" smtClean="0">
+                <a:solidFill>
+                  <a:schemeClr val="tx2"/>
+                </a:solidFill>
+              </a:rPr>
+              <a:t>区间是否是是一库一表</a:t>
+            </a:r>
+            <a:r>
+              <a:rPr lang="en-US" altLang="zh-CN" sz="1000" dirty="0" smtClean="0">
+                <a:solidFill>
+                  <a:schemeClr val="tx2"/>
+                </a:solidFill>
+              </a:rPr>
+              <a:t>,</a:t>
+            </a:r>
+            <a:r>
+              <a:rPr lang="zh-CN" altLang="en-US" sz="1000" dirty="0" smtClean="0">
+                <a:solidFill>
+                  <a:schemeClr val="tx2"/>
+                </a:solidFill>
+              </a:rPr>
+              <a:t>如为</a:t>
+            </a:r>
+            <a:r>
+              <a:rPr lang="en-US" altLang="zh-CN" sz="1000" dirty="0" smtClean="0">
+                <a:solidFill>
+                  <a:schemeClr val="tx2"/>
+                </a:solidFill>
+              </a:rPr>
+              <a:t>true,</a:t>
+            </a:r>
+            <a:r>
+              <a:rPr lang="zh-CN" altLang="en-US" sz="1000" dirty="0" smtClean="0">
+                <a:solidFill>
+                  <a:schemeClr val="tx2"/>
+                </a:solidFill>
+              </a:rPr>
+              <a:t>上面的区间值中可为</a:t>
+            </a:r>
+            <a:r>
+              <a:rPr lang="en-US" altLang="zh-CN" sz="1000" dirty="0" smtClean="0">
+                <a:solidFill>
+                  <a:schemeClr val="tx2"/>
+                </a:solidFill>
+              </a:rPr>
+              <a:t>[0,500w] w</a:t>
+            </a:r>
+            <a:r>
+              <a:rPr lang="zh-CN" altLang="en-US" sz="1000" dirty="0" smtClean="0">
+                <a:solidFill>
+                  <a:schemeClr val="tx2"/>
+                </a:solidFill>
+              </a:rPr>
+              <a:t>表示万</a:t>
+            </a:r>
+          </a:p>
+          <a:p>
+            <a:r>
+              <a:rPr lang="en-US" altLang="zh-CN" sz="1000" dirty="0" smtClean="0">
+                <a:solidFill>
+                  <a:schemeClr val="tx2"/>
+                </a:solidFill>
+              </a:rPr>
+              <a:t>$</a:t>
+            </a:r>
+            <a:r>
+              <a:rPr lang="en-US" altLang="zh-CN" sz="1000" dirty="0" err="1" smtClean="0">
+                <a:solidFill>
+                  <a:schemeClr val="tx2"/>
+                </a:solidFill>
+              </a:rPr>
+              <a:t>multiple_config</a:t>
+            </a:r>
+            <a:r>
+              <a:rPr lang="en-US" altLang="zh-CN" sz="1000" dirty="0" smtClean="0">
+                <a:solidFill>
+                  <a:schemeClr val="tx2"/>
+                </a:solidFill>
+              </a:rPr>
+              <a:t>[‘</a:t>
+            </a:r>
+            <a:r>
+              <a:rPr lang="en-US" altLang="zh-CN" sz="1000" dirty="0" err="1" smtClean="0">
+                <a:solidFill>
+                  <a:schemeClr val="tx2"/>
+                </a:solidFill>
+              </a:rPr>
+              <a:t>virtual_db_node_number</a:t>
+            </a:r>
+            <a:r>
+              <a:rPr lang="en-US" altLang="zh-CN" sz="1000" dirty="0" smtClean="0">
+                <a:solidFill>
+                  <a:schemeClr val="tx2"/>
+                </a:solidFill>
+              </a:rPr>
+              <a:t>’] = 64; //</a:t>
+            </a:r>
+            <a:r>
+              <a:rPr lang="zh-CN" altLang="en-US" sz="1000" dirty="0" smtClean="0">
+                <a:solidFill>
+                  <a:schemeClr val="tx2"/>
+                </a:solidFill>
+              </a:rPr>
+              <a:t>虚拟节点数目 虚拟</a:t>
+            </a:r>
+            <a:r>
+              <a:rPr lang="en-US" altLang="zh-CN" sz="1000" dirty="0" smtClean="0">
+                <a:solidFill>
+                  <a:schemeClr val="tx2"/>
+                </a:solidFill>
+              </a:rPr>
+              <a:t>hash</a:t>
+            </a:r>
+            <a:r>
+              <a:rPr lang="zh-CN" altLang="en-US" sz="1000" dirty="0" smtClean="0">
+                <a:solidFill>
+                  <a:schemeClr val="tx2"/>
+                </a:solidFill>
+              </a:rPr>
+              <a:t>算法实现可设置此值</a:t>
+            </a:r>
+          </a:p>
+          <a:p>
+            <a:r>
+              <a:rPr lang="en-US" altLang="zh-CN" sz="1000" dirty="0" smtClean="0">
+                <a:solidFill>
+                  <a:schemeClr val="tx2"/>
+                </a:solidFill>
+              </a:rPr>
+              <a:t>$</a:t>
+            </a:r>
+            <a:r>
+              <a:rPr lang="en-US" altLang="zh-CN" sz="1000" dirty="0" err="1" smtClean="0">
+                <a:solidFill>
+                  <a:schemeClr val="tx2"/>
+                </a:solidFill>
+              </a:rPr>
+              <a:t>multiple_config</a:t>
+            </a:r>
+            <a:r>
+              <a:rPr lang="en-US" altLang="zh-CN" sz="1000" dirty="0" smtClean="0">
+                <a:solidFill>
+                  <a:schemeClr val="tx2"/>
+                </a:solidFill>
+              </a:rPr>
+              <a:t>['</a:t>
+            </a:r>
+            <a:r>
+              <a:rPr lang="en-US" altLang="zh-CN" sz="1000" dirty="0" err="1" smtClean="0">
+                <a:solidFill>
+                  <a:schemeClr val="tx2"/>
+                </a:solidFill>
+              </a:rPr>
+              <a:t>db_hash_type</a:t>
+            </a:r>
+            <a:r>
+              <a:rPr lang="en-US" altLang="zh-CN" sz="1000" dirty="0" smtClean="0">
+                <a:solidFill>
+                  <a:schemeClr val="tx2"/>
+                </a:solidFill>
+              </a:rPr>
+              <a:t>'] ='</a:t>
+            </a:r>
+            <a:r>
+              <a:rPr lang="en-US" altLang="zh-CN" sz="1000" dirty="0" err="1" smtClean="0">
+                <a:solidFill>
+                  <a:schemeClr val="tx2"/>
+                </a:solidFill>
+              </a:rPr>
+              <a:t>virtual_hash</a:t>
+            </a:r>
+            <a:r>
+              <a:rPr lang="en-US" altLang="zh-CN" sz="1000" dirty="0" smtClean="0">
+                <a:solidFill>
+                  <a:schemeClr val="tx2"/>
+                </a:solidFill>
+              </a:rPr>
+              <a:t>';//</a:t>
+            </a:r>
+            <a:r>
+              <a:rPr lang="zh-CN" altLang="en-US" sz="1000" dirty="0" smtClean="0">
+                <a:solidFill>
+                  <a:schemeClr val="tx2"/>
+                </a:solidFill>
+              </a:rPr>
+              <a:t>可为  </a:t>
+            </a:r>
+            <a:r>
+              <a:rPr lang="en-US" altLang="zh-CN" sz="1000" dirty="0" err="1" smtClean="0">
+                <a:solidFill>
+                  <a:schemeClr val="tx2"/>
+                </a:solidFill>
+              </a:rPr>
+              <a:t>consistent_hash</a:t>
+            </a:r>
+            <a:r>
+              <a:rPr lang="en-US" altLang="zh-CN" sz="1000" dirty="0" smtClean="0">
+                <a:solidFill>
+                  <a:schemeClr val="tx2"/>
+                </a:solidFill>
+              </a:rPr>
+              <a:t>(</a:t>
+            </a:r>
+            <a:r>
+              <a:rPr lang="zh-CN" altLang="en-US" sz="1000" dirty="0" smtClean="0">
+                <a:solidFill>
+                  <a:schemeClr val="tx2"/>
+                </a:solidFill>
+              </a:rPr>
+              <a:t>必需设置</a:t>
+            </a:r>
+            <a:r>
+              <a:rPr lang="en-US" altLang="zh-CN" sz="1000" dirty="0" err="1" smtClean="0">
+                <a:solidFill>
+                  <a:schemeClr val="tx2"/>
+                </a:solidFill>
+              </a:rPr>
+              <a:t>key:consistent_hash_separate_string</a:t>
+            </a:r>
+            <a:r>
+              <a:rPr lang="zh-CN" altLang="en-US" sz="1000" dirty="0" smtClean="0">
+                <a:solidFill>
+                  <a:schemeClr val="tx2"/>
+                </a:solidFill>
+              </a:rPr>
+              <a:t>及</a:t>
+            </a:r>
+            <a:r>
+              <a:rPr lang="en-US" altLang="zh-CN" sz="1000" dirty="0" err="1" smtClean="0">
+                <a:solidFill>
+                  <a:schemeClr val="tx2"/>
+                </a:solidFill>
+              </a:rPr>
+              <a:t>consistent_hash_separate_mod_max_value</a:t>
+            </a:r>
+            <a:r>
+              <a:rPr lang="en-US" altLang="zh-CN" sz="1000" dirty="0" smtClean="0">
+                <a:solidFill>
+                  <a:schemeClr val="tx2"/>
+                </a:solidFill>
+              </a:rPr>
+              <a:t>) ||</a:t>
+            </a:r>
+            <a:r>
+              <a:rPr lang="en-US" altLang="zh-CN" sz="1000" dirty="0" err="1" smtClean="0">
+                <a:solidFill>
+                  <a:schemeClr val="tx2"/>
+                </a:solidFill>
+              </a:rPr>
+              <a:t>virtual_hash</a:t>
+            </a:r>
+            <a:r>
+              <a:rPr lang="en-US" altLang="zh-CN" sz="1000" dirty="0" smtClean="0">
+                <a:solidFill>
+                  <a:schemeClr val="tx2"/>
+                </a:solidFill>
+              </a:rPr>
+              <a:t>(</a:t>
+            </a:r>
+            <a:r>
+              <a:rPr lang="zh-CN" altLang="en-US" sz="1000" dirty="0" smtClean="0">
+                <a:solidFill>
+                  <a:schemeClr val="tx2"/>
+                </a:solidFill>
+              </a:rPr>
+              <a:t>必需设置</a:t>
+            </a:r>
+            <a:r>
+              <a:rPr lang="en-US" altLang="zh-CN" sz="1000" dirty="0" err="1" smtClean="0">
+                <a:solidFill>
+                  <a:schemeClr val="tx2"/>
+                </a:solidFill>
+              </a:rPr>
+              <a:t>key:virtual_db_node_number</a:t>
+            </a:r>
+            <a:r>
+              <a:rPr lang="en-US" altLang="zh-CN" sz="1000" dirty="0" smtClean="0">
+                <a:solidFill>
+                  <a:schemeClr val="tx2"/>
+                </a:solidFill>
+              </a:rPr>
+              <a:t>) ||</a:t>
+            </a:r>
+            <a:r>
+              <a:rPr lang="en-US" altLang="zh-CN" sz="1000" dirty="0" err="1" smtClean="0">
+                <a:solidFill>
+                  <a:schemeClr val="tx2"/>
+                </a:solidFill>
+              </a:rPr>
+              <a:t>mod_hash</a:t>
+            </a:r>
+            <a:r>
+              <a:rPr lang="en-US" altLang="zh-CN" sz="1000" dirty="0" smtClean="0">
+                <a:solidFill>
+                  <a:schemeClr val="tx2"/>
+                </a:solidFill>
+              </a:rPr>
+              <a:t> </a:t>
+            </a:r>
+            <a:r>
+              <a:rPr lang="zh-CN" altLang="en-US" sz="1000" dirty="0" smtClean="0">
+                <a:solidFill>
+                  <a:schemeClr val="tx2"/>
+                </a:solidFill>
+              </a:rPr>
+              <a:t>，如果不设置，则默认为 </a:t>
+            </a:r>
+            <a:r>
+              <a:rPr lang="en-US" altLang="zh-CN" sz="1000" dirty="0" err="1" smtClean="0">
+                <a:solidFill>
+                  <a:schemeClr val="tx2"/>
+                </a:solidFill>
+              </a:rPr>
+              <a:t>mod_hash</a:t>
+            </a:r>
+            <a:endParaRPr lang="en-US" altLang="zh-CN" sz="1000" dirty="0" smtClean="0">
+              <a:solidFill>
+                <a:schemeClr val="tx2"/>
+              </a:solidFill>
+            </a:endParaRPr>
+          </a:p>
+          <a:p>
+            <a:r>
+              <a:rPr lang="en-US" altLang="zh-CN" sz="1000" dirty="0" smtClean="0">
+                <a:solidFill>
+                  <a:srgbClr val="FF0000"/>
+                </a:solidFill>
+              </a:rPr>
+              <a:t>$</a:t>
+            </a:r>
+            <a:r>
+              <a:rPr lang="en-US" altLang="zh-CN" sz="1000" dirty="0" err="1" smtClean="0">
+                <a:solidFill>
+                  <a:srgbClr val="FF0000"/>
+                </a:solidFill>
+              </a:rPr>
+              <a:t>multiple_config</a:t>
+            </a:r>
+            <a:r>
+              <a:rPr lang="en-US" altLang="zh-CN" sz="1000" dirty="0" smtClean="0">
+                <a:solidFill>
+                  <a:srgbClr val="FF0000"/>
+                </a:solidFill>
+              </a:rPr>
+              <a:t>['</a:t>
+            </a:r>
+            <a:r>
+              <a:rPr lang="en-US" altLang="zh-CN" sz="1000" dirty="0" err="1" smtClean="0">
+                <a:solidFill>
+                  <a:srgbClr val="FF0000"/>
+                </a:solidFill>
+              </a:rPr>
+              <a:t>is_date_table</a:t>
+            </a:r>
+            <a:r>
+              <a:rPr lang="en-US" altLang="zh-CN" sz="1000" dirty="0" smtClean="0">
+                <a:solidFill>
+                  <a:srgbClr val="FF0000"/>
+                </a:solidFill>
+              </a:rPr>
+              <a:t>'] = true; //</a:t>
+            </a:r>
+            <a:r>
+              <a:rPr lang="zh-CN" altLang="en-US" sz="1000" dirty="0" smtClean="0">
+                <a:solidFill>
+                  <a:srgbClr val="FF0000"/>
+                </a:solidFill>
+              </a:rPr>
+              <a:t>是否按时间分表</a:t>
+            </a:r>
+            <a:r>
+              <a:rPr lang="en-US" altLang="zh-CN" sz="1000" dirty="0" smtClean="0">
+                <a:solidFill>
+                  <a:srgbClr val="FF0000"/>
+                </a:solidFill>
+              </a:rPr>
+              <a:t>,</a:t>
+            </a:r>
+            <a:r>
+              <a:rPr lang="zh-CN" altLang="en-US" sz="1000" dirty="0" smtClean="0">
+                <a:solidFill>
+                  <a:srgbClr val="FF0000"/>
+                </a:solidFill>
+              </a:rPr>
+              <a:t>只支持单库</a:t>
+            </a:r>
+          </a:p>
+          <a:p>
+            <a:r>
+              <a:rPr lang="en-US" altLang="zh-CN" sz="1000" dirty="0" smtClean="0">
+                <a:solidFill>
+                  <a:srgbClr val="FF0000"/>
+                </a:solidFill>
+              </a:rPr>
+              <a:t>$</a:t>
+            </a:r>
+            <a:r>
+              <a:rPr lang="en-US" altLang="zh-CN" sz="1000" dirty="0" err="1" smtClean="0">
+                <a:solidFill>
+                  <a:srgbClr val="FF0000"/>
+                </a:solidFill>
+              </a:rPr>
+              <a:t>multiple_config</a:t>
+            </a:r>
+            <a:r>
+              <a:rPr lang="en-US" altLang="zh-CN" sz="1000" dirty="0" smtClean="0">
+                <a:solidFill>
+                  <a:srgbClr val="FF0000"/>
+                </a:solidFill>
+              </a:rPr>
+              <a:t>['</a:t>
+            </a:r>
+            <a:r>
+              <a:rPr lang="en-US" altLang="zh-CN" sz="1000" dirty="0" err="1" smtClean="0">
+                <a:solidFill>
+                  <a:srgbClr val="FF0000"/>
+                </a:solidFill>
+              </a:rPr>
+              <a:t>table_name_date_logic_string</a:t>
+            </a:r>
+            <a:r>
+              <a:rPr lang="en-US" altLang="zh-CN" sz="1000" dirty="0" smtClean="0">
+                <a:solidFill>
+                  <a:srgbClr val="FF0000"/>
+                </a:solidFill>
+              </a:rPr>
+              <a:t>'] = '</a:t>
+            </a:r>
+            <a:r>
+              <a:rPr lang="en-US" altLang="zh-CN" sz="1000" dirty="0" err="1" smtClean="0">
+                <a:solidFill>
+                  <a:srgbClr val="FF0000"/>
+                </a:solidFill>
+              </a:rPr>
+              <a:t>MMdd</a:t>
+            </a:r>
+            <a:r>
+              <a:rPr lang="en-US" altLang="zh-CN" sz="1000" dirty="0" smtClean="0">
+                <a:solidFill>
+                  <a:srgbClr val="FF0000"/>
+                </a:solidFill>
+              </a:rPr>
+              <a:t>'; //</a:t>
+            </a:r>
+            <a:r>
+              <a:rPr lang="zh-CN" altLang="en-US" sz="1000" dirty="0" smtClean="0">
+                <a:solidFill>
+                  <a:srgbClr val="FF0000"/>
+                </a:solidFill>
+              </a:rPr>
+              <a:t>按时间分表 </a:t>
+            </a:r>
+            <a:r>
+              <a:rPr lang="en-US" altLang="zh-CN" sz="1000" dirty="0" err="1" smtClean="0">
+                <a:solidFill>
+                  <a:srgbClr val="FF0000"/>
+                </a:solidFill>
+              </a:rPr>
+              <a:t>yyyyMMdd</a:t>
+            </a:r>
+            <a:r>
+              <a:rPr lang="en-US" altLang="zh-CN" sz="1000" dirty="0" smtClean="0">
+                <a:solidFill>
+                  <a:srgbClr val="FF0000"/>
+                </a:solidFill>
+              </a:rPr>
+              <a:t>(20140806) || </a:t>
+            </a:r>
+            <a:r>
+              <a:rPr lang="en-US" altLang="zh-CN" sz="1000" dirty="0" err="1" smtClean="0">
+                <a:solidFill>
+                  <a:srgbClr val="FF0000"/>
+                </a:solidFill>
+              </a:rPr>
+              <a:t>yyyyMM</a:t>
+            </a:r>
+            <a:r>
+              <a:rPr lang="en-US" altLang="zh-CN" sz="1000" dirty="0" smtClean="0">
+                <a:solidFill>
+                  <a:srgbClr val="FF0000"/>
+                </a:solidFill>
+              </a:rPr>
+              <a:t>(201408) || </a:t>
+            </a:r>
+            <a:r>
+              <a:rPr lang="en-US" altLang="zh-CN" sz="1000" dirty="0" err="1" smtClean="0">
+                <a:solidFill>
+                  <a:srgbClr val="FF0000"/>
+                </a:solidFill>
+              </a:rPr>
+              <a:t>yyyy</a:t>
+            </a:r>
+            <a:r>
+              <a:rPr lang="en-US" altLang="zh-CN" sz="1000" dirty="0" smtClean="0">
+                <a:solidFill>
+                  <a:srgbClr val="FF0000"/>
+                </a:solidFill>
+              </a:rPr>
+              <a:t>(2014) ||</a:t>
+            </a:r>
+            <a:r>
+              <a:rPr lang="en-US" altLang="zh-CN" sz="1000" dirty="0" err="1" smtClean="0">
+                <a:solidFill>
+                  <a:srgbClr val="FF0000"/>
+                </a:solidFill>
+              </a:rPr>
+              <a:t>dd</a:t>
+            </a:r>
+            <a:r>
+              <a:rPr lang="en-US" altLang="zh-CN" sz="1000" dirty="0" smtClean="0">
+                <a:solidFill>
+                  <a:srgbClr val="FF0000"/>
+                </a:solidFill>
+              </a:rPr>
+              <a:t>(</a:t>
+            </a:r>
+            <a:r>
+              <a:rPr lang="zh-CN" altLang="en-US" sz="1000" dirty="0" smtClean="0">
+                <a:solidFill>
+                  <a:srgbClr val="FF0000"/>
+                </a:solidFill>
+              </a:rPr>
+              <a:t>天</a:t>
+            </a:r>
+            <a:r>
+              <a:rPr lang="en-US" altLang="zh-CN" sz="1000" dirty="0" smtClean="0">
+                <a:solidFill>
+                  <a:srgbClr val="FF0000"/>
+                </a:solidFill>
+              </a:rPr>
+              <a:t>:0...31) ||MM(</a:t>
+            </a:r>
+            <a:r>
+              <a:rPr lang="zh-CN" altLang="en-US" sz="1000" dirty="0" smtClean="0">
+                <a:solidFill>
+                  <a:srgbClr val="FF0000"/>
+                </a:solidFill>
+              </a:rPr>
+              <a:t>月</a:t>
+            </a:r>
+            <a:r>
+              <a:rPr lang="en-US" altLang="zh-CN" sz="1000" dirty="0" smtClean="0">
+                <a:solidFill>
+                  <a:srgbClr val="FF0000"/>
+                </a:solidFill>
+              </a:rPr>
+              <a:t>1...12) ||</a:t>
+            </a:r>
+            <a:r>
+              <a:rPr lang="en-US" altLang="zh-CN" sz="1000" dirty="0" err="1" smtClean="0">
+                <a:solidFill>
+                  <a:srgbClr val="FF0000"/>
+                </a:solidFill>
+              </a:rPr>
+              <a:t>MMdd</a:t>
+            </a:r>
+            <a:r>
+              <a:rPr lang="en-US" altLang="zh-CN" sz="1000" dirty="0" smtClean="0">
+                <a:solidFill>
+                  <a:srgbClr val="FF0000"/>
+                </a:solidFill>
+              </a:rPr>
+              <a:t>(</a:t>
+            </a:r>
+            <a:r>
+              <a:rPr lang="zh-CN" altLang="en-US" sz="1000" dirty="0" smtClean="0">
+                <a:solidFill>
+                  <a:srgbClr val="FF0000"/>
+                </a:solidFill>
+              </a:rPr>
+              <a:t>月日</a:t>
+            </a:r>
+            <a:r>
+              <a:rPr lang="en-US" altLang="zh-CN" sz="1000" dirty="0" smtClean="0">
+                <a:solidFill>
+                  <a:srgbClr val="FF0000"/>
+                </a:solidFill>
+              </a:rPr>
+              <a:t>)||w(</a:t>
+            </a:r>
+            <a:r>
+              <a:rPr lang="zh-CN" altLang="en-US" sz="1000" dirty="0" smtClean="0">
+                <a:solidFill>
+                  <a:srgbClr val="FF0000"/>
+                </a:solidFill>
+              </a:rPr>
+              <a:t>星期日</a:t>
+            </a:r>
+            <a:r>
+              <a:rPr lang="en-US" altLang="zh-CN" sz="1000" dirty="0" smtClean="0">
+                <a:solidFill>
+                  <a:srgbClr val="FF0000"/>
+                </a:solidFill>
+              </a:rPr>
+              <a:t>:0,</a:t>
+            </a:r>
+            <a:r>
+              <a:rPr lang="zh-CN" altLang="en-US" sz="1000" dirty="0" smtClean="0">
+                <a:solidFill>
+                  <a:srgbClr val="FF0000"/>
+                </a:solidFill>
+              </a:rPr>
+              <a:t>星期一</a:t>
+            </a:r>
+            <a:r>
+              <a:rPr lang="en-US" altLang="zh-CN" sz="1000" dirty="0" smtClean="0">
+                <a:solidFill>
+                  <a:srgbClr val="FF0000"/>
+                </a:solidFill>
+              </a:rPr>
+              <a:t>:1...);</a:t>
+            </a:r>
+            <a:endParaRPr lang="en-US" altLang="zh-CN" sz="1000" dirty="0" smtClean="0">
+              <a:solidFill>
+                <a:schemeClr val="tx1">
+                  <a:lumMod val="50000"/>
+                  <a:lumOff val="50000"/>
+                </a:schemeClr>
+              </a:solidFill>
+            </a:endParaRPr>
+          </a:p>
+          <a:p>
+            <a:r>
+              <a:rPr lang="en-US" altLang="zh-CN" sz="1000" dirty="0" smtClean="0">
+                <a:solidFill>
+                  <a:schemeClr val="tx1">
+                    <a:lumMod val="50000"/>
+                    <a:lumOff val="50000"/>
+                  </a:schemeClr>
+                </a:solidFill>
+              </a:rPr>
+              <a:t>$</a:t>
+            </a:r>
+            <a:r>
+              <a:rPr lang="en-US" altLang="zh-CN" sz="1000" dirty="0" err="1" smtClean="0">
+                <a:solidFill>
+                  <a:schemeClr val="tx1">
+                    <a:lumMod val="50000"/>
+                    <a:lumOff val="50000"/>
+                  </a:schemeClr>
+                </a:solidFill>
+              </a:rPr>
+              <a:t>master_multiple_dbs</a:t>
+            </a:r>
+            <a:r>
+              <a:rPr lang="en-US" altLang="zh-CN" sz="1000" dirty="0" smtClean="0">
+                <a:solidFill>
+                  <a:schemeClr val="tx1">
+                    <a:lumMod val="50000"/>
+                    <a:lumOff val="50000"/>
+                  </a:schemeClr>
+                </a:solidFill>
+              </a:rPr>
+              <a:t> = array();</a:t>
+            </a:r>
+          </a:p>
+          <a:p>
+            <a:r>
+              <a:rPr lang="en-US" altLang="zh-CN" sz="1000" dirty="0" smtClean="0">
+                <a:solidFill>
+                  <a:schemeClr val="tx1">
+                    <a:lumMod val="50000"/>
+                    <a:lumOff val="50000"/>
+                  </a:schemeClr>
+                </a:solidFill>
+              </a:rPr>
+              <a:t>$</a:t>
+            </a:r>
+            <a:r>
+              <a:rPr lang="en-US" altLang="zh-CN" sz="1000" dirty="0" err="1" smtClean="0">
+                <a:solidFill>
+                  <a:schemeClr val="tx1">
+                    <a:lumMod val="50000"/>
+                    <a:lumOff val="50000"/>
+                  </a:schemeClr>
+                </a:solidFill>
+              </a:rPr>
+              <a:t>master_multiple_dbs</a:t>
+            </a:r>
+            <a:r>
+              <a:rPr lang="en-US" altLang="zh-CN" sz="1000" dirty="0" smtClean="0">
+                <a:solidFill>
+                  <a:schemeClr val="tx1">
+                    <a:lumMod val="50000"/>
+                    <a:lumOff val="50000"/>
+                  </a:schemeClr>
+                </a:solidFill>
+              </a:rPr>
+              <a:t>['sc_refund_0000'] = DB_HOST; //key</a:t>
+            </a:r>
+            <a:r>
+              <a:rPr lang="zh-CN" altLang="en-US" sz="1000" dirty="0" smtClean="0">
+                <a:solidFill>
+                  <a:schemeClr val="tx1">
+                    <a:lumMod val="50000"/>
+                    <a:lumOff val="50000"/>
+                  </a:schemeClr>
+                </a:solidFill>
+              </a:rPr>
+              <a:t>为数据库名，</a:t>
+            </a:r>
+            <a:r>
+              <a:rPr lang="en-US" altLang="zh-CN" sz="1000" dirty="0" smtClean="0">
+                <a:solidFill>
+                  <a:schemeClr val="tx1">
+                    <a:lumMod val="50000"/>
+                    <a:lumOff val="50000"/>
+                  </a:schemeClr>
+                </a:solidFill>
+              </a:rPr>
+              <a:t>value</a:t>
+            </a:r>
+            <a:r>
+              <a:rPr lang="zh-CN" altLang="en-US" sz="1000" dirty="0" smtClean="0">
+                <a:solidFill>
+                  <a:schemeClr val="tx1">
+                    <a:lumMod val="50000"/>
+                    <a:lumOff val="50000"/>
+                  </a:schemeClr>
+                </a:solidFill>
+              </a:rPr>
+              <a:t>为数据库所在的</a:t>
+            </a:r>
+            <a:r>
+              <a:rPr lang="en-US" altLang="zh-CN" sz="1000" dirty="0" smtClean="0">
+                <a:solidFill>
+                  <a:schemeClr val="tx1">
+                    <a:lumMod val="50000"/>
+                    <a:lumOff val="50000"/>
+                  </a:schemeClr>
+                </a:solidFill>
+              </a:rPr>
+              <a:t>host</a:t>
+            </a:r>
+            <a:r>
+              <a:rPr lang="zh-CN" altLang="en-US" sz="1000" dirty="0" smtClean="0">
+                <a:solidFill>
+                  <a:schemeClr val="tx1">
+                    <a:lumMod val="50000"/>
+                    <a:lumOff val="50000"/>
+                  </a:schemeClr>
+                </a:solidFill>
+              </a:rPr>
+              <a:t>，此</a:t>
+            </a:r>
+            <a:r>
+              <a:rPr lang="en-US" altLang="zh-CN" sz="1000" dirty="0" smtClean="0">
+                <a:solidFill>
+                  <a:schemeClr val="tx1">
+                    <a:lumMod val="50000"/>
+                    <a:lumOff val="50000"/>
+                  </a:schemeClr>
+                </a:solidFill>
+              </a:rPr>
+              <a:t>value</a:t>
+            </a:r>
+            <a:r>
+              <a:rPr lang="zh-CN" altLang="en-US" sz="1000" dirty="0" smtClean="0">
+                <a:solidFill>
+                  <a:schemeClr val="tx1">
+                    <a:lumMod val="50000"/>
+                    <a:lumOff val="50000"/>
+                  </a:schemeClr>
+                </a:solidFill>
+              </a:rPr>
+              <a:t>只能配置一个</a:t>
+            </a:r>
+            <a:r>
+              <a:rPr lang="en-US" altLang="zh-CN" sz="1000" dirty="0" smtClean="0">
+                <a:solidFill>
+                  <a:schemeClr val="tx1">
+                    <a:lumMod val="50000"/>
+                    <a:lumOff val="50000"/>
+                  </a:schemeClr>
+                </a:solidFill>
+              </a:rPr>
+              <a:t>IP</a:t>
+            </a:r>
+          </a:p>
+          <a:p>
+            <a:r>
+              <a:rPr lang="en-US" altLang="zh-CN" sz="1000" dirty="0" smtClean="0">
+                <a:solidFill>
+                  <a:schemeClr val="tx1">
+                    <a:lumMod val="50000"/>
+                    <a:lumOff val="50000"/>
+                  </a:schemeClr>
+                </a:solidFill>
+              </a:rPr>
+              <a:t>$</a:t>
+            </a:r>
+            <a:r>
+              <a:rPr lang="en-US" altLang="zh-CN" sz="1000" dirty="0" err="1" smtClean="0">
+                <a:solidFill>
+                  <a:schemeClr val="tx1">
+                    <a:lumMod val="50000"/>
+                    <a:lumOff val="50000"/>
+                  </a:schemeClr>
+                </a:solidFill>
+              </a:rPr>
+              <a:t>master_multiple_dbs</a:t>
+            </a:r>
+            <a:r>
+              <a:rPr lang="en-US" altLang="zh-CN" sz="1000" dirty="0" smtClean="0">
+                <a:solidFill>
+                  <a:schemeClr val="tx1">
+                    <a:lumMod val="50000"/>
+                    <a:lumOff val="50000"/>
+                  </a:schemeClr>
+                </a:solidFill>
+              </a:rPr>
+              <a:t>['sc_refund_0001'] = DB_HOST;</a:t>
+            </a:r>
+          </a:p>
+          <a:p>
+            <a:r>
+              <a:rPr lang="en-US" altLang="zh-CN" sz="1000" dirty="0" smtClean="0">
+                <a:solidFill>
+                  <a:schemeClr val="tx1">
+                    <a:lumMod val="50000"/>
+                    <a:lumOff val="50000"/>
+                  </a:schemeClr>
+                </a:solidFill>
+              </a:rPr>
+              <a:t>$</a:t>
+            </a:r>
+            <a:r>
+              <a:rPr lang="en-US" altLang="zh-CN" sz="1000" dirty="0" err="1" smtClean="0">
+                <a:solidFill>
+                  <a:schemeClr val="tx1">
+                    <a:lumMod val="50000"/>
+                    <a:lumOff val="50000"/>
+                  </a:schemeClr>
+                </a:solidFill>
+              </a:rPr>
+              <a:t>master_multiple_dbs</a:t>
+            </a:r>
+            <a:r>
+              <a:rPr lang="en-US" altLang="zh-CN" sz="1000" dirty="0" smtClean="0">
+                <a:solidFill>
+                  <a:schemeClr val="tx1">
+                    <a:lumMod val="50000"/>
+                    <a:lumOff val="50000"/>
+                  </a:schemeClr>
+                </a:solidFill>
+              </a:rPr>
+              <a:t>['sc_refund_0002'] = DB_HOST;</a:t>
+            </a:r>
+          </a:p>
+          <a:p>
+            <a:r>
+              <a:rPr lang="en-US" altLang="zh-CN" sz="1000" dirty="0" smtClean="0">
+                <a:solidFill>
+                  <a:schemeClr val="tx1">
+                    <a:lumMod val="50000"/>
+                    <a:lumOff val="50000"/>
+                  </a:schemeClr>
+                </a:solidFill>
+              </a:rPr>
+              <a:t>$</a:t>
+            </a:r>
+            <a:r>
+              <a:rPr lang="en-US" altLang="zh-CN" sz="1000" dirty="0" err="1" smtClean="0">
+                <a:solidFill>
+                  <a:schemeClr val="tx1">
+                    <a:lumMod val="50000"/>
+                    <a:lumOff val="50000"/>
+                  </a:schemeClr>
+                </a:solidFill>
+              </a:rPr>
+              <a:t>master_multiple_dbs</a:t>
+            </a:r>
+            <a:r>
+              <a:rPr lang="en-US" altLang="zh-CN" sz="1000" dirty="0" smtClean="0">
+                <a:solidFill>
+                  <a:schemeClr val="tx1">
+                    <a:lumMod val="50000"/>
+                    <a:lumOff val="50000"/>
+                  </a:schemeClr>
+                </a:solidFill>
+              </a:rPr>
+              <a:t>['sc_refund_0003'] = DB_HOST;</a:t>
+            </a:r>
+          </a:p>
+          <a:p>
+            <a:r>
+              <a:rPr lang="en-US" altLang="zh-CN" sz="1000" dirty="0" smtClean="0">
+                <a:solidFill>
+                  <a:schemeClr val="tx1">
+                    <a:lumMod val="50000"/>
+                    <a:lumOff val="50000"/>
+                  </a:schemeClr>
+                </a:solidFill>
+              </a:rPr>
+              <a:t>$</a:t>
+            </a:r>
+            <a:r>
+              <a:rPr lang="en-US" altLang="zh-CN" sz="1000" dirty="0" err="1" smtClean="0">
+                <a:solidFill>
+                  <a:schemeClr val="tx1">
+                    <a:lumMod val="50000"/>
+                    <a:lumOff val="50000"/>
+                  </a:schemeClr>
+                </a:solidFill>
+              </a:rPr>
+              <a:t>multiple_config</a:t>
+            </a:r>
+            <a:r>
+              <a:rPr lang="en-US" altLang="zh-CN" sz="1000" dirty="0" smtClean="0">
+                <a:solidFill>
+                  <a:schemeClr val="tx1">
+                    <a:lumMod val="50000"/>
+                    <a:lumOff val="50000"/>
+                  </a:schemeClr>
+                </a:solidFill>
+              </a:rPr>
+              <a:t>['</a:t>
+            </a:r>
+            <a:r>
+              <a:rPr lang="en-US" altLang="zh-CN" sz="1000" dirty="0" err="1" smtClean="0">
+                <a:solidFill>
+                  <a:schemeClr val="tx1">
+                    <a:lumMod val="50000"/>
+                    <a:lumOff val="50000"/>
+                  </a:schemeClr>
+                </a:solidFill>
+              </a:rPr>
+              <a:t>db_hosts</a:t>
+            </a:r>
+            <a:r>
+              <a:rPr lang="en-US" altLang="zh-CN" sz="1000" dirty="0" smtClean="0">
+                <a:solidFill>
+                  <a:schemeClr val="tx1">
+                    <a:lumMod val="50000"/>
+                    <a:lumOff val="50000"/>
+                  </a:schemeClr>
+                </a:solidFill>
+              </a:rPr>
+              <a:t>'] = $</a:t>
+            </a:r>
+            <a:r>
+              <a:rPr lang="en-US" altLang="zh-CN" sz="1000" dirty="0" err="1" smtClean="0">
+                <a:solidFill>
+                  <a:schemeClr val="tx1">
+                    <a:lumMod val="50000"/>
+                    <a:lumOff val="50000"/>
+                  </a:schemeClr>
+                </a:solidFill>
+              </a:rPr>
+              <a:t>master_multiple_dbs</a:t>
+            </a:r>
+            <a:r>
+              <a:rPr lang="en-US" altLang="zh-CN" sz="1000" dirty="0" smtClean="0">
+                <a:solidFill>
+                  <a:schemeClr val="tx1">
+                    <a:lumMod val="50000"/>
+                    <a:lumOff val="50000"/>
+                  </a:schemeClr>
+                </a:solidFill>
+              </a:rPr>
+              <a:t>; //</a:t>
+            </a:r>
+            <a:r>
+              <a:rPr lang="zh-CN" altLang="en-US" sz="1000" dirty="0" smtClean="0">
+                <a:solidFill>
+                  <a:schemeClr val="tx1">
+                    <a:lumMod val="50000"/>
+                    <a:lumOff val="50000"/>
+                  </a:schemeClr>
+                </a:solidFill>
+              </a:rPr>
+              <a:t>每个主库存放在哪个</a:t>
+            </a:r>
+            <a:r>
+              <a:rPr lang="en-US" altLang="zh-CN" sz="1000" dirty="0" smtClean="0">
+                <a:solidFill>
+                  <a:schemeClr val="tx1">
+                    <a:lumMod val="50000"/>
+                    <a:lumOff val="50000"/>
+                  </a:schemeClr>
+                </a:solidFill>
+              </a:rPr>
+              <a:t>host</a:t>
+            </a:r>
+          </a:p>
+          <a:p>
+            <a:endParaRPr lang="en-US" altLang="zh-CN" sz="1000" dirty="0" smtClean="0">
+              <a:solidFill>
+                <a:schemeClr val="tx1">
+                  <a:lumMod val="50000"/>
+                  <a:lumOff val="50000"/>
+                </a:schemeClr>
+              </a:solidFill>
+            </a:endParaRPr>
+          </a:p>
+          <a:p>
+            <a:r>
+              <a:rPr lang="en-US" altLang="zh-CN" sz="1000" dirty="0" smtClean="0">
+                <a:solidFill>
+                  <a:schemeClr val="tx1">
+                    <a:lumMod val="50000"/>
+                    <a:lumOff val="50000"/>
+                  </a:schemeClr>
+                </a:solidFill>
+              </a:rPr>
+              <a:t>$</a:t>
+            </a:r>
+            <a:r>
+              <a:rPr lang="en-US" altLang="zh-CN" sz="1000" dirty="0" err="1" smtClean="0">
+                <a:solidFill>
+                  <a:schemeClr val="tx1">
+                    <a:lumMod val="50000"/>
+                    <a:lumOff val="50000"/>
+                  </a:schemeClr>
+                </a:solidFill>
+              </a:rPr>
               <a:t>slave_multiple_dbs</a:t>
             </a:r>
             <a:r>
@@ -12469,7 +12561,7 @@
     </p:spTree>
     <p:extLst>
       <p:ext uri="{BB962C8B-B14F-4D97-AF65-F5344CB8AC3E}">
-        <p14:creationId xmlns:p14="http://schemas.microsoft.com/office/powerpoint/2010/main" xmlns="" val="3169500795"/>
+        <p14:creationId xmlns="" xmlns:p14="http://schemas.microsoft.com/office/powerpoint/2010/main" val="3169500795"/>
       </p:ext>
     </p:extLst>
   </p:cSld>
@@ -12704,7 +12796,7 @@
     </p:spTree>
     <p:extLst>
       <p:ext uri="{BB962C8B-B14F-4D97-AF65-F5344CB8AC3E}">
-        <p14:creationId xmlns:p14="http://schemas.microsoft.com/office/powerpoint/2010/main" xmlns="" val="1958214690"/>
+        <p14:creationId xmlns="" xmlns:p14="http://schemas.microsoft.com/office/powerpoint/2010/main" val="1958214690"/>
       </p:ext>
     </p:extLst>
   </p:cSld>
@@ -13073,7 +13165,7 @@
     </p:spTree>
     <p:extLst>
       <p:ext uri="{BB962C8B-B14F-4D97-AF65-F5344CB8AC3E}">
-        <p14:creationId xmlns:p14="http://schemas.microsoft.com/office/powerpoint/2010/main" xmlns="" val="133945072"/>
+        <p14:creationId xmlns="" xmlns:p14="http://schemas.microsoft.com/office/powerpoint/2010/main" val="133945072"/>
       </p:ext>
     </p:extLst>
   </p:cSld>
@@ -13501,7 +13593,7 @@
     </p:spTree>
     <p:extLst>
       <p:ext uri="{BB962C8B-B14F-4D97-AF65-F5344CB8AC3E}">
-        <p14:creationId xmlns:p14="http://schemas.microsoft.com/office/powerpoint/2010/main" xmlns="" val="1412449207"/>
+        <p14:creationId xmlns="" xmlns:p14="http://schemas.microsoft.com/office/powerpoint/2010/main" val="1412449207"/>
       </p:ext>
     </p:extLst>
   </p:cSld>
@@ -14624,7 +14716,7 @@
     </p:spTree>
     <p:extLst>
       <p:ext uri="{BB962C8B-B14F-4D97-AF65-F5344CB8AC3E}">
-        <p14:creationId xmlns:p14="http://schemas.microsoft.com/office/powerpoint/2010/main" xmlns="" val="3883059547"/>
+        <p14:creationId xmlns="" xmlns:p14="http://schemas.microsoft.com/office/powerpoint/2010/main" val="3883059547"/>
       </p:ext>
     </p:extLst>
   </p:cSld>
@@ -14972,7 +15064,7 @@
     </p:spTree>
     <p:extLst>
       <p:ext uri="{BB962C8B-B14F-4D97-AF65-F5344CB8AC3E}">
-        <p14:creationId xmlns:p14="http://schemas.microsoft.com/office/powerpoint/2010/main" xmlns="" val="3212400982"/>
+        <p14:creationId xmlns="" xmlns:p14="http://schemas.microsoft.com/office/powerpoint/2010/main" val="3212400982"/>
       </p:ext>
     </p:extLst>
   </p:cSld>
@@ -15118,7 +15210,7 @@
           <a:blip r:embed="rId2">
             <a:extLst>
               <a:ext uri="{28A0092B-C50C-407E-A947-70E740481C1C}">
-                <a14:useLocalDpi xmlns:a14="http://schemas.microsoft.com/office/drawing/2010/main" xmlns="" val="0"/>
+                <a14:useLocalDpi xmlns="" xmlns:a14="http://schemas.microsoft.com/office/drawing/2010/main" val="0"/>
               </a:ext>
             </a:extLst>
           </a:blip>
@@ -15141,14 +15233,14 @@
           </a:ln>
           <a:extLst>
             <a:ext uri="{909E8E84-426E-40DD-AFC4-6F175D3DCCD1}">
-              <a14:hiddenFill xmlns:a14="http://schemas.microsoft.com/office/drawing/2010/main" xmlns="">
+              <a14:hiddenFill xmlns="" xmlns:a14="http://schemas.microsoft.com/office/drawing/2010/main">
                 <a:solidFill>
                   <a:schemeClr val="accent1"/>
                 </a:solidFill>
               </a14:hiddenFill>
             </a:ext>
             <a:ext uri="{91240B29-F687-4F45-9708-019B960494DF}">
-              <a14:hiddenLine xmlns:a14="http://schemas.microsoft.com/office/drawing/2010/main" xmlns="" w="9525">
+              <a14:hiddenLine xmlns="" xmlns:a14="http://schemas.microsoft.com/office/drawing/2010/main" w="9525">
                 <a:solidFill>
                   <a:schemeClr val="tx1"/>
                 </a:solidFill>
@@ -15163,7 +15255,7 @@
     </p:spTree>
     <p:extLst>
       <p:ext uri="{BB962C8B-B14F-4D97-AF65-F5344CB8AC3E}">
-        <p14:creationId xmlns:p14="http://schemas.microsoft.com/office/powerpoint/2010/main" xmlns="" val="2993230041"/>
+        <p14:creationId xmlns="" xmlns:p14="http://schemas.microsoft.com/office/powerpoint/2010/main" val="2993230041"/>
       </p:ext>
     </p:extLst>
   </p:cSld>
@@ -15659,7 +15751,7 @@
     </p:spTree>
     <p:extLst>
       <p:ext uri="{BB962C8B-B14F-4D97-AF65-F5344CB8AC3E}">
-        <p14:creationId xmlns:p14="http://schemas.microsoft.com/office/powerpoint/2010/main" xmlns="" val="2605531641"/>
+        <p14:creationId xmlns="" xmlns:p14="http://schemas.microsoft.com/office/powerpoint/2010/main" val="2605531641"/>
       </p:ext>
     </p:extLst>
   </p:cSld>
@@ -16332,7 +16424,7 @@
     </p:spTree>
     <p:extLst>
       <p:ext uri="{BB962C8B-B14F-4D97-AF65-F5344CB8AC3E}">
-        <p14:creationId xmlns:p14="http://schemas.microsoft.com/office/powerpoint/2010/main" xmlns="" val="2177331897"/>
+        <p14:creationId xmlns="" xmlns:p14="http://schemas.microsoft.com/office/powerpoint/2010/main" val="2177331897"/>
       </p:ext>
     </p:extLst>
   </p:cSld>
@@ -17241,7 +17333,7 @@
     </p:spTree>
     <p:extLst>
       <p:ext uri="{BB962C8B-B14F-4D97-AF65-F5344CB8AC3E}">
-        <p14:creationId xmlns:p14="http://schemas.microsoft.com/office/powerpoint/2010/main" xmlns="" val="1525641461"/>
+        <p14:creationId xmlns="" xmlns:p14="http://schemas.microsoft.com/office/powerpoint/2010/main" val="1525641461"/>
       </p:ext>
     </p:extLst>
   </p:cSld>
@@ -17761,7 +17853,7 @@
     </p:spTree>
     <p:extLst>
       <p:ext uri="{BB962C8B-B14F-4D97-AF65-F5344CB8AC3E}">
-        <p14:creationId xmlns:p14="http://schemas.microsoft.com/office/powerpoint/2010/main" xmlns="" val="3216380885"/>
+        <p14:creationId xmlns="" xmlns:p14="http://schemas.microsoft.com/office/powerpoint/2010/main" val="3216380885"/>
       </p:ext>
     </p:extLst>
   </p:cSld>
@@ -17902,7 +17994,7 @@
     </p:spTree>
     <p:extLst>
       <p:ext uri="{BB962C8B-B14F-4D97-AF65-F5344CB8AC3E}">
-        <p14:creationId xmlns:p14="http://schemas.microsoft.com/office/powerpoint/2010/main" xmlns="" val="609639103"/>
+        <p14:creationId xmlns="" xmlns:p14="http://schemas.microsoft.com/office/powerpoint/2010/main" val="609639103"/>
       </p:ext>
     </p:extLst>
   </p:cSld>
@@ -18043,7 +18135,7 @@
     </p:spTree>
     <p:extLst>
       <p:ext uri="{BB962C8B-B14F-4D97-AF65-F5344CB8AC3E}">
-        <p14:creationId xmlns:p14="http://schemas.microsoft.com/office/powerpoint/2010/main" xmlns="" val="3045525435"/>
+        <p14:creationId xmlns="" xmlns:p14="http://schemas.microsoft.com/office/powerpoint/2010/main" val="3045525435"/>
       </p:ext>
     </p:extLst>
   </p:cSld>
@@ -18459,7 +18551,7 @@
     </p:spTree>
     <p:extLst>
       <p:ext uri="{BB962C8B-B14F-4D97-AF65-F5344CB8AC3E}">
-        <p14:creationId xmlns:p14="http://schemas.microsoft.com/office/powerpoint/2010/main" xmlns="" val="1219835459"/>
+        <p14:creationId xmlns="" xmlns:p14="http://schemas.microsoft.com/office/powerpoint/2010/main" val="1219835459"/>
       </p:ext>
     </p:extLst>
   </p:cSld>
@@ -19663,7 +19755,7 @@
     </p:spTree>
     <p:extLst>
       <p:ext uri="{BB962C8B-B14F-4D97-AF65-F5344CB8AC3E}">
-        <p14:creationId xmlns:p14="http://schemas.microsoft.com/office/powerpoint/2010/main" xmlns="" val="3964519220"/>
+        <p14:creationId xmlns="" xmlns:p14="http://schemas.microsoft.com/office/powerpoint/2010/main" val="3964519220"/>
       </p:ext>
     </p:extLst>
   </p:cSld>
@@ -19757,7 +19849,7 @@
           <a:blip r:embed="rId3">
             <a:extLst>
               <a:ext uri="{28A0092B-C50C-407E-A947-70E740481C1C}">
-                <a14:useLocalDpi xmlns:a14="http://schemas.microsoft.com/office/drawing/2010/main" xmlns="" val="0"/>
+                <a14:useLocalDpi xmlns="" xmlns:a14="http://schemas.microsoft.com/office/drawing/2010/main" val="0"/>
               </a:ext>
             </a:extLst>
           </a:blip>
@@ -19789,7 +19881,7 @@
           </a:effectLst>
           <a:extLst>
             <a:ext uri="{91240B29-F687-4F45-9708-019B960494DF}">
-              <a14:hiddenLine xmlns:a14="http://schemas.microsoft.com/office/drawing/2010/main" xmlns="" w="9525">
+              <a14:hiddenLine xmlns="" xmlns:a14="http://schemas.microsoft.com/office/drawing/2010/main" w="9525">
                 <a:solidFill>
                   <a:schemeClr val="tx1"/>
                 </a:solidFill>
@@ -19799,7 +19891,7 @@
               </a14:hiddenLine>
             </a:ext>
             <a:ext uri="{AF507438-7753-43E0-B8FC-AC1667EBCBE1}">
-              <a14:hiddenEffects xmlns:a14="http://schemas.microsoft.com/office/drawing/2010/main" xmlns="">
+              <a14:hiddenEffects xmlns="" xmlns:a14="http://schemas.microsoft.com/office/drawing/2010/main">
                 <a:effectLst>
                   <a:outerShdw dist="35921" dir="2700000" algn="ctr" rotWithShape="0">
                     <a:schemeClr val="bg2"/>
@@ -19960,7 +20052,7 @@
     </p:spTree>
     <p:extLst>
       <p:ext uri="{BB962C8B-B14F-4D97-AF65-F5344CB8AC3E}">
-        <p14:creationId xmlns:p14="http://schemas.microsoft.com/office/powerpoint/2010/main" xmlns="" val="3433650931"/>
+        <p14:creationId xmlns="" xmlns:p14="http://schemas.microsoft.com/office/powerpoint/2010/main" val="3433650931"/>
       </p:ext>
     </p:extLst>
   </p:cSld>
@@ -20156,7 +20248,7 @@
     </p:spTree>
     <p:extLst>
       <p:ext uri="{BB962C8B-B14F-4D97-AF65-F5344CB8AC3E}">
-        <p14:creationId xmlns:p14="http://schemas.microsoft.com/office/powerpoint/2010/main" xmlns="" val="3477942188"/>
+        <p14:creationId xmlns="" xmlns:p14="http://schemas.microsoft.com/office/powerpoint/2010/main" val="3477942188"/>
       </p:ext>
     </p:extLst>
   </p:cSld>
@@ -20425,7 +20517,7 @@
     </p:spTree>
     <p:extLst>
       <p:ext uri="{BB962C8B-B14F-4D97-AF65-F5344CB8AC3E}">
-        <p14:creationId xmlns:p14="http://schemas.microsoft.com/office/powerpoint/2010/main" xmlns="" val="3945895666"/>
+        <p14:creationId xmlns="" xmlns:p14="http://schemas.microsoft.com/office/powerpoint/2010/main" val="3945895666"/>
       </p:ext>
     </p:extLst>
   </p:cSld>
@@ -20766,7 +20858,7 @@
     </p:spTree>
     <p:extLst>
       <p:ext uri="{BB962C8B-B14F-4D97-AF65-F5344CB8AC3E}">
-        <p14:creationId xmlns:p14="http://schemas.microsoft.com/office/powerpoint/2010/main" xmlns="" val="3243899027"/>
+        <p14:creationId xmlns="" xmlns:p14="http://schemas.microsoft.com/office/powerpoint/2010/main" val="3243899027"/>
       </p:ext>
     </p:extLst>
   </p:cSld>
@@ -21208,7 +21300,7 @@
     </p:spTree>
     <p:extLst>
       <p:ext uri="{BB962C8B-B14F-4D97-AF65-F5344CB8AC3E}">
-        <p14:creationId xmlns:p14="http://schemas.microsoft.com/office/powerpoint/2010/main" xmlns="" val="3148980491"/>
+        <p14:creationId xmlns="" xmlns:p14="http://schemas.microsoft.com/office/powerpoint/2010/main" val="3148980491"/>
       </p:ext>
     </p:extLst>
   </p:cSld>

--- a/dbroute.pptx
+++ b/dbroute.pptx
@@ -420,7 +420,7 @@
     </p:spTree>
     <p:extLst>
       <p:ext uri="{BB962C8B-B14F-4D97-AF65-F5344CB8AC3E}">
-        <p14:creationId xmlns="" xmlns:p14="http://schemas.microsoft.com/office/powerpoint/2010/main" val="2394534580"/>
+        <p14:creationId xmlns:p14="http://schemas.microsoft.com/office/powerpoint/2010/main" xmlns="" val="2394534580"/>
       </p:ext>
     </p:extLst>
   </p:cSld>
@@ -595,7 +595,7 @@
     </p:spTree>
     <p:extLst>
       <p:ext uri="{BB962C8B-B14F-4D97-AF65-F5344CB8AC3E}">
-        <p14:creationId xmlns="" xmlns:p14="http://schemas.microsoft.com/office/powerpoint/2010/main" val="3697012501"/>
+        <p14:creationId xmlns:p14="http://schemas.microsoft.com/office/powerpoint/2010/main" xmlns="" val="3697012501"/>
       </p:ext>
     </p:extLst>
   </p:cSld>
@@ -779,7 +779,7 @@
     </p:spTree>
     <p:extLst>
       <p:ext uri="{BB962C8B-B14F-4D97-AF65-F5344CB8AC3E}">
-        <p14:creationId xmlns="" xmlns:p14="http://schemas.microsoft.com/office/powerpoint/2010/main" val="4005358060"/>
+        <p14:creationId xmlns:p14="http://schemas.microsoft.com/office/powerpoint/2010/main" xmlns="" val="4005358060"/>
       </p:ext>
     </p:extLst>
   </p:cSld>
@@ -4338,7 +4338,7 @@
     </p:spTree>
     <p:extLst>
       <p:ext uri="{BB962C8B-B14F-4D97-AF65-F5344CB8AC3E}">
-        <p14:creationId xmlns="" xmlns:p14="http://schemas.microsoft.com/office/powerpoint/2010/main" val="3501443844"/>
+        <p14:creationId xmlns:p14="http://schemas.microsoft.com/office/powerpoint/2010/main" xmlns="" val="3501443844"/>
       </p:ext>
     </p:extLst>
   </p:cSld>
@@ -4872,7 +4872,7 @@
     </p:spTree>
     <p:extLst>
       <p:ext uri="{BB962C8B-B14F-4D97-AF65-F5344CB8AC3E}">
-        <p14:creationId xmlns="" xmlns:p14="http://schemas.microsoft.com/office/powerpoint/2010/main" val="3178685452"/>
+        <p14:creationId xmlns:p14="http://schemas.microsoft.com/office/powerpoint/2010/main" xmlns="" val="3178685452"/>
       </p:ext>
     </p:extLst>
   </p:cSld>
@@ -5949,7 +5949,7 @@
     </p:spTree>
     <p:extLst>
       <p:ext uri="{BB962C8B-B14F-4D97-AF65-F5344CB8AC3E}">
-        <p14:creationId xmlns="" xmlns:p14="http://schemas.microsoft.com/office/powerpoint/2010/main" val="1189974938"/>
+        <p14:creationId xmlns:p14="http://schemas.microsoft.com/office/powerpoint/2010/main" xmlns="" val="1189974938"/>
       </p:ext>
     </p:extLst>
   </p:cSld>
@@ -6307,7 +6307,7 @@
     </p:spTree>
     <p:extLst>
       <p:ext uri="{BB962C8B-B14F-4D97-AF65-F5344CB8AC3E}">
-        <p14:creationId xmlns="" xmlns:p14="http://schemas.microsoft.com/office/powerpoint/2010/main" val="3577939053"/>
+        <p14:creationId xmlns:p14="http://schemas.microsoft.com/office/powerpoint/2010/main" xmlns="" val="3577939053"/>
       </p:ext>
     </p:extLst>
   </p:cSld>
@@ -7414,7 +7414,7 @@
           <a:blip r:embed="rId2">
             <a:extLst>
               <a:ext uri="{28A0092B-C50C-407E-A947-70E740481C1C}">
-                <a14:useLocalDpi xmlns="" xmlns:a14="http://schemas.microsoft.com/office/drawing/2010/main" val="0"/>
+                <a14:useLocalDpi xmlns:a14="http://schemas.microsoft.com/office/drawing/2010/main" xmlns="" val="0"/>
               </a:ext>
             </a:extLst>
           </a:blip>
@@ -7437,14 +7437,14 @@
           </a:ln>
           <a:extLst>
             <a:ext uri="{909E8E84-426E-40DD-AFC4-6F175D3DCCD1}">
-              <a14:hiddenFill xmlns="" xmlns:a14="http://schemas.microsoft.com/office/drawing/2010/main">
+              <a14:hiddenFill xmlns:a14="http://schemas.microsoft.com/office/drawing/2010/main" xmlns="">
                 <a:solidFill>
                   <a:schemeClr val="accent1"/>
                 </a:solidFill>
               </a14:hiddenFill>
             </a:ext>
             <a:ext uri="{91240B29-F687-4F45-9708-019B960494DF}">
-              <a14:hiddenLine xmlns="" xmlns:a14="http://schemas.microsoft.com/office/drawing/2010/main" w="9525">
+              <a14:hiddenLine xmlns:a14="http://schemas.microsoft.com/office/drawing/2010/main" xmlns="" w="9525">
                 <a:solidFill>
                   <a:schemeClr val="tx1"/>
                 </a:solidFill>
@@ -7459,7 +7459,7 @@
     </p:spTree>
     <p:extLst>
       <p:ext uri="{BB962C8B-B14F-4D97-AF65-F5344CB8AC3E}">
-        <p14:creationId xmlns="" xmlns:p14="http://schemas.microsoft.com/office/powerpoint/2010/main" val="2953659702"/>
+        <p14:creationId xmlns:p14="http://schemas.microsoft.com/office/powerpoint/2010/main" xmlns="" val="2953659702"/>
       </p:ext>
     </p:extLst>
   </p:cSld>
@@ -8078,7 +8078,7 @@
     </p:spTree>
     <p:extLst>
       <p:ext uri="{BB962C8B-B14F-4D97-AF65-F5344CB8AC3E}">
-        <p14:creationId xmlns="" xmlns:p14="http://schemas.microsoft.com/office/powerpoint/2010/main" val="2636048072"/>
+        <p14:creationId xmlns:p14="http://schemas.microsoft.com/office/powerpoint/2010/main" xmlns="" val="2636048072"/>
       </p:ext>
     </p:extLst>
   </p:cSld>
@@ -8499,7 +8499,7 @@
     </p:spTree>
     <p:extLst>
       <p:ext uri="{BB962C8B-B14F-4D97-AF65-F5344CB8AC3E}">
-        <p14:creationId xmlns="" xmlns:p14="http://schemas.microsoft.com/office/powerpoint/2010/main" val="505866645"/>
+        <p14:creationId xmlns:p14="http://schemas.microsoft.com/office/powerpoint/2010/main" xmlns="" val="505866645"/>
       </p:ext>
     </p:extLst>
   </p:cSld>
@@ -9228,7 +9228,7 @@
     </p:spTree>
     <p:extLst>
       <p:ext uri="{BB962C8B-B14F-4D97-AF65-F5344CB8AC3E}">
-        <p14:creationId xmlns="" xmlns:p14="http://schemas.microsoft.com/office/powerpoint/2010/main" val="3169500795"/>
+        <p14:creationId xmlns:p14="http://schemas.microsoft.com/office/powerpoint/2010/main" xmlns="" val="3169500795"/>
       </p:ext>
     </p:extLst>
   </p:cSld>
@@ -10084,7 +10084,7 @@
                   </a:schemeClr>
                 </a:solidFill>
               </a:rPr>
-              <a:t>db_logic_column</a:t>
+              <a:t>table_logic_column</a:t>
             </a:r>
             <a:r>
               <a:rPr lang="en-US" altLang="zh-CN" sz="1000" dirty="0" smtClean="0">
@@ -10128,7 +10128,7 @@
                   </a:schemeClr>
                 </a:solidFill>
               </a:rPr>
-              <a:t>分库的列，执行</a:t>
+              <a:t>分表的列，执行</a:t>
             </a:r>
             <a:r>
               <a:rPr lang="en-US" altLang="zh-CN" sz="1000" dirty="0" err="1" smtClean="0">
@@ -10185,7 +10185,7 @@
                   </a:schemeClr>
                 </a:solidFill>
               </a:rPr>
-              <a:t>['</a:t>
+              <a:t>[‘</a:t>
             </a:r>
             <a:r>
               <a:rPr lang="en-US" altLang="zh-CN" sz="1000" dirty="0" err="1" smtClean="0">
@@ -10196,7 +10196,7 @@
                   </a:schemeClr>
                 </a:solidFill>
               </a:rPr>
-              <a:t>table_logic_column</a:t>
+              <a:t>table_logic_column_type</a:t>
             </a:r>
             <a:r>
               <a:rPr lang="en-US" altLang="zh-CN" sz="1000" dirty="0" smtClean="0">
@@ -10207,130 +10207,7 @@
                   </a:schemeClr>
                 </a:solidFill>
               </a:rPr>
-              <a:t>'] = "</a:t>
-            </a:r>
-            <a:r>
-              <a:rPr lang="en-US" altLang="zh-CN" sz="1000" dirty="0" err="1" smtClean="0">
-                <a:solidFill>
-                  <a:schemeClr val="tx1">
-                    <a:lumMod val="50000"/>
-                    <a:lumOff val="50000"/>
-                  </a:schemeClr>
-                </a:solidFill>
-              </a:rPr>
-              <a:t>user_id</a:t>
-            </a:r>
-            <a:r>
-              <a:rPr lang="en-US" altLang="zh-CN" sz="1000" dirty="0" smtClean="0">
-                <a:solidFill>
-                  <a:schemeClr val="tx1">
-                    <a:lumMod val="50000"/>
-                    <a:lumOff val="50000"/>
-                  </a:schemeClr>
-                </a:solidFill>
-              </a:rPr>
-              <a:t>"; //</a:t>
-            </a:r>
-            <a:r>
-              <a:rPr lang="zh-CN" altLang="en-US" sz="1000" dirty="0" smtClean="0">
-                <a:solidFill>
-                  <a:schemeClr val="tx1">
-                    <a:lumMod val="50000"/>
-                    <a:lumOff val="50000"/>
-                  </a:schemeClr>
-                </a:solidFill>
-              </a:rPr>
-              <a:t>分表的列，执行</a:t>
-            </a:r>
-            <a:r>
-              <a:rPr lang="en-US" altLang="zh-CN" sz="1000" dirty="0" err="1" smtClean="0">
-                <a:solidFill>
-                  <a:schemeClr val="tx1">
-                    <a:lumMod val="50000"/>
-                    <a:lumOff val="50000"/>
-                  </a:schemeClr>
-                </a:solidFill>
-              </a:rPr>
-              <a:t>sql</a:t>
-            </a:r>
-            <a:r>
-              <a:rPr lang="zh-CN" altLang="en-US" sz="1000" dirty="0" smtClean="0">
-                <a:solidFill>
-                  <a:schemeClr val="tx1">
-                    <a:lumMod val="50000"/>
-                    <a:lumOff val="50000"/>
-                  </a:schemeClr>
-                </a:solidFill>
-              </a:rPr>
-              <a:t>语句时，要传递此参数</a:t>
-            </a:r>
-          </a:p>
-          <a:p>
-            <a:r>
-              <a:rPr lang="en-US" altLang="zh-CN" sz="1000" dirty="0" smtClean="0">
-                <a:solidFill>
-                  <a:schemeClr val="tx1">
-                    <a:lumMod val="50000"/>
-                    <a:lumOff val="50000"/>
-                  </a:schemeClr>
-                </a:solidFill>
-              </a:rPr>
-              <a:t>$</a:t>
-            </a:r>
-            <a:r>
-              <a:rPr lang="en-US" altLang="zh-CN" sz="1000" dirty="0" err="1" smtClean="0">
-                <a:solidFill>
-                  <a:schemeClr val="tx1">
-                    <a:lumMod val="50000"/>
-                    <a:lumOff val="50000"/>
-                  </a:schemeClr>
-                </a:solidFill>
-              </a:rPr>
-              <a:t>multiple_config</a:t>
-            </a:r>
-            <a:r>
-              <a:rPr lang="en-US" altLang="zh-CN" sz="1000" dirty="0" smtClean="0">
-                <a:solidFill>
-                  <a:schemeClr val="tx1">
-                    <a:lumMod val="50000"/>
-                    <a:lumOff val="50000"/>
-                  </a:schemeClr>
-                </a:solidFill>
-              </a:rPr>
-              <a:t>[‘</a:t>
-            </a:r>
-            <a:r>
-              <a:rPr lang="en-US" altLang="zh-CN" sz="1000" dirty="0" err="1" smtClean="0">
-                <a:solidFill>
-                  <a:schemeClr val="tx1">
-                    <a:lumMod val="50000"/>
-                    <a:lumOff val="50000"/>
-                  </a:schemeClr>
-                </a:solidFill>
-              </a:rPr>
-              <a:t>table_logic_column_type</a:t>
-            </a:r>
-            <a:r>
-              <a:rPr lang="en-US" altLang="zh-CN" sz="1000" dirty="0" smtClean="0">
-                <a:solidFill>
-                  <a:schemeClr val="tx1">
-                    <a:lumMod val="50000"/>
-                    <a:lumOff val="50000"/>
-                  </a:schemeClr>
-                </a:solidFill>
-              </a:rPr>
-              <a:t>’] </a:t>
-            </a:r>
-            <a:r>
-              <a:rPr lang="en-US" altLang="zh-CN" sz="1000" dirty="0" smtClean="0">
-                <a:solidFill>
-                  <a:schemeClr val="tx1">
-                    <a:lumMod val="50000"/>
-                    <a:lumOff val="50000"/>
-                  </a:schemeClr>
-                </a:solidFill>
-              </a:rPr>
-              <a:t>= “</a:t>
+              <a:t>’] = “</a:t>
             </a:r>
             <a:r>
               <a:rPr lang="en-US" altLang="zh-CN" sz="1000" dirty="0" err="1" smtClean="0">
@@ -10505,7 +10382,7 @@
                   </a:schemeClr>
                 </a:solidFill>
               </a:rPr>
-              <a:t>[‘</a:t>
+              <a:t>['</a:t>
             </a:r>
             <a:r>
               <a:rPr lang="en-US" altLang="zh-CN" sz="1000" dirty="0" err="1" smtClean="0">
@@ -10516,7 +10393,7 @@
                   </a:schemeClr>
                 </a:solidFill>
               </a:rPr>
-              <a:t>db_logic_column_type</a:t>
+              <a:t>db_logic_column</a:t>
             </a:r>
             <a:r>
               <a:rPr lang="en-US" altLang="zh-CN" sz="1000" dirty="0" smtClean="0">
@@ -10527,7 +10404,18 @@
                   </a:schemeClr>
                 </a:solidFill>
               </a:rPr>
-              <a:t>’] </a:t>
+              <a:t>'] = "</a:t>
+            </a:r>
+            <a:r>
+              <a:rPr lang="en-US" altLang="zh-CN" sz="1000" dirty="0" err="1" smtClean="0">
+                <a:solidFill>
+                  <a:schemeClr val="tx1">
+                    <a:lumMod val="50000"/>
+                    <a:lumOff val="50000"/>
+                  </a:schemeClr>
+                </a:solidFill>
+              </a:rPr>
+              <a:t>user_id</a:t>
             </a:r>
             <a:r>
               <a:rPr lang="en-US" altLang="zh-CN" sz="1000" dirty="0" smtClean="0">
@@ -10538,7 +10426,18 @@
                   </a:schemeClr>
                 </a:solidFill>
               </a:rPr>
-              <a:t>= “</a:t>
+              <a:t>"; //</a:t>
+            </a:r>
+            <a:r>
+              <a:rPr lang="zh-CN" altLang="en-US" sz="1000" dirty="0" smtClean="0">
+                <a:solidFill>
+                  <a:schemeClr val="tx1">
+                    <a:lumMod val="50000"/>
+                    <a:lumOff val="50000"/>
+                  </a:schemeClr>
+                </a:solidFill>
+              </a:rPr>
+              <a:t>分库的列，执行</a:t>
             </a:r>
             <a:r>
               <a:rPr lang="en-US" altLang="zh-CN" sz="1000" dirty="0" err="1" smtClean="0">
@@ -10549,18 +10448,7 @@
                   </a:schemeClr>
                 </a:solidFill>
               </a:rPr>
-              <a:t>int</a:t>
-            </a:r>
-            <a:r>
-              <a:rPr lang="en-US" altLang="zh-CN" sz="1000" dirty="0" smtClean="0">
-                <a:solidFill>
-                  <a:schemeClr val="tx1">
-                    <a:lumMod val="50000"/>
-                    <a:lumOff val="50000"/>
-                  </a:schemeClr>
-                </a:solidFill>
-              </a:rPr>
-              <a:t>”; //</a:t>
+              <a:t>sql</a:t>
             </a:r>
             <a:r>
               <a:rPr lang="zh-CN" altLang="en-US" sz="1000" dirty="0" smtClean="0">
@@ -10571,7 +10459,7 @@
                   </a:schemeClr>
                 </a:solidFill>
               </a:rPr>
-              <a:t>分库的</a:t>
+              <a:t>语句时，要传递此</a:t>
             </a:r>
             <a:r>
               <a:rPr lang="zh-CN" altLang="en-US" sz="1000" dirty="0" smtClean="0">
@@ -10582,106 +10470,7 @@
                   </a:schemeClr>
                 </a:solidFill>
               </a:rPr>
-              <a:t>列值的类型</a:t>
-            </a:r>
-            <a:r>
-              <a:rPr lang="en-US" altLang="zh-CN" sz="1000" dirty="0" smtClean="0">
-                <a:solidFill>
-                  <a:schemeClr val="tx1">
-                    <a:lumMod val="50000"/>
-                    <a:lumOff val="50000"/>
-                  </a:schemeClr>
-                </a:solidFill>
-              </a:rPr>
-              <a:t>,</a:t>
-            </a:r>
-            <a:r>
-              <a:rPr lang="zh-CN" altLang="en-US" sz="1000" dirty="0" smtClean="0">
-                <a:solidFill>
-                  <a:schemeClr val="tx1">
-                    <a:lumMod val="50000"/>
-                    <a:lumOff val="50000"/>
-                  </a:schemeClr>
-                </a:solidFill>
-              </a:rPr>
-              <a:t>可为</a:t>
-            </a:r>
-            <a:r>
-              <a:rPr lang="en-US" altLang="zh-CN" sz="1000" dirty="0" smtClean="0">
-                <a:solidFill>
-                  <a:schemeClr val="tx1">
-                    <a:lumMod val="50000"/>
-                    <a:lumOff val="50000"/>
-                  </a:schemeClr>
-                </a:solidFill>
-              </a:rPr>
-              <a:t>string </a:t>
-            </a:r>
-            <a:r>
-              <a:rPr lang="en-US" altLang="zh-CN" sz="1000" dirty="0" err="1" smtClean="0">
-                <a:solidFill>
-                  <a:schemeClr val="tx1">
-                    <a:lumMod val="50000"/>
-                    <a:lumOff val="50000"/>
-                  </a:schemeClr>
-                </a:solidFill>
-              </a:rPr>
-              <a:t>int</a:t>
-            </a:r>
-            <a:r>
-              <a:rPr lang="en-US" altLang="zh-CN" sz="1000" dirty="0" smtClean="0">
-                <a:solidFill>
-                  <a:schemeClr val="tx1">
-                    <a:lumMod val="50000"/>
-                    <a:lumOff val="50000"/>
-                  </a:schemeClr>
-                </a:solidFill>
-              </a:rPr>
-              <a:t> </a:t>
-            </a:r>
-            <a:r>
-              <a:rPr lang="zh-CN" altLang="en-US" sz="1000" dirty="0" smtClean="0">
-                <a:solidFill>
-                  <a:schemeClr val="tx1">
-                    <a:lumMod val="50000"/>
-                    <a:lumOff val="50000"/>
-                  </a:schemeClr>
-                </a:solidFill>
-              </a:rPr>
-              <a:t>或不设置此值</a:t>
-            </a:r>
-            <a:r>
-              <a:rPr lang="en-US" altLang="zh-CN" sz="1000" dirty="0" smtClean="0">
-                <a:solidFill>
-                  <a:schemeClr val="tx1">
-                    <a:lumMod val="50000"/>
-                    <a:lumOff val="50000"/>
-                  </a:schemeClr>
-                </a:solidFill>
-              </a:rPr>
-              <a:t>,</a:t>
-            </a:r>
-            <a:r>
-              <a:rPr lang="zh-CN" altLang="en-US" sz="1000" dirty="0" smtClean="0">
-                <a:solidFill>
-                  <a:schemeClr val="tx1">
-                    <a:lumMod val="50000"/>
-                    <a:lumOff val="50000"/>
-                  </a:schemeClr>
-                </a:solidFill>
-              </a:rPr>
-              <a:t>不设置表示是</a:t>
-            </a:r>
-            <a:r>
-              <a:rPr lang="en-US" altLang="zh-CN" sz="1000" dirty="0" err="1" smtClean="0">
-                <a:solidFill>
-                  <a:schemeClr val="tx1">
-                    <a:lumMod val="50000"/>
-                    <a:lumOff val="50000"/>
-                  </a:schemeClr>
-                </a:solidFill>
-              </a:rPr>
-              <a:t>int</a:t>
+              <a:t>参数</a:t>
             </a:r>
             <a:endParaRPr lang="en-US" altLang="zh-CN" sz="1000" dirty="0" smtClean="0">
               <a:solidFill>
@@ -10724,7 +10513,7 @@
                   </a:schemeClr>
                 </a:solidFill>
               </a:rPr>
-              <a:t>['</a:t>
+              <a:t>[‘</a:t>
             </a:r>
             <a:r>
               <a:rPr lang="en-US" altLang="zh-CN" sz="1000" dirty="0" err="1" smtClean="0">
@@ -10735,7 +10524,7 @@
                   </a:schemeClr>
                 </a:solidFill>
               </a:rPr>
-              <a:t>select_in_logic_column</a:t>
+              <a:t>db_logic_column_type</a:t>
             </a:r>
             <a:r>
               <a:rPr lang="en-US" altLang="zh-CN" sz="1000" dirty="0" smtClean="0">
@@ -10746,7 +10535,7 @@
                   </a:schemeClr>
                 </a:solidFill>
               </a:rPr>
-              <a:t>'] = "</a:t>
+              <a:t>’] = “</a:t>
             </a:r>
             <a:r>
               <a:rPr lang="en-US" altLang="zh-CN" sz="1000" dirty="0" err="1" smtClean="0">
@@ -10757,7 +10546,7 @@
                   </a:schemeClr>
                 </a:solidFill>
               </a:rPr>
-              <a:t>user_ids</a:t>
+              <a:t>int</a:t>
             </a:r>
             <a:r>
               <a:rPr lang="en-US" altLang="zh-CN" sz="1000" dirty="0" smtClean="0">
@@ -10768,7 +10557,7 @@
                   </a:schemeClr>
                 </a:solidFill>
               </a:rPr>
-              <a:t>"; //select in </a:t>
+              <a:t>”; //</a:t>
             </a:r>
             <a:r>
               <a:rPr lang="zh-CN" altLang="en-US" sz="1000" dirty="0" smtClean="0">
@@ -10779,7 +10568,7 @@
                   </a:schemeClr>
                 </a:solidFill>
               </a:rPr>
-              <a:t>查询时时的参数</a:t>
+              <a:t>分库的列值的类型</a:t>
             </a:r>
             <a:r>
               <a:rPr lang="en-US" altLang="zh-CN" sz="1000" dirty="0" smtClean="0">
@@ -10790,7 +10579,7 @@
                   </a:schemeClr>
                 </a:solidFill>
               </a:rPr>
-              <a:t>key</a:t>
+              <a:t>,</a:t>
             </a:r>
             <a:r>
               <a:rPr lang="zh-CN" altLang="en-US" sz="1000" dirty="0" smtClean="0">
@@ -10801,926 +10590,73 @@
                   </a:schemeClr>
                 </a:solidFill>
               </a:rPr>
-              <a:t>名</a:t>
-            </a:r>
-          </a:p>
-          <a:p>
+              <a:t>可为</a:t>
+            </a:r>
             <a:r>
               <a:rPr lang="en-US" altLang="zh-CN" sz="1000" dirty="0" smtClean="0">
                 <a:solidFill>
-                  <a:srgbClr val="7030A0"/>
-                </a:solidFill>
-              </a:rPr>
-              <a:t>$</a:t>
+                  <a:schemeClr val="tx1">
+                    <a:lumMod val="50000"/>
+                    <a:lumOff val="50000"/>
+                  </a:schemeClr>
+                </a:solidFill>
+              </a:rPr>
+              <a:t>string </a:t>
             </a:r>
             <a:r>
               <a:rPr lang="en-US" altLang="zh-CN" sz="1000" dirty="0" err="1" smtClean="0">
                 <a:solidFill>
-                  <a:srgbClr val="7030A0"/>
-                </a:solidFill>
-              </a:rPr>
-              <a:t>multiple_config</a:t>
+                  <a:schemeClr val="tx1">
+                    <a:lumMod val="50000"/>
+                    <a:lumOff val="50000"/>
+                  </a:schemeClr>
+                </a:solidFill>
+              </a:rPr>
+              <a:t>int</a:t>
             </a:r>
             <a:r>
               <a:rPr lang="en-US" altLang="zh-CN" sz="1000" dirty="0" smtClean="0">
                 <a:solidFill>
-                  <a:srgbClr val="7030A0"/>
-                </a:solidFill>
-              </a:rPr>
-              <a:t>['</a:t>
+                  <a:schemeClr val="tx1">
+                    <a:lumMod val="50000"/>
+                    <a:lumOff val="50000"/>
+                  </a:schemeClr>
+                </a:solidFill>
+              </a:rPr>
+              <a:t> </a:t>
+            </a:r>
+            <a:r>
+              <a:rPr lang="zh-CN" altLang="en-US" sz="1000" dirty="0" smtClean="0">
+                <a:solidFill>
+                  <a:schemeClr val="tx1">
+                    <a:lumMod val="50000"/>
+                    <a:lumOff val="50000"/>
+                  </a:schemeClr>
+                </a:solidFill>
+              </a:rPr>
+              <a:t>，如不设置此值将同</a:t>
             </a:r>
             <a:r>
               <a:rPr lang="en-US" altLang="zh-CN" sz="1000" dirty="0" err="1" smtClean="0">
                 <a:solidFill>
-                  <a:srgbClr val="7030A0"/>
-                </a:solidFill>
-              </a:rPr>
-              <a:t>table_total_num</a:t>
-            </a:r>
-            <a:r>
-              <a:rPr lang="en-US" altLang="zh-CN" sz="1000" dirty="0" smtClean="0">
-                <a:solidFill>
-                  <a:srgbClr val="7030A0"/>
-                </a:solidFill>
-              </a:rPr>
-              <a:t>'] = 64; //</a:t>
+                  <a:schemeClr val="tx1">
+                    <a:lumMod val="50000"/>
+                    <a:lumOff val="50000"/>
+                  </a:schemeClr>
+                </a:solidFill>
+              </a:rPr>
+              <a:t>table_logic_column_type</a:t>
             </a:r>
             <a:r>
               <a:rPr lang="zh-CN" altLang="en-US" sz="1000" dirty="0" smtClean="0">
                 <a:solidFill>
-                  <a:srgbClr val="7030A0"/>
-                </a:solidFill>
-              </a:rPr>
-              <a:t>总表数</a:t>
-            </a:r>
-          </a:p>
-          <a:p>
-            <a:r>
-              <a:rPr lang="en-US" altLang="zh-CN" sz="1000" dirty="0" smtClean="0">
-                <a:solidFill>
-                  <a:srgbClr val="7030A0"/>
-                </a:solidFill>
-              </a:rPr>
-              <a:t>$</a:t>
-            </a:r>
-            <a:r>
-              <a:rPr lang="en-US" altLang="zh-CN" sz="1000" dirty="0" err="1" smtClean="0">
-                <a:solidFill>
-                  <a:srgbClr val="7030A0"/>
-                </a:solidFill>
-              </a:rPr>
-              <a:t>multiple_config</a:t>
-            </a:r>
-            <a:r>
-              <a:rPr lang="en-US" altLang="zh-CN" sz="1000" dirty="0" smtClean="0">
-                <a:solidFill>
-                  <a:srgbClr val="7030A0"/>
-                </a:solidFill>
-              </a:rPr>
-              <a:t>['</a:t>
-            </a:r>
-            <a:r>
-              <a:rPr lang="en-US" altLang="zh-CN" sz="1000" dirty="0" err="1" smtClean="0">
-                <a:solidFill>
-                  <a:srgbClr val="7030A0"/>
-                </a:solidFill>
-              </a:rPr>
-              <a:t>one_db_table_num</a:t>
-            </a:r>
-            <a:r>
-              <a:rPr lang="en-US" altLang="zh-CN" sz="1000" dirty="0" smtClean="0">
-                <a:solidFill>
-                  <a:srgbClr val="7030A0"/>
-                </a:solidFill>
-              </a:rPr>
-              <a:t>'] = 16; //</a:t>
-            </a:r>
-            <a:r>
-              <a:rPr lang="zh-CN" altLang="en-US" sz="1000" dirty="0" smtClean="0">
-                <a:solidFill>
-                  <a:srgbClr val="7030A0"/>
-                </a:solidFill>
-              </a:rPr>
-              <a:t>每个库里存放的表数</a:t>
-            </a:r>
-          </a:p>
-          <a:p>
-            <a:r>
-              <a:rPr lang="en-US" altLang="zh-CN" sz="1000" dirty="0" smtClean="0">
-                <a:solidFill>
-                  <a:schemeClr val="tx2"/>
-                </a:solidFill>
-              </a:rPr>
-              <a:t>$</a:t>
-            </a:r>
-            <a:r>
-              <a:rPr lang="en-US" altLang="zh-CN" sz="1000" dirty="0" err="1" smtClean="0">
-                <a:solidFill>
-                  <a:schemeClr val="tx2"/>
-                </a:solidFill>
-              </a:rPr>
-              <a:t>multiple_config</a:t>
-            </a:r>
-            <a:r>
-              <a:rPr lang="en-US" altLang="zh-CN" sz="1000" dirty="0" smtClean="0">
-                <a:solidFill>
-                  <a:schemeClr val="tx2"/>
-                </a:solidFill>
-              </a:rPr>
-              <a:t>['</a:t>
-            </a:r>
-            <a:r>
-              <a:rPr lang="en-US" altLang="zh-CN" sz="1000" dirty="0" err="1" smtClean="0">
-                <a:solidFill>
-                  <a:schemeClr val="tx2"/>
-                </a:solidFill>
-              </a:rPr>
-              <a:t>consistent_hash_separate_string</a:t>
-            </a:r>
-            <a:r>
-              <a:rPr lang="en-US" altLang="zh-CN" sz="1000" dirty="0" smtClean="0">
-                <a:solidFill>
-                  <a:schemeClr val="tx2"/>
-                </a:solidFill>
-              </a:rPr>
-              <a:t>'] = "[0,256]=sc_refund_0000;[256,512]=sc_refund_0001;[512,768]=sc_refund_0002;[768,1024]=sc_refund_0003";//</a:t>
-            </a:r>
-            <a:r>
-              <a:rPr lang="zh-CN" altLang="en-US" sz="1000" dirty="0" smtClean="0">
-                <a:solidFill>
-                  <a:schemeClr val="tx2"/>
-                </a:solidFill>
-              </a:rPr>
-              <a:t>一致性</a:t>
-            </a:r>
-            <a:r>
-              <a:rPr lang="en-US" altLang="zh-CN" sz="1000" dirty="0" smtClean="0">
-                <a:solidFill>
-                  <a:schemeClr val="tx2"/>
-                </a:solidFill>
-              </a:rPr>
-              <a:t>hash</a:t>
-            </a:r>
-            <a:r>
-              <a:rPr lang="zh-CN" altLang="en-US" sz="1000" dirty="0" smtClean="0">
-                <a:solidFill>
-                  <a:schemeClr val="tx2"/>
-                </a:solidFill>
-              </a:rPr>
-              <a:t>字符串区间</a:t>
-            </a:r>
-          </a:p>
-          <a:p>
-            <a:r>
-              <a:rPr lang="en-US" altLang="zh-CN" sz="1000" dirty="0" smtClean="0">
-                <a:solidFill>
-                  <a:schemeClr val="tx2"/>
-                </a:solidFill>
-              </a:rPr>
-              <a:t>$</a:t>
-            </a:r>
-            <a:r>
-              <a:rPr lang="en-US" altLang="zh-CN" sz="1000" dirty="0" err="1" smtClean="0">
-                <a:solidFill>
-                  <a:schemeClr val="tx2"/>
-                </a:solidFill>
-              </a:rPr>
-              <a:t>multiple_config</a:t>
-            </a:r>
-            <a:r>
-              <a:rPr lang="en-US" altLang="zh-CN" sz="1000" dirty="0" smtClean="0">
-                <a:solidFill>
-                  <a:schemeClr val="tx2"/>
-                </a:solidFill>
-              </a:rPr>
-              <a:t>['</a:t>
-            </a:r>
-            <a:r>
-              <a:rPr lang="en-US" altLang="zh-CN" sz="1000" dirty="0" err="1" smtClean="0">
-                <a:solidFill>
-                  <a:schemeClr val="tx2"/>
-                </a:solidFill>
-              </a:rPr>
-              <a:t>consistent_hash_separate_mod_max_value</a:t>
-            </a:r>
-            <a:r>
-              <a:rPr lang="en-US" altLang="zh-CN" sz="1000" dirty="0" smtClean="0">
-                <a:solidFill>
-                  <a:schemeClr val="tx2"/>
-                </a:solidFill>
-              </a:rPr>
-              <a:t>'] =1024;//</a:t>
-            </a:r>
-            <a:r>
-              <a:rPr lang="zh-CN" altLang="en-US" sz="1000" dirty="0" smtClean="0">
-                <a:solidFill>
-                  <a:schemeClr val="tx2"/>
-                </a:solidFill>
-              </a:rPr>
-              <a:t>一致性</a:t>
-            </a:r>
-            <a:r>
-              <a:rPr lang="en-US" altLang="zh-CN" sz="1000" dirty="0" smtClean="0">
-                <a:solidFill>
-                  <a:schemeClr val="tx2"/>
-                </a:solidFill>
-              </a:rPr>
-              <a:t>hash</a:t>
-            </a:r>
-            <a:r>
-              <a:rPr lang="zh-CN" altLang="en-US" sz="1000" dirty="0" smtClean="0">
-                <a:solidFill>
-                  <a:schemeClr val="tx2"/>
-                </a:solidFill>
-              </a:rPr>
-              <a:t>最大区间值</a:t>
-            </a:r>
-          </a:p>
-          <a:p>
-            <a:r>
-              <a:rPr lang="en-US" altLang="zh-CN" sz="1000" dirty="0" smtClean="0">
-                <a:solidFill>
-                  <a:schemeClr val="tx2"/>
-                </a:solidFill>
-              </a:rPr>
-              <a:t>$</a:t>
-            </a:r>
-            <a:r>
-              <a:rPr lang="en-US" altLang="zh-CN" sz="1000" dirty="0" err="1" smtClean="0">
-                <a:solidFill>
-                  <a:schemeClr val="tx2"/>
-                </a:solidFill>
-              </a:rPr>
-              <a:t>multiple_config</a:t>
-            </a:r>
-            <a:r>
-              <a:rPr lang="en-US" altLang="zh-CN" sz="1000" dirty="0" smtClean="0">
-                <a:solidFill>
-                  <a:schemeClr val="tx2"/>
-                </a:solidFill>
-              </a:rPr>
-              <a:t>[‘</a:t>
-            </a:r>
-            <a:r>
-              <a:rPr lang="en-US" altLang="zh-CN" sz="1000" dirty="0" err="1" smtClean="0">
-                <a:solidFill>
-                  <a:schemeClr val="tx2"/>
-                </a:solidFill>
-              </a:rPr>
-              <a:t>consistent_hash_one_db_one_table</a:t>
-            </a:r>
-            <a:r>
-              <a:rPr lang="en-US" altLang="zh-CN" sz="1000" dirty="0" smtClean="0">
-                <a:solidFill>
-                  <a:schemeClr val="tx2"/>
-                </a:solidFill>
-              </a:rPr>
-              <a:t>’] =false;//</a:t>
-            </a:r>
-            <a:r>
-              <a:rPr lang="zh-CN" altLang="en-US" sz="1000" dirty="0" smtClean="0">
-                <a:solidFill>
-                  <a:schemeClr val="tx2"/>
-                </a:solidFill>
-              </a:rPr>
-              <a:t>针对 </a:t>
-            </a:r>
-            <a:r>
-              <a:rPr lang="en-US" altLang="zh-CN" sz="1000" dirty="0" err="1" smtClean="0">
-                <a:solidFill>
-                  <a:schemeClr val="tx2"/>
-                </a:solidFill>
-              </a:rPr>
-              <a:t>consistent_hash</a:t>
-            </a:r>
-            <a:r>
-              <a:rPr lang="zh-CN" altLang="en-US" sz="1000" dirty="0" smtClean="0">
-                <a:solidFill>
-                  <a:schemeClr val="tx2"/>
-                </a:solidFill>
-              </a:rPr>
-              <a:t>有效</a:t>
-            </a:r>
-            <a:r>
-              <a:rPr lang="en-US" altLang="zh-CN" sz="1000" dirty="0" smtClean="0">
-                <a:solidFill>
-                  <a:schemeClr val="tx2"/>
-                </a:solidFill>
-              </a:rPr>
-              <a:t>,</a:t>
-            </a:r>
-            <a:r>
-              <a:rPr lang="zh-CN" altLang="en-US" sz="1000" dirty="0" smtClean="0">
-                <a:solidFill>
-                  <a:schemeClr val="tx2"/>
-                </a:solidFill>
-              </a:rPr>
-              <a:t>区间是否是是一库一表</a:t>
-            </a:r>
-            <a:r>
-              <a:rPr lang="en-US" altLang="zh-CN" sz="1000" dirty="0" smtClean="0">
-                <a:solidFill>
-                  <a:schemeClr val="tx2"/>
-                </a:solidFill>
-              </a:rPr>
-              <a:t>,</a:t>
-            </a:r>
-            <a:r>
-              <a:rPr lang="zh-CN" altLang="en-US" sz="1000" dirty="0" smtClean="0">
-                <a:solidFill>
-                  <a:schemeClr val="tx2"/>
-                </a:solidFill>
-              </a:rPr>
-              <a:t>如为</a:t>
-            </a:r>
-            <a:r>
-              <a:rPr lang="en-US" altLang="zh-CN" sz="1000" dirty="0" smtClean="0">
-                <a:solidFill>
-                  <a:schemeClr val="tx2"/>
-                </a:solidFill>
-              </a:rPr>
-              <a:t>true,</a:t>
-            </a:r>
-            <a:r>
-              <a:rPr lang="zh-CN" altLang="en-US" sz="1000" dirty="0" smtClean="0">
-                <a:solidFill>
-                  <a:schemeClr val="tx2"/>
-                </a:solidFill>
-              </a:rPr>
-              <a:t>上面的区间值中可为</a:t>
-            </a:r>
-            <a:r>
-              <a:rPr lang="en-US" altLang="zh-CN" sz="1000" dirty="0" smtClean="0">
-                <a:solidFill>
-                  <a:schemeClr val="tx2"/>
-                </a:solidFill>
-              </a:rPr>
-              <a:t>[0,500w] w</a:t>
-            </a:r>
-            <a:r>
-              <a:rPr lang="zh-CN" altLang="en-US" sz="1000" dirty="0" smtClean="0">
-                <a:solidFill>
-                  <a:schemeClr val="tx2"/>
-                </a:solidFill>
-              </a:rPr>
-              <a:t>表示万</a:t>
-            </a:r>
-          </a:p>
-          <a:p>
-            <a:r>
-              <a:rPr lang="en-US" altLang="zh-CN" sz="1000" dirty="0" smtClean="0">
-                <a:solidFill>
-                  <a:schemeClr val="tx2"/>
-                </a:solidFill>
-              </a:rPr>
-              <a:t>$</a:t>
-            </a:r>
-            <a:r>
-              <a:rPr lang="en-US" altLang="zh-CN" sz="1000" dirty="0" err="1" smtClean="0">
-                <a:solidFill>
-                  <a:schemeClr val="tx2"/>
-                </a:solidFill>
-              </a:rPr>
-              <a:t>multiple_config</a:t>
-            </a:r>
-            <a:r>
-              <a:rPr lang="en-US" altLang="zh-CN" sz="1000" dirty="0" smtClean="0">
-                <a:solidFill>
-                  <a:schemeClr val="tx2"/>
-                </a:solidFill>
-              </a:rPr>
-              <a:t>[‘</a:t>
-            </a:r>
-            <a:r>
-              <a:rPr lang="en-US" altLang="zh-CN" sz="1000" dirty="0" err="1" smtClean="0">
-                <a:solidFill>
-                  <a:schemeClr val="tx2"/>
-                </a:solidFill>
-              </a:rPr>
-              <a:t>virtual_db_node_number</a:t>
-            </a:r>
-            <a:r>
-              <a:rPr lang="en-US" altLang="zh-CN" sz="1000" dirty="0" smtClean="0">
-                <a:solidFill>
-                  <a:schemeClr val="tx2"/>
-                </a:solidFill>
-              </a:rPr>
-              <a:t>’] = 64; //</a:t>
-            </a:r>
-            <a:r>
-              <a:rPr lang="zh-CN" altLang="en-US" sz="1000" dirty="0" smtClean="0">
-                <a:solidFill>
-                  <a:schemeClr val="tx2"/>
-                </a:solidFill>
-              </a:rPr>
-              <a:t>虚拟节点数目 虚拟</a:t>
-            </a:r>
-            <a:r>
-              <a:rPr lang="en-US" altLang="zh-CN" sz="1000" dirty="0" smtClean="0">
-                <a:solidFill>
-                  <a:schemeClr val="tx2"/>
-                </a:solidFill>
-              </a:rPr>
-              <a:t>hash</a:t>
-            </a:r>
-            <a:r>
-              <a:rPr lang="zh-CN" altLang="en-US" sz="1000" dirty="0" smtClean="0">
-                <a:solidFill>
-                  <a:schemeClr val="tx2"/>
-                </a:solidFill>
-              </a:rPr>
-              <a:t>算法实现可设置此值</a:t>
-            </a:r>
-          </a:p>
-          <a:p>
-            <a:r>
-              <a:rPr lang="en-US" altLang="zh-CN" sz="1000" dirty="0" smtClean="0">
-                <a:solidFill>
-                  <a:schemeClr val="tx2"/>
-                </a:solidFill>
-              </a:rPr>
-              <a:t>$</a:t>
-            </a:r>
-            <a:r>
-              <a:rPr lang="en-US" altLang="zh-CN" sz="1000" dirty="0" err="1" smtClean="0">
-                <a:solidFill>
-                  <a:schemeClr val="tx2"/>
-                </a:solidFill>
-              </a:rPr>
-              <a:t>multiple_config</a:t>
-            </a:r>
-            <a:r>
-              <a:rPr lang="en-US" altLang="zh-CN" sz="1000" dirty="0" smtClean="0">
-                <a:solidFill>
-                  <a:schemeClr val="tx2"/>
-                </a:solidFill>
-              </a:rPr>
-              <a:t>['</a:t>
-            </a:r>
-            <a:r>
-              <a:rPr lang="en-US" altLang="zh-CN" sz="1000" dirty="0" err="1" smtClean="0">
-                <a:solidFill>
-                  <a:schemeClr val="tx2"/>
-                </a:solidFill>
-              </a:rPr>
-              <a:t>db_hash_type</a:t>
-            </a:r>
-            <a:r>
-              <a:rPr lang="en-US" altLang="zh-CN" sz="1000" dirty="0" smtClean="0">
-                <a:solidFill>
-                  <a:schemeClr val="tx2"/>
-                </a:solidFill>
-              </a:rPr>
-              <a:t>'] ='</a:t>
-            </a:r>
-            <a:r>
-              <a:rPr lang="en-US" altLang="zh-CN" sz="1000" dirty="0" err="1" smtClean="0">
-                <a:solidFill>
-                  <a:schemeClr val="tx2"/>
-                </a:solidFill>
-              </a:rPr>
-              <a:t>virtual_hash</a:t>
-            </a:r>
-            <a:r>
-              <a:rPr lang="en-US" altLang="zh-CN" sz="1000" dirty="0" smtClean="0">
-                <a:solidFill>
-                  <a:schemeClr val="tx2"/>
-                </a:solidFill>
-              </a:rPr>
-              <a:t>';//</a:t>
-            </a:r>
-            <a:r>
-              <a:rPr lang="zh-CN" altLang="en-US" sz="1000" dirty="0" smtClean="0">
-                <a:solidFill>
-                  <a:schemeClr val="tx2"/>
-                </a:solidFill>
-              </a:rPr>
-              <a:t>可为  </a:t>
-            </a:r>
-            <a:r>
-              <a:rPr lang="en-US" altLang="zh-CN" sz="1000" dirty="0" err="1" smtClean="0">
-                <a:solidFill>
-                  <a:schemeClr val="tx2"/>
-                </a:solidFill>
-              </a:rPr>
-              <a:t>consistent_hash</a:t>
-            </a:r>
-            <a:r>
-              <a:rPr lang="en-US" altLang="zh-CN" sz="1000" dirty="0" smtClean="0">
-                <a:solidFill>
-                  <a:schemeClr val="tx2"/>
-                </a:solidFill>
-              </a:rPr>
-              <a:t>(</a:t>
-            </a:r>
-            <a:r>
-              <a:rPr lang="zh-CN" altLang="en-US" sz="1000" dirty="0" smtClean="0">
-                <a:solidFill>
-                  <a:schemeClr val="tx2"/>
-                </a:solidFill>
-              </a:rPr>
-              <a:t>必需设置</a:t>
-            </a:r>
-            <a:r>
-              <a:rPr lang="en-US" altLang="zh-CN" sz="1000" dirty="0" err="1" smtClean="0">
-                <a:solidFill>
-                  <a:schemeClr val="tx2"/>
-                </a:solidFill>
-              </a:rPr>
-              <a:t>key:consistent_hash_separate_string</a:t>
-            </a:r>
-            <a:r>
-              <a:rPr lang="zh-CN" altLang="en-US" sz="1000" dirty="0" smtClean="0">
-                <a:solidFill>
-                  <a:schemeClr val="tx2"/>
-                </a:solidFill>
-              </a:rPr>
-              <a:t>及</a:t>
-            </a:r>
-            <a:r>
-              <a:rPr lang="en-US" altLang="zh-CN" sz="1000" dirty="0" err="1" smtClean="0">
-                <a:solidFill>
-                  <a:schemeClr val="tx2"/>
-                </a:solidFill>
-              </a:rPr>
-              <a:t>consistent_hash_separate_mod_max_value</a:t>
-            </a:r>
-            <a:r>
-              <a:rPr lang="en-US" altLang="zh-CN" sz="1000" dirty="0" smtClean="0">
-                <a:solidFill>
-                  <a:schemeClr val="tx2"/>
-                </a:solidFill>
-              </a:rPr>
-              <a:t>) ||</a:t>
-            </a:r>
-            <a:r>
-              <a:rPr lang="en-US" altLang="zh-CN" sz="1000" dirty="0" err="1" smtClean="0">
-                <a:solidFill>
-                  <a:schemeClr val="tx2"/>
-                </a:solidFill>
-              </a:rPr>
-              <a:t>virtual_hash</a:t>
-            </a:r>
-            <a:r>
-              <a:rPr lang="en-US" altLang="zh-CN" sz="1000" dirty="0" smtClean="0">
-                <a:solidFill>
-                  <a:schemeClr val="tx2"/>
-                </a:solidFill>
-              </a:rPr>
-              <a:t>(</a:t>
-            </a:r>
-            <a:r>
-              <a:rPr lang="zh-CN" altLang="en-US" sz="1000" dirty="0" smtClean="0">
-                <a:solidFill>
-                  <a:schemeClr val="tx2"/>
-                </a:solidFill>
-              </a:rPr>
-              <a:t>必需设置</a:t>
-            </a:r>
-            <a:r>
-              <a:rPr lang="en-US" altLang="zh-CN" sz="1000" dirty="0" err="1" smtClean="0">
-                <a:solidFill>
-                  <a:schemeClr val="tx2"/>
-                </a:solidFill>
-              </a:rPr>
-              <a:t>key:virtual_db_node_number</a:t>
-            </a:r>
-            <a:r>
-              <a:rPr lang="en-US" altLang="zh-CN" sz="1000" dirty="0" smtClean="0">
-                <a:solidFill>
-                  <a:schemeClr val="tx2"/>
-                </a:solidFill>
-              </a:rPr>
-              <a:t>) ||</a:t>
-            </a:r>
-            <a:r>
-              <a:rPr lang="en-US" altLang="zh-CN" sz="1000" dirty="0" err="1" smtClean="0">
-                <a:solidFill>
-                  <a:schemeClr val="tx2"/>
-                </a:solidFill>
-              </a:rPr>
-              <a:t>mod_hash</a:t>
-            </a:r>
-            <a:r>
-              <a:rPr lang="en-US" altLang="zh-CN" sz="1000" dirty="0" smtClean="0">
-                <a:solidFill>
-                  <a:schemeClr val="tx2"/>
-                </a:solidFill>
-              </a:rPr>
-              <a:t> </a:t>
-            </a:r>
-            <a:r>
-              <a:rPr lang="zh-CN" altLang="en-US" sz="1000" dirty="0" smtClean="0">
-                <a:solidFill>
-                  <a:schemeClr val="tx2"/>
-                </a:solidFill>
-              </a:rPr>
-              <a:t>，如果不设置，则默认为 </a:t>
-            </a:r>
-            <a:r>
-              <a:rPr lang="en-US" altLang="zh-CN" sz="1000" dirty="0" err="1" smtClean="0">
-                <a:solidFill>
-                  <a:schemeClr val="tx2"/>
-                </a:solidFill>
-              </a:rPr>
-              <a:t>mod_hash</a:t>
-            </a:r>
-            <a:endParaRPr lang="en-US" altLang="zh-CN" sz="1000" dirty="0" smtClean="0">
-              <a:solidFill>
-                <a:schemeClr val="tx2"/>
-              </a:solidFill>
-            </a:endParaRPr>
-          </a:p>
-          <a:p>
-            <a:r>
-              <a:rPr lang="en-US" altLang="zh-CN" sz="1000" dirty="0" smtClean="0">
-                <a:solidFill>
-                  <a:srgbClr val="FF0000"/>
-                </a:solidFill>
-              </a:rPr>
-              <a:t>$</a:t>
-            </a:r>
-            <a:r>
-              <a:rPr lang="en-US" altLang="zh-CN" sz="1000" dirty="0" err="1" smtClean="0">
-                <a:solidFill>
-                  <a:srgbClr val="FF0000"/>
-                </a:solidFill>
-              </a:rPr>
-              <a:t>multiple_config</a:t>
-            </a:r>
-            <a:r>
-              <a:rPr lang="en-US" altLang="zh-CN" sz="1000" dirty="0" smtClean="0">
-                <a:solidFill>
-                  <a:srgbClr val="FF0000"/>
-                </a:solidFill>
-              </a:rPr>
-              <a:t>['</a:t>
-            </a:r>
-            <a:r>
-              <a:rPr lang="en-US" altLang="zh-CN" sz="1000" dirty="0" err="1" smtClean="0">
-                <a:solidFill>
-                  <a:srgbClr val="FF0000"/>
-                </a:solidFill>
-              </a:rPr>
-              <a:t>is_date_table</a:t>
-            </a:r>
-            <a:r>
-              <a:rPr lang="en-US" altLang="zh-CN" sz="1000" dirty="0" smtClean="0">
-                <a:solidFill>
-                  <a:srgbClr val="FF0000"/>
-                </a:solidFill>
-              </a:rPr>
-              <a:t>'] = true; //</a:t>
-            </a:r>
-            <a:r>
-              <a:rPr lang="zh-CN" altLang="en-US" sz="1000" dirty="0" smtClean="0">
-                <a:solidFill>
-                  <a:srgbClr val="FF0000"/>
-                </a:solidFill>
-              </a:rPr>
-              <a:t>是否按时间分表</a:t>
-            </a:r>
-            <a:r>
-              <a:rPr lang="en-US" altLang="zh-CN" sz="1000" dirty="0" smtClean="0">
-                <a:solidFill>
-                  <a:srgbClr val="FF0000"/>
-                </a:solidFill>
-              </a:rPr>
-              <a:t>,</a:t>
-            </a:r>
-            <a:r>
-              <a:rPr lang="zh-CN" altLang="en-US" sz="1000" dirty="0" smtClean="0">
-                <a:solidFill>
-                  <a:srgbClr val="FF0000"/>
-                </a:solidFill>
-              </a:rPr>
-              <a:t>只支持单库</a:t>
-            </a:r>
-          </a:p>
-          <a:p>
-            <a:r>
-              <a:rPr lang="en-US" altLang="zh-CN" sz="1000" dirty="0" smtClean="0">
-                <a:solidFill>
-                  <a:srgbClr val="FF0000"/>
-                </a:solidFill>
-              </a:rPr>
-              <a:t>$</a:t>
-            </a:r>
-            <a:r>
-              <a:rPr lang="en-US" altLang="zh-CN" sz="1000" dirty="0" err="1" smtClean="0">
-                <a:solidFill>
-                  <a:srgbClr val="FF0000"/>
-                </a:solidFill>
-              </a:rPr>
-              <a:t>multiple_config</a:t>
-            </a:r>
-            <a:r>
-              <a:rPr lang="en-US" altLang="zh-CN" sz="1000" dirty="0" smtClean="0">
-                <a:solidFill>
-                  <a:srgbClr val="FF0000"/>
-                </a:solidFill>
-              </a:rPr>
-              <a:t>['</a:t>
-            </a:r>
-            <a:r>
-              <a:rPr lang="en-US" altLang="zh-CN" sz="1000" dirty="0" err="1" smtClean="0">
-                <a:solidFill>
-                  <a:srgbClr val="FF0000"/>
-                </a:solidFill>
-              </a:rPr>
-              <a:t>table_name_date_logic_string</a:t>
-            </a:r>
-            <a:r>
-              <a:rPr lang="en-US" altLang="zh-CN" sz="1000" dirty="0" smtClean="0">
-                <a:solidFill>
-                  <a:srgbClr val="FF0000"/>
-                </a:solidFill>
-              </a:rPr>
-              <a:t>'] = '</a:t>
-            </a:r>
-            <a:r>
-              <a:rPr lang="en-US" altLang="zh-CN" sz="1000" dirty="0" err="1" smtClean="0">
-                <a:solidFill>
-                  <a:srgbClr val="FF0000"/>
-                </a:solidFill>
-              </a:rPr>
-              <a:t>MMdd</a:t>
-            </a:r>
-            <a:r>
-              <a:rPr lang="en-US" altLang="zh-CN" sz="1000" dirty="0" smtClean="0">
-                <a:solidFill>
-                  <a:srgbClr val="FF0000"/>
-                </a:solidFill>
-              </a:rPr>
-              <a:t>'; //</a:t>
-            </a:r>
-            <a:r>
-              <a:rPr lang="zh-CN" altLang="en-US" sz="1000" dirty="0" smtClean="0">
-                <a:solidFill>
-                  <a:srgbClr val="FF0000"/>
-                </a:solidFill>
-              </a:rPr>
-              <a:t>按时间分表 </a:t>
-            </a:r>
-            <a:r>
-              <a:rPr lang="en-US" altLang="zh-CN" sz="1000" dirty="0" err="1" smtClean="0">
-                <a:solidFill>
-                  <a:srgbClr val="FF0000"/>
-                </a:solidFill>
-              </a:rPr>
-              <a:t>yyyyMMdd</a:t>
-            </a:r>
-            <a:r>
-              <a:rPr lang="en-US" altLang="zh-CN" sz="1000" dirty="0" smtClean="0">
-                <a:solidFill>
-                  <a:srgbClr val="FF0000"/>
-                </a:solidFill>
-              </a:rPr>
-              <a:t>(20140806) || </a:t>
-            </a:r>
-            <a:r>
-              <a:rPr lang="en-US" altLang="zh-CN" sz="1000" dirty="0" err="1" smtClean="0">
-                <a:solidFill>
-                  <a:srgbClr val="FF0000"/>
-                </a:solidFill>
-              </a:rPr>
-              <a:t>yyyyMM</a:t>
-            </a:r>
-            <a:r>
-              <a:rPr lang="en-US" altLang="zh-CN" sz="1000" dirty="0" smtClean="0">
-                <a:solidFill>
-                  <a:srgbClr val="FF0000"/>
-                </a:solidFill>
-              </a:rPr>
-              <a:t>(201408) || </a:t>
-            </a:r>
-            <a:r>
-              <a:rPr lang="en-US" altLang="zh-CN" sz="1000" dirty="0" err="1" smtClean="0">
-                <a:solidFill>
-                  <a:srgbClr val="FF0000"/>
-                </a:solidFill>
-              </a:rPr>
-              <a:t>yyyy</a:t>
-            </a:r>
-            <a:r>
-              <a:rPr lang="en-US" altLang="zh-CN" sz="1000" dirty="0" smtClean="0">
-                <a:solidFill>
-                  <a:srgbClr val="FF0000"/>
-                </a:solidFill>
-              </a:rPr>
-              <a:t>(2014) ||</a:t>
-            </a:r>
-            <a:r>
-              <a:rPr lang="en-US" altLang="zh-CN" sz="1000" dirty="0" err="1" smtClean="0">
-                <a:solidFill>
-                  <a:srgbClr val="FF0000"/>
-                </a:solidFill>
-              </a:rPr>
-              <a:t>dd</a:t>
-            </a:r>
-            <a:r>
-              <a:rPr lang="en-US" altLang="zh-CN" sz="1000" dirty="0" smtClean="0">
-                <a:solidFill>
-                  <a:srgbClr val="FF0000"/>
-                </a:solidFill>
-              </a:rPr>
-              <a:t>(</a:t>
-            </a:r>
-            <a:r>
-              <a:rPr lang="zh-CN" altLang="en-US" sz="1000" dirty="0" smtClean="0">
-                <a:solidFill>
-                  <a:srgbClr val="FF0000"/>
-                </a:solidFill>
-              </a:rPr>
-              <a:t>天</a:t>
-            </a:r>
-            <a:r>
-              <a:rPr lang="en-US" altLang="zh-CN" sz="1000" dirty="0" smtClean="0">
-                <a:solidFill>
-                  <a:srgbClr val="FF0000"/>
-                </a:solidFill>
-              </a:rPr>
-              <a:t>:0...31) ||MM(</a:t>
-            </a:r>
-            <a:r>
-              <a:rPr lang="zh-CN" altLang="en-US" sz="1000" dirty="0" smtClean="0">
-                <a:solidFill>
-                  <a:srgbClr val="FF0000"/>
-                </a:solidFill>
-              </a:rPr>
-              <a:t>月</a:t>
-            </a:r>
-            <a:r>
-              <a:rPr lang="en-US" altLang="zh-CN" sz="1000" dirty="0" smtClean="0">
-                <a:solidFill>
-                  <a:srgbClr val="FF0000"/>
-                </a:solidFill>
-              </a:rPr>
-              <a:t>1...12) ||</a:t>
-            </a:r>
-            <a:r>
-              <a:rPr lang="en-US" altLang="zh-CN" sz="1000" dirty="0" err="1" smtClean="0">
-                <a:solidFill>
-                  <a:srgbClr val="FF0000"/>
-                </a:solidFill>
-              </a:rPr>
-              <a:t>MMdd</a:t>
-            </a:r>
-            <a:r>
-              <a:rPr lang="en-US" altLang="zh-CN" sz="1000" dirty="0" smtClean="0">
-                <a:solidFill>
-                  <a:srgbClr val="FF0000"/>
-                </a:solidFill>
-              </a:rPr>
-              <a:t>(</a:t>
-            </a:r>
-            <a:r>
-              <a:rPr lang="zh-CN" altLang="en-US" sz="1000" dirty="0" smtClean="0">
-                <a:solidFill>
-                  <a:srgbClr val="FF0000"/>
-                </a:solidFill>
-              </a:rPr>
-              <a:t>月日</a:t>
-            </a:r>
-            <a:r>
-              <a:rPr lang="en-US" altLang="zh-CN" sz="1000" dirty="0" smtClean="0">
-                <a:solidFill>
-                  <a:srgbClr val="FF0000"/>
-                </a:solidFill>
-              </a:rPr>
-              <a:t>)||w(</a:t>
-            </a:r>
-            <a:r>
-              <a:rPr lang="zh-CN" altLang="en-US" sz="1000" dirty="0" smtClean="0">
-                <a:solidFill>
-                  <a:srgbClr val="FF0000"/>
-                </a:solidFill>
-              </a:rPr>
-              <a:t>星期日</a:t>
-            </a:r>
-            <a:r>
-              <a:rPr lang="en-US" altLang="zh-CN" sz="1000" dirty="0" smtClean="0">
-                <a:solidFill>
-                  <a:srgbClr val="FF0000"/>
-                </a:solidFill>
-              </a:rPr>
-              <a:t>:0,</a:t>
-            </a:r>
-            <a:r>
-              <a:rPr lang="zh-CN" altLang="en-US" sz="1000" dirty="0" smtClean="0">
-                <a:solidFill>
-                  <a:srgbClr val="FF0000"/>
-                </a:solidFill>
-              </a:rPr>
-              <a:t>星期一</a:t>
-            </a:r>
-            <a:r>
-              <a:rPr lang="en-US" altLang="zh-CN" sz="1000" dirty="0" smtClean="0">
-                <a:solidFill>
-                  <a:srgbClr val="FF0000"/>
-                </a:solidFill>
-              </a:rPr>
-              <a:t>:1...);</a:t>
+                  <a:schemeClr val="tx1">
+                    <a:lumMod val="50000"/>
+                    <a:lumOff val="50000"/>
+                  </a:schemeClr>
+                </a:solidFill>
+              </a:rPr>
+              <a:t>的值</a:t>
             </a:r>
             <a:endParaRPr lang="en-US" altLang="zh-CN" sz="1000" dirty="0" smtClean="0">
               <a:solidFill>
@@ -11752,7 +10688,7 @@
                   </a:schemeClr>
                 </a:solidFill>
               </a:rPr>
-              <a:t>master_multiple_dbs</a:t>
+              <a:t>multiple_config</a:t>
             </a:r>
             <a:r>
               <a:rPr lang="en-US" altLang="zh-CN" sz="1000" dirty="0" smtClean="0">
@@ -11763,10 +10699,19 @@
                   </a:schemeClr>
                 </a:solidFill>
               </a:rPr>
-              <a:t> = array();</a:t>
-            </a:r>
-          </a:p>
-          <a:p>
+              <a:t>['</a:t>
+            </a:r>
+            <a:r>
+              <a:rPr lang="en-US" altLang="zh-CN" sz="1000" dirty="0" err="1" smtClean="0">
+                <a:solidFill>
+                  <a:schemeClr val="tx1">
+                    <a:lumMod val="50000"/>
+                    <a:lumOff val="50000"/>
+                  </a:schemeClr>
+                </a:solidFill>
+              </a:rPr>
+              <a:t>select_in_logic_column</a:t>
+            </a:r>
             <a:r>
               <a:rPr lang="en-US" altLang="zh-CN" sz="1000" dirty="0" smtClean="0">
                 <a:solidFill>
@@ -11776,127 +10721,301 @@
                   </a:schemeClr>
                 </a:solidFill>
               </a:rPr>
+              <a:t>'] = "</a:t>
+            </a:r>
+            <a:r>
+              <a:rPr lang="en-US" altLang="zh-CN" sz="1000" dirty="0" err="1" smtClean="0">
+                <a:solidFill>
+                  <a:schemeClr val="tx1">
+                    <a:lumMod val="50000"/>
+                    <a:lumOff val="50000"/>
+                  </a:schemeClr>
+                </a:solidFill>
+              </a:rPr>
+              <a:t>user_ids</a:t>
+            </a:r>
+            <a:r>
+              <a:rPr lang="en-US" altLang="zh-CN" sz="1000" dirty="0" smtClean="0">
+                <a:solidFill>
+                  <a:schemeClr val="tx1">
+                    <a:lumMod val="50000"/>
+                    <a:lumOff val="50000"/>
+                  </a:schemeClr>
+                </a:solidFill>
+              </a:rPr>
+              <a:t>"; //select in </a:t>
+            </a:r>
+            <a:r>
+              <a:rPr lang="zh-CN" altLang="en-US" sz="1000" dirty="0" smtClean="0">
+                <a:solidFill>
+                  <a:schemeClr val="tx1">
+                    <a:lumMod val="50000"/>
+                    <a:lumOff val="50000"/>
+                  </a:schemeClr>
+                </a:solidFill>
+              </a:rPr>
+              <a:t>查询时时的参数</a:t>
+            </a:r>
+            <a:r>
+              <a:rPr lang="en-US" altLang="zh-CN" sz="1000" dirty="0" smtClean="0">
+                <a:solidFill>
+                  <a:schemeClr val="tx1">
+                    <a:lumMod val="50000"/>
+                    <a:lumOff val="50000"/>
+                  </a:schemeClr>
+                </a:solidFill>
+              </a:rPr>
+              <a:t>key</a:t>
+            </a:r>
+            <a:r>
+              <a:rPr lang="zh-CN" altLang="en-US" sz="1000" dirty="0" smtClean="0">
+                <a:solidFill>
+                  <a:schemeClr val="tx1">
+                    <a:lumMod val="50000"/>
+                    <a:lumOff val="50000"/>
+                  </a:schemeClr>
+                </a:solidFill>
+              </a:rPr>
+              <a:t>名</a:t>
+            </a:r>
+          </a:p>
+          <a:p>
+            <a:r>
+              <a:rPr lang="en-US" altLang="zh-CN" sz="1000" dirty="0" smtClean="0">
+                <a:solidFill>
+                  <a:srgbClr val="7030A0"/>
+                </a:solidFill>
+              </a:rPr>
               <a:t>$</a:t>
             </a:r>
             <a:r>
               <a:rPr lang="en-US" altLang="zh-CN" sz="1000" dirty="0" err="1" smtClean="0">
                 <a:solidFill>
-                  <a:schemeClr val="tx1">
-                    <a:lumMod val="50000"/>
-                    <a:lumOff val="50000"/>
-                  </a:schemeClr>
-                </a:solidFill>
-              </a:rPr>
-              <a:t>master_multiple_dbs</a:t>
+                  <a:srgbClr val="7030A0"/>
+                </a:solidFill>
+              </a:rPr>
+              <a:t>multiple_config</a:t>
             </a:r>
             <a:r>
               <a:rPr lang="en-US" altLang="zh-CN" sz="1000" dirty="0" smtClean="0">
                 <a:solidFill>
-                  <a:schemeClr val="tx1">
-                    <a:lumMod val="50000"/>
-                    <a:lumOff val="50000"/>
-                  </a:schemeClr>
-                </a:solidFill>
-              </a:rPr>
-              <a:t>['sc_refund_0000'] = DB_HOST; //key</a:t>
+                  <a:srgbClr val="7030A0"/>
+                </a:solidFill>
+              </a:rPr>
+              <a:t>['</a:t>
+            </a:r>
+            <a:r>
+              <a:rPr lang="en-US" altLang="zh-CN" sz="1000" dirty="0" err="1" smtClean="0">
+                <a:solidFill>
+                  <a:srgbClr val="7030A0"/>
+                </a:solidFill>
+              </a:rPr>
+              <a:t>table_total_num</a:t>
+            </a:r>
+            <a:r>
+              <a:rPr lang="en-US" altLang="zh-CN" sz="1000" dirty="0" smtClean="0">
+                <a:solidFill>
+                  <a:srgbClr val="7030A0"/>
+                </a:solidFill>
+              </a:rPr>
+              <a:t>'] = 64; //</a:t>
             </a:r>
             <a:r>
               <a:rPr lang="zh-CN" altLang="en-US" sz="1000" dirty="0" smtClean="0">
                 <a:solidFill>
-                  <a:schemeClr val="tx1">
-                    <a:lumMod val="50000"/>
-                    <a:lumOff val="50000"/>
-                  </a:schemeClr>
-                </a:solidFill>
-              </a:rPr>
-              <a:t>为数据库名，</a:t>
-            </a:r>
+                  <a:srgbClr val="7030A0"/>
+                </a:solidFill>
+              </a:rPr>
+              <a:t>总表数</a:t>
+            </a:r>
+          </a:p>
+          <a:p>
             <a:r>
               <a:rPr lang="en-US" altLang="zh-CN" sz="1000" dirty="0" smtClean="0">
                 <a:solidFill>
-                  <a:schemeClr val="tx1">
-                    <a:lumMod val="50000"/>
-                    <a:lumOff val="50000"/>
-                  </a:schemeClr>
-                </a:solidFill>
-              </a:rPr>
-              <a:t>value</a:t>
+                  <a:srgbClr val="7030A0"/>
+                </a:solidFill>
+              </a:rPr>
+              <a:t>$</a:t>
+            </a:r>
+            <a:r>
+              <a:rPr lang="en-US" altLang="zh-CN" sz="1000" dirty="0" err="1" smtClean="0">
+                <a:solidFill>
+                  <a:srgbClr val="7030A0"/>
+                </a:solidFill>
+              </a:rPr>
+              <a:t>multiple_config</a:t>
+            </a:r>
+            <a:r>
+              <a:rPr lang="en-US" altLang="zh-CN" sz="1000" dirty="0" smtClean="0">
+                <a:solidFill>
+                  <a:srgbClr val="7030A0"/>
+                </a:solidFill>
+              </a:rPr>
+              <a:t>['</a:t>
+            </a:r>
+            <a:r>
+              <a:rPr lang="en-US" altLang="zh-CN" sz="1000" dirty="0" err="1" smtClean="0">
+                <a:solidFill>
+                  <a:srgbClr val="7030A0"/>
+                </a:solidFill>
+              </a:rPr>
+              <a:t>one_db_table_num</a:t>
+            </a:r>
+            <a:r>
+              <a:rPr lang="en-US" altLang="zh-CN" sz="1000" dirty="0" smtClean="0">
+                <a:solidFill>
+                  <a:srgbClr val="7030A0"/>
+                </a:solidFill>
+              </a:rPr>
+              <a:t>'] = 16; //</a:t>
             </a:r>
             <a:r>
               <a:rPr lang="zh-CN" altLang="en-US" sz="1000" dirty="0" smtClean="0">
                 <a:solidFill>
-                  <a:schemeClr val="tx1">
-                    <a:lumMod val="50000"/>
-                    <a:lumOff val="50000"/>
-                  </a:schemeClr>
-                </a:solidFill>
-              </a:rPr>
-              <a:t>为数据库所在的</a:t>
-            </a:r>
+                  <a:srgbClr val="7030A0"/>
+                </a:solidFill>
+              </a:rPr>
+              <a:t>每个库里存放的表数</a:t>
+            </a:r>
+          </a:p>
+          <a:p>
             <a:r>
               <a:rPr lang="en-US" altLang="zh-CN" sz="1000" dirty="0" smtClean="0">
                 <a:solidFill>
-                  <a:schemeClr val="tx1">
-                    <a:lumMod val="50000"/>
-                    <a:lumOff val="50000"/>
-                  </a:schemeClr>
-                </a:solidFill>
-              </a:rPr>
-              <a:t>host</a:t>
+                  <a:schemeClr val="tx2"/>
+                </a:solidFill>
+              </a:rPr>
+              <a:t>$</a:t>
+            </a:r>
+            <a:r>
+              <a:rPr lang="en-US" altLang="zh-CN" sz="1000" dirty="0" err="1" smtClean="0">
+                <a:solidFill>
+                  <a:schemeClr val="tx2"/>
+                </a:solidFill>
+              </a:rPr>
+              <a:t>multiple_config</a:t>
+            </a:r>
+            <a:r>
+              <a:rPr lang="en-US" altLang="zh-CN" sz="1000" dirty="0" smtClean="0">
+                <a:solidFill>
+                  <a:schemeClr val="tx2"/>
+                </a:solidFill>
+              </a:rPr>
+              <a:t>['</a:t>
+            </a:r>
+            <a:r>
+              <a:rPr lang="en-US" altLang="zh-CN" sz="1000" dirty="0" err="1" smtClean="0">
+                <a:solidFill>
+                  <a:schemeClr val="tx2"/>
+                </a:solidFill>
+              </a:rPr>
+              <a:t>consistent_hash_separate_string</a:t>
+            </a:r>
+            <a:r>
+              <a:rPr lang="en-US" altLang="zh-CN" sz="1000" dirty="0" smtClean="0">
+                <a:solidFill>
+                  <a:schemeClr val="tx2"/>
+                </a:solidFill>
+              </a:rPr>
+              <a:t>'] = "[0,256]=sc_refund_0000;[256,512]=sc_refund_0001;[512,768]=sc_refund_0002;[768,1024]=sc_refund_0003";//</a:t>
             </a:r>
             <a:r>
               <a:rPr lang="zh-CN" altLang="en-US" sz="1000" dirty="0" smtClean="0">
                 <a:solidFill>
-                  <a:schemeClr val="tx1">
-                    <a:lumMod val="50000"/>
-                    <a:lumOff val="50000"/>
-                  </a:schemeClr>
-                </a:solidFill>
-              </a:rPr>
-              <a:t>，此</a:t>
+                  <a:schemeClr val="tx2"/>
+                </a:solidFill>
+              </a:rPr>
+              <a:t>一致性</a:t>
             </a:r>
             <a:r>
               <a:rPr lang="en-US" altLang="zh-CN" sz="1000" dirty="0" smtClean="0">
                 <a:solidFill>
-                  <a:schemeClr val="tx1">
-                    <a:lumMod val="50000"/>
-                    <a:lumOff val="50000"/>
-                  </a:schemeClr>
-                </a:solidFill>
-              </a:rPr>
-              <a:t>value</a:t>
+                  <a:schemeClr val="tx2"/>
+                </a:solidFill>
+              </a:rPr>
+              <a:t>hash</a:t>
             </a:r>
             <a:r>
               <a:rPr lang="zh-CN" altLang="en-US" sz="1000" dirty="0" smtClean="0">
                 <a:solidFill>
-                  <a:schemeClr val="tx1">
-                    <a:lumMod val="50000"/>
-                    <a:lumOff val="50000"/>
-                  </a:schemeClr>
-                </a:solidFill>
-              </a:rPr>
-              <a:t>只能配置一个</a:t>
-            </a:r>
+                  <a:schemeClr val="tx2"/>
+                </a:solidFill>
+              </a:rPr>
+              <a:t>字符串区间</a:t>
+            </a:r>
+          </a:p>
+          <a:p>
             <a:r>
               <a:rPr lang="en-US" altLang="zh-CN" sz="1000" dirty="0" smtClean="0">
                 <a:solidFill>
-                  <a:schemeClr val="tx1">
-                    <a:lumMod val="50000"/>
-                    <a:lumOff val="50000"/>
-                  </a:schemeClr>
-                </a:solidFill>
-              </a:rPr>
-              <a:t>IP</a:t>
-            </a:r>
-          </a:p>
-          <a:p>
+                  <a:schemeClr val="tx2"/>
+                </a:solidFill>
+              </a:rPr>
+              <a:t>$</a:t>
+            </a:r>
+            <a:r>
+              <a:rPr lang="en-US" altLang="zh-CN" sz="1000" dirty="0" err="1" smtClean="0">
+                <a:solidFill>
+                  <a:schemeClr val="tx2"/>
+                </a:solidFill>
+              </a:rPr>
+              <a:t>multiple_config</a:t>
+            </a:r>
             <a:r>
               <a:rPr lang="en-US" altLang="zh-CN" sz="1000" dirty="0" smtClean="0">
                 <a:solidFill>
-                  <a:schemeClr val="tx1">
-                    <a:lumMod val="50000"/>
-                    <a:lumOff val="50000"/>
-                  </a:schemeClr>
+                  <a:schemeClr val="tx2"/>
+                </a:solidFill>
+              </a:rPr>
+              <a:t>['</a:t>
+            </a:r>
+            <a:r>
+              <a:rPr lang="en-US" altLang="zh-CN" sz="1000" dirty="0" err="1" smtClean="0">
+                <a:solidFill>
+                  <a:schemeClr val="tx2"/>
+                </a:solidFill>
+              </a:rPr>
+              <a:t>consistent_hash_separate_mod_max_value</a:t>
+            </a:r>
+            <a:r>
+              <a:rPr lang="en-US" altLang="zh-CN" sz="1000" dirty="0" smtClean="0">
+                <a:solidFill>
+                  <a:schemeClr val="tx2"/>
+                </a:solidFill>
+              </a:rPr>
+              <a:t>'] =1024;//</a:t>
+            </a:r>
+            <a:r>
+              <a:rPr lang="zh-CN" altLang="en-US" sz="1000" dirty="0" smtClean="0">
+                <a:solidFill>
+                  <a:schemeClr val="tx2"/>
+                </a:solidFill>
+              </a:rPr>
+              <a:t>一致性</a:t>
+            </a:r>
+            <a:r>
+              <a:rPr lang="en-US" altLang="zh-CN" sz="1000" dirty="0" smtClean="0">
+                <a:solidFill>
+                  <a:schemeClr val="tx2"/>
+                </a:solidFill>
+              </a:rPr>
+              <a:t>hash</a:t>
+            </a:r>
+            <a:r>
+              <a:rPr lang="zh-CN" altLang="en-US" sz="1000" dirty="0" smtClean="0">
+                <a:solidFill>
+                  <a:schemeClr val="tx2"/>
+                </a:solidFill>
+              </a:rPr>
+              <a:t>最大区间值</a:t>
+            </a:r>
+          </a:p>
+          <a:p>
+            <a:r>
+              <a:rPr lang="en-US" altLang="zh-CN" sz="1000" dirty="0" smtClean="0">
+                <a:solidFill>
+                  <a:schemeClr val="tx2"/>
                 </a:solidFill>
               </a:rPr>
               <a:t>$</a:t>
@@ -11904,34 +11023,129 @@
             <a:r>
               <a:rPr lang="en-US" altLang="zh-CN" sz="1000" dirty="0" err="1" smtClean="0">
                 <a:solidFill>
-                  <a:schemeClr val="tx1">
-                    <a:lumMod val="50000"/>
-                    <a:lumOff val="50000"/>
-                  </a:schemeClr>
-                </a:solidFill>
-              </a:rPr>
-              <a:t>master_multiple_dbs</a:t>
+                  <a:schemeClr val="tx2"/>
+                </a:solidFill>
+              </a:rPr>
+              <a:t>multiple_config</a:t>
             </a:r>
             <a:r>
               <a:rPr lang="en-US" altLang="zh-CN" sz="1000" dirty="0" smtClean="0">
                 <a:solidFill>
-                  <a:schemeClr val="tx1">
-                    <a:lumMod val="50000"/>
-                    <a:lumOff val="50000"/>
-                  </a:schemeClr>
-                </a:solidFill>
-              </a:rPr>
-              <a:t>['sc_refund_0001'] = DB_HOST;</a:t>
-            </a:r>
-          </a:p>
-          <a:p>
+                  <a:schemeClr val="tx2"/>
+                </a:solidFill>
+              </a:rPr>
+              <a:t>[‘</a:t>
+            </a:r>
+            <a:r>
+              <a:rPr lang="en-US" altLang="zh-CN" sz="1000" dirty="0" err="1" smtClean="0">
+                <a:solidFill>
+                  <a:schemeClr val="tx2"/>
+                </a:solidFill>
+              </a:rPr>
+              <a:t>consistent_hash_one_db_one_table</a:t>
+            </a:r>
             <a:r>
               <a:rPr lang="en-US" altLang="zh-CN" sz="1000" dirty="0" smtClean="0">
                 <a:solidFill>
-                  <a:schemeClr val="tx1">
-                    <a:lumMod val="50000"/>
-                    <a:lumOff val="50000"/>
-                  </a:schemeClr>
+                  <a:schemeClr val="tx2"/>
+                </a:solidFill>
+              </a:rPr>
+              <a:t>’] =false;//</a:t>
+            </a:r>
+            <a:r>
+              <a:rPr lang="zh-CN" altLang="en-US" sz="1000" dirty="0" smtClean="0">
+                <a:solidFill>
+                  <a:schemeClr val="tx2"/>
+                </a:solidFill>
+              </a:rPr>
+              <a:t>针对 </a:t>
+            </a:r>
+            <a:r>
+              <a:rPr lang="en-US" altLang="zh-CN" sz="1000" dirty="0" err="1" smtClean="0">
+                <a:solidFill>
+                  <a:schemeClr val="tx2"/>
+                </a:solidFill>
+              </a:rPr>
+              <a:t>consistent_hash</a:t>
+            </a:r>
+            <a:r>
+              <a:rPr lang="zh-CN" altLang="en-US" sz="1000" dirty="0" smtClean="0">
+                <a:solidFill>
+                  <a:schemeClr val="tx2"/>
+                </a:solidFill>
+              </a:rPr>
+              <a:t>有效</a:t>
+            </a:r>
+            <a:r>
+              <a:rPr lang="en-US" altLang="zh-CN" sz="1000" dirty="0" smtClean="0">
+                <a:solidFill>
+                  <a:schemeClr val="tx2"/>
+                </a:solidFill>
+              </a:rPr>
+              <a:t>,</a:t>
+            </a:r>
+            <a:r>
+              <a:rPr lang="zh-CN" altLang="en-US" sz="1000" dirty="0" smtClean="0">
+                <a:solidFill>
+                  <a:schemeClr val="tx2"/>
+                </a:solidFill>
+              </a:rPr>
+              <a:t>区间是否是是一库一表</a:t>
+            </a:r>
+            <a:r>
+              <a:rPr lang="en-US" altLang="zh-CN" sz="1000" dirty="0" smtClean="0">
+                <a:solidFill>
+                  <a:schemeClr val="tx2"/>
+                </a:solidFill>
+              </a:rPr>
+              <a:t>,</a:t>
+            </a:r>
+            <a:r>
+              <a:rPr lang="zh-CN" altLang="en-US" sz="1000" dirty="0" smtClean="0">
+                <a:solidFill>
+                  <a:schemeClr val="tx2"/>
+                </a:solidFill>
+              </a:rPr>
+              <a:t>如为</a:t>
+            </a:r>
+            <a:r>
+              <a:rPr lang="en-US" altLang="zh-CN" sz="1000" dirty="0" smtClean="0">
+                <a:solidFill>
+                  <a:schemeClr val="tx2"/>
+                </a:solidFill>
+              </a:rPr>
+              <a:t>true,</a:t>
+            </a:r>
+            <a:r>
+              <a:rPr lang="zh-CN" altLang="en-US" sz="1000" dirty="0" smtClean="0">
+                <a:solidFill>
+                  <a:schemeClr val="tx2"/>
+                </a:solidFill>
+              </a:rPr>
+              <a:t>上面的区间值中可为</a:t>
+            </a:r>
+            <a:r>
+              <a:rPr lang="en-US" altLang="zh-CN" sz="1000" dirty="0" smtClean="0">
+                <a:solidFill>
+                  <a:schemeClr val="tx2"/>
+                </a:solidFill>
+              </a:rPr>
+              <a:t>[0,500w] w</a:t>
+            </a:r>
+            <a:r>
+              <a:rPr lang="zh-CN" altLang="en-US" sz="1000" dirty="0" smtClean="0">
+                <a:solidFill>
+                  <a:schemeClr val="tx2"/>
+                </a:solidFill>
+              </a:rPr>
+              <a:t>表示万</a:t>
+            </a:r>
+          </a:p>
+          <a:p>
+            <a:r>
+              <a:rPr lang="en-US" altLang="zh-CN" sz="1000" dirty="0" smtClean="0">
+                <a:solidFill>
+                  <a:schemeClr val="tx2"/>
                 </a:solidFill>
               </a:rPr>
               <a:t>$</a:t>
@@ -11939,34 +11153,65 @@
             <a:r>
               <a:rPr lang="en-US" altLang="zh-CN" sz="1000" dirty="0" err="1" smtClean="0">
                 <a:solidFill>
-                  <a:schemeClr val="tx1">
-                    <a:lumMod val="50000"/>
-                    <a:lumOff val="50000"/>
-                  </a:schemeClr>
-                </a:solidFill>
-              </a:rPr>
-              <a:t>master_multiple_dbs</a:t>
+                  <a:schemeClr val="tx2"/>
+                </a:solidFill>
+              </a:rPr>
+              <a:t>multiple_config</a:t>
             </a:r>
             <a:r>
               <a:rPr lang="en-US" altLang="zh-CN" sz="1000" dirty="0" smtClean="0">
                 <a:solidFill>
-                  <a:schemeClr val="tx1">
-                    <a:lumMod val="50000"/>
-                    <a:lumOff val="50000"/>
-                  </a:schemeClr>
-                </a:solidFill>
-              </a:rPr>
-              <a:t>['sc_refund_0002'] = DB_HOST;</a:t>
-            </a:r>
-          </a:p>
-          <a:p>
+                  <a:schemeClr val="tx2"/>
+                </a:solidFill>
+              </a:rPr>
+              <a:t>[‘</a:t>
+            </a:r>
+            <a:r>
+              <a:rPr lang="en-US" altLang="zh-CN" sz="1000" dirty="0" err="1" smtClean="0">
+                <a:solidFill>
+                  <a:schemeClr val="tx2"/>
+                </a:solidFill>
+              </a:rPr>
+              <a:t>virtual_db_node_number</a:t>
+            </a:r>
             <a:r>
               <a:rPr lang="en-US" altLang="zh-CN" sz="1000" dirty="0" smtClean="0">
                 <a:solidFill>
-                  <a:schemeClr val="tx1">
-                    <a:lumMod val="50000"/>
-                    <a:lumOff val="50000"/>
-                  </a:schemeClr>
+                  <a:schemeClr val="tx2"/>
+                </a:solidFill>
+              </a:rPr>
+              <a:t>’] = 64; //</a:t>
+            </a:r>
+            <a:r>
+              <a:rPr lang="zh-CN" altLang="en-US" sz="1000" dirty="0" smtClean="0">
+                <a:solidFill>
+                  <a:schemeClr val="tx2"/>
+                </a:solidFill>
+              </a:rPr>
+              <a:t>虚拟节点数目 虚拟</a:t>
+            </a:r>
+            <a:r>
+              <a:rPr lang="en-US" altLang="zh-CN" sz="1000" dirty="0" smtClean="0">
+                <a:solidFill>
+                  <a:schemeClr val="tx2"/>
+                </a:solidFill>
+              </a:rPr>
+              <a:t>hash</a:t>
+            </a:r>
+            <a:r>
+              <a:rPr lang="zh-CN" altLang="en-US" sz="1000" dirty="0" smtClean="0">
+                <a:solidFill>
+                  <a:schemeClr val="tx2"/>
+                </a:solidFill>
+              </a:rPr>
+              <a:t>算法实现可设置此值</a:t>
+            </a:r>
+          </a:p>
+          <a:p>
+            <a:r>
+              <a:rPr lang="en-US" altLang="zh-CN" sz="1000" dirty="0" smtClean="0">
+                <a:solidFill>
+                  <a:schemeClr val="tx2"/>
                 </a:solidFill>
               </a:rPr>
               <a:t>$</a:t>
@@ -11974,34 +11219,198 @@
             <a:r>
               <a:rPr lang="en-US" altLang="zh-CN" sz="1000" dirty="0" err="1" smtClean="0">
                 <a:solidFill>
-                  <a:schemeClr val="tx1">
-                    <a:lumMod val="50000"/>
-                    <a:lumOff val="50000"/>
-                  </a:schemeClr>
-                </a:solidFill>
-              </a:rPr>
-              <a:t>master_multiple_dbs</a:t>
+                  <a:schemeClr val="tx2"/>
+                </a:solidFill>
+              </a:rPr>
+              <a:t>multiple_config</a:t>
             </a:r>
             <a:r>
               <a:rPr lang="en-US" altLang="zh-CN" sz="1000" dirty="0" smtClean="0">
                 <a:solidFill>
-                  <a:schemeClr val="tx1">
-                    <a:lumMod val="50000"/>
-                    <a:lumOff val="50000"/>
-                  </a:schemeClr>
-                </a:solidFill>
-              </a:rPr>
-              <a:t>['sc_refund_0003'] = DB_HOST;</a:t>
-            </a:r>
-          </a:p>
-          <a:p>
+                  <a:schemeClr val="tx2"/>
+                </a:solidFill>
+              </a:rPr>
+              <a:t>['</a:t>
+            </a:r>
+            <a:r>
+              <a:rPr lang="en-US" altLang="zh-CN" sz="1000" dirty="0" err="1" smtClean="0">
+                <a:solidFill>
+                  <a:schemeClr val="tx2"/>
+                </a:solidFill>
+              </a:rPr>
+              <a:t>db_hash_type</a:t>
+            </a:r>
             <a:r>
               <a:rPr lang="en-US" altLang="zh-CN" sz="1000" dirty="0" smtClean="0">
                 <a:solidFill>
-                  <a:schemeClr val="tx1">
-                    <a:lumMod val="50000"/>
-                    <a:lumOff val="50000"/>
-                  </a:schemeClr>
+                  <a:schemeClr val="tx2"/>
+                </a:solidFill>
+              </a:rPr>
+              <a:t>'] ='</a:t>
+            </a:r>
+            <a:r>
+              <a:rPr lang="en-US" altLang="zh-CN" sz="1000" dirty="0" err="1" smtClean="0">
+                <a:solidFill>
+                  <a:schemeClr val="tx2"/>
+                </a:solidFill>
+              </a:rPr>
+              <a:t>virtual_hash</a:t>
+            </a:r>
+            <a:r>
+              <a:rPr lang="en-US" altLang="zh-CN" sz="1000" dirty="0" smtClean="0">
+                <a:solidFill>
+                  <a:schemeClr val="tx2"/>
+                </a:solidFill>
+              </a:rPr>
+              <a:t>';//</a:t>
+            </a:r>
+            <a:r>
+              <a:rPr lang="zh-CN" altLang="en-US" sz="1000" dirty="0" smtClean="0">
+                <a:solidFill>
+                  <a:schemeClr val="tx2"/>
+                </a:solidFill>
+              </a:rPr>
+              <a:t>可为  </a:t>
+            </a:r>
+            <a:r>
+              <a:rPr lang="en-US" altLang="zh-CN" sz="1000" dirty="0" err="1" smtClean="0">
+                <a:solidFill>
+                  <a:schemeClr val="tx2"/>
+                </a:solidFill>
+              </a:rPr>
+              <a:t>consistent_hash</a:t>
+            </a:r>
+            <a:r>
+              <a:rPr lang="en-US" altLang="zh-CN" sz="1000" dirty="0" smtClean="0">
+                <a:solidFill>
+                  <a:schemeClr val="tx2"/>
+                </a:solidFill>
+              </a:rPr>
+              <a:t>(</a:t>
+            </a:r>
+            <a:r>
+              <a:rPr lang="zh-CN" altLang="en-US" sz="1000" dirty="0" smtClean="0">
+                <a:solidFill>
+                  <a:schemeClr val="tx2"/>
+                </a:solidFill>
+              </a:rPr>
+              <a:t>必需设置</a:t>
+            </a:r>
+            <a:r>
+              <a:rPr lang="en-US" altLang="zh-CN" sz="1000" dirty="0" err="1" smtClean="0">
+                <a:solidFill>
+                  <a:schemeClr val="tx2"/>
+                </a:solidFill>
+              </a:rPr>
+              <a:t>key:consistent_hash_separate_string</a:t>
+            </a:r>
+            <a:r>
+              <a:rPr lang="zh-CN" altLang="en-US" sz="1000" dirty="0" smtClean="0">
+                <a:solidFill>
+                  <a:schemeClr val="tx2"/>
+                </a:solidFill>
+              </a:rPr>
+              <a:t>及</a:t>
+            </a:r>
+            <a:r>
+              <a:rPr lang="en-US" altLang="zh-CN" sz="1000" dirty="0" err="1" smtClean="0">
+                <a:solidFill>
+                  <a:schemeClr val="tx2"/>
+                </a:solidFill>
+              </a:rPr>
+              <a:t>consistent_hash_separate_mod_max_value</a:t>
+            </a:r>
+            <a:r>
+              <a:rPr lang="en-US" altLang="zh-CN" sz="1000" dirty="0" smtClean="0">
+                <a:solidFill>
+                  <a:schemeClr val="tx2"/>
+                </a:solidFill>
+              </a:rPr>
+              <a:t>) ||</a:t>
+            </a:r>
+            <a:r>
+              <a:rPr lang="en-US" altLang="zh-CN" sz="1000" dirty="0" err="1" smtClean="0">
+                <a:solidFill>
+                  <a:schemeClr val="tx2"/>
+                </a:solidFill>
+              </a:rPr>
+              <a:t>virtual_hash</a:t>
+            </a:r>
+            <a:r>
+              <a:rPr lang="en-US" altLang="zh-CN" sz="1000" dirty="0" smtClean="0">
+                <a:solidFill>
+                  <a:schemeClr val="tx2"/>
+                </a:solidFill>
+              </a:rPr>
+              <a:t>(</a:t>
+            </a:r>
+            <a:r>
+              <a:rPr lang="zh-CN" altLang="en-US" sz="1000" dirty="0" smtClean="0">
+                <a:solidFill>
+                  <a:schemeClr val="tx2"/>
+                </a:solidFill>
+              </a:rPr>
+              <a:t>必需设置</a:t>
+            </a:r>
+            <a:r>
+              <a:rPr lang="en-US" altLang="zh-CN" sz="1000" dirty="0" err="1" smtClean="0">
+                <a:solidFill>
+                  <a:schemeClr val="tx2"/>
+                </a:solidFill>
+              </a:rPr>
+              <a:t>key:virtual_db_node_number</a:t>
+            </a:r>
+            <a:r>
+              <a:rPr lang="en-US" altLang="zh-CN" sz="1000" dirty="0" smtClean="0">
+                <a:solidFill>
+                  <a:schemeClr val="tx2"/>
+                </a:solidFill>
+              </a:rPr>
+              <a:t>) ||</a:t>
+            </a:r>
+            <a:r>
+              <a:rPr lang="en-US" altLang="zh-CN" sz="1000" dirty="0" err="1" smtClean="0">
+                <a:solidFill>
+                  <a:schemeClr val="tx2"/>
+                </a:solidFill>
+              </a:rPr>
+              <a:t>mod_hash</a:t>
+            </a:r>
+            <a:r>
+              <a:rPr lang="en-US" altLang="zh-CN" sz="1000" dirty="0" smtClean="0">
+                <a:solidFill>
+                  <a:schemeClr val="tx2"/>
+                </a:solidFill>
+              </a:rPr>
+              <a:t> </a:t>
+            </a:r>
+            <a:r>
+              <a:rPr lang="zh-CN" altLang="en-US" sz="1000" dirty="0" smtClean="0">
+                <a:solidFill>
+                  <a:schemeClr val="tx2"/>
+                </a:solidFill>
+              </a:rPr>
+              <a:t>，如果不设置，则默认为 </a:t>
+            </a:r>
+            <a:r>
+              <a:rPr lang="en-US" altLang="zh-CN" sz="1000" dirty="0" err="1" smtClean="0">
+                <a:solidFill>
+                  <a:schemeClr val="tx2"/>
+                </a:solidFill>
+              </a:rPr>
+              <a:t>mod_hash</a:t>
+            </a:r>
+            <a:endParaRPr lang="en-US" altLang="zh-CN" sz="1000" dirty="0" smtClean="0">
+              <a:solidFill>
+                <a:schemeClr val="tx2"/>
+              </a:solidFill>
+            </a:endParaRPr>
+          </a:p>
+          <a:p>
+            <a:r>
+              <a:rPr lang="en-US" altLang="zh-CN" sz="1000" dirty="0" smtClean="0">
+                <a:solidFill>
+                  <a:srgbClr val="FF0000"/>
                 </a:solidFill>
               </a:rPr>
               <a:t>$</a:t>
@@ -12009,10 +11418,7 @@
             <a:r>
               <a:rPr lang="en-US" altLang="zh-CN" sz="1000" dirty="0" err="1" smtClean="0">
                 <a:solidFill>
-                  <a:schemeClr val="tx1">
-                    <a:lumMod val="50000"/>
-                    <a:lumOff val="50000"/>
-                  </a:schemeClr>
+                  <a:srgbClr val="FF0000"/>
                 </a:solidFill>
               </a:rPr>
               <a:t>multiple_config</a:t>
@@ -12020,10 +11426,7 @@
             <a:r>
               <a:rPr lang="en-US" altLang="zh-CN" sz="1000" dirty="0" smtClean="0">
                 <a:solidFill>
-                  <a:schemeClr val="tx1">
-                    <a:lumMod val="50000"/>
-                    <a:lumOff val="50000"/>
-                  </a:schemeClr>
+                  <a:srgbClr val="FF0000"/>
                 </a:solidFill>
               </a:rPr>
               <a:t>['</a:t>
@@ -12031,71 +11434,269 @@
             <a:r>
               <a:rPr lang="en-US" altLang="zh-CN" sz="1000" dirty="0" err="1" smtClean="0">
                 <a:solidFill>
-                  <a:schemeClr val="tx1">
-                    <a:lumMod val="50000"/>
-                    <a:lumOff val="50000"/>
-                  </a:schemeClr>
-                </a:solidFill>
-              </a:rPr>
-              <a:t>db_hosts</a:t>
+                  <a:srgbClr val="FF0000"/>
+                </a:solidFill>
+              </a:rPr>
+              <a:t>is_date_table</a:t>
             </a:r>
             <a:r>
               <a:rPr lang="en-US" altLang="zh-CN" sz="1000" dirty="0" smtClean="0">
                 <a:solidFill>
-                  <a:schemeClr val="tx1">
-                    <a:lumMod val="50000"/>
-                    <a:lumOff val="50000"/>
-                  </a:schemeClr>
-                </a:solidFill>
-              </a:rPr>
-              <a:t>'] = $</a:t>
+                  <a:srgbClr val="FF0000"/>
+                </a:solidFill>
+              </a:rPr>
+              <a:t>'] = true; //</a:t>
+            </a:r>
+            <a:r>
+              <a:rPr lang="zh-CN" altLang="en-US" sz="1000" dirty="0" smtClean="0">
+                <a:solidFill>
+                  <a:srgbClr val="FF0000"/>
+                </a:solidFill>
+              </a:rPr>
+              <a:t>是否按时间分表</a:t>
+            </a:r>
+            <a:r>
+              <a:rPr lang="en-US" altLang="zh-CN" sz="1000" dirty="0" smtClean="0">
+                <a:solidFill>
+                  <a:srgbClr val="FF0000"/>
+                </a:solidFill>
+              </a:rPr>
+              <a:t>,</a:t>
+            </a:r>
+            <a:r>
+              <a:rPr lang="zh-CN" altLang="en-US" sz="1000" dirty="0" smtClean="0">
+                <a:solidFill>
+                  <a:srgbClr val="FF0000"/>
+                </a:solidFill>
+              </a:rPr>
+              <a:t>只支持单库</a:t>
+            </a:r>
+          </a:p>
+          <a:p>
+            <a:r>
+              <a:rPr lang="en-US" altLang="zh-CN" sz="1000" dirty="0" smtClean="0">
+                <a:solidFill>
+                  <a:srgbClr val="FF0000"/>
+                </a:solidFill>
+              </a:rPr>
+              <a:t>$</a:t>
             </a:r>
             <a:r>
               <a:rPr lang="en-US" altLang="zh-CN" sz="1000" dirty="0" err="1" smtClean="0">
                 <a:solidFill>
-                  <a:schemeClr val="tx1">
-                    <a:lumMod val="50000"/>
-                    <a:lumOff val="50000"/>
-                  </a:schemeClr>
-                </a:solidFill>
-              </a:rPr>
-              <a:t>master_multiple_dbs</a:t>
+                  <a:srgbClr val="FF0000"/>
+                </a:solidFill>
+              </a:rPr>
+              <a:t>multiple_config</a:t>
             </a:r>
             <a:r>
               <a:rPr lang="en-US" altLang="zh-CN" sz="1000" dirty="0" smtClean="0">
                 <a:solidFill>
-                  <a:schemeClr val="tx1">
-                    <a:lumMod val="50000"/>
-                    <a:lumOff val="50000"/>
-                  </a:schemeClr>
-                </a:solidFill>
-              </a:rPr>
-              <a:t>; //</a:t>
+                  <a:srgbClr val="FF0000"/>
+                </a:solidFill>
+              </a:rPr>
+              <a:t>['</a:t>
+            </a:r>
+            <a:r>
+              <a:rPr lang="en-US" altLang="zh-CN" sz="1000" dirty="0" err="1" smtClean="0">
+                <a:solidFill>
+                  <a:srgbClr val="FF0000"/>
+                </a:solidFill>
+              </a:rPr>
+              <a:t>table_name_date_logic_string</a:t>
+            </a:r>
+            <a:r>
+              <a:rPr lang="en-US" altLang="zh-CN" sz="1000" dirty="0" smtClean="0">
+                <a:solidFill>
+                  <a:srgbClr val="FF0000"/>
+                </a:solidFill>
+              </a:rPr>
+              <a:t>'] = '</a:t>
+            </a:r>
+            <a:r>
+              <a:rPr lang="en-US" altLang="zh-CN" sz="1000" dirty="0" err="1" smtClean="0">
+                <a:solidFill>
+                  <a:srgbClr val="FF0000"/>
+                </a:solidFill>
+              </a:rPr>
+              <a:t>MMdd</a:t>
+            </a:r>
+            <a:r>
+              <a:rPr lang="en-US" altLang="zh-CN" sz="1000" dirty="0" smtClean="0">
+                <a:solidFill>
+                  <a:srgbClr val="FF0000"/>
+                </a:solidFill>
+              </a:rPr>
+              <a:t>'; //</a:t>
             </a:r>
             <a:r>
               <a:rPr lang="zh-CN" altLang="en-US" sz="1000" dirty="0" smtClean="0">
                 <a:solidFill>
-                  <a:schemeClr val="tx1">
-                    <a:lumMod val="50000"/>
-                    <a:lumOff val="50000"/>
-                  </a:schemeClr>
-                </a:solidFill>
-              </a:rPr>
-              <a:t>每个主库存放在哪个</a:t>
+                  <a:srgbClr val="FF0000"/>
+                </a:solidFill>
+              </a:rPr>
+              <a:t>按时间分表 </a:t>
+            </a:r>
+            <a:r>
+              <a:rPr lang="en-US" altLang="zh-CN" sz="1000" dirty="0" err="1" smtClean="0">
+                <a:solidFill>
+                  <a:srgbClr val="FF0000"/>
+                </a:solidFill>
+              </a:rPr>
+              <a:t>yyyyMMdd</a:t>
             </a:r>
             <a:r>
               <a:rPr lang="en-US" altLang="zh-CN" sz="1000" dirty="0" smtClean="0">
                 <a:solidFill>
-                  <a:schemeClr val="tx1">
-                    <a:lumMod val="50000"/>
-                    <a:lumOff val="50000"/>
-                  </a:schemeClr>
-                </a:solidFill>
-              </a:rPr>
-              <a:t>host</a:t>
-            </a:r>
-          </a:p>
-          <a:p>
+                  <a:srgbClr val="FF0000"/>
+                </a:solidFill>
+              </a:rPr>
+              <a:t>(20140806) || </a:t>
+            </a:r>
+            <a:r>
+              <a:rPr lang="en-US" altLang="zh-CN" sz="1000" dirty="0" err="1" smtClean="0">
+                <a:solidFill>
+                  <a:srgbClr val="FF0000"/>
+                </a:solidFill>
+              </a:rPr>
+              <a:t>yyyyMM</a:t>
+            </a:r>
+            <a:r>
+              <a:rPr lang="en-US" altLang="zh-CN" sz="1000" dirty="0" smtClean="0">
+                <a:solidFill>
+                  <a:srgbClr val="FF0000"/>
+                </a:solidFill>
+              </a:rPr>
+              <a:t>(201408) || </a:t>
+            </a:r>
+            <a:r>
+              <a:rPr lang="en-US" altLang="zh-CN" sz="1000" dirty="0" err="1" smtClean="0">
+                <a:solidFill>
+                  <a:srgbClr val="FF0000"/>
+                </a:solidFill>
+              </a:rPr>
+              <a:t>yyyy</a:t>
+            </a:r>
+            <a:r>
+              <a:rPr lang="en-US" altLang="zh-CN" sz="1000" dirty="0" smtClean="0">
+                <a:solidFill>
+                  <a:srgbClr val="FF0000"/>
+                </a:solidFill>
+              </a:rPr>
+              <a:t>(2014) ||</a:t>
+            </a:r>
+            <a:r>
+              <a:rPr lang="en-US" altLang="zh-CN" sz="1000" dirty="0" err="1" smtClean="0">
+                <a:solidFill>
+                  <a:srgbClr val="FF0000"/>
+                </a:solidFill>
+              </a:rPr>
+              <a:t>dd</a:t>
+            </a:r>
+            <a:r>
+              <a:rPr lang="en-US" altLang="zh-CN" sz="1000" dirty="0" smtClean="0">
+                <a:solidFill>
+                  <a:srgbClr val="FF0000"/>
+                </a:solidFill>
+              </a:rPr>
+              <a:t>(</a:t>
+            </a:r>
+            <a:r>
+              <a:rPr lang="zh-CN" altLang="en-US" sz="1000" dirty="0" smtClean="0">
+                <a:solidFill>
+                  <a:srgbClr val="FF0000"/>
+                </a:solidFill>
+              </a:rPr>
+              <a:t>天</a:t>
+            </a:r>
+            <a:r>
+              <a:rPr lang="en-US" altLang="zh-CN" sz="1000" dirty="0" smtClean="0">
+                <a:solidFill>
+                  <a:srgbClr val="FF0000"/>
+                </a:solidFill>
+              </a:rPr>
+              <a:t>:0...31) ||MM(</a:t>
+            </a:r>
+            <a:r>
+              <a:rPr lang="zh-CN" altLang="en-US" sz="1000" dirty="0" smtClean="0">
+                <a:solidFill>
+                  <a:srgbClr val="FF0000"/>
+                </a:solidFill>
+              </a:rPr>
+              <a:t>月</a:t>
+            </a:r>
+            <a:r>
+              <a:rPr lang="en-US" altLang="zh-CN" sz="1000" dirty="0" smtClean="0">
+                <a:solidFill>
+                  <a:srgbClr val="FF0000"/>
+                </a:solidFill>
+              </a:rPr>
+              <a:t>1...12) ||</a:t>
+            </a:r>
+            <a:r>
+              <a:rPr lang="en-US" altLang="zh-CN" sz="1000" dirty="0" err="1" smtClean="0">
+                <a:solidFill>
+                  <a:srgbClr val="FF0000"/>
+                </a:solidFill>
+              </a:rPr>
+              <a:t>MMdd</a:t>
+            </a:r>
+            <a:r>
+              <a:rPr lang="en-US" altLang="zh-CN" sz="1000" dirty="0" smtClean="0">
+                <a:solidFill>
+                  <a:srgbClr val="FF0000"/>
+                </a:solidFill>
+              </a:rPr>
+              <a:t>(</a:t>
+            </a:r>
+            <a:r>
+              <a:rPr lang="zh-CN" altLang="en-US" sz="1000" dirty="0" smtClean="0">
+                <a:solidFill>
+                  <a:srgbClr val="FF0000"/>
+                </a:solidFill>
+              </a:rPr>
+              <a:t>月日</a:t>
+            </a:r>
+            <a:r>
+              <a:rPr lang="en-US" altLang="zh-CN" sz="1000" dirty="0" smtClean="0">
+                <a:solidFill>
+                  <a:srgbClr val="FF0000"/>
+                </a:solidFill>
+              </a:rPr>
+              <a:t>)||w(</a:t>
+            </a:r>
+            <a:r>
+              <a:rPr lang="zh-CN" altLang="en-US" sz="1000" dirty="0" smtClean="0">
+                <a:solidFill>
+                  <a:srgbClr val="FF0000"/>
+                </a:solidFill>
+              </a:rPr>
+              <a:t>星期日</a:t>
+            </a:r>
+            <a:r>
+              <a:rPr lang="en-US" altLang="zh-CN" sz="1000" dirty="0" smtClean="0">
+                <a:solidFill>
+                  <a:srgbClr val="FF0000"/>
+                </a:solidFill>
+              </a:rPr>
+              <a:t>:0,</a:t>
+            </a:r>
+            <a:r>
+              <a:rPr lang="zh-CN" altLang="en-US" sz="1000" dirty="0" smtClean="0">
+                <a:solidFill>
+                  <a:srgbClr val="FF0000"/>
+                </a:solidFill>
+              </a:rPr>
+              <a:t>星期一</a:t>
+            </a:r>
+            <a:r>
+              <a:rPr lang="en-US" altLang="zh-CN" sz="1000" dirty="0" smtClean="0">
+                <a:solidFill>
+                  <a:srgbClr val="FF0000"/>
+                </a:solidFill>
+              </a:rPr>
+              <a:t>:1...);</a:t>
+            </a:r>
             <a:endParaRPr lang="en-US" altLang="zh-CN" sz="1000" dirty="0" smtClean="0">
               <a:solidFill>
                 <a:schemeClr val="tx1">
@@ -12126,6 +11727,380 @@
                   </a:schemeClr>
                 </a:solidFill>
               </a:rPr>
+              <a:t>master_multiple_dbs</a:t>
+            </a:r>
+            <a:r>
+              <a:rPr lang="en-US" altLang="zh-CN" sz="1000" dirty="0" smtClean="0">
+                <a:solidFill>
+                  <a:schemeClr val="tx1">
+                    <a:lumMod val="50000"/>
+                    <a:lumOff val="50000"/>
+                  </a:schemeClr>
+                </a:solidFill>
+              </a:rPr>
+              <a:t> = array();</a:t>
+            </a:r>
+          </a:p>
+          <a:p>
+            <a:r>
+              <a:rPr lang="en-US" altLang="zh-CN" sz="1000" dirty="0" smtClean="0">
+                <a:solidFill>
+                  <a:schemeClr val="tx1">
+                    <a:lumMod val="50000"/>
+                    <a:lumOff val="50000"/>
+                  </a:schemeClr>
+                </a:solidFill>
+              </a:rPr>
+              <a:t>$</a:t>
+            </a:r>
+            <a:r>
+              <a:rPr lang="en-US" altLang="zh-CN" sz="1000" dirty="0" err="1" smtClean="0">
+                <a:solidFill>
+                  <a:schemeClr val="tx1">
+                    <a:lumMod val="50000"/>
+                    <a:lumOff val="50000"/>
+                  </a:schemeClr>
+                </a:solidFill>
+              </a:rPr>
+              <a:t>master_multiple_dbs</a:t>
+            </a:r>
+            <a:r>
+              <a:rPr lang="en-US" altLang="zh-CN" sz="1000" dirty="0" smtClean="0">
+                <a:solidFill>
+                  <a:schemeClr val="tx1">
+                    <a:lumMod val="50000"/>
+                    <a:lumOff val="50000"/>
+                  </a:schemeClr>
+                </a:solidFill>
+              </a:rPr>
+              <a:t>['sc_refund_0000'] = DB_HOST; //key</a:t>
+            </a:r>
+            <a:r>
+              <a:rPr lang="zh-CN" altLang="en-US" sz="1000" dirty="0" smtClean="0">
+                <a:solidFill>
+                  <a:schemeClr val="tx1">
+                    <a:lumMod val="50000"/>
+                    <a:lumOff val="50000"/>
+                  </a:schemeClr>
+                </a:solidFill>
+              </a:rPr>
+              <a:t>为数据库名，</a:t>
+            </a:r>
+            <a:r>
+              <a:rPr lang="en-US" altLang="zh-CN" sz="1000" dirty="0" smtClean="0">
+                <a:solidFill>
+                  <a:schemeClr val="tx1">
+                    <a:lumMod val="50000"/>
+                    <a:lumOff val="50000"/>
+                  </a:schemeClr>
+                </a:solidFill>
+              </a:rPr>
+              <a:t>value</a:t>
+            </a:r>
+            <a:r>
+              <a:rPr lang="zh-CN" altLang="en-US" sz="1000" dirty="0" smtClean="0">
+                <a:solidFill>
+                  <a:schemeClr val="tx1">
+                    <a:lumMod val="50000"/>
+                    <a:lumOff val="50000"/>
+                  </a:schemeClr>
+                </a:solidFill>
+              </a:rPr>
+              <a:t>为数据库所在的</a:t>
+            </a:r>
+            <a:r>
+              <a:rPr lang="en-US" altLang="zh-CN" sz="1000" dirty="0" smtClean="0">
+                <a:solidFill>
+                  <a:schemeClr val="tx1">
+                    <a:lumMod val="50000"/>
+                    <a:lumOff val="50000"/>
+                  </a:schemeClr>
+                </a:solidFill>
+              </a:rPr>
+              <a:t>host</a:t>
+            </a:r>
+            <a:r>
+              <a:rPr lang="zh-CN" altLang="en-US" sz="1000" dirty="0" smtClean="0">
+                <a:solidFill>
+                  <a:schemeClr val="tx1">
+                    <a:lumMod val="50000"/>
+                    <a:lumOff val="50000"/>
+                  </a:schemeClr>
+                </a:solidFill>
+              </a:rPr>
+              <a:t>，此</a:t>
+            </a:r>
+            <a:r>
+              <a:rPr lang="en-US" altLang="zh-CN" sz="1000" dirty="0" smtClean="0">
+                <a:solidFill>
+                  <a:schemeClr val="tx1">
+                    <a:lumMod val="50000"/>
+                    <a:lumOff val="50000"/>
+                  </a:schemeClr>
+                </a:solidFill>
+              </a:rPr>
+              <a:t>value</a:t>
+            </a:r>
+            <a:r>
+              <a:rPr lang="zh-CN" altLang="en-US" sz="1000" dirty="0" smtClean="0">
+                <a:solidFill>
+                  <a:schemeClr val="tx1">
+                    <a:lumMod val="50000"/>
+                    <a:lumOff val="50000"/>
+                  </a:schemeClr>
+                </a:solidFill>
+              </a:rPr>
+              <a:t>只能配置一个</a:t>
+            </a:r>
+            <a:r>
+              <a:rPr lang="en-US" altLang="zh-CN" sz="1000" dirty="0" smtClean="0">
+                <a:solidFill>
+                  <a:schemeClr val="tx1">
+                    <a:lumMod val="50000"/>
+                    <a:lumOff val="50000"/>
+                  </a:schemeClr>
+                </a:solidFill>
+              </a:rPr>
+              <a:t>IP</a:t>
+            </a:r>
+          </a:p>
+          <a:p>
+            <a:r>
+              <a:rPr lang="en-US" altLang="zh-CN" sz="1000" dirty="0" smtClean="0">
+                <a:solidFill>
+                  <a:schemeClr val="tx1">
+                    <a:lumMod val="50000"/>
+                    <a:lumOff val="50000"/>
+                  </a:schemeClr>
+                </a:solidFill>
+              </a:rPr>
+              <a:t>$</a:t>
+            </a:r>
+            <a:r>
+              <a:rPr lang="en-US" altLang="zh-CN" sz="1000" dirty="0" err="1" smtClean="0">
+                <a:solidFill>
+                  <a:schemeClr val="tx1">
+                    <a:lumMod val="50000"/>
+                    <a:lumOff val="50000"/>
+                  </a:schemeClr>
+                </a:solidFill>
+              </a:rPr>
+              <a:t>master_multiple_dbs</a:t>
+            </a:r>
+            <a:r>
+              <a:rPr lang="en-US" altLang="zh-CN" sz="1000" dirty="0" smtClean="0">
+                <a:solidFill>
+                  <a:schemeClr val="tx1">
+                    <a:lumMod val="50000"/>
+                    <a:lumOff val="50000"/>
+                  </a:schemeClr>
+                </a:solidFill>
+              </a:rPr>
+              <a:t>['sc_refund_0001'] = DB_HOST;</a:t>
+            </a:r>
+          </a:p>
+          <a:p>
+            <a:r>
+              <a:rPr lang="en-US" altLang="zh-CN" sz="1000" dirty="0" smtClean="0">
+                <a:solidFill>
+                  <a:schemeClr val="tx1">
+                    <a:lumMod val="50000"/>
+                    <a:lumOff val="50000"/>
+                  </a:schemeClr>
+                </a:solidFill>
+              </a:rPr>
+              <a:t>$</a:t>
+            </a:r>
+            <a:r>
+              <a:rPr lang="en-US" altLang="zh-CN" sz="1000" dirty="0" err="1" smtClean="0">
+                <a:solidFill>
+                  <a:schemeClr val="tx1">
+                    <a:lumMod val="50000"/>
+                    <a:lumOff val="50000"/>
+                  </a:schemeClr>
+                </a:solidFill>
+              </a:rPr>
+              <a:t>master_multiple_dbs</a:t>
+            </a:r>
+            <a:r>
+              <a:rPr lang="en-US" altLang="zh-CN" sz="1000" dirty="0" smtClean="0">
+                <a:solidFill>
+                  <a:schemeClr val="tx1">
+                    <a:lumMod val="50000"/>
+                    <a:lumOff val="50000"/>
+                  </a:schemeClr>
+                </a:solidFill>
+              </a:rPr>
+              <a:t>['sc_refund_0002'] = DB_HOST;</a:t>
+            </a:r>
+          </a:p>
+          <a:p>
+            <a:r>
+              <a:rPr lang="en-US" altLang="zh-CN" sz="1000" dirty="0" smtClean="0">
+                <a:solidFill>
+                  <a:schemeClr val="tx1">
+                    <a:lumMod val="50000"/>
+                    <a:lumOff val="50000"/>
+                  </a:schemeClr>
+                </a:solidFill>
+              </a:rPr>
+              <a:t>$</a:t>
+            </a:r>
+            <a:r>
+              <a:rPr lang="en-US" altLang="zh-CN" sz="1000" dirty="0" err="1" smtClean="0">
+                <a:solidFill>
+                  <a:schemeClr val="tx1">
+                    <a:lumMod val="50000"/>
+                    <a:lumOff val="50000"/>
+                  </a:schemeClr>
+                </a:solidFill>
+              </a:rPr>
+              <a:t>master_multiple_dbs</a:t>
+            </a:r>
+            <a:r>
+              <a:rPr lang="en-US" altLang="zh-CN" sz="1000" dirty="0" smtClean="0">
+                <a:solidFill>
+                  <a:schemeClr val="tx1">
+                    <a:lumMod val="50000"/>
+                    <a:lumOff val="50000"/>
+                  </a:schemeClr>
+                </a:solidFill>
+              </a:rPr>
+              <a:t>['sc_refund_0003'] = DB_HOST;</a:t>
+            </a:r>
+          </a:p>
+          <a:p>
+            <a:r>
+              <a:rPr lang="en-US" altLang="zh-CN" sz="1000" dirty="0" smtClean="0">
+                <a:solidFill>
+                  <a:schemeClr val="tx1">
+                    <a:lumMod val="50000"/>
+                    <a:lumOff val="50000"/>
+                  </a:schemeClr>
+                </a:solidFill>
+              </a:rPr>
+              <a:t>$</a:t>
+            </a:r>
+            <a:r>
+              <a:rPr lang="en-US" altLang="zh-CN" sz="1000" dirty="0" err="1" smtClean="0">
+                <a:solidFill>
+                  <a:schemeClr val="tx1">
+                    <a:lumMod val="50000"/>
+                    <a:lumOff val="50000"/>
+                  </a:schemeClr>
+                </a:solidFill>
+              </a:rPr>
+              <a:t>multiple_config</a:t>
+            </a:r>
+            <a:r>
+              <a:rPr lang="en-US" altLang="zh-CN" sz="1000" dirty="0" smtClean="0">
+                <a:solidFill>
+                  <a:schemeClr val="tx1">
+                    <a:lumMod val="50000"/>
+                    <a:lumOff val="50000"/>
+                  </a:schemeClr>
+                </a:solidFill>
+              </a:rPr>
+              <a:t>['</a:t>
+            </a:r>
+            <a:r>
+              <a:rPr lang="en-US" altLang="zh-CN" sz="1000" dirty="0" err="1" smtClean="0">
+                <a:solidFill>
+                  <a:schemeClr val="tx1">
+                    <a:lumMod val="50000"/>
+                    <a:lumOff val="50000"/>
+                  </a:schemeClr>
+                </a:solidFill>
+              </a:rPr>
+              <a:t>db_hosts</a:t>
+            </a:r>
+            <a:r>
+              <a:rPr lang="en-US" altLang="zh-CN" sz="1000" dirty="0" smtClean="0">
+                <a:solidFill>
+                  <a:schemeClr val="tx1">
+                    <a:lumMod val="50000"/>
+                    <a:lumOff val="50000"/>
+                  </a:schemeClr>
+                </a:solidFill>
+              </a:rPr>
+              <a:t>'] = $</a:t>
+            </a:r>
+            <a:r>
+              <a:rPr lang="en-US" altLang="zh-CN" sz="1000" dirty="0" err="1" smtClean="0">
+                <a:solidFill>
+                  <a:schemeClr val="tx1">
+                    <a:lumMod val="50000"/>
+                    <a:lumOff val="50000"/>
+                  </a:schemeClr>
+                </a:solidFill>
+              </a:rPr>
+              <a:t>master_multiple_dbs</a:t>
+            </a:r>
+            <a:r>
+              <a:rPr lang="en-US" altLang="zh-CN" sz="1000" dirty="0" smtClean="0">
+                <a:solidFill>
+                  <a:schemeClr val="tx1">
+                    <a:lumMod val="50000"/>
+                    <a:lumOff val="50000"/>
+                  </a:schemeClr>
+                </a:solidFill>
+              </a:rPr>
+              <a:t>; //</a:t>
+            </a:r>
+            <a:r>
+              <a:rPr lang="zh-CN" altLang="en-US" sz="1000" dirty="0" smtClean="0">
+                <a:solidFill>
+                  <a:schemeClr val="tx1">
+                    <a:lumMod val="50000"/>
+                    <a:lumOff val="50000"/>
+                  </a:schemeClr>
+                </a:solidFill>
+              </a:rPr>
+              <a:t>每个主库存放在哪个</a:t>
+            </a:r>
+            <a:r>
+              <a:rPr lang="en-US" altLang="zh-CN" sz="1000" dirty="0" smtClean="0">
+                <a:solidFill>
+                  <a:schemeClr val="tx1">
+                    <a:lumMod val="50000"/>
+                    <a:lumOff val="50000"/>
+                  </a:schemeClr>
+                </a:solidFill>
+              </a:rPr>
+              <a:t>host</a:t>
+            </a:r>
+          </a:p>
+          <a:p>
+            <a:endParaRPr lang="en-US" altLang="zh-CN" sz="1000" dirty="0" smtClean="0">
+              <a:solidFill>
+                <a:schemeClr val="tx1">
+                  <a:lumMod val="50000"/>
+                  <a:lumOff val="50000"/>
+                </a:schemeClr>
+              </a:solidFill>
+            </a:endParaRPr>
+          </a:p>
+          <a:p>
+            <a:r>
+              <a:rPr lang="en-US" altLang="zh-CN" sz="1000" dirty="0" smtClean="0">
+                <a:solidFill>
+                  <a:schemeClr val="tx1">
+                    <a:lumMod val="50000"/>
+                    <a:lumOff val="50000"/>
+                  </a:schemeClr>
+                </a:solidFill>
+              </a:rPr>
+              <a:t>$</a:t>
+            </a:r>
+            <a:r>
+              <a:rPr lang="en-US" altLang="zh-CN" sz="1000" dirty="0" err="1" smtClean="0">
+                <a:solidFill>
+                  <a:schemeClr val="tx1">
+                    <a:lumMod val="50000"/>
+                    <a:lumOff val="50000"/>
+                  </a:schemeClr>
+                </a:solidFill>
+              </a:rPr>
               <a:t>slave_multiple_dbs</a:t>
             </a:r>
             <a:r>
@@ -12561,7 +12536,7 @@
     </p:spTree>
     <p:extLst>
       <p:ext uri="{BB962C8B-B14F-4D97-AF65-F5344CB8AC3E}">
-        <p14:creationId xmlns="" xmlns:p14="http://schemas.microsoft.com/office/powerpoint/2010/main" val="3169500795"/>
+        <p14:creationId xmlns:p14="http://schemas.microsoft.com/office/powerpoint/2010/main" xmlns="" val="3169500795"/>
       </p:ext>
     </p:extLst>
   </p:cSld>
@@ -12796,7 +12771,7 @@
     </p:spTree>
     <p:extLst>
       <p:ext uri="{BB962C8B-B14F-4D97-AF65-F5344CB8AC3E}">
-        <p14:creationId xmlns="" xmlns:p14="http://schemas.microsoft.com/office/powerpoint/2010/main" val="1958214690"/>
+        <p14:creationId xmlns:p14="http://schemas.microsoft.com/office/powerpoint/2010/main" xmlns="" val="1958214690"/>
       </p:ext>
     </p:extLst>
   </p:cSld>
@@ -13165,7 +13140,7 @@
     </p:spTree>
     <p:extLst>
       <p:ext uri="{BB962C8B-B14F-4D97-AF65-F5344CB8AC3E}">
-        <p14:creationId xmlns="" xmlns:p14="http://schemas.microsoft.com/office/powerpoint/2010/main" val="133945072"/>
+        <p14:creationId xmlns:p14="http://schemas.microsoft.com/office/powerpoint/2010/main" xmlns="" val="133945072"/>
       </p:ext>
     </p:extLst>
   </p:cSld>
@@ -13593,7 +13568,7 @@
     </p:spTree>
     <p:extLst>
       <p:ext uri="{BB962C8B-B14F-4D97-AF65-F5344CB8AC3E}">
-        <p14:creationId xmlns="" xmlns:p14="http://schemas.microsoft.com/office/powerpoint/2010/main" val="1412449207"/>
+        <p14:creationId xmlns:p14="http://schemas.microsoft.com/office/powerpoint/2010/main" xmlns="" val="1412449207"/>
       </p:ext>
     </p:extLst>
   </p:cSld>
@@ -14716,7 +14691,7 @@
     </p:spTree>
     <p:extLst>
       <p:ext uri="{BB962C8B-B14F-4D97-AF65-F5344CB8AC3E}">
-        <p14:creationId xmlns="" xmlns:p14="http://schemas.microsoft.com/office/powerpoint/2010/main" val="3883059547"/>
+        <p14:creationId xmlns:p14="http://schemas.microsoft.com/office/powerpoint/2010/main" xmlns="" val="3883059547"/>
       </p:ext>
     </p:extLst>
   </p:cSld>
@@ -15064,7 +15039,7 @@
     </p:spTree>
     <p:extLst>
       <p:ext uri="{BB962C8B-B14F-4D97-AF65-F5344CB8AC3E}">
-        <p14:creationId xmlns="" xmlns:p14="http://schemas.microsoft.com/office/powerpoint/2010/main" val="3212400982"/>
+        <p14:creationId xmlns:p14="http://schemas.microsoft.com/office/powerpoint/2010/main" xmlns="" val="3212400982"/>
       </p:ext>
     </p:extLst>
   </p:cSld>
@@ -15210,7 +15185,7 @@
           <a:blip r:embed="rId2">
             <a:extLst>
               <a:ext uri="{28A0092B-C50C-407E-A947-70E740481C1C}">
-                <a14:useLocalDpi xmlns="" xmlns:a14="http://schemas.microsoft.com/office/drawing/2010/main" val="0"/>
+                <a14:useLocalDpi xmlns:a14="http://schemas.microsoft.com/office/drawing/2010/main" xmlns="" val="0"/>
               </a:ext>
             </a:extLst>
           </a:blip>
@@ -15233,14 +15208,14 @@
           </a:ln>
           <a:extLst>
             <a:ext uri="{909E8E84-426E-40DD-AFC4-6F175D3DCCD1}">
-              <a14:hiddenFill xmlns="" xmlns:a14="http://schemas.microsoft.com/office/drawing/2010/main">
+              <a14:hiddenFill xmlns:a14="http://schemas.microsoft.com/office/drawing/2010/main" xmlns="">
                 <a:solidFill>
                   <a:schemeClr val="accent1"/>
                 </a:solidFill>
               </a14:hiddenFill>
             </a:ext>
             <a:ext uri="{91240B29-F687-4F45-9708-019B960494DF}">
-              <a14:hiddenLine xmlns="" xmlns:a14="http://schemas.microsoft.com/office/drawing/2010/main" w="9525">
+              <a14:hiddenLine xmlns:a14="http://schemas.microsoft.com/office/drawing/2010/main" xmlns="" w="9525">
                 <a:solidFill>
                   <a:schemeClr val="tx1"/>
                 </a:solidFill>
@@ -15255,7 +15230,7 @@
     </p:spTree>
     <p:extLst>
       <p:ext uri="{BB962C8B-B14F-4D97-AF65-F5344CB8AC3E}">
-        <p14:creationId xmlns="" xmlns:p14="http://schemas.microsoft.com/office/powerpoint/2010/main" val="2993230041"/>
+        <p14:creationId xmlns:p14="http://schemas.microsoft.com/office/powerpoint/2010/main" xmlns="" val="2993230041"/>
       </p:ext>
     </p:extLst>
   </p:cSld>
@@ -15751,7 +15726,7 @@
     </p:spTree>
     <p:extLst>
       <p:ext uri="{BB962C8B-B14F-4D97-AF65-F5344CB8AC3E}">
-        <p14:creationId xmlns="" xmlns:p14="http://schemas.microsoft.com/office/powerpoint/2010/main" val="2605531641"/>
+        <p14:creationId xmlns:p14="http://schemas.microsoft.com/office/powerpoint/2010/main" xmlns="" val="2605531641"/>
       </p:ext>
     </p:extLst>
   </p:cSld>
@@ -16424,7 +16399,7 @@
     </p:spTree>
     <p:extLst>
       <p:ext uri="{BB962C8B-B14F-4D97-AF65-F5344CB8AC3E}">
-        <p14:creationId xmlns="" xmlns:p14="http://schemas.microsoft.com/office/powerpoint/2010/main" val="2177331897"/>
+        <p14:creationId xmlns:p14="http://schemas.microsoft.com/office/powerpoint/2010/main" xmlns="" val="2177331897"/>
       </p:ext>
     </p:extLst>
   </p:cSld>
@@ -17333,7 +17308,7 @@
     </p:spTree>
     <p:extLst>
       <p:ext uri="{BB962C8B-B14F-4D97-AF65-F5344CB8AC3E}">
-        <p14:creationId xmlns="" xmlns:p14="http://schemas.microsoft.com/office/powerpoint/2010/main" val="1525641461"/>
+        <p14:creationId xmlns:p14="http://schemas.microsoft.com/office/powerpoint/2010/main" xmlns="" val="1525641461"/>
       </p:ext>
     </p:extLst>
   </p:cSld>
@@ -17853,7 +17828,7 @@
     </p:spTree>
     <p:extLst>
       <p:ext uri="{BB962C8B-B14F-4D97-AF65-F5344CB8AC3E}">
-        <p14:creationId xmlns="" xmlns:p14="http://schemas.microsoft.com/office/powerpoint/2010/main" val="3216380885"/>
+        <p14:creationId xmlns:p14="http://schemas.microsoft.com/office/powerpoint/2010/main" xmlns="" val="3216380885"/>
       </p:ext>
     </p:extLst>
   </p:cSld>
@@ -17994,7 +17969,7 @@
     </p:spTree>
     <p:extLst>
       <p:ext uri="{BB962C8B-B14F-4D97-AF65-F5344CB8AC3E}">
-        <p14:creationId xmlns="" xmlns:p14="http://schemas.microsoft.com/office/powerpoint/2010/main" val="609639103"/>
+        <p14:creationId xmlns:p14="http://schemas.microsoft.com/office/powerpoint/2010/main" xmlns="" val="609639103"/>
       </p:ext>
     </p:extLst>
   </p:cSld>
@@ -18135,7 +18110,7 @@
     </p:spTree>
     <p:extLst>
       <p:ext uri="{BB962C8B-B14F-4D97-AF65-F5344CB8AC3E}">
-        <p14:creationId xmlns="" xmlns:p14="http://schemas.microsoft.com/office/powerpoint/2010/main" val="3045525435"/>
+        <p14:creationId xmlns:p14="http://schemas.microsoft.com/office/powerpoint/2010/main" xmlns="" val="3045525435"/>
       </p:ext>
     </p:extLst>
   </p:cSld>
@@ -18551,7 +18526,7 @@
     </p:spTree>
     <p:extLst>
       <p:ext uri="{BB962C8B-B14F-4D97-AF65-F5344CB8AC3E}">
-        <p14:creationId xmlns="" xmlns:p14="http://schemas.microsoft.com/office/powerpoint/2010/main" val="1219835459"/>
+        <p14:creationId xmlns:p14="http://schemas.microsoft.com/office/powerpoint/2010/main" xmlns="" val="1219835459"/>
       </p:ext>
     </p:extLst>
   </p:cSld>
@@ -19755,7 +19730,7 @@
     </p:spTree>
     <p:extLst>
       <p:ext uri="{BB962C8B-B14F-4D97-AF65-F5344CB8AC3E}">
-        <p14:creationId xmlns="" xmlns:p14="http://schemas.microsoft.com/office/powerpoint/2010/main" val="3964519220"/>
+        <p14:creationId xmlns:p14="http://schemas.microsoft.com/office/powerpoint/2010/main" xmlns="" val="3964519220"/>
       </p:ext>
     </p:extLst>
   </p:cSld>
@@ -19849,7 +19824,7 @@
           <a:blip r:embed="rId3">
             <a:extLst>
               <a:ext uri="{28A0092B-C50C-407E-A947-70E740481C1C}">
-                <a14:useLocalDpi xmlns="" xmlns:a14="http://schemas.microsoft.com/office/drawing/2010/main" val="0"/>
+                <a14:useLocalDpi xmlns:a14="http://schemas.microsoft.com/office/drawing/2010/main" xmlns="" val="0"/>
               </a:ext>
             </a:extLst>
           </a:blip>
@@ -19881,7 +19856,7 @@
           </a:effectLst>
           <a:extLst>
             <a:ext uri="{91240B29-F687-4F45-9708-019B960494DF}">
-              <a14:hiddenLine xmlns="" xmlns:a14="http://schemas.microsoft.com/office/drawing/2010/main" w="9525">
+              <a14:hiddenLine xmlns:a14="http://schemas.microsoft.com/office/drawing/2010/main" xmlns="" w="9525">
                 <a:solidFill>
                   <a:schemeClr val="tx1"/>
                 </a:solidFill>
@@ -19891,7 +19866,7 @@
               </a14:hiddenLine>
             </a:ext>
             <a:ext uri="{AF507438-7753-43E0-B8FC-AC1667EBCBE1}">
-              <a14:hiddenEffects xmlns="" xmlns:a14="http://schemas.microsoft.com/office/drawing/2010/main">
+              <a14:hiddenEffects xmlns:a14="http://schemas.microsoft.com/office/drawing/2010/main" xmlns="">
                 <a:effectLst>
                   <a:outerShdw dist="35921" dir="2700000" algn="ctr" rotWithShape="0">
                     <a:schemeClr val="bg2"/>
@@ -20052,7 +20027,7 @@
     </p:spTree>
     <p:extLst>
       <p:ext uri="{BB962C8B-B14F-4D97-AF65-F5344CB8AC3E}">
-        <p14:creationId xmlns="" xmlns:p14="http://schemas.microsoft.com/office/powerpoint/2010/main" val="3433650931"/>
+        <p14:creationId xmlns:p14="http://schemas.microsoft.com/office/powerpoint/2010/main" xmlns="" val="3433650931"/>
       </p:ext>
     </p:extLst>
   </p:cSld>
@@ -20248,7 +20223,7 @@
     </p:spTree>
     <p:extLst>
       <p:ext uri="{BB962C8B-B14F-4D97-AF65-F5344CB8AC3E}">
-        <p14:creationId xmlns="" xmlns:p14="http://schemas.microsoft.com/office/powerpoint/2010/main" val="3477942188"/>
+        <p14:creationId xmlns:p14="http://schemas.microsoft.com/office/powerpoint/2010/main" xmlns="" val="3477942188"/>
       </p:ext>
     </p:extLst>
   </p:cSld>
@@ -20517,7 +20492,7 @@
     </p:spTree>
     <p:extLst>
       <p:ext uri="{BB962C8B-B14F-4D97-AF65-F5344CB8AC3E}">
-        <p14:creationId xmlns="" xmlns:p14="http://schemas.microsoft.com/office/powerpoint/2010/main" val="3945895666"/>
+        <p14:creationId xmlns:p14="http://schemas.microsoft.com/office/powerpoint/2010/main" xmlns="" val="3945895666"/>
       </p:ext>
     </p:extLst>
   </p:cSld>
@@ -20858,7 +20833,7 @@
     </p:spTree>
     <p:extLst>
       <p:ext uri="{BB962C8B-B14F-4D97-AF65-F5344CB8AC3E}">
-        <p14:creationId xmlns="" xmlns:p14="http://schemas.microsoft.com/office/powerpoint/2010/main" val="3243899027"/>
+        <p14:creationId xmlns:p14="http://schemas.microsoft.com/office/powerpoint/2010/main" xmlns="" val="3243899027"/>
       </p:ext>
     </p:extLst>
   </p:cSld>
@@ -21300,7 +21275,7 @@
     </p:spTree>
     <p:extLst>
       <p:ext uri="{BB962C8B-B14F-4D97-AF65-F5344CB8AC3E}">
-        <p14:creationId xmlns="" xmlns:p14="http://schemas.microsoft.com/office/powerpoint/2010/main" val="3148980491"/>
+        <p14:creationId xmlns:p14="http://schemas.microsoft.com/office/powerpoint/2010/main" xmlns="" val="3148980491"/>
       </p:ext>
     </p:extLst>
   </p:cSld>

--- a/dbroute.pptx
+++ b/dbroute.pptx
@@ -252,7 +252,7 @@
             <a:fld id="{1C322183-02A2-4B29-8FC7-57DEF057D6A5}" type="datetimeFigureOut">
               <a:rPr lang="zh-CN" altLang="en-US" smtClean="0"/>
               <a:pPr/>
-              <a:t>2014/8/29</a:t>
+              <a:t>2014/9/1</a:t>
             </a:fld>
             <a:endParaRPr lang="zh-CN" altLang="en-US"/>
           </a:p>
@@ -983,7 +983,7 @@
             <a:fld id="{216C5678-EE20-4FA5-88E2-6E0BD67A2E26}" type="datetime1">
               <a:rPr lang="en-US" smtClean="0"/>
               <a:pPr/>
-              <a:t>8/29/2014</a:t>
+              <a:t>9/1/2014</a:t>
             </a:fld>
             <a:endParaRPr lang="en-US" dirty="0"/>
           </a:p>
@@ -1154,7 +1154,7 @@
             <a:fld id="{EA051B39-B140-43FE-96DB-472A2B59CE7C}" type="datetime1">
               <a:rPr lang="en-US" smtClean="0"/>
               <a:pPr/>
-              <a:t>8/29/2014</a:t>
+              <a:t>9/1/2014</a:t>
             </a:fld>
             <a:endParaRPr lang="en-US"/>
           </a:p>
@@ -1335,7 +1335,7 @@
             <a:fld id="{DA600BB2-27C5-458B-ABCE-839C88CF47CE}" type="datetime1">
               <a:rPr lang="en-US" smtClean="0"/>
               <a:pPr/>
-              <a:t>8/29/2014</a:t>
+              <a:t>9/1/2014</a:t>
             </a:fld>
             <a:endParaRPr lang="en-US"/>
           </a:p>
@@ -1524,7 +1524,7 @@
             <a:fld id="{B11D738E-8962-435F-8C43-147B8DD7E819}" type="datetime1">
               <a:rPr lang="en-US" smtClean="0"/>
               <a:pPr/>
-              <a:t>8/29/2014</a:t>
+              <a:t>9/1/2014</a:t>
             </a:fld>
             <a:endParaRPr lang="en-US"/>
           </a:p>
@@ -1792,7 +1792,7 @@
             <a:fld id="{09CAEA93-55E7-4DA9-90C2-089A26EEFEC4}" type="datetime1">
               <a:rPr lang="en-US" smtClean="0"/>
               <a:pPr/>
-              <a:t>8/29/2014</a:t>
+              <a:t>9/1/2014</a:t>
             </a:fld>
             <a:endParaRPr lang="en-US"/>
           </a:p>
@@ -2146,7 +2146,7 @@
             <a:fld id="{E34CF3C7-6809-4F39-BD67-A75817BDDE0A}" type="datetime1">
               <a:rPr lang="en-US" smtClean="0"/>
               <a:pPr/>
-              <a:t>8/29/2014</a:t>
+              <a:t>9/1/2014</a:t>
             </a:fld>
             <a:endParaRPr lang="en-US"/>
           </a:p>
@@ -2460,7 +2460,7 @@
             <a:fld id="{F7EAEB24-CE78-465C-A726-91D0868FA48F}" type="datetime1">
               <a:rPr lang="en-US" smtClean="0"/>
               <a:pPr/>
-              <a:t>8/29/2014</a:t>
+              <a:t>9/1/2014</a:t>
             </a:fld>
             <a:endParaRPr lang="en-US"/>
           </a:p>
@@ -2693,7 +2693,7 @@
             <a:fld id="{40BAADF0-1749-4E8B-9691-B44A5F8C0895}" type="datetime1">
               <a:rPr lang="en-US" smtClean="0"/>
               <a:pPr/>
-              <a:t>8/29/2014</a:t>
+              <a:t>9/1/2014</a:t>
             </a:fld>
             <a:endParaRPr lang="en-US"/>
           </a:p>
@@ -2789,7 +2789,7 @@
             <a:fld id="{A8AF628A-A867-4937-BBE5-207DB6F9C51A}" type="datetime1">
               <a:rPr lang="en-US" smtClean="0"/>
               <a:pPr/>
-              <a:t>8/29/2014</a:t>
+              <a:t>9/1/2014</a:t>
             </a:fld>
             <a:endParaRPr lang="en-US"/>
           </a:p>
@@ -3083,7 +3083,7 @@
             <a:fld id="{118BBB94-68E6-4675-A946-F1C5994EDBD7}" type="datetime1">
               <a:rPr lang="en-US" smtClean="0"/>
               <a:pPr/>
-              <a:t>8/29/2014</a:t>
+              <a:t>9/1/2014</a:t>
             </a:fld>
             <a:endParaRPr lang="en-US"/>
           </a:p>
@@ -3358,7 +3358,7 @@
             <a:fld id="{DC3B8377-21E3-4835-B75D-4E2847E2750F}" type="datetime1">
               <a:rPr lang="en-US" smtClean="0"/>
               <a:pPr/>
-              <a:t>8/29/2014</a:t>
+              <a:t>9/1/2014</a:t>
             </a:fld>
             <a:endParaRPr lang="en-US"/>
           </a:p>
@@ -3574,7 +3574,7 @@
             <a:fld id="{B0C4986D-6BE9-4264-908F-02DB36FD8D6C}" type="datetime1">
               <a:rPr lang="en-US" smtClean="0"/>
               <a:pPr/>
-              <a:t>8/29/2014</a:t>
+              <a:t>9/1/2014</a:t>
             </a:fld>
             <a:endParaRPr lang="en-US" dirty="0"/>
           </a:p>
@@ -4164,7 +4164,7 @@
             <a:fld id="{216C5678-EE20-4FA5-88E2-6E0BD67A2E26}" type="datetime1">
               <a:rPr lang="en-US" smtClean="0"/>
               <a:pPr/>
-              <a:t>8/29/2014</a:t>
+              <a:t>9/1/2014</a:t>
             </a:fld>
             <a:endParaRPr lang="en-US" dirty="0"/>
           </a:p>
@@ -4514,7 +4514,7 @@
                 </a:solidFill>
               </a:rPr>
               <a:pPr/>
-              <a:t>8/29/2014</a:t>
+              <a:t>9/1/2014</a:t>
             </a:fld>
             <a:endParaRPr lang="en-US">
               <a:solidFill>
@@ -4982,7 +4982,7 @@
                 </a:solidFill>
               </a:rPr>
               <a:pPr/>
-              <a:t>8/29/2014</a:t>
+              <a:t>9/1/2014</a:t>
             </a:fld>
             <a:endParaRPr lang="en-US">
               <a:solidFill>
@@ -6151,7 +6151,7 @@
                 </a:solidFill>
               </a:rPr>
               <a:pPr/>
-              <a:t>8/29/2014</a:t>
+              <a:t>9/1/2014</a:t>
             </a:fld>
             <a:endParaRPr lang="en-US">
               <a:solidFill>
@@ -7202,7 +7202,7 @@
                 </a:solidFill>
               </a:rPr>
               <a:pPr/>
-              <a:t>8/29/2014</a:t>
+              <a:t>9/1/2014</a:t>
             </a:fld>
             <a:endParaRPr lang="en-US">
               <a:solidFill>
@@ -9012,7 +9012,7 @@
                 </a:solidFill>
               </a:rPr>
               <a:pPr/>
-              <a:t>8/29/2014</a:t>
+              <a:t>9/1/2014</a:t>
             </a:fld>
             <a:endParaRPr lang="en-US">
               <a:solidFill>
@@ -9320,7 +9320,7 @@
                 </a:solidFill>
               </a:rPr>
               <a:pPr/>
-              <a:t>8/29/2014</a:t>
+              <a:t>9/1/2014</a:t>
             </a:fld>
             <a:endParaRPr lang="en-US">
               <a:solidFill>
@@ -10138,7 +10138,7 @@
                 </a:solidFill>
               </a:rPr>
               <a:pPr/>
-              <a:t>8/29/2014</a:t>
+              <a:t>9/1/2014</a:t>
             </a:fld>
             <a:endParaRPr lang="en-US">
               <a:solidFill>
@@ -10867,7 +10867,7 @@
                 </a:solidFill>
               </a:rPr>
               <a:pPr/>
-              <a:t>8/29/2014</a:t>
+              <a:t>9/1/2014</a:t>
             </a:fld>
             <a:endParaRPr lang="en-US">
               <a:solidFill>
@@ -11098,7 +11098,7 @@
         </p:nvSpPr>
         <p:spPr>
           <a:xfrm>
-            <a:off x="251520" y="-142900"/>
+            <a:off x="251520" y="-315416"/>
             <a:ext cx="7128792" cy="764704"/>
           </a:xfrm>
           <a:prstGeom prst="rect">
@@ -11138,10 +11138,10 @@
           <a:p>
             <a:pPr algn="l"/>
             <a:r>
-              <a:rPr lang="zh-CN" altLang="en-US" sz="3200" b="1" dirty="0" smtClean="0"/>
+              <a:rPr lang="zh-CN" altLang="en-US" sz="2400" b="1" dirty="0" smtClean="0"/>
               <a:t>配置详解</a:t>
             </a:r>
-            <a:endParaRPr lang="en-US" altLang="zh-CN" sz="3200" b="1" dirty="0"/>
+            <a:endParaRPr lang="en-US" altLang="zh-CN" sz="2400" b="1" dirty="0"/>
           </a:p>
         </p:txBody>
       </p:sp>
@@ -11153,8 +11153,8 @@
         </p:nvSpPr>
         <p:spPr>
           <a:xfrm>
-            <a:off x="214282" y="500042"/>
-            <a:ext cx="8929718" cy="6709529"/>
+            <a:off x="214282" y="332656"/>
+            <a:ext cx="8929718" cy="6955750"/>
           </a:xfrm>
           <a:prstGeom prst="rect">
             <a:avLst/>
@@ -11176,63 +11176,6 @@
                   </a:schemeClr>
                 </a:solidFill>
               </a:rPr>
-              <a:t>/***************</a:t>
-            </a:r>
-            <a:r>
-              <a:rPr lang="zh-CN" altLang="en-US" sz="1000" dirty="0" smtClean="0">
-                <a:solidFill>
-                  <a:schemeClr val="tx1">
-                    <a:lumMod val="50000"/>
-                    <a:lumOff val="50000"/>
-                  </a:schemeClr>
-                </a:solidFill>
-              </a:rPr>
-              <a:t>用户退款详情库表配置</a:t>
-            </a:r>
-            <a:r>
-              <a:rPr lang="en-US" altLang="zh-CN" sz="1000" dirty="0" smtClean="0">
-                <a:solidFill>
-                  <a:schemeClr val="tx1">
-                    <a:lumMod val="50000"/>
-                    <a:lumOff val="50000"/>
-                  </a:schemeClr>
-                </a:solidFill>
-              </a:rPr>
-              <a:t>(</a:t>
-            </a:r>
-            <a:r>
-              <a:rPr lang="zh-CN" altLang="en-US" sz="1000" dirty="0" smtClean="0">
-                <a:solidFill>
-                  <a:schemeClr val="tx1">
-                    <a:lumMod val="50000"/>
-                    <a:lumOff val="50000"/>
-                  </a:schemeClr>
-                </a:solidFill>
-              </a:rPr>
-              <a:t>多库</a:t>
-            </a:r>
-            <a:r>
-              <a:rPr lang="en-US" altLang="zh-CN" sz="1000" dirty="0" smtClean="0">
-                <a:solidFill>
-                  <a:schemeClr val="tx1">
-                    <a:lumMod val="50000"/>
-                    <a:lumOff val="50000"/>
-                  </a:schemeClr>
-                </a:solidFill>
-              </a:rPr>
-              <a:t>)*************************************************************************************************/</a:t>
-            </a:r>
-          </a:p>
-          <a:p>
-            <a:r>
-              <a:rPr lang="en-US" altLang="zh-CN" sz="1000" dirty="0" smtClean="0">
-                <a:solidFill>
-                  <a:schemeClr val="tx1">
-                    <a:lumMod val="50000"/>
-                    <a:lumOff val="50000"/>
-                  </a:schemeClr>
-                </a:solidFill>
-              </a:rPr>
               <a:t>$</a:t>
             </a:r>
             <a:r>
@@ -11423,10 +11366,41 @@
                   </a:schemeClr>
                 </a:solidFill>
               </a:rPr>
-              <a:t>['port'] = DB_PORT; //db port</a:t>
-            </a:r>
-          </a:p>
-          <a:p>
+              <a:t>['port'] = DB_PORT; //</a:t>
+            </a:r>
+            <a:r>
+              <a:rPr lang="en-US" altLang="zh-CN" sz="1000" dirty="0" err="1" smtClean="0">
+                <a:solidFill>
+                  <a:schemeClr val="tx1">
+                    <a:lumMod val="50000"/>
+                    <a:lumOff val="50000"/>
+                  </a:schemeClr>
+                </a:solidFill>
+              </a:rPr>
+              <a:t>db</a:t>
+            </a:r>
+            <a:r>
+              <a:rPr lang="en-US" altLang="zh-CN" sz="1000" dirty="0" smtClean="0">
+                <a:solidFill>
+                  <a:schemeClr val="tx1">
+                    <a:lumMod val="50000"/>
+                    <a:lumOff val="50000"/>
+                  </a:schemeClr>
+                </a:solidFill>
+              </a:rPr>
+              <a:t> </a:t>
+            </a:r>
+            <a:r>
+              <a:rPr lang="en-US" altLang="zh-CN" sz="1000" dirty="0" smtClean="0">
+                <a:solidFill>
+                  <a:schemeClr val="tx1">
+                    <a:lumMod val="50000"/>
+                    <a:lumOff val="50000"/>
+                  </a:schemeClr>
+                </a:solidFill>
+              </a:rPr>
+              <a:t>port</a:t>
+            </a:r>
             <a:endParaRPr lang="en-US" altLang="zh-CN" sz="1000" dirty="0" smtClean="0">
               <a:solidFill>
                 <a:schemeClr val="tx1">
@@ -11823,7 +11797,7 @@
                   </a:schemeClr>
                 </a:solidFill>
               </a:rPr>
-              <a:t>['</a:t>
+              <a:t>[‘</a:t>
             </a:r>
             <a:r>
               <a:rPr lang="en-US" altLang="zh-CN" sz="1000" dirty="0" err="1" smtClean="0">
@@ -11845,7 +11819,29 @@
                   </a:schemeClr>
                 </a:solidFill>
               </a:rPr>
-              <a:t>'] = "</a:t>
+              <a:t>’] </a:t>
+            </a:r>
+            <a:r>
+              <a:rPr lang="en-US" altLang="zh-CN" sz="1000" dirty="0" smtClean="0">
+                <a:solidFill>
+                  <a:schemeClr val="tx1">
+                    <a:lumMod val="50000"/>
+                    <a:lumOff val="50000"/>
+                  </a:schemeClr>
+                </a:solidFill>
+              </a:rPr>
+              <a:t>= </a:t>
+            </a:r>
+            <a:r>
+              <a:rPr lang="en-US" altLang="zh-CN" sz="1000" dirty="0" smtClean="0">
+                <a:solidFill>
+                  <a:schemeClr val="tx1">
+                    <a:lumMod val="50000"/>
+                    <a:lumOff val="50000"/>
+                  </a:schemeClr>
+                </a:solidFill>
+              </a:rPr>
+              <a:t>“</a:t>
             </a:r>
             <a:r>
               <a:rPr lang="en-US" altLang="zh-CN" sz="1000" dirty="0" err="1" smtClean="0">
@@ -11867,7 +11863,18 @@
                   </a:schemeClr>
                 </a:solidFill>
               </a:rPr>
-              <a:t>"; //</a:t>
+              <a:t>”; </a:t>
+            </a:r>
+            <a:r>
+              <a:rPr lang="en-US" altLang="zh-CN" sz="1000" dirty="0" smtClean="0">
+                <a:solidFill>
+                  <a:schemeClr val="tx1">
+                    <a:lumMod val="50000"/>
+                    <a:lumOff val="50000"/>
+                  </a:schemeClr>
+                </a:solidFill>
+              </a:rPr>
+              <a:t>//</a:t>
             </a:r>
             <a:r>
               <a:rPr lang="zh-CN" altLang="en-US" sz="1000" dirty="0" smtClean="0">
@@ -11900,10 +11907,19 @@
                   </a:schemeClr>
                 </a:solidFill>
               </a:rPr>
-              <a:t>语句时，要传递此参数</a:t>
-            </a:r>
-          </a:p>
-          <a:p>
+              <a:t>语句时，要传递此</a:t>
+            </a:r>
+            <a:r>
+              <a:rPr lang="zh-CN" altLang="en-US" sz="1000" dirty="0" smtClean="0">
+                <a:solidFill>
+                  <a:schemeClr val="tx1">
+                    <a:lumMod val="50000"/>
+                    <a:lumOff val="50000"/>
+                  </a:schemeClr>
+                </a:solidFill>
+              </a:rPr>
+              <a:t>参数</a:t>
+            </a:r>
             <a:r>
               <a:rPr lang="en-US" altLang="zh-CN" sz="1000" dirty="0" smtClean="0">
                 <a:solidFill>
@@ -11913,6 +11929,38 @@
                   </a:schemeClr>
                 </a:solidFill>
               </a:rPr>
+              <a:t>,</a:t>
+            </a:r>
+            <a:r>
+              <a:rPr lang="zh-CN" altLang="en-US" sz="1000" dirty="0" smtClean="0">
+                <a:solidFill>
+                  <a:schemeClr val="tx1">
+                    <a:lumMod val="50000"/>
+                    <a:lumOff val="50000"/>
+                  </a:schemeClr>
+                </a:solidFill>
+              </a:rPr>
+              <a:t>日期分表可不设置此值</a:t>
+            </a:r>
+            <a:endParaRPr lang="zh-CN" altLang="en-US" sz="1000" dirty="0" smtClean="0">
+              <a:solidFill>
+                <a:schemeClr val="tx1">
+                  <a:lumMod val="50000"/>
+                  <a:lumOff val="50000"/>
+                </a:schemeClr>
+              </a:solidFill>
+            </a:endParaRPr>
+          </a:p>
+          <a:p>
+            <a:r>
+              <a:rPr lang="en-US" altLang="zh-CN" sz="1000" dirty="0" smtClean="0">
+                <a:solidFill>
+                  <a:schemeClr val="tx1">
+                    <a:lumMod val="50000"/>
+                    <a:lumOff val="50000"/>
+                  </a:schemeClr>
+                </a:solidFill>
+              </a:rPr>
               <a:t>$</a:t>
             </a:r>
             <a:r>
@@ -12081,7 +12129,7 @@
               <a:t>不设置表示是</a:t>
             </a:r>
             <a:r>
-              <a:rPr lang="en-US" altLang="zh-CN" sz="1000" dirty="0" err="1" smtClean="0">
+              <a:rPr lang="en-US" altLang="zh-CN" sz="1000" dirty="0" err="1">
                 <a:solidFill>
                   <a:schemeClr val="tx1">
                     <a:lumMod val="50000"/>
@@ -12090,6 +12138,39 @@
                 </a:solidFill>
               </a:rPr>
               <a:t>int</a:t>
+            </a:r>
+            <a:r>
+              <a:rPr lang="en-US" altLang="zh-CN" sz="1000" dirty="0">
+                <a:solidFill>
+                  <a:schemeClr val="tx1">
+                    <a:lumMod val="50000"/>
+                    <a:lumOff val="50000"/>
+                  </a:schemeClr>
+                </a:solidFill>
+              </a:rPr>
+              <a:t>,</a:t>
+            </a:r>
+            <a:r>
+              <a:rPr lang="zh-CN" altLang="en-US" sz="1000" dirty="0">
+                <a:solidFill>
+                  <a:schemeClr val="tx1">
+                    <a:lumMod val="50000"/>
+                    <a:lumOff val="50000"/>
+                  </a:schemeClr>
+                </a:solidFill>
+              </a:rPr>
+              <a:t>日期分表可不设置此</a:t>
+            </a:r>
+            <a:r>
+              <a:rPr lang="zh-CN" altLang="en-US" sz="1000" dirty="0" smtClean="0">
+                <a:solidFill>
+                  <a:schemeClr val="tx1">
+                    <a:lumMod val="50000"/>
+                    <a:lumOff val="50000"/>
+                  </a:schemeClr>
+                </a:solidFill>
+              </a:rPr>
+              <a:t>值</a:t>
             </a:r>
             <a:endParaRPr lang="en-US" altLang="zh-CN" sz="1000" dirty="0" smtClean="0">
               <a:solidFill>
@@ -12209,7 +12290,40 @@
                   </a:schemeClr>
                 </a:solidFill>
               </a:rPr>
-              <a:t>语句时，要传递此参数</a:t>
+              <a:t>语句时，要传递此</a:t>
+            </a:r>
+            <a:r>
+              <a:rPr lang="zh-CN" altLang="en-US" sz="1000" dirty="0" smtClean="0">
+                <a:solidFill>
+                  <a:schemeClr val="tx1">
+                    <a:lumMod val="50000"/>
+                    <a:lumOff val="50000"/>
+                  </a:schemeClr>
+                </a:solidFill>
+              </a:rPr>
+              <a:t>参数</a:t>
+            </a:r>
+            <a:r>
+              <a:rPr lang="en-US" altLang="zh-CN" sz="1000" dirty="0">
+                <a:solidFill>
+                  <a:schemeClr val="tx1">
+                    <a:lumMod val="50000"/>
+                    <a:lumOff val="50000"/>
+                  </a:schemeClr>
+                </a:solidFill>
+              </a:rPr>
+              <a:t>,</a:t>
+            </a:r>
+            <a:r>
+              <a:rPr lang="zh-CN" altLang="en-US" sz="1000" dirty="0">
+                <a:solidFill>
+                  <a:schemeClr val="tx1">
+                    <a:lumMod val="50000"/>
+                    <a:lumOff val="50000"/>
+                  </a:schemeClr>
+                </a:solidFill>
+              </a:rPr>
+              <a:t>日期分库时不用设置</a:t>
             </a:r>
             <a:endParaRPr lang="en-US" altLang="zh-CN" sz="1000" dirty="0" smtClean="0">
               <a:solidFill>
@@ -12395,7 +12509,40 @@
                   </a:schemeClr>
                 </a:solidFill>
               </a:rPr>
-              <a:t>的值</a:t>
+              <a:t>的</a:t>
+            </a:r>
+            <a:r>
+              <a:rPr lang="zh-CN" altLang="en-US" sz="1000" dirty="0" smtClean="0">
+                <a:solidFill>
+                  <a:schemeClr val="tx1">
+                    <a:lumMod val="50000"/>
+                    <a:lumOff val="50000"/>
+                  </a:schemeClr>
+                </a:solidFill>
+              </a:rPr>
+              <a:t>值</a:t>
+            </a:r>
+            <a:r>
+              <a:rPr lang="en-US" altLang="zh-CN" sz="1000" dirty="0">
+                <a:solidFill>
+                  <a:schemeClr val="tx1">
+                    <a:lumMod val="50000"/>
+                    <a:lumOff val="50000"/>
+                  </a:schemeClr>
+                </a:solidFill>
+              </a:rPr>
+              <a:t>,</a:t>
+            </a:r>
+            <a:r>
+              <a:rPr lang="zh-CN" altLang="en-US" sz="1000" dirty="0">
+                <a:solidFill>
+                  <a:schemeClr val="tx1">
+                    <a:lumMod val="50000"/>
+                    <a:lumOff val="50000"/>
+                  </a:schemeClr>
+                </a:solidFill>
+              </a:rPr>
+              <a:t>日期分库时不用设置</a:t>
             </a:r>
             <a:endParaRPr lang="en-US" altLang="zh-CN" sz="1000" dirty="0" smtClean="0">
               <a:solidFill>
@@ -13147,11 +13294,82 @@
           </a:p>
           <a:p>
             <a:r>
+              <a:rPr lang="en-US" altLang="zh-CN" sz="1000" dirty="0">
+                <a:solidFill>
+                  <a:srgbClr val="FF0000"/>
+                </a:solidFill>
+              </a:rPr>
+              <a:t>$</a:t>
+            </a:r>
+            <a:r>
+              <a:rPr lang="en-US" altLang="zh-CN" sz="1000" dirty="0" err="1">
+                <a:solidFill>
+                  <a:srgbClr val="FF0000"/>
+                </a:solidFill>
+              </a:rPr>
+              <a:t>multiple_config</a:t>
+            </a:r>
+            <a:r>
               <a:rPr lang="en-US" altLang="zh-CN" sz="1000" dirty="0" smtClean="0">
                 <a:solidFill>
                   <a:srgbClr val="FF0000"/>
                 </a:solidFill>
               </a:rPr>
+              <a:t>[‘</a:t>
+            </a:r>
+            <a:r>
+              <a:rPr lang="en-US" altLang="zh-CN" sz="1000" dirty="0" err="1" smtClean="0">
+                <a:solidFill>
+                  <a:srgbClr val="FF0000"/>
+                </a:solidFill>
+              </a:rPr>
+              <a:t>is_date_db</a:t>
+            </a:r>
+            <a:r>
+              <a:rPr lang="en-US" altLang="zh-CN" sz="1000" dirty="0" smtClean="0">
+                <a:solidFill>
+                  <a:srgbClr val="FF0000"/>
+                </a:solidFill>
+              </a:rPr>
+              <a:t>’] </a:t>
+            </a:r>
+            <a:r>
+              <a:rPr lang="en-US" altLang="zh-CN" sz="1000" dirty="0">
+                <a:solidFill>
+                  <a:srgbClr val="FF0000"/>
+                </a:solidFill>
+              </a:rPr>
+              <a:t>= true; //</a:t>
+            </a:r>
+            <a:r>
+              <a:rPr lang="zh-CN" altLang="en-US" sz="1000" dirty="0">
+                <a:solidFill>
+                  <a:srgbClr val="FF0000"/>
+                </a:solidFill>
+              </a:rPr>
+              <a:t>是否按时间</a:t>
+            </a:r>
+            <a:r>
+              <a:rPr lang="zh-CN" altLang="en-US" sz="1000" dirty="0" smtClean="0">
+                <a:solidFill>
+                  <a:srgbClr val="FF0000"/>
+                </a:solidFill>
+              </a:rPr>
+              <a:t>分库</a:t>
+            </a:r>
+            <a:endParaRPr lang="en-US" altLang="zh-CN" sz="1000" dirty="0" smtClean="0">
+              <a:solidFill>
+                <a:srgbClr val="FF0000"/>
+              </a:solidFill>
+            </a:endParaRPr>
+          </a:p>
+          <a:p>
+            <a:r>
+              <a:rPr lang="en-US" altLang="zh-CN" sz="1000" dirty="0" smtClean="0">
+                <a:solidFill>
+                  <a:srgbClr val="FF0000"/>
+                </a:solidFill>
+              </a:rPr>
               <a:t>$</a:t>
             </a:r>
             <a:r>
@@ -13192,30 +13410,562 @@
                   <a:srgbClr val="FF0000"/>
                 </a:solidFill>
               </a:rPr>
-              <a:t>是否按时间分表</a:t>
-            </a:r>
+              <a:t>是否按时间分</a:t>
+            </a:r>
+            <a:r>
+              <a:rPr lang="zh-CN" altLang="en-US" sz="1000" dirty="0" smtClean="0">
+                <a:solidFill>
+                  <a:srgbClr val="FF0000"/>
+                </a:solidFill>
+              </a:rPr>
+              <a:t>表</a:t>
+            </a:r>
+            <a:endParaRPr lang="en-US" altLang="zh-CN" sz="1000" dirty="0" smtClean="0">
+              <a:solidFill>
+                <a:srgbClr val="FF0000"/>
+              </a:solidFill>
+            </a:endParaRPr>
+          </a:p>
+          <a:p>
             <a:r>
               <a:rPr lang="en-US" altLang="zh-CN" sz="1000" dirty="0" smtClean="0">
                 <a:solidFill>
                   <a:srgbClr val="FF0000"/>
                 </a:solidFill>
               </a:rPr>
-              <a:t>,</a:t>
+              <a:t>$</a:t>
+            </a:r>
+            <a:r>
+              <a:rPr lang="en-US" altLang="zh-CN" sz="1000" dirty="0">
+                <a:solidFill>
+                  <a:srgbClr val="FF0000"/>
+                </a:solidFill>
+              </a:rPr>
+              <a:t> </a:t>
+            </a:r>
+            <a:r>
+              <a:rPr lang="en-US" altLang="zh-CN" sz="1000" dirty="0" err="1">
+                <a:solidFill>
+                  <a:srgbClr val="FF0000"/>
+                </a:solidFill>
+              </a:rPr>
+              <a:t>multiple_config</a:t>
+            </a:r>
+            <a:r>
+              <a:rPr lang="en-US" altLang="zh-CN" sz="1000" dirty="0" smtClean="0">
+                <a:solidFill>
+                  <a:srgbClr val="FF0000"/>
+                </a:solidFill>
+              </a:rPr>
+              <a:t>[</a:t>
+            </a:r>
+            <a:r>
+              <a:rPr lang="en-US" altLang="zh-CN" sz="1000" dirty="0">
+                <a:solidFill>
+                  <a:srgbClr val="FF0000"/>
+                </a:solidFill>
+              </a:rPr>
+              <a:t>'</a:t>
+            </a:r>
+            <a:r>
+              <a:rPr lang="en-US" altLang="zh-CN" sz="1000" dirty="0" err="1">
+                <a:solidFill>
+                  <a:srgbClr val="FF0000"/>
+                </a:solidFill>
+              </a:rPr>
+              <a:t>db_name_date_logic_string</a:t>
+            </a:r>
+            <a:r>
+              <a:rPr lang="en-US" altLang="zh-CN" sz="1000" dirty="0">
+                <a:solidFill>
+                  <a:srgbClr val="FF0000"/>
+                </a:solidFill>
+              </a:rPr>
+              <a:t>'] = </a:t>
+            </a:r>
+            <a:r>
+              <a:rPr lang="en-US" altLang="zh-CN" sz="1000" dirty="0" smtClean="0">
+                <a:solidFill>
+                  <a:srgbClr val="FF0000"/>
+                </a:solidFill>
+              </a:rPr>
+              <a:t>'year'; </a:t>
+            </a:r>
+            <a:r>
+              <a:rPr lang="en-US" altLang="zh-CN" sz="1000" dirty="0">
+                <a:solidFill>
+                  <a:srgbClr val="FF0000"/>
+                </a:solidFill>
+              </a:rPr>
+              <a:t>//</a:t>
+            </a:r>
+            <a:r>
+              <a:rPr lang="zh-CN" altLang="en-US" sz="1000" dirty="0">
+                <a:solidFill>
+                  <a:srgbClr val="FF0000"/>
+                </a:solidFill>
+              </a:rPr>
+              <a:t>时间分库表达式可为</a:t>
+            </a:r>
+            <a:r>
+              <a:rPr lang="en-US" altLang="zh-CN" sz="1000" dirty="0">
+                <a:solidFill>
+                  <a:srgbClr val="FF0000"/>
+                </a:solidFill>
+              </a:rPr>
+              <a:t>year(2014) ||month(</a:t>
+            </a:r>
+            <a:r>
+              <a:rPr lang="zh-CN" altLang="en-US" sz="1000" dirty="0">
+                <a:solidFill>
+                  <a:srgbClr val="FF0000"/>
+                </a:solidFill>
+              </a:rPr>
+              <a:t>月</a:t>
+            </a:r>
+            <a:r>
+              <a:rPr lang="en-US" altLang="zh-CN" sz="1000" dirty="0">
+                <a:solidFill>
+                  <a:srgbClr val="FF0000"/>
+                </a:solidFill>
+              </a:rPr>
+              <a:t>01,02...12) ||day(</a:t>
+            </a:r>
+            <a:r>
+              <a:rPr lang="zh-CN" altLang="en-US" sz="1000" dirty="0">
+                <a:solidFill>
+                  <a:srgbClr val="FF0000"/>
+                </a:solidFill>
+              </a:rPr>
+              <a:t>天</a:t>
+            </a:r>
+            <a:r>
+              <a:rPr lang="en-US" altLang="zh-CN" sz="1000" dirty="0">
+                <a:solidFill>
+                  <a:srgbClr val="FF0000"/>
+                </a:solidFill>
+              </a:rPr>
+              <a:t>:0...31)||week(</a:t>
+            </a:r>
+            <a:r>
+              <a:rPr lang="zh-CN" altLang="en-US" sz="1000" dirty="0">
+                <a:solidFill>
+                  <a:srgbClr val="FF0000"/>
+                </a:solidFill>
+              </a:rPr>
+              <a:t>星期日</a:t>
+            </a:r>
+            <a:r>
+              <a:rPr lang="en-US" altLang="zh-CN" sz="1000" dirty="0">
+                <a:solidFill>
+                  <a:srgbClr val="FF0000"/>
+                </a:solidFill>
+              </a:rPr>
+              <a:t>:0,</a:t>
+            </a:r>
+            <a:r>
+              <a:rPr lang="zh-CN" altLang="en-US" sz="1000" dirty="0">
+                <a:solidFill>
+                  <a:srgbClr val="FF0000"/>
+                </a:solidFill>
+              </a:rPr>
+              <a:t>星期一</a:t>
+            </a:r>
+            <a:r>
+              <a:rPr lang="en-US" altLang="zh-CN" sz="1000" dirty="0">
+                <a:solidFill>
+                  <a:srgbClr val="FF0000"/>
+                </a:solidFill>
+              </a:rPr>
+              <a:t>:1...);</a:t>
+            </a:r>
+            <a:endParaRPr lang="zh-CN" altLang="en-US" sz="1000" dirty="0" smtClean="0">
+              <a:solidFill>
+                <a:srgbClr val="FF0000"/>
+              </a:solidFill>
+            </a:endParaRPr>
+          </a:p>
+          <a:p>
+            <a:r>
+              <a:rPr lang="en-US" altLang="zh-CN" sz="1000" dirty="0" smtClean="0">
+                <a:solidFill>
+                  <a:srgbClr val="FF0000"/>
+                </a:solidFill>
+              </a:rPr>
+              <a:t>$</a:t>
+            </a:r>
+            <a:r>
+              <a:rPr lang="en-US" altLang="zh-CN" sz="1000" dirty="0" err="1" smtClean="0">
+                <a:solidFill>
+                  <a:srgbClr val="FF0000"/>
+                </a:solidFill>
+              </a:rPr>
+              <a:t>multiple_config</a:t>
+            </a:r>
+            <a:r>
+              <a:rPr lang="en-US" altLang="zh-CN" sz="1000" dirty="0" smtClean="0">
+                <a:solidFill>
+                  <a:srgbClr val="FF0000"/>
+                </a:solidFill>
+              </a:rPr>
+              <a:t>['</a:t>
+            </a:r>
+            <a:r>
+              <a:rPr lang="en-US" altLang="zh-CN" sz="1000" dirty="0" err="1" smtClean="0">
+                <a:solidFill>
+                  <a:srgbClr val="FF0000"/>
+                </a:solidFill>
+              </a:rPr>
+              <a:t>table_name_date_logic_string</a:t>
+            </a:r>
+            <a:r>
+              <a:rPr lang="en-US" altLang="zh-CN" sz="1000" dirty="0" smtClean="0">
+                <a:solidFill>
+                  <a:srgbClr val="FF0000"/>
+                </a:solidFill>
+              </a:rPr>
+              <a:t>'] </a:t>
+            </a:r>
+            <a:r>
+              <a:rPr lang="en-US" altLang="zh-CN" sz="1000" dirty="0">
+                <a:solidFill>
+                  <a:srgbClr val="FF0000"/>
+                </a:solidFill>
+              </a:rPr>
+              <a:t>= ' </a:t>
+            </a:r>
+            <a:r>
+              <a:rPr lang="en-US" altLang="zh-CN" sz="1000" dirty="0" smtClean="0">
+                <a:solidFill>
+                  <a:srgbClr val="FF0000"/>
+                </a:solidFill>
+              </a:rPr>
+              <a:t>month </a:t>
+            </a:r>
+            <a:r>
+              <a:rPr lang="en-US" altLang="zh-CN" sz="1000" dirty="0">
+                <a:solidFill>
+                  <a:srgbClr val="FF0000"/>
+                </a:solidFill>
+              </a:rPr>
+              <a:t>'; </a:t>
+            </a:r>
+            <a:r>
+              <a:rPr lang="en-US" altLang="zh-CN" sz="1000" dirty="0" smtClean="0">
+                <a:solidFill>
+                  <a:srgbClr val="FF0000"/>
+                </a:solidFill>
+              </a:rPr>
+              <a:t>//</a:t>
+            </a:r>
+            <a:r>
+              <a:rPr lang="zh-CN" altLang="en-US" sz="1000" dirty="0">
+                <a:solidFill>
+                  <a:srgbClr val="FF0000"/>
+                </a:solidFill>
+              </a:rPr>
+              <a:t>按时间分表 </a:t>
+            </a:r>
+            <a:r>
+              <a:rPr lang="en-US" altLang="zh-CN" sz="1000" dirty="0" err="1">
+                <a:solidFill>
+                  <a:srgbClr val="FF0000"/>
+                </a:solidFill>
+              </a:rPr>
+              <a:t>year_month_day</a:t>
+            </a:r>
+            <a:r>
+              <a:rPr lang="en-US" altLang="zh-CN" sz="1000" dirty="0">
+                <a:solidFill>
+                  <a:srgbClr val="FF0000"/>
+                </a:solidFill>
+              </a:rPr>
+              <a:t>(20140806) || </a:t>
+            </a:r>
+            <a:r>
+              <a:rPr lang="en-US" altLang="zh-CN" sz="1000" dirty="0" err="1">
+                <a:solidFill>
+                  <a:srgbClr val="FF0000"/>
+                </a:solidFill>
+              </a:rPr>
+              <a:t>year_and_month</a:t>
+            </a:r>
+            <a:r>
+              <a:rPr lang="en-US" altLang="zh-CN" sz="1000" dirty="0">
+                <a:solidFill>
+                  <a:srgbClr val="FF0000"/>
+                </a:solidFill>
+              </a:rPr>
+              <a:t>(201408) || year(2014) ||day(</a:t>
+            </a:r>
+            <a:r>
+              <a:rPr lang="zh-CN" altLang="en-US" sz="1000" dirty="0">
+                <a:solidFill>
+                  <a:srgbClr val="FF0000"/>
+                </a:solidFill>
+              </a:rPr>
+              <a:t>天</a:t>
+            </a:r>
+            <a:r>
+              <a:rPr lang="en-US" altLang="zh-CN" sz="1000" dirty="0">
+                <a:solidFill>
+                  <a:srgbClr val="FF0000"/>
+                </a:solidFill>
+              </a:rPr>
+              <a:t>:01...31) ||month(</a:t>
+            </a:r>
+            <a:r>
+              <a:rPr lang="zh-CN" altLang="en-US" sz="1000" dirty="0">
+                <a:solidFill>
+                  <a:srgbClr val="FF0000"/>
+                </a:solidFill>
+              </a:rPr>
+              <a:t>月</a:t>
+            </a:r>
+            <a:r>
+              <a:rPr lang="en-US" altLang="zh-CN" sz="1000" dirty="0">
+                <a:solidFill>
+                  <a:srgbClr val="FF0000"/>
+                </a:solidFill>
+              </a:rPr>
+              <a:t>01...12) ||</a:t>
+            </a:r>
+            <a:r>
+              <a:rPr lang="en-US" altLang="zh-CN" sz="1000" dirty="0" err="1">
+                <a:solidFill>
+                  <a:srgbClr val="FF0000"/>
+                </a:solidFill>
+              </a:rPr>
+              <a:t>month_and_day</a:t>
+            </a:r>
+            <a:r>
+              <a:rPr lang="en-US" altLang="zh-CN" sz="1000" dirty="0">
+                <a:solidFill>
+                  <a:srgbClr val="FF0000"/>
+                </a:solidFill>
+              </a:rPr>
+              <a:t>(</a:t>
+            </a:r>
+            <a:r>
+              <a:rPr lang="zh-CN" altLang="en-US" sz="1000" dirty="0">
+                <a:solidFill>
+                  <a:srgbClr val="FF0000"/>
+                </a:solidFill>
+              </a:rPr>
+              <a:t>月日</a:t>
+            </a:r>
+            <a:r>
+              <a:rPr lang="en-US" altLang="zh-CN" sz="1000" dirty="0">
+                <a:solidFill>
+                  <a:srgbClr val="FF0000"/>
+                </a:solidFill>
+              </a:rPr>
+              <a:t>)||week(</a:t>
+            </a:r>
+            <a:r>
+              <a:rPr lang="zh-CN" altLang="en-US" sz="1000" dirty="0">
+                <a:solidFill>
+                  <a:srgbClr val="FF0000"/>
+                </a:solidFill>
+              </a:rPr>
+              <a:t>星期日</a:t>
+            </a:r>
+            <a:r>
+              <a:rPr lang="en-US" altLang="zh-CN" sz="1000" dirty="0">
+                <a:solidFill>
+                  <a:srgbClr val="FF0000"/>
+                </a:solidFill>
+              </a:rPr>
+              <a:t>:00,</a:t>
+            </a:r>
+            <a:r>
+              <a:rPr lang="zh-CN" altLang="en-US" sz="1000" dirty="0">
+                <a:solidFill>
+                  <a:srgbClr val="FF0000"/>
+                </a:solidFill>
+              </a:rPr>
+              <a:t>星期一</a:t>
+            </a:r>
+            <a:r>
+              <a:rPr lang="en-US" altLang="zh-CN" sz="1000" dirty="0">
+                <a:solidFill>
+                  <a:srgbClr val="FF0000"/>
+                </a:solidFill>
+              </a:rPr>
+              <a:t>:01...); </a:t>
+            </a:r>
+            <a:endParaRPr lang="en-US" altLang="zh-CN" sz="1000" dirty="0" smtClean="0">
+              <a:solidFill>
+                <a:srgbClr val="FF0000"/>
+              </a:solidFill>
+            </a:endParaRPr>
+          </a:p>
+          <a:p>
+            <a:r>
+              <a:rPr lang="en-US" altLang="zh-CN" sz="1000" dirty="0" smtClean="0">
+                <a:solidFill>
+                  <a:schemeClr val="tx1">
+                    <a:lumMod val="50000"/>
+                    <a:lumOff val="50000"/>
+                  </a:schemeClr>
+                </a:solidFill>
+              </a:rPr>
+              <a:t>$</a:t>
+            </a:r>
+            <a:r>
+              <a:rPr lang="en-US" altLang="zh-CN" sz="1000" dirty="0" err="1" smtClean="0">
+                <a:solidFill>
+                  <a:schemeClr val="tx1">
+                    <a:lumMod val="50000"/>
+                    <a:lumOff val="50000"/>
+                  </a:schemeClr>
+                </a:solidFill>
+              </a:rPr>
+              <a:t>master_multiple_dbs</a:t>
+            </a:r>
+            <a:r>
+              <a:rPr lang="en-US" altLang="zh-CN" sz="1000" dirty="0" smtClean="0">
+                <a:solidFill>
+                  <a:schemeClr val="tx1">
+                    <a:lumMod val="50000"/>
+                    <a:lumOff val="50000"/>
+                  </a:schemeClr>
+                </a:solidFill>
+              </a:rPr>
+              <a:t> = array();</a:t>
+            </a:r>
+          </a:p>
+          <a:p>
+            <a:r>
+              <a:rPr lang="en-US" altLang="zh-CN" sz="1000" dirty="0" smtClean="0">
+                <a:solidFill>
+                  <a:schemeClr val="tx1">
+                    <a:lumMod val="50000"/>
+                    <a:lumOff val="50000"/>
+                  </a:schemeClr>
+                </a:solidFill>
+              </a:rPr>
+              <a:t>$</a:t>
+            </a:r>
+            <a:r>
+              <a:rPr lang="en-US" altLang="zh-CN" sz="1000" dirty="0" err="1" smtClean="0">
+                <a:solidFill>
+                  <a:schemeClr val="tx1">
+                    <a:lumMod val="50000"/>
+                    <a:lumOff val="50000"/>
+                  </a:schemeClr>
+                </a:solidFill>
+              </a:rPr>
+              <a:t>master_multiple_dbs</a:t>
+            </a:r>
+            <a:r>
+              <a:rPr lang="en-US" altLang="zh-CN" sz="1000" dirty="0" smtClean="0">
+                <a:solidFill>
+                  <a:schemeClr val="tx1">
+                    <a:lumMod val="50000"/>
+                    <a:lumOff val="50000"/>
+                  </a:schemeClr>
+                </a:solidFill>
+              </a:rPr>
+              <a:t>['sc_refund_0000'] = DB_HOST; //key</a:t>
             </a:r>
             <a:r>
               <a:rPr lang="zh-CN" altLang="en-US" sz="1000" dirty="0" smtClean="0">
                 <a:solidFill>
-                  <a:srgbClr val="FF0000"/>
-                </a:solidFill>
-              </a:rPr>
-              <a:t>只支持单库</a:t>
-            </a:r>
-          </a:p>
-          <a:p>
+                  <a:schemeClr val="tx1">
+                    <a:lumMod val="50000"/>
+                    <a:lumOff val="50000"/>
+                  </a:schemeClr>
+                </a:solidFill>
+              </a:rPr>
+              <a:t>为数据库名，</a:t>
+            </a:r>
             <a:r>
               <a:rPr lang="en-US" altLang="zh-CN" sz="1000" dirty="0" smtClean="0">
                 <a:solidFill>
-                  <a:srgbClr val="FF0000"/>
+                  <a:schemeClr val="tx1">
+                    <a:lumMod val="50000"/>
+                    <a:lumOff val="50000"/>
+                  </a:schemeClr>
+                </a:solidFill>
+              </a:rPr>
+              <a:t>value</a:t>
+            </a:r>
+            <a:r>
+              <a:rPr lang="zh-CN" altLang="en-US" sz="1000" dirty="0" smtClean="0">
+                <a:solidFill>
+                  <a:schemeClr val="tx1">
+                    <a:lumMod val="50000"/>
+                    <a:lumOff val="50000"/>
+                  </a:schemeClr>
+                </a:solidFill>
+              </a:rPr>
+              <a:t>为数据库所在的</a:t>
+            </a:r>
+            <a:r>
+              <a:rPr lang="en-US" altLang="zh-CN" sz="1000" dirty="0" smtClean="0">
+                <a:solidFill>
+                  <a:schemeClr val="tx1">
+                    <a:lumMod val="50000"/>
+                    <a:lumOff val="50000"/>
+                  </a:schemeClr>
+                </a:solidFill>
+              </a:rPr>
+              <a:t>host</a:t>
+            </a:r>
+            <a:r>
+              <a:rPr lang="zh-CN" altLang="en-US" sz="1000" dirty="0" smtClean="0">
+                <a:solidFill>
+                  <a:schemeClr val="tx1">
+                    <a:lumMod val="50000"/>
+                    <a:lumOff val="50000"/>
+                  </a:schemeClr>
+                </a:solidFill>
+              </a:rPr>
+              <a:t>，此</a:t>
+            </a:r>
+            <a:r>
+              <a:rPr lang="en-US" altLang="zh-CN" sz="1000" dirty="0" smtClean="0">
+                <a:solidFill>
+                  <a:schemeClr val="tx1">
+                    <a:lumMod val="50000"/>
+                    <a:lumOff val="50000"/>
+                  </a:schemeClr>
+                </a:solidFill>
+              </a:rPr>
+              <a:t>value</a:t>
+            </a:r>
+            <a:r>
+              <a:rPr lang="zh-CN" altLang="en-US" sz="1000" dirty="0" smtClean="0">
+                <a:solidFill>
+                  <a:schemeClr val="tx1">
+                    <a:lumMod val="50000"/>
+                    <a:lumOff val="50000"/>
+                  </a:schemeClr>
+                </a:solidFill>
+              </a:rPr>
+              <a:t>只能配置一个</a:t>
+            </a:r>
+            <a:r>
+              <a:rPr lang="en-US" altLang="zh-CN" sz="1000" dirty="0" smtClean="0">
+                <a:solidFill>
+                  <a:schemeClr val="tx1">
+                    <a:lumMod val="50000"/>
+                    <a:lumOff val="50000"/>
+                  </a:schemeClr>
+                </a:solidFill>
+              </a:rPr>
+              <a:t>IP</a:t>
+            </a:r>
+          </a:p>
+          <a:p>
+            <a:r>
+              <a:rPr lang="en-US" altLang="zh-CN" sz="1000" dirty="0" smtClean="0">
+                <a:solidFill>
+                  <a:schemeClr val="tx1">
+                    <a:lumMod val="50000"/>
+                    <a:lumOff val="50000"/>
+                  </a:schemeClr>
                 </a:solidFill>
               </a:rPr>
               <a:t>$</a:t>
@@ -13223,7 +13973,115 @@
             <a:r>
               <a:rPr lang="en-US" altLang="zh-CN" sz="1000" dirty="0" err="1" smtClean="0">
                 <a:solidFill>
-                  <a:srgbClr val="FF0000"/>
+                  <a:schemeClr val="tx1">
+                    <a:lumMod val="50000"/>
+                    <a:lumOff val="50000"/>
+                  </a:schemeClr>
+                </a:solidFill>
+              </a:rPr>
+              <a:t>master_multiple_dbs</a:t>
+            </a:r>
+            <a:r>
+              <a:rPr lang="en-US" altLang="zh-CN" sz="1000" dirty="0" smtClean="0">
+                <a:solidFill>
+                  <a:schemeClr val="tx1">
+                    <a:lumMod val="50000"/>
+                    <a:lumOff val="50000"/>
+                  </a:schemeClr>
+                </a:solidFill>
+              </a:rPr>
+              <a:t>['sc_refund_0001'] = DB_HOST;</a:t>
+            </a:r>
+          </a:p>
+          <a:p>
+            <a:r>
+              <a:rPr lang="en-US" altLang="zh-CN" sz="1000" dirty="0" smtClean="0">
+                <a:solidFill>
+                  <a:schemeClr val="tx1">
+                    <a:lumMod val="50000"/>
+                    <a:lumOff val="50000"/>
+                  </a:schemeClr>
+                </a:solidFill>
+              </a:rPr>
+              <a:t>$</a:t>
+            </a:r>
+            <a:r>
+              <a:rPr lang="en-US" altLang="zh-CN" sz="1000" dirty="0" err="1" smtClean="0">
+                <a:solidFill>
+                  <a:schemeClr val="tx1">
+                    <a:lumMod val="50000"/>
+                    <a:lumOff val="50000"/>
+                  </a:schemeClr>
+                </a:solidFill>
+              </a:rPr>
+              <a:t>master_multiple_dbs</a:t>
+            </a:r>
+            <a:r>
+              <a:rPr lang="en-US" altLang="zh-CN" sz="1000" dirty="0" smtClean="0">
+                <a:solidFill>
+                  <a:schemeClr val="tx1">
+                    <a:lumMod val="50000"/>
+                    <a:lumOff val="50000"/>
+                  </a:schemeClr>
+                </a:solidFill>
+              </a:rPr>
+              <a:t>['sc_refund_0002'] = DB_HOST;</a:t>
+            </a:r>
+          </a:p>
+          <a:p>
+            <a:r>
+              <a:rPr lang="en-US" altLang="zh-CN" sz="1000" dirty="0" smtClean="0">
+                <a:solidFill>
+                  <a:schemeClr val="tx1">
+                    <a:lumMod val="50000"/>
+                    <a:lumOff val="50000"/>
+                  </a:schemeClr>
+                </a:solidFill>
+              </a:rPr>
+              <a:t>$</a:t>
+            </a:r>
+            <a:r>
+              <a:rPr lang="en-US" altLang="zh-CN" sz="1000" dirty="0" err="1" smtClean="0">
+                <a:solidFill>
+                  <a:schemeClr val="tx1">
+                    <a:lumMod val="50000"/>
+                    <a:lumOff val="50000"/>
+                  </a:schemeClr>
+                </a:solidFill>
+              </a:rPr>
+              <a:t>master_multiple_dbs</a:t>
+            </a:r>
+            <a:r>
+              <a:rPr lang="en-US" altLang="zh-CN" sz="1000" dirty="0" smtClean="0">
+                <a:solidFill>
+                  <a:schemeClr val="tx1">
+                    <a:lumMod val="50000"/>
+                    <a:lumOff val="50000"/>
+                  </a:schemeClr>
+                </a:solidFill>
+              </a:rPr>
+              <a:t>['sc_refund_0003'] = DB_HOST;</a:t>
+            </a:r>
+          </a:p>
+          <a:p>
+            <a:r>
+              <a:rPr lang="en-US" altLang="zh-CN" sz="1000" dirty="0" smtClean="0">
+                <a:solidFill>
+                  <a:schemeClr val="tx1">
+                    <a:lumMod val="50000"/>
+                    <a:lumOff val="50000"/>
+                  </a:schemeClr>
+                </a:solidFill>
+              </a:rPr>
+              <a:t>$</a:t>
+            </a:r>
+            <a:r>
+              <a:rPr lang="en-US" altLang="zh-CN" sz="1000" dirty="0" err="1" smtClean="0">
+                <a:solidFill>
+                  <a:schemeClr val="tx1">
+                    <a:lumMod val="50000"/>
+                    <a:lumOff val="50000"/>
+                  </a:schemeClr>
                 </a:solidFill>
               </a:rPr>
               <a:t>multiple_config</a:t>
@@ -13231,7 +14089,10 @@
             <a:r>
               <a:rPr lang="en-US" altLang="zh-CN" sz="1000" dirty="0" smtClean="0">
                 <a:solidFill>
-                  <a:srgbClr val="FF0000"/>
+                  <a:schemeClr val="tx1">
+                    <a:lumMod val="50000"/>
+                    <a:lumOff val="50000"/>
+                  </a:schemeClr>
                 </a:solidFill>
               </a:rPr>
               <a:t>['</a:t>
@@ -13239,203 +14100,71 @@
             <a:r>
               <a:rPr lang="en-US" altLang="zh-CN" sz="1000" dirty="0" err="1" smtClean="0">
                 <a:solidFill>
-                  <a:srgbClr val="FF0000"/>
-                </a:solidFill>
-              </a:rPr>
-              <a:t>table_name_date_logic_string</a:t>
+                  <a:schemeClr val="tx1">
+                    <a:lumMod val="50000"/>
+                    <a:lumOff val="50000"/>
+                  </a:schemeClr>
+                </a:solidFill>
+              </a:rPr>
+              <a:t>db_hosts</a:t>
             </a:r>
             <a:r>
               <a:rPr lang="en-US" altLang="zh-CN" sz="1000" dirty="0" smtClean="0">
                 <a:solidFill>
-                  <a:srgbClr val="FF0000"/>
-                </a:solidFill>
-              </a:rPr>
-              <a:t>'] = '</a:t>
+                  <a:schemeClr val="tx1">
+                    <a:lumMod val="50000"/>
+                    <a:lumOff val="50000"/>
+                  </a:schemeClr>
+                </a:solidFill>
+              </a:rPr>
+              <a:t>'] = $</a:t>
             </a:r>
             <a:r>
               <a:rPr lang="en-US" altLang="zh-CN" sz="1000" dirty="0" err="1" smtClean="0">
                 <a:solidFill>
-                  <a:srgbClr val="FF0000"/>
-                </a:solidFill>
-              </a:rPr>
-              <a:t>MMdd</a:t>
+                  <a:schemeClr val="tx1">
+                    <a:lumMod val="50000"/>
+                    <a:lumOff val="50000"/>
+                  </a:schemeClr>
+                </a:solidFill>
+              </a:rPr>
+              <a:t>master_multiple_dbs</a:t>
             </a:r>
             <a:r>
               <a:rPr lang="en-US" altLang="zh-CN" sz="1000" dirty="0" smtClean="0">
                 <a:solidFill>
-                  <a:srgbClr val="FF0000"/>
-                </a:solidFill>
-              </a:rPr>
-              <a:t>'; //</a:t>
+                  <a:schemeClr val="tx1">
+                    <a:lumMod val="50000"/>
+                    <a:lumOff val="50000"/>
+                  </a:schemeClr>
+                </a:solidFill>
+              </a:rPr>
+              <a:t>; //</a:t>
             </a:r>
             <a:r>
               <a:rPr lang="zh-CN" altLang="en-US" sz="1000" dirty="0" smtClean="0">
                 <a:solidFill>
-                  <a:srgbClr val="FF0000"/>
-                </a:solidFill>
-              </a:rPr>
-              <a:t>按时间分表 </a:t>
-            </a:r>
-            <a:r>
-              <a:rPr lang="en-US" altLang="zh-CN" sz="1000" dirty="0" err="1" smtClean="0">
-                <a:solidFill>
-                  <a:srgbClr val="FF0000"/>
-                </a:solidFill>
-              </a:rPr>
-              <a:t>yyyyMMdd</a:t>
+                  <a:schemeClr val="tx1">
+                    <a:lumMod val="50000"/>
+                    <a:lumOff val="50000"/>
+                  </a:schemeClr>
+                </a:solidFill>
+              </a:rPr>
+              <a:t>每个主库存放在哪个</a:t>
             </a:r>
             <a:r>
               <a:rPr lang="en-US" altLang="zh-CN" sz="1000" dirty="0" smtClean="0">
                 <a:solidFill>
-                  <a:srgbClr val="FF0000"/>
-                </a:solidFill>
-              </a:rPr>
-              <a:t>(20140806) || </a:t>
-            </a:r>
-            <a:r>
-              <a:rPr lang="en-US" altLang="zh-CN" sz="1000" dirty="0" err="1" smtClean="0">
-                <a:solidFill>
-                  <a:srgbClr val="FF0000"/>
-                </a:solidFill>
-              </a:rPr>
-              <a:t>yyyyMM</a:t>
-            </a:r>
-            <a:r>
-              <a:rPr lang="en-US" altLang="zh-CN" sz="1000" dirty="0" smtClean="0">
-                <a:solidFill>
-                  <a:srgbClr val="FF0000"/>
-                </a:solidFill>
-              </a:rPr>
-              <a:t>(201408) || </a:t>
-            </a:r>
-            <a:r>
-              <a:rPr lang="en-US" altLang="zh-CN" sz="1000" dirty="0" err="1" smtClean="0">
-                <a:solidFill>
-                  <a:srgbClr val="FF0000"/>
-                </a:solidFill>
-              </a:rPr>
-              <a:t>yyyy</a:t>
-            </a:r>
-            <a:r>
-              <a:rPr lang="en-US" altLang="zh-CN" sz="1000" dirty="0" smtClean="0">
-                <a:solidFill>
-                  <a:srgbClr val="FF0000"/>
-                </a:solidFill>
-              </a:rPr>
-              <a:t>(2014) ||</a:t>
-            </a:r>
-            <a:r>
-              <a:rPr lang="en-US" altLang="zh-CN" sz="1000" dirty="0" err="1" smtClean="0">
-                <a:solidFill>
-                  <a:srgbClr val="FF0000"/>
-                </a:solidFill>
-              </a:rPr>
-              <a:t>dd</a:t>
-            </a:r>
-            <a:r>
-              <a:rPr lang="en-US" altLang="zh-CN" sz="1000" dirty="0" smtClean="0">
-                <a:solidFill>
-                  <a:srgbClr val="FF0000"/>
-                </a:solidFill>
-              </a:rPr>
-              <a:t>(</a:t>
-            </a:r>
-            <a:r>
-              <a:rPr lang="zh-CN" altLang="en-US" sz="1000" dirty="0" smtClean="0">
-                <a:solidFill>
-                  <a:srgbClr val="FF0000"/>
-                </a:solidFill>
-              </a:rPr>
-              <a:t>天</a:t>
-            </a:r>
-            <a:r>
-              <a:rPr lang="en-US" altLang="zh-CN" sz="1000" dirty="0" smtClean="0">
-                <a:solidFill>
-                  <a:srgbClr val="FF0000"/>
-                </a:solidFill>
-              </a:rPr>
-              <a:t>:0...31) ||MM(</a:t>
-            </a:r>
-            <a:r>
-              <a:rPr lang="zh-CN" altLang="en-US" sz="1000" dirty="0" smtClean="0">
-                <a:solidFill>
-                  <a:srgbClr val="FF0000"/>
-                </a:solidFill>
-              </a:rPr>
-              <a:t>月</a:t>
-            </a:r>
-            <a:r>
-              <a:rPr lang="en-US" altLang="zh-CN" sz="1000" dirty="0" smtClean="0">
-                <a:solidFill>
-                  <a:srgbClr val="FF0000"/>
-                </a:solidFill>
-              </a:rPr>
-              <a:t>1...12) ||</a:t>
-            </a:r>
-            <a:r>
-              <a:rPr lang="en-US" altLang="zh-CN" sz="1000" dirty="0" err="1" smtClean="0">
-                <a:solidFill>
-                  <a:srgbClr val="FF0000"/>
-                </a:solidFill>
-              </a:rPr>
-              <a:t>MMdd</a:t>
-            </a:r>
-            <a:r>
-              <a:rPr lang="en-US" altLang="zh-CN" sz="1000" dirty="0" smtClean="0">
-                <a:solidFill>
-                  <a:srgbClr val="FF0000"/>
-                </a:solidFill>
-              </a:rPr>
-              <a:t>(</a:t>
-            </a:r>
-            <a:r>
-              <a:rPr lang="zh-CN" altLang="en-US" sz="1000" dirty="0" smtClean="0">
-                <a:solidFill>
-                  <a:srgbClr val="FF0000"/>
-                </a:solidFill>
-              </a:rPr>
-              <a:t>月日</a:t>
-            </a:r>
-            <a:r>
-              <a:rPr lang="en-US" altLang="zh-CN" sz="1000" dirty="0" smtClean="0">
-                <a:solidFill>
-                  <a:srgbClr val="FF0000"/>
-                </a:solidFill>
-              </a:rPr>
-              <a:t>)||w(</a:t>
-            </a:r>
-            <a:r>
-              <a:rPr lang="zh-CN" altLang="en-US" sz="1000" dirty="0" smtClean="0">
-                <a:solidFill>
-                  <a:srgbClr val="FF0000"/>
-                </a:solidFill>
-              </a:rPr>
-              <a:t>星期日</a:t>
-            </a:r>
-            <a:r>
-              <a:rPr lang="en-US" altLang="zh-CN" sz="1000" dirty="0" smtClean="0">
-                <a:solidFill>
-                  <a:srgbClr val="FF0000"/>
-                </a:solidFill>
-              </a:rPr>
-              <a:t>:0,</a:t>
-            </a:r>
-            <a:r>
-              <a:rPr lang="zh-CN" altLang="en-US" sz="1000" dirty="0" smtClean="0">
-                <a:solidFill>
-                  <a:srgbClr val="FF0000"/>
-                </a:solidFill>
-              </a:rPr>
-              <a:t>星期一</a:t>
-            </a:r>
-            <a:r>
-              <a:rPr lang="en-US" altLang="zh-CN" sz="1000" dirty="0" smtClean="0">
-                <a:solidFill>
-                  <a:srgbClr val="FF0000"/>
-                </a:solidFill>
-              </a:rPr>
-              <a:t>:1...);</a:t>
-            </a:r>
+                  <a:schemeClr val="tx1">
+                    <a:lumMod val="50000"/>
+                    <a:lumOff val="50000"/>
+                  </a:schemeClr>
+                </a:solidFill>
+              </a:rPr>
+              <a:t>host</a:t>
+            </a:r>
+          </a:p>
+          <a:p>
             <a:endParaRPr lang="en-US" altLang="zh-CN" sz="1000" dirty="0" smtClean="0">
               <a:solidFill>
                 <a:schemeClr val="tx1">
@@ -13466,7 +14195,7 @@
                   </a:schemeClr>
                 </a:solidFill>
               </a:rPr>
-              <a:t>master_multiple_dbs</a:t>
+              <a:t>slave_multiple_dbs</a:t>
             </a:r>
             <a:r>
               <a:rPr lang="en-US" altLang="zh-CN" sz="1000" dirty="0" smtClean="0">
@@ -13501,7 +14230,7 @@
                   </a:schemeClr>
                 </a:solidFill>
               </a:rPr>
-              <a:t>master_multiple_dbs</a:t>
+              <a:t>slave_multiple_dbs</a:t>
             </a:r>
             <a:r>
               <a:rPr lang="en-US" altLang="zh-CN" sz="1000" dirty="0" smtClean="0">
@@ -13512,7 +14241,7 @@
                   </a:schemeClr>
                 </a:solidFill>
               </a:rPr>
-              <a:t>['sc_refund_0000'] = DB_HOST; //key</a:t>
+              <a:t>['sc_refund_0000'] = DB_HOST . "," . DB_HOST; //key</a:t>
             </a:r>
             <a:r>
               <a:rPr lang="zh-CN" altLang="en-US" sz="1000" dirty="0" smtClean="0">
@@ -13545,7 +14274,7 @@
                   </a:schemeClr>
                 </a:solidFill>
               </a:rPr>
-              <a:t>为数据库所在的</a:t>
+              <a:t>为</a:t>
             </a:r>
             <a:r>
               <a:rPr lang="en-US" altLang="zh-CN" sz="1000" dirty="0" smtClean="0">
@@ -13556,6 +14285,28 @@
                   </a:schemeClr>
                 </a:solidFill>
               </a:rPr>
+              <a:t>slave</a:t>
+            </a:r>
+            <a:r>
+              <a:rPr lang="zh-CN" altLang="en-US" sz="1000" dirty="0" smtClean="0">
+                <a:solidFill>
+                  <a:schemeClr val="tx1">
+                    <a:lumMod val="50000"/>
+                    <a:lumOff val="50000"/>
+                  </a:schemeClr>
+                </a:solidFill>
+              </a:rPr>
+              <a:t>库所在的</a:t>
+            </a:r>
+            <a:r>
+              <a:rPr lang="en-US" altLang="zh-CN" sz="1000" dirty="0" smtClean="0">
+                <a:solidFill>
+                  <a:schemeClr val="tx1">
+                    <a:lumMod val="50000"/>
+                    <a:lumOff val="50000"/>
+                  </a:schemeClr>
+                </a:solidFill>
+              </a:rPr>
               <a:t>host</a:t>
             </a:r>
             <a:r>
@@ -13567,8 +14318,32 @@
                   </a:schemeClr>
                 </a:solidFill>
               </a:rPr>
-              <a:t>，此</a:t>
-            </a:r>
+              <a:t>列表，多台用英文半角逗号分隔开，系统随机读其中一台，如果下面</a:t>
+            </a:r>
+            <a:r>
+              <a:rPr lang="en-US" altLang="zh-CN" sz="1000" dirty="0" err="1" smtClean="0">
+                <a:solidFill>
+                  <a:schemeClr val="tx1">
+                    <a:lumMod val="50000"/>
+                    <a:lumOff val="50000"/>
+                  </a:schemeClr>
+                </a:solidFill>
+              </a:rPr>
+              <a:t>read_db_hosts</a:t>
+            </a:r>
+            <a:r>
+              <a:rPr lang="zh-CN" altLang="en-US" sz="1000" dirty="0" smtClean="0">
+                <a:solidFill>
+                  <a:schemeClr val="tx1">
+                    <a:lumMod val="50000"/>
+                    <a:lumOff val="50000"/>
+                  </a:schemeClr>
+                </a:solidFill>
+              </a:rPr>
+              <a:t>配置了</a:t>
+            </a:r>
+          </a:p>
+          <a:p>
             <a:r>
               <a:rPr lang="en-US" altLang="zh-CN" sz="1000" dirty="0" smtClean="0">
                 <a:solidFill>
@@ -13578,7 +14353,189 @@
                   </a:schemeClr>
                 </a:solidFill>
               </a:rPr>
-              <a:t>value</a:t>
+              <a:t>$</a:t>
+            </a:r>
+            <a:r>
+              <a:rPr lang="en-US" altLang="zh-CN" sz="1000" dirty="0" err="1" smtClean="0">
+                <a:solidFill>
+                  <a:schemeClr val="tx1">
+                    <a:lumMod val="50000"/>
+                    <a:lumOff val="50000"/>
+                  </a:schemeClr>
+                </a:solidFill>
+              </a:rPr>
+              <a:t>slave_multiple_dbs</a:t>
+            </a:r>
+            <a:r>
+              <a:rPr lang="en-US" altLang="zh-CN" sz="1000" dirty="0" smtClean="0">
+                <a:solidFill>
+                  <a:schemeClr val="tx1">
+                    <a:lumMod val="50000"/>
+                    <a:lumOff val="50000"/>
+                  </a:schemeClr>
+                </a:solidFill>
+              </a:rPr>
+              <a:t>['sc_refund_0001'] = DB_HOST . "," . DB_HOST;</a:t>
+            </a:r>
+          </a:p>
+          <a:p>
+            <a:r>
+              <a:rPr lang="en-US" altLang="zh-CN" sz="1000" dirty="0" smtClean="0">
+                <a:solidFill>
+                  <a:schemeClr val="tx1">
+                    <a:lumMod val="50000"/>
+                    <a:lumOff val="50000"/>
+                  </a:schemeClr>
+                </a:solidFill>
+              </a:rPr>
+              <a:t>$</a:t>
+            </a:r>
+            <a:r>
+              <a:rPr lang="en-US" altLang="zh-CN" sz="1000" dirty="0" err="1" smtClean="0">
+                <a:solidFill>
+                  <a:schemeClr val="tx1">
+                    <a:lumMod val="50000"/>
+                    <a:lumOff val="50000"/>
+                  </a:schemeClr>
+                </a:solidFill>
+              </a:rPr>
+              <a:t>slave_multiple_dbs</a:t>
+            </a:r>
+            <a:r>
+              <a:rPr lang="en-US" altLang="zh-CN" sz="1000" dirty="0" smtClean="0">
+                <a:solidFill>
+                  <a:schemeClr val="tx1">
+                    <a:lumMod val="50000"/>
+                    <a:lumOff val="50000"/>
+                  </a:schemeClr>
+                </a:solidFill>
+              </a:rPr>
+              <a:t>['sc_refund_0002'] = DB_HOST . "," . DB_HOST;</a:t>
+            </a:r>
+          </a:p>
+          <a:p>
+            <a:r>
+              <a:rPr lang="en-US" altLang="zh-CN" sz="1000" dirty="0" smtClean="0">
+                <a:solidFill>
+                  <a:schemeClr val="tx1">
+                    <a:lumMod val="50000"/>
+                    <a:lumOff val="50000"/>
+                  </a:schemeClr>
+                </a:solidFill>
+              </a:rPr>
+              <a:t>$</a:t>
+            </a:r>
+            <a:r>
+              <a:rPr lang="en-US" altLang="zh-CN" sz="1000" dirty="0" err="1" smtClean="0">
+                <a:solidFill>
+                  <a:schemeClr val="tx1">
+                    <a:lumMod val="50000"/>
+                    <a:lumOff val="50000"/>
+                  </a:schemeClr>
+                </a:solidFill>
+              </a:rPr>
+              <a:t>slave_multiple_dbs</a:t>
+            </a:r>
+            <a:r>
+              <a:rPr lang="en-US" altLang="zh-CN" sz="1000" dirty="0" smtClean="0">
+                <a:solidFill>
+                  <a:schemeClr val="tx1">
+                    <a:lumMod val="50000"/>
+                    <a:lumOff val="50000"/>
+                  </a:schemeClr>
+                </a:solidFill>
+              </a:rPr>
+              <a:t>['sc_refund_0003'] = DB_HOST . "," . DB_HOST;</a:t>
+            </a:r>
+          </a:p>
+          <a:p>
+            <a:r>
+              <a:rPr lang="en-US" altLang="zh-CN" sz="1000" dirty="0" smtClean="0">
+                <a:solidFill>
+                  <a:schemeClr val="tx1">
+                    <a:lumMod val="50000"/>
+                    <a:lumOff val="50000"/>
+                  </a:schemeClr>
+                </a:solidFill>
+              </a:rPr>
+              <a:t>$</a:t>
+            </a:r>
+            <a:r>
+              <a:rPr lang="en-US" altLang="zh-CN" sz="1000" dirty="0" err="1" smtClean="0">
+                <a:solidFill>
+                  <a:schemeClr val="tx1">
+                    <a:lumMod val="50000"/>
+                    <a:lumOff val="50000"/>
+                  </a:schemeClr>
+                </a:solidFill>
+              </a:rPr>
+              <a:t>multiple_config</a:t>
+            </a:r>
+            <a:r>
+              <a:rPr lang="en-US" altLang="zh-CN" sz="1000" dirty="0" smtClean="0">
+                <a:solidFill>
+                  <a:schemeClr val="tx1">
+                    <a:lumMod val="50000"/>
+                    <a:lumOff val="50000"/>
+                  </a:schemeClr>
+                </a:solidFill>
+              </a:rPr>
+              <a:t>['</a:t>
+            </a:r>
+            <a:r>
+              <a:rPr lang="en-US" altLang="zh-CN" sz="1000" dirty="0" err="1" smtClean="0">
+                <a:solidFill>
+                  <a:schemeClr val="tx1">
+                    <a:lumMod val="50000"/>
+                    <a:lumOff val="50000"/>
+                  </a:schemeClr>
+                </a:solidFill>
+              </a:rPr>
+              <a:t>read_db_hosts</a:t>
+            </a:r>
+            <a:r>
+              <a:rPr lang="en-US" altLang="zh-CN" sz="1000" dirty="0" smtClean="0">
+                <a:solidFill>
+                  <a:schemeClr val="tx1">
+                    <a:lumMod val="50000"/>
+                    <a:lumOff val="50000"/>
+                  </a:schemeClr>
+                </a:solidFill>
+              </a:rPr>
+              <a:t>'] = $</a:t>
+            </a:r>
+            <a:r>
+              <a:rPr lang="en-US" altLang="zh-CN" sz="1000" dirty="0" err="1" smtClean="0">
+                <a:solidFill>
+                  <a:schemeClr val="tx1">
+                    <a:lumMod val="50000"/>
+                    <a:lumOff val="50000"/>
+                  </a:schemeClr>
+                </a:solidFill>
+              </a:rPr>
+              <a:t>slave_multiple_dbs</a:t>
+            </a:r>
+            <a:r>
+              <a:rPr lang="en-US" altLang="zh-CN" sz="1000" dirty="0" smtClean="0">
+                <a:solidFill>
+                  <a:schemeClr val="tx1">
+                    <a:lumMod val="50000"/>
+                    <a:lumOff val="50000"/>
+                  </a:schemeClr>
+                </a:solidFill>
+              </a:rPr>
+              <a:t>;//</a:t>
+            </a:r>
+            <a:r>
+              <a:rPr lang="en-US" altLang="zh-CN" sz="1000" dirty="0" err="1" smtClean="0">
+                <a:solidFill>
+                  <a:schemeClr val="tx1">
+                    <a:lumMod val="50000"/>
+                    <a:lumOff val="50000"/>
+                  </a:schemeClr>
+                </a:solidFill>
+              </a:rPr>
+              <a:t>dbroute</a:t>
             </a:r>
             <a:r>
               <a:rPr lang="zh-CN" altLang="en-US" sz="1000" dirty="0" smtClean="0">
@@ -13589,7 +14546,7 @@
                   </a:schemeClr>
                 </a:solidFill>
               </a:rPr>
-              <a:t>只能配置一个</a:t>
+              <a:t>根据</a:t>
             </a:r>
             <a:r>
               <a:rPr lang="en-US" altLang="zh-CN" sz="1000" dirty="0" smtClean="0">
@@ -13600,10 +14557,30 @@
                   </a:schemeClr>
                 </a:solidFill>
               </a:rPr>
-              <a:t>IP</a:t>
-            </a:r>
-          </a:p>
-          <a:p>
+              <a:t>key</a:t>
+            </a:r>
+            <a:r>
+              <a:rPr lang="zh-CN" altLang="en-US" sz="1000" dirty="0" smtClean="0">
+                <a:solidFill>
+                  <a:schemeClr val="tx1">
+                    <a:lumMod val="50000"/>
+                    <a:lumOff val="50000"/>
+                  </a:schemeClr>
+                </a:solidFill>
+              </a:rPr>
+              <a:t>为‘</a:t>
+            </a:r>
+            <a:r>
+              <a:rPr lang="en-US" altLang="zh-CN" sz="1000" dirty="0" err="1" smtClean="0">
+                <a:solidFill>
+                  <a:schemeClr val="tx1">
+                    <a:lumMod val="50000"/>
+                    <a:lumOff val="50000"/>
+                  </a:schemeClr>
+                </a:solidFill>
+              </a:rPr>
+              <a:t>read_db_hosts</a:t>
+            </a:r>
             <a:r>
               <a:rPr lang="en-US" altLang="zh-CN" sz="1000" dirty="0" smtClean="0">
                 <a:solidFill>
@@ -13613,178 +14590,7 @@
                   </a:schemeClr>
                 </a:solidFill>
               </a:rPr>
-              <a:t>$</a:t>
-            </a:r>
-            <a:r>
-              <a:rPr lang="en-US" altLang="zh-CN" sz="1000" dirty="0" err="1" smtClean="0">
-                <a:solidFill>
-                  <a:schemeClr val="tx1">
-                    <a:lumMod val="50000"/>
-                    <a:lumOff val="50000"/>
-                  </a:schemeClr>
-                </a:solidFill>
-              </a:rPr>
-              <a:t>master_multiple_dbs</a:t>
-            </a:r>
-            <a:r>
-              <a:rPr lang="en-US" altLang="zh-CN" sz="1000" dirty="0" smtClean="0">
-                <a:solidFill>
-                  <a:schemeClr val="tx1">
-                    <a:lumMod val="50000"/>
-                    <a:lumOff val="50000"/>
-                  </a:schemeClr>
-                </a:solidFill>
-              </a:rPr>
-              <a:t>['sc_refund_0001'] = DB_HOST;</a:t>
-            </a:r>
-          </a:p>
-          <a:p>
-            <a:r>
-              <a:rPr lang="en-US" altLang="zh-CN" sz="1000" dirty="0" smtClean="0">
-                <a:solidFill>
-                  <a:schemeClr val="tx1">
-                    <a:lumMod val="50000"/>
-                    <a:lumOff val="50000"/>
-                  </a:schemeClr>
-                </a:solidFill>
-              </a:rPr>
-              <a:t>$</a:t>
-            </a:r>
-            <a:r>
-              <a:rPr lang="en-US" altLang="zh-CN" sz="1000" dirty="0" err="1" smtClean="0">
-                <a:solidFill>
-                  <a:schemeClr val="tx1">
-                    <a:lumMod val="50000"/>
-                    <a:lumOff val="50000"/>
-                  </a:schemeClr>
-                </a:solidFill>
-              </a:rPr>
-              <a:t>master_multiple_dbs</a:t>
-            </a:r>
-            <a:r>
-              <a:rPr lang="en-US" altLang="zh-CN" sz="1000" dirty="0" smtClean="0">
-                <a:solidFill>
-                  <a:schemeClr val="tx1">
-                    <a:lumMod val="50000"/>
-                    <a:lumOff val="50000"/>
-                  </a:schemeClr>
-                </a:solidFill>
-              </a:rPr>
-              <a:t>['sc_refund_0002'] = DB_HOST;</a:t>
-            </a:r>
-          </a:p>
-          <a:p>
-            <a:r>
-              <a:rPr lang="en-US" altLang="zh-CN" sz="1000" dirty="0" smtClean="0">
-                <a:solidFill>
-                  <a:schemeClr val="tx1">
-                    <a:lumMod val="50000"/>
-                    <a:lumOff val="50000"/>
-                  </a:schemeClr>
-                </a:solidFill>
-              </a:rPr>
-              <a:t>$</a:t>
-            </a:r>
-            <a:r>
-              <a:rPr lang="en-US" altLang="zh-CN" sz="1000" dirty="0" err="1" smtClean="0">
-                <a:solidFill>
-                  <a:schemeClr val="tx1">
-                    <a:lumMod val="50000"/>
-                    <a:lumOff val="50000"/>
-                  </a:schemeClr>
-                </a:solidFill>
-              </a:rPr>
-              <a:t>master_multiple_dbs</a:t>
-            </a:r>
-            <a:r>
-              <a:rPr lang="en-US" altLang="zh-CN" sz="1000" dirty="0" smtClean="0">
-                <a:solidFill>
-                  <a:schemeClr val="tx1">
-                    <a:lumMod val="50000"/>
-                    <a:lumOff val="50000"/>
-                  </a:schemeClr>
-                </a:solidFill>
-              </a:rPr>
-              <a:t>['sc_refund_0003'] = DB_HOST;</a:t>
-            </a:r>
-          </a:p>
-          <a:p>
-            <a:r>
-              <a:rPr lang="en-US" altLang="zh-CN" sz="1000" dirty="0" smtClean="0">
-                <a:solidFill>
-                  <a:schemeClr val="tx1">
-                    <a:lumMod val="50000"/>
-                    <a:lumOff val="50000"/>
-                  </a:schemeClr>
-                </a:solidFill>
-              </a:rPr>
-              <a:t>$</a:t>
-            </a:r>
-            <a:r>
-              <a:rPr lang="en-US" altLang="zh-CN" sz="1000" dirty="0" err="1" smtClean="0">
-                <a:solidFill>
-                  <a:schemeClr val="tx1">
-                    <a:lumMod val="50000"/>
-                    <a:lumOff val="50000"/>
-                  </a:schemeClr>
-                </a:solidFill>
-              </a:rPr>
-              <a:t>multiple_config</a:t>
-            </a:r>
-            <a:r>
-              <a:rPr lang="en-US" altLang="zh-CN" sz="1000" dirty="0" smtClean="0">
-                <a:solidFill>
-                  <a:schemeClr val="tx1">
-                    <a:lumMod val="50000"/>
-                    <a:lumOff val="50000"/>
-                  </a:schemeClr>
-                </a:solidFill>
-              </a:rPr>
-              <a:t>['</a:t>
-            </a:r>
-            <a:r>
-              <a:rPr lang="en-US" altLang="zh-CN" sz="1000" dirty="0" err="1" smtClean="0">
-                <a:solidFill>
-                  <a:schemeClr val="tx1">
-                    <a:lumMod val="50000"/>
-                    <a:lumOff val="50000"/>
-                  </a:schemeClr>
-                </a:solidFill>
-              </a:rPr>
-              <a:t>db_hosts</a:t>
-            </a:r>
-            <a:r>
-              <a:rPr lang="en-US" altLang="zh-CN" sz="1000" dirty="0" smtClean="0">
-                <a:solidFill>
-                  <a:schemeClr val="tx1">
-                    <a:lumMod val="50000"/>
-                    <a:lumOff val="50000"/>
-                  </a:schemeClr>
-                </a:solidFill>
-              </a:rPr>
-              <a:t>'] = $</a:t>
-            </a:r>
-            <a:r>
-              <a:rPr lang="en-US" altLang="zh-CN" sz="1000" dirty="0" err="1" smtClean="0">
-                <a:solidFill>
-                  <a:schemeClr val="tx1">
-                    <a:lumMod val="50000"/>
-                    <a:lumOff val="50000"/>
-                  </a:schemeClr>
-                </a:solidFill>
-              </a:rPr>
-              <a:t>master_multiple_dbs</a:t>
-            </a:r>
-            <a:r>
-              <a:rPr lang="en-US" altLang="zh-CN" sz="1000" dirty="0" smtClean="0">
-                <a:solidFill>
-                  <a:schemeClr val="tx1">
-                    <a:lumMod val="50000"/>
-                    <a:lumOff val="50000"/>
-                  </a:schemeClr>
-                </a:solidFill>
-              </a:rPr>
-              <a:t>; //</a:t>
+              <a:t>’</a:t>
             </a:r>
             <a:r>
               <a:rPr lang="zh-CN" altLang="en-US" sz="1000" dirty="0" smtClean="0">
@@ -13795,472 +14601,10 @@
                   </a:schemeClr>
                 </a:solidFill>
               </a:rPr>
-              <a:t>每个主库存放在哪个</a:t>
-            </a:r>
-            <a:r>
-              <a:rPr lang="en-US" altLang="zh-CN" sz="1000" dirty="0" smtClean="0">
-                <a:solidFill>
-                  <a:schemeClr val="tx1">
-                    <a:lumMod val="50000"/>
-                    <a:lumOff val="50000"/>
-                  </a:schemeClr>
-                </a:solidFill>
-              </a:rPr>
-              <a:t>host</a:t>
-            </a:r>
-          </a:p>
-          <a:p>
-            <a:endParaRPr lang="en-US" altLang="zh-CN" sz="1000" dirty="0" smtClean="0">
-              <a:solidFill>
-                <a:schemeClr val="tx1">
-                  <a:lumMod val="50000"/>
-                  <a:lumOff val="50000"/>
-                </a:schemeClr>
-              </a:solidFill>
-            </a:endParaRPr>
-          </a:p>
-          <a:p>
-            <a:r>
-              <a:rPr lang="en-US" altLang="zh-CN" sz="1000" dirty="0" smtClean="0">
-                <a:solidFill>
-                  <a:schemeClr val="tx1">
-                    <a:lumMod val="50000"/>
-                    <a:lumOff val="50000"/>
-                  </a:schemeClr>
-                </a:solidFill>
-              </a:rPr>
-              <a:t>$</a:t>
-            </a:r>
-            <a:r>
-              <a:rPr lang="en-US" altLang="zh-CN" sz="1000" dirty="0" err="1" smtClean="0">
-                <a:solidFill>
-                  <a:schemeClr val="tx1">
-                    <a:lumMod val="50000"/>
-                    <a:lumOff val="50000"/>
-                  </a:schemeClr>
-                </a:solidFill>
-              </a:rPr>
-              <a:t>slave_multiple_dbs</a:t>
-            </a:r>
-            <a:r>
-              <a:rPr lang="en-US" altLang="zh-CN" sz="1000" dirty="0" smtClean="0">
-                <a:solidFill>
-                  <a:schemeClr val="tx1">
-                    <a:lumMod val="50000"/>
-                    <a:lumOff val="50000"/>
-                  </a:schemeClr>
-                </a:solidFill>
-              </a:rPr>
-              <a:t> = array();</a:t>
-            </a:r>
-          </a:p>
-          <a:p>
-            <a:r>
-              <a:rPr lang="en-US" altLang="zh-CN" sz="1000" dirty="0" smtClean="0">
-                <a:solidFill>
-                  <a:schemeClr val="tx1">
-                    <a:lumMod val="50000"/>
-                    <a:lumOff val="50000"/>
-                  </a:schemeClr>
-                </a:solidFill>
-              </a:rPr>
-              <a:t>$</a:t>
-            </a:r>
-            <a:r>
-              <a:rPr lang="en-US" altLang="zh-CN" sz="1000" dirty="0" err="1" smtClean="0">
-                <a:solidFill>
-                  <a:schemeClr val="tx1">
-                    <a:lumMod val="50000"/>
-                    <a:lumOff val="50000"/>
-                  </a:schemeClr>
-                </a:solidFill>
-              </a:rPr>
-              <a:t>slave_multiple_dbs</a:t>
-            </a:r>
-            <a:r>
-              <a:rPr lang="en-US" altLang="zh-CN" sz="1000" dirty="0" smtClean="0">
-                <a:solidFill>
-                  <a:schemeClr val="tx1">
-                    <a:lumMod val="50000"/>
-                    <a:lumOff val="50000"/>
-                  </a:schemeClr>
-                </a:solidFill>
-              </a:rPr>
-              <a:t>['sc_refund_0000'] = DB_HOST . "," . DB_HOST; //key</a:t>
-            </a:r>
-            <a:r>
-              <a:rPr lang="zh-CN" altLang="en-US" sz="1000" dirty="0" smtClean="0">
-                <a:solidFill>
-                  <a:schemeClr val="tx1">
-                    <a:lumMod val="50000"/>
-                    <a:lumOff val="50000"/>
-                  </a:schemeClr>
-                </a:solidFill>
-              </a:rPr>
-              <a:t>为数据库名，</a:t>
-            </a:r>
-            <a:r>
-              <a:rPr lang="en-US" altLang="zh-CN" sz="1000" dirty="0" smtClean="0">
-                <a:solidFill>
-                  <a:schemeClr val="tx1">
-                    <a:lumMod val="50000"/>
-                    <a:lumOff val="50000"/>
-                  </a:schemeClr>
-                </a:solidFill>
-              </a:rPr>
-              <a:t>value</a:t>
-            </a:r>
-            <a:r>
-              <a:rPr lang="zh-CN" altLang="en-US" sz="1000" dirty="0" smtClean="0">
-                <a:solidFill>
-                  <a:schemeClr val="tx1">
-                    <a:lumMod val="50000"/>
-                    <a:lumOff val="50000"/>
-                  </a:schemeClr>
-                </a:solidFill>
-              </a:rPr>
-              <a:t>为</a:t>
-            </a:r>
-            <a:r>
-              <a:rPr lang="en-US" altLang="zh-CN" sz="1000" dirty="0" smtClean="0">
-                <a:solidFill>
-                  <a:schemeClr val="tx1">
-                    <a:lumMod val="50000"/>
-                    <a:lumOff val="50000"/>
-                  </a:schemeClr>
-                </a:solidFill>
-              </a:rPr>
-              <a:t>slave</a:t>
-            </a:r>
-            <a:r>
-              <a:rPr lang="zh-CN" altLang="en-US" sz="1000" dirty="0" smtClean="0">
-                <a:solidFill>
-                  <a:schemeClr val="tx1">
-                    <a:lumMod val="50000"/>
-                    <a:lumOff val="50000"/>
-                  </a:schemeClr>
-                </a:solidFill>
-              </a:rPr>
-              <a:t>库所在的</a:t>
-            </a:r>
-            <a:r>
-              <a:rPr lang="en-US" altLang="zh-CN" sz="1000" dirty="0" smtClean="0">
-                <a:solidFill>
-                  <a:schemeClr val="tx1">
-                    <a:lumMod val="50000"/>
-                    <a:lumOff val="50000"/>
-                  </a:schemeClr>
-                </a:solidFill>
-              </a:rPr>
-              <a:t>host</a:t>
-            </a:r>
-            <a:r>
-              <a:rPr lang="zh-CN" altLang="en-US" sz="1000" dirty="0" smtClean="0">
-                <a:solidFill>
-                  <a:schemeClr val="tx1">
-                    <a:lumMod val="50000"/>
-                    <a:lumOff val="50000"/>
-                  </a:schemeClr>
-                </a:solidFill>
-              </a:rPr>
-              <a:t>列表，多台用英文半角逗号分隔开，系统随机读其中一台，如果下面</a:t>
-            </a:r>
-            <a:r>
-              <a:rPr lang="en-US" altLang="zh-CN" sz="1000" dirty="0" err="1" smtClean="0">
-                <a:solidFill>
-                  <a:schemeClr val="tx1">
-                    <a:lumMod val="50000"/>
-                    <a:lumOff val="50000"/>
-                  </a:schemeClr>
-                </a:solidFill>
-              </a:rPr>
-              <a:t>read_db_hosts</a:t>
-            </a:r>
-            <a:r>
-              <a:rPr lang="zh-CN" altLang="en-US" sz="1000" dirty="0" smtClean="0">
-                <a:solidFill>
-                  <a:schemeClr val="tx1">
-                    <a:lumMod val="50000"/>
-                    <a:lumOff val="50000"/>
-                  </a:schemeClr>
-                </a:solidFill>
-              </a:rPr>
-              <a:t>配置了</a:t>
-            </a:r>
-          </a:p>
-          <a:p>
-            <a:r>
-              <a:rPr lang="en-US" altLang="zh-CN" sz="1000" dirty="0" smtClean="0">
-                <a:solidFill>
-                  <a:schemeClr val="tx1">
-                    <a:lumMod val="50000"/>
-                    <a:lumOff val="50000"/>
-                  </a:schemeClr>
-                </a:solidFill>
-              </a:rPr>
-              <a:t>$</a:t>
-            </a:r>
-            <a:r>
-              <a:rPr lang="en-US" altLang="zh-CN" sz="1000" dirty="0" err="1" smtClean="0">
-                <a:solidFill>
-                  <a:schemeClr val="tx1">
-                    <a:lumMod val="50000"/>
-                    <a:lumOff val="50000"/>
-                  </a:schemeClr>
-                </a:solidFill>
-              </a:rPr>
-              <a:t>slave_multiple_dbs</a:t>
-            </a:r>
-            <a:r>
-              <a:rPr lang="en-US" altLang="zh-CN" sz="1000" dirty="0" smtClean="0">
-                <a:solidFill>
-                  <a:schemeClr val="tx1">
-                    <a:lumMod val="50000"/>
-                    <a:lumOff val="50000"/>
-                  </a:schemeClr>
-                </a:solidFill>
-              </a:rPr>
-              <a:t>['sc_refund_0001'] = DB_HOST . "," . DB_HOST;</a:t>
-            </a:r>
-          </a:p>
-          <a:p>
-            <a:r>
-              <a:rPr lang="en-US" altLang="zh-CN" sz="1000" dirty="0" smtClean="0">
-                <a:solidFill>
-                  <a:schemeClr val="tx1">
-                    <a:lumMod val="50000"/>
-                    <a:lumOff val="50000"/>
-                  </a:schemeClr>
-                </a:solidFill>
-              </a:rPr>
-              <a:t>$</a:t>
-            </a:r>
-            <a:r>
-              <a:rPr lang="en-US" altLang="zh-CN" sz="1000" dirty="0" err="1" smtClean="0">
-                <a:solidFill>
-                  <a:schemeClr val="tx1">
-                    <a:lumMod val="50000"/>
-                    <a:lumOff val="50000"/>
-                  </a:schemeClr>
-                </a:solidFill>
-              </a:rPr>
-              <a:t>slave_multiple_dbs</a:t>
-            </a:r>
-            <a:r>
-              <a:rPr lang="en-US" altLang="zh-CN" sz="1000" dirty="0" smtClean="0">
-                <a:solidFill>
-                  <a:schemeClr val="tx1">
-                    <a:lumMod val="50000"/>
-                    <a:lumOff val="50000"/>
-                  </a:schemeClr>
-                </a:solidFill>
-              </a:rPr>
-              <a:t>['sc_refund_0002'] = DB_HOST . "," . DB_HOST;</a:t>
-            </a:r>
-          </a:p>
-          <a:p>
-            <a:r>
-              <a:rPr lang="en-US" altLang="zh-CN" sz="1000" dirty="0" smtClean="0">
-                <a:solidFill>
-                  <a:schemeClr val="tx1">
-                    <a:lumMod val="50000"/>
-                    <a:lumOff val="50000"/>
-                  </a:schemeClr>
-                </a:solidFill>
-              </a:rPr>
-              <a:t>$</a:t>
-            </a:r>
-            <a:r>
-              <a:rPr lang="en-US" altLang="zh-CN" sz="1000" dirty="0" err="1" smtClean="0">
-                <a:solidFill>
-                  <a:schemeClr val="tx1">
-                    <a:lumMod val="50000"/>
-                    <a:lumOff val="50000"/>
-                  </a:schemeClr>
-                </a:solidFill>
-              </a:rPr>
-              <a:t>slave_multiple_dbs</a:t>
-            </a:r>
-            <a:r>
-              <a:rPr lang="en-US" altLang="zh-CN" sz="1000" dirty="0" smtClean="0">
-                <a:solidFill>
-                  <a:schemeClr val="tx1">
-                    <a:lumMod val="50000"/>
-                    <a:lumOff val="50000"/>
-                  </a:schemeClr>
-                </a:solidFill>
-              </a:rPr>
-              <a:t>['sc_refund_0003'] = DB_HOST . "," . DB_HOST;</a:t>
-            </a:r>
-          </a:p>
-          <a:p>
-            <a:r>
-              <a:rPr lang="en-US" altLang="zh-CN" sz="1000" dirty="0" smtClean="0">
-                <a:solidFill>
-                  <a:schemeClr val="tx1">
-                    <a:lumMod val="50000"/>
-                    <a:lumOff val="50000"/>
-                  </a:schemeClr>
-                </a:solidFill>
-              </a:rPr>
-              <a:t>$</a:t>
-            </a:r>
-            <a:r>
-              <a:rPr lang="en-US" altLang="zh-CN" sz="1000" dirty="0" err="1" smtClean="0">
-                <a:solidFill>
-                  <a:schemeClr val="tx1">
-                    <a:lumMod val="50000"/>
-                    <a:lumOff val="50000"/>
-                  </a:schemeClr>
-                </a:solidFill>
-              </a:rPr>
-              <a:t>multiple_config</a:t>
-            </a:r>
-            <a:r>
-              <a:rPr lang="en-US" altLang="zh-CN" sz="1000" dirty="0" smtClean="0">
-                <a:solidFill>
-                  <a:schemeClr val="tx1">
-                    <a:lumMod val="50000"/>
-                    <a:lumOff val="50000"/>
-                  </a:schemeClr>
-                </a:solidFill>
-              </a:rPr>
-              <a:t>['</a:t>
-            </a:r>
-            <a:r>
-              <a:rPr lang="en-US" altLang="zh-CN" sz="1000" dirty="0" err="1" smtClean="0">
-                <a:solidFill>
-                  <a:schemeClr val="tx1">
-                    <a:lumMod val="50000"/>
-                    <a:lumOff val="50000"/>
-                  </a:schemeClr>
-                </a:solidFill>
-              </a:rPr>
-              <a:t>read_db_hosts</a:t>
-            </a:r>
-            <a:r>
-              <a:rPr lang="en-US" altLang="zh-CN" sz="1000" dirty="0" smtClean="0">
-                <a:solidFill>
-                  <a:schemeClr val="tx1">
-                    <a:lumMod val="50000"/>
-                    <a:lumOff val="50000"/>
-                  </a:schemeClr>
-                </a:solidFill>
-              </a:rPr>
-              <a:t>'] = $</a:t>
-            </a:r>
-            <a:r>
-              <a:rPr lang="en-US" altLang="zh-CN" sz="1000" dirty="0" err="1" smtClean="0">
-                <a:solidFill>
-                  <a:schemeClr val="tx1">
-                    <a:lumMod val="50000"/>
-                    <a:lumOff val="50000"/>
-                  </a:schemeClr>
-                </a:solidFill>
-              </a:rPr>
-              <a:t>slave_multiple_dbs</a:t>
-            </a:r>
-            <a:r>
-              <a:rPr lang="en-US" altLang="zh-CN" sz="1000" dirty="0" smtClean="0">
-                <a:solidFill>
-                  <a:schemeClr val="tx1">
-                    <a:lumMod val="50000"/>
-                    <a:lumOff val="50000"/>
-                  </a:schemeClr>
-                </a:solidFill>
-              </a:rPr>
-              <a:t>;//</a:t>
-            </a:r>
-            <a:r>
-              <a:rPr lang="en-US" altLang="zh-CN" sz="1000" dirty="0" err="1" smtClean="0">
-                <a:solidFill>
-                  <a:schemeClr val="tx1">
-                    <a:lumMod val="50000"/>
-                    <a:lumOff val="50000"/>
-                  </a:schemeClr>
-                </a:solidFill>
-              </a:rPr>
-              <a:t>dbroute</a:t>
-            </a:r>
-            <a:r>
-              <a:rPr lang="zh-CN" altLang="en-US" sz="1000" dirty="0" smtClean="0">
-                <a:solidFill>
-                  <a:schemeClr val="tx1">
-                    <a:lumMod val="50000"/>
-                    <a:lumOff val="50000"/>
-                  </a:schemeClr>
-                </a:solidFill>
-              </a:rPr>
-              <a:t>根据</a:t>
-            </a:r>
-            <a:r>
-              <a:rPr lang="en-US" altLang="zh-CN" sz="1000" dirty="0" smtClean="0">
-                <a:solidFill>
-                  <a:schemeClr val="tx1">
-                    <a:lumMod val="50000"/>
-                    <a:lumOff val="50000"/>
-                  </a:schemeClr>
-                </a:solidFill>
-              </a:rPr>
-              <a:t>key</a:t>
-            </a:r>
-            <a:r>
-              <a:rPr lang="zh-CN" altLang="en-US" sz="1000" dirty="0" smtClean="0">
-                <a:solidFill>
-                  <a:schemeClr val="tx1">
-                    <a:lumMod val="50000"/>
-                    <a:lumOff val="50000"/>
-                  </a:schemeClr>
-                </a:solidFill>
-              </a:rPr>
-              <a:t>为‘</a:t>
-            </a:r>
-            <a:r>
-              <a:rPr lang="en-US" altLang="zh-CN" sz="1000" dirty="0" err="1" smtClean="0">
-                <a:solidFill>
-                  <a:schemeClr val="tx1">
-                    <a:lumMod val="50000"/>
-                    <a:lumOff val="50000"/>
-                  </a:schemeClr>
-                </a:solidFill>
-              </a:rPr>
-              <a:t>read_db_hosts</a:t>
-            </a:r>
-            <a:r>
-              <a:rPr lang="en-US" altLang="zh-CN" sz="1000" dirty="0" smtClean="0">
-                <a:solidFill>
-                  <a:schemeClr val="tx1">
-                    <a:lumMod val="50000"/>
-                    <a:lumOff val="50000"/>
-                  </a:schemeClr>
-                </a:solidFill>
-              </a:rPr>
-              <a:t>’</a:t>
-            </a:r>
-            <a:r>
-              <a:rPr lang="zh-CN" altLang="en-US" sz="1000" dirty="0" smtClean="0">
-                <a:solidFill>
-                  <a:schemeClr val="tx1">
-                    <a:lumMod val="50000"/>
-                    <a:lumOff val="50000"/>
-                  </a:schemeClr>
-                </a:solidFill>
-              </a:rPr>
               <a:t>是否设置了值 判断是否有读写分离配置</a:t>
             </a:r>
           </a:p>
           <a:p>
-            <a:r>
-              <a:rPr lang="en-US" altLang="zh-CN" sz="1000" dirty="0" smtClean="0">
-                <a:solidFill>
-                  <a:schemeClr val="tx1">
-                    <a:lumMod val="50000"/>
-                    <a:lumOff val="50000"/>
-                  </a:schemeClr>
-                </a:solidFill>
-              </a:rPr>
-              <a:t>/******************************************************************************************************************************************/</a:t>
-            </a:r>
             <a:endParaRPr lang="en-US" altLang="zh-CN" sz="1000" dirty="0">
               <a:solidFill>
                 <a:schemeClr val="tx1">
@@ -14395,7 +14739,7 @@
                 </a:solidFill>
               </a:rPr>
               <a:pPr/>
-              <a:t>8/29/2014</a:t>
+              <a:t>9/1/2014</a:t>
             </a:fld>
             <a:endParaRPr lang="en-US">
               <a:solidFill>
@@ -14848,7 +15192,7 @@
             <a:fld id="{B11D738E-8962-435F-8C43-147B8DD7E819}" type="datetime1">
               <a:rPr lang="en-US" smtClean="0"/>
               <a:pPr/>
-              <a:t>8/29/2014</a:t>
+              <a:t>9/1/2014</a:t>
             </a:fld>
             <a:endParaRPr lang="en-US" dirty="0"/>
           </a:p>
@@ -15951,7 +16295,7 @@
                 </a:solidFill>
               </a:rPr>
               <a:pPr/>
-              <a:t>8/29/2014</a:t>
+              <a:t>9/1/2014</a:t>
             </a:fld>
             <a:endParaRPr lang="en-US">
               <a:solidFill>
@@ -16303,7 +16647,7 @@
                 </a:solidFill>
               </a:rPr>
               <a:pPr/>
-              <a:t>8/29/2014</a:t>
+              <a:t>9/1/2014</a:t>
             </a:fld>
             <a:endParaRPr lang="en-US">
               <a:solidFill>
@@ -16651,7 +16995,7 @@
                 </a:solidFill>
               </a:rPr>
               <a:pPr/>
-              <a:t>8/29/2014</a:t>
+              <a:t>9/1/2014</a:t>
             </a:fld>
             <a:endParaRPr lang="en-US">
               <a:solidFill>
@@ -16830,7 +17174,7 @@
             <a:fld id="{B11D738E-8962-435F-8C43-147B8DD7E819}" type="datetime1">
               <a:rPr lang="en-US" smtClean="0"/>
               <a:pPr/>
-              <a:t>8/29/2014</a:t>
+              <a:t>9/1/2014</a:t>
             </a:fld>
             <a:endParaRPr lang="en-US"/>
           </a:p>
@@ -17028,7 +17372,7 @@
                 </a:solidFill>
               </a:rPr>
               <a:pPr/>
-              <a:t>8/29/2014</a:t>
+              <a:t>9/1/2014</a:t>
             </a:fld>
             <a:endParaRPr lang="en-US">
               <a:solidFill>
@@ -17524,7 +17868,7 @@
                 </a:solidFill>
               </a:rPr>
               <a:pPr/>
-              <a:t>8/29/2014</a:t>
+              <a:t>9/1/2014</a:t>
             </a:fld>
             <a:endParaRPr lang="en-US" dirty="0">
               <a:solidFill>
@@ -18235,7 +18579,7 @@
                 </a:solidFill>
               </a:rPr>
               <a:pPr/>
-              <a:t>8/29/2014</a:t>
+              <a:t>9/1/2014</a:t>
             </a:fld>
             <a:endParaRPr lang="en-US">
               <a:solidFill>
@@ -19099,7 +19443,7 @@
             <a:fld id="{B11D738E-8962-435F-8C43-147B8DD7E819}" type="datetime1">
               <a:rPr lang="en-US" smtClean="0"/>
               <a:pPr/>
-              <a:t>8/29/2014</a:t>
+              <a:t>9/1/2014</a:t>
             </a:fld>
             <a:endParaRPr lang="en-US"/>
           </a:p>
@@ -19662,7 +20006,7 @@
             <a:fld id="{B11D738E-8962-435F-8C43-147B8DD7E819}" type="datetime1">
               <a:rPr lang="en-US" smtClean="0"/>
               <a:pPr/>
-              <a:t>8/29/2014</a:t>
+              <a:t>9/1/2014</a:t>
             </a:fld>
             <a:endParaRPr lang="en-US"/>
           </a:p>
@@ -19803,7 +20147,7 @@
             <a:fld id="{B11D738E-8962-435F-8C43-147B8DD7E819}" type="datetime1">
               <a:rPr lang="en-US" smtClean="0"/>
               <a:pPr/>
-              <a:t>8/29/2014</a:t>
+              <a:t>9/1/2014</a:t>
             </a:fld>
             <a:endParaRPr lang="en-US"/>
           </a:p>
@@ -20189,7 +20533,7 @@
                 </a:solidFill>
               </a:rPr>
               <a:pPr/>
-              <a:t>8/29/2014</a:t>
+              <a:t>9/1/2014</a:t>
             </a:fld>
             <a:endParaRPr lang="en-US" dirty="0">
               <a:solidFill>
@@ -20772,7 +21116,7 @@
             <a:fld id="{B11D738E-8962-435F-8C43-147B8DD7E819}" type="datetime1">
               <a:rPr lang="en-US" smtClean="0"/>
               <a:pPr/>
-              <a:t>8/29/2014</a:t>
+              <a:t>9/1/2014</a:t>
             </a:fld>
             <a:endParaRPr lang="en-US" dirty="0"/>
           </a:p>
@@ -21564,7 +21908,7 @@
             <a:fld id="{B11D738E-8962-435F-8C43-147B8DD7E819}" type="datetime1">
               <a:rPr lang="en-US" smtClean="0"/>
               <a:pPr/>
-              <a:t>8/29/2014</a:t>
+              <a:t>9/1/2014</a:t>
             </a:fld>
             <a:endParaRPr lang="en-US"/>
           </a:p>
@@ -21861,7 +22205,7 @@
             <a:fld id="{B11D738E-8962-435F-8C43-147B8DD7E819}" type="datetime1">
               <a:rPr lang="en-US" smtClean="0"/>
               <a:pPr/>
-              <a:t>8/29/2014</a:t>
+              <a:t>9/1/2014</a:t>
             </a:fld>
             <a:endParaRPr lang="en-US"/>
           </a:p>
@@ -22356,7 +22700,7 @@
                 </a:solidFill>
               </a:rPr>
               <a:pPr/>
-              <a:t>8/29/2014</a:t>
+              <a:t>9/1/2014</a:t>
             </a:fld>
             <a:endParaRPr lang="en-US" dirty="0">
               <a:solidFill>
@@ -22618,7 +22962,7 @@
         </p:spPr>
         <p:txBody>
           <a:bodyPr>
-            <a:normAutofit fontScale="92500" lnSpcReduction="10000"/>
+            <a:normAutofit fontScale="85000" lnSpcReduction="10000"/>
           </a:bodyPr>
           <a:lstStyle/>
           <a:p>
@@ -22631,62 +22975,14 @@
           <a:p>
             <a:r>
               <a:rPr lang="zh-CN" altLang="en-US" dirty="0" smtClean="0"/>
-              <a:t>根据</a:t>
-            </a:r>
-            <a:r>
-              <a:rPr lang="zh-CN" altLang="en-US" dirty="0" smtClean="0"/>
-              <a:t>分库</a:t>
-            </a:r>
-            <a:r>
-              <a:rPr lang="zh-CN" altLang="en-US" dirty="0" smtClean="0"/>
-              <a:t>逻辑</a:t>
-            </a:r>
-            <a:r>
-              <a:rPr lang="zh-CN" altLang="en-US" dirty="0" smtClean="0"/>
-              <a:t>列的值来确定在哪个库中</a:t>
+              <a:t>根据分库逻辑列的值来确定在哪个库中</a:t>
             </a:r>
             <a:endParaRPr lang="en-US" altLang="zh-CN" dirty="0"/>
           </a:p>
           <a:p>
             <a:r>
               <a:rPr lang="zh-CN" altLang="en-US" dirty="0" smtClean="0"/>
-              <a:t>再</a:t>
-            </a:r>
-            <a:r>
-              <a:rPr lang="zh-CN" altLang="en-US" dirty="0" smtClean="0"/>
-              <a:t>根据</a:t>
-            </a:r>
-            <a:r>
-              <a:rPr lang="zh-CN" altLang="en-US" dirty="0" smtClean="0"/>
-              <a:t>分表</a:t>
-            </a:r>
-            <a:r>
-              <a:rPr lang="zh-CN" altLang="en-US" dirty="0" smtClean="0"/>
-              <a:t>逻辑</a:t>
-            </a:r>
-            <a:r>
-              <a:rPr lang="zh-CN" altLang="en-US" dirty="0" smtClean="0"/>
-              <a:t>列</a:t>
-            </a:r>
-            <a:r>
-              <a:rPr lang="zh-CN" altLang="en-US" smtClean="0"/>
-              <a:t>的</a:t>
-            </a:r>
-            <a:r>
-              <a:rPr lang="zh-CN" altLang="en-US" smtClean="0"/>
-              <a:t>值</a:t>
-            </a:r>
-            <a:r>
-              <a:rPr lang="zh-CN" altLang="en-US" smtClean="0"/>
-              <a:t>取模</a:t>
-            </a:r>
-            <a:r>
-              <a:rPr lang="zh-CN" altLang="en-US" smtClean="0"/>
-              <a:t>确定</a:t>
-            </a:r>
-            <a:r>
-              <a:rPr lang="zh-CN" altLang="en-US" dirty="0" smtClean="0"/>
-              <a:t>所在库中的表的下标</a:t>
+              <a:t>再根据分表逻辑列的值取模确定所在库中的表的下标</a:t>
             </a:r>
             <a:endParaRPr lang="en-US" altLang="zh-CN" dirty="0" smtClean="0"/>
           </a:p>
@@ -22781,7 +23077,30 @@
             </a:r>
             <a:r>
               <a:rPr lang="zh-CN" altLang="en-US" dirty="0" smtClean="0"/>
-              <a:t>、虚拟节点的方式实现库表分离</a:t>
+              <a:t>、虚拟节点的方式实现库表</a:t>
+            </a:r>
+            <a:r>
+              <a:rPr lang="zh-CN" altLang="en-US" dirty="0" smtClean="0"/>
+              <a:t>分离</a:t>
+            </a:r>
+            <a:endParaRPr lang="en-US" altLang="zh-CN" dirty="0" smtClean="0"/>
+          </a:p>
+          <a:p>
+            <a:r>
+              <a:rPr lang="zh-CN" altLang="en-US" dirty="0" smtClean="0"/>
+              <a:t>时间分库分表：支持</a:t>
+            </a:r>
+            <a:r>
+              <a:rPr lang="zh-CN" altLang="en-US" dirty="0"/>
+              <a:t>库表都按时间分 及 库按逻辑列分表按时间分</a:t>
+            </a:r>
+            <a:r>
+              <a:rPr lang="en-US" altLang="zh-CN" dirty="0"/>
+              <a:t>;</a:t>
+            </a:r>
+            <a:r>
+              <a:rPr lang="zh-CN" altLang="en-US" dirty="0"/>
+              <a:t>不支持  库按时间分表按逻辑列分</a:t>
             </a:r>
             <a:endParaRPr lang="en-US" altLang="zh-CN" dirty="0"/>
           </a:p>
@@ -23246,7 +23565,7 @@
                 </a:solidFill>
               </a:rPr>
               <a:pPr/>
-              <a:t>8/29/2014</a:t>
+              <a:t>9/1/2014</a:t>
             </a:fld>
             <a:endParaRPr lang="en-US">
               <a:solidFill>

--- a/dbroute.pptx
+++ b/dbroute.pptx
@@ -252,7 +252,7 @@
             <a:fld id="{1C322183-02A2-4B29-8FC7-57DEF057D6A5}" type="datetimeFigureOut">
               <a:rPr lang="zh-CN" altLang="en-US" smtClean="0"/>
               <a:pPr/>
-              <a:t>2014/9/1</a:t>
+              <a:t>2014/8/29</a:t>
             </a:fld>
             <a:endParaRPr lang="zh-CN" altLang="en-US"/>
           </a:p>
@@ -983,7 +983,7 @@
             <a:fld id="{216C5678-EE20-4FA5-88E2-6E0BD67A2E26}" type="datetime1">
               <a:rPr lang="en-US" smtClean="0"/>
               <a:pPr/>
-              <a:t>9/1/2014</a:t>
+              <a:t>8/29/2014</a:t>
             </a:fld>
             <a:endParaRPr lang="en-US" dirty="0"/>
           </a:p>
@@ -1154,7 +1154,7 @@
             <a:fld id="{EA051B39-B140-43FE-96DB-472A2B59CE7C}" type="datetime1">
               <a:rPr lang="en-US" smtClean="0"/>
               <a:pPr/>
-              <a:t>9/1/2014</a:t>
+              <a:t>8/29/2014</a:t>
             </a:fld>
             <a:endParaRPr lang="en-US"/>
           </a:p>
@@ -1335,7 +1335,7 @@
             <a:fld id="{DA600BB2-27C5-458B-ABCE-839C88CF47CE}" type="datetime1">
               <a:rPr lang="en-US" smtClean="0"/>
               <a:pPr/>
-              <a:t>9/1/2014</a:t>
+              <a:t>8/29/2014</a:t>
             </a:fld>
             <a:endParaRPr lang="en-US"/>
           </a:p>
@@ -1524,7 +1524,7 @@
             <a:fld id="{B11D738E-8962-435F-8C43-147B8DD7E819}" type="datetime1">
               <a:rPr lang="en-US" smtClean="0"/>
               <a:pPr/>
-              <a:t>9/1/2014</a:t>
+              <a:t>8/29/2014</a:t>
             </a:fld>
             <a:endParaRPr lang="en-US"/>
           </a:p>
@@ -1792,7 +1792,7 @@
             <a:fld id="{09CAEA93-55E7-4DA9-90C2-089A26EEFEC4}" type="datetime1">
               <a:rPr lang="en-US" smtClean="0"/>
               <a:pPr/>
-              <a:t>9/1/2014</a:t>
+              <a:t>8/29/2014</a:t>
             </a:fld>
             <a:endParaRPr lang="en-US"/>
           </a:p>
@@ -2146,7 +2146,7 @@
             <a:fld id="{E34CF3C7-6809-4F39-BD67-A75817BDDE0A}" type="datetime1">
               <a:rPr lang="en-US" smtClean="0"/>
               <a:pPr/>
-              <a:t>9/1/2014</a:t>
+              <a:t>8/29/2014</a:t>
             </a:fld>
             <a:endParaRPr lang="en-US"/>
           </a:p>
@@ -2460,7 +2460,7 @@
             <a:fld id="{F7EAEB24-CE78-465C-A726-91D0868FA48F}" type="datetime1">
               <a:rPr lang="en-US" smtClean="0"/>
               <a:pPr/>
-              <a:t>9/1/2014</a:t>
+              <a:t>8/29/2014</a:t>
             </a:fld>
             <a:endParaRPr lang="en-US"/>
           </a:p>
@@ -2693,7 +2693,7 @@
             <a:fld id="{40BAADF0-1749-4E8B-9691-B44A5F8C0895}" type="datetime1">
               <a:rPr lang="en-US" smtClean="0"/>
               <a:pPr/>
-              <a:t>9/1/2014</a:t>
+              <a:t>8/29/2014</a:t>
             </a:fld>
             <a:endParaRPr lang="en-US"/>
           </a:p>
@@ -2789,7 +2789,7 @@
             <a:fld id="{A8AF628A-A867-4937-BBE5-207DB6F9C51A}" type="datetime1">
               <a:rPr lang="en-US" smtClean="0"/>
               <a:pPr/>
-              <a:t>9/1/2014</a:t>
+              <a:t>8/29/2014</a:t>
             </a:fld>
             <a:endParaRPr lang="en-US"/>
           </a:p>
@@ -3083,7 +3083,7 @@
             <a:fld id="{118BBB94-68E6-4675-A946-F1C5994EDBD7}" type="datetime1">
               <a:rPr lang="en-US" smtClean="0"/>
               <a:pPr/>
-              <a:t>9/1/2014</a:t>
+              <a:t>8/29/2014</a:t>
             </a:fld>
             <a:endParaRPr lang="en-US"/>
           </a:p>
@@ -3358,7 +3358,7 @@
             <a:fld id="{DC3B8377-21E3-4835-B75D-4E2847E2750F}" type="datetime1">
               <a:rPr lang="en-US" smtClean="0"/>
               <a:pPr/>
-              <a:t>9/1/2014</a:t>
+              <a:t>8/29/2014</a:t>
             </a:fld>
             <a:endParaRPr lang="en-US"/>
           </a:p>
@@ -3574,7 +3574,7 @@
             <a:fld id="{B0C4986D-6BE9-4264-908F-02DB36FD8D6C}" type="datetime1">
               <a:rPr lang="en-US" smtClean="0"/>
               <a:pPr/>
-              <a:t>9/1/2014</a:t>
+              <a:t>8/29/2014</a:t>
             </a:fld>
             <a:endParaRPr lang="en-US" dirty="0"/>
           </a:p>
@@ -4164,7 +4164,7 @@
             <a:fld id="{216C5678-EE20-4FA5-88E2-6E0BD67A2E26}" type="datetime1">
               <a:rPr lang="en-US" smtClean="0"/>
               <a:pPr/>
-              <a:t>9/1/2014</a:t>
+              <a:t>8/29/2014</a:t>
             </a:fld>
             <a:endParaRPr lang="en-US" dirty="0"/>
           </a:p>
@@ -4514,7 +4514,7 @@
                 </a:solidFill>
               </a:rPr>
               <a:pPr/>
-              <a:t>9/1/2014</a:t>
+              <a:t>8/29/2014</a:t>
             </a:fld>
             <a:endParaRPr lang="en-US">
               <a:solidFill>
@@ -4982,7 +4982,7 @@
                 </a:solidFill>
               </a:rPr>
               <a:pPr/>
-              <a:t>9/1/2014</a:t>
+              <a:t>8/29/2014</a:t>
             </a:fld>
             <a:endParaRPr lang="en-US">
               <a:solidFill>
@@ -6151,7 +6151,7 @@
                 </a:solidFill>
               </a:rPr>
               <a:pPr/>
-              <a:t>9/1/2014</a:t>
+              <a:t>8/29/2014</a:t>
             </a:fld>
             <a:endParaRPr lang="en-US">
               <a:solidFill>
@@ -7202,7 +7202,7 @@
                 </a:solidFill>
               </a:rPr>
               <a:pPr/>
-              <a:t>9/1/2014</a:t>
+              <a:t>8/29/2014</a:t>
             </a:fld>
             <a:endParaRPr lang="en-US">
               <a:solidFill>
@@ -9012,7 +9012,7 @@
                 </a:solidFill>
               </a:rPr>
               <a:pPr/>
-              <a:t>9/1/2014</a:t>
+              <a:t>8/29/2014</a:t>
             </a:fld>
             <a:endParaRPr lang="en-US">
               <a:solidFill>
@@ -9320,7 +9320,7 @@
                 </a:solidFill>
               </a:rPr>
               <a:pPr/>
-              <a:t>9/1/2014</a:t>
+              <a:t>8/29/2014</a:t>
             </a:fld>
             <a:endParaRPr lang="en-US">
               <a:solidFill>
@@ -10138,7 +10138,7 @@
                 </a:solidFill>
               </a:rPr>
               <a:pPr/>
-              <a:t>9/1/2014</a:t>
+              <a:t>8/29/2014</a:t>
             </a:fld>
             <a:endParaRPr lang="en-US">
               <a:solidFill>
@@ -10867,7 +10867,7 @@
                 </a:solidFill>
               </a:rPr>
               <a:pPr/>
-              <a:t>9/1/2014</a:t>
+              <a:t>8/29/2014</a:t>
             </a:fld>
             <a:endParaRPr lang="en-US">
               <a:solidFill>
@@ -11388,8 +11388,10 @@
                   </a:schemeClr>
                 </a:solidFill>
               </a:rPr>
-              <a:t> </a:t>
-            </a:r>
+              <a:t> port</a:t>
+            </a:r>
+          </a:p>
+          <a:p>
             <a:r>
               <a:rPr lang="en-US" altLang="zh-CN" sz="1000" dirty="0" smtClean="0">
                 <a:solidFill>
@@ -11399,7 +11401,128 @@
                   </a:schemeClr>
                 </a:solidFill>
               </a:rPr>
-              <a:t>port</a:t>
+              <a:t>$</a:t>
+            </a:r>
+            <a:r>
+              <a:rPr lang="en-US" altLang="zh-CN" sz="1000" dirty="0" err="1" smtClean="0">
+                <a:solidFill>
+                  <a:schemeClr val="tx1">
+                    <a:lumMod val="50000"/>
+                    <a:lumOff val="50000"/>
+                  </a:schemeClr>
+                </a:solidFill>
+              </a:rPr>
+              <a:t>multiple_config</a:t>
+            </a:r>
+            <a:r>
+              <a:rPr lang="en-US" altLang="zh-CN" sz="1000" dirty="0" smtClean="0">
+                <a:solidFill>
+                  <a:schemeClr val="tx1">
+                    <a:lumMod val="50000"/>
+                    <a:lumOff val="50000"/>
+                  </a:schemeClr>
+                </a:solidFill>
+              </a:rPr>
+              <a:t>[‘</a:t>
+            </a:r>
+            <a:r>
+              <a:rPr lang="en-US" altLang="zh-CN" sz="1000" dirty="0" err="1" smtClean="0">
+                <a:solidFill>
+                  <a:schemeClr val="tx1">
+                    <a:lumMod val="50000"/>
+                    <a:lumOff val="50000"/>
+                  </a:schemeClr>
+                </a:solidFill>
+              </a:rPr>
+              <a:t>db_prefix</a:t>
+            </a:r>
+            <a:r>
+              <a:rPr lang="en-US" altLang="zh-CN" sz="1000" dirty="0" smtClean="0">
+                <a:solidFill>
+                  <a:schemeClr val="tx1">
+                    <a:lumMod val="50000"/>
+                    <a:lumOff val="50000"/>
+                  </a:schemeClr>
+                </a:solidFill>
+              </a:rPr>
+              <a:t>’] = “sc_refund_0000”; //</a:t>
+            </a:r>
+            <a:r>
+              <a:rPr lang="zh-CN" altLang="en-US" sz="1000" dirty="0" smtClean="0">
+                <a:solidFill>
+                  <a:schemeClr val="tx1">
+                    <a:lumMod val="50000"/>
+                    <a:lumOff val="50000"/>
+                  </a:schemeClr>
+                </a:solidFill>
+              </a:rPr>
+              <a:t>数据库前缀，生成类似</a:t>
+            </a:r>
+            <a:r>
+              <a:rPr lang="en-US" altLang="zh-CN" sz="1000" dirty="0" smtClean="0">
+                <a:solidFill>
+                  <a:schemeClr val="tx1">
+                    <a:lumMod val="50000"/>
+                    <a:lumOff val="50000"/>
+                  </a:schemeClr>
+                </a:solidFill>
+              </a:rPr>
+              <a:t>sc_refund_0000</a:t>
+            </a:r>
+            <a:r>
+              <a:rPr lang="zh-CN" altLang="en-US" sz="1000" dirty="0" smtClean="0">
+                <a:solidFill>
+                  <a:schemeClr val="tx1">
+                    <a:lumMod val="50000"/>
+                    <a:lumOff val="50000"/>
+                  </a:schemeClr>
+                </a:solidFill>
+              </a:rPr>
+              <a:t>、</a:t>
+            </a:r>
+            <a:r>
+              <a:rPr lang="en-US" altLang="zh-CN" sz="1000" dirty="0" smtClean="0">
+                <a:solidFill>
+                  <a:schemeClr val="tx1">
+                    <a:lumMod val="50000"/>
+                    <a:lumOff val="50000"/>
+                  </a:schemeClr>
+                </a:solidFill>
+              </a:rPr>
+              <a:t>sc_refund_0001...sc_refund_1023,</a:t>
+            </a:r>
+            <a:r>
+              <a:rPr lang="zh-CN" altLang="en-US" sz="1000" dirty="0" smtClean="0">
+                <a:solidFill>
+                  <a:schemeClr val="tx1">
+                    <a:lumMod val="50000"/>
+                    <a:lumOff val="50000"/>
+                  </a:schemeClr>
+                </a:solidFill>
+              </a:rPr>
+              <a:t>单库可配置为实际</a:t>
+            </a:r>
+            <a:r>
+              <a:rPr lang="en-US" altLang="zh-CN" sz="1000" dirty="0" smtClean="0">
+                <a:solidFill>
+                  <a:schemeClr val="tx1">
+                    <a:lumMod val="50000"/>
+                    <a:lumOff val="50000"/>
+                  </a:schemeClr>
+                </a:solidFill>
+              </a:rPr>
+              <a:t>db</a:t>
+            </a:r>
+            <a:r>
+              <a:rPr lang="zh-CN" altLang="en-US" sz="1000" dirty="0" smtClean="0">
+                <a:solidFill>
+                  <a:schemeClr val="tx1">
+                    <a:lumMod val="50000"/>
+                    <a:lumOff val="50000"/>
+                  </a:schemeClr>
+                </a:solidFill>
+              </a:rPr>
+              <a:t>名称</a:t>
             </a:r>
             <a:endParaRPr lang="en-US" altLang="zh-CN" sz="1000" dirty="0" smtClean="0">
               <a:solidFill>
@@ -11442,6 +11565,219 @@
                   </a:schemeClr>
                 </a:solidFill>
               </a:rPr>
+              <a:t>['</a:t>
+            </a:r>
+            <a:r>
+              <a:rPr lang="en-US" altLang="zh-CN" sz="1000" dirty="0" err="1" smtClean="0">
+                <a:solidFill>
+                  <a:schemeClr val="tx1">
+                    <a:lumMod val="50000"/>
+                    <a:lumOff val="50000"/>
+                  </a:schemeClr>
+                </a:solidFill>
+              </a:rPr>
+              <a:t>table_prefix</a:t>
+            </a:r>
+            <a:r>
+              <a:rPr lang="en-US" altLang="zh-CN" sz="1000" dirty="0" smtClean="0">
+                <a:solidFill>
+                  <a:schemeClr val="tx1">
+                    <a:lumMod val="50000"/>
+                    <a:lumOff val="50000"/>
+                  </a:schemeClr>
+                </a:solidFill>
+              </a:rPr>
+              <a:t>'] = "refund_info_0000"; //</a:t>
+            </a:r>
+            <a:r>
+              <a:rPr lang="zh-CN" altLang="en-US" sz="1000" dirty="0" smtClean="0">
+                <a:solidFill>
+                  <a:schemeClr val="tx1">
+                    <a:lumMod val="50000"/>
+                    <a:lumOff val="50000"/>
+                  </a:schemeClr>
+                </a:solidFill>
+              </a:rPr>
+              <a:t>表名前缀，生成类似</a:t>
+            </a:r>
+            <a:r>
+              <a:rPr lang="en-US" altLang="zh-CN" sz="1000" dirty="0" smtClean="0">
+                <a:solidFill>
+                  <a:schemeClr val="tx1">
+                    <a:lumMod val="50000"/>
+                    <a:lumOff val="50000"/>
+                  </a:schemeClr>
+                </a:solidFill>
+              </a:rPr>
+              <a:t>refund_info_0000</a:t>
+            </a:r>
+            <a:r>
+              <a:rPr lang="zh-CN" altLang="en-US" sz="1000" dirty="0" smtClean="0">
+                <a:solidFill>
+                  <a:schemeClr val="tx1">
+                    <a:lumMod val="50000"/>
+                    <a:lumOff val="50000"/>
+                  </a:schemeClr>
+                </a:solidFill>
+              </a:rPr>
+              <a:t>、</a:t>
+            </a:r>
+            <a:r>
+              <a:rPr lang="en-US" altLang="zh-CN" sz="1000" dirty="0" smtClean="0">
+                <a:solidFill>
+                  <a:schemeClr val="tx1">
+                    <a:lumMod val="50000"/>
+                    <a:lumOff val="50000"/>
+                  </a:schemeClr>
+                </a:solidFill>
+              </a:rPr>
+              <a:t>refund_info_0001...refund_info_1023</a:t>
+            </a:r>
+          </a:p>
+          <a:p>
+            <a:r>
+              <a:rPr lang="en-US" altLang="zh-CN" sz="1000" dirty="0" smtClean="0">
+                <a:solidFill>
+                  <a:schemeClr val="tx1">
+                    <a:lumMod val="50000"/>
+                    <a:lumOff val="50000"/>
+                  </a:schemeClr>
+                </a:solidFill>
+              </a:rPr>
+              <a:t>$</a:t>
+            </a:r>
+            <a:r>
+              <a:rPr lang="en-US" altLang="zh-CN" sz="1000" dirty="0" err="1" smtClean="0">
+                <a:solidFill>
+                  <a:schemeClr val="tx1">
+                    <a:lumMod val="50000"/>
+                    <a:lumOff val="50000"/>
+                  </a:schemeClr>
+                </a:solidFill>
+              </a:rPr>
+              <a:t>multiple_config</a:t>
+            </a:r>
+            <a:r>
+              <a:rPr lang="en-US" altLang="zh-CN" sz="1000" dirty="0" smtClean="0">
+                <a:solidFill>
+                  <a:schemeClr val="tx1">
+                    <a:lumMod val="50000"/>
+                    <a:lumOff val="50000"/>
+                  </a:schemeClr>
+                </a:solidFill>
+              </a:rPr>
+              <a:t>['</a:t>
+            </a:r>
+            <a:r>
+              <a:rPr lang="en-US" altLang="zh-CN" sz="1000" dirty="0" err="1" smtClean="0">
+                <a:solidFill>
+                  <a:schemeClr val="tx1">
+                    <a:lumMod val="50000"/>
+                    <a:lumOff val="50000"/>
+                  </a:schemeClr>
+                </a:solidFill>
+              </a:rPr>
+              <a:t>logic_table</a:t>
+            </a:r>
+            <a:r>
+              <a:rPr lang="en-US" altLang="zh-CN" sz="1000" dirty="0" smtClean="0">
+                <a:solidFill>
+                  <a:schemeClr val="tx1">
+                    <a:lumMod val="50000"/>
+                    <a:lumOff val="50000"/>
+                  </a:schemeClr>
+                </a:solidFill>
+              </a:rPr>
+              <a:t>'] = "</a:t>
+            </a:r>
+            <a:r>
+              <a:rPr lang="en-US" altLang="zh-CN" sz="1000" dirty="0" err="1" smtClean="0">
+                <a:solidFill>
+                  <a:schemeClr val="tx1">
+                    <a:lumMod val="50000"/>
+                    <a:lumOff val="50000"/>
+                  </a:schemeClr>
+                </a:solidFill>
+              </a:rPr>
+              <a:t>sc_refund_info</a:t>
+            </a:r>
+            <a:r>
+              <a:rPr lang="en-US" altLang="zh-CN" sz="1000" dirty="0" smtClean="0">
+                <a:solidFill>
+                  <a:schemeClr val="tx1">
+                    <a:lumMod val="50000"/>
+                    <a:lumOff val="50000"/>
+                  </a:schemeClr>
+                </a:solidFill>
+              </a:rPr>
+              <a:t>"; //</a:t>
+            </a:r>
+            <a:r>
+              <a:rPr lang="zh-CN" altLang="en-US" sz="1000" dirty="0" smtClean="0">
+                <a:solidFill>
+                  <a:schemeClr val="tx1">
+                    <a:lumMod val="50000"/>
+                    <a:lumOff val="50000"/>
+                  </a:schemeClr>
+                </a:solidFill>
+              </a:rPr>
+              <a:t>逻辑表名不能为</a:t>
+            </a:r>
+            <a:r>
+              <a:rPr lang="en-US" altLang="zh-CN" sz="1000" dirty="0" err="1" smtClean="0">
+                <a:solidFill>
+                  <a:schemeClr val="tx1">
+                    <a:lumMod val="50000"/>
+                    <a:lumOff val="50000"/>
+                  </a:schemeClr>
+                </a:solidFill>
+              </a:rPr>
+              <a:t>sql</a:t>
+            </a:r>
+            <a:r>
+              <a:rPr lang="zh-CN" altLang="en-US" sz="1000" dirty="0" smtClean="0">
+                <a:solidFill>
+                  <a:schemeClr val="tx1">
+                    <a:lumMod val="50000"/>
+                    <a:lumOff val="50000"/>
+                  </a:schemeClr>
+                </a:solidFill>
+              </a:rPr>
+              <a:t>关键字</a:t>
+            </a:r>
+          </a:p>
+          <a:p>
+            <a:r>
+              <a:rPr lang="en-US" altLang="zh-CN" sz="1000" dirty="0" smtClean="0">
+                <a:solidFill>
+                  <a:schemeClr val="tx1">
+                    <a:lumMod val="50000"/>
+                    <a:lumOff val="50000"/>
+                  </a:schemeClr>
+                </a:solidFill>
+              </a:rPr>
+              <a:t>$</a:t>
+            </a:r>
+            <a:r>
+              <a:rPr lang="en-US" altLang="zh-CN" sz="1000" dirty="0" err="1" smtClean="0">
+                <a:solidFill>
+                  <a:schemeClr val="tx1">
+                    <a:lumMod val="50000"/>
+                    <a:lumOff val="50000"/>
+                  </a:schemeClr>
+                </a:solidFill>
+              </a:rPr>
+              <a:t>multiple_config</a:t>
+            </a:r>
+            <a:r>
+              <a:rPr lang="en-US" altLang="zh-CN" sz="1000" dirty="0" smtClean="0">
+                <a:solidFill>
+                  <a:schemeClr val="tx1">
+                    <a:lumMod val="50000"/>
+                    <a:lumOff val="50000"/>
+                  </a:schemeClr>
+                </a:solidFill>
+              </a:rPr>
               <a:t>[‘</a:t>
             </a:r>
             <a:r>
@@ -11453,7 +11789,7 @@
                   </a:schemeClr>
                 </a:solidFill>
               </a:rPr>
-              <a:t>db_prefix</a:t>
+              <a:t>table_logic_column</a:t>
             </a:r>
             <a:r>
               <a:rPr lang="en-US" altLang="zh-CN" sz="1000" dirty="0" smtClean="0">
@@ -11464,7 +11800,29 @@
                   </a:schemeClr>
                 </a:solidFill>
               </a:rPr>
-              <a:t>’] = “sc_refund_0000”; //</a:t>
+              <a:t>’] = “</a:t>
+            </a:r>
+            <a:r>
+              <a:rPr lang="en-US" altLang="zh-CN" sz="1000" dirty="0" err="1" smtClean="0">
+                <a:solidFill>
+                  <a:schemeClr val="tx1">
+                    <a:lumMod val="50000"/>
+                    <a:lumOff val="50000"/>
+                  </a:schemeClr>
+                </a:solidFill>
+              </a:rPr>
+              <a:t>user_id</a:t>
+            </a:r>
+            <a:r>
+              <a:rPr lang="en-US" altLang="zh-CN" sz="1000" dirty="0" smtClean="0">
+                <a:solidFill>
+                  <a:schemeClr val="tx1">
+                    <a:lumMod val="50000"/>
+                    <a:lumOff val="50000"/>
+                  </a:schemeClr>
+                </a:solidFill>
+              </a:rPr>
+              <a:t>”; //</a:t>
             </a:r>
             <a:r>
               <a:rPr lang="zh-CN" altLang="en-US" sz="1000" dirty="0" smtClean="0">
@@ -11475,7 +11833,29 @@
                   </a:schemeClr>
                 </a:solidFill>
               </a:rPr>
-              <a:t>数据库前缀，生成类似</a:t>
+              <a:t>分表的列，执行</a:t>
+            </a:r>
+            <a:r>
+              <a:rPr lang="en-US" altLang="zh-CN" sz="1000" dirty="0" err="1" smtClean="0">
+                <a:solidFill>
+                  <a:schemeClr val="tx1">
+                    <a:lumMod val="50000"/>
+                    <a:lumOff val="50000"/>
+                  </a:schemeClr>
+                </a:solidFill>
+              </a:rPr>
+              <a:t>sql</a:t>
+            </a:r>
+            <a:r>
+              <a:rPr lang="zh-CN" altLang="en-US" sz="1000" dirty="0" smtClean="0">
+                <a:solidFill>
+                  <a:schemeClr val="tx1">
+                    <a:lumMod val="50000"/>
+                    <a:lumOff val="50000"/>
+                  </a:schemeClr>
+                </a:solidFill>
+              </a:rPr>
+              <a:t>语句时，要传递此参数</a:t>
             </a:r>
             <a:r>
               <a:rPr lang="en-US" altLang="zh-CN" sz="1000" dirty="0" smtClean="0">
@@ -11486,7 +11866,7 @@
                   </a:schemeClr>
                 </a:solidFill>
               </a:rPr>
-              <a:t>sc_refund_0000</a:t>
+              <a:t>,</a:t>
             </a:r>
             <a:r>
               <a:rPr lang="zh-CN" altLang="en-US" sz="1000" dirty="0" smtClean="0">
@@ -11497,8 +11877,10 @@
                   </a:schemeClr>
                 </a:solidFill>
               </a:rPr>
-              <a:t>、</a:t>
-            </a:r>
+              <a:t>日期分表可不设置此值</a:t>
+            </a:r>
+          </a:p>
+          <a:p>
             <a:r>
               <a:rPr lang="en-US" altLang="zh-CN" sz="1000" dirty="0" smtClean="0">
                 <a:solidFill>
@@ -11508,7 +11890,73 @@
                   </a:schemeClr>
                 </a:solidFill>
               </a:rPr>
-              <a:t>sc_refund_0001...sc_refund_1023,</a:t>
+              <a:t>$</a:t>
+            </a:r>
+            <a:r>
+              <a:rPr lang="en-US" altLang="zh-CN" sz="1000" dirty="0" err="1" smtClean="0">
+                <a:solidFill>
+                  <a:schemeClr val="tx1">
+                    <a:lumMod val="50000"/>
+                    <a:lumOff val="50000"/>
+                  </a:schemeClr>
+                </a:solidFill>
+              </a:rPr>
+              <a:t>multiple_config</a:t>
+            </a:r>
+            <a:r>
+              <a:rPr lang="en-US" altLang="zh-CN" sz="1000" dirty="0" smtClean="0">
+                <a:solidFill>
+                  <a:schemeClr val="tx1">
+                    <a:lumMod val="50000"/>
+                    <a:lumOff val="50000"/>
+                  </a:schemeClr>
+                </a:solidFill>
+              </a:rPr>
+              <a:t>[‘</a:t>
+            </a:r>
+            <a:r>
+              <a:rPr lang="en-US" altLang="zh-CN" sz="1000" dirty="0" err="1" smtClean="0">
+                <a:solidFill>
+                  <a:schemeClr val="tx1">
+                    <a:lumMod val="50000"/>
+                    <a:lumOff val="50000"/>
+                  </a:schemeClr>
+                </a:solidFill>
+              </a:rPr>
+              <a:t>table_logic_column_type</a:t>
+            </a:r>
+            <a:r>
+              <a:rPr lang="en-US" altLang="zh-CN" sz="1000" dirty="0" smtClean="0">
+                <a:solidFill>
+                  <a:schemeClr val="tx1">
+                    <a:lumMod val="50000"/>
+                    <a:lumOff val="50000"/>
+                  </a:schemeClr>
+                </a:solidFill>
+              </a:rPr>
+              <a:t>’] = “</a:t>
+            </a:r>
+            <a:r>
+              <a:rPr lang="en-US" altLang="zh-CN" sz="1000" dirty="0" err="1" smtClean="0">
+                <a:solidFill>
+                  <a:schemeClr val="tx1">
+                    <a:lumMod val="50000"/>
+                    <a:lumOff val="50000"/>
+                  </a:schemeClr>
+                </a:solidFill>
+              </a:rPr>
+              <a:t>int</a:t>
+            </a:r>
+            <a:r>
+              <a:rPr lang="en-US" altLang="zh-CN" sz="1000" dirty="0" smtClean="0">
+                <a:solidFill>
+                  <a:schemeClr val="tx1">
+                    <a:lumMod val="50000"/>
+                    <a:lumOff val="50000"/>
+                  </a:schemeClr>
+                </a:solidFill>
+              </a:rPr>
+              <a:t>”; //</a:t>
             </a:r>
             <a:r>
               <a:rPr lang="zh-CN" altLang="en-US" sz="1000" dirty="0" smtClean="0">
@@ -11519,7 +11967,7 @@
                   </a:schemeClr>
                 </a:solidFill>
               </a:rPr>
-              <a:t>单库可配置为实际</a:t>
+              <a:t>分表的列值的类型</a:t>
             </a:r>
             <a:r>
               <a:rPr lang="en-US" altLang="zh-CN" sz="1000" dirty="0" smtClean="0">
@@ -11530,7 +11978,7 @@
                   </a:schemeClr>
                 </a:solidFill>
               </a:rPr>
-              <a:t>db</a:t>
+              <a:t>,</a:t>
             </a:r>
             <a:r>
               <a:rPr lang="zh-CN" altLang="en-US" sz="1000" dirty="0" smtClean="0">
@@ -11541,7 +11989,117 @@
                   </a:schemeClr>
                 </a:solidFill>
               </a:rPr>
-              <a:t>名称</a:t>
+              <a:t>可为</a:t>
+            </a:r>
+            <a:r>
+              <a:rPr lang="en-US" altLang="zh-CN" sz="1000" dirty="0" smtClean="0">
+                <a:solidFill>
+                  <a:schemeClr val="tx1">
+                    <a:lumMod val="50000"/>
+                    <a:lumOff val="50000"/>
+                  </a:schemeClr>
+                </a:solidFill>
+              </a:rPr>
+              <a:t>string </a:t>
+            </a:r>
+            <a:r>
+              <a:rPr lang="en-US" altLang="zh-CN" sz="1000" dirty="0" err="1" smtClean="0">
+                <a:solidFill>
+                  <a:schemeClr val="tx1">
+                    <a:lumMod val="50000"/>
+                    <a:lumOff val="50000"/>
+                  </a:schemeClr>
+                </a:solidFill>
+              </a:rPr>
+              <a:t>int</a:t>
+            </a:r>
+            <a:r>
+              <a:rPr lang="en-US" altLang="zh-CN" sz="1000" dirty="0" smtClean="0">
+                <a:solidFill>
+                  <a:schemeClr val="tx1">
+                    <a:lumMod val="50000"/>
+                    <a:lumOff val="50000"/>
+                  </a:schemeClr>
+                </a:solidFill>
+              </a:rPr>
+              <a:t> </a:t>
+            </a:r>
+            <a:r>
+              <a:rPr lang="zh-CN" altLang="en-US" sz="1000" dirty="0" smtClean="0">
+                <a:solidFill>
+                  <a:schemeClr val="tx1">
+                    <a:lumMod val="50000"/>
+                    <a:lumOff val="50000"/>
+                  </a:schemeClr>
+                </a:solidFill>
+              </a:rPr>
+              <a:t>或不设置此值</a:t>
+            </a:r>
+            <a:r>
+              <a:rPr lang="en-US" altLang="zh-CN" sz="1000" dirty="0" smtClean="0">
+                <a:solidFill>
+                  <a:schemeClr val="tx1">
+                    <a:lumMod val="50000"/>
+                    <a:lumOff val="50000"/>
+                  </a:schemeClr>
+                </a:solidFill>
+              </a:rPr>
+              <a:t>,</a:t>
+            </a:r>
+            <a:r>
+              <a:rPr lang="zh-CN" altLang="en-US" sz="1000" dirty="0" smtClean="0">
+                <a:solidFill>
+                  <a:schemeClr val="tx1">
+                    <a:lumMod val="50000"/>
+                    <a:lumOff val="50000"/>
+                  </a:schemeClr>
+                </a:solidFill>
+              </a:rPr>
+              <a:t>不设置表示是</a:t>
+            </a:r>
+            <a:r>
+              <a:rPr lang="en-US" altLang="zh-CN" sz="1000" dirty="0" err="1">
+                <a:solidFill>
+                  <a:schemeClr val="tx1">
+                    <a:lumMod val="50000"/>
+                    <a:lumOff val="50000"/>
+                  </a:schemeClr>
+                </a:solidFill>
+              </a:rPr>
+              <a:t>int</a:t>
+            </a:r>
+            <a:r>
+              <a:rPr lang="en-US" altLang="zh-CN" sz="1000" dirty="0">
+                <a:solidFill>
+                  <a:schemeClr val="tx1">
+                    <a:lumMod val="50000"/>
+                    <a:lumOff val="50000"/>
+                  </a:schemeClr>
+                </a:solidFill>
+              </a:rPr>
+              <a:t>,</a:t>
+            </a:r>
+            <a:r>
+              <a:rPr lang="zh-CN" altLang="en-US" sz="1000" dirty="0">
+                <a:solidFill>
+                  <a:schemeClr val="tx1">
+                    <a:lumMod val="50000"/>
+                    <a:lumOff val="50000"/>
+                  </a:schemeClr>
+                </a:solidFill>
+              </a:rPr>
+              <a:t>日期分表可不设置此</a:t>
+            </a:r>
+            <a:r>
+              <a:rPr lang="zh-CN" altLang="en-US" sz="1000" dirty="0" smtClean="0">
+                <a:solidFill>
+                  <a:schemeClr val="tx1">
+                    <a:lumMod val="50000"/>
+                    <a:lumOff val="50000"/>
+                  </a:schemeClr>
+                </a:solidFill>
+              </a:rPr>
+              <a:t>值</a:t>
             </a:r>
             <a:endParaRPr lang="en-US" altLang="zh-CN" sz="1000" dirty="0" smtClean="0">
               <a:solidFill>
@@ -11595,7 +12153,7 @@
                   </a:schemeClr>
                 </a:solidFill>
               </a:rPr>
-              <a:t>table_prefix</a:t>
+              <a:t>db_logic_column</a:t>
             </a:r>
             <a:r>
               <a:rPr lang="en-US" altLang="zh-CN" sz="1000" dirty="0" smtClean="0">
@@ -11606,7 +12164,29 @@
                   </a:schemeClr>
                 </a:solidFill>
               </a:rPr>
-              <a:t>'] = "refund_info_0000"; //</a:t>
+              <a:t>'] = "</a:t>
+            </a:r>
+            <a:r>
+              <a:rPr lang="en-US" altLang="zh-CN" sz="1000" dirty="0" err="1" smtClean="0">
+                <a:solidFill>
+                  <a:schemeClr val="tx1">
+                    <a:lumMod val="50000"/>
+                    <a:lumOff val="50000"/>
+                  </a:schemeClr>
+                </a:solidFill>
+              </a:rPr>
+              <a:t>user_id</a:t>
+            </a:r>
+            <a:r>
+              <a:rPr lang="en-US" altLang="zh-CN" sz="1000" dirty="0" smtClean="0">
+                <a:solidFill>
+                  <a:schemeClr val="tx1">
+                    <a:lumMod val="50000"/>
+                    <a:lumOff val="50000"/>
+                  </a:schemeClr>
+                </a:solidFill>
+              </a:rPr>
+              <a:t>"; //</a:t>
             </a:r>
             <a:r>
               <a:rPr lang="zh-CN" altLang="en-US" sz="1000" dirty="0" smtClean="0">
@@ -11617,18 +12197,18 @@
                   </a:schemeClr>
                 </a:solidFill>
               </a:rPr>
-              <a:t>表名前缀，生成类似</a:t>
-            </a:r>
-            <a:r>
-              <a:rPr lang="en-US" altLang="zh-CN" sz="1000" dirty="0" smtClean="0">
-                <a:solidFill>
-                  <a:schemeClr val="tx1">
-                    <a:lumMod val="50000"/>
-                    <a:lumOff val="50000"/>
-                  </a:schemeClr>
-                </a:solidFill>
-              </a:rPr>
-              <a:t>refund_info_0000</a:t>
+              <a:t>分库的列，执行</a:t>
+            </a:r>
+            <a:r>
+              <a:rPr lang="en-US" altLang="zh-CN" sz="1000" dirty="0" err="1" smtClean="0">
+                <a:solidFill>
+                  <a:schemeClr val="tx1">
+                    <a:lumMod val="50000"/>
+                    <a:lumOff val="50000"/>
+                  </a:schemeClr>
+                </a:solidFill>
+              </a:rPr>
+              <a:t>sql</a:t>
             </a:r>
             <a:r>
               <a:rPr lang="zh-CN" altLang="en-US" sz="1000" dirty="0" smtClean="0">
@@ -11639,289 +12219,10 @@
                   </a:schemeClr>
                 </a:solidFill>
               </a:rPr>
-              <a:t>、</a:t>
-            </a:r>
-            <a:r>
-              <a:rPr lang="en-US" altLang="zh-CN" sz="1000" dirty="0" smtClean="0">
-                <a:solidFill>
-                  <a:schemeClr val="tx1">
-                    <a:lumMod val="50000"/>
-                    <a:lumOff val="50000"/>
-                  </a:schemeClr>
-                </a:solidFill>
-              </a:rPr>
-              <a:t>refund_info_0001...refund_info_1023</a:t>
-            </a:r>
-          </a:p>
-          <a:p>
-            <a:r>
-              <a:rPr lang="en-US" altLang="zh-CN" sz="1000" dirty="0" smtClean="0">
-                <a:solidFill>
-                  <a:schemeClr val="tx1">
-                    <a:lumMod val="50000"/>
-                    <a:lumOff val="50000"/>
-                  </a:schemeClr>
-                </a:solidFill>
-              </a:rPr>
-              <a:t>$</a:t>
-            </a:r>
-            <a:r>
-              <a:rPr lang="en-US" altLang="zh-CN" sz="1000" dirty="0" err="1" smtClean="0">
-                <a:solidFill>
-                  <a:schemeClr val="tx1">
-                    <a:lumMod val="50000"/>
-                    <a:lumOff val="50000"/>
-                  </a:schemeClr>
-                </a:solidFill>
-              </a:rPr>
-              <a:t>multiple_config</a:t>
-            </a:r>
-            <a:r>
-              <a:rPr lang="en-US" altLang="zh-CN" sz="1000" dirty="0" smtClean="0">
-                <a:solidFill>
-                  <a:schemeClr val="tx1">
-                    <a:lumMod val="50000"/>
-                    <a:lumOff val="50000"/>
-                  </a:schemeClr>
-                </a:solidFill>
-              </a:rPr>
-              <a:t>['</a:t>
-            </a:r>
-            <a:r>
-              <a:rPr lang="en-US" altLang="zh-CN" sz="1000" dirty="0" err="1" smtClean="0">
-                <a:solidFill>
-                  <a:schemeClr val="tx1">
-                    <a:lumMod val="50000"/>
-                    <a:lumOff val="50000"/>
-                  </a:schemeClr>
-                </a:solidFill>
-              </a:rPr>
-              <a:t>logic_table</a:t>
-            </a:r>
-            <a:r>
-              <a:rPr lang="en-US" altLang="zh-CN" sz="1000" dirty="0" smtClean="0">
-                <a:solidFill>
-                  <a:schemeClr val="tx1">
-                    <a:lumMod val="50000"/>
-                    <a:lumOff val="50000"/>
-                  </a:schemeClr>
-                </a:solidFill>
-              </a:rPr>
-              <a:t>'] = "</a:t>
-            </a:r>
-            <a:r>
-              <a:rPr lang="en-US" altLang="zh-CN" sz="1000" dirty="0" err="1" smtClean="0">
-                <a:solidFill>
-                  <a:schemeClr val="tx1">
-                    <a:lumMod val="50000"/>
-                    <a:lumOff val="50000"/>
-                  </a:schemeClr>
-                </a:solidFill>
-              </a:rPr>
-              <a:t>sc_refund_info</a:t>
-            </a:r>
-            <a:r>
-              <a:rPr lang="en-US" altLang="zh-CN" sz="1000" dirty="0" smtClean="0">
-                <a:solidFill>
-                  <a:schemeClr val="tx1">
-                    <a:lumMod val="50000"/>
-                    <a:lumOff val="50000"/>
-                  </a:schemeClr>
-                </a:solidFill>
-              </a:rPr>
-              <a:t>"; //</a:t>
-            </a:r>
-            <a:r>
-              <a:rPr lang="zh-CN" altLang="en-US" sz="1000" dirty="0" smtClean="0">
-                <a:solidFill>
-                  <a:schemeClr val="tx1">
-                    <a:lumMod val="50000"/>
-                    <a:lumOff val="50000"/>
-                  </a:schemeClr>
-                </a:solidFill>
-              </a:rPr>
-              <a:t>逻辑表名不能为</a:t>
-            </a:r>
-            <a:r>
-              <a:rPr lang="en-US" altLang="zh-CN" sz="1000" dirty="0" err="1" smtClean="0">
-                <a:solidFill>
-                  <a:schemeClr val="tx1">
-                    <a:lumMod val="50000"/>
-                    <a:lumOff val="50000"/>
-                  </a:schemeClr>
-                </a:solidFill>
-              </a:rPr>
-              <a:t>sql</a:t>
-            </a:r>
-            <a:r>
-              <a:rPr lang="zh-CN" altLang="en-US" sz="1000" dirty="0" smtClean="0">
-                <a:solidFill>
-                  <a:schemeClr val="tx1">
-                    <a:lumMod val="50000"/>
-                    <a:lumOff val="50000"/>
-                  </a:schemeClr>
-                </a:solidFill>
-              </a:rPr>
-              <a:t>关键字</a:t>
-            </a:r>
-          </a:p>
-          <a:p>
-            <a:r>
-              <a:rPr lang="en-US" altLang="zh-CN" sz="1000" dirty="0" smtClean="0">
-                <a:solidFill>
-                  <a:schemeClr val="tx1">
-                    <a:lumMod val="50000"/>
-                    <a:lumOff val="50000"/>
-                  </a:schemeClr>
-                </a:solidFill>
-              </a:rPr>
-              <a:t>$</a:t>
-            </a:r>
-            <a:r>
-              <a:rPr lang="en-US" altLang="zh-CN" sz="1000" dirty="0" err="1" smtClean="0">
-                <a:solidFill>
-                  <a:schemeClr val="tx1">
-                    <a:lumMod val="50000"/>
-                    <a:lumOff val="50000"/>
-                  </a:schemeClr>
-                </a:solidFill>
-              </a:rPr>
-              <a:t>multiple_config</a:t>
-            </a:r>
-            <a:r>
-              <a:rPr lang="en-US" altLang="zh-CN" sz="1000" dirty="0" smtClean="0">
-                <a:solidFill>
-                  <a:schemeClr val="tx1">
-                    <a:lumMod val="50000"/>
-                    <a:lumOff val="50000"/>
-                  </a:schemeClr>
-                </a:solidFill>
-              </a:rPr>
-              <a:t>[‘</a:t>
-            </a:r>
-            <a:r>
-              <a:rPr lang="en-US" altLang="zh-CN" sz="1000" dirty="0" err="1" smtClean="0">
-                <a:solidFill>
-                  <a:schemeClr val="tx1">
-                    <a:lumMod val="50000"/>
-                    <a:lumOff val="50000"/>
-                  </a:schemeClr>
-                </a:solidFill>
-              </a:rPr>
-              <a:t>table_logic_column</a:t>
-            </a:r>
-            <a:r>
-              <a:rPr lang="en-US" altLang="zh-CN" sz="1000" dirty="0" smtClean="0">
-                <a:solidFill>
-                  <a:schemeClr val="tx1">
-                    <a:lumMod val="50000"/>
-                    <a:lumOff val="50000"/>
-                  </a:schemeClr>
-                </a:solidFill>
-              </a:rPr>
-              <a:t>’] </a:t>
-            </a:r>
-            <a:r>
-              <a:rPr lang="en-US" altLang="zh-CN" sz="1000" dirty="0" smtClean="0">
-                <a:solidFill>
-                  <a:schemeClr val="tx1">
-                    <a:lumMod val="50000"/>
-                    <a:lumOff val="50000"/>
-                  </a:schemeClr>
-                </a:solidFill>
-              </a:rPr>
-              <a:t>= </a:t>
-            </a:r>
-            <a:r>
-              <a:rPr lang="en-US" altLang="zh-CN" sz="1000" dirty="0" smtClean="0">
-                <a:solidFill>
-                  <a:schemeClr val="tx1">
-                    <a:lumMod val="50000"/>
-                    <a:lumOff val="50000"/>
-                  </a:schemeClr>
-                </a:solidFill>
-              </a:rPr>
-              <a:t>“</a:t>
-            </a:r>
-            <a:r>
-              <a:rPr lang="en-US" altLang="zh-CN" sz="1000" dirty="0" err="1" smtClean="0">
-                <a:solidFill>
-                  <a:schemeClr val="tx1">
-                    <a:lumMod val="50000"/>
-                    <a:lumOff val="50000"/>
-                  </a:schemeClr>
-                </a:solidFill>
-              </a:rPr>
-              <a:t>user_id</a:t>
-            </a:r>
-            <a:r>
-              <a:rPr lang="en-US" altLang="zh-CN" sz="1000" dirty="0" smtClean="0">
-                <a:solidFill>
-                  <a:schemeClr val="tx1">
-                    <a:lumMod val="50000"/>
-                    <a:lumOff val="50000"/>
-                  </a:schemeClr>
-                </a:solidFill>
-              </a:rPr>
-              <a:t>”; </a:t>
-            </a:r>
-            <a:r>
-              <a:rPr lang="en-US" altLang="zh-CN" sz="1000" dirty="0" smtClean="0">
-                <a:solidFill>
-                  <a:schemeClr val="tx1">
-                    <a:lumMod val="50000"/>
-                    <a:lumOff val="50000"/>
-                  </a:schemeClr>
-                </a:solidFill>
-              </a:rPr>
-              <a:t>//</a:t>
-            </a:r>
-            <a:r>
-              <a:rPr lang="zh-CN" altLang="en-US" sz="1000" dirty="0" smtClean="0">
-                <a:solidFill>
-                  <a:schemeClr val="tx1">
-                    <a:lumMod val="50000"/>
-                    <a:lumOff val="50000"/>
-                  </a:schemeClr>
-                </a:solidFill>
-              </a:rPr>
-              <a:t>分表的列，执行</a:t>
-            </a:r>
-            <a:r>
-              <a:rPr lang="en-US" altLang="zh-CN" sz="1000" dirty="0" err="1" smtClean="0">
-                <a:solidFill>
-                  <a:schemeClr val="tx1">
-                    <a:lumMod val="50000"/>
-                    <a:lumOff val="50000"/>
-                  </a:schemeClr>
-                </a:solidFill>
-              </a:rPr>
-              <a:t>sql</a:t>
-            </a:r>
-            <a:r>
-              <a:rPr lang="zh-CN" altLang="en-US" sz="1000" dirty="0" smtClean="0">
-                <a:solidFill>
-                  <a:schemeClr val="tx1">
-                    <a:lumMod val="50000"/>
-                    <a:lumOff val="50000"/>
-                  </a:schemeClr>
-                </a:solidFill>
-              </a:rPr>
-              <a:t>语句时，要传递此</a:t>
-            </a:r>
-            <a:r>
-              <a:rPr lang="zh-CN" altLang="en-US" sz="1000" dirty="0" smtClean="0">
-                <a:solidFill>
-                  <a:schemeClr val="tx1">
-                    <a:lumMod val="50000"/>
-                    <a:lumOff val="50000"/>
-                  </a:schemeClr>
-                </a:solidFill>
-              </a:rPr>
-              <a:t>参数</a:t>
-            </a:r>
-            <a:r>
-              <a:rPr lang="en-US" altLang="zh-CN" sz="1000" dirty="0" smtClean="0">
+              <a:t>语句时，要传递此参数</a:t>
+            </a:r>
+            <a:r>
+              <a:rPr lang="en-US" altLang="zh-CN" sz="1000" dirty="0">
                 <a:solidFill>
                   <a:schemeClr val="tx1">
                     <a:lumMod val="50000"/>
@@ -11932,225 +12233,6 @@
               <a:t>,</a:t>
             </a:r>
             <a:r>
-              <a:rPr lang="zh-CN" altLang="en-US" sz="1000" dirty="0" smtClean="0">
-                <a:solidFill>
-                  <a:schemeClr val="tx1">
-                    <a:lumMod val="50000"/>
-                    <a:lumOff val="50000"/>
-                  </a:schemeClr>
-                </a:solidFill>
-              </a:rPr>
-              <a:t>日期分表可不设置此值</a:t>
-            </a:r>
-            <a:endParaRPr lang="zh-CN" altLang="en-US" sz="1000" dirty="0" smtClean="0">
-              <a:solidFill>
-                <a:schemeClr val="tx1">
-                  <a:lumMod val="50000"/>
-                  <a:lumOff val="50000"/>
-                </a:schemeClr>
-              </a:solidFill>
-            </a:endParaRPr>
-          </a:p>
-          <a:p>
-            <a:r>
-              <a:rPr lang="en-US" altLang="zh-CN" sz="1000" dirty="0" smtClean="0">
-                <a:solidFill>
-                  <a:schemeClr val="tx1">
-                    <a:lumMod val="50000"/>
-                    <a:lumOff val="50000"/>
-                  </a:schemeClr>
-                </a:solidFill>
-              </a:rPr>
-              <a:t>$</a:t>
-            </a:r>
-            <a:r>
-              <a:rPr lang="en-US" altLang="zh-CN" sz="1000" dirty="0" err="1" smtClean="0">
-                <a:solidFill>
-                  <a:schemeClr val="tx1">
-                    <a:lumMod val="50000"/>
-                    <a:lumOff val="50000"/>
-                  </a:schemeClr>
-                </a:solidFill>
-              </a:rPr>
-              <a:t>multiple_config</a:t>
-            </a:r>
-            <a:r>
-              <a:rPr lang="en-US" altLang="zh-CN" sz="1000" dirty="0" smtClean="0">
-                <a:solidFill>
-                  <a:schemeClr val="tx1">
-                    <a:lumMod val="50000"/>
-                    <a:lumOff val="50000"/>
-                  </a:schemeClr>
-                </a:solidFill>
-              </a:rPr>
-              <a:t>[‘</a:t>
-            </a:r>
-            <a:r>
-              <a:rPr lang="en-US" altLang="zh-CN" sz="1000" dirty="0" err="1" smtClean="0">
-                <a:solidFill>
-                  <a:schemeClr val="tx1">
-                    <a:lumMod val="50000"/>
-                    <a:lumOff val="50000"/>
-                  </a:schemeClr>
-                </a:solidFill>
-              </a:rPr>
-              <a:t>table_logic_column_type</a:t>
-            </a:r>
-            <a:r>
-              <a:rPr lang="en-US" altLang="zh-CN" sz="1000" dirty="0" smtClean="0">
-                <a:solidFill>
-                  <a:schemeClr val="tx1">
-                    <a:lumMod val="50000"/>
-                    <a:lumOff val="50000"/>
-                  </a:schemeClr>
-                </a:solidFill>
-              </a:rPr>
-              <a:t>’] = “</a:t>
-            </a:r>
-            <a:r>
-              <a:rPr lang="en-US" altLang="zh-CN" sz="1000" dirty="0" err="1" smtClean="0">
-                <a:solidFill>
-                  <a:schemeClr val="tx1">
-                    <a:lumMod val="50000"/>
-                    <a:lumOff val="50000"/>
-                  </a:schemeClr>
-                </a:solidFill>
-              </a:rPr>
-              <a:t>int</a:t>
-            </a:r>
-            <a:r>
-              <a:rPr lang="en-US" altLang="zh-CN" sz="1000" dirty="0" smtClean="0">
-                <a:solidFill>
-                  <a:schemeClr val="tx1">
-                    <a:lumMod val="50000"/>
-                    <a:lumOff val="50000"/>
-                  </a:schemeClr>
-                </a:solidFill>
-              </a:rPr>
-              <a:t>”; //</a:t>
-            </a:r>
-            <a:r>
-              <a:rPr lang="zh-CN" altLang="en-US" sz="1000" dirty="0" smtClean="0">
-                <a:solidFill>
-                  <a:schemeClr val="tx1">
-                    <a:lumMod val="50000"/>
-                    <a:lumOff val="50000"/>
-                  </a:schemeClr>
-                </a:solidFill>
-              </a:rPr>
-              <a:t>分表的列值的类型</a:t>
-            </a:r>
-            <a:r>
-              <a:rPr lang="en-US" altLang="zh-CN" sz="1000" dirty="0" smtClean="0">
-                <a:solidFill>
-                  <a:schemeClr val="tx1">
-                    <a:lumMod val="50000"/>
-                    <a:lumOff val="50000"/>
-                  </a:schemeClr>
-                </a:solidFill>
-              </a:rPr>
-              <a:t>,</a:t>
-            </a:r>
-            <a:r>
-              <a:rPr lang="zh-CN" altLang="en-US" sz="1000" dirty="0" smtClean="0">
-                <a:solidFill>
-                  <a:schemeClr val="tx1">
-                    <a:lumMod val="50000"/>
-                    <a:lumOff val="50000"/>
-                  </a:schemeClr>
-                </a:solidFill>
-              </a:rPr>
-              <a:t>可为</a:t>
-            </a:r>
-            <a:r>
-              <a:rPr lang="en-US" altLang="zh-CN" sz="1000" dirty="0" smtClean="0">
-                <a:solidFill>
-                  <a:schemeClr val="tx1">
-                    <a:lumMod val="50000"/>
-                    <a:lumOff val="50000"/>
-                  </a:schemeClr>
-                </a:solidFill>
-              </a:rPr>
-              <a:t>string </a:t>
-            </a:r>
-            <a:r>
-              <a:rPr lang="en-US" altLang="zh-CN" sz="1000" dirty="0" err="1" smtClean="0">
-                <a:solidFill>
-                  <a:schemeClr val="tx1">
-                    <a:lumMod val="50000"/>
-                    <a:lumOff val="50000"/>
-                  </a:schemeClr>
-                </a:solidFill>
-              </a:rPr>
-              <a:t>int</a:t>
-            </a:r>
-            <a:r>
-              <a:rPr lang="en-US" altLang="zh-CN" sz="1000" dirty="0" smtClean="0">
-                <a:solidFill>
-                  <a:schemeClr val="tx1">
-                    <a:lumMod val="50000"/>
-                    <a:lumOff val="50000"/>
-                  </a:schemeClr>
-                </a:solidFill>
-              </a:rPr>
-              <a:t> </a:t>
-            </a:r>
-            <a:r>
-              <a:rPr lang="zh-CN" altLang="en-US" sz="1000" dirty="0" smtClean="0">
-                <a:solidFill>
-                  <a:schemeClr val="tx1">
-                    <a:lumMod val="50000"/>
-                    <a:lumOff val="50000"/>
-                  </a:schemeClr>
-                </a:solidFill>
-              </a:rPr>
-              <a:t>或不设置此值</a:t>
-            </a:r>
-            <a:r>
-              <a:rPr lang="en-US" altLang="zh-CN" sz="1000" dirty="0" smtClean="0">
-                <a:solidFill>
-                  <a:schemeClr val="tx1">
-                    <a:lumMod val="50000"/>
-                    <a:lumOff val="50000"/>
-                  </a:schemeClr>
-                </a:solidFill>
-              </a:rPr>
-              <a:t>,</a:t>
-            </a:r>
-            <a:r>
-              <a:rPr lang="zh-CN" altLang="en-US" sz="1000" dirty="0" smtClean="0">
-                <a:solidFill>
-                  <a:schemeClr val="tx1">
-                    <a:lumMod val="50000"/>
-                    <a:lumOff val="50000"/>
-                  </a:schemeClr>
-                </a:solidFill>
-              </a:rPr>
-              <a:t>不设置表示是</a:t>
-            </a:r>
-            <a:r>
-              <a:rPr lang="en-US" altLang="zh-CN" sz="1000" dirty="0" err="1">
-                <a:solidFill>
-                  <a:schemeClr val="tx1">
-                    <a:lumMod val="50000"/>
-                    <a:lumOff val="50000"/>
-                  </a:schemeClr>
-                </a:solidFill>
-              </a:rPr>
-              <a:t>int</a:t>
-            </a:r>
-            <a:r>
-              <a:rPr lang="en-US" altLang="zh-CN" sz="1000" dirty="0">
-                <a:solidFill>
-                  <a:schemeClr val="tx1">
-                    <a:lumMod val="50000"/>
-                    <a:lumOff val="50000"/>
-                  </a:schemeClr>
-                </a:solidFill>
-              </a:rPr>
-              <a:t>,</a:t>
-            </a:r>
-            <a:r>
               <a:rPr lang="zh-CN" altLang="en-US" sz="1000" dirty="0">
                 <a:solidFill>
                   <a:schemeClr val="tx1">
@@ -12159,18 +12241,7 @@
                   </a:schemeClr>
                 </a:solidFill>
               </a:rPr>
-              <a:t>日期分表可不设置此</a:t>
-            </a:r>
-            <a:r>
-              <a:rPr lang="zh-CN" altLang="en-US" sz="1000" dirty="0" smtClean="0">
-                <a:solidFill>
-                  <a:schemeClr val="tx1">
-                    <a:lumMod val="50000"/>
-                    <a:lumOff val="50000"/>
-                  </a:schemeClr>
-                </a:solidFill>
-              </a:rPr>
-              <a:t>值</a:t>
+              <a:t>日期分库时不用设置</a:t>
             </a:r>
             <a:endParaRPr lang="en-US" altLang="zh-CN" sz="1000" dirty="0" smtClean="0">
               <a:solidFill>
@@ -12213,7 +12284,7 @@
                   </a:schemeClr>
                 </a:solidFill>
               </a:rPr>
-              <a:t>['</a:t>
+              <a:t>[‘</a:t>
             </a:r>
             <a:r>
               <a:rPr lang="en-US" altLang="zh-CN" sz="1000" dirty="0" err="1" smtClean="0">
@@ -12224,7 +12295,7 @@
                   </a:schemeClr>
                 </a:solidFill>
               </a:rPr>
-              <a:t>db_logic_column</a:t>
+              <a:t>db_logic_column_type</a:t>
             </a:r>
             <a:r>
               <a:rPr lang="en-US" altLang="zh-CN" sz="1000" dirty="0" smtClean="0">
@@ -12235,7 +12306,7 @@
                   </a:schemeClr>
                 </a:solidFill>
               </a:rPr>
-              <a:t>'] = "</a:t>
+              <a:t>’] = “</a:t>
             </a:r>
             <a:r>
               <a:rPr lang="en-US" altLang="zh-CN" sz="1000" dirty="0" err="1" smtClean="0">
@@ -12246,7 +12317,7 @@
                   </a:schemeClr>
                 </a:solidFill>
               </a:rPr>
-              <a:t>user_id</a:t>
+              <a:t>int</a:t>
             </a:r>
             <a:r>
               <a:rPr lang="en-US" altLang="zh-CN" sz="1000" dirty="0" smtClean="0">
@@ -12257,7 +12328,7 @@
                   </a:schemeClr>
                 </a:solidFill>
               </a:rPr>
-              <a:t>"; //</a:t>
+              <a:t>”; //</a:t>
             </a:r>
             <a:r>
               <a:rPr lang="zh-CN" altLang="en-US" sz="1000" dirty="0" smtClean="0">
@@ -12268,7 +12339,40 @@
                   </a:schemeClr>
                 </a:solidFill>
               </a:rPr>
-              <a:t>分库的列，执行</a:t>
+              <a:t>分库的列值的类型</a:t>
+            </a:r>
+            <a:r>
+              <a:rPr lang="en-US" altLang="zh-CN" sz="1000" dirty="0" smtClean="0">
+                <a:solidFill>
+                  <a:schemeClr val="tx1">
+                    <a:lumMod val="50000"/>
+                    <a:lumOff val="50000"/>
+                  </a:schemeClr>
+                </a:solidFill>
+              </a:rPr>
+              <a:t>,</a:t>
+            </a:r>
+            <a:r>
+              <a:rPr lang="zh-CN" altLang="en-US" sz="1000" dirty="0" smtClean="0">
+                <a:solidFill>
+                  <a:schemeClr val="tx1">
+                    <a:lumMod val="50000"/>
+                    <a:lumOff val="50000"/>
+                  </a:schemeClr>
+                </a:solidFill>
+              </a:rPr>
+              <a:t>可为</a:t>
+            </a:r>
+            <a:r>
+              <a:rPr lang="en-US" altLang="zh-CN" sz="1000" dirty="0" smtClean="0">
+                <a:solidFill>
+                  <a:schemeClr val="tx1">
+                    <a:lumMod val="50000"/>
+                    <a:lumOff val="50000"/>
+                  </a:schemeClr>
+                </a:solidFill>
+              </a:rPr>
+              <a:t>string </a:t>
             </a:r>
             <a:r>
               <a:rPr lang="en-US" altLang="zh-CN" sz="1000" dirty="0" err="1" smtClean="0">
@@ -12279,7 +12383,18 @@
                   </a:schemeClr>
                 </a:solidFill>
               </a:rPr>
-              <a:t>sql</a:t>
+              <a:t>int</a:t>
+            </a:r>
+            <a:r>
+              <a:rPr lang="en-US" altLang="zh-CN" sz="1000" dirty="0" smtClean="0">
+                <a:solidFill>
+                  <a:schemeClr val="tx1">
+                    <a:lumMod val="50000"/>
+                    <a:lumOff val="50000"/>
+                  </a:schemeClr>
+                </a:solidFill>
+              </a:rPr>
+              <a:t> </a:t>
             </a:r>
             <a:r>
               <a:rPr lang="zh-CN" altLang="en-US" sz="1000" dirty="0" smtClean="0">
@@ -12290,7 +12405,18 @@
                   </a:schemeClr>
                 </a:solidFill>
               </a:rPr>
-              <a:t>语句时，要传递此</a:t>
+              <a:t>，如不设置此值将同</a:t>
+            </a:r>
+            <a:r>
+              <a:rPr lang="en-US" altLang="zh-CN" sz="1000" dirty="0" err="1" smtClean="0">
+                <a:solidFill>
+                  <a:schemeClr val="tx1">
+                    <a:lumMod val="50000"/>
+                    <a:lumOff val="50000"/>
+                  </a:schemeClr>
+                </a:solidFill>
+              </a:rPr>
+              <a:t>table_logic_column_type</a:t>
             </a:r>
             <a:r>
               <a:rPr lang="zh-CN" altLang="en-US" sz="1000" dirty="0" smtClean="0">
@@ -12301,7 +12427,7 @@
                   </a:schemeClr>
                 </a:solidFill>
               </a:rPr>
-              <a:t>参数</a:t>
+              <a:t>的值</a:t>
             </a:r>
             <a:r>
               <a:rPr lang="en-US" altLang="zh-CN" sz="1000" dirty="0">
@@ -12366,225 +12492,6 @@
                   </a:schemeClr>
                 </a:solidFill>
               </a:rPr>
-              <a:t>[‘</a:t>
-            </a:r>
-            <a:r>
-              <a:rPr lang="en-US" altLang="zh-CN" sz="1000" dirty="0" err="1" smtClean="0">
-                <a:solidFill>
-                  <a:schemeClr val="tx1">
-                    <a:lumMod val="50000"/>
-                    <a:lumOff val="50000"/>
-                  </a:schemeClr>
-                </a:solidFill>
-              </a:rPr>
-              <a:t>db_logic_column_type</a:t>
-            </a:r>
-            <a:r>
-              <a:rPr lang="en-US" altLang="zh-CN" sz="1000" dirty="0" smtClean="0">
-                <a:solidFill>
-                  <a:schemeClr val="tx1">
-                    <a:lumMod val="50000"/>
-                    <a:lumOff val="50000"/>
-                  </a:schemeClr>
-                </a:solidFill>
-              </a:rPr>
-              <a:t>’] = “</a:t>
-            </a:r>
-            <a:r>
-              <a:rPr lang="en-US" altLang="zh-CN" sz="1000" dirty="0" err="1" smtClean="0">
-                <a:solidFill>
-                  <a:schemeClr val="tx1">
-                    <a:lumMod val="50000"/>
-                    <a:lumOff val="50000"/>
-                  </a:schemeClr>
-                </a:solidFill>
-              </a:rPr>
-              <a:t>int</a:t>
-            </a:r>
-            <a:r>
-              <a:rPr lang="en-US" altLang="zh-CN" sz="1000" dirty="0" smtClean="0">
-                <a:solidFill>
-                  <a:schemeClr val="tx1">
-                    <a:lumMod val="50000"/>
-                    <a:lumOff val="50000"/>
-                  </a:schemeClr>
-                </a:solidFill>
-              </a:rPr>
-              <a:t>”; //</a:t>
-            </a:r>
-            <a:r>
-              <a:rPr lang="zh-CN" altLang="en-US" sz="1000" dirty="0" smtClean="0">
-                <a:solidFill>
-                  <a:schemeClr val="tx1">
-                    <a:lumMod val="50000"/>
-                    <a:lumOff val="50000"/>
-                  </a:schemeClr>
-                </a:solidFill>
-              </a:rPr>
-              <a:t>分库的列值的类型</a:t>
-            </a:r>
-            <a:r>
-              <a:rPr lang="en-US" altLang="zh-CN" sz="1000" dirty="0" smtClean="0">
-                <a:solidFill>
-                  <a:schemeClr val="tx1">
-                    <a:lumMod val="50000"/>
-                    <a:lumOff val="50000"/>
-                  </a:schemeClr>
-                </a:solidFill>
-              </a:rPr>
-              <a:t>,</a:t>
-            </a:r>
-            <a:r>
-              <a:rPr lang="zh-CN" altLang="en-US" sz="1000" dirty="0" smtClean="0">
-                <a:solidFill>
-                  <a:schemeClr val="tx1">
-                    <a:lumMod val="50000"/>
-                    <a:lumOff val="50000"/>
-                  </a:schemeClr>
-                </a:solidFill>
-              </a:rPr>
-              <a:t>可为</a:t>
-            </a:r>
-            <a:r>
-              <a:rPr lang="en-US" altLang="zh-CN" sz="1000" dirty="0" smtClean="0">
-                <a:solidFill>
-                  <a:schemeClr val="tx1">
-                    <a:lumMod val="50000"/>
-                    <a:lumOff val="50000"/>
-                  </a:schemeClr>
-                </a:solidFill>
-              </a:rPr>
-              <a:t>string </a:t>
-            </a:r>
-            <a:r>
-              <a:rPr lang="en-US" altLang="zh-CN" sz="1000" dirty="0" err="1" smtClean="0">
-                <a:solidFill>
-                  <a:schemeClr val="tx1">
-                    <a:lumMod val="50000"/>
-                    <a:lumOff val="50000"/>
-                  </a:schemeClr>
-                </a:solidFill>
-              </a:rPr>
-              <a:t>int</a:t>
-            </a:r>
-            <a:r>
-              <a:rPr lang="en-US" altLang="zh-CN" sz="1000" dirty="0" smtClean="0">
-                <a:solidFill>
-                  <a:schemeClr val="tx1">
-                    <a:lumMod val="50000"/>
-                    <a:lumOff val="50000"/>
-                  </a:schemeClr>
-                </a:solidFill>
-              </a:rPr>
-              <a:t> </a:t>
-            </a:r>
-            <a:r>
-              <a:rPr lang="zh-CN" altLang="en-US" sz="1000" dirty="0" smtClean="0">
-                <a:solidFill>
-                  <a:schemeClr val="tx1">
-                    <a:lumMod val="50000"/>
-                    <a:lumOff val="50000"/>
-                  </a:schemeClr>
-                </a:solidFill>
-              </a:rPr>
-              <a:t>，如不设置此值将同</a:t>
-            </a:r>
-            <a:r>
-              <a:rPr lang="en-US" altLang="zh-CN" sz="1000" dirty="0" err="1" smtClean="0">
-                <a:solidFill>
-                  <a:schemeClr val="tx1">
-                    <a:lumMod val="50000"/>
-                    <a:lumOff val="50000"/>
-                  </a:schemeClr>
-                </a:solidFill>
-              </a:rPr>
-              <a:t>table_logic_column_type</a:t>
-            </a:r>
-            <a:r>
-              <a:rPr lang="zh-CN" altLang="en-US" sz="1000" dirty="0" smtClean="0">
-                <a:solidFill>
-                  <a:schemeClr val="tx1">
-                    <a:lumMod val="50000"/>
-                    <a:lumOff val="50000"/>
-                  </a:schemeClr>
-                </a:solidFill>
-              </a:rPr>
-              <a:t>的</a:t>
-            </a:r>
-            <a:r>
-              <a:rPr lang="zh-CN" altLang="en-US" sz="1000" dirty="0" smtClean="0">
-                <a:solidFill>
-                  <a:schemeClr val="tx1">
-                    <a:lumMod val="50000"/>
-                    <a:lumOff val="50000"/>
-                  </a:schemeClr>
-                </a:solidFill>
-              </a:rPr>
-              <a:t>值</a:t>
-            </a:r>
-            <a:r>
-              <a:rPr lang="en-US" altLang="zh-CN" sz="1000" dirty="0">
-                <a:solidFill>
-                  <a:schemeClr val="tx1">
-                    <a:lumMod val="50000"/>
-                    <a:lumOff val="50000"/>
-                  </a:schemeClr>
-                </a:solidFill>
-              </a:rPr>
-              <a:t>,</a:t>
-            </a:r>
-            <a:r>
-              <a:rPr lang="zh-CN" altLang="en-US" sz="1000" dirty="0">
-                <a:solidFill>
-                  <a:schemeClr val="tx1">
-                    <a:lumMod val="50000"/>
-                    <a:lumOff val="50000"/>
-                  </a:schemeClr>
-                </a:solidFill>
-              </a:rPr>
-              <a:t>日期分库时不用设置</a:t>
-            </a:r>
-            <a:endParaRPr lang="en-US" altLang="zh-CN" sz="1000" dirty="0" smtClean="0">
-              <a:solidFill>
-                <a:schemeClr val="tx1">
-                  <a:lumMod val="50000"/>
-                  <a:lumOff val="50000"/>
-                </a:schemeClr>
-              </a:solidFill>
-            </a:endParaRPr>
-          </a:p>
-          <a:p>
-            <a:r>
-              <a:rPr lang="en-US" altLang="zh-CN" sz="1000" dirty="0" smtClean="0">
-                <a:solidFill>
-                  <a:schemeClr val="tx1">
-                    <a:lumMod val="50000"/>
-                    <a:lumOff val="50000"/>
-                  </a:schemeClr>
-                </a:solidFill>
-              </a:rPr>
-              <a:t>$</a:t>
-            </a:r>
-            <a:r>
-              <a:rPr lang="en-US" altLang="zh-CN" sz="1000" dirty="0" err="1" smtClean="0">
-                <a:solidFill>
-                  <a:schemeClr val="tx1">
-                    <a:lumMod val="50000"/>
-                    <a:lumOff val="50000"/>
-                  </a:schemeClr>
-                </a:solidFill>
-              </a:rPr>
-              <a:t>multiple_config</a:t>
-            </a:r>
-            <a:r>
-              <a:rPr lang="en-US" altLang="zh-CN" sz="1000" dirty="0" smtClean="0">
-                <a:solidFill>
-                  <a:schemeClr val="tx1">
-                    <a:lumMod val="50000"/>
-                    <a:lumOff val="50000"/>
-                  </a:schemeClr>
-                </a:solidFill>
-              </a:rPr>
               <a:t>['</a:t>
             </a:r>
             <a:r>
@@ -13410,15 +13317,7 @@
                   <a:srgbClr val="FF0000"/>
                 </a:solidFill>
               </a:rPr>
-              <a:t>是否按时间分</a:t>
-            </a:r>
-            <a:r>
-              <a:rPr lang="zh-CN" altLang="en-US" sz="1000" dirty="0" smtClean="0">
-                <a:solidFill>
-                  <a:srgbClr val="FF0000"/>
-                </a:solidFill>
-              </a:rPr>
-              <a:t>表</a:t>
+              <a:t>是否按时间分表</a:t>
             </a:r>
             <a:endParaRPr lang="en-US" altLang="zh-CN" sz="1000" dirty="0" smtClean="0">
               <a:solidFill>
@@ -14739,7 +14638,7 @@
                 </a:solidFill>
               </a:rPr>
               <a:pPr/>
-              <a:t>9/1/2014</a:t>
+              <a:t>8/29/2014</a:t>
             </a:fld>
             <a:endParaRPr lang="en-US">
               <a:solidFill>
@@ -15192,7 +15091,7 @@
             <a:fld id="{B11D738E-8962-435F-8C43-147B8DD7E819}" type="datetime1">
               <a:rPr lang="en-US" smtClean="0"/>
               <a:pPr/>
-              <a:t>9/1/2014</a:t>
+              <a:t>8/29/2014</a:t>
             </a:fld>
             <a:endParaRPr lang="en-US" dirty="0"/>
           </a:p>
@@ -16295,7 +16194,7 @@
                 </a:solidFill>
               </a:rPr>
               <a:pPr/>
-              <a:t>9/1/2014</a:t>
+              <a:t>8/29/2014</a:t>
             </a:fld>
             <a:endParaRPr lang="en-US">
               <a:solidFill>
@@ -16647,7 +16546,7 @@
                 </a:solidFill>
               </a:rPr>
               <a:pPr/>
-              <a:t>9/1/2014</a:t>
+              <a:t>8/29/2014</a:t>
             </a:fld>
             <a:endParaRPr lang="en-US">
               <a:solidFill>
@@ -16995,7 +16894,7 @@
                 </a:solidFill>
               </a:rPr>
               <a:pPr/>
-              <a:t>9/1/2014</a:t>
+              <a:t>8/29/2014</a:t>
             </a:fld>
             <a:endParaRPr lang="en-US">
               <a:solidFill>
@@ -17174,7 +17073,7 @@
             <a:fld id="{B11D738E-8962-435F-8C43-147B8DD7E819}" type="datetime1">
               <a:rPr lang="en-US" smtClean="0"/>
               <a:pPr/>
-              <a:t>9/1/2014</a:t>
+              <a:t>8/29/2014</a:t>
             </a:fld>
             <a:endParaRPr lang="en-US"/>
           </a:p>
@@ -17372,7 +17271,7 @@
                 </a:solidFill>
               </a:rPr>
               <a:pPr/>
-              <a:t>9/1/2014</a:t>
+              <a:t>8/29/2014</a:t>
             </a:fld>
             <a:endParaRPr lang="en-US">
               <a:solidFill>
@@ -17868,7 +17767,7 @@
                 </a:solidFill>
               </a:rPr>
               <a:pPr/>
-              <a:t>9/1/2014</a:t>
+              <a:t>8/29/2014</a:t>
             </a:fld>
             <a:endParaRPr lang="en-US" dirty="0">
               <a:solidFill>
@@ -18579,7 +18478,7 @@
                 </a:solidFill>
               </a:rPr>
               <a:pPr/>
-              <a:t>9/1/2014</a:t>
+              <a:t>8/29/2014</a:t>
             </a:fld>
             <a:endParaRPr lang="en-US">
               <a:solidFill>
@@ -19443,7 +19342,7 @@
             <a:fld id="{B11D738E-8962-435F-8C43-147B8DD7E819}" type="datetime1">
               <a:rPr lang="en-US" smtClean="0"/>
               <a:pPr/>
-              <a:t>9/1/2014</a:t>
+              <a:t>8/29/2014</a:t>
             </a:fld>
             <a:endParaRPr lang="en-US"/>
           </a:p>
@@ -20006,7 +19905,7 @@
             <a:fld id="{B11D738E-8962-435F-8C43-147B8DD7E819}" type="datetime1">
               <a:rPr lang="en-US" smtClean="0"/>
               <a:pPr/>
-              <a:t>9/1/2014</a:t>
+              <a:t>8/29/2014</a:t>
             </a:fld>
             <a:endParaRPr lang="en-US"/>
           </a:p>
@@ -20147,7 +20046,7 @@
             <a:fld id="{B11D738E-8962-435F-8C43-147B8DD7E819}" type="datetime1">
               <a:rPr lang="en-US" smtClean="0"/>
               <a:pPr/>
-              <a:t>9/1/2014</a:t>
+              <a:t>8/29/2014</a:t>
             </a:fld>
             <a:endParaRPr lang="en-US"/>
           </a:p>
@@ -20392,12 +20291,25 @@
             </a:r>
             <a:r>
               <a:rPr lang="zh-CN" altLang="en-US" dirty="0"/>
-              <a:t>分表</a:t>
+              <a:t>分</a:t>
+            </a:r>
+            <a:r>
+              <a:rPr lang="zh-CN" altLang="en-US" dirty="0" smtClean="0"/>
+              <a:t>表</a:t>
+            </a:r>
+            <a:r>
+              <a:rPr lang="en-US" altLang="zh-CN" dirty="0" smtClean="0"/>
+              <a:t>,</a:t>
+            </a:r>
+            <a:r>
+              <a:rPr lang="zh-CN" altLang="en-US" dirty="0" smtClean="0"/>
+              <a:t>日期分库可以</a:t>
             </a:r>
             <a:r>
               <a:rPr lang="en-US" altLang="zh-CN" dirty="0" smtClean="0"/>
               <a:t>)</a:t>
             </a:r>
+            <a:endParaRPr lang="en-US" altLang="zh-CN" dirty="0" smtClean="0"/>
           </a:p>
           <a:p>
             <a:r>
@@ -20430,10 +20342,22 @@
             </a:r>
             <a:r>
               <a:rPr lang="zh-CN" altLang="en-US" dirty="0"/>
-              <a:t>分表</a:t>
-            </a:r>
-            <a:r>
-              <a:rPr lang="en-US" altLang="zh-CN" dirty="0"/>
+              <a:t>分</a:t>
+            </a:r>
+            <a:r>
+              <a:rPr lang="zh-CN" altLang="en-US" dirty="0" smtClean="0"/>
+              <a:t>表</a:t>
+            </a:r>
+            <a:r>
+              <a:rPr lang="en-US" altLang="zh-CN" dirty="0" smtClean="0"/>
+              <a:t>,</a:t>
+            </a:r>
+            <a:r>
+              <a:rPr lang="zh-CN" altLang="en-US" smtClean="0"/>
+              <a:t>日期分库可以</a:t>
+            </a:r>
+            <a:r>
+              <a:rPr lang="en-US" altLang="zh-CN" smtClean="0"/>
               <a:t>)</a:t>
             </a:r>
             <a:r>
@@ -20533,7 +20457,7 @@
                 </a:solidFill>
               </a:rPr>
               <a:pPr/>
-              <a:t>9/1/2014</a:t>
+              <a:t>8/29/2014</a:t>
             </a:fld>
             <a:endParaRPr lang="en-US" dirty="0">
               <a:solidFill>
@@ -21116,7 +21040,7 @@
             <a:fld id="{B11D738E-8962-435F-8C43-147B8DD7E819}" type="datetime1">
               <a:rPr lang="en-US" smtClean="0"/>
               <a:pPr/>
-              <a:t>9/1/2014</a:t>
+              <a:t>8/29/2014</a:t>
             </a:fld>
             <a:endParaRPr lang="en-US" dirty="0"/>
           </a:p>
@@ -21908,7 +21832,7 @@
             <a:fld id="{B11D738E-8962-435F-8C43-147B8DD7E819}" type="datetime1">
               <a:rPr lang="en-US" smtClean="0"/>
               <a:pPr/>
-              <a:t>9/1/2014</a:t>
+              <a:t>8/29/2014</a:t>
             </a:fld>
             <a:endParaRPr lang="en-US"/>
           </a:p>
@@ -22205,7 +22129,7 @@
             <a:fld id="{B11D738E-8962-435F-8C43-147B8DD7E819}" type="datetime1">
               <a:rPr lang="en-US" smtClean="0"/>
               <a:pPr/>
-              <a:t>9/1/2014</a:t>
+              <a:t>8/29/2014</a:t>
             </a:fld>
             <a:endParaRPr lang="en-US"/>
           </a:p>
@@ -22700,7 +22624,7 @@
                 </a:solidFill>
               </a:rPr>
               <a:pPr/>
-              <a:t>9/1/2014</a:t>
+              <a:t>8/29/2014</a:t>
             </a:fld>
             <a:endParaRPr lang="en-US" dirty="0">
               <a:solidFill>
@@ -23077,11 +23001,7 @@
             </a:r>
             <a:r>
               <a:rPr lang="zh-CN" altLang="en-US" dirty="0" smtClean="0"/>
-              <a:t>、虚拟节点的方式实现库表</a:t>
-            </a:r>
-            <a:r>
-              <a:rPr lang="zh-CN" altLang="en-US" dirty="0" smtClean="0"/>
-              <a:t>分离</a:t>
+              <a:t>、虚拟节点的方式实现库表分离</a:t>
             </a:r>
             <a:endParaRPr lang="en-US" altLang="zh-CN" dirty="0" smtClean="0"/>
           </a:p>
@@ -23565,7 +23485,7 @@
                 </a:solidFill>
               </a:rPr>
               <a:pPr/>
-              <a:t>9/1/2014</a:t>
+              <a:t>8/29/2014</a:t>
             </a:fld>
             <a:endParaRPr lang="en-US">
               <a:solidFill>

--- a/dbroute.pptx
+++ b/dbroute.pptx
@@ -11154,7 +11154,7 @@
         <p:spPr>
           <a:xfrm>
             <a:off x="214282" y="332656"/>
-            <a:ext cx="8929718" cy="6955750"/>
+            <a:ext cx="8929718" cy="7017306"/>
           </a:xfrm>
           <a:prstGeom prst="rect">
             <a:avLst/>
@@ -13479,6 +13479,125 @@
               <a:t>:1...);</a:t>
             </a:r>
             <a:endParaRPr lang="zh-CN" altLang="en-US" sz="1000" dirty="0" smtClean="0">
+              <a:solidFill>
+                <a:srgbClr val="FF0000"/>
+              </a:solidFill>
+            </a:endParaRPr>
+          </a:p>
+          <a:p>
+            <a:r>
+              <a:rPr lang="en-US" altLang="zh-CN" sz="1000" dirty="0" smtClean="0">
+                <a:solidFill>
+                  <a:srgbClr val="FF0000"/>
+                </a:solidFill>
+              </a:rPr>
+              <a:t>$</a:t>
+            </a:r>
+            <a:r>
+              <a:rPr lang="en-US" altLang="zh-CN" sz="1000" dirty="0">
+                <a:solidFill>
+                  <a:srgbClr val="FF0000"/>
+                </a:solidFill>
+              </a:rPr>
+              <a:t> </a:t>
+            </a:r>
+            <a:r>
+              <a:rPr lang="en-US" altLang="zh-CN" sz="1000" dirty="0" err="1">
+                <a:solidFill>
+                  <a:srgbClr val="FF0000"/>
+                </a:solidFill>
+              </a:rPr>
+              <a:t>multiple_config</a:t>
+            </a:r>
+            <a:r>
+              <a:rPr lang="en-US" altLang="zh-CN" sz="1000" dirty="0" smtClean="0">
+                <a:solidFill>
+                  <a:srgbClr val="FF0000"/>
+                </a:solidFill>
+              </a:rPr>
+              <a:t>[</a:t>
+            </a:r>
+            <a:r>
+              <a:rPr lang="en-US" altLang="zh-CN" sz="1000" dirty="0">
+                <a:solidFill>
+                  <a:srgbClr val="FF0000"/>
+                </a:solidFill>
+              </a:rPr>
+              <a:t>'</a:t>
+            </a:r>
+            <a:r>
+              <a:rPr lang="en-US" altLang="zh-CN" sz="1000" dirty="0" err="1">
+                <a:solidFill>
+                  <a:srgbClr val="FF0000"/>
+                </a:solidFill>
+              </a:rPr>
+              <a:t>db_name_date_logic_start_year</a:t>
+            </a:r>
+            <a:r>
+              <a:rPr lang="en-US" altLang="zh-CN" sz="1000" dirty="0">
+                <a:solidFill>
+                  <a:srgbClr val="FF0000"/>
+                </a:solidFill>
+              </a:rPr>
+              <a:t>'] = 2010; //</a:t>
+            </a:r>
+            <a:r>
+              <a:rPr lang="zh-CN" altLang="en-US" sz="1000" dirty="0">
+                <a:solidFill>
+                  <a:srgbClr val="FF0000"/>
+                </a:solidFill>
+              </a:rPr>
+              <a:t>起始年份 </a:t>
+            </a:r>
+            <a:r>
+              <a:rPr lang="en-US" altLang="zh-CN" sz="1000" dirty="0" err="1">
+                <a:solidFill>
+                  <a:srgbClr val="FF0000"/>
+                </a:solidFill>
+              </a:rPr>
+              <a:t>db_name_date_logic_string</a:t>
+            </a:r>
+            <a:r>
+              <a:rPr lang="zh-CN" altLang="en-US" sz="1000" dirty="0">
+                <a:solidFill>
+                  <a:srgbClr val="FF0000"/>
+                </a:solidFill>
+              </a:rPr>
+              <a:t>为</a:t>
+            </a:r>
+            <a:r>
+              <a:rPr lang="en-US" altLang="zh-CN" sz="1000" dirty="0">
+                <a:solidFill>
+                  <a:srgbClr val="FF0000"/>
+                </a:solidFill>
+              </a:rPr>
+              <a:t>year</a:t>
+            </a:r>
+            <a:r>
+              <a:rPr lang="zh-CN" altLang="en-US" sz="1000" dirty="0">
+                <a:solidFill>
+                  <a:srgbClr val="FF0000"/>
+                </a:solidFill>
+              </a:rPr>
+              <a:t>时，必须设置此值 为</a:t>
+            </a:r>
+            <a:r>
+              <a:rPr lang="en-US" altLang="zh-CN" sz="1000" dirty="0">
+                <a:solidFill>
+                  <a:srgbClr val="FF0000"/>
+                </a:solidFill>
+              </a:rPr>
+              <a:t>month day week</a:t>
+            </a:r>
+            <a:r>
+              <a:rPr lang="zh-CN" altLang="en-US" sz="1000" dirty="0">
+                <a:solidFill>
+                  <a:srgbClr val="FF0000"/>
+                </a:solidFill>
+              </a:rPr>
+              <a:t>时则不用</a:t>
+            </a:r>
+            <a:endParaRPr lang="en-US" altLang="zh-CN" sz="1000" dirty="0" smtClean="0">
               <a:solidFill>
                 <a:srgbClr val="FF0000"/>
               </a:solidFill>
@@ -20309,7 +20428,6 @@
               <a:rPr lang="en-US" altLang="zh-CN" dirty="0" smtClean="0"/>
               <a:t>)</a:t>
             </a:r>
-            <a:endParaRPr lang="en-US" altLang="zh-CN" dirty="0" smtClean="0"/>
           </a:p>
           <a:p>
             <a:r>

--- a/dbroute.pptx
+++ b/dbroute.pptx
@@ -23004,7 +23004,7 @@
         </p:spPr>
         <p:txBody>
           <a:bodyPr>
-            <a:normAutofit fontScale="85000" lnSpcReduction="10000"/>
+            <a:normAutofit fontScale="92500" lnSpcReduction="10000"/>
           </a:bodyPr>
           <a:lstStyle/>
           <a:p>
@@ -23126,26 +23126,16 @@
           <a:p>
             <a:r>
               <a:rPr lang="zh-CN" altLang="en-US" dirty="0" smtClean="0"/>
-              <a:t>时间分库分表：支持</a:t>
-            </a:r>
-            <a:r>
-              <a:rPr lang="zh-CN" altLang="en-US" dirty="0"/>
-              <a:t>库表都按时间分 及 库按逻辑列分表按时间分</a:t>
-            </a:r>
-            <a:r>
-              <a:rPr lang="en-US" altLang="zh-CN" dirty="0"/>
-              <a:t>;</a:t>
-            </a:r>
-            <a:r>
-              <a:rPr lang="zh-CN" altLang="en-US" dirty="0"/>
-              <a:t>不支持  库按时间分表按逻辑列分</a:t>
-            </a:r>
-            <a:endParaRPr lang="en-US" altLang="zh-CN" dirty="0"/>
-          </a:p>
-          <a:p>
-            <a:pPr marL="0" indent="0">
-              <a:buNone/>
-            </a:pPr>
+              <a:t>日期分库</a:t>
+            </a:r>
+            <a:r>
+              <a:rPr lang="zh-CN" altLang="en-US" dirty="0" smtClean="0"/>
+              <a:t>分</a:t>
+            </a:r>
+            <a:r>
+              <a:rPr lang="zh-CN" altLang="en-US" smtClean="0"/>
+              <a:t>表支持，根据系统时间取库名和表名</a:t>
+            </a:r>
             <a:r>
               <a:rPr lang="zh-CN" altLang="en-US" dirty="0"/>
               <a:t/>

--- a/dbroute.pptx
+++ b/dbroute.pptx
@@ -255,7 +255,7 @@
             <a:fld id="{1C322183-02A2-4B29-8FC7-57DEF057D6A5}" type="datetimeFigureOut">
               <a:rPr lang="zh-CN" altLang="en-US" smtClean="0"/>
               <a:pPr/>
-              <a:t>2014/9/4</a:t>
+              <a:t>2014/10/20</a:t>
             </a:fld>
             <a:endParaRPr lang="zh-CN" altLang="en-US"/>
           </a:p>
@@ -986,7 +986,7 @@
             <a:fld id="{216C5678-EE20-4FA5-88E2-6E0BD67A2E26}" type="datetime1">
               <a:rPr lang="en-US" smtClean="0"/>
               <a:pPr/>
-              <a:t>9/4/2014</a:t>
+              <a:t>10/20/2014</a:t>
             </a:fld>
             <a:endParaRPr lang="en-US" dirty="0"/>
           </a:p>
@@ -1157,7 +1157,7 @@
             <a:fld id="{EA051B39-B140-43FE-96DB-472A2B59CE7C}" type="datetime1">
               <a:rPr lang="en-US" smtClean="0"/>
               <a:pPr/>
-              <a:t>9/4/2014</a:t>
+              <a:t>10/20/2014</a:t>
             </a:fld>
             <a:endParaRPr lang="en-US"/>
           </a:p>
@@ -1338,7 +1338,7 @@
             <a:fld id="{DA600BB2-27C5-458B-ABCE-839C88CF47CE}" type="datetime1">
               <a:rPr lang="en-US" smtClean="0"/>
               <a:pPr/>
-              <a:t>9/4/2014</a:t>
+              <a:t>10/20/2014</a:t>
             </a:fld>
             <a:endParaRPr lang="en-US"/>
           </a:p>
@@ -1527,7 +1527,7 @@
             <a:fld id="{B11D738E-8962-435F-8C43-147B8DD7E819}" type="datetime1">
               <a:rPr lang="en-US" smtClean="0"/>
               <a:pPr/>
-              <a:t>9/4/2014</a:t>
+              <a:t>10/20/2014</a:t>
             </a:fld>
             <a:endParaRPr lang="en-US"/>
           </a:p>
@@ -1795,7 +1795,7 @@
             <a:fld id="{09CAEA93-55E7-4DA9-90C2-089A26EEFEC4}" type="datetime1">
               <a:rPr lang="en-US" smtClean="0"/>
               <a:pPr/>
-              <a:t>9/4/2014</a:t>
+              <a:t>10/20/2014</a:t>
             </a:fld>
             <a:endParaRPr lang="en-US"/>
           </a:p>
@@ -2149,7 +2149,7 @@
             <a:fld id="{E34CF3C7-6809-4F39-BD67-A75817BDDE0A}" type="datetime1">
               <a:rPr lang="en-US" smtClean="0"/>
               <a:pPr/>
-              <a:t>9/4/2014</a:t>
+              <a:t>10/20/2014</a:t>
             </a:fld>
             <a:endParaRPr lang="en-US"/>
           </a:p>
@@ -2463,7 +2463,7 @@
             <a:fld id="{F7EAEB24-CE78-465C-A726-91D0868FA48F}" type="datetime1">
               <a:rPr lang="en-US" smtClean="0"/>
               <a:pPr/>
-              <a:t>9/4/2014</a:t>
+              <a:t>10/20/2014</a:t>
             </a:fld>
             <a:endParaRPr lang="en-US"/>
           </a:p>
@@ -2696,7 +2696,7 @@
             <a:fld id="{40BAADF0-1749-4E8B-9691-B44A5F8C0895}" type="datetime1">
               <a:rPr lang="en-US" smtClean="0"/>
               <a:pPr/>
-              <a:t>9/4/2014</a:t>
+              <a:t>10/20/2014</a:t>
             </a:fld>
             <a:endParaRPr lang="en-US"/>
           </a:p>
@@ -2792,7 +2792,7 @@
             <a:fld id="{A8AF628A-A867-4937-BBE5-207DB6F9C51A}" type="datetime1">
               <a:rPr lang="en-US" smtClean="0"/>
               <a:pPr/>
-              <a:t>9/4/2014</a:t>
+              <a:t>10/20/2014</a:t>
             </a:fld>
             <a:endParaRPr lang="en-US"/>
           </a:p>
@@ -3086,7 +3086,7 @@
             <a:fld id="{118BBB94-68E6-4675-A946-F1C5994EDBD7}" type="datetime1">
               <a:rPr lang="en-US" smtClean="0"/>
               <a:pPr/>
-              <a:t>9/4/2014</a:t>
+              <a:t>10/20/2014</a:t>
             </a:fld>
             <a:endParaRPr lang="en-US"/>
           </a:p>
@@ -3361,7 +3361,7 @@
             <a:fld id="{DC3B8377-21E3-4835-B75D-4E2847E2750F}" type="datetime1">
               <a:rPr lang="en-US" smtClean="0"/>
               <a:pPr/>
-              <a:t>9/4/2014</a:t>
+              <a:t>10/20/2014</a:t>
             </a:fld>
             <a:endParaRPr lang="en-US"/>
           </a:p>
@@ -3577,7 +3577,7 @@
             <a:fld id="{B0C4986D-6BE9-4264-908F-02DB36FD8D6C}" type="datetime1">
               <a:rPr lang="en-US" smtClean="0"/>
               <a:pPr/>
-              <a:t>9/4/2014</a:t>
+              <a:t>10/20/2014</a:t>
             </a:fld>
             <a:endParaRPr lang="en-US" dirty="0"/>
           </a:p>
@@ -4167,7 +4167,7 @@
             <a:fld id="{216C5678-EE20-4FA5-88E2-6E0BD67A2E26}" type="datetime1">
               <a:rPr lang="en-US" smtClean="0"/>
               <a:pPr/>
-              <a:t>9/4/2014</a:t>
+              <a:t>10/20/2014</a:t>
             </a:fld>
             <a:endParaRPr lang="en-US" dirty="0"/>
           </a:p>
@@ -4517,7 +4517,7 @@
                 </a:solidFill>
               </a:rPr>
               <a:pPr/>
-              <a:t>9/4/2014</a:t>
+              <a:t>10/20/2014</a:t>
             </a:fld>
             <a:endParaRPr lang="en-US">
               <a:solidFill>
@@ -4985,7 +4985,7 @@
                 </a:solidFill>
               </a:rPr>
               <a:pPr/>
-              <a:t>9/4/2014</a:t>
+              <a:t>10/20/2014</a:t>
             </a:fld>
             <a:endParaRPr lang="en-US">
               <a:solidFill>
@@ -6154,7 +6154,7 @@
                 </a:solidFill>
               </a:rPr>
               <a:pPr/>
-              <a:t>9/4/2014</a:t>
+              <a:t>10/20/2014</a:t>
             </a:fld>
             <a:endParaRPr lang="en-US">
               <a:solidFill>
@@ -7205,7 +7205,7 @@
                 </a:solidFill>
               </a:rPr>
               <a:pPr/>
-              <a:t>9/4/2014</a:t>
+              <a:t>10/20/2014</a:t>
             </a:fld>
             <a:endParaRPr lang="en-US">
               <a:solidFill>
@@ -9015,7 +9015,7 @@
                 </a:solidFill>
               </a:rPr>
               <a:pPr/>
-              <a:t>9/4/2014</a:t>
+              <a:t>10/20/2014</a:t>
             </a:fld>
             <a:endParaRPr lang="en-US">
               <a:solidFill>
@@ -9323,7 +9323,7 @@
                 </a:solidFill>
               </a:rPr>
               <a:pPr/>
-              <a:t>9/4/2014</a:t>
+              <a:t>10/20/2014</a:t>
             </a:fld>
             <a:endParaRPr lang="en-US">
               <a:solidFill>
@@ -10141,7 +10141,7 @@
                 </a:solidFill>
               </a:rPr>
               <a:pPr/>
-              <a:t>9/4/2014</a:t>
+              <a:t>10/20/2014</a:t>
             </a:fld>
             <a:endParaRPr lang="en-US">
               <a:solidFill>
@@ -10870,7 +10870,7 @@
                 </a:solidFill>
               </a:rPr>
               <a:pPr/>
-              <a:t>9/4/2014</a:t>
+              <a:t>10/20/2014</a:t>
             </a:fld>
             <a:endParaRPr lang="en-US">
               <a:solidFill>
@@ -11040,7 +11040,7 @@
                 </a:solidFill>
               </a:rPr>
               <a:pPr/>
-              <a:t>9/4/2014</a:t>
+              <a:t>10/20/2014</a:t>
             </a:fld>
             <a:endParaRPr lang="en-US">
               <a:solidFill>
@@ -13097,7 +13097,7 @@
                 </a:solidFill>
               </a:rPr>
               <a:pPr/>
-              <a:t>9/4/2014</a:t>
+              <a:t>10/20/2014</a:t>
             </a:fld>
             <a:endParaRPr lang="en-US">
               <a:solidFill>
@@ -15511,7 +15511,7 @@
         </p:spPr>
         <p:txBody>
           <a:bodyPr>
-            <a:normAutofit/>
+            <a:normAutofit lnSpcReduction="10000"/>
           </a:bodyPr>
           <a:lstStyle/>
           <a:p>
@@ -15560,7 +15560,7 @@
             </a:r>
             <a:r>
               <a:rPr lang="zh-CN" altLang="en-US" dirty="0" smtClean="0"/>
-              <a:t>每库一个表</a:t>
+              <a:t>每库一表</a:t>
             </a:r>
             <a:r>
               <a:rPr lang="en-US" altLang="zh-CN" dirty="0" smtClean="0"/>
@@ -15612,11 +15612,7 @@
           <a:p>
             <a:r>
               <a:rPr lang="zh-CN" altLang="en-US" dirty="0" smtClean="0"/>
-              <a:t>单</a:t>
-            </a:r>
-            <a:r>
-              <a:rPr lang="zh-CN" altLang="en-US" dirty="0"/>
-              <a:t>库支持事务</a:t>
+              <a:t>支持本地事务</a:t>
             </a:r>
             <a:r>
               <a:rPr lang="en-US" altLang="zh-CN" dirty="0" smtClean="0"/>
@@ -15624,12 +15620,59 @@
             </a:r>
             <a:r>
               <a:rPr lang="zh-CN" altLang="en-US" dirty="0" smtClean="0"/>
-              <a:t>事务中超过一个数据源，抛出异常</a:t>
+              <a:t>本地事务中超过一个数据源，抛出异常</a:t>
             </a:r>
             <a:r>
               <a:rPr lang="en-US" altLang="zh-CN" dirty="0" smtClean="0"/>
               <a:t>)</a:t>
             </a:r>
+          </a:p>
+          <a:p>
+            <a:r>
+              <a:rPr lang="zh-CN" altLang="en-US" dirty="0" smtClean="0"/>
+              <a:t>支持分布式</a:t>
+            </a:r>
+            <a:r>
+              <a:rPr lang="zh-CN" altLang="en-US" dirty="0" smtClean="0"/>
+              <a:t>事务</a:t>
+            </a:r>
+            <a:r>
+              <a:rPr lang="en-US" altLang="zh-CN" dirty="0" smtClean="0"/>
+              <a:t>(</a:t>
+            </a:r>
+            <a:r>
+              <a:rPr lang="en-US" altLang="zh-CN" dirty="0" err="1" smtClean="0"/>
+              <a:t>xa_satrt</a:t>
+            </a:r>
+            <a:r>
+              <a:rPr lang="zh-CN" altLang="en-US" dirty="0" smtClean="0"/>
+              <a:t>、</a:t>
+            </a:r>
+            <a:r>
+              <a:rPr lang="en-US" altLang="zh-CN" dirty="0" smtClean="0"/>
+              <a:t> </a:t>
+            </a:r>
+            <a:r>
+              <a:rPr lang="en-US" altLang="zh-CN" dirty="0" err="1" smtClean="0"/>
+              <a:t>xa_end_prepare_and_commit</a:t>
+            </a:r>
+            <a:r>
+              <a:rPr lang="zh-CN" altLang="en-US" dirty="0" smtClean="0"/>
+              <a:t>、</a:t>
+            </a:r>
+            <a:r>
+              <a:rPr lang="en-US" altLang="zh-CN" dirty="0" smtClean="0"/>
+              <a:t> </a:t>
+            </a:r>
+            <a:r>
+              <a:rPr lang="en-US" altLang="zh-CN" dirty="0" err="1" smtClean="0"/>
+              <a:t>xa_rollback</a:t>
+            </a:r>
+            <a:r>
+              <a:rPr lang="en-US" altLang="zh-CN" dirty="0" smtClean="0"/>
+              <a:t>)</a:t>
+            </a:r>
+            <a:endParaRPr lang="en-US" altLang="zh-CN" dirty="0" smtClean="0"/>
           </a:p>
           <a:p>
             <a:r>
@@ -15809,7 +15852,7 @@
             <a:fld id="{B11D738E-8962-435F-8C43-147B8DD7E819}" type="datetime1">
               <a:rPr lang="en-US" smtClean="0"/>
               <a:pPr/>
-              <a:t>9/4/2014</a:t>
+              <a:t>10/20/2014</a:t>
             </a:fld>
             <a:endParaRPr lang="en-US" dirty="0"/>
           </a:p>
@@ -16328,7 +16371,7 @@
                             </p:stCondLst>
                             <p:childTnLst>
                               <p:par>
-                                <p:cTn id="33" presetID="22" presetClass="entr" presetSubtype="4" fill="hold" nodeType="clickEffect">
+                                <p:cTn id="33" presetID="16" presetClass="entr" presetSubtype="21" fill="hold" nodeType="clickEffect">
                                   <p:stCondLst>
                                     <p:cond delay="0"/>
                                   </p:stCondLst>
@@ -16355,7 +16398,7 @@
                                         <p:strVal val="visible"/>
                                       </p:to>
                                     </p:set>
-                                    <p:animEffect transition="in" filter="wipe(down)">
+                                    <p:animEffect transition="in" filter="barn(inVertical)">
                                       <p:cBhvr>
                                         <p:cTn id="35" dur="500"/>
                                         <p:tgtEl>
@@ -16389,7 +16432,7 @@
                             </p:stCondLst>
                             <p:childTnLst>
                               <p:par>
-                                <p:cTn id="38" presetID="2" presetClass="entr" presetSubtype="4" fill="hold" nodeType="clickEffect">
+                                <p:cTn id="38" presetID="22" presetClass="entr" presetSubtype="4" fill="hold" nodeType="clickEffect">
                                   <p:stCondLst>
                                     <p:cond delay="0"/>
                                   </p:stCondLst>
@@ -16416,13 +16459,74 @@
                                         <p:strVal val="visible"/>
                                       </p:to>
                                     </p:set>
-                                    <p:anim calcmode="lin" valueType="num">
-                                      <p:cBhvr additive="base">
-                                        <p:cTn id="40" dur="500" fill="hold"/>
+                                    <p:animEffect transition="in" filter="wipe(down)">
+                                      <p:cBhvr>
+                                        <p:cTn id="40" dur="500"/>
                                         <p:tgtEl>
                                           <p:spTgt spid="3">
                                             <p:txEl>
                                               <p:pRg st="6" end="6"/>
+                                            </p:txEl>
+                                          </p:spTgt>
+                                        </p:tgtEl>
+                                      </p:cBhvr>
+                                    </p:animEffect>
+                                  </p:childTnLst>
+                                </p:cTn>
+                              </p:par>
+                            </p:childTnLst>
+                          </p:cTn>
+                        </p:par>
+                      </p:childTnLst>
+                    </p:cTn>
+                  </p:par>
+                  <p:par>
+                    <p:cTn id="41" fill="hold">
+                      <p:stCondLst>
+                        <p:cond delay="indefinite"/>
+                      </p:stCondLst>
+                      <p:childTnLst>
+                        <p:par>
+                          <p:cTn id="42" fill="hold">
+                            <p:stCondLst>
+                              <p:cond delay="0"/>
+                            </p:stCondLst>
+                            <p:childTnLst>
+                              <p:par>
+                                <p:cTn id="43" presetID="2" presetClass="entr" presetSubtype="4" fill="hold" nodeType="clickEffect">
+                                  <p:stCondLst>
+                                    <p:cond delay="0"/>
+                                  </p:stCondLst>
+                                  <p:childTnLst>
+                                    <p:set>
+                                      <p:cBhvr>
+                                        <p:cTn id="44" dur="1" fill="hold">
+                                          <p:stCondLst>
+                                            <p:cond delay="0"/>
+                                          </p:stCondLst>
+                                        </p:cTn>
+                                        <p:tgtEl>
+                                          <p:spTgt spid="3">
+                                            <p:txEl>
+                                              <p:pRg st="7" end="7"/>
+                                            </p:txEl>
+                                          </p:spTgt>
+                                        </p:tgtEl>
+                                        <p:attrNameLst>
+                                          <p:attrName>style.visibility</p:attrName>
+                                        </p:attrNameLst>
+                                      </p:cBhvr>
+                                      <p:to>
+                                        <p:strVal val="visible"/>
+                                      </p:to>
+                                    </p:set>
+                                    <p:anim calcmode="lin" valueType="num">
+                                      <p:cBhvr additive="base">
+                                        <p:cTn id="45" dur="500" fill="hold"/>
+                                        <p:tgtEl>
+                                          <p:spTgt spid="3">
+                                            <p:txEl>
+                                              <p:pRg st="7" end="7"/>
                                             </p:txEl>
                                           </p:spTgt>
                                         </p:tgtEl>
@@ -16445,11 +16549,11 @@
                                     </p:anim>
                                     <p:anim calcmode="lin" valueType="num">
                                       <p:cBhvr additive="base">
-                                        <p:cTn id="41" dur="500" fill="hold"/>
+                                        <p:cTn id="46" dur="500" fill="hold"/>
                                         <p:tgtEl>
                                           <p:spTgt spid="3">
                                             <p:txEl>
-                                              <p:pRg st="6" end="6"/>
+                                              <p:pRg st="7" end="7"/>
                                             </p:txEl>
                                           </p:spTgt>
                                         </p:tgtEl>
@@ -16470,67 +16574,6 @@
                                         </p:tav>
                                       </p:tavLst>
                                     </p:anim>
-                                  </p:childTnLst>
-                                </p:cTn>
-                              </p:par>
-                            </p:childTnLst>
-                          </p:cTn>
-                        </p:par>
-                      </p:childTnLst>
-                    </p:cTn>
-                  </p:par>
-                  <p:par>
-                    <p:cTn id="42" fill="hold">
-                      <p:stCondLst>
-                        <p:cond delay="indefinite"/>
-                      </p:stCondLst>
-                      <p:childTnLst>
-                        <p:par>
-                          <p:cTn id="43" fill="hold">
-                            <p:stCondLst>
-                              <p:cond delay="0"/>
-                            </p:stCondLst>
-                            <p:childTnLst>
-                              <p:par>
-                                <p:cTn id="44" presetID="10" presetClass="entr" presetSubtype="0" fill="hold" nodeType="clickEffect">
-                                  <p:stCondLst>
-                                    <p:cond delay="0"/>
-                                  </p:stCondLst>
-                                  <p:childTnLst>
-                                    <p:set>
-                                      <p:cBhvr>
-                                        <p:cTn id="45" dur="1" fill="hold">
-                                          <p:stCondLst>
-                                            <p:cond delay="0"/>
-                                          </p:stCondLst>
-                                        </p:cTn>
-                                        <p:tgtEl>
-                                          <p:spTgt spid="3">
-                                            <p:txEl>
-                                              <p:pRg st="7" end="7"/>
-                                            </p:txEl>
-                                          </p:spTgt>
-                                        </p:tgtEl>
-                                        <p:attrNameLst>
-                                          <p:attrName>style.visibility</p:attrName>
-                                        </p:attrNameLst>
-                                      </p:cBhvr>
-                                      <p:to>
-                                        <p:strVal val="visible"/>
-                                      </p:to>
-                                    </p:set>
-                                    <p:animEffect transition="in" filter="fade">
-                                      <p:cBhvr>
-                                        <p:cTn id="46" dur="500"/>
-                                        <p:tgtEl>
-                                          <p:spTgt spid="3">
-                                            <p:txEl>
-                                              <p:pRg st="7" end="7"/>
-                                            </p:txEl>
-                                          </p:spTgt>
-                                        </p:tgtEl>
-                                      </p:cBhvr>
-                                    </p:animEffect>
                                   </p:childTnLst>
                                 </p:cTn>
                               </p:par>
@@ -16662,6 +16705,67 @@
                       </p:childTnLst>
                     </p:cTn>
                   </p:par>
+                  <p:par>
+                    <p:cTn id="57" fill="hold">
+                      <p:stCondLst>
+                        <p:cond delay="indefinite"/>
+                      </p:stCondLst>
+                      <p:childTnLst>
+                        <p:par>
+                          <p:cTn id="58" fill="hold">
+                            <p:stCondLst>
+                              <p:cond delay="0"/>
+                            </p:stCondLst>
+                            <p:childTnLst>
+                              <p:par>
+                                <p:cTn id="59" presetID="10" presetClass="entr" presetSubtype="0" fill="hold" nodeType="clickEffect">
+                                  <p:stCondLst>
+                                    <p:cond delay="0"/>
+                                  </p:stCondLst>
+                                  <p:childTnLst>
+                                    <p:set>
+                                      <p:cBhvr>
+                                        <p:cTn id="60" dur="1" fill="hold">
+                                          <p:stCondLst>
+                                            <p:cond delay="0"/>
+                                          </p:stCondLst>
+                                        </p:cTn>
+                                        <p:tgtEl>
+                                          <p:spTgt spid="3">
+                                            <p:txEl>
+                                              <p:pRg st="10" end="10"/>
+                                            </p:txEl>
+                                          </p:spTgt>
+                                        </p:tgtEl>
+                                        <p:attrNameLst>
+                                          <p:attrName>style.visibility</p:attrName>
+                                        </p:attrNameLst>
+                                      </p:cBhvr>
+                                      <p:to>
+                                        <p:strVal val="visible"/>
+                                      </p:to>
+                                    </p:set>
+                                    <p:animEffect transition="in" filter="fade">
+                                      <p:cBhvr>
+                                        <p:cTn id="61" dur="500"/>
+                                        <p:tgtEl>
+                                          <p:spTgt spid="3">
+                                            <p:txEl>
+                                              <p:pRg st="10" end="10"/>
+                                            </p:txEl>
+                                          </p:spTgt>
+                                        </p:tgtEl>
+                                      </p:cBhvr>
+                                    </p:animEffect>
+                                  </p:childTnLst>
+                                </p:cTn>
+                              </p:par>
+                            </p:childTnLst>
+                          </p:cTn>
+                        </p:par>
+                      </p:childTnLst>
+                    </p:cTn>
+                  </p:par>
                 </p:childTnLst>
               </p:cTn>
               <p:prevCondLst>
@@ -16729,7 +16833,7 @@
                 </a:solidFill>
               </a:rPr>
               <a:pPr/>
-              <a:t>9/4/2014</a:t>
+              <a:t>10/20/2014</a:t>
             </a:fld>
             <a:endParaRPr lang="en-US">
               <a:solidFill>
@@ -19355,7 +19459,7 @@
                 </a:solidFill>
               </a:rPr>
               <a:pPr/>
-              <a:t>9/4/2014</a:t>
+              <a:t>10/20/2014</a:t>
             </a:fld>
             <a:endParaRPr lang="en-US">
               <a:solidFill>
@@ -23092,7 +23196,7 @@
                 </a:solidFill>
               </a:rPr>
               <a:pPr/>
-              <a:t>9/4/2014</a:t>
+              <a:t>10/20/2014</a:t>
             </a:fld>
             <a:endParaRPr lang="en-US">
               <a:solidFill>
@@ -23449,7 +23553,7 @@
                 </a:solidFill>
               </a:rPr>
               <a:pPr/>
-              <a:t>9/4/2014</a:t>
+              <a:t>10/20/2014</a:t>
             </a:fld>
             <a:endParaRPr lang="en-US">
               <a:solidFill>
@@ -23801,7 +23905,7 @@
                 </a:solidFill>
               </a:rPr>
               <a:pPr/>
-              <a:t>9/4/2014</a:t>
+              <a:t>10/20/2014</a:t>
             </a:fld>
             <a:endParaRPr lang="en-US">
               <a:solidFill>
@@ -24149,7 +24253,7 @@
                 </a:solidFill>
               </a:rPr>
               <a:pPr/>
-              <a:t>9/4/2014</a:t>
+              <a:t>10/20/2014</a:t>
             </a:fld>
             <a:endParaRPr lang="en-US">
               <a:solidFill>
@@ -24328,7 +24432,7 @@
             <a:fld id="{B11D738E-8962-435F-8C43-147B8DD7E819}" type="datetime1">
               <a:rPr lang="en-US" smtClean="0"/>
               <a:pPr/>
-              <a:t>9/4/2014</a:t>
+              <a:t>10/20/2014</a:t>
             </a:fld>
             <a:endParaRPr lang="en-US"/>
           </a:p>
@@ -24526,7 +24630,7 @@
                 </a:solidFill>
               </a:rPr>
               <a:pPr/>
-              <a:t>9/4/2014</a:t>
+              <a:t>10/20/2014</a:t>
             </a:fld>
             <a:endParaRPr lang="en-US">
               <a:solidFill>
@@ -25022,7 +25126,7 @@
                 </a:solidFill>
               </a:rPr>
               <a:pPr/>
-              <a:t>9/4/2014</a:t>
+              <a:t>10/20/2014</a:t>
             </a:fld>
             <a:endParaRPr lang="en-US" dirty="0">
               <a:solidFill>
@@ -25733,7 +25837,7 @@
                 </a:solidFill>
               </a:rPr>
               <a:pPr/>
-              <a:t>9/4/2014</a:t>
+              <a:t>10/20/2014</a:t>
             </a:fld>
             <a:endParaRPr lang="en-US">
               <a:solidFill>
@@ -26854,7 +26958,7 @@
                 </a:solidFill>
               </a:rPr>
               <a:pPr/>
-              <a:t>9/4/2014</a:t>
+              <a:t>10/20/2014</a:t>
             </a:fld>
             <a:endParaRPr lang="en-US" dirty="0">
               <a:solidFill>
@@ -27437,7 +27541,7 @@
             <a:fld id="{B11D738E-8962-435F-8C43-147B8DD7E819}" type="datetime1">
               <a:rPr lang="en-US" smtClean="0"/>
               <a:pPr/>
-              <a:t>9/4/2014</a:t>
+              <a:t>10/20/2014</a:t>
             </a:fld>
             <a:endParaRPr lang="en-US"/>
           </a:p>
@@ -28000,7 +28104,7 @@
             <a:fld id="{B11D738E-8962-435F-8C43-147B8DD7E819}" type="datetime1">
               <a:rPr lang="en-US" smtClean="0"/>
               <a:pPr/>
-              <a:t>9/4/2014</a:t>
+              <a:t>10/20/2014</a:t>
             </a:fld>
             <a:endParaRPr lang="en-US"/>
           </a:p>
@@ -28141,7 +28245,7 @@
             <a:fld id="{B11D738E-8962-435F-8C43-147B8DD7E819}" type="datetime1">
               <a:rPr lang="en-US" smtClean="0"/>
               <a:pPr/>
-              <a:t>9/4/2014</a:t>
+              <a:t>10/20/2014</a:t>
             </a:fld>
             <a:endParaRPr lang="en-US"/>
           </a:p>
@@ -28282,7 +28386,7 @@
             <a:fld id="{B11D738E-8962-435F-8C43-147B8DD7E819}" type="datetime1">
               <a:rPr lang="en-US" smtClean="0"/>
               <a:pPr/>
-              <a:t>9/4/2014</a:t>
+              <a:t>10/20/2014</a:t>
             </a:fld>
             <a:endParaRPr lang="en-US" dirty="0"/>
           </a:p>
@@ -29074,7 +29178,7 @@
             <a:fld id="{B11D738E-8962-435F-8C43-147B8DD7E819}" type="datetime1">
               <a:rPr lang="en-US" smtClean="0"/>
               <a:pPr/>
-              <a:t>9/4/2014</a:t>
+              <a:t>10/20/2014</a:t>
             </a:fld>
             <a:endParaRPr lang="en-US"/>
           </a:p>
@@ -29371,7 +29475,7 @@
             <a:fld id="{B11D738E-8962-435F-8C43-147B8DD7E819}" type="datetime1">
               <a:rPr lang="en-US" smtClean="0"/>
               <a:pPr/>
-              <a:t>9/4/2014</a:t>
+              <a:t>10/20/2014</a:t>
             </a:fld>
             <a:endParaRPr lang="en-US"/>
           </a:p>
@@ -29862,7 +29966,7 @@
                 </a:solidFill>
               </a:rPr>
               <a:pPr/>
-              <a:t>9/4/2014</a:t>
+              <a:t>10/20/2014</a:t>
             </a:fld>
             <a:endParaRPr lang="en-US" dirty="0">
               <a:solidFill>
@@ -30322,7 +30426,7 @@
                 </a:solidFill>
               </a:rPr>
               <a:pPr/>
-              <a:t>9/4/2014</a:t>
+              <a:t>10/20/2014</a:t>
             </a:fld>
             <a:endParaRPr lang="en-US">
               <a:solidFill>
@@ -30751,7 +30855,7 @@
                 </a:solidFill>
               </a:rPr>
               <a:pPr/>
-              <a:t>9/4/2014</a:t>
+              <a:t>10/20/2014</a:t>
             </a:fld>
             <a:endParaRPr lang="en-US">
               <a:solidFill>
